--- a/ContractDistribution/ContractDistribution.pptx
+++ b/ContractDistribution/ContractDistribution.pptx
@@ -5,13 +5,25 @@
     <p:sldMasterId id="2147484188" r:id="rId4"/>
   </p:sldMasterIdLst>
   <p:notesMasterIdLst>
-    <p:notesMasterId r:id="rId9"/>
+    <p:notesMasterId r:id="rId21"/>
   </p:notesMasterIdLst>
   <p:sldIdLst>
     <p:sldId id="256" r:id="rId5"/>
     <p:sldId id="257" r:id="rId6"/>
-    <p:sldId id="278" r:id="rId7"/>
-    <p:sldId id="265" r:id="rId8"/>
+    <p:sldId id="284" r:id="rId7"/>
+    <p:sldId id="281" r:id="rId8"/>
+    <p:sldId id="278" r:id="rId9"/>
+    <p:sldId id="280" r:id="rId10"/>
+    <p:sldId id="279" r:id="rId11"/>
+    <p:sldId id="282" r:id="rId12"/>
+    <p:sldId id="290" r:id="rId13"/>
+    <p:sldId id="283" r:id="rId14"/>
+    <p:sldId id="287" r:id="rId15"/>
+    <p:sldId id="286" r:id="rId16"/>
+    <p:sldId id="288" r:id="rId17"/>
+    <p:sldId id="289" r:id="rId18"/>
+    <p:sldId id="285" r:id="rId19"/>
+    <p:sldId id="265" r:id="rId20"/>
   </p:sldIdLst>
   <p:sldSz cx="12192000" cy="6858000"/>
   <p:notesSz cx="6858000" cy="9144000"/>
@@ -131,11 +143,11 @@
 </file>
 
 <file path=ppt/diagrams/colors1.xml><?xml version="1.0" encoding="utf-8"?>
-<dgm:colorsDef xmlns:dgm="http://schemas.openxmlformats.org/drawingml/2006/diagram" xmlns:a="http://schemas.openxmlformats.org/drawingml/2006/main" uniqueId="urn:microsoft.com/office/officeart/2018/5/colors/Iconchunking_neutralicon_colorful1">
+<dgm:colorsDef xmlns:dgm="http://schemas.openxmlformats.org/drawingml/2006/diagram" xmlns:a="http://schemas.openxmlformats.org/drawingml/2006/main" uniqueId="urn:microsoft.com/office/officeart/2005/8/colors/colorful2">
   <dgm:title val=""/>
   <dgm:desc val=""/>
   <dgm:catLst>
-    <dgm:cat type="colorful" pri="10100"/>
+    <dgm:cat type="colorful" pri="10200"/>
   </dgm:catLst>
   <dgm:styleLbl name="node0">
     <dgm:fillClrLst meth="repeat">
@@ -150,35 +162,26 @@
     <dgm:txEffectClrLst/>
   </dgm:styleLbl>
   <dgm:styleLbl name="node1">
-    <dgm:fillClrLst meth="repeat">
-      <a:schemeClr val="bg1"/>
+    <dgm:fillClrLst>
+      <a:schemeClr val="accent2"/>
+      <a:schemeClr val="accent3"/>
     </dgm:fillClrLst>
     <dgm:linClrLst meth="repeat">
-      <a:schemeClr val="lt1">
-        <a:alpha val="0"/>
-      </a:schemeClr>
+      <a:schemeClr val="lt1"/>
     </dgm:linClrLst>
     <dgm:effectClrLst/>
     <dgm:txLinClrLst/>
-    <dgm:txFillClrLst meth="repeat">
-      <a:schemeClr val="dk1"/>
-    </dgm:txFillClrLst>
+    <dgm:txFillClrLst/>
     <dgm:txEffectClrLst/>
   </dgm:styleLbl>
   <dgm:styleLbl name="alignNode1">
-    <dgm:fillClrLst meth="repeat">
+    <dgm:fillClrLst>
       <a:schemeClr val="accent2"/>
       <a:schemeClr val="accent3"/>
-      <a:schemeClr val="accent4"/>
-      <a:schemeClr val="accent5"/>
-      <a:schemeClr val="accent6"/>
     </dgm:fillClrLst>
-    <dgm:linClrLst meth="repeat">
+    <dgm:linClrLst>
       <a:schemeClr val="accent2"/>
       <a:schemeClr val="accent3"/>
-      <a:schemeClr val="accent4"/>
-      <a:schemeClr val="accent5"/>
-      <a:schemeClr val="accent6"/>
     </dgm:linClrLst>
     <dgm:effectClrLst/>
     <dgm:txLinClrLst/>
@@ -186,12 +189,9 @@
     <dgm:txEffectClrLst/>
   </dgm:styleLbl>
   <dgm:styleLbl name="lnNode1">
-    <dgm:fillClrLst meth="repeat">
+    <dgm:fillClrLst>
       <a:schemeClr val="accent2"/>
       <a:schemeClr val="accent3"/>
-      <a:schemeClr val="accent4"/>
-      <a:schemeClr val="accent5"/>
-      <a:schemeClr val="accent6"/>
     </dgm:fillClrLst>
     <dgm:linClrLst meth="repeat">
       <a:schemeClr val="lt1"/>
@@ -202,20 +202,11 @@
     <dgm:txEffectClrLst/>
   </dgm:styleLbl>
   <dgm:styleLbl name="vennNode1">
-    <dgm:fillClrLst meth="repeat">
+    <dgm:fillClrLst>
       <a:schemeClr val="accent2">
         <a:alpha val="50000"/>
       </a:schemeClr>
       <a:schemeClr val="accent3">
-        <a:alpha val="50000"/>
-      </a:schemeClr>
-      <a:schemeClr val="accent4">
-        <a:alpha val="50000"/>
-      </a:schemeClr>
-      <a:schemeClr val="accent5">
-        <a:alpha val="50000"/>
-      </a:schemeClr>
-      <a:schemeClr val="accent6">
         <a:alpha val="50000"/>
       </a:schemeClr>
     </dgm:fillClrLst>
@@ -229,7 +220,7 @@
   </dgm:styleLbl>
   <dgm:styleLbl name="node2">
     <dgm:fillClrLst>
-      <a:schemeClr val="accent2"/>
+      <a:schemeClr val="accent3"/>
     </dgm:fillClrLst>
     <dgm:linClrLst meth="repeat">
       <a:schemeClr val="lt1"/>
@@ -241,7 +232,7 @@
   </dgm:styleLbl>
   <dgm:styleLbl name="node3">
     <dgm:fillClrLst>
-      <a:schemeClr val="accent3"/>
+      <a:schemeClr val="accent4"/>
     </dgm:fillClrLst>
     <dgm:linClrLst meth="repeat">
       <a:schemeClr val="lt1"/>
@@ -253,7 +244,7 @@
   </dgm:styleLbl>
   <dgm:styleLbl name="node4">
     <dgm:fillClrLst>
-      <a:schemeClr val="accent4"/>
+      <a:schemeClr val="accent5"/>
     </dgm:fillClrLst>
     <dgm:linClrLst meth="repeat">
       <a:schemeClr val="lt1"/>
@@ -264,20 +255,11 @@
     <dgm:txEffectClrLst/>
   </dgm:styleLbl>
   <dgm:styleLbl name="fgImgPlace1">
-    <dgm:fillClrLst meth="repeat">
+    <dgm:fillClrLst>
       <a:schemeClr val="accent2">
         <a:tint val="50000"/>
       </a:schemeClr>
       <a:schemeClr val="accent3">
-        <a:tint val="50000"/>
-      </a:schemeClr>
-      <a:schemeClr val="accent4">
-        <a:tint val="50000"/>
-      </a:schemeClr>
-      <a:schemeClr val="accent5">
-        <a:tint val="50000"/>
-      </a:schemeClr>
-      <a:schemeClr val="accent6">
         <a:tint val="50000"/>
       </a:schemeClr>
     </dgm:fillClrLst>
@@ -293,10 +275,10 @@
   </dgm:styleLbl>
   <dgm:styleLbl name="alignImgPlace1">
     <dgm:fillClrLst>
-      <a:schemeClr val="accent1">
+      <a:schemeClr val="accent2">
         <a:tint val="50000"/>
       </a:schemeClr>
-      <a:schemeClr val="accent2">
+      <a:schemeClr val="accent3">
         <a:tint val="20000"/>
       </a:schemeClr>
     </dgm:fillClrLst>
@@ -312,10 +294,10 @@
   </dgm:styleLbl>
   <dgm:styleLbl name="bgImgPlace1">
     <dgm:fillClrLst>
-      <a:schemeClr val="accent1">
+      <a:schemeClr val="accent2">
         <a:tint val="50000"/>
       </a:schemeClr>
-      <a:schemeClr val="accent2">
+      <a:schemeClr val="accent3">
         <a:tint val="20000"/>
       </a:schemeClr>
     </dgm:fillClrLst>
@@ -330,14 +312,11 @@
     <dgm:txEffectClrLst/>
   </dgm:styleLbl>
   <dgm:styleLbl name="sibTrans2D1">
-    <dgm:fillClrLst meth="repeat">
+    <dgm:fillClrLst>
       <a:schemeClr val="accent2"/>
       <a:schemeClr val="accent3"/>
-      <a:schemeClr val="accent4"/>
-      <a:schemeClr val="accent5"/>
-      <a:schemeClr val="accent6"/>
     </dgm:fillClrLst>
-    <dgm:linClrLst meth="cycle">
+    <dgm:linClrLst meth="repeat">
       <a:schemeClr val="lt1"/>
     </dgm:linClrLst>
     <dgm:effectClrLst/>
@@ -346,14 +325,11 @@
     <dgm:txEffectClrLst/>
   </dgm:styleLbl>
   <dgm:styleLbl name="fgSibTrans2D1">
-    <dgm:fillClrLst meth="repeat">
+    <dgm:fillClrLst>
       <a:schemeClr val="accent2"/>
       <a:schemeClr val="accent3"/>
-      <a:schemeClr val="accent4"/>
-      <a:schemeClr val="accent5"/>
-      <a:schemeClr val="accent6"/>
     </dgm:fillClrLst>
-    <dgm:linClrLst meth="cycle">
+    <dgm:linClrLst meth="repeat">
       <a:schemeClr val="lt1"/>
     </dgm:linClrLst>
     <dgm:effectClrLst/>
@@ -364,14 +340,11 @@
     <dgm:txEffectClrLst/>
   </dgm:styleLbl>
   <dgm:styleLbl name="bgSibTrans2D1">
-    <dgm:fillClrLst meth="repeat">
+    <dgm:fillClrLst>
       <a:schemeClr val="accent2"/>
       <a:schemeClr val="accent3"/>
-      <a:schemeClr val="accent4"/>
-      <a:schemeClr val="accent5"/>
-      <a:schemeClr val="accent6"/>
     </dgm:fillClrLst>
-    <dgm:linClrLst meth="cycle">
+    <dgm:linClrLst meth="repeat">
       <a:schemeClr val="lt1"/>
     </dgm:linClrLst>
     <dgm:effectClrLst/>
@@ -382,19 +355,10 @@
     <dgm:txEffectClrLst/>
   </dgm:styleLbl>
   <dgm:styleLbl name="sibTrans1D1">
-    <dgm:fillClrLst meth="repeat">
+    <dgm:fillClrLst/>
+    <dgm:linClrLst>
       <a:schemeClr val="accent2"/>
       <a:schemeClr val="accent3"/>
-      <a:schemeClr val="accent4"/>
-      <a:schemeClr val="accent5"/>
-      <a:schemeClr val="accent6"/>
-    </dgm:fillClrLst>
-    <dgm:linClrLst meth="repeat">
-      <a:schemeClr val="accent2"/>
-      <a:schemeClr val="accent3"/>
-      <a:schemeClr val="accent4"/>
-      <a:schemeClr val="accent5"/>
-      <a:schemeClr val="accent6"/>
     </dgm:linClrLst>
     <dgm:effectClrLst/>
     <dgm:txLinClrLst/>
@@ -421,10 +385,12 @@
   </dgm:styleLbl>
   <dgm:styleLbl name="asst0">
     <dgm:fillClrLst meth="repeat">
-      <a:schemeClr val="accent1"/>
+      <a:schemeClr val="accent2"/>
     </dgm:fillClrLst>
     <dgm:linClrLst meth="repeat">
-      <a:schemeClr val="lt1"/>
+      <a:schemeClr val="lt1">
+        <a:shade val="80000"/>
+      </a:schemeClr>
     </dgm:linClrLst>
     <dgm:effectClrLst/>
     <dgm:txLinClrLst/>
@@ -433,10 +399,12 @@
   </dgm:styleLbl>
   <dgm:styleLbl name="asst1">
     <dgm:fillClrLst meth="repeat">
-      <a:schemeClr val="accent2"/>
+      <a:schemeClr val="accent3"/>
     </dgm:fillClrLst>
     <dgm:linClrLst meth="repeat">
-      <a:schemeClr val="lt1"/>
+      <a:schemeClr val="lt1">
+        <a:shade val="80000"/>
+      </a:schemeClr>
     </dgm:linClrLst>
     <dgm:effectClrLst/>
     <dgm:txLinClrLst/>
@@ -445,7 +413,7 @@
   </dgm:styleLbl>
   <dgm:styleLbl name="asst2">
     <dgm:fillClrLst>
-      <a:schemeClr val="accent3"/>
+      <a:schemeClr val="accent4"/>
     </dgm:fillClrLst>
     <dgm:linClrLst meth="repeat">
       <a:schemeClr val="lt1"/>
@@ -457,7 +425,7 @@
   </dgm:styleLbl>
   <dgm:styleLbl name="asst3">
     <dgm:fillClrLst>
-      <a:schemeClr val="accent4"/>
+      <a:schemeClr val="accent5"/>
     </dgm:fillClrLst>
     <dgm:linClrLst meth="repeat">
       <a:schemeClr val="lt1"/>
@@ -469,7 +437,7 @@
   </dgm:styleLbl>
   <dgm:styleLbl name="asst4">
     <dgm:fillClrLst>
-      <a:schemeClr val="accent5"/>
+      <a:schemeClr val="accent6"/>
     </dgm:fillClrLst>
     <dgm:linClrLst meth="repeat">
       <a:schemeClr val="lt1"/>
@@ -536,7 +504,7 @@
       <a:schemeClr val="accent2"/>
     </dgm:fillClrLst>
     <dgm:linClrLst meth="repeat">
-      <a:schemeClr val="accent1"/>
+      <a:schemeClr val="accent2"/>
     </dgm:linClrLst>
     <dgm:effectClrLst/>
     <dgm:txLinClrLst/>
@@ -547,24 +515,8 @@
   </dgm:styleLbl>
   <dgm:styleLbl name="parChTrans1D2">
     <dgm:fillClrLst meth="repeat">
-      <a:schemeClr val="accent3">
+      <a:schemeClr val="accent2">
         <a:tint val="90000"/>
-      </a:schemeClr>
-    </dgm:fillClrLst>
-    <dgm:linClrLst meth="repeat">
-      <a:schemeClr val="accent2"/>
-    </dgm:linClrLst>
-    <dgm:effectClrLst/>
-    <dgm:txLinClrLst/>
-    <dgm:txFillClrLst meth="repeat">
-      <a:schemeClr val="tx1"/>
-    </dgm:txFillClrLst>
-    <dgm:txEffectClrLst/>
-  </dgm:styleLbl>
-  <dgm:styleLbl name="parChTrans1D3">
-    <dgm:fillClrLst meth="repeat">
-      <a:schemeClr val="accent4">
-        <a:tint val="70000"/>
       </a:schemeClr>
     </dgm:fillClrLst>
     <dgm:linClrLst meth="repeat">
@@ -577,14 +529,30 @@
     </dgm:txFillClrLst>
     <dgm:txEffectClrLst/>
   </dgm:styleLbl>
+  <dgm:styleLbl name="parChTrans1D3">
+    <dgm:fillClrLst meth="repeat">
+      <a:schemeClr val="accent2">
+        <a:tint val="70000"/>
+      </a:schemeClr>
+    </dgm:fillClrLst>
+    <dgm:linClrLst meth="repeat">
+      <a:schemeClr val="accent4"/>
+    </dgm:linClrLst>
+    <dgm:effectClrLst/>
+    <dgm:txLinClrLst/>
+    <dgm:txFillClrLst meth="repeat">
+      <a:schemeClr val="tx1"/>
+    </dgm:txFillClrLst>
+    <dgm:txEffectClrLst/>
+  </dgm:styleLbl>
   <dgm:styleLbl name="parChTrans1D4">
     <dgm:fillClrLst meth="repeat">
-      <a:schemeClr val="accent5">
+      <a:schemeClr val="accent2">
         <a:tint val="50000"/>
       </a:schemeClr>
     </dgm:fillClrLst>
     <dgm:linClrLst meth="repeat">
-      <a:schemeClr val="accent4"/>
+      <a:schemeClr val="accent5"/>
     </dgm:linClrLst>
     <dgm:effectClrLst/>
     <dgm:txLinClrLst/>
@@ -599,12 +567,9 @@
         <a:alpha val="90000"/>
       </a:schemeClr>
     </dgm:fillClrLst>
-    <dgm:linClrLst meth="repeat">
+    <dgm:linClrLst>
       <a:schemeClr val="accent2"/>
       <a:schemeClr val="accent3"/>
-      <a:schemeClr val="accent4"/>
-      <a:schemeClr val="accent5"/>
-      <a:schemeClr val="accent6"/>
     </dgm:linClrLst>
     <dgm:effectClrLst/>
     <dgm:txLinClrLst/>
@@ -619,12 +584,9 @@
         <a:alpha val="90000"/>
       </a:schemeClr>
     </dgm:fillClrLst>
-    <dgm:linClrLst meth="repeat">
+    <dgm:linClrLst>
       <a:schemeClr val="accent2"/>
       <a:schemeClr val="accent3"/>
-      <a:schemeClr val="accent4"/>
-      <a:schemeClr val="accent5"/>
-      <a:schemeClr val="accent6"/>
     </dgm:linClrLst>
     <dgm:effectClrLst/>
     <dgm:txLinClrLst/>
@@ -639,12 +601,9 @@
         <a:alpha val="90000"/>
       </a:schemeClr>
     </dgm:fillClrLst>
-    <dgm:linClrLst meth="repeat">
+    <dgm:linClrLst>
       <a:schemeClr val="accent2"/>
       <a:schemeClr val="accent3"/>
-      <a:schemeClr val="accent4"/>
-      <a:schemeClr val="accent5"/>
-      <a:schemeClr val="accent6"/>
     </dgm:linClrLst>
     <dgm:effectClrLst/>
     <dgm:txLinClrLst/>
@@ -660,7 +619,7 @@
       </a:schemeClr>
     </dgm:fillClrLst>
     <dgm:linClrLst meth="repeat">
-      <a:schemeClr val="accent1"/>
+      <a:schemeClr val="accent2"/>
     </dgm:linClrLst>
     <dgm:effectClrLst/>
     <dgm:txLinClrLst/>
@@ -675,12 +634,9 @@
         <a:alpha val="90000"/>
       </a:schemeClr>
     </dgm:fillClrLst>
-    <dgm:linClrLst meth="repeat">
+    <dgm:linClrLst>
       <a:schemeClr val="accent2"/>
       <a:schemeClr val="accent3"/>
-      <a:schemeClr val="accent4"/>
-      <a:schemeClr val="accent5"/>
-      <a:schemeClr val="accent6"/>
     </dgm:linClrLst>
     <dgm:effectClrLst/>
     <dgm:txLinClrLst/>
@@ -693,12 +649,9 @@
     <dgm:fillClrLst meth="repeat">
       <a:schemeClr val="lt1"/>
     </dgm:fillClrLst>
-    <dgm:linClrLst meth="repeat">
+    <dgm:linClrLst>
       <a:schemeClr val="accent2"/>
       <a:schemeClr val="accent3"/>
-      <a:schemeClr val="accent4"/>
-      <a:schemeClr val="accent5"/>
-      <a:schemeClr val="accent6"/>
     </dgm:linClrLst>
     <dgm:effectClrLst/>
     <dgm:txLinClrLst/>
@@ -711,12 +664,9 @@
     <dgm:fillClrLst meth="repeat">
       <a:schemeClr val="lt1"/>
     </dgm:fillClrLst>
-    <dgm:linClrLst meth="repeat">
+    <dgm:linClrLst>
       <a:schemeClr val="accent2"/>
       <a:schemeClr val="accent3"/>
-      <a:schemeClr val="accent4"/>
-      <a:schemeClr val="accent5"/>
-      <a:schemeClr val="accent6"/>
     </dgm:linClrLst>
     <dgm:effectClrLst/>
     <dgm:txLinClrLst/>
@@ -729,12 +679,9 @@
     <dgm:fillClrLst meth="repeat">
       <a:schemeClr val="lt1"/>
     </dgm:fillClrLst>
-    <dgm:linClrLst meth="repeat">
+    <dgm:linClrLst>
       <a:schemeClr val="accent2"/>
       <a:schemeClr val="accent3"/>
-      <a:schemeClr val="accent4"/>
-      <a:schemeClr val="accent5"/>
-      <a:schemeClr val="accent6"/>
     </dgm:linClrLst>
     <dgm:effectClrLst/>
     <dgm:txLinClrLst/>
@@ -744,7 +691,7 @@
     <dgm:txEffectClrLst/>
   </dgm:styleLbl>
   <dgm:styleLbl name="fgAccFollowNode1">
-    <dgm:fillClrLst meth="repeat">
+    <dgm:fillClrLst>
       <a:schemeClr val="accent2">
         <a:tint val="40000"/>
         <a:alpha val="90000"/>
@@ -753,37 +700,13 @@
         <a:tint val="40000"/>
         <a:alpha val="90000"/>
       </a:schemeClr>
-      <a:schemeClr val="accent4">
-        <a:tint val="40000"/>
-        <a:alpha val="90000"/>
-      </a:schemeClr>
-      <a:schemeClr val="accent5">
-        <a:tint val="40000"/>
-        <a:alpha val="90000"/>
-      </a:schemeClr>
-      <a:schemeClr val="accent6">
-        <a:tint val="40000"/>
-        <a:alpha val="90000"/>
-      </a:schemeClr>
     </dgm:fillClrLst>
-    <dgm:linClrLst meth="repeat">
+    <dgm:linClrLst>
       <a:schemeClr val="accent2">
         <a:tint val="40000"/>
         <a:alpha val="90000"/>
       </a:schemeClr>
       <a:schemeClr val="accent3">
-        <a:tint val="40000"/>
-        <a:alpha val="90000"/>
-      </a:schemeClr>
-      <a:schemeClr val="accent4">
-        <a:tint val="40000"/>
-        <a:alpha val="90000"/>
-      </a:schemeClr>
-      <a:schemeClr val="accent5">
-        <a:tint val="40000"/>
-        <a:alpha val="90000"/>
-      </a:schemeClr>
-      <a:schemeClr val="accent6">
         <a:tint val="40000"/>
         <a:alpha val="90000"/>
       </a:schemeClr>
@@ -796,7 +719,7 @@
     <dgm:txEffectClrLst/>
   </dgm:styleLbl>
   <dgm:styleLbl name="alignAccFollowNode1">
-    <dgm:fillClrLst meth="repeat">
+    <dgm:fillClrLst>
       <a:schemeClr val="accent2">
         <a:tint val="40000"/>
         <a:alpha val="90000"/>
@@ -805,37 +728,13 @@
         <a:tint val="40000"/>
         <a:alpha val="90000"/>
       </a:schemeClr>
-      <a:schemeClr val="accent4">
-        <a:tint val="40000"/>
-        <a:alpha val="90000"/>
-      </a:schemeClr>
-      <a:schemeClr val="accent5">
-        <a:tint val="40000"/>
-        <a:alpha val="90000"/>
-      </a:schemeClr>
-      <a:schemeClr val="accent6">
-        <a:tint val="40000"/>
-        <a:alpha val="90000"/>
-      </a:schemeClr>
     </dgm:fillClrLst>
-    <dgm:linClrLst meth="repeat">
+    <dgm:linClrLst>
       <a:schemeClr val="accent2">
         <a:tint val="40000"/>
         <a:alpha val="90000"/>
       </a:schemeClr>
       <a:schemeClr val="accent3">
-        <a:tint val="40000"/>
-        <a:alpha val="90000"/>
-      </a:schemeClr>
-      <a:schemeClr val="accent4">
-        <a:tint val="40000"/>
-        <a:alpha val="90000"/>
-      </a:schemeClr>
-      <a:schemeClr val="accent5">
-        <a:tint val="40000"/>
-        <a:alpha val="90000"/>
-      </a:schemeClr>
-      <a:schemeClr val="accent6">
         <a:tint val="40000"/>
         <a:alpha val="90000"/>
       </a:schemeClr>
@@ -848,7 +747,7 @@
     <dgm:txEffectClrLst/>
   </dgm:styleLbl>
   <dgm:styleLbl name="bgAccFollowNode1">
-    <dgm:fillClrLst meth="repeat">
+    <dgm:fillClrLst>
       <a:schemeClr val="accent2">
         <a:tint val="40000"/>
         <a:alpha val="90000"/>
@@ -857,37 +756,13 @@
         <a:tint val="40000"/>
         <a:alpha val="90000"/>
       </a:schemeClr>
-      <a:schemeClr val="accent4">
-        <a:tint val="40000"/>
-        <a:alpha val="90000"/>
-      </a:schemeClr>
-      <a:schemeClr val="accent5">
-        <a:tint val="40000"/>
-        <a:alpha val="90000"/>
-      </a:schemeClr>
-      <a:schemeClr val="accent6">
-        <a:tint val="40000"/>
-        <a:alpha val="90000"/>
-      </a:schemeClr>
     </dgm:fillClrLst>
-    <dgm:linClrLst meth="repeat">
+    <dgm:linClrLst>
       <a:schemeClr val="accent2">
         <a:tint val="40000"/>
         <a:alpha val="90000"/>
       </a:schemeClr>
       <a:schemeClr val="accent3">
-        <a:tint val="40000"/>
-        <a:alpha val="90000"/>
-      </a:schemeClr>
-      <a:schemeClr val="accent4">
-        <a:tint val="40000"/>
-        <a:alpha val="90000"/>
-      </a:schemeClr>
-      <a:schemeClr val="accent5">
-        <a:tint val="40000"/>
-        <a:alpha val="90000"/>
-      </a:schemeClr>
-      <a:schemeClr val="accent6">
         <a:tint val="40000"/>
         <a:alpha val="90000"/>
       </a:schemeClr>
@@ -922,7 +797,7 @@
       </a:schemeClr>
     </dgm:fillClrLst>
     <dgm:linClrLst>
-      <a:schemeClr val="accent2"/>
+      <a:schemeClr val="accent3"/>
     </dgm:linClrLst>
     <dgm:effectClrLst/>
     <dgm:txLinClrLst/>
@@ -938,7 +813,7 @@
       </a:schemeClr>
     </dgm:fillClrLst>
     <dgm:linClrLst>
-      <a:schemeClr val="accent3"/>
+      <a:schemeClr val="accent4"/>
     </dgm:linClrLst>
     <dgm:effectClrLst/>
     <dgm:txLinClrLst/>
@@ -954,7 +829,7 @@
       </a:schemeClr>
     </dgm:fillClrLst>
     <dgm:linClrLst>
-      <a:schemeClr val="accent4"/>
+      <a:schemeClr val="accent5"/>
     </dgm:linClrLst>
     <dgm:effectClrLst/>
     <dgm:txLinClrLst/>
@@ -965,20 +840,18 @@
   </dgm:styleLbl>
   <dgm:styleLbl name="bgShp">
     <dgm:fillClrLst meth="repeat">
-      <a:schemeClr val="accent2"/>
-      <a:schemeClr val="accent3"/>
-      <a:schemeClr val="accent4"/>
-      <a:schemeClr val="accent5"/>
-      <a:schemeClr val="accent6"/>
+      <a:schemeClr val="accent2">
+        <a:tint val="40000"/>
+      </a:schemeClr>
     </dgm:fillClrLst>
     <dgm:linClrLst meth="repeat">
-      <a:schemeClr val="lt1">
-        <a:alpha val="0"/>
-      </a:schemeClr>
+      <a:schemeClr val="dk1"/>
     </dgm:linClrLst>
     <dgm:effectClrLst/>
     <dgm:txLinClrLst/>
-    <dgm:txFillClrLst/>
+    <dgm:txFillClrLst meth="repeat">
+      <a:schemeClr val="dk1"/>
+    </dgm:txFillClrLst>
     <dgm:txEffectClrLst/>
   </dgm:styleLbl>
   <dgm:styleLbl name="dkBgShp">
@@ -999,7 +872,7 @@
   </dgm:styleLbl>
   <dgm:styleLbl name="trBgShp">
     <dgm:fillClrLst meth="repeat">
-      <a:schemeClr val="accent1">
+      <a:schemeClr val="accent2">
         <a:tint val="50000"/>
         <a:alpha val="40000"/>
       </a:schemeClr>
@@ -1054,8 +927,8 @@
 <file path=ppt/diagrams/data1.xml><?xml version="1.0" encoding="utf-8"?>
 <dgm:dataModel xmlns:dgm="http://schemas.openxmlformats.org/drawingml/2006/diagram" xmlns:a="http://schemas.openxmlformats.org/drawingml/2006/main">
   <dgm:ptLst>
-    <dgm:pt modelId="{AF03D74A-BC1D-4931-A796-A2C6BF631EAE}" type="doc">
-      <dgm:prSet loTypeId="urn:microsoft.com/office/officeart/2018/5/layout/IconLeafLabelList" loCatId="icon" qsTypeId="urn:microsoft.com/office/officeart/2005/8/quickstyle/simple1" qsCatId="simple" csTypeId="urn:microsoft.com/office/officeart/2018/5/colors/Iconchunking_neutralicon_colorful1" csCatId="colorful" phldr="1"/>
+    <dgm:pt modelId="{A293AA11-2BDA-41BC-A5A5-C7A250F96A07}" type="doc">
+      <dgm:prSet loTypeId="urn:microsoft.com/office/officeart/2008/layout/LinedList" loCatId="list" qsTypeId="urn:microsoft.com/office/officeart/2005/8/quickstyle/simple4" qsCatId="simple" csTypeId="urn:microsoft.com/office/officeart/2005/8/colors/colorful2" csCatId="colorful" phldr="1"/>
       <dgm:spPr/>
       <dgm:t>
         <a:bodyPr/>
@@ -1065,19 +938,32 @@
         </a:p>
       </dgm:t>
     </dgm:pt>
-    <dgm:pt modelId="{F84DCECD-CB22-4EB4-B83B-DF06247DC059}">
+    <dgm:pt modelId="{CA043E4C-5128-4A94-B842-576BC9F45DE5}">
       <dgm:prSet/>
       <dgm:spPr/>
       <dgm:t>
         <a:bodyPr/>
         <a:lstStyle/>
         <a:p>
-          <a:pPr>
-            <a:defRPr cap="all"/>
-          </a:pPr>
           <a:r>
             <a:rPr lang="pl-PL" dirty="0" err="1"/>
-            <a:t>What</a:t>
+            <a:t>Why</a:t>
+          </a:r>
+          <a:r>
+            <a:rPr lang="pl-PL" dirty="0"/>
+            <a:t> </a:t>
+          </a:r>
+          <a:r>
+            <a:rPr lang="pl-PL" dirty="0" err="1"/>
+            <a:t>contract</a:t>
+          </a:r>
+          <a:r>
+            <a:rPr lang="pl-PL" dirty="0"/>
+            <a:t> </a:t>
+          </a:r>
+          <a:r>
+            <a:rPr lang="pl-PL" dirty="0" err="1"/>
+            <a:t>distribution</a:t>
           </a:r>
           <a:r>
             <a:rPr lang="pl-PL" dirty="0"/>
@@ -1093,25 +979,13 @@
           </a:r>
           <a:r>
             <a:rPr lang="pl-PL" dirty="0" err="1"/>
-            <a:t>clean</a:t>
-          </a:r>
-          <a:r>
-            <a:rPr lang="pl-PL" dirty="0"/>
-            <a:t> </a:t>
-          </a:r>
-          <a:r>
-            <a:rPr lang="pl-PL" dirty="0" err="1"/>
-            <a:t>code</a:t>
-          </a:r>
-          <a:r>
-            <a:rPr lang="pl-PL" dirty="0"/>
-            <a:t>?</a:t>
+            <a:t>important</a:t>
           </a:r>
           <a:endParaRPr lang="en-US" dirty="0"/>
         </a:p>
       </dgm:t>
     </dgm:pt>
-    <dgm:pt modelId="{E9596609-F684-43A2-8750-0B87DF034CF0}" type="parTrans" cxnId="{7EC03AFE-03E4-415D-A8EA-2795E5CB1EA6}">
+    <dgm:pt modelId="{B2BBE951-568B-4962-B760-AF13A29EAA89}" type="parTrans" cxnId="{3F851690-49B8-4B6B-8EE0-83D96EA9EA14}">
       <dgm:prSet/>
       <dgm:spPr/>
       <dgm:t>
@@ -1122,7 +996,7 @@
         </a:p>
       </dgm:t>
     </dgm:pt>
-    <dgm:pt modelId="{A7BD2CCC-3E5D-4536-98BA-03FC4B6DAB06}" type="sibTrans" cxnId="{7EC03AFE-03E4-415D-A8EA-2795E5CB1EA6}">
+    <dgm:pt modelId="{1E578BA6-7A1D-454E-B89C-4D6431BC6A04}" type="sibTrans" cxnId="{3F851690-49B8-4B6B-8EE0-83D96EA9EA14}">
       <dgm:prSet/>
       <dgm:spPr/>
       <dgm:t>
@@ -1133,25 +1007,38 @@
         </a:p>
       </dgm:t>
     </dgm:pt>
-    <dgm:pt modelId="{BA3744D3-9D53-4A15-BBE2-7E722144AD83}">
+    <dgm:pt modelId="{8A63E69D-C3C6-40F0-A131-C585E4B61481}">
       <dgm:prSet/>
       <dgm:spPr/>
       <dgm:t>
         <a:bodyPr/>
         <a:lstStyle/>
         <a:p>
-          <a:pPr>
-            <a:defRPr cap="all"/>
-          </a:pPr>
           <a:r>
-            <a:rPr lang="pl-PL"/>
-            <a:t>Handy practices</a:t>
+            <a:rPr lang="pl-PL" dirty="0" err="1"/>
+            <a:t>Differrent</a:t>
           </a:r>
-          <a:endParaRPr lang="en-US"/>
+          <a:r>
+            <a:rPr lang="pl-PL" dirty="0"/>
+            <a:t> </a:t>
+          </a:r>
+          <a:r>
+            <a:rPr lang="pl-PL" dirty="0" err="1"/>
+            <a:t>views</a:t>
+          </a:r>
+          <a:r>
+            <a:rPr lang="pl-PL" dirty="0"/>
+            <a:t> on </a:t>
+          </a:r>
+          <a:r>
+            <a:rPr lang="pl-PL" dirty="0" err="1"/>
+            <a:t>tests</a:t>
+          </a:r>
+          <a:endParaRPr lang="en-US" dirty="0"/>
         </a:p>
       </dgm:t>
     </dgm:pt>
-    <dgm:pt modelId="{3563F041-C9F9-4D7A-9720-0EC9BF468CD9}" type="parTrans" cxnId="{FC2CF3EE-1F80-4059-AB0E-7A338E02F770}">
+    <dgm:pt modelId="{1AC8CED0-D2C5-4E12-8041-DDD419B68FC6}" type="parTrans" cxnId="{C7845B62-CBEB-4D34-982A-0D6E39C19F04}">
       <dgm:prSet/>
       <dgm:spPr/>
       <dgm:t>
@@ -1162,7 +1049,7 @@
         </a:p>
       </dgm:t>
     </dgm:pt>
-    <dgm:pt modelId="{CB038B40-B4FA-4CB6-B6DA-3388FB66FAFE}" type="sibTrans" cxnId="{FC2CF3EE-1F80-4059-AB0E-7A338E02F770}">
+    <dgm:pt modelId="{810FF601-7C4E-47F2-8923-8CF080255558}" type="sibTrans" cxnId="{C7845B62-CBEB-4D34-982A-0D6E39C19F04}">
       <dgm:prSet/>
       <dgm:spPr/>
       <dgm:t>
@@ -1173,19 +1060,20 @@
         </a:p>
       </dgm:t>
     </dgm:pt>
-    <dgm:pt modelId="{CB7BF656-FCC4-4CA2-965C-21C41935E921}">
+    <dgm:pt modelId="{443AD337-21D2-45FA-A5EE-94441A7D53D9}">
       <dgm:prSet/>
       <dgm:spPr/>
       <dgm:t>
         <a:bodyPr/>
         <a:lstStyle/>
         <a:p>
-          <a:pPr>
-            <a:defRPr cap="all"/>
-          </a:pPr>
+          <a:r>
+            <a:rPr lang="pl-PL" dirty="0"/>
+            <a:t>Interface-</a:t>
+          </a:r>
           <a:r>
             <a:rPr lang="pl-PL" dirty="0" err="1"/>
-            <a:t>Clean</a:t>
+            <a:t>based</a:t>
           </a:r>
           <a:r>
             <a:rPr lang="pl-PL" dirty="0"/>
@@ -1193,7 +1081,7 @@
           </a:r>
           <a:r>
             <a:rPr lang="pl-PL" dirty="0" err="1"/>
-            <a:t>architecture</a:t>
+            <a:t>contract</a:t>
           </a:r>
           <a:r>
             <a:rPr lang="pl-PL" dirty="0"/>
@@ -1201,7 +1089,15 @@
           </a:r>
           <a:r>
             <a:rPr lang="pl-PL" dirty="0" err="1"/>
-            <a:t>overview</a:t>
+            <a:t>distribution</a:t>
+          </a:r>
+          <a:r>
+            <a:rPr lang="pl-PL" dirty="0"/>
+            <a:t> and </a:t>
+          </a:r>
+          <a:r>
+            <a:rPr lang="pl-PL" dirty="0" err="1"/>
+            <a:t>testing</a:t>
           </a:r>
           <a:r>
             <a:rPr lang="pl-PL" dirty="0"/>
@@ -1211,7 +1107,7 @@
         </a:p>
       </dgm:t>
     </dgm:pt>
-    <dgm:pt modelId="{1FC166B6-2D98-424C-B56A-DFF371038258}" type="parTrans" cxnId="{6A37BB08-7177-4439-8CA5-7FB02EF8354A}">
+    <dgm:pt modelId="{74804A30-4F24-4793-A4AA-61A00ECE091C}" type="parTrans" cxnId="{4199E818-930F-4BF3-90CD-227FE4E65DF5}">
       <dgm:prSet/>
       <dgm:spPr/>
       <dgm:t>
@@ -1222,7 +1118,7 @@
         </a:p>
       </dgm:t>
     </dgm:pt>
-    <dgm:pt modelId="{33FCA695-C190-40B0-AE51-5CFFAB0E0EE3}" type="sibTrans" cxnId="{6A37BB08-7177-4439-8CA5-7FB02EF8354A}">
+    <dgm:pt modelId="{7D2E0245-16AB-49A9-99A1-C6904E97D539}" type="sibTrans" cxnId="{4199E818-930F-4BF3-90CD-227FE4E65DF5}">
       <dgm:prSet/>
       <dgm:spPr/>
       <dgm:t>
@@ -1233,25 +1129,22 @@
         </a:p>
       </dgm:t>
     </dgm:pt>
-    <dgm:pt modelId="{C5424BE9-FCB6-4942-9867-44F9E4739404}">
+    <dgm:pt modelId="{55D2F2E5-1EF8-4DC0-8F01-23C7AB31DF28}">
       <dgm:prSet/>
       <dgm:spPr/>
       <dgm:t>
         <a:bodyPr/>
         <a:lstStyle/>
         <a:p>
-          <a:pPr>
-            <a:defRPr cap="all"/>
-          </a:pPr>
           <a:r>
             <a:rPr lang="pl-PL"/>
-            <a:t>Questions?</a:t>
+            <a:t>DTO-based contract distribution and testing</a:t>
           </a:r>
           <a:endParaRPr lang="en-US"/>
         </a:p>
       </dgm:t>
     </dgm:pt>
-    <dgm:pt modelId="{1DF7515C-3C0C-4CD4-9AFD-3BC747F7A4D2}" type="parTrans" cxnId="{3D42BF8A-44D5-458C-A864-1B3E4D493C83}">
+    <dgm:pt modelId="{6CE37031-C455-4AA9-9EEA-93F85C996F5A}" type="parTrans" cxnId="{B4DF1C44-D0A0-44E4-B2F3-1FCDAC027CF8}">
       <dgm:prSet/>
       <dgm:spPr/>
       <dgm:t>
@@ -1262,7 +1155,7 @@
         </a:p>
       </dgm:t>
     </dgm:pt>
-    <dgm:pt modelId="{A6D0B241-DFA2-45FD-ACE9-0FA3DC32FC49}" type="sibTrans" cxnId="{3D42BF8A-44D5-458C-A864-1B3E4D493C83}">
+    <dgm:pt modelId="{C84523F8-4796-43BC-BA9C-92F7BF4AD67F}" type="sibTrans" cxnId="{B4DF1C44-D0A0-44E4-B2F3-1FCDAC027CF8}">
       <dgm:prSet/>
       <dgm:spPr/>
       <dgm:t>
@@ -1273,279 +1166,343 @@
         </a:p>
       </dgm:t>
     </dgm:pt>
-    <dgm:pt modelId="{17F5825A-9DE3-478D-A6E2-32D9CEFC996C}" type="pres">
-      <dgm:prSet presAssocID="{AF03D74A-BC1D-4931-A796-A2C6BF631EAE}" presName="root" presStyleCnt="0">
+    <dgm:pt modelId="{1BEA2836-562F-4D2C-AD8D-9803C71A0FC3}">
+      <dgm:prSet/>
+      <dgm:spPr/>
+      <dgm:t>
+        <a:bodyPr/>
+        <a:lstStyle/>
+        <a:p>
+          <a:r>
+            <a:rPr lang="pl-PL"/>
+            <a:t>OpenAPI contract distribution and testing</a:t>
+          </a:r>
+          <a:endParaRPr lang="en-US"/>
+        </a:p>
+      </dgm:t>
+    </dgm:pt>
+    <dgm:pt modelId="{C44CE668-319B-4016-88FB-81CA489F0373}" type="parTrans" cxnId="{0824E506-1803-46C8-AD24-FCBCC09A47C4}">
+      <dgm:prSet/>
+      <dgm:spPr/>
+      <dgm:t>
+        <a:bodyPr/>
+        <a:lstStyle/>
+        <a:p>
+          <a:endParaRPr lang="en-US"/>
+        </a:p>
+      </dgm:t>
+    </dgm:pt>
+    <dgm:pt modelId="{A9B10EBA-1643-4E98-9D31-F0351A802409}" type="sibTrans" cxnId="{0824E506-1803-46C8-AD24-FCBCC09A47C4}">
+      <dgm:prSet/>
+      <dgm:spPr/>
+      <dgm:t>
+        <a:bodyPr/>
+        <a:lstStyle/>
+        <a:p>
+          <a:endParaRPr lang="en-US"/>
+        </a:p>
+      </dgm:t>
+    </dgm:pt>
+    <dgm:pt modelId="{BAF86DD5-4441-4649-A527-F5A271ED7207}">
+      <dgm:prSet/>
+      <dgm:spPr/>
+      <dgm:t>
+        <a:bodyPr/>
+        <a:lstStyle/>
+        <a:p>
+          <a:r>
+            <a:rPr lang="pl-PL"/>
+            <a:t>Special service dependency considerations</a:t>
+          </a:r>
+          <a:endParaRPr lang="en-US"/>
+        </a:p>
+      </dgm:t>
+    </dgm:pt>
+    <dgm:pt modelId="{24247150-21BE-435F-9952-4D2E1B3AD563}" type="parTrans" cxnId="{7C316D9D-6619-400C-99A9-60799172C6B8}">
+      <dgm:prSet/>
+      <dgm:spPr/>
+      <dgm:t>
+        <a:bodyPr/>
+        <a:lstStyle/>
+        <a:p>
+          <a:endParaRPr lang="en-US"/>
+        </a:p>
+      </dgm:t>
+    </dgm:pt>
+    <dgm:pt modelId="{71CD1296-72E0-4E92-A7C3-C92E920AC60E}" type="sibTrans" cxnId="{7C316D9D-6619-400C-99A9-60799172C6B8}">
+      <dgm:prSet/>
+      <dgm:spPr/>
+      <dgm:t>
+        <a:bodyPr/>
+        <a:lstStyle/>
+        <a:p>
+          <a:endParaRPr lang="en-US"/>
+        </a:p>
+      </dgm:t>
+    </dgm:pt>
+    <dgm:pt modelId="{1373AD0D-4D44-4008-9478-F9673084F9D9}">
+      <dgm:prSet/>
+      <dgm:spPr/>
+      <dgm:t>
+        <a:bodyPr/>
+        <a:lstStyle/>
+        <a:p>
+          <a:r>
+            <a:rPr lang="pl-PL"/>
+            <a:t>Non-REST contract distribution</a:t>
+          </a:r>
+          <a:endParaRPr lang="en-US"/>
+        </a:p>
+      </dgm:t>
+    </dgm:pt>
+    <dgm:pt modelId="{1FC28E7A-B6E5-44F1-B3E5-B019B05CA41B}" type="parTrans" cxnId="{A2323C74-6507-413E-86FD-30F75813255A}">
+      <dgm:prSet/>
+      <dgm:spPr/>
+      <dgm:t>
+        <a:bodyPr/>
+        <a:lstStyle/>
+        <a:p>
+          <a:endParaRPr lang="en-US"/>
+        </a:p>
+      </dgm:t>
+    </dgm:pt>
+    <dgm:pt modelId="{BF5D41E6-6A90-4D2A-97E5-27AC261D4B73}" type="sibTrans" cxnId="{A2323C74-6507-413E-86FD-30F75813255A}">
+      <dgm:prSet/>
+      <dgm:spPr/>
+      <dgm:t>
+        <a:bodyPr/>
+        <a:lstStyle/>
+        <a:p>
+          <a:endParaRPr lang="en-US"/>
+        </a:p>
+      </dgm:t>
+    </dgm:pt>
+    <dgm:pt modelId="{89828050-C15A-44D1-8038-6AD2B614E94A}">
+      <dgm:prSet/>
+      <dgm:spPr/>
+      <dgm:t>
+        <a:bodyPr/>
+        <a:lstStyle/>
+        <a:p>
+          <a:r>
+            <a:rPr lang="pl-PL"/>
+            <a:t>Questions</a:t>
+          </a:r>
+          <a:endParaRPr lang="en-US"/>
+        </a:p>
+      </dgm:t>
+    </dgm:pt>
+    <dgm:pt modelId="{D7A6BF53-8E6A-439E-99F4-284E9A9E10C4}" type="parTrans" cxnId="{662A6F21-E1AC-4B48-B13A-2E0E1B9AA290}">
+      <dgm:prSet/>
+      <dgm:spPr/>
+      <dgm:t>
+        <a:bodyPr/>
+        <a:lstStyle/>
+        <a:p>
+          <a:endParaRPr lang="en-US"/>
+        </a:p>
+      </dgm:t>
+    </dgm:pt>
+    <dgm:pt modelId="{DD72FBE6-A2B8-478C-B168-FE963A90CEB5}" type="sibTrans" cxnId="{662A6F21-E1AC-4B48-B13A-2E0E1B9AA290}">
+      <dgm:prSet/>
+      <dgm:spPr/>
+      <dgm:t>
+        <a:bodyPr/>
+        <a:lstStyle/>
+        <a:p>
+          <a:endParaRPr lang="en-US"/>
+        </a:p>
+      </dgm:t>
+    </dgm:pt>
+    <dgm:pt modelId="{B6497B14-D0F0-4D79-B9BF-930BAD80E0C7}" type="pres">
+      <dgm:prSet presAssocID="{A293AA11-2BDA-41BC-A5A5-C7A250F96A07}" presName="vert0" presStyleCnt="0">
         <dgm:presLayoutVars>
           <dgm:dir/>
-          <dgm:resizeHandles val="exact"/>
+          <dgm:animOne val="branch"/>
+          <dgm:animLvl val="lvl"/>
         </dgm:presLayoutVars>
       </dgm:prSet>
       <dgm:spPr/>
     </dgm:pt>
-    <dgm:pt modelId="{898C37DC-B0EB-4225-AA7D-A56710003C17}" type="pres">
-      <dgm:prSet presAssocID="{F84DCECD-CB22-4EB4-B83B-DF06247DC059}" presName="compNode" presStyleCnt="0"/>
+    <dgm:pt modelId="{3A1C2ADD-E07B-4E4F-A4B6-6CA3049CDF58}" type="pres">
+      <dgm:prSet presAssocID="{CA043E4C-5128-4A94-B842-576BC9F45DE5}" presName="thickLine" presStyleLbl="alignNode1" presStyleIdx="0" presStyleCnt="8"/>
       <dgm:spPr/>
     </dgm:pt>
-    <dgm:pt modelId="{EE5C5A24-E464-47AD-9907-6599920C29AE}" type="pres">
-      <dgm:prSet presAssocID="{F84DCECD-CB22-4EB4-B83B-DF06247DC059}" presName="iconBgRect" presStyleLbl="bgShp" presStyleIdx="0" presStyleCnt="4"/>
-      <dgm:spPr>
-        <a:prstGeom prst="round2DiagRect">
-          <a:avLst>
-            <a:gd name="adj1" fmla="val 29727"/>
-            <a:gd name="adj2" fmla="val 0"/>
-          </a:avLst>
-        </a:prstGeom>
-      </dgm:spPr>
-    </dgm:pt>
-    <dgm:pt modelId="{D9AEA811-41F2-46EE-B129-A1BC82C813D1}" type="pres">
-      <dgm:prSet presAssocID="{F84DCECD-CB22-4EB4-B83B-DF06247DC059}" presName="iconRect" presStyleLbl="node1" presStyleIdx="0" presStyleCnt="4"/>
-      <dgm:spPr>
-        <a:blipFill>
-          <a:blip xmlns:r="http://schemas.openxmlformats.org/officeDocument/2006/relationships" r:embed="rId1">
-            <a:extLst>
-              <a:ext uri="{96DAC541-7B7A-43D3-8B79-37D633B846F1}">
-                <asvg:svgBlip xmlns:asvg="http://schemas.microsoft.com/office/drawing/2016/SVG/main" r:embed="rId2"/>
-              </a:ext>
-            </a:extLst>
-          </a:blip>
-          <a:srcRect/>
-          <a:stretch>
-            <a:fillRect/>
-          </a:stretch>
-        </a:blipFill>
-        <a:ln>
-          <a:noFill/>
-        </a:ln>
-      </dgm:spPr>
-      <dgm:extLst>
-        <a:ext uri="{E40237B7-FDA0-4F09-8148-C483321AD2D9}">
-          <dgm14:cNvPr xmlns:dgm14="http://schemas.microsoft.com/office/drawing/2010/diagram" id="0" name="" descr="Question mark"/>
-        </a:ext>
-      </dgm:extLst>
-    </dgm:pt>
-    <dgm:pt modelId="{C4B109D1-8A58-43C3-A49F-EDA07409A6F2}" type="pres">
-      <dgm:prSet presAssocID="{F84DCECD-CB22-4EB4-B83B-DF06247DC059}" presName="spaceRect" presStyleCnt="0"/>
+    <dgm:pt modelId="{D2131C78-C293-4870-8E99-1E6E564690A7}" type="pres">
+      <dgm:prSet presAssocID="{CA043E4C-5128-4A94-B842-576BC9F45DE5}" presName="horz1" presStyleCnt="0"/>
       <dgm:spPr/>
     </dgm:pt>
-    <dgm:pt modelId="{025B054F-F5E6-4463-B2E2-A137FA09ACBA}" type="pres">
-      <dgm:prSet presAssocID="{F84DCECD-CB22-4EB4-B83B-DF06247DC059}" presName="textRect" presStyleLbl="revTx" presStyleIdx="0" presStyleCnt="4">
-        <dgm:presLayoutVars>
-          <dgm:chMax val="1"/>
-          <dgm:chPref val="1"/>
-        </dgm:presLayoutVars>
-      </dgm:prSet>
+    <dgm:pt modelId="{791433EB-D82E-409F-B4A6-37D22ED4898A}" type="pres">
+      <dgm:prSet presAssocID="{CA043E4C-5128-4A94-B842-576BC9F45DE5}" presName="tx1" presStyleLbl="revTx" presStyleIdx="0" presStyleCnt="8"/>
       <dgm:spPr/>
     </dgm:pt>
-    <dgm:pt modelId="{8E6F35C1-A618-427A-8CD1-86C4A32D689B}" type="pres">
-      <dgm:prSet presAssocID="{A7BD2CCC-3E5D-4536-98BA-03FC4B6DAB06}" presName="sibTrans" presStyleCnt="0"/>
+    <dgm:pt modelId="{1D073527-CC45-4777-8CAF-103626C14F33}" type="pres">
+      <dgm:prSet presAssocID="{CA043E4C-5128-4A94-B842-576BC9F45DE5}" presName="vert1" presStyleCnt="0"/>
       <dgm:spPr/>
     </dgm:pt>
-    <dgm:pt modelId="{B84CEBA6-74FA-4F1F-B355-131ECAF3D7D0}" type="pres">
-      <dgm:prSet presAssocID="{BA3744D3-9D53-4A15-BBE2-7E722144AD83}" presName="compNode" presStyleCnt="0"/>
+    <dgm:pt modelId="{C11A21AF-FF47-4A73-B4A6-9B39F1994EFD}" type="pres">
+      <dgm:prSet presAssocID="{8A63E69D-C3C6-40F0-A131-C585E4B61481}" presName="thickLine" presStyleLbl="alignNode1" presStyleIdx="1" presStyleCnt="8"/>
       <dgm:spPr/>
     </dgm:pt>
-    <dgm:pt modelId="{7054438D-740E-4200-8CB3-6545B047A9E7}" type="pres">
-      <dgm:prSet presAssocID="{BA3744D3-9D53-4A15-BBE2-7E722144AD83}" presName="iconBgRect" presStyleLbl="bgShp" presStyleIdx="1" presStyleCnt="4"/>
-      <dgm:spPr>
-        <a:prstGeom prst="round2DiagRect">
-          <a:avLst>
-            <a:gd name="adj1" fmla="val 29727"/>
-            <a:gd name="adj2" fmla="val 0"/>
-          </a:avLst>
-        </a:prstGeom>
-      </dgm:spPr>
-    </dgm:pt>
-    <dgm:pt modelId="{935DA558-5825-417E-8E92-79469BEA3655}" type="pres">
-      <dgm:prSet presAssocID="{BA3744D3-9D53-4A15-BBE2-7E722144AD83}" presName="iconRect" presStyleLbl="node1" presStyleIdx="1" presStyleCnt="4"/>
-      <dgm:spPr>
-        <a:blipFill>
-          <a:blip xmlns:r="http://schemas.openxmlformats.org/officeDocument/2006/relationships" r:embed="rId3">
-            <a:extLst>
-              <a:ext uri="{96DAC541-7B7A-43D3-8B79-37D633B846F1}">
-                <asvg:svgBlip xmlns:asvg="http://schemas.microsoft.com/office/drawing/2016/SVG/main" r:embed="rId4"/>
-              </a:ext>
-            </a:extLst>
-          </a:blip>
-          <a:srcRect/>
-          <a:stretch>
-            <a:fillRect/>
-          </a:stretch>
-        </a:blipFill>
-        <a:ln>
-          <a:noFill/>
-        </a:ln>
-      </dgm:spPr>
-      <dgm:extLst>
-        <a:ext uri="{E40237B7-FDA0-4F09-8148-C483321AD2D9}">
-          <dgm14:cNvPr xmlns:dgm14="http://schemas.microsoft.com/office/drawing/2010/diagram" id="0" name="" descr="Dance steps"/>
-        </a:ext>
-      </dgm:extLst>
-    </dgm:pt>
-    <dgm:pt modelId="{E33F9D17-E1AA-48D1-B0FF-7434D3ED6F57}" type="pres">
-      <dgm:prSet presAssocID="{BA3744D3-9D53-4A15-BBE2-7E722144AD83}" presName="spaceRect" presStyleCnt="0"/>
+    <dgm:pt modelId="{5A2314ED-C2A9-4381-8CCA-37FD16486F15}" type="pres">
+      <dgm:prSet presAssocID="{8A63E69D-C3C6-40F0-A131-C585E4B61481}" presName="horz1" presStyleCnt="0"/>
       <dgm:spPr/>
     </dgm:pt>
-    <dgm:pt modelId="{12FCDB0E-45B6-40D3-A4B0-98A75C8171FA}" type="pres">
-      <dgm:prSet presAssocID="{BA3744D3-9D53-4A15-BBE2-7E722144AD83}" presName="textRect" presStyleLbl="revTx" presStyleIdx="1" presStyleCnt="4">
-        <dgm:presLayoutVars>
-          <dgm:chMax val="1"/>
-          <dgm:chPref val="1"/>
-        </dgm:presLayoutVars>
-      </dgm:prSet>
+    <dgm:pt modelId="{F882112B-266C-4114-99A9-43B9FBF778BA}" type="pres">
+      <dgm:prSet presAssocID="{8A63E69D-C3C6-40F0-A131-C585E4B61481}" presName="tx1" presStyleLbl="revTx" presStyleIdx="1" presStyleCnt="8"/>
       <dgm:spPr/>
     </dgm:pt>
-    <dgm:pt modelId="{583EC37D-774A-4A7C-89CD-791DA825F785}" type="pres">
-      <dgm:prSet presAssocID="{CB038B40-B4FA-4CB6-B6DA-3388FB66FAFE}" presName="sibTrans" presStyleCnt="0"/>
+    <dgm:pt modelId="{5230D7D6-A6FD-4F4B-B54A-806CC6AA9783}" type="pres">
+      <dgm:prSet presAssocID="{8A63E69D-C3C6-40F0-A131-C585E4B61481}" presName="vert1" presStyleCnt="0"/>
       <dgm:spPr/>
     </dgm:pt>
-    <dgm:pt modelId="{5905DE41-8602-4331-A873-732F0A479367}" type="pres">
-      <dgm:prSet presAssocID="{CB7BF656-FCC4-4CA2-965C-21C41935E921}" presName="compNode" presStyleCnt="0"/>
+    <dgm:pt modelId="{A392502F-668E-495C-87BC-77382F376A80}" type="pres">
+      <dgm:prSet presAssocID="{443AD337-21D2-45FA-A5EE-94441A7D53D9}" presName="thickLine" presStyleLbl="alignNode1" presStyleIdx="2" presStyleCnt="8"/>
       <dgm:spPr/>
     </dgm:pt>
-    <dgm:pt modelId="{4BD3E295-DD57-45B8-A90C-5A16D568BF3B}" type="pres">
-      <dgm:prSet presAssocID="{CB7BF656-FCC4-4CA2-965C-21C41935E921}" presName="iconBgRect" presStyleLbl="bgShp" presStyleIdx="2" presStyleCnt="4"/>
-      <dgm:spPr>
-        <a:prstGeom prst="round2DiagRect">
-          <a:avLst>
-            <a:gd name="adj1" fmla="val 29727"/>
-            <a:gd name="adj2" fmla="val 0"/>
-          </a:avLst>
-        </a:prstGeom>
-      </dgm:spPr>
-    </dgm:pt>
-    <dgm:pt modelId="{09880F79-9076-4F04-898E-A0C4578878D0}" type="pres">
-      <dgm:prSet presAssocID="{CB7BF656-FCC4-4CA2-965C-21C41935E921}" presName="iconRect" presStyleLbl="node1" presStyleIdx="2" presStyleCnt="4"/>
-      <dgm:spPr>
-        <a:blipFill>
-          <a:blip xmlns:r="http://schemas.openxmlformats.org/officeDocument/2006/relationships" r:embed="rId5">
-            <a:extLst>
-              <a:ext uri="{96DAC541-7B7A-43D3-8B79-37D633B846F1}">
-                <asvg:svgBlip xmlns:asvg="http://schemas.microsoft.com/office/drawing/2016/SVG/main" r:embed="rId6"/>
-              </a:ext>
-            </a:extLst>
-          </a:blip>
-          <a:srcRect/>
-          <a:stretch>
-            <a:fillRect/>
-          </a:stretch>
-        </a:blipFill>
-        <a:ln>
-          <a:noFill/>
-        </a:ln>
-      </dgm:spPr>
-      <dgm:extLst>
-        <a:ext uri="{E40237B7-FDA0-4F09-8148-C483321AD2D9}">
-          <dgm14:cNvPr xmlns:dgm14="http://schemas.microsoft.com/office/drawing/2010/diagram" id="0" name="" descr="City"/>
-        </a:ext>
-      </dgm:extLst>
-    </dgm:pt>
-    <dgm:pt modelId="{6C9F0221-FF05-4BA4-8606-0B35D506FF57}" type="pres">
-      <dgm:prSet presAssocID="{CB7BF656-FCC4-4CA2-965C-21C41935E921}" presName="spaceRect" presStyleCnt="0"/>
+    <dgm:pt modelId="{AF418682-6955-45D3-8767-999FDCABF73B}" type="pres">
+      <dgm:prSet presAssocID="{443AD337-21D2-45FA-A5EE-94441A7D53D9}" presName="horz1" presStyleCnt="0"/>
       <dgm:spPr/>
     </dgm:pt>
-    <dgm:pt modelId="{082D04FA-12B4-47EC-B433-418C236770FA}" type="pres">
-      <dgm:prSet presAssocID="{CB7BF656-FCC4-4CA2-965C-21C41935E921}" presName="textRect" presStyleLbl="revTx" presStyleIdx="2" presStyleCnt="4">
-        <dgm:presLayoutVars>
-          <dgm:chMax val="1"/>
-          <dgm:chPref val="1"/>
-        </dgm:presLayoutVars>
-      </dgm:prSet>
+    <dgm:pt modelId="{3341AE32-ED46-4909-B611-B97B55C1C46F}" type="pres">
+      <dgm:prSet presAssocID="{443AD337-21D2-45FA-A5EE-94441A7D53D9}" presName="tx1" presStyleLbl="revTx" presStyleIdx="2" presStyleCnt="8"/>
       <dgm:spPr/>
     </dgm:pt>
-    <dgm:pt modelId="{8085794F-7C92-4CF5-90CE-F9EE53ACE0F2}" type="pres">
-      <dgm:prSet presAssocID="{33FCA695-C190-40B0-AE51-5CFFAB0E0EE3}" presName="sibTrans" presStyleCnt="0"/>
+    <dgm:pt modelId="{D4C265E5-E798-450A-9DD1-8553FCC65E98}" type="pres">
+      <dgm:prSet presAssocID="{443AD337-21D2-45FA-A5EE-94441A7D53D9}" presName="vert1" presStyleCnt="0"/>
       <dgm:spPr/>
     </dgm:pt>
-    <dgm:pt modelId="{1FAFBF29-C1B9-4B74-8972-0CA161741538}" type="pres">
-      <dgm:prSet presAssocID="{C5424BE9-FCB6-4942-9867-44F9E4739404}" presName="compNode" presStyleCnt="0"/>
+    <dgm:pt modelId="{A5483D8F-5696-45AE-B76B-AE85C036FB4F}" type="pres">
+      <dgm:prSet presAssocID="{55D2F2E5-1EF8-4DC0-8F01-23C7AB31DF28}" presName="thickLine" presStyleLbl="alignNode1" presStyleIdx="3" presStyleCnt="8"/>
       <dgm:spPr/>
     </dgm:pt>
-    <dgm:pt modelId="{FACC293C-E9CD-4B53-BA92-14D91B63D5F7}" type="pres">
-      <dgm:prSet presAssocID="{C5424BE9-FCB6-4942-9867-44F9E4739404}" presName="iconBgRect" presStyleLbl="bgShp" presStyleIdx="3" presStyleCnt="4"/>
-      <dgm:spPr>
-        <a:prstGeom prst="round2DiagRect">
-          <a:avLst>
-            <a:gd name="adj1" fmla="val 29727"/>
-            <a:gd name="adj2" fmla="val 0"/>
-          </a:avLst>
-        </a:prstGeom>
-      </dgm:spPr>
-    </dgm:pt>
-    <dgm:pt modelId="{F5FE08FF-D0DC-4E58-BC44-D9A87DF5B9C3}" type="pres">
-      <dgm:prSet presAssocID="{C5424BE9-FCB6-4942-9867-44F9E4739404}" presName="iconRect" presStyleLbl="node1" presStyleIdx="3" presStyleCnt="4"/>
-      <dgm:spPr>
-        <a:blipFill>
-          <a:blip xmlns:r="http://schemas.openxmlformats.org/officeDocument/2006/relationships" r:embed="rId7">
-            <a:extLst>
-              <a:ext uri="{28A0092B-C50C-407E-A947-70E740481C1C}">
-                <a14:useLocalDpi xmlns:a14="http://schemas.microsoft.com/office/drawing/2010/main" val="0"/>
-              </a:ext>
-              <a:ext uri="{96DAC541-7B7A-43D3-8B79-37D633B846F1}">
-                <asvg:svgBlip xmlns:asvg="http://schemas.microsoft.com/office/drawing/2016/SVG/main" r:embed="rId8"/>
-              </a:ext>
-            </a:extLst>
-          </a:blip>
-          <a:stretch>
-            <a:fillRect/>
-          </a:stretch>
-        </a:blipFill>
-        <a:ln>
-          <a:noFill/>
-        </a:ln>
-      </dgm:spPr>
-      <dgm:extLst>
-        <a:ext uri="{E40237B7-FDA0-4F09-8148-C483321AD2D9}">
-          <dgm14:cNvPr xmlns:dgm14="http://schemas.microsoft.com/office/drawing/2010/diagram" id="0" name="" descr="Questions"/>
-        </a:ext>
-      </dgm:extLst>
-    </dgm:pt>
-    <dgm:pt modelId="{5686AB51-482B-4740-8D00-E3F5C6D4915D}" type="pres">
-      <dgm:prSet presAssocID="{C5424BE9-FCB6-4942-9867-44F9E4739404}" presName="spaceRect" presStyleCnt="0"/>
+    <dgm:pt modelId="{D717065B-0F83-4F4E-9ABD-430B33926980}" type="pres">
+      <dgm:prSet presAssocID="{55D2F2E5-1EF8-4DC0-8F01-23C7AB31DF28}" presName="horz1" presStyleCnt="0"/>
       <dgm:spPr/>
     </dgm:pt>
-    <dgm:pt modelId="{C0C4A855-EF90-4DDA-A263-C56957CAFF4B}" type="pres">
-      <dgm:prSet presAssocID="{C5424BE9-FCB6-4942-9867-44F9E4739404}" presName="textRect" presStyleLbl="revTx" presStyleIdx="3" presStyleCnt="4">
-        <dgm:presLayoutVars>
-          <dgm:chMax val="1"/>
-          <dgm:chPref val="1"/>
-        </dgm:presLayoutVars>
-      </dgm:prSet>
+    <dgm:pt modelId="{BE25C85F-1928-4E32-8A76-2318E833AFD1}" type="pres">
+      <dgm:prSet presAssocID="{55D2F2E5-1EF8-4DC0-8F01-23C7AB31DF28}" presName="tx1" presStyleLbl="revTx" presStyleIdx="3" presStyleCnt="8"/>
+      <dgm:spPr/>
+    </dgm:pt>
+    <dgm:pt modelId="{004251F7-A96A-489E-AA37-E72908EC261C}" type="pres">
+      <dgm:prSet presAssocID="{55D2F2E5-1EF8-4DC0-8F01-23C7AB31DF28}" presName="vert1" presStyleCnt="0"/>
+      <dgm:spPr/>
+    </dgm:pt>
+    <dgm:pt modelId="{2A91D265-EB60-4839-97E1-9AA488EA30C9}" type="pres">
+      <dgm:prSet presAssocID="{1BEA2836-562F-4D2C-AD8D-9803C71A0FC3}" presName="thickLine" presStyleLbl="alignNode1" presStyleIdx="4" presStyleCnt="8"/>
+      <dgm:spPr/>
+    </dgm:pt>
+    <dgm:pt modelId="{D0CBCEDF-8082-431C-A1BC-6B71A27EA7E6}" type="pres">
+      <dgm:prSet presAssocID="{1BEA2836-562F-4D2C-AD8D-9803C71A0FC3}" presName="horz1" presStyleCnt="0"/>
+      <dgm:spPr/>
+    </dgm:pt>
+    <dgm:pt modelId="{58D49E44-B802-4068-A5A6-B8D92FCBD73D}" type="pres">
+      <dgm:prSet presAssocID="{1BEA2836-562F-4D2C-AD8D-9803C71A0FC3}" presName="tx1" presStyleLbl="revTx" presStyleIdx="4" presStyleCnt="8"/>
+      <dgm:spPr/>
+    </dgm:pt>
+    <dgm:pt modelId="{9D950C70-0448-41CD-8542-05914837E522}" type="pres">
+      <dgm:prSet presAssocID="{1BEA2836-562F-4D2C-AD8D-9803C71A0FC3}" presName="vert1" presStyleCnt="0"/>
+      <dgm:spPr/>
+    </dgm:pt>
+    <dgm:pt modelId="{26C37521-C4B8-45A3-9CF4-60AA2F47B390}" type="pres">
+      <dgm:prSet presAssocID="{BAF86DD5-4441-4649-A527-F5A271ED7207}" presName="thickLine" presStyleLbl="alignNode1" presStyleIdx="5" presStyleCnt="8"/>
+      <dgm:spPr/>
+    </dgm:pt>
+    <dgm:pt modelId="{724D07F2-C356-4F76-BF11-D10BA38F7B85}" type="pres">
+      <dgm:prSet presAssocID="{BAF86DD5-4441-4649-A527-F5A271ED7207}" presName="horz1" presStyleCnt="0"/>
+      <dgm:spPr/>
+    </dgm:pt>
+    <dgm:pt modelId="{702A8ECA-5490-43A4-B5D7-71B908B075F6}" type="pres">
+      <dgm:prSet presAssocID="{BAF86DD5-4441-4649-A527-F5A271ED7207}" presName="tx1" presStyleLbl="revTx" presStyleIdx="5" presStyleCnt="8"/>
+      <dgm:spPr/>
+    </dgm:pt>
+    <dgm:pt modelId="{89C37912-17D9-4A01-816F-B5DC03B0F126}" type="pres">
+      <dgm:prSet presAssocID="{BAF86DD5-4441-4649-A527-F5A271ED7207}" presName="vert1" presStyleCnt="0"/>
+      <dgm:spPr/>
+    </dgm:pt>
+    <dgm:pt modelId="{CD1E4688-FEDC-4C75-B49B-50FAB344E5B5}" type="pres">
+      <dgm:prSet presAssocID="{1373AD0D-4D44-4008-9478-F9673084F9D9}" presName="thickLine" presStyleLbl="alignNode1" presStyleIdx="6" presStyleCnt="8"/>
+      <dgm:spPr/>
+    </dgm:pt>
+    <dgm:pt modelId="{FB5E02B1-6CC1-462B-85D1-89E6813BADDD}" type="pres">
+      <dgm:prSet presAssocID="{1373AD0D-4D44-4008-9478-F9673084F9D9}" presName="horz1" presStyleCnt="0"/>
+      <dgm:spPr/>
+    </dgm:pt>
+    <dgm:pt modelId="{8F900130-C9A3-4D7C-AA17-34733A33081B}" type="pres">
+      <dgm:prSet presAssocID="{1373AD0D-4D44-4008-9478-F9673084F9D9}" presName="tx1" presStyleLbl="revTx" presStyleIdx="6" presStyleCnt="8"/>
+      <dgm:spPr/>
+    </dgm:pt>
+    <dgm:pt modelId="{65394C4B-FE56-4088-9DE7-88F685270F1B}" type="pres">
+      <dgm:prSet presAssocID="{1373AD0D-4D44-4008-9478-F9673084F9D9}" presName="vert1" presStyleCnt="0"/>
+      <dgm:spPr/>
+    </dgm:pt>
+    <dgm:pt modelId="{DFC0BD0F-665D-466C-A8B1-57D9A424B7B3}" type="pres">
+      <dgm:prSet presAssocID="{89828050-C15A-44D1-8038-6AD2B614E94A}" presName="thickLine" presStyleLbl="alignNode1" presStyleIdx="7" presStyleCnt="8"/>
+      <dgm:spPr/>
+    </dgm:pt>
+    <dgm:pt modelId="{405DC3D7-DC13-48C9-B2A7-A9D1F287F85C}" type="pres">
+      <dgm:prSet presAssocID="{89828050-C15A-44D1-8038-6AD2B614E94A}" presName="horz1" presStyleCnt="0"/>
+      <dgm:spPr/>
+    </dgm:pt>
+    <dgm:pt modelId="{1C20CB16-9D30-4D8A-AFB9-87A5A7E59224}" type="pres">
+      <dgm:prSet presAssocID="{89828050-C15A-44D1-8038-6AD2B614E94A}" presName="tx1" presStyleLbl="revTx" presStyleIdx="7" presStyleCnt="8"/>
+      <dgm:spPr/>
+    </dgm:pt>
+    <dgm:pt modelId="{5B9D7F78-E596-48F1-8D49-4404ACBB9BED}" type="pres">
+      <dgm:prSet presAssocID="{89828050-C15A-44D1-8038-6AD2B614E94A}" presName="vert1" presStyleCnt="0"/>
       <dgm:spPr/>
     </dgm:pt>
   </dgm:ptLst>
   <dgm:cxnLst>
-    <dgm:cxn modelId="{F6D63706-0374-4B56-B8B8-3D5CD2AD6925}" type="presOf" srcId="{F84DCECD-CB22-4EB4-B83B-DF06247DC059}" destId="{025B054F-F5E6-4463-B2E2-A137FA09ACBA}" srcOrd="0" destOrd="0" presId="urn:microsoft.com/office/officeart/2018/5/layout/IconLeafLabelList"/>
-    <dgm:cxn modelId="{6A37BB08-7177-4439-8CA5-7FB02EF8354A}" srcId="{AF03D74A-BC1D-4931-A796-A2C6BF631EAE}" destId="{CB7BF656-FCC4-4CA2-965C-21C41935E921}" srcOrd="2" destOrd="0" parTransId="{1FC166B6-2D98-424C-B56A-DFF371038258}" sibTransId="{33FCA695-C190-40B0-AE51-5CFFAB0E0EE3}"/>
-    <dgm:cxn modelId="{AF1AC60E-A82C-499A-80D2-0D8E98463E77}" type="presOf" srcId="{BA3744D3-9D53-4A15-BBE2-7E722144AD83}" destId="{12FCDB0E-45B6-40D3-A4B0-98A75C8171FA}" srcOrd="0" destOrd="0" presId="urn:microsoft.com/office/officeart/2018/5/layout/IconLeafLabelList"/>
-    <dgm:cxn modelId="{0451F548-DF6D-4665-ABF3-F5D18828D0F6}" type="presOf" srcId="{AF03D74A-BC1D-4931-A796-A2C6BF631EAE}" destId="{17F5825A-9DE3-478D-A6E2-32D9CEFC996C}" srcOrd="0" destOrd="0" presId="urn:microsoft.com/office/officeart/2018/5/layout/IconLeafLabelList"/>
-    <dgm:cxn modelId="{92447072-57C6-4905-B5EF-4217418E9A2C}" type="presOf" srcId="{C5424BE9-FCB6-4942-9867-44F9E4739404}" destId="{C0C4A855-EF90-4DDA-A263-C56957CAFF4B}" srcOrd="0" destOrd="0" presId="urn:microsoft.com/office/officeart/2018/5/layout/IconLeafLabelList"/>
-    <dgm:cxn modelId="{3D42BF8A-44D5-458C-A864-1B3E4D493C83}" srcId="{AF03D74A-BC1D-4931-A796-A2C6BF631EAE}" destId="{C5424BE9-FCB6-4942-9867-44F9E4739404}" srcOrd="3" destOrd="0" parTransId="{1DF7515C-3C0C-4CD4-9AFD-3BC747F7A4D2}" sibTransId="{A6D0B241-DFA2-45FD-ACE9-0FA3DC32FC49}"/>
-    <dgm:cxn modelId="{0A17A0A2-6BA3-4B81-A02D-EF0179B90470}" type="presOf" srcId="{CB7BF656-FCC4-4CA2-965C-21C41935E921}" destId="{082D04FA-12B4-47EC-B433-418C236770FA}" srcOrd="0" destOrd="0" presId="urn:microsoft.com/office/officeart/2018/5/layout/IconLeafLabelList"/>
-    <dgm:cxn modelId="{FC2CF3EE-1F80-4059-AB0E-7A338E02F770}" srcId="{AF03D74A-BC1D-4931-A796-A2C6BF631EAE}" destId="{BA3744D3-9D53-4A15-BBE2-7E722144AD83}" srcOrd="1" destOrd="0" parTransId="{3563F041-C9F9-4D7A-9720-0EC9BF468CD9}" sibTransId="{CB038B40-B4FA-4CB6-B6DA-3388FB66FAFE}"/>
-    <dgm:cxn modelId="{7EC03AFE-03E4-415D-A8EA-2795E5CB1EA6}" srcId="{AF03D74A-BC1D-4931-A796-A2C6BF631EAE}" destId="{F84DCECD-CB22-4EB4-B83B-DF06247DC059}" srcOrd="0" destOrd="0" parTransId="{E9596609-F684-43A2-8750-0B87DF034CF0}" sibTransId="{A7BD2CCC-3E5D-4536-98BA-03FC4B6DAB06}"/>
-    <dgm:cxn modelId="{038BA716-F121-4A91-A1C8-F7EFCDCE0875}" type="presParOf" srcId="{17F5825A-9DE3-478D-A6E2-32D9CEFC996C}" destId="{898C37DC-B0EB-4225-AA7D-A56710003C17}" srcOrd="0" destOrd="0" presId="urn:microsoft.com/office/officeart/2018/5/layout/IconLeafLabelList"/>
-    <dgm:cxn modelId="{58989DFC-2332-4018-8772-BA90375E310A}" type="presParOf" srcId="{898C37DC-B0EB-4225-AA7D-A56710003C17}" destId="{EE5C5A24-E464-47AD-9907-6599920C29AE}" srcOrd="0" destOrd="0" presId="urn:microsoft.com/office/officeart/2018/5/layout/IconLeafLabelList"/>
-    <dgm:cxn modelId="{3D8192A2-1BFD-4138-AE17-C2A172DDDA1A}" type="presParOf" srcId="{898C37DC-B0EB-4225-AA7D-A56710003C17}" destId="{D9AEA811-41F2-46EE-B129-A1BC82C813D1}" srcOrd="1" destOrd="0" presId="urn:microsoft.com/office/officeart/2018/5/layout/IconLeafLabelList"/>
-    <dgm:cxn modelId="{DC79EFE7-EB1F-41A8-A7B2-9D54A4B0E8FE}" type="presParOf" srcId="{898C37DC-B0EB-4225-AA7D-A56710003C17}" destId="{C4B109D1-8A58-43C3-A49F-EDA07409A6F2}" srcOrd="2" destOrd="0" presId="urn:microsoft.com/office/officeart/2018/5/layout/IconLeafLabelList"/>
-    <dgm:cxn modelId="{9860E421-A64E-42FD-AA64-32EC70646F9E}" type="presParOf" srcId="{898C37DC-B0EB-4225-AA7D-A56710003C17}" destId="{025B054F-F5E6-4463-B2E2-A137FA09ACBA}" srcOrd="3" destOrd="0" presId="urn:microsoft.com/office/officeart/2018/5/layout/IconLeafLabelList"/>
-    <dgm:cxn modelId="{19D98538-7E4F-467A-8549-3DEC5737BEDA}" type="presParOf" srcId="{17F5825A-9DE3-478D-A6E2-32D9CEFC996C}" destId="{8E6F35C1-A618-427A-8CD1-86C4A32D689B}" srcOrd="1" destOrd="0" presId="urn:microsoft.com/office/officeart/2018/5/layout/IconLeafLabelList"/>
-    <dgm:cxn modelId="{0EB84569-82C8-46E8-A7D4-2571C0E33D74}" type="presParOf" srcId="{17F5825A-9DE3-478D-A6E2-32D9CEFC996C}" destId="{B84CEBA6-74FA-4F1F-B355-131ECAF3D7D0}" srcOrd="2" destOrd="0" presId="urn:microsoft.com/office/officeart/2018/5/layout/IconLeafLabelList"/>
-    <dgm:cxn modelId="{7B742A0F-0513-410F-B8C5-D22CFF58F17E}" type="presParOf" srcId="{B84CEBA6-74FA-4F1F-B355-131ECAF3D7D0}" destId="{7054438D-740E-4200-8CB3-6545B047A9E7}" srcOrd="0" destOrd="0" presId="urn:microsoft.com/office/officeart/2018/5/layout/IconLeafLabelList"/>
-    <dgm:cxn modelId="{1359494A-3BCF-4DF2-B7DC-3D68E0F8C022}" type="presParOf" srcId="{B84CEBA6-74FA-4F1F-B355-131ECAF3D7D0}" destId="{935DA558-5825-417E-8E92-79469BEA3655}" srcOrd="1" destOrd="0" presId="urn:microsoft.com/office/officeart/2018/5/layout/IconLeafLabelList"/>
-    <dgm:cxn modelId="{C322263F-7739-422A-8F63-CB1D30AE4D74}" type="presParOf" srcId="{B84CEBA6-74FA-4F1F-B355-131ECAF3D7D0}" destId="{E33F9D17-E1AA-48D1-B0FF-7434D3ED6F57}" srcOrd="2" destOrd="0" presId="urn:microsoft.com/office/officeart/2018/5/layout/IconLeafLabelList"/>
-    <dgm:cxn modelId="{90D6370B-177F-41FE-BCD5-462F7E9D4F08}" type="presParOf" srcId="{B84CEBA6-74FA-4F1F-B355-131ECAF3D7D0}" destId="{12FCDB0E-45B6-40D3-A4B0-98A75C8171FA}" srcOrd="3" destOrd="0" presId="urn:microsoft.com/office/officeart/2018/5/layout/IconLeafLabelList"/>
-    <dgm:cxn modelId="{D5BBFDBA-3CD3-43C6-A4D7-9F8475FE3D69}" type="presParOf" srcId="{17F5825A-9DE3-478D-A6E2-32D9CEFC996C}" destId="{583EC37D-774A-4A7C-89CD-791DA825F785}" srcOrd="3" destOrd="0" presId="urn:microsoft.com/office/officeart/2018/5/layout/IconLeafLabelList"/>
-    <dgm:cxn modelId="{2F527106-743F-4E4D-8366-371A05191E63}" type="presParOf" srcId="{17F5825A-9DE3-478D-A6E2-32D9CEFC996C}" destId="{5905DE41-8602-4331-A873-732F0A479367}" srcOrd="4" destOrd="0" presId="urn:microsoft.com/office/officeart/2018/5/layout/IconLeafLabelList"/>
-    <dgm:cxn modelId="{9735494F-DDC0-46ED-AA62-EFF5BA1A5876}" type="presParOf" srcId="{5905DE41-8602-4331-A873-732F0A479367}" destId="{4BD3E295-DD57-45B8-A90C-5A16D568BF3B}" srcOrd="0" destOrd="0" presId="urn:microsoft.com/office/officeart/2018/5/layout/IconLeafLabelList"/>
-    <dgm:cxn modelId="{3C2A48C4-C095-4343-BBD4-AE1A9E2CF258}" type="presParOf" srcId="{5905DE41-8602-4331-A873-732F0A479367}" destId="{09880F79-9076-4F04-898E-A0C4578878D0}" srcOrd="1" destOrd="0" presId="urn:microsoft.com/office/officeart/2018/5/layout/IconLeafLabelList"/>
-    <dgm:cxn modelId="{CD32A22B-EF2D-4EDC-86A6-9F7075660517}" type="presParOf" srcId="{5905DE41-8602-4331-A873-732F0A479367}" destId="{6C9F0221-FF05-4BA4-8606-0B35D506FF57}" srcOrd="2" destOrd="0" presId="urn:microsoft.com/office/officeart/2018/5/layout/IconLeafLabelList"/>
-    <dgm:cxn modelId="{1FCC154E-BFEE-4002-ACD7-30B96C855F3C}" type="presParOf" srcId="{5905DE41-8602-4331-A873-732F0A479367}" destId="{082D04FA-12B4-47EC-B433-418C236770FA}" srcOrd="3" destOrd="0" presId="urn:microsoft.com/office/officeart/2018/5/layout/IconLeafLabelList"/>
-    <dgm:cxn modelId="{968F1D33-934D-41B9-B536-502FD19B4213}" type="presParOf" srcId="{17F5825A-9DE3-478D-A6E2-32D9CEFC996C}" destId="{8085794F-7C92-4CF5-90CE-F9EE53ACE0F2}" srcOrd="5" destOrd="0" presId="urn:microsoft.com/office/officeart/2018/5/layout/IconLeafLabelList"/>
-    <dgm:cxn modelId="{A7A69080-EA1B-46DE-BC0E-21BA5213237B}" type="presParOf" srcId="{17F5825A-9DE3-478D-A6E2-32D9CEFC996C}" destId="{1FAFBF29-C1B9-4B74-8972-0CA161741538}" srcOrd="6" destOrd="0" presId="urn:microsoft.com/office/officeart/2018/5/layout/IconLeafLabelList"/>
-    <dgm:cxn modelId="{AB0472DE-705F-4FE2-9A6A-52F0A841255C}" type="presParOf" srcId="{1FAFBF29-C1B9-4B74-8972-0CA161741538}" destId="{FACC293C-E9CD-4B53-BA92-14D91B63D5F7}" srcOrd="0" destOrd="0" presId="urn:microsoft.com/office/officeart/2018/5/layout/IconLeafLabelList"/>
-    <dgm:cxn modelId="{3CCC7927-0318-4FC7-9D5C-656797FEA195}" type="presParOf" srcId="{1FAFBF29-C1B9-4B74-8972-0CA161741538}" destId="{F5FE08FF-D0DC-4E58-BC44-D9A87DF5B9C3}" srcOrd="1" destOrd="0" presId="urn:microsoft.com/office/officeart/2018/5/layout/IconLeafLabelList"/>
-    <dgm:cxn modelId="{814E728A-2CDF-4949-AB9C-B4D4E3EDD175}" type="presParOf" srcId="{1FAFBF29-C1B9-4B74-8972-0CA161741538}" destId="{5686AB51-482B-4740-8D00-E3F5C6D4915D}" srcOrd="2" destOrd="0" presId="urn:microsoft.com/office/officeart/2018/5/layout/IconLeafLabelList"/>
-    <dgm:cxn modelId="{CF704E48-4FB2-4803-82BD-FF3B97A17E1D}" type="presParOf" srcId="{1FAFBF29-C1B9-4B74-8972-0CA161741538}" destId="{C0C4A855-EF90-4DDA-A263-C56957CAFF4B}" srcOrd="3" destOrd="0" presId="urn:microsoft.com/office/officeart/2018/5/layout/IconLeafLabelList"/>
+    <dgm:cxn modelId="{0824E506-1803-46C8-AD24-FCBCC09A47C4}" srcId="{A293AA11-2BDA-41BC-A5A5-C7A250F96A07}" destId="{1BEA2836-562F-4D2C-AD8D-9803C71A0FC3}" srcOrd="4" destOrd="0" parTransId="{C44CE668-319B-4016-88FB-81CA489F0373}" sibTransId="{A9B10EBA-1643-4E98-9D31-F0351A802409}"/>
+    <dgm:cxn modelId="{EE803914-2159-482A-8046-C96F5D1D0F04}" type="presOf" srcId="{1BEA2836-562F-4D2C-AD8D-9803C71A0FC3}" destId="{58D49E44-B802-4068-A5A6-B8D92FCBD73D}" srcOrd="0" destOrd="0" presId="urn:microsoft.com/office/officeart/2008/layout/LinedList"/>
+    <dgm:cxn modelId="{4199E818-930F-4BF3-90CD-227FE4E65DF5}" srcId="{A293AA11-2BDA-41BC-A5A5-C7A250F96A07}" destId="{443AD337-21D2-45FA-A5EE-94441A7D53D9}" srcOrd="2" destOrd="0" parTransId="{74804A30-4F24-4793-A4AA-61A00ECE091C}" sibTransId="{7D2E0245-16AB-49A9-99A1-C6904E97D539}"/>
+    <dgm:cxn modelId="{662A6F21-E1AC-4B48-B13A-2E0E1B9AA290}" srcId="{A293AA11-2BDA-41BC-A5A5-C7A250F96A07}" destId="{89828050-C15A-44D1-8038-6AD2B614E94A}" srcOrd="7" destOrd="0" parTransId="{D7A6BF53-8E6A-439E-99F4-284E9A9E10C4}" sibTransId="{DD72FBE6-A2B8-478C-B168-FE963A90CEB5}"/>
+    <dgm:cxn modelId="{C2E86E32-0FB5-42C2-9F30-98819237933F}" type="presOf" srcId="{55D2F2E5-1EF8-4DC0-8F01-23C7AB31DF28}" destId="{BE25C85F-1928-4E32-8A76-2318E833AFD1}" srcOrd="0" destOrd="0" presId="urn:microsoft.com/office/officeart/2008/layout/LinedList"/>
+    <dgm:cxn modelId="{C7845B62-CBEB-4D34-982A-0D6E39C19F04}" srcId="{A293AA11-2BDA-41BC-A5A5-C7A250F96A07}" destId="{8A63E69D-C3C6-40F0-A131-C585E4B61481}" srcOrd="1" destOrd="0" parTransId="{1AC8CED0-D2C5-4E12-8041-DDD419B68FC6}" sibTransId="{810FF601-7C4E-47F2-8923-8CF080255558}"/>
+    <dgm:cxn modelId="{B4DF1C44-D0A0-44E4-B2F3-1FCDAC027CF8}" srcId="{A293AA11-2BDA-41BC-A5A5-C7A250F96A07}" destId="{55D2F2E5-1EF8-4DC0-8F01-23C7AB31DF28}" srcOrd="3" destOrd="0" parTransId="{6CE37031-C455-4AA9-9EEA-93F85C996F5A}" sibTransId="{C84523F8-4796-43BC-BA9C-92F7BF4AD67F}"/>
+    <dgm:cxn modelId="{12A50C73-B22C-4588-8C25-796D077F9F6C}" type="presOf" srcId="{1373AD0D-4D44-4008-9478-F9673084F9D9}" destId="{8F900130-C9A3-4D7C-AA17-34733A33081B}" srcOrd="0" destOrd="0" presId="urn:microsoft.com/office/officeart/2008/layout/LinedList"/>
+    <dgm:cxn modelId="{A2323C74-6507-413E-86FD-30F75813255A}" srcId="{A293AA11-2BDA-41BC-A5A5-C7A250F96A07}" destId="{1373AD0D-4D44-4008-9478-F9673084F9D9}" srcOrd="6" destOrd="0" parTransId="{1FC28E7A-B6E5-44F1-B3E5-B019B05CA41B}" sibTransId="{BF5D41E6-6A90-4D2A-97E5-27AC261D4B73}"/>
+    <dgm:cxn modelId="{2B3C0D88-B0BF-45B3-A227-6EC75FD166E1}" type="presOf" srcId="{8A63E69D-C3C6-40F0-A131-C585E4B61481}" destId="{F882112B-266C-4114-99A9-43B9FBF778BA}" srcOrd="0" destOrd="0" presId="urn:microsoft.com/office/officeart/2008/layout/LinedList"/>
+    <dgm:cxn modelId="{3F851690-49B8-4B6B-8EE0-83D96EA9EA14}" srcId="{A293AA11-2BDA-41BC-A5A5-C7A250F96A07}" destId="{CA043E4C-5128-4A94-B842-576BC9F45DE5}" srcOrd="0" destOrd="0" parTransId="{B2BBE951-568B-4962-B760-AF13A29EAA89}" sibTransId="{1E578BA6-7A1D-454E-B89C-4D6431BC6A04}"/>
+    <dgm:cxn modelId="{5F7D7E94-AEDE-4FCF-8AE8-65F17AF11A15}" type="presOf" srcId="{CA043E4C-5128-4A94-B842-576BC9F45DE5}" destId="{791433EB-D82E-409F-B4A6-37D22ED4898A}" srcOrd="0" destOrd="0" presId="urn:microsoft.com/office/officeart/2008/layout/LinedList"/>
+    <dgm:cxn modelId="{7C316D9D-6619-400C-99A9-60799172C6B8}" srcId="{A293AA11-2BDA-41BC-A5A5-C7A250F96A07}" destId="{BAF86DD5-4441-4649-A527-F5A271ED7207}" srcOrd="5" destOrd="0" parTransId="{24247150-21BE-435F-9952-4D2E1B3AD563}" sibTransId="{71CD1296-72E0-4E92-A7C3-C92E920AC60E}"/>
+    <dgm:cxn modelId="{F772FEC9-028B-495E-ADDC-D6A80CC7D50E}" type="presOf" srcId="{BAF86DD5-4441-4649-A527-F5A271ED7207}" destId="{702A8ECA-5490-43A4-B5D7-71B908B075F6}" srcOrd="0" destOrd="0" presId="urn:microsoft.com/office/officeart/2008/layout/LinedList"/>
+    <dgm:cxn modelId="{2E342EE6-7785-4E7E-8889-816F4B495AF6}" type="presOf" srcId="{A293AA11-2BDA-41BC-A5A5-C7A250F96A07}" destId="{B6497B14-D0F0-4D79-B9BF-930BAD80E0C7}" srcOrd="0" destOrd="0" presId="urn:microsoft.com/office/officeart/2008/layout/LinedList"/>
+    <dgm:cxn modelId="{C0390FFC-5C0F-4440-A1F1-2FE573238C4C}" type="presOf" srcId="{443AD337-21D2-45FA-A5EE-94441A7D53D9}" destId="{3341AE32-ED46-4909-B611-B97B55C1C46F}" srcOrd="0" destOrd="0" presId="urn:microsoft.com/office/officeart/2008/layout/LinedList"/>
+    <dgm:cxn modelId="{4957B0FD-C43C-4EC0-9E6F-60ADF703CA07}" type="presOf" srcId="{89828050-C15A-44D1-8038-6AD2B614E94A}" destId="{1C20CB16-9D30-4D8A-AFB9-87A5A7E59224}" srcOrd="0" destOrd="0" presId="urn:microsoft.com/office/officeart/2008/layout/LinedList"/>
+    <dgm:cxn modelId="{A267FCED-31F9-420E-AC46-302157AB02E9}" type="presParOf" srcId="{B6497B14-D0F0-4D79-B9BF-930BAD80E0C7}" destId="{3A1C2ADD-E07B-4E4F-A4B6-6CA3049CDF58}" srcOrd="0" destOrd="0" presId="urn:microsoft.com/office/officeart/2008/layout/LinedList"/>
+    <dgm:cxn modelId="{B1795323-EA12-46C6-898F-52034443F988}" type="presParOf" srcId="{B6497B14-D0F0-4D79-B9BF-930BAD80E0C7}" destId="{D2131C78-C293-4870-8E99-1E6E564690A7}" srcOrd="1" destOrd="0" presId="urn:microsoft.com/office/officeart/2008/layout/LinedList"/>
+    <dgm:cxn modelId="{7BB1E85D-1476-4072-87E3-87B07036CFEE}" type="presParOf" srcId="{D2131C78-C293-4870-8E99-1E6E564690A7}" destId="{791433EB-D82E-409F-B4A6-37D22ED4898A}" srcOrd="0" destOrd="0" presId="urn:microsoft.com/office/officeart/2008/layout/LinedList"/>
+    <dgm:cxn modelId="{377F38D3-40CA-41BC-9154-567E3F452860}" type="presParOf" srcId="{D2131C78-C293-4870-8E99-1E6E564690A7}" destId="{1D073527-CC45-4777-8CAF-103626C14F33}" srcOrd="1" destOrd="0" presId="urn:microsoft.com/office/officeart/2008/layout/LinedList"/>
+    <dgm:cxn modelId="{0B0E697C-381B-4FB8-AAFD-3091389C5BF8}" type="presParOf" srcId="{B6497B14-D0F0-4D79-B9BF-930BAD80E0C7}" destId="{C11A21AF-FF47-4A73-B4A6-9B39F1994EFD}" srcOrd="2" destOrd="0" presId="urn:microsoft.com/office/officeart/2008/layout/LinedList"/>
+    <dgm:cxn modelId="{21092081-CE56-4C67-A7B2-7360FC6FF115}" type="presParOf" srcId="{B6497B14-D0F0-4D79-B9BF-930BAD80E0C7}" destId="{5A2314ED-C2A9-4381-8CCA-37FD16486F15}" srcOrd="3" destOrd="0" presId="urn:microsoft.com/office/officeart/2008/layout/LinedList"/>
+    <dgm:cxn modelId="{4B1983AF-F253-441C-88A1-EBF134FE01BE}" type="presParOf" srcId="{5A2314ED-C2A9-4381-8CCA-37FD16486F15}" destId="{F882112B-266C-4114-99A9-43B9FBF778BA}" srcOrd="0" destOrd="0" presId="urn:microsoft.com/office/officeart/2008/layout/LinedList"/>
+    <dgm:cxn modelId="{28565979-5CED-4BC4-A070-ADA28B4EBADB}" type="presParOf" srcId="{5A2314ED-C2A9-4381-8CCA-37FD16486F15}" destId="{5230D7D6-A6FD-4F4B-B54A-806CC6AA9783}" srcOrd="1" destOrd="0" presId="urn:microsoft.com/office/officeart/2008/layout/LinedList"/>
+    <dgm:cxn modelId="{7C6C173B-9E3E-4623-AA63-45AFF8AF674C}" type="presParOf" srcId="{B6497B14-D0F0-4D79-B9BF-930BAD80E0C7}" destId="{A392502F-668E-495C-87BC-77382F376A80}" srcOrd="4" destOrd="0" presId="urn:microsoft.com/office/officeart/2008/layout/LinedList"/>
+    <dgm:cxn modelId="{610933EB-7871-4FF8-821D-512BB32FCDFB}" type="presParOf" srcId="{B6497B14-D0F0-4D79-B9BF-930BAD80E0C7}" destId="{AF418682-6955-45D3-8767-999FDCABF73B}" srcOrd="5" destOrd="0" presId="urn:microsoft.com/office/officeart/2008/layout/LinedList"/>
+    <dgm:cxn modelId="{5F2CCF03-AF1B-4395-A0F9-7ABD842B27DC}" type="presParOf" srcId="{AF418682-6955-45D3-8767-999FDCABF73B}" destId="{3341AE32-ED46-4909-B611-B97B55C1C46F}" srcOrd="0" destOrd="0" presId="urn:microsoft.com/office/officeart/2008/layout/LinedList"/>
+    <dgm:cxn modelId="{C443F982-00C0-4F88-8DC0-BCC0E1690489}" type="presParOf" srcId="{AF418682-6955-45D3-8767-999FDCABF73B}" destId="{D4C265E5-E798-450A-9DD1-8553FCC65E98}" srcOrd="1" destOrd="0" presId="urn:microsoft.com/office/officeart/2008/layout/LinedList"/>
+    <dgm:cxn modelId="{781E0A30-B6F4-4020-97D4-733683000341}" type="presParOf" srcId="{B6497B14-D0F0-4D79-B9BF-930BAD80E0C7}" destId="{A5483D8F-5696-45AE-B76B-AE85C036FB4F}" srcOrd="6" destOrd="0" presId="urn:microsoft.com/office/officeart/2008/layout/LinedList"/>
+    <dgm:cxn modelId="{0CD059E8-F80E-476B-A2BF-6528A5DC30F2}" type="presParOf" srcId="{B6497B14-D0F0-4D79-B9BF-930BAD80E0C7}" destId="{D717065B-0F83-4F4E-9ABD-430B33926980}" srcOrd="7" destOrd="0" presId="urn:microsoft.com/office/officeart/2008/layout/LinedList"/>
+    <dgm:cxn modelId="{265663DC-6558-490A-A663-751CC8CEED9D}" type="presParOf" srcId="{D717065B-0F83-4F4E-9ABD-430B33926980}" destId="{BE25C85F-1928-4E32-8A76-2318E833AFD1}" srcOrd="0" destOrd="0" presId="urn:microsoft.com/office/officeart/2008/layout/LinedList"/>
+    <dgm:cxn modelId="{D85EAC73-E5D4-480B-B24F-7F1494451804}" type="presParOf" srcId="{D717065B-0F83-4F4E-9ABD-430B33926980}" destId="{004251F7-A96A-489E-AA37-E72908EC261C}" srcOrd="1" destOrd="0" presId="urn:microsoft.com/office/officeart/2008/layout/LinedList"/>
+    <dgm:cxn modelId="{356EEB06-6A96-43E6-8C00-7A5E01B40079}" type="presParOf" srcId="{B6497B14-D0F0-4D79-B9BF-930BAD80E0C7}" destId="{2A91D265-EB60-4839-97E1-9AA488EA30C9}" srcOrd="8" destOrd="0" presId="urn:microsoft.com/office/officeart/2008/layout/LinedList"/>
+    <dgm:cxn modelId="{5A5FFCDD-C5E4-436F-A207-5CC82DCD57AA}" type="presParOf" srcId="{B6497B14-D0F0-4D79-B9BF-930BAD80E0C7}" destId="{D0CBCEDF-8082-431C-A1BC-6B71A27EA7E6}" srcOrd="9" destOrd="0" presId="urn:microsoft.com/office/officeart/2008/layout/LinedList"/>
+    <dgm:cxn modelId="{BC51E0EC-D792-428D-829D-3229B83FB402}" type="presParOf" srcId="{D0CBCEDF-8082-431C-A1BC-6B71A27EA7E6}" destId="{58D49E44-B802-4068-A5A6-B8D92FCBD73D}" srcOrd="0" destOrd="0" presId="urn:microsoft.com/office/officeart/2008/layout/LinedList"/>
+    <dgm:cxn modelId="{A23A2E20-F64D-436F-B7DD-90034777B889}" type="presParOf" srcId="{D0CBCEDF-8082-431C-A1BC-6B71A27EA7E6}" destId="{9D950C70-0448-41CD-8542-05914837E522}" srcOrd="1" destOrd="0" presId="urn:microsoft.com/office/officeart/2008/layout/LinedList"/>
+    <dgm:cxn modelId="{5D399A66-6333-4CA4-BC7C-32025371E029}" type="presParOf" srcId="{B6497B14-D0F0-4D79-B9BF-930BAD80E0C7}" destId="{26C37521-C4B8-45A3-9CF4-60AA2F47B390}" srcOrd="10" destOrd="0" presId="urn:microsoft.com/office/officeart/2008/layout/LinedList"/>
+    <dgm:cxn modelId="{8EB51B03-730D-4384-94C5-25FC5830F1A6}" type="presParOf" srcId="{B6497B14-D0F0-4D79-B9BF-930BAD80E0C7}" destId="{724D07F2-C356-4F76-BF11-D10BA38F7B85}" srcOrd="11" destOrd="0" presId="urn:microsoft.com/office/officeart/2008/layout/LinedList"/>
+    <dgm:cxn modelId="{D0801ED9-286D-49B1-AC9E-CCB8AACA0E97}" type="presParOf" srcId="{724D07F2-C356-4F76-BF11-D10BA38F7B85}" destId="{702A8ECA-5490-43A4-B5D7-71B908B075F6}" srcOrd="0" destOrd="0" presId="urn:microsoft.com/office/officeart/2008/layout/LinedList"/>
+    <dgm:cxn modelId="{F0A7AF7A-F903-4CB7-8AF7-E6C70A7258E4}" type="presParOf" srcId="{724D07F2-C356-4F76-BF11-D10BA38F7B85}" destId="{89C37912-17D9-4A01-816F-B5DC03B0F126}" srcOrd="1" destOrd="0" presId="urn:microsoft.com/office/officeart/2008/layout/LinedList"/>
+    <dgm:cxn modelId="{CEE5DAD1-573A-427A-B92B-3FC8C7C95311}" type="presParOf" srcId="{B6497B14-D0F0-4D79-B9BF-930BAD80E0C7}" destId="{CD1E4688-FEDC-4C75-B49B-50FAB344E5B5}" srcOrd="12" destOrd="0" presId="urn:microsoft.com/office/officeart/2008/layout/LinedList"/>
+    <dgm:cxn modelId="{EF2329C7-849F-41D8-AA60-D8D5667677BF}" type="presParOf" srcId="{B6497B14-D0F0-4D79-B9BF-930BAD80E0C7}" destId="{FB5E02B1-6CC1-462B-85D1-89E6813BADDD}" srcOrd="13" destOrd="0" presId="urn:microsoft.com/office/officeart/2008/layout/LinedList"/>
+    <dgm:cxn modelId="{8ED3F789-8691-4DB3-9FF6-5CEADF1FE8D9}" type="presParOf" srcId="{FB5E02B1-6CC1-462B-85D1-89E6813BADDD}" destId="{8F900130-C9A3-4D7C-AA17-34733A33081B}" srcOrd="0" destOrd="0" presId="urn:microsoft.com/office/officeart/2008/layout/LinedList"/>
+    <dgm:cxn modelId="{392E00F9-5798-44E1-9CCA-A04074A11012}" type="presParOf" srcId="{FB5E02B1-6CC1-462B-85D1-89E6813BADDD}" destId="{65394C4B-FE56-4088-9DE7-88F685270F1B}" srcOrd="1" destOrd="0" presId="urn:microsoft.com/office/officeart/2008/layout/LinedList"/>
+    <dgm:cxn modelId="{2AF261BA-1DEA-4DB9-A805-82EDAF9C165C}" type="presParOf" srcId="{B6497B14-D0F0-4D79-B9BF-930BAD80E0C7}" destId="{DFC0BD0F-665D-466C-A8B1-57D9A424B7B3}" srcOrd="14" destOrd="0" presId="urn:microsoft.com/office/officeart/2008/layout/LinedList"/>
+    <dgm:cxn modelId="{0AA499F9-C84C-4EF0-8BC8-A70183A5D66F}" type="presParOf" srcId="{B6497B14-D0F0-4D79-B9BF-930BAD80E0C7}" destId="{405DC3D7-DC13-48C9-B2A7-A9D1F287F85C}" srcOrd="15" destOrd="0" presId="urn:microsoft.com/office/officeart/2008/layout/LinedList"/>
+    <dgm:cxn modelId="{A4B984CD-9334-4589-B656-E3B56DC71E98}" type="presParOf" srcId="{405DC3D7-DC13-48C9-B2A7-A9D1F287F85C}" destId="{1C20CB16-9D30-4D8A-AFB9-87A5A7E59224}" srcOrd="0" destOrd="0" presId="urn:microsoft.com/office/officeart/2008/layout/LinedList"/>
+    <dgm:cxn modelId="{848FA365-B1E2-426A-B691-C963F26A0E01}" type="presParOf" srcId="{405DC3D7-DC13-48C9-B2A7-A9D1F287F85C}" destId="{5B9D7F78-E596-48F1-8D49-4404ACBB9BED}" srcOrd="1" destOrd="0" presId="urn:microsoft.com/office/officeart/2008/layout/LinedList"/>
   </dgm:cxnLst>
   <dgm:bg/>
   <dgm:whole/>
@@ -1565,89 +1522,79 @@
       <dsp:cNvGrpSpPr/>
     </dsp:nvGrpSpPr>
     <dsp:grpSpPr/>
-    <dsp:sp modelId="{EE5C5A24-E464-47AD-9907-6599920C29AE}">
+    <dsp:sp modelId="{3A1C2ADD-E07B-4E4F-A4B6-6CA3049CDF58}">
       <dsp:nvSpPr>
         <dsp:cNvPr id="0" name=""/>
         <dsp:cNvSpPr/>
       </dsp:nvSpPr>
       <dsp:spPr>
         <a:xfrm>
-          <a:off x="1564455" y="87889"/>
-          <a:ext cx="1292904" cy="1292904"/>
+          <a:off x="0" y="0"/>
+          <a:ext cx="6912245" cy="0"/>
         </a:xfrm>
-        <a:prstGeom prst="round2DiagRect">
-          <a:avLst>
-            <a:gd name="adj1" fmla="val 29727"/>
-            <a:gd name="adj2" fmla="val 0"/>
-          </a:avLst>
-        </a:prstGeom>
-        <a:solidFill>
-          <a:schemeClr val="accent2">
-            <a:hueOff val="0"/>
-            <a:satOff val="0"/>
-            <a:lumOff val="0"/>
-            <a:alphaOff val="0"/>
-          </a:schemeClr>
-        </a:solidFill>
-        <a:ln>
-          <a:noFill/>
-        </a:ln>
-        <a:effectLst/>
-      </dsp:spPr>
-      <dsp:style>
-        <a:lnRef idx="0">
-          <a:scrgbClr r="0" g="0" b="0"/>
-        </a:lnRef>
-        <a:fillRef idx="1">
-          <a:scrgbClr r="0" g="0" b="0"/>
-        </a:fillRef>
-        <a:effectRef idx="0">
-          <a:scrgbClr r="0" g="0" b="0"/>
-        </a:effectRef>
-        <a:fontRef idx="minor"/>
-      </dsp:style>
-    </dsp:sp>
-    <dsp:sp modelId="{D9AEA811-41F2-46EE-B129-A1BC82C813D1}">
-      <dsp:nvSpPr>
-        <dsp:cNvPr id="0" name=""/>
-        <dsp:cNvSpPr/>
-      </dsp:nvSpPr>
-      <dsp:spPr>
-        <a:xfrm>
-          <a:off x="1839992" y="363426"/>
-          <a:ext cx="741830" cy="741830"/>
-        </a:xfrm>
-        <a:prstGeom prst="rect">
+        <a:prstGeom prst="line">
           <a:avLst/>
         </a:prstGeom>
-        <a:blipFill>
-          <a:blip xmlns:r="http://schemas.openxmlformats.org/officeDocument/2006/relationships" r:embed="rId1">
-            <a:extLst>
-              <a:ext uri="{96DAC541-7B7A-43D3-8B79-37D633B846F1}">
-                <asvg:svgBlip xmlns:asvg="http://schemas.microsoft.com/office/drawing/2016/SVG/main" r:embed="rId2"/>
-              </a:ext>
-            </a:extLst>
-          </a:blip>
-          <a:srcRect/>
-          <a:stretch>
-            <a:fillRect/>
-          </a:stretch>
-        </a:blipFill>
-        <a:ln w="12700" cap="flat" cmpd="sng" algn="ctr">
-          <a:noFill/>
+        <a:gradFill rotWithShape="0">
+          <a:gsLst>
+            <a:gs pos="0">
+              <a:schemeClr val="accent2">
+                <a:hueOff val="0"/>
+                <a:satOff val="0"/>
+                <a:lumOff val="0"/>
+                <a:alphaOff val="0"/>
+                <a:satMod val="103000"/>
+                <a:lumMod val="102000"/>
+                <a:tint val="94000"/>
+              </a:schemeClr>
+            </a:gs>
+            <a:gs pos="50000">
+              <a:schemeClr val="accent2">
+                <a:hueOff val="0"/>
+                <a:satOff val="0"/>
+                <a:lumOff val="0"/>
+                <a:alphaOff val="0"/>
+                <a:satMod val="110000"/>
+                <a:lumMod val="100000"/>
+                <a:shade val="100000"/>
+              </a:schemeClr>
+            </a:gs>
+            <a:gs pos="100000">
+              <a:schemeClr val="accent2">
+                <a:hueOff val="0"/>
+                <a:satOff val="0"/>
+                <a:lumOff val="0"/>
+                <a:alphaOff val="0"/>
+                <a:lumMod val="99000"/>
+                <a:satMod val="120000"/>
+                <a:shade val="78000"/>
+              </a:schemeClr>
+            </a:gs>
+          </a:gsLst>
+          <a:lin ang="5400000" scaled="0"/>
+        </a:gradFill>
+        <a:ln w="6350" cap="flat" cmpd="sng" algn="ctr">
+          <a:solidFill>
+            <a:schemeClr val="accent2">
+              <a:hueOff val="0"/>
+              <a:satOff val="0"/>
+              <a:lumOff val="0"/>
+              <a:alphaOff val="0"/>
+            </a:schemeClr>
+          </a:solidFill>
           <a:prstDash val="solid"/>
           <a:miter lim="800000"/>
         </a:ln>
         <a:effectLst/>
       </dsp:spPr>
       <dsp:style>
-        <a:lnRef idx="2">
+        <a:lnRef idx="1">
           <a:scrgbClr r="0" g="0" b="0"/>
         </a:lnRef>
-        <a:fillRef idx="1">
+        <a:fillRef idx="3">
           <a:scrgbClr r="0" g="0" b="0"/>
         </a:fillRef>
-        <a:effectRef idx="0">
+        <a:effectRef idx="2">
           <a:scrgbClr r="0" g="0" b="0"/>
         </a:effectRef>
         <a:fontRef idx="minor">
@@ -1655,15 +1602,15 @@
         </a:fontRef>
       </dsp:style>
     </dsp:sp>
-    <dsp:sp modelId="{025B054F-F5E6-4463-B2E2-A137FA09ACBA}">
+    <dsp:sp modelId="{791433EB-D82E-409F-B4A6-37D22ED4898A}">
       <dsp:nvSpPr>
         <dsp:cNvPr id="0" name=""/>
         <dsp:cNvSpPr/>
       </dsp:nvSpPr>
       <dsp:spPr>
         <a:xfrm>
-          <a:off x="1151149" y="1783502"/>
-          <a:ext cx="2119515" cy="720000"/>
+          <a:off x="0" y="0"/>
+          <a:ext cx="6912245" cy="692110"/>
         </a:xfrm>
         <a:prstGeom prst="rect">
           <a:avLst/>
@@ -1687,12 +1634,12 @@
         <a:fontRef idx="minor"/>
       </dsp:style>
       <dsp:txBody>
-        <a:bodyPr spcFirstLastPara="0" vert="horz" wrap="square" lIns="0" tIns="0" rIns="0" bIns="0" numCol="1" spcCol="1270" anchor="t" anchorCtr="0">
+        <a:bodyPr spcFirstLastPara="0" vert="horz" wrap="square" lIns="99060" tIns="99060" rIns="99060" bIns="99060" numCol="1" spcCol="1270" anchor="t" anchorCtr="0">
           <a:noAutofit/>
         </a:bodyPr>
         <a:lstStyle/>
         <a:p>
-          <a:pPr marL="0" lvl="0" indent="0" algn="ctr" defTabSz="755650">
+          <a:pPr marL="0" lvl="0" indent="0" algn="l" defTabSz="1155700">
             <a:lnSpc>
               <a:spcPct val="90000"/>
             </a:lnSpc>
@@ -1703,131 +1650,124 @@
               <a:spcPct val="35000"/>
             </a:spcAft>
             <a:buNone/>
-            <a:defRPr cap="all"/>
           </a:pPr>
           <a:r>
-            <a:rPr lang="pl-PL" sz="1700" kern="1200" dirty="0" err="1"/>
-            <a:t>What</a:t>
+            <a:rPr lang="pl-PL" sz="2600" kern="1200" dirty="0" err="1"/>
+            <a:t>Why</a:t>
           </a:r>
           <a:r>
-            <a:rPr lang="pl-PL" sz="1700" kern="1200" dirty="0"/>
+            <a:rPr lang="pl-PL" sz="2600" kern="1200" dirty="0"/>
             <a:t> </a:t>
           </a:r>
           <a:r>
-            <a:rPr lang="pl-PL" sz="1700" kern="1200" dirty="0" err="1"/>
+            <a:rPr lang="pl-PL" sz="2600" kern="1200" dirty="0" err="1"/>
+            <a:t>contract</a:t>
+          </a:r>
+          <a:r>
+            <a:rPr lang="pl-PL" sz="2600" kern="1200" dirty="0"/>
+            <a:t> </a:t>
+          </a:r>
+          <a:r>
+            <a:rPr lang="pl-PL" sz="2600" kern="1200" dirty="0" err="1"/>
+            <a:t>distribution</a:t>
+          </a:r>
+          <a:r>
+            <a:rPr lang="pl-PL" sz="2600" kern="1200" dirty="0"/>
+            <a:t> </a:t>
+          </a:r>
+          <a:r>
+            <a:rPr lang="pl-PL" sz="2600" kern="1200" dirty="0" err="1"/>
             <a:t>is</a:t>
           </a:r>
           <a:r>
-            <a:rPr lang="pl-PL" sz="1700" kern="1200" dirty="0"/>
+            <a:rPr lang="pl-PL" sz="2600" kern="1200" dirty="0"/>
             <a:t> </a:t>
           </a:r>
           <a:r>
-            <a:rPr lang="pl-PL" sz="1700" kern="1200" dirty="0" err="1"/>
-            <a:t>clean</a:t>
+            <a:rPr lang="pl-PL" sz="2600" kern="1200" dirty="0" err="1"/>
+            <a:t>important</a:t>
           </a:r>
-          <a:r>
-            <a:rPr lang="pl-PL" sz="1700" kern="1200" dirty="0"/>
-            <a:t> </a:t>
-          </a:r>
-          <a:r>
-            <a:rPr lang="pl-PL" sz="1700" kern="1200" dirty="0" err="1"/>
-            <a:t>code</a:t>
-          </a:r>
-          <a:r>
-            <a:rPr lang="pl-PL" sz="1700" kern="1200" dirty="0"/>
-            <a:t>?</a:t>
-          </a:r>
-          <a:endParaRPr lang="en-US" sz="1700" kern="1200" dirty="0"/>
+          <a:endParaRPr lang="en-US" sz="2600" kern="1200" dirty="0"/>
         </a:p>
       </dsp:txBody>
       <dsp:txXfrm>
-        <a:off x="1151149" y="1783502"/>
-        <a:ext cx="2119515" cy="720000"/>
+        <a:off x="0" y="0"/>
+        <a:ext cx="6912245" cy="692110"/>
       </dsp:txXfrm>
     </dsp:sp>
-    <dsp:sp modelId="{7054438D-740E-4200-8CB3-6545B047A9E7}">
+    <dsp:sp modelId="{C11A21AF-FF47-4A73-B4A6-9B39F1994EFD}">
       <dsp:nvSpPr>
         <dsp:cNvPr id="0" name=""/>
         <dsp:cNvSpPr/>
       </dsp:nvSpPr>
       <dsp:spPr>
         <a:xfrm>
-          <a:off x="4054885" y="87889"/>
-          <a:ext cx="1292904" cy="1292904"/>
+          <a:off x="0" y="692110"/>
+          <a:ext cx="6912245" cy="0"/>
         </a:xfrm>
-        <a:prstGeom prst="round2DiagRect">
-          <a:avLst>
-            <a:gd name="adj1" fmla="val 29727"/>
-            <a:gd name="adj2" fmla="val 0"/>
-          </a:avLst>
-        </a:prstGeom>
-        <a:solidFill>
-          <a:schemeClr val="accent3">
-            <a:hueOff val="0"/>
-            <a:satOff val="0"/>
-            <a:lumOff val="0"/>
-            <a:alphaOff val="0"/>
-          </a:schemeClr>
-        </a:solidFill>
-        <a:ln>
-          <a:noFill/>
-        </a:ln>
-        <a:effectLst/>
-      </dsp:spPr>
-      <dsp:style>
-        <a:lnRef idx="0">
-          <a:scrgbClr r="0" g="0" b="0"/>
-        </a:lnRef>
-        <a:fillRef idx="1">
-          <a:scrgbClr r="0" g="0" b="0"/>
-        </a:fillRef>
-        <a:effectRef idx="0">
-          <a:scrgbClr r="0" g="0" b="0"/>
-        </a:effectRef>
-        <a:fontRef idx="minor"/>
-      </dsp:style>
-    </dsp:sp>
-    <dsp:sp modelId="{935DA558-5825-417E-8E92-79469BEA3655}">
-      <dsp:nvSpPr>
-        <dsp:cNvPr id="0" name=""/>
-        <dsp:cNvSpPr/>
-      </dsp:nvSpPr>
-      <dsp:spPr>
-        <a:xfrm>
-          <a:off x="4330422" y="363426"/>
-          <a:ext cx="741830" cy="741830"/>
-        </a:xfrm>
-        <a:prstGeom prst="rect">
+        <a:prstGeom prst="line">
           <a:avLst/>
         </a:prstGeom>
-        <a:blipFill>
-          <a:blip xmlns:r="http://schemas.openxmlformats.org/officeDocument/2006/relationships" r:embed="rId3">
-            <a:extLst>
-              <a:ext uri="{96DAC541-7B7A-43D3-8B79-37D633B846F1}">
-                <asvg:svgBlip xmlns:asvg="http://schemas.microsoft.com/office/drawing/2016/SVG/main" r:embed="rId4"/>
-              </a:ext>
-            </a:extLst>
-          </a:blip>
-          <a:srcRect/>
-          <a:stretch>
-            <a:fillRect/>
-          </a:stretch>
-        </a:blipFill>
-        <a:ln w="12700" cap="flat" cmpd="sng" algn="ctr">
-          <a:noFill/>
+        <a:gradFill rotWithShape="0">
+          <a:gsLst>
+            <a:gs pos="0">
+              <a:schemeClr val="accent2">
+                <a:hueOff val="-730428"/>
+                <a:satOff val="-974"/>
+                <a:lumOff val="-2913"/>
+                <a:alphaOff val="0"/>
+                <a:satMod val="103000"/>
+                <a:lumMod val="102000"/>
+                <a:tint val="94000"/>
+              </a:schemeClr>
+            </a:gs>
+            <a:gs pos="50000">
+              <a:schemeClr val="accent2">
+                <a:hueOff val="-730428"/>
+                <a:satOff val="-974"/>
+                <a:lumOff val="-2913"/>
+                <a:alphaOff val="0"/>
+                <a:satMod val="110000"/>
+                <a:lumMod val="100000"/>
+                <a:shade val="100000"/>
+              </a:schemeClr>
+            </a:gs>
+            <a:gs pos="100000">
+              <a:schemeClr val="accent2">
+                <a:hueOff val="-730428"/>
+                <a:satOff val="-974"/>
+                <a:lumOff val="-2913"/>
+                <a:alphaOff val="0"/>
+                <a:lumMod val="99000"/>
+                <a:satMod val="120000"/>
+                <a:shade val="78000"/>
+              </a:schemeClr>
+            </a:gs>
+          </a:gsLst>
+          <a:lin ang="5400000" scaled="0"/>
+        </a:gradFill>
+        <a:ln w="6350" cap="flat" cmpd="sng" algn="ctr">
+          <a:solidFill>
+            <a:schemeClr val="accent2">
+              <a:hueOff val="-730428"/>
+              <a:satOff val="-974"/>
+              <a:lumOff val="-2913"/>
+              <a:alphaOff val="0"/>
+            </a:schemeClr>
+          </a:solidFill>
           <a:prstDash val="solid"/>
           <a:miter lim="800000"/>
         </a:ln>
         <a:effectLst/>
       </dsp:spPr>
       <dsp:style>
-        <a:lnRef idx="2">
+        <a:lnRef idx="1">
           <a:scrgbClr r="0" g="0" b="0"/>
         </a:lnRef>
-        <a:fillRef idx="1">
+        <a:fillRef idx="3">
           <a:scrgbClr r="0" g="0" b="0"/>
         </a:fillRef>
-        <a:effectRef idx="0">
+        <a:effectRef idx="2">
           <a:scrgbClr r="0" g="0" b="0"/>
         </a:effectRef>
         <a:fontRef idx="minor">
@@ -1835,15 +1775,15 @@
         </a:fontRef>
       </dsp:style>
     </dsp:sp>
-    <dsp:sp modelId="{12FCDB0E-45B6-40D3-A4B0-98A75C8171FA}">
+    <dsp:sp modelId="{F882112B-266C-4114-99A9-43B9FBF778BA}">
       <dsp:nvSpPr>
         <dsp:cNvPr id="0" name=""/>
         <dsp:cNvSpPr/>
       </dsp:nvSpPr>
       <dsp:spPr>
         <a:xfrm>
-          <a:off x="3641580" y="1783502"/>
-          <a:ext cx="2119515" cy="720000"/>
+          <a:off x="0" y="692110"/>
+          <a:ext cx="6912245" cy="692110"/>
         </a:xfrm>
         <a:prstGeom prst="rect">
           <a:avLst/>
@@ -1867,12 +1807,12 @@
         <a:fontRef idx="minor"/>
       </dsp:style>
       <dsp:txBody>
-        <a:bodyPr spcFirstLastPara="0" vert="horz" wrap="square" lIns="0" tIns="0" rIns="0" bIns="0" numCol="1" spcCol="1270" anchor="t" anchorCtr="0">
+        <a:bodyPr spcFirstLastPara="0" vert="horz" wrap="square" lIns="99060" tIns="99060" rIns="99060" bIns="99060" numCol="1" spcCol="1270" anchor="t" anchorCtr="0">
           <a:noAutofit/>
         </a:bodyPr>
         <a:lstStyle/>
         <a:p>
-          <a:pPr marL="0" lvl="0" indent="0" algn="ctr" defTabSz="755650">
+          <a:pPr marL="0" lvl="0" indent="0" algn="l" defTabSz="1155700">
             <a:lnSpc>
               <a:spcPct val="90000"/>
             </a:lnSpc>
@@ -1883,103 +1823,108 @@
               <a:spcPct val="35000"/>
             </a:spcAft>
             <a:buNone/>
-            <a:defRPr cap="all"/>
           </a:pPr>
           <a:r>
-            <a:rPr lang="pl-PL" sz="1700" kern="1200"/>
-            <a:t>Handy practices</a:t>
+            <a:rPr lang="pl-PL" sz="2600" kern="1200" dirty="0" err="1"/>
+            <a:t>Differrent</a:t>
           </a:r>
-          <a:endParaRPr lang="en-US" sz="1700" kern="1200"/>
+          <a:r>
+            <a:rPr lang="pl-PL" sz="2600" kern="1200" dirty="0"/>
+            <a:t> </a:t>
+          </a:r>
+          <a:r>
+            <a:rPr lang="pl-PL" sz="2600" kern="1200" dirty="0" err="1"/>
+            <a:t>views</a:t>
+          </a:r>
+          <a:r>
+            <a:rPr lang="pl-PL" sz="2600" kern="1200" dirty="0"/>
+            <a:t> on </a:t>
+          </a:r>
+          <a:r>
+            <a:rPr lang="pl-PL" sz="2600" kern="1200" dirty="0" err="1"/>
+            <a:t>tests</a:t>
+          </a:r>
+          <a:endParaRPr lang="en-US" sz="2600" kern="1200" dirty="0"/>
         </a:p>
       </dsp:txBody>
       <dsp:txXfrm>
-        <a:off x="3641580" y="1783502"/>
-        <a:ext cx="2119515" cy="720000"/>
+        <a:off x="0" y="692110"/>
+        <a:ext cx="6912245" cy="692110"/>
       </dsp:txXfrm>
     </dsp:sp>
-    <dsp:sp modelId="{4BD3E295-DD57-45B8-A90C-5A16D568BF3B}">
+    <dsp:sp modelId="{A392502F-668E-495C-87BC-77382F376A80}">
       <dsp:nvSpPr>
         <dsp:cNvPr id="0" name=""/>
         <dsp:cNvSpPr/>
       </dsp:nvSpPr>
       <dsp:spPr>
         <a:xfrm>
-          <a:off x="1564455" y="3033380"/>
-          <a:ext cx="1292904" cy="1292904"/>
+          <a:off x="0" y="1384220"/>
+          <a:ext cx="6912245" cy="0"/>
         </a:xfrm>
-        <a:prstGeom prst="round2DiagRect">
-          <a:avLst>
-            <a:gd name="adj1" fmla="val 29727"/>
-            <a:gd name="adj2" fmla="val 0"/>
-          </a:avLst>
-        </a:prstGeom>
-        <a:solidFill>
-          <a:schemeClr val="accent4">
-            <a:hueOff val="0"/>
-            <a:satOff val="0"/>
-            <a:lumOff val="0"/>
-            <a:alphaOff val="0"/>
-          </a:schemeClr>
-        </a:solidFill>
-        <a:ln>
-          <a:noFill/>
-        </a:ln>
-        <a:effectLst/>
-      </dsp:spPr>
-      <dsp:style>
-        <a:lnRef idx="0">
-          <a:scrgbClr r="0" g="0" b="0"/>
-        </a:lnRef>
-        <a:fillRef idx="1">
-          <a:scrgbClr r="0" g="0" b="0"/>
-        </a:fillRef>
-        <a:effectRef idx="0">
-          <a:scrgbClr r="0" g="0" b="0"/>
-        </a:effectRef>
-        <a:fontRef idx="minor"/>
-      </dsp:style>
-    </dsp:sp>
-    <dsp:sp modelId="{09880F79-9076-4F04-898E-A0C4578878D0}">
-      <dsp:nvSpPr>
-        <dsp:cNvPr id="0" name=""/>
-        <dsp:cNvSpPr/>
-      </dsp:nvSpPr>
-      <dsp:spPr>
-        <a:xfrm>
-          <a:off x="1839992" y="3308917"/>
-          <a:ext cx="741830" cy="741830"/>
-        </a:xfrm>
-        <a:prstGeom prst="rect">
+        <a:prstGeom prst="line">
           <a:avLst/>
         </a:prstGeom>
-        <a:blipFill>
-          <a:blip xmlns:r="http://schemas.openxmlformats.org/officeDocument/2006/relationships" r:embed="rId5">
-            <a:extLst>
-              <a:ext uri="{96DAC541-7B7A-43D3-8B79-37D633B846F1}">
-                <asvg:svgBlip xmlns:asvg="http://schemas.microsoft.com/office/drawing/2016/SVG/main" r:embed="rId6"/>
-              </a:ext>
-            </a:extLst>
-          </a:blip>
-          <a:srcRect/>
-          <a:stretch>
-            <a:fillRect/>
-          </a:stretch>
-        </a:blipFill>
-        <a:ln w="12700" cap="flat" cmpd="sng" algn="ctr">
-          <a:noFill/>
+        <a:gradFill rotWithShape="0">
+          <a:gsLst>
+            <a:gs pos="0">
+              <a:schemeClr val="accent2">
+                <a:hueOff val="-1460856"/>
+                <a:satOff val="-1949"/>
+                <a:lumOff val="-5826"/>
+                <a:alphaOff val="0"/>
+                <a:satMod val="103000"/>
+                <a:lumMod val="102000"/>
+                <a:tint val="94000"/>
+              </a:schemeClr>
+            </a:gs>
+            <a:gs pos="50000">
+              <a:schemeClr val="accent2">
+                <a:hueOff val="-1460856"/>
+                <a:satOff val="-1949"/>
+                <a:lumOff val="-5826"/>
+                <a:alphaOff val="0"/>
+                <a:satMod val="110000"/>
+                <a:lumMod val="100000"/>
+                <a:shade val="100000"/>
+              </a:schemeClr>
+            </a:gs>
+            <a:gs pos="100000">
+              <a:schemeClr val="accent2">
+                <a:hueOff val="-1460856"/>
+                <a:satOff val="-1949"/>
+                <a:lumOff val="-5826"/>
+                <a:alphaOff val="0"/>
+                <a:lumMod val="99000"/>
+                <a:satMod val="120000"/>
+                <a:shade val="78000"/>
+              </a:schemeClr>
+            </a:gs>
+          </a:gsLst>
+          <a:lin ang="5400000" scaled="0"/>
+        </a:gradFill>
+        <a:ln w="6350" cap="flat" cmpd="sng" algn="ctr">
+          <a:solidFill>
+            <a:schemeClr val="accent2">
+              <a:hueOff val="-1460856"/>
+              <a:satOff val="-1949"/>
+              <a:lumOff val="-5826"/>
+              <a:alphaOff val="0"/>
+            </a:schemeClr>
+          </a:solidFill>
           <a:prstDash val="solid"/>
           <a:miter lim="800000"/>
         </a:ln>
         <a:effectLst/>
       </dsp:spPr>
       <dsp:style>
-        <a:lnRef idx="2">
+        <a:lnRef idx="1">
           <a:scrgbClr r="0" g="0" b="0"/>
         </a:lnRef>
-        <a:fillRef idx="1">
+        <a:fillRef idx="3">
           <a:scrgbClr r="0" g="0" b="0"/>
         </a:fillRef>
-        <a:effectRef idx="0">
+        <a:effectRef idx="2">
           <a:scrgbClr r="0" g="0" b="0"/>
         </a:effectRef>
         <a:fontRef idx="minor">
@@ -1987,15 +1932,15 @@
         </a:fontRef>
       </dsp:style>
     </dsp:sp>
-    <dsp:sp modelId="{082D04FA-12B4-47EC-B433-418C236770FA}">
+    <dsp:sp modelId="{3341AE32-ED46-4909-B611-B97B55C1C46F}">
       <dsp:nvSpPr>
         <dsp:cNvPr id="0" name=""/>
         <dsp:cNvSpPr/>
       </dsp:nvSpPr>
       <dsp:spPr>
         <a:xfrm>
-          <a:off x="1151149" y="4728993"/>
-          <a:ext cx="2119515" cy="720000"/>
+          <a:off x="0" y="1384220"/>
+          <a:ext cx="6912245" cy="692110"/>
         </a:xfrm>
         <a:prstGeom prst="rect">
           <a:avLst/>
@@ -2019,12 +1964,12 @@
         <a:fontRef idx="minor"/>
       </dsp:style>
       <dsp:txBody>
-        <a:bodyPr spcFirstLastPara="0" vert="horz" wrap="square" lIns="0" tIns="0" rIns="0" bIns="0" numCol="1" spcCol="1270" anchor="t" anchorCtr="0">
+        <a:bodyPr spcFirstLastPara="0" vert="horz" wrap="square" lIns="99060" tIns="99060" rIns="99060" bIns="99060" numCol="1" spcCol="1270" anchor="t" anchorCtr="0">
           <a:noAutofit/>
         </a:bodyPr>
         <a:lstStyle/>
         <a:p>
-          <a:pPr marL="0" lvl="0" indent="0" algn="ctr" defTabSz="755650">
+          <a:pPr marL="0" lvl="0" indent="0" algn="l" defTabSz="1155700">
             <a:lnSpc>
               <a:spcPct val="90000"/>
             </a:lnSpc>
@@ -2035,125 +1980,124 @@
               <a:spcPct val="35000"/>
             </a:spcAft>
             <a:buNone/>
-            <a:defRPr cap="all"/>
           </a:pPr>
           <a:r>
-            <a:rPr lang="pl-PL" sz="1700" kern="1200" dirty="0" err="1"/>
-            <a:t>Clean</a:t>
+            <a:rPr lang="pl-PL" sz="2600" kern="1200" dirty="0"/>
+            <a:t>Interface-</a:t>
           </a:r>
           <a:r>
-            <a:rPr lang="pl-PL" sz="1700" kern="1200" dirty="0"/>
+            <a:rPr lang="pl-PL" sz="2600" kern="1200" dirty="0" err="1"/>
+            <a:t>based</a:t>
+          </a:r>
+          <a:r>
+            <a:rPr lang="pl-PL" sz="2600" kern="1200" dirty="0"/>
             <a:t> </a:t>
           </a:r>
           <a:r>
-            <a:rPr lang="pl-PL" sz="1700" kern="1200" dirty="0" err="1"/>
-            <a:t>architecture</a:t>
+            <a:rPr lang="pl-PL" sz="2600" kern="1200" dirty="0" err="1"/>
+            <a:t>contract</a:t>
           </a:r>
           <a:r>
-            <a:rPr lang="pl-PL" sz="1700" kern="1200" dirty="0"/>
+            <a:rPr lang="pl-PL" sz="2600" kern="1200" dirty="0"/>
             <a:t> </a:t>
           </a:r>
           <a:r>
-            <a:rPr lang="pl-PL" sz="1700" kern="1200" dirty="0" err="1"/>
-            <a:t>overview</a:t>
+            <a:rPr lang="pl-PL" sz="2600" kern="1200" dirty="0" err="1"/>
+            <a:t>distribution</a:t>
           </a:r>
           <a:r>
-            <a:rPr lang="pl-PL" sz="1700" kern="1200" dirty="0"/>
+            <a:rPr lang="pl-PL" sz="2600" kern="1200" dirty="0"/>
+            <a:t> and </a:t>
+          </a:r>
+          <a:r>
+            <a:rPr lang="pl-PL" sz="2600" kern="1200" dirty="0" err="1"/>
+            <a:t>testing</a:t>
+          </a:r>
+          <a:r>
+            <a:rPr lang="pl-PL" sz="2600" kern="1200" dirty="0"/>
             <a:t> </a:t>
           </a:r>
-          <a:endParaRPr lang="en-US" sz="1700" kern="1200" dirty="0"/>
+          <a:endParaRPr lang="en-US" sz="2600" kern="1200" dirty="0"/>
         </a:p>
       </dsp:txBody>
       <dsp:txXfrm>
-        <a:off x="1151149" y="4728993"/>
-        <a:ext cx="2119515" cy="720000"/>
+        <a:off x="0" y="1384220"/>
+        <a:ext cx="6912245" cy="692110"/>
       </dsp:txXfrm>
     </dsp:sp>
-    <dsp:sp modelId="{FACC293C-E9CD-4B53-BA92-14D91B63D5F7}">
+    <dsp:sp modelId="{A5483D8F-5696-45AE-B76B-AE85C036FB4F}">
       <dsp:nvSpPr>
         <dsp:cNvPr id="0" name=""/>
         <dsp:cNvSpPr/>
       </dsp:nvSpPr>
       <dsp:spPr>
         <a:xfrm>
-          <a:off x="4054885" y="3033380"/>
-          <a:ext cx="1292904" cy="1292904"/>
+          <a:off x="0" y="2076331"/>
+          <a:ext cx="6912245" cy="0"/>
         </a:xfrm>
-        <a:prstGeom prst="round2DiagRect">
-          <a:avLst>
-            <a:gd name="adj1" fmla="val 29727"/>
-            <a:gd name="adj2" fmla="val 0"/>
-          </a:avLst>
-        </a:prstGeom>
-        <a:solidFill>
-          <a:schemeClr val="accent5">
-            <a:hueOff val="0"/>
-            <a:satOff val="0"/>
-            <a:lumOff val="0"/>
-            <a:alphaOff val="0"/>
-          </a:schemeClr>
-        </a:solidFill>
-        <a:ln>
-          <a:noFill/>
-        </a:ln>
-        <a:effectLst/>
-      </dsp:spPr>
-      <dsp:style>
-        <a:lnRef idx="0">
-          <a:scrgbClr r="0" g="0" b="0"/>
-        </a:lnRef>
-        <a:fillRef idx="1">
-          <a:scrgbClr r="0" g="0" b="0"/>
-        </a:fillRef>
-        <a:effectRef idx="0">
-          <a:scrgbClr r="0" g="0" b="0"/>
-        </a:effectRef>
-        <a:fontRef idx="minor"/>
-      </dsp:style>
-    </dsp:sp>
-    <dsp:sp modelId="{F5FE08FF-D0DC-4E58-BC44-D9A87DF5B9C3}">
-      <dsp:nvSpPr>
-        <dsp:cNvPr id="0" name=""/>
-        <dsp:cNvSpPr/>
-      </dsp:nvSpPr>
-      <dsp:spPr>
-        <a:xfrm>
-          <a:off x="4330422" y="3308917"/>
-          <a:ext cx="741830" cy="741830"/>
-        </a:xfrm>
-        <a:prstGeom prst="rect">
+        <a:prstGeom prst="line">
           <a:avLst/>
         </a:prstGeom>
-        <a:blipFill>
-          <a:blip xmlns:r="http://schemas.openxmlformats.org/officeDocument/2006/relationships" r:embed="rId7">
-            <a:extLst>
-              <a:ext uri="{28A0092B-C50C-407E-A947-70E740481C1C}">
-                <a14:useLocalDpi xmlns:a14="http://schemas.microsoft.com/office/drawing/2010/main" val="0"/>
-              </a:ext>
-              <a:ext uri="{96DAC541-7B7A-43D3-8B79-37D633B846F1}">
-                <asvg:svgBlip xmlns:asvg="http://schemas.microsoft.com/office/drawing/2016/SVG/main" r:embed="rId8"/>
-              </a:ext>
-            </a:extLst>
-          </a:blip>
-          <a:stretch>
-            <a:fillRect/>
-          </a:stretch>
-        </a:blipFill>
-        <a:ln w="12700" cap="flat" cmpd="sng" algn="ctr">
-          <a:noFill/>
+        <a:gradFill rotWithShape="0">
+          <a:gsLst>
+            <a:gs pos="0">
+              <a:schemeClr val="accent2">
+                <a:hueOff val="-2191284"/>
+                <a:satOff val="-2923"/>
+                <a:lumOff val="-8739"/>
+                <a:alphaOff val="0"/>
+                <a:satMod val="103000"/>
+                <a:lumMod val="102000"/>
+                <a:tint val="94000"/>
+              </a:schemeClr>
+            </a:gs>
+            <a:gs pos="50000">
+              <a:schemeClr val="accent2">
+                <a:hueOff val="-2191284"/>
+                <a:satOff val="-2923"/>
+                <a:lumOff val="-8739"/>
+                <a:alphaOff val="0"/>
+                <a:satMod val="110000"/>
+                <a:lumMod val="100000"/>
+                <a:shade val="100000"/>
+              </a:schemeClr>
+            </a:gs>
+            <a:gs pos="100000">
+              <a:schemeClr val="accent2">
+                <a:hueOff val="-2191284"/>
+                <a:satOff val="-2923"/>
+                <a:lumOff val="-8739"/>
+                <a:alphaOff val="0"/>
+                <a:lumMod val="99000"/>
+                <a:satMod val="120000"/>
+                <a:shade val="78000"/>
+              </a:schemeClr>
+            </a:gs>
+          </a:gsLst>
+          <a:lin ang="5400000" scaled="0"/>
+        </a:gradFill>
+        <a:ln w="6350" cap="flat" cmpd="sng" algn="ctr">
+          <a:solidFill>
+            <a:schemeClr val="accent2">
+              <a:hueOff val="-2191284"/>
+              <a:satOff val="-2923"/>
+              <a:lumOff val="-8739"/>
+              <a:alphaOff val="0"/>
+            </a:schemeClr>
+          </a:solidFill>
           <a:prstDash val="solid"/>
           <a:miter lim="800000"/>
         </a:ln>
         <a:effectLst/>
       </dsp:spPr>
       <dsp:style>
-        <a:lnRef idx="2">
+        <a:lnRef idx="1">
           <a:scrgbClr r="0" g="0" b="0"/>
         </a:lnRef>
-        <a:fillRef idx="1">
+        <a:fillRef idx="3">
           <a:scrgbClr r="0" g="0" b="0"/>
         </a:fillRef>
-        <a:effectRef idx="0">
+        <a:effectRef idx="2">
           <a:scrgbClr r="0" g="0" b="0"/>
         </a:effectRef>
         <a:fontRef idx="minor">
@@ -2161,15 +2105,15 @@
         </a:fontRef>
       </dsp:style>
     </dsp:sp>
-    <dsp:sp modelId="{C0C4A855-EF90-4DDA-A263-C56957CAFF4B}">
+    <dsp:sp modelId="{BE25C85F-1928-4E32-8A76-2318E833AFD1}">
       <dsp:nvSpPr>
         <dsp:cNvPr id="0" name=""/>
         <dsp:cNvSpPr/>
       </dsp:nvSpPr>
       <dsp:spPr>
         <a:xfrm>
-          <a:off x="3641580" y="4728993"/>
-          <a:ext cx="2119515" cy="720000"/>
+          <a:off x="0" y="2076331"/>
+          <a:ext cx="6912245" cy="692110"/>
         </a:xfrm>
         <a:prstGeom prst="rect">
           <a:avLst/>
@@ -2193,12 +2137,12 @@
         <a:fontRef idx="minor"/>
       </dsp:style>
       <dsp:txBody>
-        <a:bodyPr spcFirstLastPara="0" vert="horz" wrap="square" lIns="0" tIns="0" rIns="0" bIns="0" numCol="1" spcCol="1270" anchor="t" anchorCtr="0">
+        <a:bodyPr spcFirstLastPara="0" vert="horz" wrap="square" lIns="99060" tIns="99060" rIns="99060" bIns="99060" numCol="1" spcCol="1270" anchor="t" anchorCtr="0">
           <a:noAutofit/>
         </a:bodyPr>
         <a:lstStyle/>
         <a:p>
-          <a:pPr marL="0" lvl="0" indent="0" algn="ctr" defTabSz="755650">
+          <a:pPr marL="0" lvl="0" indent="0" algn="l" defTabSz="1155700">
             <a:lnSpc>
               <a:spcPct val="90000"/>
             </a:lnSpc>
@@ -2209,18 +2153,581 @@
               <a:spcPct val="35000"/>
             </a:spcAft>
             <a:buNone/>
-            <a:defRPr cap="all"/>
           </a:pPr>
           <a:r>
-            <a:rPr lang="pl-PL" sz="1700" kern="1200"/>
-            <a:t>Questions?</a:t>
+            <a:rPr lang="pl-PL" sz="2600" kern="1200"/>
+            <a:t>DTO-based contract distribution and testing</a:t>
           </a:r>
-          <a:endParaRPr lang="en-US" sz="1700" kern="1200"/>
+          <a:endParaRPr lang="en-US" sz="2600" kern="1200"/>
         </a:p>
       </dsp:txBody>
       <dsp:txXfrm>
-        <a:off x="3641580" y="4728993"/>
-        <a:ext cx="2119515" cy="720000"/>
+        <a:off x="0" y="2076331"/>
+        <a:ext cx="6912245" cy="692110"/>
+      </dsp:txXfrm>
+    </dsp:sp>
+    <dsp:sp modelId="{2A91D265-EB60-4839-97E1-9AA488EA30C9}">
+      <dsp:nvSpPr>
+        <dsp:cNvPr id="0" name=""/>
+        <dsp:cNvSpPr/>
+      </dsp:nvSpPr>
+      <dsp:spPr>
+        <a:xfrm>
+          <a:off x="0" y="2768441"/>
+          <a:ext cx="6912245" cy="0"/>
+        </a:xfrm>
+        <a:prstGeom prst="line">
+          <a:avLst/>
+        </a:prstGeom>
+        <a:gradFill rotWithShape="0">
+          <a:gsLst>
+            <a:gs pos="0">
+              <a:schemeClr val="accent2">
+                <a:hueOff val="-2921713"/>
+                <a:satOff val="-3897"/>
+                <a:lumOff val="-11653"/>
+                <a:alphaOff val="0"/>
+                <a:satMod val="103000"/>
+                <a:lumMod val="102000"/>
+                <a:tint val="94000"/>
+              </a:schemeClr>
+            </a:gs>
+            <a:gs pos="50000">
+              <a:schemeClr val="accent2">
+                <a:hueOff val="-2921713"/>
+                <a:satOff val="-3897"/>
+                <a:lumOff val="-11653"/>
+                <a:alphaOff val="0"/>
+                <a:satMod val="110000"/>
+                <a:lumMod val="100000"/>
+                <a:shade val="100000"/>
+              </a:schemeClr>
+            </a:gs>
+            <a:gs pos="100000">
+              <a:schemeClr val="accent2">
+                <a:hueOff val="-2921713"/>
+                <a:satOff val="-3897"/>
+                <a:lumOff val="-11653"/>
+                <a:alphaOff val="0"/>
+                <a:lumMod val="99000"/>
+                <a:satMod val="120000"/>
+                <a:shade val="78000"/>
+              </a:schemeClr>
+            </a:gs>
+          </a:gsLst>
+          <a:lin ang="5400000" scaled="0"/>
+        </a:gradFill>
+        <a:ln w="6350" cap="flat" cmpd="sng" algn="ctr">
+          <a:solidFill>
+            <a:schemeClr val="accent2">
+              <a:hueOff val="-2921713"/>
+              <a:satOff val="-3897"/>
+              <a:lumOff val="-11653"/>
+              <a:alphaOff val="0"/>
+            </a:schemeClr>
+          </a:solidFill>
+          <a:prstDash val="solid"/>
+          <a:miter lim="800000"/>
+        </a:ln>
+        <a:effectLst/>
+      </dsp:spPr>
+      <dsp:style>
+        <a:lnRef idx="1">
+          <a:scrgbClr r="0" g="0" b="0"/>
+        </a:lnRef>
+        <a:fillRef idx="3">
+          <a:scrgbClr r="0" g="0" b="0"/>
+        </a:fillRef>
+        <a:effectRef idx="2">
+          <a:scrgbClr r="0" g="0" b="0"/>
+        </a:effectRef>
+        <a:fontRef idx="minor">
+          <a:schemeClr val="lt1"/>
+        </a:fontRef>
+      </dsp:style>
+    </dsp:sp>
+    <dsp:sp modelId="{58D49E44-B802-4068-A5A6-B8D92FCBD73D}">
+      <dsp:nvSpPr>
+        <dsp:cNvPr id="0" name=""/>
+        <dsp:cNvSpPr/>
+      </dsp:nvSpPr>
+      <dsp:spPr>
+        <a:xfrm>
+          <a:off x="0" y="2768441"/>
+          <a:ext cx="6912245" cy="692110"/>
+        </a:xfrm>
+        <a:prstGeom prst="rect">
+          <a:avLst/>
+        </a:prstGeom>
+        <a:noFill/>
+        <a:ln>
+          <a:noFill/>
+        </a:ln>
+        <a:effectLst/>
+      </dsp:spPr>
+      <dsp:style>
+        <a:lnRef idx="0">
+          <a:scrgbClr r="0" g="0" b="0"/>
+        </a:lnRef>
+        <a:fillRef idx="0">
+          <a:scrgbClr r="0" g="0" b="0"/>
+        </a:fillRef>
+        <a:effectRef idx="0">
+          <a:scrgbClr r="0" g="0" b="0"/>
+        </a:effectRef>
+        <a:fontRef idx="minor"/>
+      </dsp:style>
+      <dsp:txBody>
+        <a:bodyPr spcFirstLastPara="0" vert="horz" wrap="square" lIns="99060" tIns="99060" rIns="99060" bIns="99060" numCol="1" spcCol="1270" anchor="t" anchorCtr="0">
+          <a:noAutofit/>
+        </a:bodyPr>
+        <a:lstStyle/>
+        <a:p>
+          <a:pPr marL="0" lvl="0" indent="0" algn="l" defTabSz="1155700">
+            <a:lnSpc>
+              <a:spcPct val="90000"/>
+            </a:lnSpc>
+            <a:spcBef>
+              <a:spcPct val="0"/>
+            </a:spcBef>
+            <a:spcAft>
+              <a:spcPct val="35000"/>
+            </a:spcAft>
+            <a:buNone/>
+          </a:pPr>
+          <a:r>
+            <a:rPr lang="pl-PL" sz="2600" kern="1200"/>
+            <a:t>OpenAPI contract distribution and testing</a:t>
+          </a:r>
+          <a:endParaRPr lang="en-US" sz="2600" kern="1200"/>
+        </a:p>
+      </dsp:txBody>
+      <dsp:txXfrm>
+        <a:off x="0" y="2768441"/>
+        <a:ext cx="6912245" cy="692110"/>
+      </dsp:txXfrm>
+    </dsp:sp>
+    <dsp:sp modelId="{26C37521-C4B8-45A3-9CF4-60AA2F47B390}">
+      <dsp:nvSpPr>
+        <dsp:cNvPr id="0" name=""/>
+        <dsp:cNvSpPr/>
+      </dsp:nvSpPr>
+      <dsp:spPr>
+        <a:xfrm>
+          <a:off x="0" y="3460551"/>
+          <a:ext cx="6912245" cy="0"/>
+        </a:xfrm>
+        <a:prstGeom prst="line">
+          <a:avLst/>
+        </a:prstGeom>
+        <a:gradFill rotWithShape="0">
+          <a:gsLst>
+            <a:gs pos="0">
+              <a:schemeClr val="accent2">
+                <a:hueOff val="-3652141"/>
+                <a:satOff val="-4871"/>
+                <a:lumOff val="-14566"/>
+                <a:alphaOff val="0"/>
+                <a:satMod val="103000"/>
+                <a:lumMod val="102000"/>
+                <a:tint val="94000"/>
+              </a:schemeClr>
+            </a:gs>
+            <a:gs pos="50000">
+              <a:schemeClr val="accent2">
+                <a:hueOff val="-3652141"/>
+                <a:satOff val="-4871"/>
+                <a:lumOff val="-14566"/>
+                <a:alphaOff val="0"/>
+                <a:satMod val="110000"/>
+                <a:lumMod val="100000"/>
+                <a:shade val="100000"/>
+              </a:schemeClr>
+            </a:gs>
+            <a:gs pos="100000">
+              <a:schemeClr val="accent2">
+                <a:hueOff val="-3652141"/>
+                <a:satOff val="-4871"/>
+                <a:lumOff val="-14566"/>
+                <a:alphaOff val="0"/>
+                <a:lumMod val="99000"/>
+                <a:satMod val="120000"/>
+                <a:shade val="78000"/>
+              </a:schemeClr>
+            </a:gs>
+          </a:gsLst>
+          <a:lin ang="5400000" scaled="0"/>
+        </a:gradFill>
+        <a:ln w="6350" cap="flat" cmpd="sng" algn="ctr">
+          <a:solidFill>
+            <a:schemeClr val="accent2">
+              <a:hueOff val="-3652141"/>
+              <a:satOff val="-4871"/>
+              <a:lumOff val="-14566"/>
+              <a:alphaOff val="0"/>
+            </a:schemeClr>
+          </a:solidFill>
+          <a:prstDash val="solid"/>
+          <a:miter lim="800000"/>
+        </a:ln>
+        <a:effectLst/>
+      </dsp:spPr>
+      <dsp:style>
+        <a:lnRef idx="1">
+          <a:scrgbClr r="0" g="0" b="0"/>
+        </a:lnRef>
+        <a:fillRef idx="3">
+          <a:scrgbClr r="0" g="0" b="0"/>
+        </a:fillRef>
+        <a:effectRef idx="2">
+          <a:scrgbClr r="0" g="0" b="0"/>
+        </a:effectRef>
+        <a:fontRef idx="minor">
+          <a:schemeClr val="lt1"/>
+        </a:fontRef>
+      </dsp:style>
+    </dsp:sp>
+    <dsp:sp modelId="{702A8ECA-5490-43A4-B5D7-71B908B075F6}">
+      <dsp:nvSpPr>
+        <dsp:cNvPr id="0" name=""/>
+        <dsp:cNvSpPr/>
+      </dsp:nvSpPr>
+      <dsp:spPr>
+        <a:xfrm>
+          <a:off x="0" y="3460551"/>
+          <a:ext cx="6912245" cy="692110"/>
+        </a:xfrm>
+        <a:prstGeom prst="rect">
+          <a:avLst/>
+        </a:prstGeom>
+        <a:noFill/>
+        <a:ln>
+          <a:noFill/>
+        </a:ln>
+        <a:effectLst/>
+      </dsp:spPr>
+      <dsp:style>
+        <a:lnRef idx="0">
+          <a:scrgbClr r="0" g="0" b="0"/>
+        </a:lnRef>
+        <a:fillRef idx="0">
+          <a:scrgbClr r="0" g="0" b="0"/>
+        </a:fillRef>
+        <a:effectRef idx="0">
+          <a:scrgbClr r="0" g="0" b="0"/>
+        </a:effectRef>
+        <a:fontRef idx="minor"/>
+      </dsp:style>
+      <dsp:txBody>
+        <a:bodyPr spcFirstLastPara="0" vert="horz" wrap="square" lIns="99060" tIns="99060" rIns="99060" bIns="99060" numCol="1" spcCol="1270" anchor="t" anchorCtr="0">
+          <a:noAutofit/>
+        </a:bodyPr>
+        <a:lstStyle/>
+        <a:p>
+          <a:pPr marL="0" lvl="0" indent="0" algn="l" defTabSz="1155700">
+            <a:lnSpc>
+              <a:spcPct val="90000"/>
+            </a:lnSpc>
+            <a:spcBef>
+              <a:spcPct val="0"/>
+            </a:spcBef>
+            <a:spcAft>
+              <a:spcPct val="35000"/>
+            </a:spcAft>
+            <a:buNone/>
+          </a:pPr>
+          <a:r>
+            <a:rPr lang="pl-PL" sz="2600" kern="1200"/>
+            <a:t>Special service dependency considerations</a:t>
+          </a:r>
+          <a:endParaRPr lang="en-US" sz="2600" kern="1200"/>
+        </a:p>
+      </dsp:txBody>
+      <dsp:txXfrm>
+        <a:off x="0" y="3460551"/>
+        <a:ext cx="6912245" cy="692110"/>
+      </dsp:txXfrm>
+    </dsp:sp>
+    <dsp:sp modelId="{CD1E4688-FEDC-4C75-B49B-50FAB344E5B5}">
+      <dsp:nvSpPr>
+        <dsp:cNvPr id="0" name=""/>
+        <dsp:cNvSpPr/>
+      </dsp:nvSpPr>
+      <dsp:spPr>
+        <a:xfrm>
+          <a:off x="0" y="4152662"/>
+          <a:ext cx="6912245" cy="0"/>
+        </a:xfrm>
+        <a:prstGeom prst="line">
+          <a:avLst/>
+        </a:prstGeom>
+        <a:gradFill rotWithShape="0">
+          <a:gsLst>
+            <a:gs pos="0">
+              <a:schemeClr val="accent2">
+                <a:hueOff val="-4382569"/>
+                <a:satOff val="-5846"/>
+                <a:lumOff val="-17479"/>
+                <a:alphaOff val="0"/>
+                <a:satMod val="103000"/>
+                <a:lumMod val="102000"/>
+                <a:tint val="94000"/>
+              </a:schemeClr>
+            </a:gs>
+            <a:gs pos="50000">
+              <a:schemeClr val="accent2">
+                <a:hueOff val="-4382569"/>
+                <a:satOff val="-5846"/>
+                <a:lumOff val="-17479"/>
+                <a:alphaOff val="0"/>
+                <a:satMod val="110000"/>
+                <a:lumMod val="100000"/>
+                <a:shade val="100000"/>
+              </a:schemeClr>
+            </a:gs>
+            <a:gs pos="100000">
+              <a:schemeClr val="accent2">
+                <a:hueOff val="-4382569"/>
+                <a:satOff val="-5846"/>
+                <a:lumOff val="-17479"/>
+                <a:alphaOff val="0"/>
+                <a:lumMod val="99000"/>
+                <a:satMod val="120000"/>
+                <a:shade val="78000"/>
+              </a:schemeClr>
+            </a:gs>
+          </a:gsLst>
+          <a:lin ang="5400000" scaled="0"/>
+        </a:gradFill>
+        <a:ln w="6350" cap="flat" cmpd="sng" algn="ctr">
+          <a:solidFill>
+            <a:schemeClr val="accent2">
+              <a:hueOff val="-4382569"/>
+              <a:satOff val="-5846"/>
+              <a:lumOff val="-17479"/>
+              <a:alphaOff val="0"/>
+            </a:schemeClr>
+          </a:solidFill>
+          <a:prstDash val="solid"/>
+          <a:miter lim="800000"/>
+        </a:ln>
+        <a:effectLst/>
+      </dsp:spPr>
+      <dsp:style>
+        <a:lnRef idx="1">
+          <a:scrgbClr r="0" g="0" b="0"/>
+        </a:lnRef>
+        <a:fillRef idx="3">
+          <a:scrgbClr r="0" g="0" b="0"/>
+        </a:fillRef>
+        <a:effectRef idx="2">
+          <a:scrgbClr r="0" g="0" b="0"/>
+        </a:effectRef>
+        <a:fontRef idx="minor">
+          <a:schemeClr val="lt1"/>
+        </a:fontRef>
+      </dsp:style>
+    </dsp:sp>
+    <dsp:sp modelId="{8F900130-C9A3-4D7C-AA17-34733A33081B}">
+      <dsp:nvSpPr>
+        <dsp:cNvPr id="0" name=""/>
+        <dsp:cNvSpPr/>
+      </dsp:nvSpPr>
+      <dsp:spPr>
+        <a:xfrm>
+          <a:off x="0" y="4152662"/>
+          <a:ext cx="6912245" cy="692110"/>
+        </a:xfrm>
+        <a:prstGeom prst="rect">
+          <a:avLst/>
+        </a:prstGeom>
+        <a:noFill/>
+        <a:ln>
+          <a:noFill/>
+        </a:ln>
+        <a:effectLst/>
+      </dsp:spPr>
+      <dsp:style>
+        <a:lnRef idx="0">
+          <a:scrgbClr r="0" g="0" b="0"/>
+        </a:lnRef>
+        <a:fillRef idx="0">
+          <a:scrgbClr r="0" g="0" b="0"/>
+        </a:fillRef>
+        <a:effectRef idx="0">
+          <a:scrgbClr r="0" g="0" b="0"/>
+        </a:effectRef>
+        <a:fontRef idx="minor"/>
+      </dsp:style>
+      <dsp:txBody>
+        <a:bodyPr spcFirstLastPara="0" vert="horz" wrap="square" lIns="99060" tIns="99060" rIns="99060" bIns="99060" numCol="1" spcCol="1270" anchor="t" anchorCtr="0">
+          <a:noAutofit/>
+        </a:bodyPr>
+        <a:lstStyle/>
+        <a:p>
+          <a:pPr marL="0" lvl="0" indent="0" algn="l" defTabSz="1155700">
+            <a:lnSpc>
+              <a:spcPct val="90000"/>
+            </a:lnSpc>
+            <a:spcBef>
+              <a:spcPct val="0"/>
+            </a:spcBef>
+            <a:spcAft>
+              <a:spcPct val="35000"/>
+            </a:spcAft>
+            <a:buNone/>
+          </a:pPr>
+          <a:r>
+            <a:rPr lang="pl-PL" sz="2600" kern="1200"/>
+            <a:t>Non-REST contract distribution</a:t>
+          </a:r>
+          <a:endParaRPr lang="en-US" sz="2600" kern="1200"/>
+        </a:p>
+      </dsp:txBody>
+      <dsp:txXfrm>
+        <a:off x="0" y="4152662"/>
+        <a:ext cx="6912245" cy="692110"/>
+      </dsp:txXfrm>
+    </dsp:sp>
+    <dsp:sp modelId="{DFC0BD0F-665D-466C-A8B1-57D9A424B7B3}">
+      <dsp:nvSpPr>
+        <dsp:cNvPr id="0" name=""/>
+        <dsp:cNvSpPr/>
+      </dsp:nvSpPr>
+      <dsp:spPr>
+        <a:xfrm>
+          <a:off x="0" y="4844772"/>
+          <a:ext cx="6912245" cy="0"/>
+        </a:xfrm>
+        <a:prstGeom prst="line">
+          <a:avLst/>
+        </a:prstGeom>
+        <a:gradFill rotWithShape="0">
+          <a:gsLst>
+            <a:gs pos="0">
+              <a:schemeClr val="accent2">
+                <a:hueOff val="-5112997"/>
+                <a:satOff val="-6820"/>
+                <a:lumOff val="-20392"/>
+                <a:alphaOff val="0"/>
+                <a:satMod val="103000"/>
+                <a:lumMod val="102000"/>
+                <a:tint val="94000"/>
+              </a:schemeClr>
+            </a:gs>
+            <a:gs pos="50000">
+              <a:schemeClr val="accent2">
+                <a:hueOff val="-5112997"/>
+                <a:satOff val="-6820"/>
+                <a:lumOff val="-20392"/>
+                <a:alphaOff val="0"/>
+                <a:satMod val="110000"/>
+                <a:lumMod val="100000"/>
+                <a:shade val="100000"/>
+              </a:schemeClr>
+            </a:gs>
+            <a:gs pos="100000">
+              <a:schemeClr val="accent2">
+                <a:hueOff val="-5112997"/>
+                <a:satOff val="-6820"/>
+                <a:lumOff val="-20392"/>
+                <a:alphaOff val="0"/>
+                <a:lumMod val="99000"/>
+                <a:satMod val="120000"/>
+                <a:shade val="78000"/>
+              </a:schemeClr>
+            </a:gs>
+          </a:gsLst>
+          <a:lin ang="5400000" scaled="0"/>
+        </a:gradFill>
+        <a:ln w="6350" cap="flat" cmpd="sng" algn="ctr">
+          <a:solidFill>
+            <a:schemeClr val="accent2">
+              <a:hueOff val="-5112997"/>
+              <a:satOff val="-6820"/>
+              <a:lumOff val="-20392"/>
+              <a:alphaOff val="0"/>
+            </a:schemeClr>
+          </a:solidFill>
+          <a:prstDash val="solid"/>
+          <a:miter lim="800000"/>
+        </a:ln>
+        <a:effectLst/>
+      </dsp:spPr>
+      <dsp:style>
+        <a:lnRef idx="1">
+          <a:scrgbClr r="0" g="0" b="0"/>
+        </a:lnRef>
+        <a:fillRef idx="3">
+          <a:scrgbClr r="0" g="0" b="0"/>
+        </a:fillRef>
+        <a:effectRef idx="2">
+          <a:scrgbClr r="0" g="0" b="0"/>
+        </a:effectRef>
+        <a:fontRef idx="minor">
+          <a:schemeClr val="lt1"/>
+        </a:fontRef>
+      </dsp:style>
+    </dsp:sp>
+    <dsp:sp modelId="{1C20CB16-9D30-4D8A-AFB9-87A5A7E59224}">
+      <dsp:nvSpPr>
+        <dsp:cNvPr id="0" name=""/>
+        <dsp:cNvSpPr/>
+      </dsp:nvSpPr>
+      <dsp:spPr>
+        <a:xfrm>
+          <a:off x="0" y="4844772"/>
+          <a:ext cx="6912245" cy="692110"/>
+        </a:xfrm>
+        <a:prstGeom prst="rect">
+          <a:avLst/>
+        </a:prstGeom>
+        <a:noFill/>
+        <a:ln>
+          <a:noFill/>
+        </a:ln>
+        <a:effectLst/>
+      </dsp:spPr>
+      <dsp:style>
+        <a:lnRef idx="0">
+          <a:scrgbClr r="0" g="0" b="0"/>
+        </a:lnRef>
+        <a:fillRef idx="0">
+          <a:scrgbClr r="0" g="0" b="0"/>
+        </a:fillRef>
+        <a:effectRef idx="0">
+          <a:scrgbClr r="0" g="0" b="0"/>
+        </a:effectRef>
+        <a:fontRef idx="minor"/>
+      </dsp:style>
+      <dsp:txBody>
+        <a:bodyPr spcFirstLastPara="0" vert="horz" wrap="square" lIns="99060" tIns="99060" rIns="99060" bIns="99060" numCol="1" spcCol="1270" anchor="t" anchorCtr="0">
+          <a:noAutofit/>
+        </a:bodyPr>
+        <a:lstStyle/>
+        <a:p>
+          <a:pPr marL="0" lvl="0" indent="0" algn="l" defTabSz="1155700">
+            <a:lnSpc>
+              <a:spcPct val="90000"/>
+            </a:lnSpc>
+            <a:spcBef>
+              <a:spcPct val="0"/>
+            </a:spcBef>
+            <a:spcAft>
+              <a:spcPct val="35000"/>
+            </a:spcAft>
+            <a:buNone/>
+          </a:pPr>
+          <a:r>
+            <a:rPr lang="pl-PL" sz="2600" kern="1200"/>
+            <a:t>Questions</a:t>
+          </a:r>
+          <a:endParaRPr lang="en-US" sz="2600" kern="1200"/>
+        </a:p>
+      </dsp:txBody>
+      <dsp:txXfrm>
+        <a:off x="0" y="4844772"/>
+        <a:ext cx="6912245" cy="692110"/>
       </dsp:txXfrm>
     </dsp:sp>
   </dsp:spTree>
@@ -2228,57 +2735,103 @@
 </file>
 
 <file path=ppt/diagrams/layout1.xml><?xml version="1.0" encoding="utf-8"?>
-<dgm:layoutDef xmlns:dgm="http://schemas.openxmlformats.org/drawingml/2006/diagram" xmlns:a="http://schemas.openxmlformats.org/drawingml/2006/main" uniqueId="urn:microsoft.com/office/officeart/2018/5/layout/IconLeafLabelList">
-  <dgm:title val="Icon Leaf Label List"/>
-  <dgm:desc val="Use to show non-sequential or grouped chunks of information accompanied by a related visuals. Works best with icons or small pictures with short text captions."/>
+<dgm:layoutDef xmlns:dgm="http://schemas.openxmlformats.org/drawingml/2006/diagram" xmlns:a="http://schemas.openxmlformats.org/drawingml/2006/main" uniqueId="urn:microsoft.com/office/officeart/2008/layout/LinedList">
+  <dgm:title val=""/>
+  <dgm:desc val=""/>
   <dgm:catLst>
-    <dgm:cat type="icon" pri="500"/>
+    <dgm:cat type="hierarchy" pri="8000"/>
+    <dgm:cat type="list" pri="2500"/>
   </dgm:catLst>
-  <dgm:sampData useDef="1">
+  <dgm:sampData>
     <dgm:dataModel>
-      <dgm:ptLst/>
+      <dgm:ptLst>
+        <dgm:pt modelId="0" type="doc"/>
+        <dgm:pt modelId="1">
+          <dgm:prSet phldr="1"/>
+        </dgm:pt>
+        <dgm:pt modelId="11">
+          <dgm:prSet phldr="1"/>
+        </dgm:pt>
+        <dgm:pt modelId="12">
+          <dgm:prSet phldr="1"/>
+        </dgm:pt>
+        <dgm:pt modelId="13">
+          <dgm:prSet phldr="1"/>
+        </dgm:pt>
+      </dgm:ptLst>
+      <dgm:cxnLst>
+        <dgm:cxn modelId="2" srcId="0" destId="1" srcOrd="0" destOrd="0"/>
+        <dgm:cxn modelId="3" srcId="1" destId="11" srcOrd="0" destOrd="0"/>
+        <dgm:cxn modelId="4" srcId="1" destId="12" srcOrd="1" destOrd="0"/>
+        <dgm:cxn modelId="5" srcId="1" destId="13" srcOrd="2" destOrd="0"/>
+      </dgm:cxnLst>
       <dgm:bg/>
       <dgm:whole/>
     </dgm:dataModel>
   </dgm:sampData>
-  <dgm:styleData useDef="1">
+  <dgm:styleData>
     <dgm:dataModel>
-      <dgm:ptLst/>
+      <dgm:ptLst>
+        <dgm:pt modelId="0" type="doc"/>
+        <dgm:pt modelId="1">
+          <dgm:prSet phldr="1"/>
+        </dgm:pt>
+        <dgm:pt modelId="11">
+          <dgm:prSet phldr="1"/>
+        </dgm:pt>
+        <dgm:pt modelId="12">
+          <dgm:prSet phldr="1"/>
+        </dgm:pt>
+      </dgm:ptLst>
+      <dgm:cxnLst>
+        <dgm:cxn modelId="2" srcId="0" destId="1" srcOrd="0" destOrd="0"/>
+        <dgm:cxn modelId="3" srcId="1" destId="11" srcOrd="0" destOrd="0"/>
+        <dgm:cxn modelId="4" srcId="1" destId="12" srcOrd="1" destOrd="0"/>
+      </dgm:cxnLst>
       <dgm:bg/>
       <dgm:whole/>
     </dgm:dataModel>
   </dgm:styleData>
-  <dgm:clrData useDef="1">
+  <dgm:clrData>
     <dgm:dataModel>
-      <dgm:ptLst/>
+      <dgm:ptLst>
+        <dgm:pt modelId="0" type="doc"/>
+        <dgm:pt modelId="1">
+          <dgm:prSet phldr="1"/>
+        </dgm:pt>
+        <dgm:pt modelId="11">
+          <dgm:prSet phldr="1"/>
+        </dgm:pt>
+        <dgm:pt modelId="12">
+          <dgm:prSet phldr="1"/>
+        </dgm:pt>
+      </dgm:ptLst>
+      <dgm:cxnLst>
+        <dgm:cxn modelId="2" srcId="0" destId="1" srcOrd="0" destOrd="0"/>
+        <dgm:cxn modelId="3" srcId="1" destId="11" srcOrd="0" destOrd="0"/>
+        <dgm:cxn modelId="4" srcId="1" destId="12" srcOrd="1" destOrd="0"/>
+      </dgm:cxnLst>
       <dgm:bg/>
       <dgm:whole/>
     </dgm:dataModel>
   </dgm:clrData>
-  <dgm:layoutNode name="root">
+  <dgm:layoutNode name="vert0">
     <dgm:varLst>
       <dgm:dir/>
-      <dgm:resizeHandles val="exact"/>
+      <dgm:animOne val="branch"/>
+      <dgm:animLvl val="lvl"/>
     </dgm:varLst>
     <dgm:choose name="Name0">
-      <dgm:if name="Name1" axis="self" func="var" arg="dir" op="equ" val="norm">
-        <dgm:alg type="snake">
-          <dgm:param type="grDir" val="tL"/>
-          <dgm:param type="flowDir" val="row"/>
-          <dgm:param type="contDir" val="sameDir"/>
-          <dgm:param type="off" val="ctr"/>
-          <dgm:param type="vertAlign" val="mid"/>
-          <dgm:param type="horzAlign" val="ctr"/>
+      <dgm:if name="Name1" func="var" arg="dir" op="equ" val="norm">
+        <dgm:alg type="lin">
+          <dgm:param type="linDir" val="fromT"/>
+          <dgm:param type="nodeHorzAlign" val="l"/>
         </dgm:alg>
       </dgm:if>
       <dgm:else name="Name2">
-        <dgm:alg type="snake">
-          <dgm:param type="grDir" val="tR"/>
-          <dgm:param type="flowDir" val="row"/>
-          <dgm:param type="contDir" val="sameDir"/>
-          <dgm:param type="off" val="ctr"/>
-          <dgm:param type="vertAlign" val="mid"/>
-          <dgm:param type="horzAlign" val="ctr"/>
+        <dgm:alg type="lin">
+          <dgm:param type="linDir" val="fromT"/>
+          <dgm:param type="nodeHorzAlign" val="r"/>
         </dgm:alg>
       </dgm:else>
     </dgm:choose>
@@ -2286,180 +2839,373 @@
       <dgm:adjLst/>
     </dgm:shape>
     <dgm:presOf/>
-    <dgm:choose name="Name3">
-      <dgm:if name="Name4" axis="ch" ptType="node" func="cnt" op="lte" val="2">
-        <dgm:constrLst>
-          <dgm:constr type="h" for="ch" forName="compNode" refType="h" fact="0.4"/>
-          <dgm:constr type="w" for="ch" forName="compNode" val="100"/>
-          <dgm:constr type="w" for="ch" forName="sibTrans" refType="w" refFor="ch" refForName="compNode" fact="0.175"/>
-          <dgm:constr type="sp" refType="w" refFor="ch" refForName="compNode" op="equ" fact="0.25"/>
-          <dgm:constr type="primFontSz" for="des" ptType="node" op="equ" val="44"/>
-          <dgm:constr type="h" for="des" forName="compNode" op="equ"/>
-          <dgm:constr type="h" for="des" forName="textRect" op="equ"/>
-        </dgm:constrLst>
-      </dgm:if>
-      <dgm:if name="Name5" axis="ch" ptType="node" func="cnt" op="lte" val="3">
-        <dgm:constrLst>
-          <dgm:constr type="h" for="ch" forName="compNode" refType="h" fact="0.4"/>
-          <dgm:constr type="w" for="ch" forName="compNode" val="100"/>
-          <dgm:constr type="w" for="ch" forName="sibTrans" refType="w" refFor="ch" refForName="compNode" fact="0.175"/>
-          <dgm:constr type="sp" refType="w" refFor="ch" refForName="compNode" op="equ" fact="0.25"/>
-          <dgm:constr type="primFontSz" for="des" ptType="node" op="equ" val="40"/>
-          <dgm:constr type="h" for="des" forName="compNode" op="equ"/>
-          <dgm:constr type="h" for="des" forName="textRect" op="equ"/>
-        </dgm:constrLst>
-      </dgm:if>
-      <dgm:if name="Name6" axis="ch" ptType="node" func="cnt" op="lte" val="4">
-        <dgm:constrLst>
-          <dgm:constr type="h" for="ch" forName="compNode" refType="h" fact="0.4"/>
-          <dgm:constr type="w" for="ch" forName="compNode" refType="w"/>
-          <dgm:constr type="w" for="ch" forName="sibTrans" refType="w" refFor="ch" refForName="compNode" fact="0.175"/>
-          <dgm:constr type="sp" refType="w" refFor="ch" refForName="compNode" op="equ" fact="0.25"/>
-          <dgm:constr type="primFontSz" for="des" ptType="node" op="equ" val="32"/>
-          <dgm:constr type="h" for="des" forName="compNode" op="equ"/>
-          <dgm:constr type="h" for="des" forName="textRect" op="equ"/>
-        </dgm:constrLst>
-      </dgm:if>
-      <dgm:else name="Name7">
-        <dgm:constrLst>
-          <dgm:constr type="h" for="ch" forName="compNode" refType="h" fact="0.4"/>
-          <dgm:constr type="w" for="ch" forName="compNode" refType="w"/>
-          <dgm:constr type="w" for="ch" forName="sibTrans" refType="w" refFor="ch" refForName="compNode" fact="0.175"/>
-          <dgm:constr type="sp" refType="w" refFor="ch" refForName="compNode" op="equ" fact="0.25"/>
-          <dgm:constr type="primFontSz" for="des" ptType="node" op="equ" val="24"/>
-          <dgm:constr type="h" for="des" forName="compNode" op="equ"/>
-          <dgm:constr type="h" for="des" forName="textRect" op="equ"/>
-        </dgm:constrLst>
-      </dgm:else>
-    </dgm:choose>
-    <dgm:ruleLst>
-      <dgm:rule type="w" for="ch" forName="compNode" val="50" fact="NaN" max="NaN"/>
-    </dgm:ruleLst>
-    <dgm:forEach name="Name8" axis="ch" ptType="node">
-      <dgm:layoutNode name="compNode">
-        <dgm:alg type="composite"/>
+    <dgm:constrLst>
+      <dgm:constr type="w" for="ch" forName="horz1" refType="w"/>
+      <dgm:constr type="h" for="ch" forName="horz1" refType="h"/>
+      <dgm:constr type="h" for="des" forName="vert1" refType="h"/>
+      <dgm:constr type="h" for="des" forName="tx1" refType="h"/>
+      <dgm:constr type="h" for="des" forName="horz2" refType="h"/>
+      <dgm:constr type="h" for="des" forName="vert2" refType="h"/>
+      <dgm:constr type="h" for="des" forName="horz3" refType="h"/>
+      <dgm:constr type="h" for="des" forName="vert3" refType="h"/>
+      <dgm:constr type="h" for="des" forName="horz4" refType="h"/>
+      <dgm:constr type="h" for="des" ptType="node" refType="h"/>
+      <dgm:constr type="primFontSz" for="des" forName="tx1" op="equ" val="65"/>
+      <dgm:constr type="primFontSz" for="des" forName="tx2" op="equ" val="65"/>
+      <dgm:constr type="primFontSz" for="des" forName="tx3" op="equ" val="65"/>
+      <dgm:constr type="primFontSz" for="des" forName="tx4" op="equ" val="65"/>
+      <dgm:constr type="w" for="des" forName="thickLine" refType="w"/>
+      <dgm:constr type="h" for="des" forName="thickLine"/>
+      <dgm:constr type="h" for="des" forName="thinLine1"/>
+      <dgm:constr type="h" for="des" forName="thinLine2b"/>
+      <dgm:constr type="h" for="des" forName="thinLine3"/>
+      <dgm:constr type="h" for="des" forName="vertSpace2a" refType="h" fact="0.05"/>
+      <dgm:constr type="h" for="des" forName="vertSpace2b" refType="h" refFor="des" refForName="vertSpace2a"/>
+    </dgm:constrLst>
+    <dgm:forEach name="Name3" axis="ch" ptType="node">
+      <dgm:layoutNode name="thickLine" styleLbl="alignNode1">
+        <dgm:alg type="sp"/>
+        <dgm:shape xmlns:r="http://schemas.openxmlformats.org/officeDocument/2006/relationships" type="line" r:blip="">
+          <dgm:adjLst/>
+        </dgm:shape>
+        <dgm:presOf/>
+      </dgm:layoutNode>
+      <dgm:layoutNode name="horz1">
+        <dgm:choose name="Name4">
+          <dgm:if name="Name5" func="var" arg="dir" op="equ" val="norm">
+            <dgm:alg type="lin">
+              <dgm:param type="linDir" val="fromL"/>
+              <dgm:param type="nodeVertAlign" val="t"/>
+            </dgm:alg>
+          </dgm:if>
+          <dgm:else name="Name6">
+            <dgm:alg type="lin">
+              <dgm:param type="linDir" val="fromR"/>
+              <dgm:param type="nodeVertAlign" val="t"/>
+            </dgm:alg>
+          </dgm:else>
+        </dgm:choose>
         <dgm:shape xmlns:r="http://schemas.openxmlformats.org/officeDocument/2006/relationships" r:blip="">
           <dgm:adjLst/>
         </dgm:shape>
-        <dgm:presOf axis="self"/>
-        <dgm:constrLst>
-          <dgm:constr type="w" for="ch" forName="iconBgRect" refType="w" fact="0.61"/>
-          <dgm:constr type="h" for="ch" forName="iconBgRect" refType="w" refFor="ch" refForName="iconBgRect"/>
-          <dgm:constr type="t" for="ch" forName="iconBgRect"/>
-          <dgm:constr type="ctrX" for="ch" forName="iconBgRect" refType="w" fact="0.5"/>
-          <dgm:constr type="w" for="ch" forName="iconRect" refType="w" fact="0.35"/>
-          <dgm:constr type="h" for="ch" forName="iconRect" refType="w" refFor="ch" refForName="iconRect"/>
-          <dgm:constr type="ctrX" for="ch" forName="iconRect" refType="ctrX" refFor="ch" refForName="iconBgRect"/>
-          <dgm:constr type="ctrY" for="ch" forName="iconRect" refType="ctrY" refFor="ch" refForName="iconBgRect"/>
-          <dgm:constr type="h" for="ch" forName="spaceRect" refType="w" fact="0.19"/>
-          <dgm:constr type="w" for="ch" forName="spaceRect" refType="w"/>
-          <dgm:constr type="l" for="ch" forName="spaceRect"/>
-          <dgm:constr type="t" for="ch" forName="spaceRect" refType="b" refFor="ch" refForName="iconBgRect"/>
-          <dgm:constr type="h" for="ch" forName="textRect" val="20"/>
-          <dgm:constr type="w" for="ch" forName="textRect" refType="w"/>
-          <dgm:constr type="l" for="ch" forName="textRect"/>
-          <dgm:constr type="t" for="ch" forName="textRect" refType="b" refFor="ch" refForName="spaceRect"/>
-        </dgm:constrLst>
-        <dgm:ruleLst>
-          <dgm:rule type="h" val="INF" fact="NaN" max="NaN"/>
-        </dgm:ruleLst>
-        <dgm:layoutNode name="iconBgRect" styleLbl="bgShp">
-          <dgm:alg type="sp"/>
-          <dgm:shape xmlns:r="http://schemas.openxmlformats.org/officeDocument/2006/relationships" type="round2DiagRect" r:blip="">
-            <dgm:adjLst/>
-            <dgm:extLst>
-              <a:ext uri="{B698B0E9-8C71-41B9-8309-B3DCBF30829C}">
-                <dgm1612:spPr xmlns:dgm1612="http://schemas.microsoft.com/office/drawing/2016/12/diagram">
-                  <a:prstGeom prst="round2DiagRect">
-                    <a:avLst>
-                      <a:gd name="adj1" fmla="val 29727"/>
-                      <a:gd name="adj2" fmla="val 0"/>
-                    </a:avLst>
-                  </a:prstGeom>
-                </dgm1612:spPr>
-              </a:ext>
-            </dgm:extLst>
-          </dgm:shape>
-          <dgm:presOf/>
-          <dgm:constrLst/>
-          <dgm:ruleLst/>
-        </dgm:layoutNode>
-        <dgm:layoutNode name="iconRect" styleLbl="node1">
-          <dgm:alg type="sp"/>
-          <dgm:shape xmlns:r="http://schemas.openxmlformats.org/officeDocument/2006/relationships" type="rect" r:blip="" blipPhldr="1">
-            <dgm:adjLst/>
-          </dgm:shape>
-          <dgm:presOf/>
-          <dgm:constrLst/>
-          <dgm:ruleLst/>
-        </dgm:layoutNode>
-        <dgm:layoutNode name="spaceRect">
-          <dgm:alg type="sp"/>
-          <dgm:shape xmlns:r="http://schemas.openxmlformats.org/officeDocument/2006/relationships" r:blip="">
-            <dgm:adjLst/>
-          </dgm:shape>
-          <dgm:presOf/>
-          <dgm:constrLst/>
-          <dgm:ruleLst/>
-        </dgm:layoutNode>
-        <dgm:layoutNode name="textRect" styleLbl="revTx">
-          <dgm:varLst>
-            <dgm:chMax val="1"/>
-            <dgm:chPref val="1"/>
-          </dgm:varLst>
+        <dgm:presOf/>
+        <dgm:choose name="Name7">
+          <dgm:if name="Name8" axis="root des" func="maxDepth" op="equ" val="1">
+            <dgm:constrLst>
+              <dgm:constr type="w" for="ch" forName="tx1" refType="w"/>
+            </dgm:constrLst>
+          </dgm:if>
+          <dgm:if name="Name9" axis="root des" func="maxDepth" op="equ" val="2">
+            <dgm:constrLst>
+              <dgm:constr type="w" for="ch" forName="tx1" refType="w" fact="0.2"/>
+              <dgm:constr type="w" for="des" forName="tx2" refType="w" fact="0.785"/>
+              <dgm:constr type="w" for="des" forName="horzSpace2" refType="w" fact="0.015"/>
+              <dgm:constr type="w" for="des" forName="thinLine2b" refType="w" fact="0.8"/>
+            </dgm:constrLst>
+          </dgm:if>
+          <dgm:if name="Name10" axis="root des" func="maxDepth" op="equ" val="3">
+            <dgm:constrLst>
+              <dgm:constr type="w" for="ch" forName="tx1" refType="w" fact="0.2"/>
+              <dgm:constr type="w" for="des" forName="tx2" refType="w" fact="0.385"/>
+              <dgm:constr type="w" for="des" forName="tx3" refType="w" fact="0.385"/>
+              <dgm:constr type="w" for="des" forName="horzSpace2" refType="w" fact="0.015"/>
+              <dgm:constr type="w" for="des" forName="horzSpace3" refType="w" fact="0.015"/>
+              <dgm:constr type="w" for="des" forName="thinLine2b" refType="w" fact="0.8"/>
+              <dgm:constr type="w" for="des" forName="thinLine3" refType="w" fact="0.385"/>
+            </dgm:constrLst>
+          </dgm:if>
+          <dgm:if name="Name11" axis="root des" func="maxDepth" op="gte" val="4">
+            <dgm:constrLst>
+              <dgm:constr type="w" for="ch" forName="tx1" refType="w" fact="0.2"/>
+              <dgm:constr type="w" for="des" forName="tx2" refType="w" fact="0.2516"/>
+              <dgm:constr type="w" for="des" forName="tx3" refType="w" fact="0.2516"/>
+              <dgm:constr type="w" for="des" forName="tx4" refType="w" fact="0.2516"/>
+              <dgm:constr type="w" for="des" forName="horzSpace2" refType="w" fact="0.015"/>
+              <dgm:constr type="w" for="des" forName="horzSpace3" refType="w" fact="0.015"/>
+              <dgm:constr type="w" for="des" forName="horzSpace4" refType="w" fact="0.015"/>
+              <dgm:constr type="w" for="des" forName="thinLine2b" refType="w" fact="0.8"/>
+              <dgm:constr type="w" for="des" forName="thinLine3" refType="w" fact="0.5332"/>
+            </dgm:constrLst>
+          </dgm:if>
+          <dgm:else name="Name12"/>
+        </dgm:choose>
+        <dgm:layoutNode name="tx1" styleLbl="revTx">
           <dgm:alg type="tx">
+            <dgm:param type="parTxLTRAlign" val="l"/>
+            <dgm:param type="parTxRTLAlign" val="r"/>
             <dgm:param type="txAnchorVert" val="t"/>
           </dgm:alg>
           <dgm:shape xmlns:r="http://schemas.openxmlformats.org/officeDocument/2006/relationships" type="rect" r:blip="">
             <dgm:adjLst/>
           </dgm:shape>
-          <dgm:presOf axis="self" ptType="node"/>
+          <dgm:presOf axis="self"/>
           <dgm:constrLst>
-            <dgm:constr type="lMarg"/>
-            <dgm:constr type="rMarg"/>
-            <dgm:constr type="tMarg"/>
-            <dgm:constr type="bMarg"/>
+            <dgm:constr type="tMarg" refType="primFontSz" fact="0.3"/>
+            <dgm:constr type="bMarg" refType="primFontSz" fact="0.3"/>
+            <dgm:constr type="lMarg" refType="primFontSz" fact="0.3"/>
+            <dgm:constr type="rMarg" refType="primFontSz" fact="0.3"/>
           </dgm:constrLst>
           <dgm:ruleLst>
-            <dgm:rule type="primFontSz" val="11" fact="NaN" max="NaN"/>
-            <dgm:rule type="h" val="INF" fact="NaN" max="NaN"/>
+            <dgm:rule type="primFontSz" val="5" fact="NaN" max="NaN"/>
           </dgm:ruleLst>
         </dgm:layoutNode>
-      </dgm:layoutNode>
-      <dgm:forEach name="Name9" axis="followSib" ptType="sibTrans" cnt="1">
-        <dgm:layoutNode name="sibTrans">
-          <dgm:alg type="sp"/>
+        <dgm:layoutNode name="vert1">
+          <dgm:choose name="Name13">
+            <dgm:if name="Name14" func="var" arg="dir" op="equ" val="norm">
+              <dgm:alg type="lin">
+                <dgm:param type="linDir" val="fromT"/>
+                <dgm:param type="nodeHorzAlign" val="l"/>
+              </dgm:alg>
+            </dgm:if>
+            <dgm:else name="Name15">
+              <dgm:alg type="lin">
+                <dgm:param type="linDir" val="fromT"/>
+                <dgm:param type="nodeHorzAlign" val="r"/>
+              </dgm:alg>
+            </dgm:else>
+          </dgm:choose>
           <dgm:shape xmlns:r="http://schemas.openxmlformats.org/officeDocument/2006/relationships" r:blip="">
             <dgm:adjLst/>
           </dgm:shape>
-          <dgm:presOf axis="self"/>
-          <dgm:constrLst/>
-          <dgm:ruleLst/>
+          <dgm:presOf/>
+          <dgm:forEach name="Name16" axis="ch" ptType="node">
+            <dgm:choose name="Name17">
+              <dgm:if name="Name18" axis="self" ptType="node" func="pos" op="equ" val="1">
+                <dgm:layoutNode name="vertSpace2a">
+                  <dgm:alg type="sp"/>
+                  <dgm:shape xmlns:r="http://schemas.openxmlformats.org/officeDocument/2006/relationships" r:blip="">
+                    <dgm:adjLst/>
+                  </dgm:shape>
+                  <dgm:presOf/>
+                </dgm:layoutNode>
+              </dgm:if>
+              <dgm:else name="Name19"/>
+            </dgm:choose>
+            <dgm:layoutNode name="horz2">
+              <dgm:choose name="Name20">
+                <dgm:if name="Name21" func="var" arg="dir" op="equ" val="norm">
+                  <dgm:alg type="lin">
+                    <dgm:param type="linDir" val="fromL"/>
+                    <dgm:param type="nodeVertAlign" val="t"/>
+                  </dgm:alg>
+                </dgm:if>
+                <dgm:else name="Name22">
+                  <dgm:alg type="lin">
+                    <dgm:param type="linDir" val="fromR"/>
+                    <dgm:param type="nodeVertAlign" val="t"/>
+                  </dgm:alg>
+                </dgm:else>
+              </dgm:choose>
+              <dgm:shape xmlns:r="http://schemas.openxmlformats.org/officeDocument/2006/relationships" r:blip="">
+                <dgm:adjLst/>
+              </dgm:shape>
+              <dgm:presOf/>
+              <dgm:layoutNode name="horzSpace2">
+                <dgm:alg type="sp"/>
+                <dgm:shape xmlns:r="http://schemas.openxmlformats.org/officeDocument/2006/relationships" r:blip="">
+                  <dgm:adjLst/>
+                </dgm:shape>
+                <dgm:presOf/>
+              </dgm:layoutNode>
+              <dgm:layoutNode name="tx2" styleLbl="revTx">
+                <dgm:alg type="tx">
+                  <dgm:param type="parTxLTRAlign" val="l"/>
+                  <dgm:param type="parTxRTLAlign" val="r"/>
+                  <dgm:param type="txAnchorVert" val="t"/>
+                </dgm:alg>
+                <dgm:shape xmlns:r="http://schemas.openxmlformats.org/officeDocument/2006/relationships" type="rect" r:blip="">
+                  <dgm:adjLst/>
+                </dgm:shape>
+                <dgm:presOf axis="self"/>
+                <dgm:constrLst>
+                  <dgm:constr type="tMarg" refType="primFontSz" fact="0.3"/>
+                  <dgm:constr type="bMarg" refType="primFontSz" fact="0.3"/>
+                  <dgm:constr type="lMarg" refType="primFontSz" fact="0.3"/>
+                  <dgm:constr type="rMarg" refType="primFontSz" fact="0.3"/>
+                </dgm:constrLst>
+                <dgm:ruleLst>
+                  <dgm:rule type="primFontSz" val="5" fact="NaN" max="NaN"/>
+                </dgm:ruleLst>
+              </dgm:layoutNode>
+              <dgm:layoutNode name="vert2">
+                <dgm:choose name="Name23">
+                  <dgm:if name="Name24" func="var" arg="dir" op="equ" val="norm">
+                    <dgm:alg type="lin">
+                      <dgm:param type="linDir" val="fromT"/>
+                      <dgm:param type="nodeHorzAlign" val="l"/>
+                    </dgm:alg>
+                  </dgm:if>
+                  <dgm:else name="Name25">
+                    <dgm:alg type="lin">
+                      <dgm:param type="linDir" val="fromT"/>
+                      <dgm:param type="nodeHorzAlign" val="r"/>
+                    </dgm:alg>
+                  </dgm:else>
+                </dgm:choose>
+                <dgm:shape xmlns:r="http://schemas.openxmlformats.org/officeDocument/2006/relationships" r:blip="">
+                  <dgm:adjLst/>
+                </dgm:shape>
+                <dgm:presOf/>
+                <dgm:forEach name="Name26" axis="ch" ptType="node">
+                  <dgm:layoutNode name="horz3">
+                    <dgm:choose name="Name27">
+                      <dgm:if name="Name28" func="var" arg="dir" op="equ" val="norm">
+                        <dgm:alg type="lin">
+                          <dgm:param type="linDir" val="fromL"/>
+                          <dgm:param type="nodeVertAlign" val="t"/>
+                        </dgm:alg>
+                      </dgm:if>
+                      <dgm:else name="Name29">
+                        <dgm:alg type="lin">
+                          <dgm:param type="linDir" val="fromR"/>
+                          <dgm:param type="nodeVertAlign" val="t"/>
+                        </dgm:alg>
+                      </dgm:else>
+                    </dgm:choose>
+                    <dgm:shape xmlns:r="http://schemas.openxmlformats.org/officeDocument/2006/relationships" r:blip="">
+                      <dgm:adjLst/>
+                    </dgm:shape>
+                    <dgm:presOf/>
+                    <dgm:layoutNode name="horzSpace3">
+                      <dgm:alg type="sp"/>
+                      <dgm:shape xmlns:r="http://schemas.openxmlformats.org/officeDocument/2006/relationships" r:blip="">
+                        <dgm:adjLst/>
+                      </dgm:shape>
+                      <dgm:presOf/>
+                    </dgm:layoutNode>
+                    <dgm:layoutNode name="tx3" styleLbl="revTx">
+                      <dgm:alg type="tx">
+                        <dgm:param type="parTxLTRAlign" val="l"/>
+                        <dgm:param type="parTxRTLAlign" val="r"/>
+                        <dgm:param type="txAnchorVert" val="t"/>
+                      </dgm:alg>
+                      <dgm:shape xmlns:r="http://schemas.openxmlformats.org/officeDocument/2006/relationships" type="rect" r:blip="">
+                        <dgm:adjLst/>
+                      </dgm:shape>
+                      <dgm:presOf axis="self"/>
+                      <dgm:constrLst>
+                        <dgm:constr type="tMarg" refType="primFontSz" fact="0.3"/>
+                        <dgm:constr type="bMarg" refType="primFontSz" fact="0.3"/>
+                        <dgm:constr type="lMarg" refType="primFontSz" fact="0.3"/>
+                        <dgm:constr type="rMarg" refType="primFontSz" fact="0.3"/>
+                      </dgm:constrLst>
+                      <dgm:ruleLst>
+                        <dgm:rule type="primFontSz" val="5" fact="NaN" max="NaN"/>
+                      </dgm:ruleLst>
+                    </dgm:layoutNode>
+                    <dgm:layoutNode name="vert3">
+                      <dgm:choose name="Name30">
+                        <dgm:if name="Name31" func="var" arg="dir" op="equ" val="norm">
+                          <dgm:alg type="lin">
+                            <dgm:param type="linDir" val="fromT"/>
+                            <dgm:param type="nodeHorzAlign" val="l"/>
+                          </dgm:alg>
+                        </dgm:if>
+                        <dgm:else name="Name32">
+                          <dgm:alg type="lin">
+                            <dgm:param type="linDir" val="fromT"/>
+                            <dgm:param type="nodeHorzAlign" val="r"/>
+                          </dgm:alg>
+                        </dgm:else>
+                      </dgm:choose>
+                      <dgm:shape xmlns:r="http://schemas.openxmlformats.org/officeDocument/2006/relationships" r:blip="">
+                        <dgm:adjLst/>
+                      </dgm:shape>
+                      <dgm:presOf/>
+                      <dgm:forEach name="Name33" axis="ch" ptType="node">
+                        <dgm:layoutNode name="horz4">
+                          <dgm:choose name="Name34">
+                            <dgm:if name="Name35" func="var" arg="dir" op="equ" val="norm">
+                              <dgm:alg type="lin">
+                                <dgm:param type="linDir" val="fromL"/>
+                                <dgm:param type="nodeVertAlign" val="t"/>
+                              </dgm:alg>
+                            </dgm:if>
+                            <dgm:else name="Name36">
+                              <dgm:alg type="lin">
+                                <dgm:param type="linDir" val="fromR"/>
+                                <dgm:param type="nodeVertAlign" val="t"/>
+                              </dgm:alg>
+                            </dgm:else>
+                          </dgm:choose>
+                          <dgm:shape xmlns:r="http://schemas.openxmlformats.org/officeDocument/2006/relationships" r:blip="">
+                            <dgm:adjLst/>
+                          </dgm:shape>
+                          <dgm:presOf/>
+                          <dgm:layoutNode name="horzSpace4">
+                            <dgm:alg type="sp"/>
+                            <dgm:shape xmlns:r="http://schemas.openxmlformats.org/officeDocument/2006/relationships" r:blip="">
+                              <dgm:adjLst/>
+                            </dgm:shape>
+                            <dgm:presOf/>
+                          </dgm:layoutNode>
+                          <dgm:layoutNode name="tx4" styleLbl="revTx">
+                            <dgm:varLst>
+                              <dgm:bulletEnabled val="1"/>
+                            </dgm:varLst>
+                            <dgm:alg type="tx">
+                              <dgm:param type="parTxLTRAlign" val="l"/>
+                              <dgm:param type="parTxRTLAlign" val="r"/>
+                              <dgm:param type="txAnchorVert" val="t"/>
+                            </dgm:alg>
+                            <dgm:shape xmlns:r="http://schemas.openxmlformats.org/officeDocument/2006/relationships" type="rect" r:blip="">
+                              <dgm:adjLst/>
+                            </dgm:shape>
+                            <dgm:presOf axis="desOrSelf" ptType="node"/>
+                            <dgm:constrLst>
+                              <dgm:constr type="tMarg" refType="primFontSz" fact="0.3"/>
+                              <dgm:constr type="bMarg" refType="primFontSz" fact="0.3"/>
+                              <dgm:constr type="lMarg" refType="primFontSz" fact="0.3"/>
+                              <dgm:constr type="rMarg" refType="primFontSz" fact="0.3"/>
+                            </dgm:constrLst>
+                            <dgm:ruleLst>
+                              <dgm:rule type="primFontSz" val="5" fact="NaN" max="NaN"/>
+                            </dgm:ruleLst>
+                          </dgm:layoutNode>
+                        </dgm:layoutNode>
+                      </dgm:forEach>
+                    </dgm:layoutNode>
+                  </dgm:layoutNode>
+                  <dgm:forEach name="Name37" axis="followSib" ptType="sibTrans" cnt="1">
+                    <dgm:layoutNode name="thinLine3" styleLbl="callout">
+                      <dgm:alg type="sp"/>
+                      <dgm:shape xmlns:r="http://schemas.openxmlformats.org/officeDocument/2006/relationships" type="line" r:blip="">
+                        <dgm:adjLst/>
+                      </dgm:shape>
+                      <dgm:presOf/>
+                    </dgm:layoutNode>
+                  </dgm:forEach>
+                </dgm:forEach>
+              </dgm:layoutNode>
+            </dgm:layoutNode>
+            <dgm:layoutNode name="thinLine2b" styleLbl="callout">
+              <dgm:alg type="sp"/>
+              <dgm:shape xmlns:r="http://schemas.openxmlformats.org/officeDocument/2006/relationships" type="line" r:blip="">
+                <dgm:adjLst/>
+              </dgm:shape>
+              <dgm:presOf/>
+            </dgm:layoutNode>
+            <dgm:layoutNode name="vertSpace2b">
+              <dgm:alg type="sp"/>
+              <dgm:shape xmlns:r="http://schemas.openxmlformats.org/officeDocument/2006/relationships" r:blip="">
+                <dgm:adjLst/>
+              </dgm:shape>
+              <dgm:presOf/>
+            </dgm:layoutNode>
+          </dgm:forEach>
         </dgm:layoutNode>
-      </dgm:forEach>
+      </dgm:layoutNode>
     </dgm:forEach>
   </dgm:layoutNode>
-  <dgm:extLst>
-    <a:ext uri="{68A01E43-0DF5-4B5B-8FA6-DAF915123BFB}">
-      <dgm1612:lstStyle xmlns:dgm1612="http://schemas.microsoft.com/office/drawing/2016/12/diagram">
-        <a:lvl1pPr>
-          <a:lnSpc>
-            <a:spcPct val="100000"/>
-          </a:lnSpc>
-          <a:defRPr cap="all"/>
-        </a:lvl1pPr>
-      </dgm1612:lstStyle>
-    </a:ext>
-  </dgm:extLst>
 </dgm:layoutDef>
 </file>
 
 <file path=ppt/diagrams/quickStyle1.xml><?xml version="1.0" encoding="utf-8"?>
-<dgm:styleDef xmlns:dgm="http://schemas.openxmlformats.org/drawingml/2006/diagram" xmlns:a="http://schemas.openxmlformats.org/drawingml/2006/main" uniqueId="urn:microsoft.com/office/officeart/2005/8/quickstyle/simple1">
+<dgm:styleDef xmlns:dgm="http://schemas.openxmlformats.org/drawingml/2006/diagram" xmlns:a="http://schemas.openxmlformats.org/drawingml/2006/main" uniqueId="urn:microsoft.com/office/officeart/2005/8/quickstyle/simple4">
   <dgm:title val=""/>
   <dgm:desc val=""/>
   <dgm:catLst>
-    <dgm:cat type="simple" pri="10100"/>
+    <dgm:cat type="simple" pri="10400"/>
   </dgm:catLst>
   <dgm:scene3d>
     <a:camera prst="orthographicFront"/>
@@ -2473,13 +3219,13 @@
     <dgm:sp3d/>
     <dgm:txPr/>
     <dgm:style>
-      <a:lnRef idx="2">
+      <a:lnRef idx="0">
         <a:scrgbClr r="0" g="0" b="0"/>
       </a:lnRef>
-      <a:fillRef idx="1">
+      <a:fillRef idx="3">
         <a:scrgbClr r="0" g="0" b="0"/>
       </a:fillRef>
-      <a:effectRef idx="0">
+      <a:effectRef idx="2">
         <a:scrgbClr r="0" g="0" b="0"/>
       </a:effectRef>
       <a:fontRef idx="minor">
@@ -2495,13 +3241,13 @@
     <dgm:sp3d/>
     <dgm:txPr/>
     <dgm:style>
-      <a:lnRef idx="2">
+      <a:lnRef idx="1">
         <a:scrgbClr r="0" g="0" b="0"/>
       </a:lnRef>
-      <a:fillRef idx="1">
+      <a:fillRef idx="3">
         <a:scrgbClr r="0" g="0" b="0"/>
       </a:fillRef>
-      <a:effectRef idx="0">
+      <a:effectRef idx="2">
         <a:scrgbClr r="0" g="0" b="0"/>
       </a:effectRef>
       <a:fontRef idx="minor">
@@ -2517,10 +3263,10 @@
     <dgm:sp3d/>
     <dgm:txPr/>
     <dgm:style>
-      <a:lnRef idx="2">
+      <a:lnRef idx="0">
         <a:scrgbClr r="0" g="0" b="0"/>
       </a:lnRef>
-      <a:fillRef idx="1">
+      <a:fillRef idx="3">
         <a:scrgbClr r="0" g="0" b="0"/>
       </a:fillRef>
       <a:effectRef idx="0">
@@ -2539,13 +3285,13 @@
     <dgm:sp3d/>
     <dgm:txPr/>
     <dgm:style>
-      <a:lnRef idx="2">
+      <a:lnRef idx="1">
         <a:scrgbClr r="0" g="0" b="0"/>
       </a:lnRef>
-      <a:fillRef idx="1">
+      <a:fillRef idx="3">
         <a:scrgbClr r="0" g="0" b="0"/>
       </a:fillRef>
-      <a:effectRef idx="0">
+      <a:effectRef idx="2">
         <a:scrgbClr r="0" g="0" b="0"/>
       </a:effectRef>
       <a:fontRef idx="minor">
@@ -2561,13 +3307,13 @@
     <dgm:sp3d/>
     <dgm:txPr/>
     <dgm:style>
-      <a:lnRef idx="2">
+      <a:lnRef idx="0">
         <a:scrgbClr r="0" g="0" b="0"/>
       </a:lnRef>
-      <a:fillRef idx="1">
+      <a:fillRef idx="3">
         <a:scrgbClr r="0" g="0" b="0"/>
       </a:fillRef>
-      <a:effectRef idx="0">
+      <a:effectRef idx="2">
         <a:scrgbClr r="0" g="0" b="0"/>
       </a:effectRef>
       <a:fontRef idx="minor">
@@ -2583,13 +3329,13 @@
     <dgm:sp3d/>
     <dgm:txPr/>
     <dgm:style>
-      <a:lnRef idx="2">
+      <a:lnRef idx="0">
         <a:scrgbClr r="0" g="0" b="0"/>
       </a:lnRef>
-      <a:fillRef idx="1">
+      <a:fillRef idx="3">
         <a:scrgbClr r="0" g="0" b="0"/>
       </a:fillRef>
-      <a:effectRef idx="0">
+      <a:effectRef idx="2">
         <a:scrgbClr r="0" g="0" b="0"/>
       </a:effectRef>
       <a:fontRef idx="minor">
@@ -2605,13 +3351,13 @@
     <dgm:sp3d/>
     <dgm:txPr/>
     <dgm:style>
-      <a:lnRef idx="2">
+      <a:lnRef idx="0">
         <a:scrgbClr r="0" g="0" b="0"/>
       </a:lnRef>
-      <a:fillRef idx="1">
+      <a:fillRef idx="3">
         <a:scrgbClr r="0" g="0" b="0"/>
       </a:fillRef>
-      <a:effectRef idx="0">
+      <a:effectRef idx="2">
         <a:scrgbClr r="0" g="0" b="0"/>
       </a:effectRef>
       <a:fontRef idx="minor">
@@ -2627,13 +3373,13 @@
     <dgm:sp3d/>
     <dgm:txPr/>
     <dgm:style>
-      <a:lnRef idx="2">
+      <a:lnRef idx="0">
         <a:scrgbClr r="0" g="0" b="0"/>
       </a:lnRef>
-      <a:fillRef idx="1">
+      <a:fillRef idx="3">
         <a:scrgbClr r="0" g="0" b="0"/>
       </a:fillRef>
-      <a:effectRef idx="0">
+      <a:effectRef idx="2">
         <a:scrgbClr r="0" g="0" b="0"/>
       </a:effectRef>
       <a:fontRef idx="minor">
@@ -2649,13 +3395,13 @@
     <dgm:sp3d/>
     <dgm:txPr/>
     <dgm:style>
-      <a:lnRef idx="2">
+      <a:lnRef idx="0">
         <a:scrgbClr r="0" g="0" b="0"/>
       </a:lnRef>
       <a:fillRef idx="1">
         <a:scrgbClr r="0" g="0" b="0"/>
       </a:fillRef>
-      <a:effectRef idx="0">
+      <a:effectRef idx="2">
         <a:scrgbClr r="0" g="0" b="0"/>
       </a:effectRef>
       <a:fontRef idx="minor"/>
@@ -2669,13 +3415,13 @@
     <dgm:sp3d/>
     <dgm:txPr/>
     <dgm:style>
-      <a:lnRef idx="2">
+      <a:lnRef idx="0">
         <a:scrgbClr r="0" g="0" b="0"/>
       </a:lnRef>
       <a:fillRef idx="1">
         <a:scrgbClr r="0" g="0" b="0"/>
       </a:fillRef>
-      <a:effectRef idx="0">
+      <a:effectRef idx="2">
         <a:scrgbClr r="0" g="0" b="0"/>
       </a:effectRef>
       <a:fontRef idx="minor"/>
@@ -2689,13 +3435,13 @@
     <dgm:sp3d/>
     <dgm:txPr/>
     <dgm:style>
-      <a:lnRef idx="2">
+      <a:lnRef idx="0">
         <a:scrgbClr r="0" g="0" b="0"/>
       </a:lnRef>
       <a:fillRef idx="1">
         <a:scrgbClr r="0" g="0" b="0"/>
       </a:fillRef>
-      <a:effectRef idx="0">
+      <a:effectRef idx="2">
         <a:scrgbClr r="0" g="0" b="0"/>
       </a:effectRef>
       <a:fontRef idx="minor"/>
@@ -2712,10 +3458,10 @@
       <a:lnRef idx="0">
         <a:scrgbClr r="0" g="0" b="0"/>
       </a:lnRef>
-      <a:fillRef idx="1">
+      <a:fillRef idx="3">
         <a:scrgbClr r="0" g="0" b="0"/>
       </a:fillRef>
-      <a:effectRef idx="0">
+      <a:effectRef idx="2">
         <a:scrgbClr r="0" g="0" b="0"/>
       </a:effectRef>
       <a:fontRef idx="minor">
@@ -2734,10 +3480,10 @@
       <a:lnRef idx="0">
         <a:scrgbClr r="0" g="0" b="0"/>
       </a:lnRef>
-      <a:fillRef idx="1">
+      <a:fillRef idx="3">
         <a:scrgbClr r="0" g="0" b="0"/>
       </a:fillRef>
-      <a:effectRef idx="0">
+      <a:effectRef idx="2">
         <a:scrgbClr r="0" g="0" b="0"/>
       </a:effectRef>
       <a:fontRef idx="minor">
@@ -2756,10 +3502,10 @@
       <a:lnRef idx="0">
         <a:scrgbClr r="0" g="0" b="0"/>
       </a:lnRef>
-      <a:fillRef idx="1">
+      <a:fillRef idx="3">
         <a:scrgbClr r="0" g="0" b="0"/>
       </a:fillRef>
-      <a:effectRef idx="0">
+      <a:effectRef idx="2">
         <a:scrgbClr r="0" g="0" b="0"/>
       </a:effectRef>
       <a:fontRef idx="minor">
@@ -2801,7 +3547,7 @@
       <a:fillRef idx="1">
         <a:scrgbClr r="0" g="0" b="0"/>
       </a:fillRef>
-      <a:effectRef idx="0">
+      <a:effectRef idx="1">
         <a:scrgbClr r="0" g="0" b="0"/>
       </a:effectRef>
       <a:fontRef idx="minor"/>
@@ -2815,13 +3561,13 @@
     <dgm:sp3d/>
     <dgm:txPr/>
     <dgm:style>
-      <a:lnRef idx="2">
+      <a:lnRef idx="0">
         <a:scrgbClr r="0" g="0" b="0"/>
       </a:lnRef>
-      <a:fillRef idx="1">
+      <a:fillRef idx="3">
         <a:scrgbClr r="0" g="0" b="0"/>
       </a:fillRef>
-      <a:effectRef idx="0">
+      <a:effectRef idx="2">
         <a:scrgbClr r="0" g="0" b="0"/>
       </a:effectRef>
       <a:fontRef idx="minor">
@@ -2837,13 +3583,13 @@
     <dgm:sp3d/>
     <dgm:txPr/>
     <dgm:style>
-      <a:lnRef idx="2">
+      <a:lnRef idx="0">
         <a:scrgbClr r="0" g="0" b="0"/>
       </a:lnRef>
-      <a:fillRef idx="1">
+      <a:fillRef idx="3">
         <a:scrgbClr r="0" g="0" b="0"/>
       </a:fillRef>
-      <a:effectRef idx="0">
+      <a:effectRef idx="2">
         <a:scrgbClr r="0" g="0" b="0"/>
       </a:effectRef>
       <a:fontRef idx="minor">
@@ -2859,13 +3605,13 @@
     <dgm:sp3d/>
     <dgm:txPr/>
     <dgm:style>
-      <a:lnRef idx="2">
+      <a:lnRef idx="0">
         <a:scrgbClr r="0" g="0" b="0"/>
       </a:lnRef>
-      <a:fillRef idx="1">
+      <a:fillRef idx="3">
         <a:scrgbClr r="0" g="0" b="0"/>
       </a:fillRef>
-      <a:effectRef idx="0">
+      <a:effectRef idx="2">
         <a:scrgbClr r="0" g="0" b="0"/>
       </a:effectRef>
       <a:fontRef idx="minor">
@@ -2881,13 +3627,13 @@
     <dgm:sp3d/>
     <dgm:txPr/>
     <dgm:style>
-      <a:lnRef idx="2">
+      <a:lnRef idx="0">
         <a:scrgbClr r="0" g="0" b="0"/>
       </a:lnRef>
-      <a:fillRef idx="1">
+      <a:fillRef idx="3">
         <a:scrgbClr r="0" g="0" b="0"/>
       </a:fillRef>
-      <a:effectRef idx="0">
+      <a:effectRef idx="2">
         <a:scrgbClr r="0" g="0" b="0"/>
       </a:effectRef>
       <a:fontRef idx="minor">
@@ -2903,13 +3649,13 @@
     <dgm:sp3d/>
     <dgm:txPr/>
     <dgm:style>
-      <a:lnRef idx="2">
+      <a:lnRef idx="0">
         <a:scrgbClr r="0" g="0" b="0"/>
       </a:lnRef>
-      <a:fillRef idx="1">
+      <a:fillRef idx="3">
         <a:scrgbClr r="0" g="0" b="0"/>
       </a:fillRef>
-      <a:effectRef idx="0">
+      <a:effectRef idx="2">
         <a:scrgbClr r="0" g="0" b="0"/>
       </a:effectRef>
       <a:fontRef idx="minor">
@@ -2925,13 +3671,13 @@
     <dgm:sp3d/>
     <dgm:txPr/>
     <dgm:style>
-      <a:lnRef idx="2">
+      <a:lnRef idx="0">
         <a:scrgbClr r="0" g="0" b="0"/>
       </a:lnRef>
-      <a:fillRef idx="1">
+      <a:fillRef idx="3">
         <a:scrgbClr r="0" g="0" b="0"/>
       </a:fillRef>
-      <a:effectRef idx="0">
+      <a:effectRef idx="2">
         <a:scrgbClr r="0" g="0" b="0"/>
       </a:effectRef>
       <a:fontRef idx="minor">
@@ -2947,13 +3693,13 @@
     <dgm:sp3d/>
     <dgm:txPr/>
     <dgm:style>
-      <a:lnRef idx="2">
+      <a:lnRef idx="0">
         <a:scrgbClr r="0" g="0" b="0"/>
       </a:lnRef>
-      <a:fillRef idx="1">
+      <a:fillRef idx="3">
         <a:scrgbClr r="0" g="0" b="0"/>
       </a:fillRef>
-      <a:effectRef idx="0">
+      <a:effectRef idx="2">
         <a:scrgbClr r="0" g="0" b="0"/>
       </a:effectRef>
       <a:fontRef idx="minor">
@@ -2969,13 +3715,13 @@
     <dgm:sp3d/>
     <dgm:txPr/>
     <dgm:style>
-      <a:lnRef idx="2">
+      <a:lnRef idx="1">
         <a:scrgbClr r="0" g="0" b="0"/>
       </a:lnRef>
-      <a:fillRef idx="1">
+      <a:fillRef idx="3">
         <a:scrgbClr r="0" g="0" b="0"/>
       </a:fillRef>
-      <a:effectRef idx="0">
+      <a:effectRef idx="2">
         <a:scrgbClr r="0" g="0" b="0"/>
       </a:effectRef>
       <a:fontRef idx="minor">
@@ -2991,13 +3737,13 @@
     <dgm:sp3d/>
     <dgm:txPr/>
     <dgm:style>
-      <a:lnRef idx="2">
+      <a:lnRef idx="1">
         <a:scrgbClr r="0" g="0" b="0"/>
       </a:lnRef>
-      <a:fillRef idx="1">
+      <a:fillRef idx="3">
         <a:scrgbClr r="0" g="0" b="0"/>
       </a:fillRef>
-      <a:effectRef idx="0">
+      <a:effectRef idx="2">
         <a:scrgbClr r="0" g="0" b="0"/>
       </a:effectRef>
       <a:fontRef idx="minor">
@@ -3013,7 +3759,7 @@
     <dgm:sp3d/>
     <dgm:txPr/>
     <dgm:style>
-      <a:lnRef idx="2">
+      <a:lnRef idx="1">
         <a:scrgbClr r="0" g="0" b="0"/>
       </a:lnRef>
       <a:fillRef idx="0">
@@ -3033,7 +3779,7 @@
     <dgm:sp3d/>
     <dgm:txPr/>
     <dgm:style>
-      <a:lnRef idx="2">
+      <a:lnRef idx="1">
         <a:scrgbClr r="0" g="0" b="0"/>
       </a:lnRef>
       <a:fillRef idx="0">
@@ -3053,7 +3799,7 @@
     <dgm:sp3d/>
     <dgm:txPr/>
     <dgm:style>
-      <a:lnRef idx="2">
+      <a:lnRef idx="1">
         <a:scrgbClr r="0" g="0" b="0"/>
       </a:lnRef>
       <a:fillRef idx="0">
@@ -3073,7 +3819,7 @@
     <dgm:sp3d/>
     <dgm:txPr/>
     <dgm:style>
-      <a:lnRef idx="2">
+      <a:lnRef idx="1">
         <a:scrgbClr r="0" g="0" b="0"/>
       </a:lnRef>
       <a:fillRef idx="0">
@@ -3093,7 +3839,7 @@
     <dgm:sp3d/>
     <dgm:txPr/>
     <dgm:style>
-      <a:lnRef idx="2">
+      <a:lnRef idx="1">
         <a:scrgbClr r="0" g="0" b="0"/>
       </a:lnRef>
       <a:fillRef idx="1">
@@ -3113,7 +3859,7 @@
     <dgm:sp3d/>
     <dgm:txPr/>
     <dgm:style>
-      <a:lnRef idx="2">
+      <a:lnRef idx="1">
         <a:scrgbClr r="0" g="0" b="0"/>
       </a:lnRef>
       <a:fillRef idx="1">
@@ -3133,7 +3879,7 @@
     <dgm:sp3d/>
     <dgm:txPr/>
     <dgm:style>
-      <a:lnRef idx="2">
+      <a:lnRef idx="1">
         <a:scrgbClr r="0" g="0" b="0"/>
       </a:lnRef>
       <a:fillRef idx="1">
@@ -3173,7 +3919,7 @@
     <dgm:sp3d/>
     <dgm:txPr/>
     <dgm:style>
-      <a:lnRef idx="2">
+      <a:lnRef idx="1">
         <a:scrgbClr r="0" g="0" b="0"/>
       </a:lnRef>
       <a:fillRef idx="1">
@@ -3193,7 +3939,7 @@
     <dgm:sp3d/>
     <dgm:txPr/>
     <dgm:style>
-      <a:lnRef idx="2">
+      <a:lnRef idx="1">
         <a:scrgbClr r="0" g="0" b="0"/>
       </a:lnRef>
       <a:fillRef idx="1">
@@ -3213,7 +3959,7 @@
     <dgm:sp3d/>
     <dgm:txPr/>
     <dgm:style>
-      <a:lnRef idx="2">
+      <a:lnRef idx="1">
         <a:scrgbClr r="0" g="0" b="0"/>
       </a:lnRef>
       <a:fillRef idx="1">
@@ -3233,7 +3979,7 @@
     <dgm:sp3d/>
     <dgm:txPr/>
     <dgm:style>
-      <a:lnRef idx="2">
+      <a:lnRef idx="1">
         <a:scrgbClr r="0" g="0" b="0"/>
       </a:lnRef>
       <a:fillRef idx="1">
@@ -3253,7 +3999,7 @@
     <dgm:sp3d/>
     <dgm:txPr/>
     <dgm:style>
-      <a:lnRef idx="2">
+      <a:lnRef idx="1">
         <a:scrgbClr r="0" g="0" b="0"/>
       </a:lnRef>
       <a:fillRef idx="1">
@@ -3273,7 +4019,7 @@
     <dgm:sp3d/>
     <dgm:txPr/>
     <dgm:style>
-      <a:lnRef idx="2">
+      <a:lnRef idx="1">
         <a:scrgbClr r="0" g="0" b="0"/>
       </a:lnRef>
       <a:fillRef idx="1">
@@ -3293,7 +4039,7 @@
     <dgm:sp3d/>
     <dgm:txPr/>
     <dgm:style>
-      <a:lnRef idx="2">
+      <a:lnRef idx="1">
         <a:scrgbClr r="0" g="0" b="0"/>
       </a:lnRef>
       <a:fillRef idx="1">
@@ -3313,7 +4059,7 @@
     <dgm:sp3d/>
     <dgm:txPr/>
     <dgm:style>
-      <a:lnRef idx="2">
+      <a:lnRef idx="1">
         <a:scrgbClr r="0" g="0" b="0"/>
       </a:lnRef>
       <a:fillRef idx="1">
@@ -3333,7 +4079,7 @@
     <dgm:sp3d/>
     <dgm:txPr/>
     <dgm:style>
-      <a:lnRef idx="2">
+      <a:lnRef idx="1">
         <a:scrgbClr r="0" g="0" b="0"/>
       </a:lnRef>
       <a:fillRef idx="1">
@@ -3353,7 +4099,7 @@
     <dgm:sp3d/>
     <dgm:txPr/>
     <dgm:style>
-      <a:lnRef idx="2">
+      <a:lnRef idx="1">
         <a:scrgbClr r="0" g="0" b="0"/>
       </a:lnRef>
       <a:fillRef idx="1">
@@ -3373,7 +4119,7 @@
     <dgm:sp3d/>
     <dgm:txPr/>
     <dgm:style>
-      <a:lnRef idx="2">
+      <a:lnRef idx="1">
         <a:scrgbClr r="0" g="0" b="0"/>
       </a:lnRef>
       <a:fillRef idx="1">
@@ -3399,7 +4145,7 @@
       <a:fillRef idx="1">
         <a:scrgbClr r="0" g="0" b="0"/>
       </a:fillRef>
-      <a:effectRef idx="0">
+      <a:effectRef idx="2">
         <a:scrgbClr r="0" g="0" b="0"/>
       </a:effectRef>
       <a:fontRef idx="minor"/>
@@ -3419,7 +4165,7 @@
       <a:fillRef idx="1">
         <a:scrgbClr r="0" g="0" b="0"/>
       </a:fillRef>
-      <a:effectRef idx="0">
+      <a:effectRef idx="2">
         <a:scrgbClr r="0" g="0" b="0"/>
       </a:effectRef>
       <a:fontRef idx="minor"/>
@@ -3453,13 +4199,13 @@
     <dgm:sp3d/>
     <dgm:txPr/>
     <dgm:style>
-      <a:lnRef idx="2">
+      <a:lnRef idx="0">
         <a:scrgbClr r="0" g="0" b="0"/>
       </a:lnRef>
-      <a:fillRef idx="1">
+      <a:fillRef idx="3">
         <a:scrgbClr r="0" g="0" b="0"/>
       </a:fillRef>
-      <a:effectRef idx="0">
+      <a:effectRef idx="2">
         <a:scrgbClr r="0" g="0" b="0"/>
       </a:effectRef>
       <a:fontRef idx="minor"/>
@@ -3570,7 +4316,7 @@
           <a:p>
             <a:fld id="{C30C270E-9714-422B-B7EA-B510AECAFD34}" type="datetimeFigureOut">
               <a:rPr lang="pl-PL" smtClean="0"/>
-              <a:t>13.08.2020</a:t>
+              <a:t>14.08.2020</a:t>
             </a:fld>
             <a:endParaRPr lang="pl-PL"/>
           </a:p>
@@ -3882,6 +4628,78 @@
           <a:bodyPr/>
           <a:lstStyle/>
           <a:p>
+            <a:r>
+              <a:rPr lang="pl-PL" dirty="0"/>
+              <a:t>- </a:t>
+            </a:r>
+            <a:r>
+              <a:rPr lang="pl-PL" dirty="0" err="1"/>
+              <a:t>Joke</a:t>
+            </a:r>
+            <a:r>
+              <a:rPr lang="pl-PL" dirty="0"/>
+              <a:t> </a:t>
+            </a:r>
+            <a:r>
+              <a:rPr lang="pl-PL" dirty="0" err="1"/>
+              <a:t>about</a:t>
+            </a:r>
+            <a:r>
+              <a:rPr lang="pl-PL" dirty="0"/>
+              <a:t> test </a:t>
+            </a:r>
+            <a:r>
+              <a:rPr lang="pl-PL" dirty="0" err="1"/>
+              <a:t>pyramid</a:t>
+            </a:r>
+            <a:r>
+              <a:rPr lang="pl-PL" dirty="0"/>
+              <a:t> </a:t>
+            </a:r>
+            <a:r>
+              <a:rPr lang="pl-PL" dirty="0" err="1"/>
+              <a:t>when</a:t>
+            </a:r>
+            <a:r>
+              <a:rPr lang="pl-PL" dirty="0"/>
+              <a:t> </a:t>
+            </a:r>
+            <a:r>
+              <a:rPr lang="pl-PL" dirty="0" err="1"/>
+              <a:t>someone</a:t>
+            </a:r>
+            <a:r>
+              <a:rPr lang="pl-PL" dirty="0"/>
+              <a:t> </a:t>
+            </a:r>
+            <a:r>
+              <a:rPr lang="pl-PL" dirty="0" err="1"/>
+              <a:t>is</a:t>
+            </a:r>
+            <a:r>
+              <a:rPr lang="pl-PL" dirty="0"/>
+              <a:t> </a:t>
+            </a:r>
+            <a:r>
+              <a:rPr lang="pl-PL" dirty="0" err="1"/>
+              <a:t>speaking</a:t>
+            </a:r>
+            <a:r>
+              <a:rPr lang="pl-PL" dirty="0"/>
+              <a:t> </a:t>
+            </a:r>
+            <a:r>
+              <a:rPr lang="pl-PL" dirty="0" err="1"/>
+              <a:t>about</a:t>
+            </a:r>
+            <a:r>
+              <a:rPr lang="pl-PL" dirty="0"/>
+              <a:t> </a:t>
+            </a:r>
+            <a:r>
+              <a:rPr lang="pl-PL" dirty="0" err="1"/>
+              <a:t>testing</a:t>
+            </a:r>
             <a:endParaRPr lang="pl-PL" dirty="0"/>
           </a:p>
         </p:txBody>
@@ -3903,7 +4721,286 @@
           <a:p>
             <a:fld id="{7F58F548-D456-4D1A-A703-1CFCC1D7DDD4}" type="slidenum">
               <a:rPr lang="pl-PL" smtClean="0"/>
-              <a:t>4</a:t>
+              <a:t>5</a:t>
+            </a:fld>
+            <a:endParaRPr lang="pl-PL"/>
+          </a:p>
+        </p:txBody>
+      </p:sp>
+    </p:spTree>
+    <p:extLst>
+      <p:ext uri="{BB962C8B-B14F-4D97-AF65-F5344CB8AC3E}">
+        <p14:creationId xmlns:p14="http://schemas.microsoft.com/office/powerpoint/2010/main" val="1363821578"/>
+      </p:ext>
+    </p:extLst>
+  </p:cSld>
+  <p:clrMapOvr>
+    <a:masterClrMapping/>
+  </p:clrMapOvr>
+</p:notes>
+</file>
+
+<file path=ppt/notesSlides/notesSlide2.xml><?xml version="1.0" encoding="utf-8"?>
+<p:notes xmlns:a="http://schemas.openxmlformats.org/drawingml/2006/main" xmlns:r="http://schemas.openxmlformats.org/officeDocument/2006/relationships" xmlns:p="http://schemas.openxmlformats.org/presentationml/2006/main">
+  <p:cSld>
+    <p:spTree>
+      <p:nvGrpSpPr>
+        <p:cNvPr id="1" name=""/>
+        <p:cNvGrpSpPr/>
+        <p:nvPr/>
+      </p:nvGrpSpPr>
+      <p:grpSpPr>
+        <a:xfrm>
+          <a:off x="0" y="0"/>
+          <a:ext cx="0" cy="0"/>
+          <a:chOff x="0" y="0"/>
+          <a:chExt cx="0" cy="0"/>
+        </a:xfrm>
+      </p:grpSpPr>
+      <p:sp>
+        <p:nvSpPr>
+          <p:cNvPr id="2" name="Slide Image Placeholder 1"/>
+          <p:cNvSpPr>
+            <a:spLocks noGrp="1" noRot="1" noChangeAspect="1"/>
+          </p:cNvSpPr>
+          <p:nvPr>
+            <p:ph type="sldImg"/>
+          </p:nvPr>
+        </p:nvSpPr>
+        <p:spPr/>
+      </p:sp>
+      <p:sp>
+        <p:nvSpPr>
+          <p:cNvPr id="3" name="Notes Placeholder 2"/>
+          <p:cNvSpPr>
+            <a:spLocks noGrp="1"/>
+          </p:cNvSpPr>
+          <p:nvPr>
+            <p:ph type="body" idx="1"/>
+          </p:nvPr>
+        </p:nvSpPr>
+        <p:spPr/>
+        <p:txBody>
+          <a:bodyPr/>
+          <a:lstStyle/>
+          <a:p>
+            <a:r>
+              <a:rPr lang="pl-PL" dirty="0"/>
+              <a:t>It </a:t>
+            </a:r>
+            <a:r>
+              <a:rPr lang="pl-PL" dirty="0" err="1"/>
+              <a:t>all</a:t>
+            </a:r>
+            <a:r>
+              <a:rPr lang="pl-PL" dirty="0"/>
+              <a:t> </a:t>
+            </a:r>
+            <a:r>
+              <a:rPr lang="pl-PL" dirty="0" err="1"/>
+              <a:t>about</a:t>
+            </a:r>
+            <a:r>
+              <a:rPr lang="pl-PL" dirty="0"/>
+              <a:t> </a:t>
+            </a:r>
+            <a:r>
+              <a:rPr lang="pl-PL" dirty="0" err="1"/>
+              <a:t>confidence</a:t>
+            </a:r>
+            <a:r>
+              <a:rPr lang="pl-PL" dirty="0"/>
+              <a:t> – not </a:t>
+            </a:r>
+            <a:r>
+              <a:rPr lang="pl-PL" dirty="0" err="1"/>
+              <a:t>about</a:t>
+            </a:r>
+            <a:r>
+              <a:rPr lang="pl-PL" dirty="0"/>
+              <a:t> </a:t>
+            </a:r>
+            <a:r>
+              <a:rPr lang="pl-PL" dirty="0" err="1"/>
+              <a:t>level</a:t>
+            </a:r>
+            <a:r>
+              <a:rPr lang="pl-PL" dirty="0"/>
+              <a:t> of </a:t>
+            </a:r>
+            <a:r>
+              <a:rPr lang="pl-PL" dirty="0" err="1"/>
+              <a:t>testing</a:t>
+            </a:r>
+            <a:endParaRPr lang="pl-PL" dirty="0"/>
+          </a:p>
+          <a:p>
+            <a:r>
+              <a:rPr lang="pl-PL" dirty="0" err="1"/>
+              <a:t>Think</a:t>
+            </a:r>
+            <a:r>
+              <a:rPr lang="pl-PL" dirty="0"/>
+              <a:t> </a:t>
+            </a:r>
+            <a:r>
+              <a:rPr lang="pl-PL" dirty="0" err="1"/>
+              <a:t>about</a:t>
+            </a:r>
+            <a:r>
+              <a:rPr lang="pl-PL" dirty="0"/>
+              <a:t> </a:t>
+            </a:r>
+            <a:r>
+              <a:rPr lang="pl-PL" dirty="0" err="1"/>
+              <a:t>how</a:t>
+            </a:r>
+            <a:r>
+              <a:rPr lang="pl-PL" dirty="0"/>
+              <a:t> </a:t>
+            </a:r>
+            <a:r>
+              <a:rPr lang="pl-PL" dirty="0" err="1"/>
+              <a:t>confidence</a:t>
+            </a:r>
+            <a:r>
+              <a:rPr lang="pl-PL" dirty="0"/>
+              <a:t> </a:t>
+            </a:r>
+            <a:r>
+              <a:rPr lang="pl-PL" dirty="0" err="1"/>
+              <a:t>can</a:t>
+            </a:r>
+            <a:r>
+              <a:rPr lang="pl-PL" dirty="0"/>
+              <a:t> be </a:t>
+            </a:r>
+            <a:r>
+              <a:rPr lang="pl-PL" dirty="0" err="1"/>
+              <a:t>achieved</a:t>
+            </a:r>
+            <a:r>
+              <a:rPr lang="pl-PL" dirty="0"/>
+              <a:t> and test on </a:t>
+            </a:r>
+            <a:r>
+              <a:rPr lang="pl-PL" dirty="0" err="1"/>
+              <a:t>appropriate</a:t>
+            </a:r>
+            <a:r>
+              <a:rPr lang="pl-PL" dirty="0"/>
+              <a:t> </a:t>
+            </a:r>
+            <a:r>
+              <a:rPr lang="pl-PL" dirty="0" err="1"/>
+              <a:t>level</a:t>
+            </a:r>
+            <a:endParaRPr lang="pl-PL" dirty="0"/>
+          </a:p>
+        </p:txBody>
+      </p:sp>
+      <p:sp>
+        <p:nvSpPr>
+          <p:cNvPr id="4" name="Slide Number Placeholder 3"/>
+          <p:cNvSpPr>
+            <a:spLocks noGrp="1"/>
+          </p:cNvSpPr>
+          <p:nvPr>
+            <p:ph type="sldNum" sz="quarter" idx="5"/>
+          </p:nvPr>
+        </p:nvSpPr>
+        <p:spPr/>
+        <p:txBody>
+          <a:bodyPr/>
+          <a:lstStyle/>
+          <a:p>
+            <a:fld id="{7F58F548-D456-4D1A-A703-1CFCC1D7DDD4}" type="slidenum">
+              <a:rPr lang="pl-PL" smtClean="0"/>
+              <a:t>6</a:t>
+            </a:fld>
+            <a:endParaRPr lang="pl-PL"/>
+          </a:p>
+        </p:txBody>
+      </p:sp>
+    </p:spTree>
+    <p:extLst>
+      <p:ext uri="{BB962C8B-B14F-4D97-AF65-F5344CB8AC3E}">
+        <p14:creationId xmlns:p14="http://schemas.microsoft.com/office/powerpoint/2010/main" val="2377718047"/>
+      </p:ext>
+    </p:extLst>
+  </p:cSld>
+  <p:clrMapOvr>
+    <a:masterClrMapping/>
+  </p:clrMapOvr>
+</p:notes>
+</file>
+
+<file path=ppt/notesSlides/notesSlide3.xml><?xml version="1.0" encoding="utf-8"?>
+<p:notes xmlns:a="http://schemas.openxmlformats.org/drawingml/2006/main" xmlns:r="http://schemas.openxmlformats.org/officeDocument/2006/relationships" xmlns:p="http://schemas.openxmlformats.org/presentationml/2006/main">
+  <p:cSld>
+    <p:spTree>
+      <p:nvGrpSpPr>
+        <p:cNvPr id="1" name=""/>
+        <p:cNvGrpSpPr/>
+        <p:nvPr/>
+      </p:nvGrpSpPr>
+      <p:grpSpPr>
+        <a:xfrm>
+          <a:off x="0" y="0"/>
+          <a:ext cx="0" cy="0"/>
+          <a:chOff x="0" y="0"/>
+          <a:chExt cx="0" cy="0"/>
+        </a:xfrm>
+      </p:grpSpPr>
+      <p:sp>
+        <p:nvSpPr>
+          <p:cNvPr id="2" name="Slide Image Placeholder 1"/>
+          <p:cNvSpPr>
+            <a:spLocks noGrp="1" noRot="1" noChangeAspect="1"/>
+          </p:cNvSpPr>
+          <p:nvPr>
+            <p:ph type="sldImg"/>
+          </p:nvPr>
+        </p:nvSpPr>
+        <p:spPr/>
+      </p:sp>
+      <p:sp>
+        <p:nvSpPr>
+          <p:cNvPr id="3" name="Notes Placeholder 2"/>
+          <p:cNvSpPr>
+            <a:spLocks noGrp="1"/>
+          </p:cNvSpPr>
+          <p:nvPr>
+            <p:ph type="body" idx="1"/>
+          </p:nvPr>
+        </p:nvSpPr>
+        <p:spPr/>
+        <p:txBody>
+          <a:bodyPr/>
+          <a:lstStyle/>
+          <a:p>
+            <a:endParaRPr lang="pl-PL" dirty="0"/>
+          </a:p>
+        </p:txBody>
+      </p:sp>
+      <p:sp>
+        <p:nvSpPr>
+          <p:cNvPr id="4" name="Slide Number Placeholder 3"/>
+          <p:cNvSpPr>
+            <a:spLocks noGrp="1"/>
+          </p:cNvSpPr>
+          <p:nvPr>
+            <p:ph type="sldNum" sz="quarter" idx="5"/>
+          </p:nvPr>
+        </p:nvSpPr>
+        <p:spPr/>
+        <p:txBody>
+          <a:bodyPr/>
+          <a:lstStyle/>
+          <a:p>
+            <a:fld id="{7F58F548-D456-4D1A-A703-1CFCC1D7DDD4}" type="slidenum">
+              <a:rPr lang="pl-PL" smtClean="0"/>
+              <a:t>16</a:t>
             </a:fld>
             <a:endParaRPr lang="pl-PL"/>
           </a:p>
@@ -4118,7 +5215,7 @@
           <a:p>
             <a:fld id="{96D30BF6-FA71-4576-A5BC-BB4B1D1254CD}" type="datetimeFigureOut">
               <a:rPr lang="pl-PL" smtClean="0"/>
-              <a:t>13.08.2020</a:t>
+              <a:t>14.08.2020</a:t>
             </a:fld>
             <a:endParaRPr lang="pl-PL"/>
           </a:p>
@@ -4404,7 +5501,7 @@
           <a:p>
             <a:fld id="{96D30BF6-FA71-4576-A5BC-BB4B1D1254CD}" type="datetimeFigureOut">
               <a:rPr lang="pl-PL" smtClean="0"/>
-              <a:t>13.08.2020</a:t>
+              <a:t>14.08.2020</a:t>
             </a:fld>
             <a:endParaRPr lang="pl-PL"/>
           </a:p>
@@ -4596,7 +5693,7 @@
           <a:p>
             <a:fld id="{96D30BF6-FA71-4576-A5BC-BB4B1D1254CD}" type="datetimeFigureOut">
               <a:rPr lang="pl-PL" smtClean="0"/>
-              <a:t>13.08.2020</a:t>
+              <a:t>14.08.2020</a:t>
             </a:fld>
             <a:endParaRPr lang="pl-PL"/>
           </a:p>
@@ -4857,7 +5954,7 @@
           <a:p>
             <a:fld id="{96D30BF6-FA71-4576-A5BC-BB4B1D1254CD}" type="datetimeFigureOut">
               <a:rPr lang="pl-PL" smtClean="0"/>
-              <a:t>13.08.2020</a:t>
+              <a:t>14.08.2020</a:t>
             </a:fld>
             <a:endParaRPr lang="pl-PL"/>
           </a:p>
@@ -5283,7 +6380,7 @@
           <a:p>
             <a:fld id="{96D30BF6-FA71-4576-A5BC-BB4B1D1254CD}" type="datetimeFigureOut">
               <a:rPr lang="pl-PL" smtClean="0"/>
-              <a:t>13.08.2020</a:t>
+              <a:t>14.08.2020</a:t>
             </a:fld>
             <a:endParaRPr lang="pl-PL"/>
           </a:p>
@@ -5829,7 +6926,7 @@
           <a:p>
             <a:fld id="{96D30BF6-FA71-4576-A5BC-BB4B1D1254CD}" type="datetimeFigureOut">
               <a:rPr lang="pl-PL" smtClean="0"/>
-              <a:t>13.08.2020</a:t>
+              <a:t>14.08.2020</a:t>
             </a:fld>
             <a:endParaRPr lang="pl-PL"/>
           </a:p>
@@ -6660,7 +7757,7 @@
           <a:p>
             <a:fld id="{96D30BF6-FA71-4576-A5BC-BB4B1D1254CD}" type="datetimeFigureOut">
               <a:rPr lang="pl-PL" smtClean="0"/>
-              <a:t>13.08.2020</a:t>
+              <a:t>14.08.2020</a:t>
             </a:fld>
             <a:endParaRPr lang="pl-PL"/>
           </a:p>
@@ -6830,7 +7927,7 @@
           <a:p>
             <a:fld id="{96D30BF6-FA71-4576-A5BC-BB4B1D1254CD}" type="datetimeFigureOut">
               <a:rPr lang="pl-PL" smtClean="0"/>
-              <a:t>13.08.2020</a:t>
+              <a:t>14.08.2020</a:t>
             </a:fld>
             <a:endParaRPr lang="pl-PL"/>
           </a:p>
@@ -7010,7 +8107,7 @@
           <a:p>
             <a:fld id="{96D30BF6-FA71-4576-A5BC-BB4B1D1254CD}" type="datetimeFigureOut">
               <a:rPr lang="pl-PL" smtClean="0"/>
-              <a:t>13.08.2020</a:t>
+              <a:t>14.08.2020</a:t>
             </a:fld>
             <a:endParaRPr lang="pl-PL"/>
           </a:p>
@@ -7185,7 +8282,7 @@
           <a:p>
             <a:fld id="{96D30BF6-FA71-4576-A5BC-BB4B1D1254CD}" type="datetimeFigureOut">
               <a:rPr lang="pl-PL" smtClean="0"/>
-              <a:t>13.08.2020</a:t>
+              <a:t>14.08.2020</a:t>
             </a:fld>
             <a:endParaRPr lang="pl-PL"/>
           </a:p>
@@ -7442,7 +8539,7 @@
           <a:p>
             <a:fld id="{96D30BF6-FA71-4576-A5BC-BB4B1D1254CD}" type="datetimeFigureOut">
               <a:rPr lang="pl-PL" smtClean="0"/>
-              <a:t>13.08.2020</a:t>
+              <a:t>14.08.2020</a:t>
             </a:fld>
             <a:endParaRPr lang="pl-PL"/>
           </a:p>
@@ -7679,7 +8776,7 @@
           <a:p>
             <a:fld id="{96D30BF6-FA71-4576-A5BC-BB4B1D1254CD}" type="datetimeFigureOut">
               <a:rPr lang="pl-PL" smtClean="0"/>
-              <a:t>13.08.2020</a:t>
+              <a:t>14.08.2020</a:t>
             </a:fld>
             <a:endParaRPr lang="pl-PL"/>
           </a:p>
@@ -8072,7 +9169,7 @@
           <a:p>
             <a:fld id="{96D30BF6-FA71-4576-A5BC-BB4B1D1254CD}" type="datetimeFigureOut">
               <a:rPr lang="pl-PL" smtClean="0"/>
-              <a:t>13.08.2020</a:t>
+              <a:t>14.08.2020</a:t>
             </a:fld>
             <a:endParaRPr lang="pl-PL"/>
           </a:p>
@@ -8190,7 +9287,7 @@
           <a:p>
             <a:fld id="{96D30BF6-FA71-4576-A5BC-BB4B1D1254CD}" type="datetimeFigureOut">
               <a:rPr lang="pl-PL" smtClean="0"/>
-              <a:t>13.08.2020</a:t>
+              <a:t>14.08.2020</a:t>
             </a:fld>
             <a:endParaRPr lang="pl-PL"/>
           </a:p>
@@ -8285,7 +9382,7 @@
           <a:p>
             <a:fld id="{96D30BF6-FA71-4576-A5BC-BB4B1D1254CD}" type="datetimeFigureOut">
               <a:rPr lang="pl-PL" smtClean="0"/>
-              <a:t>13.08.2020</a:t>
+              <a:t>14.08.2020</a:t>
             </a:fld>
             <a:endParaRPr lang="pl-PL"/>
           </a:p>
@@ -8558,7 +9655,7 @@
           <a:p>
             <a:fld id="{96D30BF6-FA71-4576-A5BC-BB4B1D1254CD}" type="datetimeFigureOut">
               <a:rPr lang="pl-PL" smtClean="0"/>
-              <a:t>13.08.2020</a:t>
+              <a:t>14.08.2020</a:t>
             </a:fld>
             <a:endParaRPr lang="pl-PL"/>
           </a:p>
@@ -8839,7 +9936,7 @@
           <a:p>
             <a:fld id="{96D30BF6-FA71-4576-A5BC-BB4B1D1254CD}" type="datetimeFigureOut">
               <a:rPr lang="pl-PL" smtClean="0"/>
-              <a:t>13.08.2020</a:t>
+              <a:t>14.08.2020</a:t>
             </a:fld>
             <a:endParaRPr lang="pl-PL"/>
           </a:p>
@@ -9079,7 +10176,7 @@
           <a:p>
             <a:fld id="{96D30BF6-FA71-4576-A5BC-BB4B1D1254CD}" type="datetimeFigureOut">
               <a:rPr lang="pl-PL" smtClean="0"/>
-              <a:t>13.08.2020</a:t>
+              <a:t>14.08.2020</a:t>
             </a:fld>
             <a:endParaRPr lang="pl-PL"/>
           </a:p>
@@ -9765,6 +10862,613 @@
 </p:sld>
 </file>
 
+<file path=ppt/slides/slide10.xml><?xml version="1.0" encoding="utf-8"?>
+<p:sld xmlns:a="http://schemas.openxmlformats.org/drawingml/2006/main" xmlns:r="http://schemas.openxmlformats.org/officeDocument/2006/relationships" xmlns:p="http://schemas.openxmlformats.org/presentationml/2006/main">
+  <p:cSld>
+    <p:spTree>
+      <p:nvGrpSpPr>
+        <p:cNvPr id="1" name=""/>
+        <p:cNvGrpSpPr/>
+        <p:nvPr/>
+      </p:nvGrpSpPr>
+      <p:grpSpPr>
+        <a:xfrm>
+          <a:off x="0" y="0"/>
+          <a:ext cx="0" cy="0"/>
+          <a:chOff x="0" y="0"/>
+          <a:chExt cx="0" cy="0"/>
+        </a:xfrm>
+      </p:grpSpPr>
+      <p:sp>
+        <p:nvSpPr>
+          <p:cNvPr id="2" name="Title 1">
+            <a:extLst>
+              <a:ext uri="{FF2B5EF4-FFF2-40B4-BE49-F238E27FC236}">
+                <a16:creationId xmlns:a16="http://schemas.microsoft.com/office/drawing/2014/main" id="{63D0D55E-A94D-49AE-AB94-F3564CBE62F7}"/>
+              </a:ext>
+            </a:extLst>
+          </p:cNvPr>
+          <p:cNvSpPr>
+            <a:spLocks noGrp="1"/>
+          </p:cNvSpPr>
+          <p:nvPr>
+            <p:ph type="title"/>
+          </p:nvPr>
+        </p:nvSpPr>
+        <p:spPr/>
+        <p:txBody>
+          <a:bodyPr>
+            <a:normAutofit fontScale="90000"/>
+          </a:bodyPr>
+          <a:lstStyle/>
+          <a:p>
+            <a:r>
+              <a:rPr lang="pl-PL" dirty="0"/>
+              <a:t>Interface-</a:t>
+            </a:r>
+            <a:r>
+              <a:rPr lang="pl-PL" dirty="0" err="1"/>
+              <a:t>based</a:t>
+            </a:r>
+            <a:r>
+              <a:rPr lang="pl-PL" dirty="0"/>
+              <a:t> </a:t>
+            </a:r>
+            <a:r>
+              <a:rPr lang="pl-PL" dirty="0" err="1"/>
+              <a:t>contract</a:t>
+            </a:r>
+            <a:r>
+              <a:rPr lang="pl-PL" dirty="0"/>
+              <a:t> </a:t>
+            </a:r>
+            <a:r>
+              <a:rPr lang="pl-PL" dirty="0" err="1"/>
+              <a:t>distribution</a:t>
+            </a:r>
+            <a:endParaRPr lang="pl-PL" dirty="0"/>
+          </a:p>
+        </p:txBody>
+      </p:sp>
+    </p:spTree>
+    <p:extLst>
+      <p:ext uri="{BB962C8B-B14F-4D97-AF65-F5344CB8AC3E}">
+        <p14:creationId xmlns:p14="http://schemas.microsoft.com/office/powerpoint/2010/main" val="2726302417"/>
+      </p:ext>
+    </p:extLst>
+  </p:cSld>
+  <p:clrMapOvr>
+    <a:masterClrMapping/>
+  </p:clrMapOvr>
+</p:sld>
+</file>
+
+<file path=ppt/slides/slide11.xml><?xml version="1.0" encoding="utf-8"?>
+<p:sld xmlns:a="http://schemas.openxmlformats.org/drawingml/2006/main" xmlns:r="http://schemas.openxmlformats.org/officeDocument/2006/relationships" xmlns:p="http://schemas.openxmlformats.org/presentationml/2006/main">
+  <p:cSld>
+    <p:spTree>
+      <p:nvGrpSpPr>
+        <p:cNvPr id="1" name=""/>
+        <p:cNvGrpSpPr/>
+        <p:nvPr/>
+      </p:nvGrpSpPr>
+      <p:grpSpPr>
+        <a:xfrm>
+          <a:off x="0" y="0"/>
+          <a:ext cx="0" cy="0"/>
+          <a:chOff x="0" y="0"/>
+          <a:chExt cx="0" cy="0"/>
+        </a:xfrm>
+      </p:grpSpPr>
+      <p:sp>
+        <p:nvSpPr>
+          <p:cNvPr id="2" name="Title 1">
+            <a:extLst>
+              <a:ext uri="{FF2B5EF4-FFF2-40B4-BE49-F238E27FC236}">
+                <a16:creationId xmlns:a16="http://schemas.microsoft.com/office/drawing/2014/main" id="{63D0D55E-A94D-49AE-AB94-F3564CBE62F7}"/>
+              </a:ext>
+            </a:extLst>
+          </p:cNvPr>
+          <p:cNvSpPr>
+            <a:spLocks noGrp="1"/>
+          </p:cNvSpPr>
+          <p:nvPr>
+            <p:ph type="title"/>
+          </p:nvPr>
+        </p:nvSpPr>
+        <p:spPr/>
+        <p:txBody>
+          <a:bodyPr>
+            <a:normAutofit/>
+          </a:bodyPr>
+          <a:lstStyle/>
+          <a:p>
+            <a:r>
+              <a:rPr lang="pl-PL" dirty="0"/>
+              <a:t>DTO-</a:t>
+            </a:r>
+            <a:r>
+              <a:rPr lang="pl-PL" dirty="0" err="1"/>
+              <a:t>based</a:t>
+            </a:r>
+            <a:r>
+              <a:rPr lang="pl-PL" dirty="0"/>
+              <a:t> </a:t>
+            </a:r>
+            <a:r>
+              <a:rPr lang="pl-PL" dirty="0" err="1"/>
+              <a:t>contract</a:t>
+            </a:r>
+            <a:r>
+              <a:rPr lang="pl-PL" dirty="0"/>
+              <a:t> </a:t>
+            </a:r>
+            <a:r>
+              <a:rPr lang="pl-PL" dirty="0" err="1"/>
+              <a:t>distribution</a:t>
+            </a:r>
+            <a:endParaRPr lang="pl-PL" dirty="0"/>
+          </a:p>
+        </p:txBody>
+      </p:sp>
+    </p:spTree>
+    <p:extLst>
+      <p:ext uri="{BB962C8B-B14F-4D97-AF65-F5344CB8AC3E}">
+        <p14:creationId xmlns:p14="http://schemas.microsoft.com/office/powerpoint/2010/main" val="1923252010"/>
+      </p:ext>
+    </p:extLst>
+  </p:cSld>
+  <p:clrMapOvr>
+    <a:masterClrMapping/>
+  </p:clrMapOvr>
+</p:sld>
+</file>
+
+<file path=ppt/slides/slide12.xml><?xml version="1.0" encoding="utf-8"?>
+<p:sld xmlns:a="http://schemas.openxmlformats.org/drawingml/2006/main" xmlns:r="http://schemas.openxmlformats.org/officeDocument/2006/relationships" xmlns:p="http://schemas.openxmlformats.org/presentationml/2006/main">
+  <p:cSld>
+    <p:spTree>
+      <p:nvGrpSpPr>
+        <p:cNvPr id="1" name=""/>
+        <p:cNvGrpSpPr/>
+        <p:nvPr/>
+      </p:nvGrpSpPr>
+      <p:grpSpPr>
+        <a:xfrm>
+          <a:off x="0" y="0"/>
+          <a:ext cx="0" cy="0"/>
+          <a:chOff x="0" y="0"/>
+          <a:chExt cx="0" cy="0"/>
+        </a:xfrm>
+      </p:grpSpPr>
+      <p:sp>
+        <p:nvSpPr>
+          <p:cNvPr id="2" name="Title 1">
+            <a:extLst>
+              <a:ext uri="{FF2B5EF4-FFF2-40B4-BE49-F238E27FC236}">
+                <a16:creationId xmlns:a16="http://schemas.microsoft.com/office/drawing/2014/main" id="{63D0D55E-A94D-49AE-AB94-F3564CBE62F7}"/>
+              </a:ext>
+            </a:extLst>
+          </p:cNvPr>
+          <p:cNvSpPr>
+            <a:spLocks noGrp="1"/>
+          </p:cNvSpPr>
+          <p:nvPr>
+            <p:ph type="title"/>
+          </p:nvPr>
+        </p:nvSpPr>
+        <p:spPr/>
+        <p:txBody>
+          <a:bodyPr>
+            <a:normAutofit fontScale="90000"/>
+          </a:bodyPr>
+          <a:lstStyle/>
+          <a:p>
+            <a:r>
+              <a:rPr lang="pl-PL" dirty="0" err="1"/>
+              <a:t>Contract</a:t>
+            </a:r>
+            <a:r>
+              <a:rPr lang="pl-PL" dirty="0"/>
+              <a:t> </a:t>
+            </a:r>
+            <a:r>
+              <a:rPr lang="pl-PL" dirty="0" err="1"/>
+              <a:t>distribution</a:t>
+            </a:r>
+            <a:r>
+              <a:rPr lang="pl-PL" dirty="0"/>
+              <a:t> with </a:t>
+            </a:r>
+            <a:r>
+              <a:rPr lang="pl-PL" dirty="0" err="1"/>
+              <a:t>OpenAPI</a:t>
+            </a:r>
+            <a:r>
+              <a:rPr lang="pl-PL" dirty="0"/>
+              <a:t> spec</a:t>
+            </a:r>
+          </a:p>
+        </p:txBody>
+      </p:sp>
+    </p:spTree>
+    <p:extLst>
+      <p:ext uri="{BB962C8B-B14F-4D97-AF65-F5344CB8AC3E}">
+        <p14:creationId xmlns:p14="http://schemas.microsoft.com/office/powerpoint/2010/main" val="246928267"/>
+      </p:ext>
+    </p:extLst>
+  </p:cSld>
+  <p:clrMapOvr>
+    <a:masterClrMapping/>
+  </p:clrMapOvr>
+</p:sld>
+</file>
+
+<file path=ppt/slides/slide13.xml><?xml version="1.0" encoding="utf-8"?>
+<p:sld xmlns:a="http://schemas.openxmlformats.org/drawingml/2006/main" xmlns:r="http://schemas.openxmlformats.org/officeDocument/2006/relationships" xmlns:p="http://schemas.openxmlformats.org/presentationml/2006/main">
+  <p:cSld>
+    <p:spTree>
+      <p:nvGrpSpPr>
+        <p:cNvPr id="1" name=""/>
+        <p:cNvGrpSpPr/>
+        <p:nvPr/>
+      </p:nvGrpSpPr>
+      <p:grpSpPr>
+        <a:xfrm>
+          <a:off x="0" y="0"/>
+          <a:ext cx="0" cy="0"/>
+          <a:chOff x="0" y="0"/>
+          <a:chExt cx="0" cy="0"/>
+        </a:xfrm>
+      </p:grpSpPr>
+      <p:sp>
+        <p:nvSpPr>
+          <p:cNvPr id="2" name="Title 1">
+            <a:extLst>
+              <a:ext uri="{FF2B5EF4-FFF2-40B4-BE49-F238E27FC236}">
+                <a16:creationId xmlns:a16="http://schemas.microsoft.com/office/drawing/2014/main" id="{63D0D55E-A94D-49AE-AB94-F3564CBE62F7}"/>
+              </a:ext>
+            </a:extLst>
+          </p:cNvPr>
+          <p:cNvSpPr>
+            <a:spLocks noGrp="1"/>
+          </p:cNvSpPr>
+          <p:nvPr>
+            <p:ph type="title"/>
+          </p:nvPr>
+        </p:nvSpPr>
+        <p:spPr/>
+        <p:txBody>
+          <a:bodyPr>
+            <a:normAutofit fontScale="90000"/>
+          </a:bodyPr>
+          <a:lstStyle/>
+          <a:p>
+            <a:r>
+              <a:rPr lang="pl-PL" dirty="0" err="1"/>
+              <a:t>Different</a:t>
+            </a:r>
+            <a:r>
+              <a:rPr lang="pl-PL" dirty="0"/>
+              <a:t> </a:t>
+            </a:r>
+            <a:r>
+              <a:rPr lang="pl-PL" dirty="0" err="1"/>
+              <a:t>dependencies</a:t>
+            </a:r>
+            <a:r>
+              <a:rPr lang="pl-PL" dirty="0"/>
+              <a:t> </a:t>
+            </a:r>
+            <a:r>
+              <a:rPr lang="pl-PL" dirty="0" err="1"/>
+              <a:t>considerations</a:t>
+            </a:r>
+            <a:endParaRPr lang="pl-PL" dirty="0"/>
+          </a:p>
+        </p:txBody>
+      </p:sp>
+    </p:spTree>
+    <p:extLst>
+      <p:ext uri="{BB962C8B-B14F-4D97-AF65-F5344CB8AC3E}">
+        <p14:creationId xmlns:p14="http://schemas.microsoft.com/office/powerpoint/2010/main" val="3436481973"/>
+      </p:ext>
+    </p:extLst>
+  </p:cSld>
+  <p:clrMapOvr>
+    <a:masterClrMapping/>
+  </p:clrMapOvr>
+</p:sld>
+</file>
+
+<file path=ppt/slides/slide14.xml><?xml version="1.0" encoding="utf-8"?>
+<p:sld xmlns:a="http://schemas.openxmlformats.org/drawingml/2006/main" xmlns:r="http://schemas.openxmlformats.org/officeDocument/2006/relationships" xmlns:p="http://schemas.openxmlformats.org/presentationml/2006/main">
+  <p:cSld>
+    <p:spTree>
+      <p:nvGrpSpPr>
+        <p:cNvPr id="1" name=""/>
+        <p:cNvGrpSpPr/>
+        <p:nvPr/>
+      </p:nvGrpSpPr>
+      <p:grpSpPr>
+        <a:xfrm>
+          <a:off x="0" y="0"/>
+          <a:ext cx="0" cy="0"/>
+          <a:chOff x="0" y="0"/>
+          <a:chExt cx="0" cy="0"/>
+        </a:xfrm>
+      </p:grpSpPr>
+      <p:sp>
+        <p:nvSpPr>
+          <p:cNvPr id="2" name="Title 1">
+            <a:extLst>
+              <a:ext uri="{FF2B5EF4-FFF2-40B4-BE49-F238E27FC236}">
+                <a16:creationId xmlns:a16="http://schemas.microsoft.com/office/drawing/2014/main" id="{63D0D55E-A94D-49AE-AB94-F3564CBE62F7}"/>
+              </a:ext>
+            </a:extLst>
+          </p:cNvPr>
+          <p:cNvSpPr>
+            <a:spLocks noGrp="1"/>
+          </p:cNvSpPr>
+          <p:nvPr>
+            <p:ph type="title"/>
+          </p:nvPr>
+        </p:nvSpPr>
+        <p:spPr/>
+        <p:txBody>
+          <a:bodyPr>
+            <a:normAutofit/>
+          </a:bodyPr>
+          <a:lstStyle/>
+          <a:p>
+            <a:r>
+              <a:rPr lang="pl-PL" dirty="0"/>
+              <a:t>Non-REST </a:t>
+            </a:r>
+            <a:r>
+              <a:rPr lang="pl-PL" dirty="0" err="1"/>
+              <a:t>contract</a:t>
+            </a:r>
+            <a:r>
+              <a:rPr lang="pl-PL" dirty="0"/>
+              <a:t> </a:t>
+            </a:r>
+            <a:r>
+              <a:rPr lang="pl-PL" dirty="0" err="1"/>
+              <a:t>distribution</a:t>
+            </a:r>
+            <a:endParaRPr lang="pl-PL" dirty="0"/>
+          </a:p>
+        </p:txBody>
+      </p:sp>
+    </p:spTree>
+    <p:extLst>
+      <p:ext uri="{BB962C8B-B14F-4D97-AF65-F5344CB8AC3E}">
+        <p14:creationId xmlns:p14="http://schemas.microsoft.com/office/powerpoint/2010/main" val="1502366069"/>
+      </p:ext>
+    </p:extLst>
+  </p:cSld>
+  <p:clrMapOvr>
+    <a:masterClrMapping/>
+  </p:clrMapOvr>
+</p:sld>
+</file>
+
+<file path=ppt/slides/slide15.xml><?xml version="1.0" encoding="utf-8"?>
+<p:sld xmlns:a="http://schemas.openxmlformats.org/drawingml/2006/main" xmlns:r="http://schemas.openxmlformats.org/officeDocument/2006/relationships" xmlns:p="http://schemas.openxmlformats.org/presentationml/2006/main">
+  <p:cSld>
+    <p:spTree>
+      <p:nvGrpSpPr>
+        <p:cNvPr id="1" name=""/>
+        <p:cNvGrpSpPr/>
+        <p:nvPr/>
+      </p:nvGrpSpPr>
+      <p:grpSpPr>
+        <a:xfrm>
+          <a:off x="0" y="0"/>
+          <a:ext cx="0" cy="0"/>
+          <a:chOff x="0" y="0"/>
+          <a:chExt cx="0" cy="0"/>
+        </a:xfrm>
+      </p:grpSpPr>
+      <p:sp>
+        <p:nvSpPr>
+          <p:cNvPr id="2" name="Title 1">
+            <a:extLst>
+              <a:ext uri="{FF2B5EF4-FFF2-40B4-BE49-F238E27FC236}">
+                <a16:creationId xmlns:a16="http://schemas.microsoft.com/office/drawing/2014/main" id="{63D0D55E-A94D-49AE-AB94-F3564CBE62F7}"/>
+              </a:ext>
+            </a:extLst>
+          </p:cNvPr>
+          <p:cNvSpPr>
+            <a:spLocks noGrp="1"/>
+          </p:cNvSpPr>
+          <p:nvPr>
+            <p:ph type="title"/>
+          </p:nvPr>
+        </p:nvSpPr>
+        <p:spPr/>
+        <p:txBody>
+          <a:bodyPr/>
+          <a:lstStyle/>
+          <a:p>
+            <a:r>
+              <a:rPr lang="pl-PL" dirty="0" err="1"/>
+              <a:t>Questions</a:t>
+            </a:r>
+            <a:r>
+              <a:rPr lang="pl-PL" dirty="0"/>
+              <a:t>?</a:t>
+            </a:r>
+          </a:p>
+        </p:txBody>
+      </p:sp>
+      <p:sp>
+        <p:nvSpPr>
+          <p:cNvPr id="3" name="Content Placeholder 2">
+            <a:extLst>
+              <a:ext uri="{FF2B5EF4-FFF2-40B4-BE49-F238E27FC236}">
+                <a16:creationId xmlns:a16="http://schemas.microsoft.com/office/drawing/2014/main" id="{CCBF6768-B6BA-400B-B425-0E7C34F1CD39}"/>
+              </a:ext>
+            </a:extLst>
+          </p:cNvPr>
+          <p:cNvSpPr>
+            <a:spLocks noGrp="1"/>
+          </p:cNvSpPr>
+          <p:nvPr>
+            <p:ph idx="1"/>
+          </p:nvPr>
+        </p:nvSpPr>
+        <p:spPr/>
+        <p:txBody>
+          <a:bodyPr anchor="ctr">
+            <a:normAutofit/>
+          </a:bodyPr>
+          <a:lstStyle/>
+          <a:p>
+            <a:pPr marL="0" indent="0" algn="ctr">
+              <a:buNone/>
+            </a:pPr>
+            <a:r>
+              <a:rPr lang="pl-PL" sz="7200" dirty="0" err="1"/>
+              <a:t>Thank</a:t>
+            </a:r>
+            <a:r>
+              <a:rPr lang="pl-PL" sz="7200" dirty="0"/>
+              <a:t> </a:t>
+            </a:r>
+            <a:r>
+              <a:rPr lang="pl-PL" sz="7200" dirty="0" err="1"/>
+              <a:t>you</a:t>
+            </a:r>
+            <a:r>
+              <a:rPr lang="pl-PL" sz="7200" dirty="0"/>
+              <a:t>!</a:t>
+            </a:r>
+          </a:p>
+        </p:txBody>
+      </p:sp>
+    </p:spTree>
+    <p:extLst>
+      <p:ext uri="{BB962C8B-B14F-4D97-AF65-F5344CB8AC3E}">
+        <p14:creationId xmlns:p14="http://schemas.microsoft.com/office/powerpoint/2010/main" val="2692873270"/>
+      </p:ext>
+    </p:extLst>
+  </p:cSld>
+  <p:clrMapOvr>
+    <a:masterClrMapping/>
+  </p:clrMapOvr>
+</p:sld>
+</file>
+
+<file path=ppt/slides/slide16.xml><?xml version="1.0" encoding="utf-8"?>
+<p:sld xmlns:a="http://schemas.openxmlformats.org/drawingml/2006/main" xmlns:r="http://schemas.openxmlformats.org/officeDocument/2006/relationships" xmlns:p="http://schemas.openxmlformats.org/presentationml/2006/main">
+  <p:cSld>
+    <p:spTree>
+      <p:nvGrpSpPr>
+        <p:cNvPr id="1" name=""/>
+        <p:cNvGrpSpPr/>
+        <p:nvPr/>
+      </p:nvGrpSpPr>
+      <p:grpSpPr>
+        <a:xfrm>
+          <a:off x="0" y="0"/>
+          <a:ext cx="0" cy="0"/>
+          <a:chOff x="0" y="0"/>
+          <a:chExt cx="0" cy="0"/>
+        </a:xfrm>
+      </p:grpSpPr>
+      <p:sp>
+        <p:nvSpPr>
+          <p:cNvPr id="2" name="Title 1">
+            <a:extLst>
+              <a:ext uri="{FF2B5EF4-FFF2-40B4-BE49-F238E27FC236}">
+                <a16:creationId xmlns:a16="http://schemas.microsoft.com/office/drawing/2014/main" id="{238AC188-0F70-4D5D-A085-E81D9D2AFEB5}"/>
+              </a:ext>
+            </a:extLst>
+          </p:cNvPr>
+          <p:cNvSpPr>
+            <a:spLocks noGrp="1"/>
+          </p:cNvSpPr>
+          <p:nvPr>
+            <p:ph type="title"/>
+          </p:nvPr>
+        </p:nvSpPr>
+        <p:spPr/>
+        <p:txBody>
+          <a:bodyPr/>
+          <a:lstStyle/>
+          <a:p>
+            <a:r>
+              <a:rPr lang="pl-PL" dirty="0" err="1"/>
+              <a:t>Resources</a:t>
+            </a:r>
+            <a:endParaRPr lang="pl-PL" dirty="0"/>
+          </a:p>
+        </p:txBody>
+      </p:sp>
+      <p:sp>
+        <p:nvSpPr>
+          <p:cNvPr id="3" name="Content Placeholder 2">
+            <a:extLst>
+              <a:ext uri="{FF2B5EF4-FFF2-40B4-BE49-F238E27FC236}">
+                <a16:creationId xmlns:a16="http://schemas.microsoft.com/office/drawing/2014/main" id="{4FE7650C-F7A0-4AA3-B59F-7E2AB48D6FDD}"/>
+              </a:ext>
+            </a:extLst>
+          </p:cNvPr>
+          <p:cNvSpPr>
+            <a:spLocks noGrp="1"/>
+          </p:cNvSpPr>
+          <p:nvPr>
+            <p:ph idx="1"/>
+          </p:nvPr>
+        </p:nvSpPr>
+        <p:spPr>
+          <a:xfrm>
+            <a:off x="1120000" y="1825624"/>
+            <a:ext cx="10233800" cy="4788239"/>
+          </a:xfrm>
+        </p:spPr>
+        <p:txBody>
+          <a:bodyPr>
+            <a:normAutofit/>
+          </a:bodyPr>
+          <a:lstStyle/>
+          <a:p>
+            <a:pPr>
+              <a:lnSpc>
+                <a:spcPct val="110000"/>
+              </a:lnSpc>
+              <a:buFontTx/>
+              <a:buChar char="-"/>
+            </a:pPr>
+            <a:endParaRPr lang="pl-PL" sz="2000" dirty="0"/>
+          </a:p>
+          <a:p>
+            <a:pPr>
+              <a:lnSpc>
+                <a:spcPct val="110000"/>
+              </a:lnSpc>
+              <a:buFontTx/>
+              <a:buChar char="-"/>
+            </a:pPr>
+            <a:endParaRPr lang="pl-PL" sz="2000" dirty="0"/>
+          </a:p>
+        </p:txBody>
+      </p:sp>
+    </p:spTree>
+    <p:extLst>
+      <p:ext uri="{BB962C8B-B14F-4D97-AF65-F5344CB8AC3E}">
+        <p14:creationId xmlns:p14="http://schemas.microsoft.com/office/powerpoint/2010/main" val="2410242174"/>
+      </p:ext>
+    </p:extLst>
+  </p:cSld>
+  <p:clrMapOvr>
+    <a:masterClrMapping/>
+  </p:clrMapOvr>
+</p:sld>
+</file>
+
 <file path=ppt/slides/slide2.xml><?xml version="1.0" encoding="utf-8"?>
 <p:sld xmlns:a="http://schemas.openxmlformats.org/drawingml/2006/main" xmlns:r="http://schemas.openxmlformats.org/officeDocument/2006/relationships" xmlns:p="http://schemas.openxmlformats.org/presentationml/2006/main">
   <p:cSld>
@@ -9798,7 +11502,7 @@
       </p:grpSpPr>
       <p:sp>
         <p:nvSpPr>
-          <p:cNvPr id="10" name="Rectangle 9">
+          <p:cNvPr id="18" name="Rectangle 17">
             <a:extLst>
               <a:ext uri="{FF2B5EF4-FFF2-40B4-BE49-F238E27FC236}">
                 <a16:creationId xmlns:a16="http://schemas.microsoft.com/office/drawing/2014/main" id="{619B3503-D505-49AA-97C1-B299D58DB436}"/>
@@ -9870,7 +11574,7 @@
       </p:sp>
       <p:sp useBgFill="1">
         <p:nvSpPr>
-          <p:cNvPr id="12" name="Rectangle 11">
+          <p:cNvPr id="20" name="Rectangle 19">
             <a:extLst>
               <a:ext uri="{FF2B5EF4-FFF2-40B4-BE49-F238E27FC236}">
                 <a16:creationId xmlns:a16="http://schemas.microsoft.com/office/drawing/2014/main" id="{E39A2319-946A-4C65-9B7C-1F86E9B1B57C}"/>
@@ -9976,10 +11680,10 @@
       </p:sp>
       <p:graphicFrame>
         <p:nvGraphicFramePr>
-          <p:cNvPr id="5" name="Content Placeholder 2">
+          <p:cNvPr id="14" name="Content Placeholder 2">
             <a:extLst>
               <a:ext uri="{FF2B5EF4-FFF2-40B4-BE49-F238E27FC236}">
-                <a16:creationId xmlns:a16="http://schemas.microsoft.com/office/drawing/2014/main" id="{E8B66D03-B9C5-4E62-97BD-3056DE2C358B}"/>
+                <a16:creationId xmlns:a16="http://schemas.microsoft.com/office/drawing/2014/main" id="{B9F141BA-1BE7-45E3-84A0-2F9CC145D7A6}"/>
               </a:ext>
             </a:extLst>
           </p:cNvPr>
@@ -9990,7 +11694,7 @@
             <p:ph idx="1"/>
             <p:extLst>
               <p:ext uri="{D42A27DB-BD31-4B8C-83A1-F6EECF244321}">
-                <p14:modId xmlns:p14="http://schemas.microsoft.com/office/powerpoint/2010/main" val="721426499"/>
+                <p14:modId xmlns:p14="http://schemas.microsoft.com/office/powerpoint/2010/main" val="141265057"/>
               </p:ext>
             </p:extLst>
           </p:nvPr>
@@ -10058,7 +11762,31 @@
           <a:p>
             <a:r>
               <a:rPr lang="pl-PL" dirty="0" err="1"/>
-              <a:t>Questions</a:t>
+              <a:t>WebAPI</a:t>
+            </a:r>
+            <a:r>
+              <a:rPr lang="pl-PL" dirty="0"/>
+              <a:t> </a:t>
+            </a:r>
+            <a:r>
+              <a:rPr lang="pl-PL" dirty="0" err="1"/>
+              <a:t>contract</a:t>
+            </a:r>
+            <a:r>
+              <a:rPr lang="pl-PL" dirty="0"/>
+              <a:t> </a:t>
+            </a:r>
+            <a:r>
+              <a:rPr lang="pl-PL" dirty="0" err="1"/>
+              <a:t>distribution</a:t>
+            </a:r>
+            <a:r>
+              <a:rPr lang="pl-PL" dirty="0"/>
+              <a:t> – </a:t>
+            </a:r>
+            <a:r>
+              <a:rPr lang="pl-PL" dirty="0" err="1"/>
+              <a:t>why</a:t>
             </a:r>
             <a:r>
               <a:rPr lang="pl-PL" dirty="0"/>
@@ -10069,10 +11797,10 @@
       </p:sp>
       <p:sp>
         <p:nvSpPr>
-          <p:cNvPr id="3" name="Content Placeholder 2">
+          <p:cNvPr id="5" name="Content Placeholder 4">
             <a:extLst>
               <a:ext uri="{FF2B5EF4-FFF2-40B4-BE49-F238E27FC236}">
-                <a16:creationId xmlns:a16="http://schemas.microsoft.com/office/drawing/2014/main" id="{CCBF6768-B6BA-400B-B425-0E7C34F1CD39}"/>
+                <a16:creationId xmlns:a16="http://schemas.microsoft.com/office/drawing/2014/main" id="{4B5E364D-F789-4C5B-AE7F-460039134725}"/>
               </a:ext>
             </a:extLst>
           </p:cNvPr>
@@ -10083,39 +11811,183 @@
             <p:ph idx="1"/>
           </p:nvPr>
         </p:nvSpPr>
-        <p:spPr/>
-        <p:txBody>
-          <a:bodyPr anchor="ctr">
+        <p:spPr>
+          <a:xfrm>
+            <a:off x="979100" y="2107224"/>
+            <a:ext cx="10233800" cy="3450001"/>
+          </a:xfrm>
+        </p:spPr>
+        <p:txBody>
+          <a:bodyPr>
             <a:normAutofit/>
           </a:bodyPr>
           <a:lstStyle/>
           <a:p>
-            <a:pPr marL="0" indent="0" algn="ctr">
-              <a:buNone/>
+            <a:pPr lvl="1">
+              <a:lnSpc>
+                <a:spcPct val="150000"/>
+              </a:lnSpc>
             </a:pPr>
             <a:r>
-              <a:rPr lang="pl-PL" sz="7200" dirty="0" err="1"/>
-              <a:t>Thank</a:t>
-            </a:r>
-            <a:r>
-              <a:rPr lang="pl-PL" sz="7200" dirty="0"/>
+              <a:rPr lang="pl-PL" sz="3200" dirty="0"/>
+              <a:t>To </a:t>
+            </a:r>
+            <a:r>
+              <a:rPr lang="pl-PL" sz="3200" dirty="0" err="1"/>
+              <a:t>have</a:t>
+            </a:r>
+            <a:r>
+              <a:rPr lang="pl-PL" sz="3200" dirty="0"/>
               <a:t> </a:t>
             </a:r>
             <a:r>
-              <a:rPr lang="pl-PL" sz="7200" dirty="0" err="1"/>
-              <a:t>you</a:t>
-            </a:r>
-            <a:r>
-              <a:rPr lang="pl-PL" sz="7200" dirty="0"/>
-              <a:t>!</a:t>
-            </a:r>
+              <a:rPr lang="pl-PL" sz="3200" dirty="0" err="1"/>
+              <a:t>physical</a:t>
+            </a:r>
+            <a:r>
+              <a:rPr lang="pl-PL" sz="3200" dirty="0"/>
+              <a:t> </a:t>
+            </a:r>
+            <a:r>
+              <a:rPr lang="pl-PL" sz="3200" dirty="0" err="1"/>
+              <a:t>coupling</a:t>
+            </a:r>
+            <a:r>
+              <a:rPr lang="pl-PL" sz="3200" dirty="0"/>
+              <a:t> </a:t>
+            </a:r>
+            <a:r>
+              <a:rPr lang="pl-PL" sz="3200" dirty="0" err="1"/>
+              <a:t>between</a:t>
+            </a:r>
+            <a:r>
+              <a:rPr lang="pl-PL" sz="3200" dirty="0"/>
+              <a:t> </a:t>
+            </a:r>
+            <a:r>
+              <a:rPr lang="pl-PL" sz="3200" dirty="0" err="1"/>
+              <a:t>components</a:t>
+            </a:r>
+            <a:r>
+              <a:rPr lang="pl-PL" sz="3200" dirty="0"/>
+              <a:t> </a:t>
+            </a:r>
+            <a:r>
+              <a:rPr lang="pl-PL" sz="3200" dirty="0" err="1"/>
+              <a:t>which</a:t>
+            </a:r>
+            <a:r>
+              <a:rPr lang="pl-PL" sz="3200" dirty="0"/>
+              <a:t> </a:t>
+            </a:r>
+            <a:r>
+              <a:rPr lang="pl-PL" sz="3200" dirty="0" err="1"/>
+              <a:t>are</a:t>
+            </a:r>
+            <a:r>
+              <a:rPr lang="pl-PL" sz="3200" dirty="0"/>
+              <a:t> </a:t>
+            </a:r>
+            <a:r>
+              <a:rPr lang="pl-PL" sz="3200" dirty="0" err="1"/>
+              <a:t>logically</a:t>
+            </a:r>
+            <a:r>
+              <a:rPr lang="pl-PL" sz="3200" dirty="0"/>
+              <a:t> </a:t>
+            </a:r>
+            <a:r>
+              <a:rPr lang="pl-PL" sz="3200" dirty="0" err="1"/>
+              <a:t>coupled</a:t>
+            </a:r>
+            <a:endParaRPr lang="pl-PL" sz="3200" dirty="0"/>
+          </a:p>
+          <a:p>
+            <a:pPr lvl="1">
+              <a:lnSpc>
+                <a:spcPct val="150000"/>
+              </a:lnSpc>
+            </a:pPr>
+            <a:r>
+              <a:rPr lang="pl-PL" sz="3200" dirty="0"/>
+              <a:t>To </a:t>
+            </a:r>
+            <a:r>
+              <a:rPr lang="pl-PL" sz="3200" dirty="0" err="1"/>
+              <a:t>tell</a:t>
+            </a:r>
+            <a:r>
+              <a:rPr lang="pl-PL" sz="3200" dirty="0"/>
+              <a:t> the </a:t>
+            </a:r>
+            <a:r>
+              <a:rPr lang="pl-PL" sz="3200" dirty="0" err="1"/>
+              <a:t>world</a:t>
+            </a:r>
+            <a:r>
+              <a:rPr lang="pl-PL" sz="3200" dirty="0"/>
+              <a:t> </a:t>
+            </a:r>
+            <a:r>
+              <a:rPr lang="pl-PL" sz="3200" dirty="0" err="1"/>
+              <a:t>what</a:t>
+            </a:r>
+            <a:r>
+              <a:rPr lang="pl-PL" sz="3200" dirty="0"/>
+              <a:t> </a:t>
+            </a:r>
+            <a:r>
+              <a:rPr lang="pl-PL" sz="3200" dirty="0" err="1"/>
+              <a:t>our</a:t>
+            </a:r>
+            <a:r>
+              <a:rPr lang="pl-PL" sz="3200" dirty="0"/>
+              <a:t> component </a:t>
+            </a:r>
+            <a:r>
+              <a:rPr lang="pl-PL" sz="3200" dirty="0" err="1"/>
+              <a:t>is</a:t>
+            </a:r>
+            <a:r>
+              <a:rPr lang="pl-PL" sz="3200" dirty="0"/>
+              <a:t> </a:t>
+            </a:r>
+            <a:r>
+              <a:rPr lang="pl-PL" sz="3200" dirty="0" err="1"/>
+              <a:t>doing</a:t>
+            </a:r>
+            <a:r>
+              <a:rPr lang="pl-PL" sz="3200" dirty="0"/>
+              <a:t> and be </a:t>
+            </a:r>
+            <a:r>
+              <a:rPr lang="pl-PL" sz="3200" dirty="0" err="1"/>
+              <a:t>serious</a:t>
+            </a:r>
+            <a:r>
+              <a:rPr lang="pl-PL" sz="3200" dirty="0"/>
+              <a:t> </a:t>
+            </a:r>
+            <a:r>
+              <a:rPr lang="pl-PL" sz="3200" dirty="0" err="1"/>
+              <a:t>about</a:t>
+            </a:r>
+            <a:r>
+              <a:rPr lang="pl-PL" sz="3200" dirty="0"/>
+              <a:t> </a:t>
+            </a:r>
+            <a:r>
+              <a:rPr lang="pl-PL" sz="3200" dirty="0" err="1"/>
+              <a:t>it</a:t>
+            </a:r>
+            <a:endParaRPr lang="pl-PL" sz="3200" dirty="0"/>
           </a:p>
         </p:txBody>
       </p:sp>
     </p:spTree>
     <p:extLst>
       <p:ext uri="{BB962C8B-B14F-4D97-AF65-F5344CB8AC3E}">
-        <p14:creationId xmlns:p14="http://schemas.microsoft.com/office/powerpoint/2010/main" val="492141847"/>
+        <p14:creationId xmlns:p14="http://schemas.microsoft.com/office/powerpoint/2010/main" val="1561056802"/>
       </p:ext>
     </p:extLst>
   </p:cSld>
@@ -10147,7 +12019,7 @@
           <p:cNvPr id="2" name="Title 1">
             <a:extLst>
               <a:ext uri="{FF2B5EF4-FFF2-40B4-BE49-F238E27FC236}">
-                <a16:creationId xmlns:a16="http://schemas.microsoft.com/office/drawing/2014/main" id="{238AC188-0F70-4D5D-A085-E81D9D2AFEB5}"/>
+                <a16:creationId xmlns:a16="http://schemas.microsoft.com/office/drawing/2014/main" id="{63D0D55E-A94D-49AE-AB94-F3564CBE62F7}"/>
               </a:ext>
             </a:extLst>
           </p:cNvPr>
@@ -10165,18 +12037,45 @@
           <a:p>
             <a:r>
               <a:rPr lang="pl-PL" dirty="0" err="1"/>
-              <a:t>Resources</a:t>
-            </a:r>
-            <a:endParaRPr lang="pl-PL" dirty="0"/>
-          </a:p>
-        </p:txBody>
-      </p:sp>
-      <p:sp>
-        <p:nvSpPr>
-          <p:cNvPr id="3" name="Content Placeholder 2">
+              <a:t>WebAPI</a:t>
+            </a:r>
+            <a:r>
+              <a:rPr lang="pl-PL" dirty="0"/>
+              <a:t> </a:t>
+            </a:r>
+            <a:r>
+              <a:rPr lang="pl-PL" dirty="0" err="1"/>
+              <a:t>contract</a:t>
+            </a:r>
+            <a:r>
+              <a:rPr lang="pl-PL" dirty="0"/>
+              <a:t> </a:t>
+            </a:r>
+            <a:r>
+              <a:rPr lang="pl-PL" dirty="0" err="1"/>
+              <a:t>distribution</a:t>
+            </a:r>
+            <a:r>
+              <a:rPr lang="pl-PL" dirty="0"/>
+              <a:t> – </a:t>
+            </a:r>
+            <a:r>
+              <a:rPr lang="pl-PL" dirty="0" err="1"/>
+              <a:t>how</a:t>
+            </a:r>
+            <a:r>
+              <a:rPr lang="pl-PL" dirty="0"/>
+              <a:t>?</a:t>
+            </a:r>
+          </a:p>
+        </p:txBody>
+      </p:sp>
+      <p:sp>
+        <p:nvSpPr>
+          <p:cNvPr id="5" name="Content Placeholder 4">
             <a:extLst>
               <a:ext uri="{FF2B5EF4-FFF2-40B4-BE49-F238E27FC236}">
-                <a16:creationId xmlns:a16="http://schemas.microsoft.com/office/drawing/2014/main" id="{4FE7650C-F7A0-4AA3-B59F-7E2AB48D6FDD}"/>
+                <a16:creationId xmlns:a16="http://schemas.microsoft.com/office/drawing/2014/main" id="{4B5E364D-F789-4C5B-AE7F-460039134725}"/>
               </a:ext>
             </a:extLst>
           </p:cNvPr>
@@ -10189,169 +12088,2753 @@
         </p:nvSpPr>
         <p:spPr>
           <a:xfrm>
-            <a:off x="1120000" y="1825624"/>
-            <a:ext cx="10233800" cy="4788239"/>
+            <a:off x="1120000" y="1489166"/>
+            <a:ext cx="10233800" cy="5225143"/>
           </a:xfrm>
         </p:spPr>
         <p:txBody>
-          <a:bodyPr>
-            <a:normAutofit fontScale="92500" lnSpcReduction="20000"/>
+          <a:bodyPr numCol="2">
+            <a:normAutofit/>
           </a:bodyPr>
           <a:lstStyle/>
           <a:p>
             <a:pPr>
               <a:lnSpc>
-                <a:spcPct val="110000"/>
+                <a:spcPct val="100000"/>
+              </a:lnSpc>
+            </a:pPr>
+            <a:r>
+              <a:rPr lang="pl-PL" sz="2400" dirty="0"/>
+              <a:t>Spec-</a:t>
+            </a:r>
+            <a:r>
+              <a:rPr lang="pl-PL" sz="2400" dirty="0" err="1"/>
+              <a:t>first</a:t>
+            </a:r>
+            <a:r>
+              <a:rPr lang="pl-PL" sz="2400" dirty="0"/>
+              <a:t> </a:t>
+            </a:r>
+            <a:r>
+              <a:rPr lang="pl-PL" sz="2400" dirty="0" err="1"/>
+              <a:t>approach</a:t>
+            </a:r>
+            <a:endParaRPr lang="pl-PL" sz="2400" dirty="0"/>
+          </a:p>
+          <a:p>
+            <a:pPr marL="457200" lvl="1" indent="0">
+              <a:lnSpc>
+                <a:spcPct val="100000"/>
+              </a:lnSpc>
+              <a:buNone/>
+            </a:pPr>
+            <a:r>
+              <a:rPr lang="pl-PL" dirty="0">
+                <a:solidFill>
+                  <a:schemeClr val="accent4"/>
+                </a:solidFill>
+              </a:rPr>
+              <a:t>+ </a:t>
+            </a:r>
+            <a:r>
+              <a:rPr lang="pl-PL" dirty="0" err="1">
+                <a:solidFill>
+                  <a:schemeClr val="accent4"/>
+                </a:solidFill>
+              </a:rPr>
+              <a:t>code</a:t>
+            </a:r>
+            <a:r>
+              <a:rPr lang="pl-PL" dirty="0">
+                <a:solidFill>
+                  <a:schemeClr val="accent4"/>
+                </a:solidFill>
+              </a:rPr>
+              <a:t> for </a:t>
+            </a:r>
+            <a:r>
+              <a:rPr lang="pl-PL" dirty="0" err="1">
+                <a:solidFill>
+                  <a:schemeClr val="accent4"/>
+                </a:solidFill>
+              </a:rPr>
+              <a:t>both</a:t>
+            </a:r>
+            <a:r>
+              <a:rPr lang="pl-PL" dirty="0">
+                <a:solidFill>
+                  <a:schemeClr val="accent4"/>
+                </a:solidFill>
+              </a:rPr>
+              <a:t> </a:t>
+            </a:r>
+            <a:r>
+              <a:rPr lang="pl-PL" dirty="0" err="1">
+                <a:solidFill>
+                  <a:schemeClr val="accent4"/>
+                </a:solidFill>
+              </a:rPr>
+              <a:t>client</a:t>
+            </a:r>
+            <a:r>
+              <a:rPr lang="pl-PL" dirty="0">
+                <a:solidFill>
+                  <a:schemeClr val="accent4"/>
+                </a:solidFill>
+              </a:rPr>
+              <a:t> and </a:t>
+            </a:r>
+            <a:r>
+              <a:rPr lang="pl-PL" dirty="0" err="1">
+                <a:solidFill>
+                  <a:schemeClr val="accent4"/>
+                </a:solidFill>
+              </a:rPr>
+              <a:t>server</a:t>
+            </a:r>
+            <a:r>
+              <a:rPr lang="pl-PL" dirty="0">
+                <a:solidFill>
+                  <a:schemeClr val="accent4"/>
+                </a:solidFill>
+              </a:rPr>
+              <a:t> </a:t>
+            </a:r>
+            <a:r>
+              <a:rPr lang="pl-PL" dirty="0" err="1">
+                <a:solidFill>
+                  <a:schemeClr val="accent4"/>
+                </a:solidFill>
+              </a:rPr>
+              <a:t>can</a:t>
+            </a:r>
+            <a:r>
+              <a:rPr lang="pl-PL" dirty="0">
+                <a:solidFill>
+                  <a:schemeClr val="accent4"/>
+                </a:solidFill>
+              </a:rPr>
+              <a:t> be </a:t>
+            </a:r>
+            <a:r>
+              <a:rPr lang="pl-PL" dirty="0" err="1">
+                <a:solidFill>
+                  <a:schemeClr val="accent4"/>
+                </a:solidFill>
+              </a:rPr>
+              <a:t>generated</a:t>
+            </a:r>
+            <a:endParaRPr lang="pl-PL" dirty="0">
+              <a:solidFill>
+                <a:schemeClr val="accent4"/>
+              </a:solidFill>
+            </a:endParaRPr>
+          </a:p>
+          <a:p>
+            <a:pPr marL="457200" lvl="1" indent="0">
+              <a:lnSpc>
+                <a:spcPct val="100000"/>
+              </a:lnSpc>
+              <a:buNone/>
+            </a:pPr>
+            <a:r>
+              <a:rPr lang="pl-PL" dirty="0">
+                <a:solidFill>
+                  <a:schemeClr val="accent4"/>
+                </a:solidFill>
+              </a:rPr>
+              <a:t>+ </a:t>
+            </a:r>
+            <a:r>
+              <a:rPr lang="pl-PL" dirty="0" err="1">
+                <a:solidFill>
+                  <a:schemeClr val="accent4"/>
+                </a:solidFill>
+              </a:rPr>
+              <a:t>can</a:t>
+            </a:r>
+            <a:r>
+              <a:rPr lang="pl-PL" dirty="0">
+                <a:solidFill>
+                  <a:schemeClr val="accent4"/>
+                </a:solidFill>
+              </a:rPr>
+              <a:t> be </a:t>
+            </a:r>
+            <a:r>
+              <a:rPr lang="pl-PL" dirty="0" err="1">
+                <a:solidFill>
+                  <a:schemeClr val="accent4"/>
+                </a:solidFill>
+              </a:rPr>
+              <a:t>done</a:t>
+            </a:r>
+            <a:r>
+              <a:rPr lang="pl-PL" dirty="0">
+                <a:solidFill>
+                  <a:schemeClr val="accent4"/>
+                </a:solidFill>
+              </a:rPr>
+              <a:t> </a:t>
+            </a:r>
+            <a:r>
+              <a:rPr lang="pl-PL" dirty="0" err="1">
+                <a:solidFill>
+                  <a:schemeClr val="accent4"/>
+                </a:solidFill>
+              </a:rPr>
+              <a:t>without</a:t>
+            </a:r>
+            <a:r>
+              <a:rPr lang="pl-PL" dirty="0">
+                <a:solidFill>
+                  <a:schemeClr val="accent4"/>
+                </a:solidFill>
+              </a:rPr>
+              <a:t> </a:t>
+            </a:r>
+            <a:r>
+              <a:rPr lang="pl-PL" dirty="0" err="1">
+                <a:solidFill>
+                  <a:schemeClr val="accent4"/>
+                </a:solidFill>
+              </a:rPr>
+              <a:t>writing</a:t>
+            </a:r>
+            <a:r>
+              <a:rPr lang="pl-PL" dirty="0">
+                <a:solidFill>
+                  <a:schemeClr val="accent4"/>
+                </a:solidFill>
+              </a:rPr>
+              <a:t> single </a:t>
+            </a:r>
+            <a:r>
+              <a:rPr lang="pl-PL" dirty="0" err="1">
+                <a:solidFill>
+                  <a:schemeClr val="accent4"/>
+                </a:solidFill>
+              </a:rPr>
+              <a:t>line</a:t>
+            </a:r>
+            <a:r>
+              <a:rPr lang="pl-PL" dirty="0">
+                <a:solidFill>
+                  <a:schemeClr val="accent4"/>
+                </a:solidFill>
+              </a:rPr>
+              <a:t> of </a:t>
+            </a:r>
+            <a:r>
+              <a:rPr lang="pl-PL" dirty="0" err="1">
+                <a:solidFill>
+                  <a:schemeClr val="accent4"/>
+                </a:solidFill>
+              </a:rPr>
+              <a:t>code</a:t>
+            </a:r>
+            <a:endParaRPr lang="pl-PL" dirty="0">
+              <a:solidFill>
+                <a:schemeClr val="accent4"/>
+              </a:solidFill>
+            </a:endParaRPr>
+          </a:p>
+          <a:p>
+            <a:pPr marL="457200" lvl="1" indent="0">
+              <a:lnSpc>
+                <a:spcPct val="100000"/>
+              </a:lnSpc>
+              <a:buNone/>
+            </a:pPr>
+            <a:r>
+              <a:rPr lang="pl-PL" dirty="0">
+                <a:solidFill>
+                  <a:schemeClr val="accent4"/>
+                </a:solidFill>
+              </a:rPr>
+              <a:t>+ </a:t>
+            </a:r>
+            <a:r>
+              <a:rPr lang="pl-PL" dirty="0" err="1">
+                <a:solidFill>
+                  <a:schemeClr val="accent4"/>
+                </a:solidFill>
+              </a:rPr>
+              <a:t>is</a:t>
+            </a:r>
+            <a:r>
+              <a:rPr lang="pl-PL" dirty="0">
+                <a:solidFill>
+                  <a:schemeClr val="accent4"/>
+                </a:solidFill>
+              </a:rPr>
+              <a:t> </a:t>
+            </a:r>
+            <a:r>
+              <a:rPr lang="pl-PL" dirty="0" err="1">
+                <a:solidFill>
+                  <a:schemeClr val="accent4"/>
+                </a:solidFill>
+              </a:rPr>
+              <a:t>language</a:t>
+            </a:r>
+            <a:r>
+              <a:rPr lang="pl-PL" dirty="0">
+                <a:solidFill>
+                  <a:schemeClr val="accent4"/>
+                </a:solidFill>
+              </a:rPr>
+              <a:t> </a:t>
+            </a:r>
+            <a:r>
+              <a:rPr lang="pl-PL" dirty="0" err="1">
+                <a:solidFill>
+                  <a:schemeClr val="accent4"/>
+                </a:solidFill>
+              </a:rPr>
+              <a:t>agnostic</a:t>
+            </a:r>
+            <a:endParaRPr lang="pl-PL" dirty="0">
+              <a:solidFill>
+                <a:srgbClr val="FFFF00"/>
+              </a:solidFill>
+            </a:endParaRPr>
+          </a:p>
+          <a:p>
+            <a:pPr>
+              <a:lnSpc>
+                <a:spcPct val="100000"/>
+              </a:lnSpc>
+            </a:pPr>
+            <a:endParaRPr lang="pl-PL" sz="2400" dirty="0">
+              <a:solidFill>
+                <a:schemeClr val="tx1"/>
+              </a:solidFill>
+            </a:endParaRPr>
+          </a:p>
+          <a:p>
+            <a:pPr>
+              <a:lnSpc>
+                <a:spcPct val="100000"/>
+              </a:lnSpc>
+            </a:pPr>
+            <a:r>
+              <a:rPr lang="pl-PL" sz="2400" dirty="0" err="1">
+                <a:solidFill>
+                  <a:schemeClr val="tx1"/>
+                </a:solidFill>
+              </a:rPr>
+              <a:t>Code-first</a:t>
+            </a:r>
+            <a:r>
+              <a:rPr lang="pl-PL" sz="2400" dirty="0">
+                <a:solidFill>
+                  <a:schemeClr val="tx1"/>
+                </a:solidFill>
+              </a:rPr>
+              <a:t> </a:t>
+            </a:r>
+            <a:r>
+              <a:rPr lang="pl-PL" sz="2400" dirty="0" err="1">
+                <a:solidFill>
+                  <a:schemeClr val="tx1"/>
+                </a:solidFill>
+              </a:rPr>
+              <a:t>approach</a:t>
+            </a:r>
+            <a:endParaRPr lang="pl-PL" sz="2400" dirty="0">
+              <a:solidFill>
+                <a:schemeClr val="tx1"/>
+              </a:solidFill>
+            </a:endParaRPr>
+          </a:p>
+          <a:p>
+            <a:pPr marL="457200" lvl="1" indent="0">
+              <a:lnSpc>
+                <a:spcPct val="100000"/>
+              </a:lnSpc>
+              <a:buNone/>
+            </a:pPr>
+            <a:r>
+              <a:rPr lang="pl-PL" dirty="0">
+                <a:solidFill>
+                  <a:schemeClr val="accent4"/>
+                </a:solidFill>
+              </a:rPr>
+              <a:t>+ </a:t>
+            </a:r>
+            <a:r>
+              <a:rPr lang="pl-PL" dirty="0" err="1">
+                <a:solidFill>
+                  <a:schemeClr val="accent4"/>
+                </a:solidFill>
+              </a:rPr>
+              <a:t>cheaper</a:t>
+            </a:r>
+            <a:r>
+              <a:rPr lang="pl-PL" dirty="0">
+                <a:solidFill>
+                  <a:schemeClr val="accent4"/>
+                </a:solidFill>
+              </a:rPr>
+              <a:t> to start</a:t>
+            </a:r>
+          </a:p>
+          <a:p>
+            <a:pPr marL="457200" lvl="1" indent="0">
+              <a:lnSpc>
+                <a:spcPct val="100000"/>
+              </a:lnSpc>
+              <a:buNone/>
+            </a:pPr>
+            <a:r>
+              <a:rPr lang="pl-PL" dirty="0">
+                <a:solidFill>
+                  <a:schemeClr val="accent4"/>
+                </a:solidFill>
+              </a:rPr>
+              <a:t>+ </a:t>
+            </a:r>
+            <a:r>
+              <a:rPr lang="pl-PL" dirty="0" err="1">
+                <a:solidFill>
+                  <a:schemeClr val="accent4"/>
+                </a:solidFill>
+              </a:rPr>
+              <a:t>easier</a:t>
+            </a:r>
+            <a:r>
+              <a:rPr lang="pl-PL" dirty="0">
+                <a:solidFill>
+                  <a:schemeClr val="accent4"/>
+                </a:solidFill>
+              </a:rPr>
+              <a:t> to </a:t>
+            </a:r>
+            <a:r>
+              <a:rPr lang="pl-PL" dirty="0" err="1">
+                <a:solidFill>
+                  <a:schemeClr val="accent4"/>
+                </a:solidFill>
+              </a:rPr>
+              <a:t>maintain</a:t>
+            </a:r>
+            <a:endParaRPr lang="pl-PL" dirty="0">
+              <a:solidFill>
+                <a:schemeClr val="accent4"/>
+              </a:solidFill>
+            </a:endParaRPr>
+          </a:p>
+          <a:p>
+            <a:pPr marL="457200" lvl="1" indent="0">
+              <a:lnSpc>
+                <a:spcPct val="100000"/>
+              </a:lnSpc>
+              <a:buNone/>
+            </a:pPr>
+            <a:r>
+              <a:rPr lang="pl-PL" dirty="0">
+                <a:solidFill>
+                  <a:schemeClr val="accent4"/>
+                </a:solidFill>
+              </a:rPr>
+              <a:t>+ </a:t>
+            </a:r>
+            <a:r>
+              <a:rPr lang="pl-PL" dirty="0" err="1">
+                <a:solidFill>
+                  <a:schemeClr val="accent4"/>
+                </a:solidFill>
+              </a:rPr>
+              <a:t>more</a:t>
+            </a:r>
+            <a:r>
+              <a:rPr lang="pl-PL" dirty="0">
+                <a:solidFill>
+                  <a:schemeClr val="accent4"/>
+                </a:solidFill>
+              </a:rPr>
+              <a:t> </a:t>
+            </a:r>
+            <a:r>
+              <a:rPr lang="pl-PL" dirty="0" err="1">
+                <a:solidFill>
+                  <a:schemeClr val="accent4"/>
+                </a:solidFill>
+              </a:rPr>
+              <a:t>natural</a:t>
+            </a:r>
+            <a:r>
+              <a:rPr lang="pl-PL" dirty="0">
+                <a:solidFill>
+                  <a:schemeClr val="accent4"/>
+                </a:solidFill>
+              </a:rPr>
+              <a:t> for </a:t>
+            </a:r>
+            <a:r>
+              <a:rPr lang="pl-PL" dirty="0" err="1">
+                <a:solidFill>
+                  <a:schemeClr val="accent4"/>
+                </a:solidFill>
+              </a:rPr>
+              <a:t>developers</a:t>
+            </a:r>
+            <a:endParaRPr lang="pl-PL" dirty="0">
+              <a:solidFill>
+                <a:schemeClr val="accent4"/>
+              </a:solidFill>
+            </a:endParaRPr>
+          </a:p>
+          <a:p>
+            <a:pPr marL="457200" lvl="1" indent="0">
+              <a:lnSpc>
+                <a:spcPct val="100000"/>
+              </a:lnSpc>
+              <a:buNone/>
+            </a:pPr>
+            <a:r>
+              <a:rPr lang="pl-PL" dirty="0">
+                <a:solidFill>
+                  <a:schemeClr val="accent4"/>
+                </a:solidFill>
+              </a:rPr>
+              <a:t>+ no </a:t>
+            </a:r>
+            <a:r>
+              <a:rPr lang="pl-PL" dirty="0" err="1">
+                <a:solidFill>
+                  <a:schemeClr val="accent4"/>
+                </a:solidFill>
+              </a:rPr>
+              <a:t>code</a:t>
+            </a:r>
+            <a:r>
+              <a:rPr lang="pl-PL" dirty="0">
+                <a:solidFill>
+                  <a:schemeClr val="accent4"/>
+                </a:solidFill>
+              </a:rPr>
+              <a:t> </a:t>
+            </a:r>
+            <a:r>
+              <a:rPr lang="pl-PL" dirty="0" err="1">
+                <a:solidFill>
+                  <a:schemeClr val="accent4"/>
+                </a:solidFill>
+              </a:rPr>
+              <a:t>is</a:t>
+            </a:r>
+            <a:r>
+              <a:rPr lang="pl-PL" dirty="0">
+                <a:solidFill>
+                  <a:schemeClr val="accent4"/>
+                </a:solidFill>
+              </a:rPr>
+              <a:t> </a:t>
+            </a:r>
+            <a:r>
+              <a:rPr lang="pl-PL" dirty="0" err="1">
+                <a:solidFill>
+                  <a:schemeClr val="accent4"/>
+                </a:solidFill>
+              </a:rPr>
+              <a:t>generated</a:t>
+            </a:r>
+            <a:endParaRPr lang="pl-PL" dirty="0">
+              <a:solidFill>
+                <a:schemeClr val="accent4"/>
+              </a:solidFill>
+            </a:endParaRPr>
+          </a:p>
+          <a:p>
+            <a:pPr marL="457200" lvl="1" indent="0">
+              <a:lnSpc>
+                <a:spcPct val="100000"/>
+              </a:lnSpc>
+              <a:buNone/>
+            </a:pPr>
+            <a:endParaRPr lang="pl-PL" dirty="0">
+              <a:solidFill>
+                <a:srgbClr val="FFFF00"/>
+              </a:solidFill>
+            </a:endParaRPr>
+          </a:p>
+          <a:p>
+            <a:pPr marL="457200" lvl="1" indent="0">
+              <a:lnSpc>
+                <a:spcPct val="100000"/>
+              </a:lnSpc>
+              <a:buNone/>
+            </a:pPr>
+            <a:r>
+              <a:rPr lang="pl-PL" dirty="0">
+                <a:solidFill>
+                  <a:srgbClr val="FFFF00"/>
+                </a:solidFill>
+              </a:rPr>
+              <a:t>- </a:t>
+            </a:r>
+            <a:r>
+              <a:rPr lang="pl-PL" dirty="0" err="1">
+                <a:solidFill>
+                  <a:srgbClr val="FFFF00"/>
+                </a:solidFill>
+              </a:rPr>
+              <a:t>usually</a:t>
+            </a:r>
+            <a:r>
+              <a:rPr lang="pl-PL" dirty="0">
+                <a:solidFill>
+                  <a:srgbClr val="FFFF00"/>
+                </a:solidFill>
+              </a:rPr>
+              <a:t> </a:t>
+            </a:r>
+            <a:r>
+              <a:rPr lang="pl-PL" dirty="0" err="1">
+                <a:solidFill>
+                  <a:srgbClr val="FFFF00"/>
+                </a:solidFill>
+              </a:rPr>
+              <a:t>requires</a:t>
+            </a:r>
+            <a:r>
+              <a:rPr lang="pl-PL" dirty="0">
+                <a:solidFill>
+                  <a:srgbClr val="FFFF00"/>
+                </a:solidFill>
+              </a:rPr>
+              <a:t> </a:t>
+            </a:r>
+            <a:r>
+              <a:rPr lang="pl-PL" dirty="0" err="1">
+                <a:solidFill>
+                  <a:srgbClr val="FFFF00"/>
+                </a:solidFill>
+              </a:rPr>
+              <a:t>bigger</a:t>
+            </a:r>
+            <a:r>
+              <a:rPr lang="pl-PL" dirty="0">
+                <a:solidFill>
+                  <a:srgbClr val="FFFF00"/>
+                </a:solidFill>
+              </a:rPr>
+              <a:t> </a:t>
+            </a:r>
+            <a:r>
+              <a:rPr lang="pl-PL" dirty="0" err="1">
+                <a:solidFill>
+                  <a:srgbClr val="FFFF00"/>
+                </a:solidFill>
+              </a:rPr>
+              <a:t>effort</a:t>
+            </a:r>
+            <a:r>
+              <a:rPr lang="pl-PL" dirty="0">
+                <a:solidFill>
+                  <a:srgbClr val="FFFF00"/>
+                </a:solidFill>
+              </a:rPr>
+              <a:t> </a:t>
+            </a:r>
+            <a:r>
+              <a:rPr lang="pl-PL" dirty="0" err="1">
+                <a:solidFill>
+                  <a:srgbClr val="FFFF00"/>
+                </a:solidFill>
+              </a:rPr>
+              <a:t>upfront</a:t>
+            </a:r>
+            <a:endParaRPr lang="pl-PL" dirty="0">
+              <a:solidFill>
+                <a:srgbClr val="FFFF00"/>
+              </a:solidFill>
+            </a:endParaRPr>
+          </a:p>
+          <a:p>
+            <a:pPr marL="457200" lvl="1" indent="0">
+              <a:lnSpc>
+                <a:spcPct val="100000"/>
+              </a:lnSpc>
+              <a:buNone/>
+            </a:pPr>
+            <a:r>
+              <a:rPr lang="pl-PL" dirty="0">
+                <a:solidFill>
+                  <a:srgbClr val="FFFF00"/>
+                </a:solidFill>
+              </a:rPr>
+              <a:t>- </a:t>
+            </a:r>
+            <a:r>
+              <a:rPr lang="pl-PL" dirty="0" err="1">
+                <a:solidFill>
+                  <a:srgbClr val="FFFF00"/>
+                </a:solidFill>
+              </a:rPr>
+              <a:t>can</a:t>
+            </a:r>
+            <a:r>
+              <a:rPr lang="pl-PL" dirty="0">
+                <a:solidFill>
+                  <a:srgbClr val="FFFF00"/>
+                </a:solidFill>
+              </a:rPr>
+              <a:t> be </a:t>
+            </a:r>
+            <a:r>
+              <a:rPr lang="pl-PL" dirty="0" err="1">
+                <a:solidFill>
+                  <a:srgbClr val="FFFF00"/>
+                </a:solidFill>
+              </a:rPr>
+              <a:t>done</a:t>
+            </a:r>
+            <a:r>
+              <a:rPr lang="pl-PL" dirty="0">
+                <a:solidFill>
+                  <a:srgbClr val="FFFF00"/>
+                </a:solidFill>
+              </a:rPr>
+              <a:t> </a:t>
+            </a:r>
+            <a:r>
+              <a:rPr lang="pl-PL" dirty="0" err="1">
+                <a:solidFill>
+                  <a:srgbClr val="FFFF00"/>
+                </a:solidFill>
+              </a:rPr>
+              <a:t>without</a:t>
+            </a:r>
+            <a:r>
+              <a:rPr lang="pl-PL" dirty="0">
+                <a:solidFill>
+                  <a:srgbClr val="FFFF00"/>
+                </a:solidFill>
+              </a:rPr>
+              <a:t> </a:t>
+            </a:r>
+            <a:r>
+              <a:rPr lang="pl-PL" dirty="0" err="1">
+                <a:solidFill>
+                  <a:srgbClr val="FFFF00"/>
+                </a:solidFill>
+              </a:rPr>
+              <a:t>writing</a:t>
+            </a:r>
+            <a:r>
+              <a:rPr lang="pl-PL" dirty="0">
+                <a:solidFill>
+                  <a:srgbClr val="FFFF00"/>
+                </a:solidFill>
+              </a:rPr>
+              <a:t> single </a:t>
+            </a:r>
+            <a:r>
+              <a:rPr lang="pl-PL" dirty="0" err="1">
+                <a:solidFill>
+                  <a:srgbClr val="FFFF00"/>
+                </a:solidFill>
+              </a:rPr>
+              <a:t>line</a:t>
+            </a:r>
+            <a:r>
+              <a:rPr lang="pl-PL" dirty="0">
+                <a:solidFill>
+                  <a:srgbClr val="FFFF00"/>
+                </a:solidFill>
+              </a:rPr>
+              <a:t> of </a:t>
+            </a:r>
+            <a:r>
+              <a:rPr lang="pl-PL" dirty="0" err="1">
+                <a:solidFill>
+                  <a:srgbClr val="FFFF00"/>
+                </a:solidFill>
+              </a:rPr>
+              <a:t>code</a:t>
+            </a:r>
+            <a:endParaRPr lang="pl-PL" dirty="0">
+              <a:solidFill>
+                <a:srgbClr val="FFFF00"/>
+              </a:solidFill>
+            </a:endParaRPr>
+          </a:p>
+          <a:p>
+            <a:pPr marL="457200" lvl="1" indent="0">
+              <a:lnSpc>
+                <a:spcPct val="100000"/>
+              </a:lnSpc>
+              <a:buNone/>
+            </a:pPr>
+            <a:r>
+              <a:rPr lang="pl-PL" dirty="0">
+                <a:solidFill>
+                  <a:srgbClr val="FFFF00"/>
+                </a:solidFill>
+              </a:rPr>
+              <a:t>- we </a:t>
+            </a:r>
+            <a:r>
+              <a:rPr lang="pl-PL" dirty="0" err="1">
+                <a:solidFill>
+                  <a:srgbClr val="FFFF00"/>
+                </a:solidFill>
+              </a:rPr>
+              <a:t>deal</a:t>
+            </a:r>
+            <a:r>
+              <a:rPr lang="pl-PL" dirty="0">
+                <a:solidFill>
+                  <a:srgbClr val="FFFF00"/>
+                </a:solidFill>
+              </a:rPr>
+              <a:t> with </a:t>
+            </a:r>
+            <a:r>
+              <a:rPr lang="pl-PL" dirty="0" err="1">
+                <a:solidFill>
+                  <a:srgbClr val="FFFF00"/>
+                </a:solidFill>
+              </a:rPr>
+              <a:t>both</a:t>
+            </a:r>
+            <a:r>
+              <a:rPr lang="pl-PL" dirty="0">
+                <a:solidFill>
+                  <a:srgbClr val="FFFF00"/>
+                </a:solidFill>
+              </a:rPr>
+              <a:t> </a:t>
+            </a:r>
+            <a:r>
+              <a:rPr lang="pl-PL" dirty="0" err="1">
+                <a:solidFill>
+                  <a:srgbClr val="FFFF00"/>
+                </a:solidFill>
+              </a:rPr>
+              <a:t>written</a:t>
+            </a:r>
+            <a:r>
+              <a:rPr lang="pl-PL" dirty="0">
+                <a:solidFill>
+                  <a:srgbClr val="FFFF00"/>
+                </a:solidFill>
+              </a:rPr>
+              <a:t> and </a:t>
+            </a:r>
+            <a:r>
+              <a:rPr lang="pl-PL" dirty="0" err="1">
+                <a:solidFill>
+                  <a:srgbClr val="FFFF00"/>
+                </a:solidFill>
+              </a:rPr>
+              <a:t>generated</a:t>
+            </a:r>
+            <a:r>
+              <a:rPr lang="pl-PL" dirty="0">
+                <a:solidFill>
+                  <a:srgbClr val="FFFF00"/>
+                </a:solidFill>
+              </a:rPr>
+              <a:t> </a:t>
+            </a:r>
+            <a:r>
+              <a:rPr lang="pl-PL" dirty="0" err="1">
+                <a:solidFill>
+                  <a:srgbClr val="FFFF00"/>
+                </a:solidFill>
+              </a:rPr>
+              <a:t>code</a:t>
+            </a:r>
+            <a:endParaRPr lang="pl-PL" dirty="0">
+              <a:solidFill>
+                <a:srgbClr val="FFFF00"/>
+              </a:solidFill>
+            </a:endParaRPr>
+          </a:p>
+          <a:p>
+            <a:pPr marL="457200" lvl="1" indent="0">
+              <a:lnSpc>
+                <a:spcPct val="100000"/>
+              </a:lnSpc>
+              <a:buNone/>
+            </a:pPr>
+            <a:endParaRPr lang="pl-PL" sz="3600" dirty="0">
+              <a:solidFill>
+                <a:srgbClr val="FFFF00"/>
+              </a:solidFill>
+            </a:endParaRPr>
+          </a:p>
+          <a:p>
+            <a:pPr lvl="1">
+              <a:lnSpc>
+                <a:spcPct val="100000"/>
               </a:lnSpc>
               <a:buFontTx/>
               <a:buChar char="-"/>
             </a:pPr>
             <a:r>
-              <a:rPr lang="pl-PL" sz="2000" dirty="0">
-                <a:hlinkClick r:id="rId3"/>
+              <a:rPr lang="pl-PL" dirty="0">
+                <a:solidFill>
+                  <a:srgbClr val="FFFF00"/>
+                </a:solidFill>
               </a:rPr>
-              <a:t>https://images-na.ssl-images-amazon.com/images/G/01/gc/designs/livepreview/amazon_drkblue_noto_printfold_v2016_us-main._CB468920742_.png</a:t>
-            </a:r>
-            <a:endParaRPr lang="pl-PL" sz="2000" dirty="0"/>
-          </a:p>
-          <a:p>
-            <a:pPr>
+              <a:t>no </a:t>
+            </a:r>
+            <a:r>
+              <a:rPr lang="pl-PL" dirty="0" err="1">
+                <a:solidFill>
+                  <a:srgbClr val="FFFF00"/>
+                </a:solidFill>
+              </a:rPr>
+              <a:t>code</a:t>
+            </a:r>
+            <a:r>
+              <a:rPr lang="pl-PL" dirty="0">
+                <a:solidFill>
+                  <a:srgbClr val="FFFF00"/>
+                </a:solidFill>
+              </a:rPr>
+              <a:t> </a:t>
+            </a:r>
+            <a:r>
+              <a:rPr lang="pl-PL" dirty="0" err="1">
+                <a:solidFill>
+                  <a:srgbClr val="FFFF00"/>
+                </a:solidFill>
+              </a:rPr>
+              <a:t>is</a:t>
+            </a:r>
+            <a:r>
+              <a:rPr lang="pl-PL" dirty="0">
+                <a:solidFill>
+                  <a:srgbClr val="FFFF00"/>
+                </a:solidFill>
+              </a:rPr>
+              <a:t> </a:t>
+            </a:r>
+            <a:r>
+              <a:rPr lang="pl-PL" dirty="0" err="1">
+                <a:solidFill>
+                  <a:srgbClr val="FFFF00"/>
+                </a:solidFill>
+              </a:rPr>
+              <a:t>generated</a:t>
+            </a:r>
+            <a:endParaRPr lang="pl-PL" dirty="0">
+              <a:solidFill>
+                <a:srgbClr val="FFFF00"/>
+              </a:solidFill>
+            </a:endParaRPr>
+          </a:p>
+          <a:p>
+            <a:pPr lvl="1">
               <a:lnSpc>
-                <a:spcPct val="110000"/>
+                <a:spcPct val="100000"/>
               </a:lnSpc>
               <a:buFontTx/>
               <a:buChar char="-"/>
             </a:pPr>
             <a:r>
-              <a:rPr lang="pl-PL" sz="2000" dirty="0">
-                <a:hlinkClick r:id="rId4"/>
+              <a:rPr lang="pl-PL" dirty="0" err="1">
+                <a:solidFill>
+                  <a:srgbClr val="FFFF00"/>
+                </a:solidFill>
               </a:rPr>
-              <a:t>https://encrypted-tbn0.gstatic.com/images?q=tbn:ANd9GcT3zsc2wmEIINVgMrPJGjIgqL9_vCDsDk8Vo5-er6hWZOvhOwMcdg&amp;s</a:t>
-            </a:r>
-            <a:endParaRPr lang="pl-PL" sz="2000" dirty="0"/>
-          </a:p>
+              <a:t>is</a:t>
+            </a:r>
+            <a:r>
+              <a:rPr lang="pl-PL" dirty="0">
+                <a:solidFill>
+                  <a:srgbClr val="FFFF00"/>
+                </a:solidFill>
+              </a:rPr>
+              <a:t> </a:t>
+            </a:r>
+            <a:r>
+              <a:rPr lang="pl-PL" dirty="0" err="1">
+                <a:solidFill>
+                  <a:srgbClr val="FFFF00"/>
+                </a:solidFill>
+              </a:rPr>
+              <a:t>tied</a:t>
+            </a:r>
+            <a:r>
+              <a:rPr lang="pl-PL" dirty="0">
+                <a:solidFill>
+                  <a:srgbClr val="FFFF00"/>
+                </a:solidFill>
+              </a:rPr>
+              <a:t> to </a:t>
+            </a:r>
+            <a:r>
+              <a:rPr lang="pl-PL" dirty="0" err="1">
+                <a:solidFill>
+                  <a:srgbClr val="FFFF00"/>
+                </a:solidFill>
+              </a:rPr>
+              <a:t>language</a:t>
+            </a:r>
+            <a:endParaRPr lang="pl-PL" dirty="0">
+              <a:solidFill>
+                <a:srgbClr val="FFFF00"/>
+              </a:solidFill>
+            </a:endParaRPr>
+          </a:p>
+        </p:txBody>
+      </p:sp>
+    </p:spTree>
+    <p:extLst>
+      <p:ext uri="{BB962C8B-B14F-4D97-AF65-F5344CB8AC3E}">
+        <p14:creationId xmlns:p14="http://schemas.microsoft.com/office/powerpoint/2010/main" val="3602640268"/>
+      </p:ext>
+    </p:extLst>
+  </p:cSld>
+  <p:clrMapOvr>
+    <a:masterClrMapping/>
+  </p:clrMapOvr>
+</p:sld>
+</file>
+
+<file path=ppt/slides/slide5.xml><?xml version="1.0" encoding="utf-8"?>
+<p:sld xmlns:a="http://schemas.openxmlformats.org/drawingml/2006/main" xmlns:r="http://schemas.openxmlformats.org/officeDocument/2006/relationships" xmlns:p="http://schemas.openxmlformats.org/presentationml/2006/main">
+  <p:cSld>
+    <p:spTree>
+      <p:nvGrpSpPr>
+        <p:cNvPr id="1" name=""/>
+        <p:cNvGrpSpPr/>
+        <p:nvPr/>
+      </p:nvGrpSpPr>
+      <p:grpSpPr>
+        <a:xfrm>
+          <a:off x="0" y="0"/>
+          <a:ext cx="0" cy="0"/>
+          <a:chOff x="0" y="0"/>
+          <a:chExt cx="0" cy="0"/>
+        </a:xfrm>
+      </p:grpSpPr>
+      <p:sp>
+        <p:nvSpPr>
+          <p:cNvPr id="2" name="Title 1">
+            <a:extLst>
+              <a:ext uri="{FF2B5EF4-FFF2-40B4-BE49-F238E27FC236}">
+                <a16:creationId xmlns:a16="http://schemas.microsoft.com/office/drawing/2014/main" id="{63D0D55E-A94D-49AE-AB94-F3564CBE62F7}"/>
+              </a:ext>
+            </a:extLst>
+          </p:cNvPr>
+          <p:cNvSpPr>
+            <a:spLocks noGrp="1"/>
+          </p:cNvSpPr>
+          <p:nvPr>
+            <p:ph type="title"/>
+          </p:nvPr>
+        </p:nvSpPr>
+        <p:spPr/>
+        <p:txBody>
+          <a:bodyPr/>
+          <a:lstStyle/>
+          <a:p>
+            <a:r>
+              <a:rPr lang="pl-PL"/>
+              <a:t>Why do we test?</a:t>
+            </a:r>
+            <a:endParaRPr lang="pl-PL" dirty="0"/>
+          </a:p>
+        </p:txBody>
+      </p:sp>
+      <p:sp>
+        <p:nvSpPr>
+          <p:cNvPr id="3" name="Content Placeholder 2">
+            <a:extLst>
+              <a:ext uri="{FF2B5EF4-FFF2-40B4-BE49-F238E27FC236}">
+                <a16:creationId xmlns:a16="http://schemas.microsoft.com/office/drawing/2014/main" id="{CCBF6768-B6BA-400B-B425-0E7C34F1CD39}"/>
+              </a:ext>
+            </a:extLst>
+          </p:cNvPr>
+          <p:cNvSpPr>
+            <a:spLocks noGrp="1"/>
+          </p:cNvSpPr>
+          <p:nvPr>
+            <p:ph idx="1"/>
+          </p:nvPr>
+        </p:nvSpPr>
+        <p:spPr/>
+        <p:txBody>
+          <a:bodyPr anchor="ctr">
+            <a:normAutofit/>
+          </a:bodyPr>
+          <a:lstStyle/>
           <a:p>
             <a:pPr>
               <a:lnSpc>
-                <a:spcPct val="110000"/>
+                <a:spcPct val="150000"/>
               </a:lnSpc>
               <a:buFontTx/>
               <a:buChar char="-"/>
             </a:pPr>
             <a:r>
-              <a:rPr lang="pl-PL" sz="2000" dirty="0">
-                <a:hlinkClick r:id="rId5"/>
-              </a:rPr>
-              <a:t>https://czytio.pl/images/408/maxi/amazon-kindle-10-front.jpg</a:t>
-            </a:r>
-            <a:endParaRPr lang="pl-PL" sz="2000" dirty="0"/>
+              <a:rPr lang="pl-PL" dirty="0"/>
+              <a:t>To </a:t>
+            </a:r>
+            <a:r>
+              <a:rPr lang="pl-PL" dirty="0" err="1"/>
+              <a:t>check</a:t>
+            </a:r>
+            <a:r>
+              <a:rPr lang="pl-PL" dirty="0"/>
+              <a:t> </a:t>
+            </a:r>
+            <a:r>
+              <a:rPr lang="pl-PL" dirty="0" err="1"/>
+              <a:t>if</a:t>
+            </a:r>
+            <a:r>
+              <a:rPr lang="pl-PL" dirty="0"/>
+              <a:t> </a:t>
+            </a:r>
+            <a:r>
+              <a:rPr lang="pl-PL" dirty="0" err="1"/>
+              <a:t>our</a:t>
+            </a:r>
+            <a:r>
+              <a:rPr lang="pl-PL" dirty="0"/>
+              <a:t> </a:t>
+            </a:r>
+            <a:r>
+              <a:rPr lang="pl-PL" dirty="0" err="1"/>
+              <a:t>code</a:t>
+            </a:r>
+            <a:r>
+              <a:rPr lang="pl-PL" dirty="0"/>
+              <a:t> </a:t>
+            </a:r>
+            <a:r>
+              <a:rPr lang="pl-PL" dirty="0" err="1"/>
+              <a:t>behaves</a:t>
+            </a:r>
+            <a:r>
+              <a:rPr lang="pl-PL" dirty="0"/>
+              <a:t> as </a:t>
+            </a:r>
+            <a:r>
+              <a:rPr lang="pl-PL" dirty="0" err="1"/>
+              <a:t>expected</a:t>
+            </a:r>
+            <a:endParaRPr lang="pl-PL" dirty="0"/>
           </a:p>
           <a:p>
             <a:pPr>
               <a:lnSpc>
-                <a:spcPct val="110000"/>
+                <a:spcPct val="150000"/>
               </a:lnSpc>
               <a:buFontTx/>
               <a:buChar char="-"/>
             </a:pPr>
             <a:r>
-              <a:rPr lang="pl-PL" sz="2000" dirty="0">
-                <a:hlinkClick r:id="rId6"/>
-              </a:rPr>
-              <a:t>https://images.ctfassets.net/1es3ne0caaid/4qnEjwkNAIiAmYcms8iKua/5173990eceb6223dc08e6607636dcc48/clean-architecture-ex-1.jpeg</a:t>
-            </a:r>
-            <a:endParaRPr lang="pl-PL" sz="2000" dirty="0"/>
+              <a:rPr lang="pl-PL" dirty="0"/>
+              <a:t>To </a:t>
+            </a:r>
+            <a:r>
+              <a:rPr lang="pl-PL" dirty="0" err="1"/>
+              <a:t>have</a:t>
+            </a:r>
+            <a:r>
+              <a:rPr lang="pl-PL" dirty="0"/>
+              <a:t> </a:t>
+            </a:r>
+            <a:r>
+              <a:rPr lang="pl-PL" dirty="0" err="1"/>
+              <a:t>better</a:t>
+            </a:r>
+            <a:r>
+              <a:rPr lang="pl-PL" dirty="0"/>
+              <a:t> design</a:t>
+            </a:r>
           </a:p>
           <a:p>
             <a:pPr>
               <a:lnSpc>
-                <a:spcPct val="110000"/>
+                <a:spcPct val="150000"/>
               </a:lnSpc>
               <a:buFontTx/>
               <a:buChar char="-"/>
             </a:pPr>
             <a:r>
-              <a:rPr lang="pl-PL" sz="2000" dirty="0">
-                <a:hlinkClick r:id="rId7"/>
-              </a:rPr>
-              <a:t>https://images.ctfassets.net/1es3ne0caaid/2Qd2FVYAqIEowM0GySIMyM/5d6acdc87b8149732a6b750fcb09c4b7/clean-architecture-ex-2.jpeg</a:t>
-            </a:r>
-            <a:endParaRPr lang="pl-PL" sz="2000" dirty="0"/>
+              <a:rPr lang="pl-PL" dirty="0"/>
+              <a:t>To </a:t>
+            </a:r>
+            <a:r>
+              <a:rPr lang="pl-PL" dirty="0" err="1"/>
+              <a:t>check</a:t>
+            </a:r>
+            <a:r>
+              <a:rPr lang="pl-PL" dirty="0"/>
+              <a:t> </a:t>
+            </a:r>
+            <a:r>
+              <a:rPr lang="pl-PL" dirty="0" err="1"/>
+              <a:t>if</a:t>
+            </a:r>
+            <a:r>
+              <a:rPr lang="pl-PL" dirty="0"/>
+              <a:t> performance of </a:t>
+            </a:r>
+            <a:r>
+              <a:rPr lang="pl-PL" dirty="0" err="1"/>
+              <a:t>codebase</a:t>
+            </a:r>
+            <a:r>
+              <a:rPr lang="pl-PL" dirty="0"/>
+              <a:t> </a:t>
+            </a:r>
+            <a:r>
+              <a:rPr lang="pl-PL" dirty="0" err="1"/>
+              <a:t>is</a:t>
+            </a:r>
+            <a:r>
+              <a:rPr lang="pl-PL" dirty="0"/>
+              <a:t> </a:t>
+            </a:r>
+            <a:r>
+              <a:rPr lang="pl-PL" dirty="0" err="1"/>
+              <a:t>sufficient</a:t>
+            </a:r>
+            <a:endParaRPr lang="pl-PL" dirty="0"/>
           </a:p>
           <a:p>
             <a:pPr>
               <a:lnSpc>
-                <a:spcPct val="110000"/>
+                <a:spcPct val="150000"/>
               </a:lnSpc>
               <a:buFontTx/>
               <a:buChar char="-"/>
             </a:pPr>
             <a:r>
-              <a:rPr lang="pl-PL" sz="2000" dirty="0">
-                <a:hlinkClick r:id="rId8"/>
-              </a:rPr>
-              <a:t>https://sourcemaking.com/design_patterns/visitor</a:t>
-            </a:r>
-            <a:endParaRPr lang="pl-PL" sz="2000" dirty="0"/>
+              <a:rPr lang="pl-PL" dirty="0"/>
+              <a:t>To </a:t>
+            </a:r>
+            <a:r>
+              <a:rPr lang="pl-PL" dirty="0" err="1"/>
+              <a:t>have</a:t>
+            </a:r>
+            <a:r>
+              <a:rPr lang="pl-PL" dirty="0"/>
+              <a:t> </a:t>
+            </a:r>
+            <a:r>
+              <a:rPr lang="pl-PL" dirty="0" err="1"/>
+              <a:t>regression</a:t>
+            </a:r>
+            <a:r>
+              <a:rPr lang="pl-PL" dirty="0"/>
+              <a:t> </a:t>
+            </a:r>
+            <a:r>
+              <a:rPr lang="pl-PL" dirty="0" err="1"/>
+              <a:t>suite</a:t>
+            </a:r>
+            <a:r>
+              <a:rPr lang="pl-PL" dirty="0"/>
+              <a:t> </a:t>
+            </a:r>
           </a:p>
           <a:p>
             <a:pPr>
               <a:lnSpc>
-                <a:spcPct val="110000"/>
+                <a:spcPct val="150000"/>
               </a:lnSpc>
               <a:buFontTx/>
               <a:buChar char="-"/>
             </a:pPr>
             <a:r>
-              <a:rPr lang="pl-PL" sz="2000" dirty="0">
-                <a:hlinkClick r:id="rId9"/>
-              </a:rPr>
-              <a:t>https://sourcemaking.com/design_patterns/strategy</a:t>
-            </a:r>
-            <a:endParaRPr lang="pl-PL" sz="2000" dirty="0"/>
+              <a:rPr lang="pl-PL" dirty="0"/>
+              <a:t>To </a:t>
+            </a:r>
+            <a:r>
+              <a:rPr lang="pl-PL" dirty="0" err="1"/>
+              <a:t>check</a:t>
+            </a:r>
+            <a:r>
+              <a:rPr lang="pl-PL" dirty="0"/>
+              <a:t> </a:t>
+            </a:r>
+            <a:r>
+              <a:rPr lang="pl-PL" dirty="0" err="1"/>
+              <a:t>if</a:t>
+            </a:r>
+            <a:r>
+              <a:rPr lang="pl-PL" dirty="0"/>
+              <a:t> in no </a:t>
+            </a:r>
+            <a:r>
+              <a:rPr lang="pl-PL" dirty="0" err="1"/>
+              <a:t>memory</a:t>
+            </a:r>
+            <a:r>
+              <a:rPr lang="pl-PL" dirty="0"/>
+              <a:t>/</a:t>
+            </a:r>
+            <a:r>
+              <a:rPr lang="pl-PL" dirty="0" err="1"/>
+              <a:t>thread</a:t>
+            </a:r>
+            <a:r>
+              <a:rPr lang="pl-PL" dirty="0"/>
+              <a:t> </a:t>
+            </a:r>
+            <a:r>
+              <a:rPr lang="pl-PL" dirty="0" err="1"/>
+              <a:t>leaks</a:t>
+            </a:r>
+            <a:r>
+              <a:rPr lang="pl-PL" dirty="0"/>
+              <a:t> </a:t>
+            </a:r>
+            <a:r>
+              <a:rPr lang="pl-PL" dirty="0" err="1"/>
+              <a:t>are</a:t>
+            </a:r>
+            <a:r>
+              <a:rPr lang="pl-PL" dirty="0"/>
+              <a:t> </a:t>
+            </a:r>
+            <a:r>
+              <a:rPr lang="pl-PL" dirty="0" err="1"/>
+              <a:t>present</a:t>
+            </a:r>
+            <a:r>
+              <a:rPr lang="pl-PL" dirty="0"/>
+              <a:t> in </a:t>
+            </a:r>
+            <a:r>
+              <a:rPr lang="pl-PL" dirty="0" err="1"/>
+              <a:t>codebase</a:t>
+            </a:r>
+            <a:endParaRPr lang="pl-PL" dirty="0"/>
           </a:p>
           <a:p>
             <a:pPr>
               <a:lnSpc>
-                <a:spcPct val="110000"/>
+                <a:spcPct val="150000"/>
               </a:lnSpc>
               <a:buFontTx/>
               <a:buChar char="-"/>
             </a:pPr>
-            <a:r>
-              <a:rPr lang="pl-PL" sz="2000" dirty="0">
-                <a:hlinkClick r:id="rId10"/>
-              </a:rPr>
-              <a:t>https://sourcemaking.com/design_patterns/adapter</a:t>
-            </a:r>
-            <a:endParaRPr lang="pl-PL" sz="2000" dirty="0"/>
-          </a:p>
-          <a:p>
-            <a:pPr>
-              <a:lnSpc>
-                <a:spcPct val="110000"/>
-              </a:lnSpc>
-              <a:buFontTx/>
-              <a:buChar char="-"/>
-            </a:pPr>
-            <a:endParaRPr lang="pl-PL" sz="2000" dirty="0"/>
-          </a:p>
-          <a:p>
-            <a:pPr>
-              <a:lnSpc>
-                <a:spcPct val="110000"/>
-              </a:lnSpc>
-              <a:buFontTx/>
-              <a:buChar char="-"/>
-            </a:pPr>
-            <a:endParaRPr lang="pl-PL" sz="2000" dirty="0"/>
+            <a:endParaRPr lang="pl-PL" dirty="0"/>
           </a:p>
         </p:txBody>
       </p:sp>
     </p:spTree>
     <p:extLst>
       <p:ext uri="{BB962C8B-B14F-4D97-AF65-F5344CB8AC3E}">
-        <p14:creationId xmlns:p14="http://schemas.microsoft.com/office/powerpoint/2010/main" val="2410242174"/>
+        <p14:creationId xmlns:p14="http://schemas.microsoft.com/office/powerpoint/2010/main" val="492141847"/>
+      </p:ext>
+    </p:extLst>
+  </p:cSld>
+  <p:clrMapOvr>
+    <a:masterClrMapping/>
+  </p:clrMapOvr>
+</p:sld>
+</file>
+
+<file path=ppt/slides/slide6.xml><?xml version="1.0" encoding="utf-8"?>
+<p:sld xmlns:a="http://schemas.openxmlformats.org/drawingml/2006/main" xmlns:r="http://schemas.openxmlformats.org/officeDocument/2006/relationships" xmlns:p="http://schemas.openxmlformats.org/presentationml/2006/main">
+  <p:cSld>
+    <p:spTree>
+      <p:nvGrpSpPr>
+        <p:cNvPr id="1" name=""/>
+        <p:cNvGrpSpPr/>
+        <p:nvPr/>
+      </p:nvGrpSpPr>
+      <p:grpSpPr>
+        <a:xfrm>
+          <a:off x="0" y="0"/>
+          <a:ext cx="0" cy="0"/>
+          <a:chOff x="0" y="0"/>
+          <a:chExt cx="0" cy="0"/>
+        </a:xfrm>
+      </p:grpSpPr>
+      <p:sp>
+        <p:nvSpPr>
+          <p:cNvPr id="2" name="Title 1">
+            <a:extLst>
+              <a:ext uri="{FF2B5EF4-FFF2-40B4-BE49-F238E27FC236}">
+                <a16:creationId xmlns:a16="http://schemas.microsoft.com/office/drawing/2014/main" id="{63D0D55E-A94D-49AE-AB94-F3564CBE62F7}"/>
+              </a:ext>
+            </a:extLst>
+          </p:cNvPr>
+          <p:cNvSpPr>
+            <a:spLocks noGrp="1"/>
+          </p:cNvSpPr>
+          <p:nvPr>
+            <p:ph type="title"/>
+          </p:nvPr>
+        </p:nvSpPr>
+        <p:spPr/>
+        <p:txBody>
+          <a:bodyPr/>
+          <a:lstStyle/>
+          <a:p>
+            <a:r>
+              <a:rPr lang="pl-PL" dirty="0" err="1"/>
+              <a:t>Why</a:t>
+            </a:r>
+            <a:r>
+              <a:rPr lang="pl-PL" dirty="0"/>
+              <a:t> do we test?</a:t>
+            </a:r>
+          </a:p>
+        </p:txBody>
+      </p:sp>
+      <p:sp>
+        <p:nvSpPr>
+          <p:cNvPr id="5" name="Rectangle: Rounded Corners 4">
+            <a:extLst>
+              <a:ext uri="{FF2B5EF4-FFF2-40B4-BE49-F238E27FC236}">
+                <a16:creationId xmlns:a16="http://schemas.microsoft.com/office/drawing/2014/main" id="{CC75AF6D-6AB5-4D1B-8D52-259BCCA8520E}"/>
+              </a:ext>
+            </a:extLst>
+          </p:cNvPr>
+          <p:cNvSpPr/>
+          <p:nvPr/>
+        </p:nvSpPr>
+        <p:spPr>
+          <a:xfrm>
+            <a:off x="4325983" y="3429000"/>
+            <a:ext cx="3540034" cy="1293223"/>
+          </a:xfrm>
+          <a:prstGeom prst="roundRect">
+            <a:avLst/>
+          </a:prstGeom>
+          <a:solidFill>
+            <a:schemeClr val="tx1">
+              <a:lumMod val="50000"/>
+            </a:schemeClr>
+          </a:solidFill>
+          <a:ln>
+            <a:solidFill>
+              <a:schemeClr val="tx1">
+                <a:lumMod val="50000"/>
+              </a:schemeClr>
+            </a:solidFill>
+          </a:ln>
+        </p:spPr>
+        <p:style>
+          <a:lnRef idx="2">
+            <a:schemeClr val="accent1">
+              <a:shade val="50000"/>
+            </a:schemeClr>
+          </a:lnRef>
+          <a:fillRef idx="1">
+            <a:schemeClr val="accent1"/>
+          </a:fillRef>
+          <a:effectRef idx="0">
+            <a:schemeClr val="accent1"/>
+          </a:effectRef>
+          <a:fontRef idx="minor">
+            <a:schemeClr val="lt1"/>
+          </a:fontRef>
+        </p:style>
+        <p:txBody>
+          <a:bodyPr rtlCol="0" anchor="ctr"/>
+          <a:lstStyle/>
+          <a:p>
+            <a:pPr algn="ctr"/>
+            <a:r>
+              <a:rPr lang="pl-PL" sz="4000" dirty="0">
+                <a:solidFill>
+                  <a:schemeClr val="bg1"/>
+                </a:solidFill>
+              </a:rPr>
+              <a:t>CONFIDENCE</a:t>
+            </a:r>
+          </a:p>
+        </p:txBody>
+      </p:sp>
+      <p:sp>
+        <p:nvSpPr>
+          <p:cNvPr id="6" name="Rectangle: Rounded Corners 5">
+            <a:extLst>
+              <a:ext uri="{FF2B5EF4-FFF2-40B4-BE49-F238E27FC236}">
+                <a16:creationId xmlns:a16="http://schemas.microsoft.com/office/drawing/2014/main" id="{B66DBFD3-D112-462B-99FA-990EB53A1CE2}"/>
+              </a:ext>
+            </a:extLst>
+          </p:cNvPr>
+          <p:cNvSpPr/>
+          <p:nvPr/>
+        </p:nvSpPr>
+        <p:spPr>
+          <a:xfrm>
+            <a:off x="1748243" y="1690688"/>
+            <a:ext cx="3672840" cy="1293223"/>
+          </a:xfrm>
+          <a:prstGeom prst="roundRect">
+            <a:avLst/>
+          </a:prstGeom>
+          <a:solidFill>
+            <a:schemeClr val="tx1">
+              <a:lumMod val="85000"/>
+            </a:schemeClr>
+          </a:solidFill>
+          <a:ln>
+            <a:solidFill>
+              <a:schemeClr val="tx1">
+                <a:lumMod val="85000"/>
+              </a:schemeClr>
+            </a:solidFill>
+          </a:ln>
+        </p:spPr>
+        <p:style>
+          <a:lnRef idx="2">
+            <a:schemeClr val="accent1">
+              <a:shade val="50000"/>
+            </a:schemeClr>
+          </a:lnRef>
+          <a:fillRef idx="1">
+            <a:schemeClr val="accent1"/>
+          </a:fillRef>
+          <a:effectRef idx="0">
+            <a:schemeClr val="accent1"/>
+          </a:effectRef>
+          <a:fontRef idx="minor">
+            <a:schemeClr val="lt1"/>
+          </a:fontRef>
+        </p:style>
+        <p:txBody>
+          <a:bodyPr rtlCol="0" anchor="ctr"/>
+          <a:lstStyle/>
+          <a:p>
+            <a:pPr algn="ctr"/>
+            <a:r>
+              <a:rPr lang="pl-PL" sz="4000" dirty="0" err="1">
+                <a:solidFill>
+                  <a:schemeClr val="bg1"/>
+                </a:solidFill>
+              </a:rPr>
+              <a:t>Functionality</a:t>
+            </a:r>
+            <a:endParaRPr lang="pl-PL" sz="4000" dirty="0">
+              <a:solidFill>
+                <a:schemeClr val="bg1"/>
+              </a:solidFill>
+            </a:endParaRPr>
+          </a:p>
+        </p:txBody>
+      </p:sp>
+      <p:sp>
+        <p:nvSpPr>
+          <p:cNvPr id="7" name="Rectangle: Rounded Corners 6">
+            <a:extLst>
+              <a:ext uri="{FF2B5EF4-FFF2-40B4-BE49-F238E27FC236}">
+                <a16:creationId xmlns:a16="http://schemas.microsoft.com/office/drawing/2014/main" id="{6FC5EC28-8ED9-4E9A-952C-3BC247E30DA6}"/>
+              </a:ext>
+            </a:extLst>
+          </p:cNvPr>
+          <p:cNvSpPr/>
+          <p:nvPr/>
+        </p:nvSpPr>
+        <p:spPr>
+          <a:xfrm>
+            <a:off x="6770915" y="1690687"/>
+            <a:ext cx="3672842" cy="1293223"/>
+          </a:xfrm>
+          <a:prstGeom prst="roundRect">
+            <a:avLst/>
+          </a:prstGeom>
+          <a:solidFill>
+            <a:schemeClr val="tx1">
+              <a:lumMod val="85000"/>
+            </a:schemeClr>
+          </a:solidFill>
+          <a:ln>
+            <a:solidFill>
+              <a:schemeClr val="tx1">
+                <a:lumMod val="85000"/>
+              </a:schemeClr>
+            </a:solidFill>
+          </a:ln>
+        </p:spPr>
+        <p:style>
+          <a:lnRef idx="2">
+            <a:schemeClr val="accent1">
+              <a:shade val="50000"/>
+            </a:schemeClr>
+          </a:lnRef>
+          <a:fillRef idx="1">
+            <a:schemeClr val="accent1"/>
+          </a:fillRef>
+          <a:effectRef idx="0">
+            <a:schemeClr val="accent1"/>
+          </a:effectRef>
+          <a:fontRef idx="minor">
+            <a:schemeClr val="lt1"/>
+          </a:fontRef>
+        </p:style>
+        <p:txBody>
+          <a:bodyPr rtlCol="0" anchor="ctr"/>
+          <a:lstStyle/>
+          <a:p>
+            <a:pPr algn="ctr"/>
+            <a:r>
+              <a:rPr lang="pl-PL" sz="4000" dirty="0">
+                <a:solidFill>
+                  <a:schemeClr val="bg1"/>
+                </a:solidFill>
+              </a:rPr>
+              <a:t>Performance</a:t>
+            </a:r>
+          </a:p>
+        </p:txBody>
+      </p:sp>
+      <p:sp>
+        <p:nvSpPr>
+          <p:cNvPr id="8" name="Rectangle: Rounded Corners 7">
+            <a:extLst>
+              <a:ext uri="{FF2B5EF4-FFF2-40B4-BE49-F238E27FC236}">
+                <a16:creationId xmlns:a16="http://schemas.microsoft.com/office/drawing/2014/main" id="{B87AC541-F228-444E-A1C1-6063BBF7519A}"/>
+              </a:ext>
+            </a:extLst>
+          </p:cNvPr>
+          <p:cNvSpPr/>
+          <p:nvPr/>
+        </p:nvSpPr>
+        <p:spPr>
+          <a:xfrm>
+            <a:off x="217714" y="3662862"/>
+            <a:ext cx="3672840" cy="1293223"/>
+          </a:xfrm>
+          <a:prstGeom prst="roundRect">
+            <a:avLst/>
+          </a:prstGeom>
+          <a:solidFill>
+            <a:schemeClr val="tx1">
+              <a:lumMod val="85000"/>
+            </a:schemeClr>
+          </a:solidFill>
+          <a:ln>
+            <a:solidFill>
+              <a:schemeClr val="tx1">
+                <a:lumMod val="85000"/>
+              </a:schemeClr>
+            </a:solidFill>
+          </a:ln>
+        </p:spPr>
+        <p:style>
+          <a:lnRef idx="2">
+            <a:schemeClr val="accent1">
+              <a:shade val="50000"/>
+            </a:schemeClr>
+          </a:lnRef>
+          <a:fillRef idx="1">
+            <a:schemeClr val="accent1"/>
+          </a:fillRef>
+          <a:effectRef idx="0">
+            <a:schemeClr val="accent1"/>
+          </a:effectRef>
+          <a:fontRef idx="minor">
+            <a:schemeClr val="lt1"/>
+          </a:fontRef>
+        </p:style>
+        <p:txBody>
+          <a:bodyPr rtlCol="0" anchor="ctr"/>
+          <a:lstStyle/>
+          <a:p>
+            <a:pPr algn="ctr"/>
+            <a:r>
+              <a:rPr lang="pl-PL" sz="4000" dirty="0" err="1">
+                <a:solidFill>
+                  <a:schemeClr val="bg1"/>
+                </a:solidFill>
+              </a:rPr>
+              <a:t>Responsiveness</a:t>
+            </a:r>
+            <a:endParaRPr lang="pl-PL" sz="4000" dirty="0">
+              <a:solidFill>
+                <a:schemeClr val="bg1"/>
+              </a:solidFill>
+            </a:endParaRPr>
+          </a:p>
+        </p:txBody>
+      </p:sp>
+      <p:sp>
+        <p:nvSpPr>
+          <p:cNvPr id="9" name="Rectangle: Rounded Corners 8">
+            <a:extLst>
+              <a:ext uri="{FF2B5EF4-FFF2-40B4-BE49-F238E27FC236}">
+                <a16:creationId xmlns:a16="http://schemas.microsoft.com/office/drawing/2014/main" id="{FCD9E524-7448-4876-BD23-A3EC1D1C55B4}"/>
+              </a:ext>
+            </a:extLst>
+          </p:cNvPr>
+          <p:cNvSpPr/>
+          <p:nvPr/>
+        </p:nvSpPr>
+        <p:spPr>
+          <a:xfrm>
+            <a:off x="8301446" y="3662862"/>
+            <a:ext cx="3672840" cy="1293223"/>
+          </a:xfrm>
+          <a:prstGeom prst="roundRect">
+            <a:avLst/>
+          </a:prstGeom>
+          <a:solidFill>
+            <a:schemeClr val="tx1">
+              <a:lumMod val="85000"/>
+            </a:schemeClr>
+          </a:solidFill>
+          <a:ln>
+            <a:solidFill>
+              <a:schemeClr val="tx1">
+                <a:lumMod val="85000"/>
+              </a:schemeClr>
+            </a:solidFill>
+          </a:ln>
+        </p:spPr>
+        <p:style>
+          <a:lnRef idx="2">
+            <a:schemeClr val="accent1">
+              <a:shade val="50000"/>
+            </a:schemeClr>
+          </a:lnRef>
+          <a:fillRef idx="1">
+            <a:schemeClr val="accent1"/>
+          </a:fillRef>
+          <a:effectRef idx="0">
+            <a:schemeClr val="accent1"/>
+          </a:effectRef>
+          <a:fontRef idx="minor">
+            <a:schemeClr val="lt1"/>
+          </a:fontRef>
+        </p:style>
+        <p:txBody>
+          <a:bodyPr rtlCol="0" anchor="ctr"/>
+          <a:lstStyle/>
+          <a:p>
+            <a:pPr algn="ctr"/>
+            <a:r>
+              <a:rPr lang="pl-PL" sz="4000" dirty="0" err="1">
+                <a:solidFill>
+                  <a:schemeClr val="bg1"/>
+                </a:solidFill>
+              </a:rPr>
+              <a:t>Reliability</a:t>
+            </a:r>
+            <a:endParaRPr lang="pl-PL" sz="4000" dirty="0">
+              <a:solidFill>
+                <a:schemeClr val="bg1"/>
+              </a:solidFill>
+            </a:endParaRPr>
+          </a:p>
+        </p:txBody>
+      </p:sp>
+      <p:sp>
+        <p:nvSpPr>
+          <p:cNvPr id="10" name="Rectangle: Rounded Corners 9">
+            <a:extLst>
+              <a:ext uri="{FF2B5EF4-FFF2-40B4-BE49-F238E27FC236}">
+                <a16:creationId xmlns:a16="http://schemas.microsoft.com/office/drawing/2014/main" id="{9302E1C0-EE1F-4619-B962-15768A216D66}"/>
+              </a:ext>
+            </a:extLst>
+          </p:cNvPr>
+          <p:cNvSpPr/>
+          <p:nvPr/>
+        </p:nvSpPr>
+        <p:spPr>
+          <a:xfrm>
+            <a:off x="4259580" y="5292633"/>
+            <a:ext cx="3672840" cy="1293223"/>
+          </a:xfrm>
+          <a:prstGeom prst="roundRect">
+            <a:avLst/>
+          </a:prstGeom>
+          <a:solidFill>
+            <a:schemeClr val="tx1">
+              <a:lumMod val="85000"/>
+            </a:schemeClr>
+          </a:solidFill>
+          <a:ln>
+            <a:solidFill>
+              <a:schemeClr val="tx1">
+                <a:lumMod val="85000"/>
+              </a:schemeClr>
+            </a:solidFill>
+          </a:ln>
+        </p:spPr>
+        <p:style>
+          <a:lnRef idx="2">
+            <a:schemeClr val="accent1">
+              <a:shade val="50000"/>
+            </a:schemeClr>
+          </a:lnRef>
+          <a:fillRef idx="1">
+            <a:schemeClr val="accent1"/>
+          </a:fillRef>
+          <a:effectRef idx="0">
+            <a:schemeClr val="accent1"/>
+          </a:effectRef>
+          <a:fontRef idx="minor">
+            <a:schemeClr val="lt1"/>
+          </a:fontRef>
+        </p:style>
+        <p:txBody>
+          <a:bodyPr rtlCol="0" anchor="ctr"/>
+          <a:lstStyle/>
+          <a:p>
+            <a:pPr algn="ctr"/>
+            <a:r>
+              <a:rPr lang="pl-PL" sz="4000" dirty="0">
+                <a:solidFill>
+                  <a:schemeClr val="bg1"/>
+                </a:solidFill>
+              </a:rPr>
+              <a:t>No </a:t>
+            </a:r>
+            <a:r>
+              <a:rPr lang="pl-PL" sz="4000" dirty="0" err="1">
+                <a:solidFill>
+                  <a:schemeClr val="bg1"/>
+                </a:solidFill>
+              </a:rPr>
+              <a:t>breakage</a:t>
+            </a:r>
+            <a:endParaRPr lang="pl-PL" sz="4000" dirty="0">
+              <a:solidFill>
+                <a:schemeClr val="bg1"/>
+              </a:solidFill>
+            </a:endParaRPr>
+          </a:p>
+        </p:txBody>
+      </p:sp>
+      <p:cxnSp>
+        <p:nvCxnSpPr>
+          <p:cNvPr id="14" name="Straight Connector 13">
+            <a:extLst>
+              <a:ext uri="{FF2B5EF4-FFF2-40B4-BE49-F238E27FC236}">
+                <a16:creationId xmlns:a16="http://schemas.microsoft.com/office/drawing/2014/main" id="{CEBE0BBD-9250-4C0A-99FC-64B0151D9781}"/>
+              </a:ext>
+            </a:extLst>
+          </p:cNvPr>
+          <p:cNvCxnSpPr>
+            <a:stCxn id="5" idx="0"/>
+            <a:endCxn id="6" idx="3"/>
+          </p:cNvCxnSpPr>
+          <p:nvPr/>
+        </p:nvCxnSpPr>
+        <p:spPr>
+          <a:xfrm flipH="1" flipV="1">
+            <a:off x="5421083" y="2337300"/>
+            <a:ext cx="674917" cy="1091700"/>
+          </a:xfrm>
+          <a:prstGeom prst="line">
+            <a:avLst/>
+          </a:prstGeom>
+          <a:ln>
+            <a:solidFill>
+              <a:schemeClr val="tx1">
+                <a:lumMod val="85000"/>
+              </a:schemeClr>
+            </a:solidFill>
+          </a:ln>
+        </p:spPr>
+        <p:style>
+          <a:lnRef idx="3">
+            <a:schemeClr val="accent1"/>
+          </a:lnRef>
+          <a:fillRef idx="0">
+            <a:schemeClr val="accent1"/>
+          </a:fillRef>
+          <a:effectRef idx="2">
+            <a:schemeClr val="accent1"/>
+          </a:effectRef>
+          <a:fontRef idx="minor">
+            <a:schemeClr val="tx1"/>
+          </a:fontRef>
+        </p:style>
+      </p:cxnSp>
+      <p:cxnSp>
+        <p:nvCxnSpPr>
+          <p:cNvPr id="16" name="Straight Connector 15">
+            <a:extLst>
+              <a:ext uri="{FF2B5EF4-FFF2-40B4-BE49-F238E27FC236}">
+                <a16:creationId xmlns:a16="http://schemas.microsoft.com/office/drawing/2014/main" id="{9683F025-B4F7-4A42-854B-B17CEEE91821}"/>
+              </a:ext>
+            </a:extLst>
+          </p:cNvPr>
+          <p:cNvCxnSpPr>
+            <a:stCxn id="5" idx="0"/>
+            <a:endCxn id="7" idx="1"/>
+          </p:cNvCxnSpPr>
+          <p:nvPr/>
+        </p:nvCxnSpPr>
+        <p:spPr>
+          <a:xfrm flipV="1">
+            <a:off x="6096000" y="2337299"/>
+            <a:ext cx="674915" cy="1091701"/>
+          </a:xfrm>
+          <a:prstGeom prst="line">
+            <a:avLst/>
+          </a:prstGeom>
+          <a:ln>
+            <a:solidFill>
+              <a:schemeClr val="tx1">
+                <a:lumMod val="85000"/>
+              </a:schemeClr>
+            </a:solidFill>
+          </a:ln>
+        </p:spPr>
+        <p:style>
+          <a:lnRef idx="3">
+            <a:schemeClr val="accent1"/>
+          </a:lnRef>
+          <a:fillRef idx="0">
+            <a:schemeClr val="accent1"/>
+          </a:fillRef>
+          <a:effectRef idx="2">
+            <a:schemeClr val="accent1"/>
+          </a:effectRef>
+          <a:fontRef idx="minor">
+            <a:schemeClr val="tx1"/>
+          </a:fontRef>
+        </p:style>
+      </p:cxnSp>
+      <p:cxnSp>
+        <p:nvCxnSpPr>
+          <p:cNvPr id="18" name="Straight Connector 17">
+            <a:extLst>
+              <a:ext uri="{FF2B5EF4-FFF2-40B4-BE49-F238E27FC236}">
+                <a16:creationId xmlns:a16="http://schemas.microsoft.com/office/drawing/2014/main" id="{A3DA9CCA-41A9-44F3-933B-32811B70C697}"/>
+              </a:ext>
+            </a:extLst>
+          </p:cNvPr>
+          <p:cNvCxnSpPr>
+            <a:stCxn id="5" idx="1"/>
+            <a:endCxn id="8" idx="3"/>
+          </p:cNvCxnSpPr>
+          <p:nvPr/>
+        </p:nvCxnSpPr>
+        <p:spPr>
+          <a:xfrm flipH="1">
+            <a:off x="3890554" y="4075612"/>
+            <a:ext cx="435429" cy="233862"/>
+          </a:xfrm>
+          <a:prstGeom prst="line">
+            <a:avLst/>
+          </a:prstGeom>
+          <a:ln>
+            <a:solidFill>
+              <a:schemeClr val="tx1">
+                <a:lumMod val="85000"/>
+              </a:schemeClr>
+            </a:solidFill>
+          </a:ln>
+        </p:spPr>
+        <p:style>
+          <a:lnRef idx="3">
+            <a:schemeClr val="accent1"/>
+          </a:lnRef>
+          <a:fillRef idx="0">
+            <a:schemeClr val="accent1"/>
+          </a:fillRef>
+          <a:effectRef idx="2">
+            <a:schemeClr val="accent1"/>
+          </a:effectRef>
+          <a:fontRef idx="minor">
+            <a:schemeClr val="tx1"/>
+          </a:fontRef>
+        </p:style>
+      </p:cxnSp>
+      <p:cxnSp>
+        <p:nvCxnSpPr>
+          <p:cNvPr id="20" name="Straight Connector 19">
+            <a:extLst>
+              <a:ext uri="{FF2B5EF4-FFF2-40B4-BE49-F238E27FC236}">
+                <a16:creationId xmlns:a16="http://schemas.microsoft.com/office/drawing/2014/main" id="{1966C559-3AAA-4F24-8A67-9BFE4FD632F8}"/>
+              </a:ext>
+            </a:extLst>
+          </p:cNvPr>
+          <p:cNvCxnSpPr>
+            <a:stCxn id="5" idx="3"/>
+            <a:endCxn id="9" idx="1"/>
+          </p:cNvCxnSpPr>
+          <p:nvPr/>
+        </p:nvCxnSpPr>
+        <p:spPr>
+          <a:xfrm>
+            <a:off x="7866017" y="4075612"/>
+            <a:ext cx="435429" cy="233862"/>
+          </a:xfrm>
+          <a:prstGeom prst="line">
+            <a:avLst/>
+          </a:prstGeom>
+          <a:ln>
+            <a:solidFill>
+              <a:schemeClr val="tx1">
+                <a:lumMod val="85000"/>
+              </a:schemeClr>
+            </a:solidFill>
+          </a:ln>
+        </p:spPr>
+        <p:style>
+          <a:lnRef idx="3">
+            <a:schemeClr val="accent1"/>
+          </a:lnRef>
+          <a:fillRef idx="0">
+            <a:schemeClr val="accent1"/>
+          </a:fillRef>
+          <a:effectRef idx="2">
+            <a:schemeClr val="accent1"/>
+          </a:effectRef>
+          <a:fontRef idx="minor">
+            <a:schemeClr val="tx1"/>
+          </a:fontRef>
+        </p:style>
+      </p:cxnSp>
+      <p:cxnSp>
+        <p:nvCxnSpPr>
+          <p:cNvPr id="22" name="Straight Connector 21">
+            <a:extLst>
+              <a:ext uri="{FF2B5EF4-FFF2-40B4-BE49-F238E27FC236}">
+                <a16:creationId xmlns:a16="http://schemas.microsoft.com/office/drawing/2014/main" id="{87879A34-823C-4D1C-B64C-98D02A61EBC3}"/>
+              </a:ext>
+            </a:extLst>
+          </p:cNvPr>
+          <p:cNvCxnSpPr>
+            <a:stCxn id="5" idx="2"/>
+            <a:endCxn id="10" idx="0"/>
+          </p:cNvCxnSpPr>
+          <p:nvPr/>
+        </p:nvCxnSpPr>
+        <p:spPr>
+          <a:xfrm>
+            <a:off x="6096000" y="4722223"/>
+            <a:ext cx="0" cy="570410"/>
+          </a:xfrm>
+          <a:prstGeom prst="line">
+            <a:avLst/>
+          </a:prstGeom>
+          <a:ln>
+            <a:solidFill>
+              <a:schemeClr val="tx1">
+                <a:lumMod val="85000"/>
+              </a:schemeClr>
+            </a:solidFill>
+          </a:ln>
+        </p:spPr>
+        <p:style>
+          <a:lnRef idx="3">
+            <a:schemeClr val="accent1"/>
+          </a:lnRef>
+          <a:fillRef idx="0">
+            <a:schemeClr val="accent1"/>
+          </a:fillRef>
+          <a:effectRef idx="2">
+            <a:schemeClr val="accent1"/>
+          </a:effectRef>
+          <a:fontRef idx="minor">
+            <a:schemeClr val="tx1"/>
+          </a:fontRef>
+        </p:style>
+      </p:cxnSp>
+    </p:spTree>
+    <p:extLst>
+      <p:ext uri="{BB962C8B-B14F-4D97-AF65-F5344CB8AC3E}">
+        <p14:creationId xmlns:p14="http://schemas.microsoft.com/office/powerpoint/2010/main" val="4216222482"/>
+      </p:ext>
+    </p:extLst>
+  </p:cSld>
+  <p:clrMapOvr>
+    <a:masterClrMapping/>
+  </p:clrMapOvr>
+</p:sld>
+</file>
+
+<file path=ppt/slides/slide7.xml><?xml version="1.0" encoding="utf-8"?>
+<p:sld xmlns:a="http://schemas.openxmlformats.org/drawingml/2006/main" xmlns:r="http://schemas.openxmlformats.org/officeDocument/2006/relationships" xmlns:p="http://schemas.openxmlformats.org/presentationml/2006/main">
+  <p:cSld>
+    <p:spTree>
+      <p:nvGrpSpPr>
+        <p:cNvPr id="1" name=""/>
+        <p:cNvGrpSpPr/>
+        <p:nvPr/>
+      </p:nvGrpSpPr>
+      <p:grpSpPr>
+        <a:xfrm>
+          <a:off x="0" y="0"/>
+          <a:ext cx="0" cy="0"/>
+          <a:chOff x="0" y="0"/>
+          <a:chExt cx="0" cy="0"/>
+        </a:xfrm>
+      </p:grpSpPr>
+      <p:sp>
+        <p:nvSpPr>
+          <p:cNvPr id="2" name="Title 1">
+            <a:extLst>
+              <a:ext uri="{FF2B5EF4-FFF2-40B4-BE49-F238E27FC236}">
+                <a16:creationId xmlns:a16="http://schemas.microsoft.com/office/drawing/2014/main" id="{63D0D55E-A94D-49AE-AB94-F3564CBE62F7}"/>
+              </a:ext>
+            </a:extLst>
+          </p:cNvPr>
+          <p:cNvSpPr>
+            <a:spLocks noGrp="1"/>
+          </p:cNvSpPr>
+          <p:nvPr>
+            <p:ph type="title"/>
+          </p:nvPr>
+        </p:nvSpPr>
+        <p:spPr/>
+        <p:txBody>
+          <a:bodyPr/>
+          <a:lstStyle/>
+          <a:p>
+            <a:r>
+              <a:rPr lang="pl-PL" dirty="0" err="1"/>
+              <a:t>Tests</a:t>
+            </a:r>
+            <a:r>
+              <a:rPr lang="pl-PL" dirty="0"/>
+              <a:t> as </a:t>
+            </a:r>
+            <a:r>
+              <a:rPr lang="pl-PL" dirty="0" err="1"/>
+              <a:t>living</a:t>
+            </a:r>
+            <a:r>
+              <a:rPr lang="pl-PL" dirty="0"/>
+              <a:t> </a:t>
+            </a:r>
+            <a:r>
+              <a:rPr lang="pl-PL" dirty="0" err="1"/>
+              <a:t>specification</a:t>
+            </a:r>
+            <a:r>
+              <a:rPr lang="pl-PL" dirty="0"/>
+              <a:t> I</a:t>
+            </a:r>
+          </a:p>
+        </p:txBody>
+      </p:sp>
+      <p:pic>
+        <p:nvPicPr>
+          <p:cNvPr id="4" name="Picture 3">
+            <a:extLst>
+              <a:ext uri="{FF2B5EF4-FFF2-40B4-BE49-F238E27FC236}">
+                <a16:creationId xmlns:a16="http://schemas.microsoft.com/office/drawing/2014/main" id="{82354C99-DBDE-4BEF-8B48-77FF0680B15A}"/>
+              </a:ext>
+            </a:extLst>
+          </p:cNvPr>
+          <p:cNvPicPr>
+            <a:picLocks noChangeAspect="1"/>
+          </p:cNvPicPr>
+          <p:nvPr/>
+        </p:nvPicPr>
+        <p:blipFill>
+          <a:blip r:embed="rId2"/>
+          <a:stretch>
+            <a:fillRect/>
+          </a:stretch>
+        </p:blipFill>
+        <p:spPr>
+          <a:xfrm>
+            <a:off x="445784" y="2559797"/>
+            <a:ext cx="11300431" cy="3018042"/>
+          </a:xfrm>
+          <a:prstGeom prst="rect">
+            <a:avLst/>
+          </a:prstGeom>
+        </p:spPr>
+      </p:pic>
+    </p:spTree>
+    <p:extLst>
+      <p:ext uri="{BB962C8B-B14F-4D97-AF65-F5344CB8AC3E}">
+        <p14:creationId xmlns:p14="http://schemas.microsoft.com/office/powerpoint/2010/main" val="3457798201"/>
+      </p:ext>
+    </p:extLst>
+  </p:cSld>
+  <p:clrMapOvr>
+    <a:masterClrMapping/>
+  </p:clrMapOvr>
+</p:sld>
+</file>
+
+<file path=ppt/slides/slide8.xml><?xml version="1.0" encoding="utf-8"?>
+<p:sld xmlns:a="http://schemas.openxmlformats.org/drawingml/2006/main" xmlns:r="http://schemas.openxmlformats.org/officeDocument/2006/relationships" xmlns:p="http://schemas.openxmlformats.org/presentationml/2006/main">
+  <p:cSld>
+    <p:spTree>
+      <p:nvGrpSpPr>
+        <p:cNvPr id="1" name=""/>
+        <p:cNvGrpSpPr/>
+        <p:nvPr/>
+      </p:nvGrpSpPr>
+      <p:grpSpPr>
+        <a:xfrm>
+          <a:off x="0" y="0"/>
+          <a:ext cx="0" cy="0"/>
+          <a:chOff x="0" y="0"/>
+          <a:chExt cx="0" cy="0"/>
+        </a:xfrm>
+      </p:grpSpPr>
+      <p:sp>
+        <p:nvSpPr>
+          <p:cNvPr id="2" name="Title 1">
+            <a:extLst>
+              <a:ext uri="{FF2B5EF4-FFF2-40B4-BE49-F238E27FC236}">
+                <a16:creationId xmlns:a16="http://schemas.microsoft.com/office/drawing/2014/main" id="{63D0D55E-A94D-49AE-AB94-F3564CBE62F7}"/>
+              </a:ext>
+            </a:extLst>
+          </p:cNvPr>
+          <p:cNvSpPr>
+            <a:spLocks noGrp="1"/>
+          </p:cNvSpPr>
+          <p:nvPr>
+            <p:ph type="title"/>
+          </p:nvPr>
+        </p:nvSpPr>
+        <p:spPr/>
+        <p:txBody>
+          <a:bodyPr/>
+          <a:lstStyle/>
+          <a:p>
+            <a:r>
+              <a:rPr lang="pl-PL" dirty="0" err="1"/>
+              <a:t>Tests</a:t>
+            </a:r>
+            <a:r>
+              <a:rPr lang="pl-PL" dirty="0"/>
+              <a:t> as </a:t>
+            </a:r>
+            <a:r>
+              <a:rPr lang="pl-PL" dirty="0" err="1"/>
+              <a:t>living</a:t>
+            </a:r>
+            <a:r>
+              <a:rPr lang="pl-PL" dirty="0"/>
+              <a:t> </a:t>
+            </a:r>
+            <a:r>
+              <a:rPr lang="pl-PL" dirty="0" err="1"/>
+              <a:t>specification</a:t>
+            </a:r>
+            <a:r>
+              <a:rPr lang="pl-PL" dirty="0"/>
+              <a:t> II</a:t>
+            </a:r>
+          </a:p>
+        </p:txBody>
+      </p:sp>
+      <p:sp>
+        <p:nvSpPr>
+          <p:cNvPr id="4" name="Rectangle: Rounded Corners 3">
+            <a:extLst>
+              <a:ext uri="{FF2B5EF4-FFF2-40B4-BE49-F238E27FC236}">
+                <a16:creationId xmlns:a16="http://schemas.microsoft.com/office/drawing/2014/main" id="{B0B432B1-0B5D-4696-A390-6F7BD04C25F0}"/>
+              </a:ext>
+            </a:extLst>
+          </p:cNvPr>
+          <p:cNvSpPr/>
+          <p:nvPr/>
+        </p:nvSpPr>
+        <p:spPr>
+          <a:xfrm>
+            <a:off x="272139" y="3106422"/>
+            <a:ext cx="3672840" cy="1293223"/>
+          </a:xfrm>
+          <a:prstGeom prst="roundRect">
+            <a:avLst/>
+          </a:prstGeom>
+          <a:solidFill>
+            <a:schemeClr val="tx1">
+              <a:lumMod val="85000"/>
+            </a:schemeClr>
+          </a:solidFill>
+          <a:ln>
+            <a:solidFill>
+              <a:schemeClr val="tx1">
+                <a:lumMod val="85000"/>
+              </a:schemeClr>
+            </a:solidFill>
+          </a:ln>
+        </p:spPr>
+        <p:style>
+          <a:lnRef idx="2">
+            <a:schemeClr val="accent1">
+              <a:shade val="50000"/>
+            </a:schemeClr>
+          </a:lnRef>
+          <a:fillRef idx="1">
+            <a:schemeClr val="accent1"/>
+          </a:fillRef>
+          <a:effectRef idx="0">
+            <a:schemeClr val="accent1"/>
+          </a:effectRef>
+          <a:fontRef idx="minor">
+            <a:schemeClr val="lt1"/>
+          </a:fontRef>
+        </p:style>
+        <p:txBody>
+          <a:bodyPr rtlCol="0" anchor="ctr"/>
+          <a:lstStyle/>
+          <a:p>
+            <a:pPr algn="ctr"/>
+            <a:r>
+              <a:rPr lang="pl-PL" sz="4000" dirty="0">
+                <a:solidFill>
+                  <a:schemeClr val="bg1"/>
+                </a:solidFill>
+              </a:rPr>
+              <a:t>Line</a:t>
+            </a:r>
+          </a:p>
+        </p:txBody>
+      </p:sp>
+      <p:sp>
+        <p:nvSpPr>
+          <p:cNvPr id="6" name="Content Placeholder 5">
+            <a:extLst>
+              <a:ext uri="{FF2B5EF4-FFF2-40B4-BE49-F238E27FC236}">
+                <a16:creationId xmlns:a16="http://schemas.microsoft.com/office/drawing/2014/main" id="{76EE617A-7379-4993-92EC-2FCDF97FAABB}"/>
+              </a:ext>
+            </a:extLst>
+          </p:cNvPr>
+          <p:cNvSpPr>
+            <a:spLocks noGrp="1"/>
+          </p:cNvSpPr>
+          <p:nvPr>
+            <p:ph idx="1"/>
+          </p:nvPr>
+        </p:nvSpPr>
+        <p:spPr>
+          <a:xfrm>
+            <a:off x="1120000" y="1825625"/>
+            <a:ext cx="10233800" cy="643255"/>
+          </a:xfrm>
+        </p:spPr>
+        <p:txBody>
+          <a:bodyPr>
+            <a:normAutofit/>
+          </a:bodyPr>
+          <a:lstStyle/>
+          <a:p>
+            <a:pPr marL="0" indent="0" algn="ctr">
+              <a:buNone/>
+            </a:pPr>
+            <a:r>
+              <a:rPr lang="pl-PL" sz="3200" dirty="0" err="1"/>
+              <a:t>What</a:t>
+            </a:r>
+            <a:r>
+              <a:rPr lang="pl-PL" sz="3200" dirty="0"/>
+              <a:t> </a:t>
+            </a:r>
+            <a:r>
+              <a:rPr lang="pl-PL" sz="3200" dirty="0" err="1"/>
+              <a:t>about</a:t>
+            </a:r>
+            <a:r>
+              <a:rPr lang="pl-PL" sz="3200" dirty="0"/>
+              <a:t> </a:t>
+            </a:r>
+            <a:r>
+              <a:rPr lang="pl-PL" sz="3200" dirty="0" err="1"/>
+              <a:t>coverage</a:t>
+            </a:r>
+            <a:r>
+              <a:rPr lang="pl-PL" sz="3200" dirty="0"/>
+              <a:t>?</a:t>
+            </a:r>
+          </a:p>
+        </p:txBody>
+      </p:sp>
+      <p:sp>
+        <p:nvSpPr>
+          <p:cNvPr id="7" name="Rectangle: Rounded Corners 6">
+            <a:extLst>
+              <a:ext uri="{FF2B5EF4-FFF2-40B4-BE49-F238E27FC236}">
+                <a16:creationId xmlns:a16="http://schemas.microsoft.com/office/drawing/2014/main" id="{C1428AFC-056D-4DC7-96FB-AE49B6AC1769}"/>
+              </a:ext>
+            </a:extLst>
+          </p:cNvPr>
+          <p:cNvSpPr/>
+          <p:nvPr/>
+        </p:nvSpPr>
+        <p:spPr>
+          <a:xfrm>
+            <a:off x="4259580" y="3106422"/>
+            <a:ext cx="3672840" cy="1293223"/>
+          </a:xfrm>
+          <a:prstGeom prst="roundRect">
+            <a:avLst/>
+          </a:prstGeom>
+          <a:solidFill>
+            <a:schemeClr val="tx1">
+              <a:lumMod val="85000"/>
+            </a:schemeClr>
+          </a:solidFill>
+          <a:ln>
+            <a:solidFill>
+              <a:schemeClr val="tx1">
+                <a:lumMod val="85000"/>
+              </a:schemeClr>
+            </a:solidFill>
+          </a:ln>
+        </p:spPr>
+        <p:style>
+          <a:lnRef idx="2">
+            <a:schemeClr val="accent1">
+              <a:shade val="50000"/>
+            </a:schemeClr>
+          </a:lnRef>
+          <a:fillRef idx="1">
+            <a:schemeClr val="accent1"/>
+          </a:fillRef>
+          <a:effectRef idx="0">
+            <a:schemeClr val="accent1"/>
+          </a:effectRef>
+          <a:fontRef idx="minor">
+            <a:schemeClr val="lt1"/>
+          </a:fontRef>
+        </p:style>
+        <p:txBody>
+          <a:bodyPr rtlCol="0" anchor="ctr"/>
+          <a:lstStyle/>
+          <a:p>
+            <a:pPr algn="ctr"/>
+            <a:r>
+              <a:rPr lang="pl-PL" sz="4000" dirty="0" err="1">
+                <a:solidFill>
+                  <a:schemeClr val="bg1"/>
+                </a:solidFill>
+              </a:rPr>
+              <a:t>Path</a:t>
+            </a:r>
+            <a:endParaRPr lang="pl-PL" sz="4000" dirty="0">
+              <a:solidFill>
+                <a:schemeClr val="bg1"/>
+              </a:solidFill>
+            </a:endParaRPr>
+          </a:p>
+        </p:txBody>
+      </p:sp>
+      <p:sp>
+        <p:nvSpPr>
+          <p:cNvPr id="8" name="Rectangle: Rounded Corners 7">
+            <a:extLst>
+              <a:ext uri="{FF2B5EF4-FFF2-40B4-BE49-F238E27FC236}">
+                <a16:creationId xmlns:a16="http://schemas.microsoft.com/office/drawing/2014/main" id="{FCEB8AC9-6B37-4A10-B78F-BC0483D11AB1}"/>
+              </a:ext>
+            </a:extLst>
+          </p:cNvPr>
+          <p:cNvSpPr/>
+          <p:nvPr/>
+        </p:nvSpPr>
+        <p:spPr>
+          <a:xfrm>
+            <a:off x="8247021" y="3106422"/>
+            <a:ext cx="3672840" cy="1293223"/>
+          </a:xfrm>
+          <a:prstGeom prst="roundRect">
+            <a:avLst/>
+          </a:prstGeom>
+          <a:solidFill>
+            <a:schemeClr val="tx1">
+              <a:lumMod val="85000"/>
+            </a:schemeClr>
+          </a:solidFill>
+          <a:ln>
+            <a:solidFill>
+              <a:schemeClr val="tx1">
+                <a:lumMod val="85000"/>
+              </a:schemeClr>
+            </a:solidFill>
+          </a:ln>
+        </p:spPr>
+        <p:style>
+          <a:lnRef idx="2">
+            <a:schemeClr val="accent1">
+              <a:shade val="50000"/>
+            </a:schemeClr>
+          </a:lnRef>
+          <a:fillRef idx="1">
+            <a:schemeClr val="accent1"/>
+          </a:fillRef>
+          <a:effectRef idx="0">
+            <a:schemeClr val="accent1"/>
+          </a:effectRef>
+          <a:fontRef idx="minor">
+            <a:schemeClr val="lt1"/>
+          </a:fontRef>
+        </p:style>
+        <p:txBody>
+          <a:bodyPr rtlCol="0" anchor="ctr"/>
+          <a:lstStyle/>
+          <a:p>
+            <a:pPr algn="ctr"/>
+            <a:r>
+              <a:rPr lang="pl-PL" sz="4000" dirty="0" err="1">
+                <a:solidFill>
+                  <a:schemeClr val="bg1"/>
+                </a:solidFill>
+              </a:rPr>
+              <a:t>Behavior</a:t>
+            </a:r>
+            <a:r>
+              <a:rPr lang="pl-PL" sz="4000" dirty="0">
+                <a:solidFill>
+                  <a:schemeClr val="bg1"/>
+                </a:solidFill>
+              </a:rPr>
+              <a:t>?</a:t>
+            </a:r>
+          </a:p>
+        </p:txBody>
+      </p:sp>
+      <p:sp>
+        <p:nvSpPr>
+          <p:cNvPr id="9" name="Rectangle: Rounded Corners 8">
+            <a:extLst>
+              <a:ext uri="{FF2B5EF4-FFF2-40B4-BE49-F238E27FC236}">
+                <a16:creationId xmlns:a16="http://schemas.microsoft.com/office/drawing/2014/main" id="{306F0387-13C7-4B9F-8101-DD03580F4E95}"/>
+              </a:ext>
+            </a:extLst>
+          </p:cNvPr>
+          <p:cNvSpPr/>
+          <p:nvPr/>
+        </p:nvSpPr>
+        <p:spPr>
+          <a:xfrm>
+            <a:off x="8247021" y="5168767"/>
+            <a:ext cx="3672840" cy="1293223"/>
+          </a:xfrm>
+          <a:prstGeom prst="roundRect">
+            <a:avLst/>
+          </a:prstGeom>
+          <a:solidFill>
+            <a:schemeClr val="accent4"/>
+          </a:solidFill>
+          <a:ln>
+            <a:solidFill>
+              <a:schemeClr val="accent4"/>
+            </a:solidFill>
+          </a:ln>
+        </p:spPr>
+        <p:style>
+          <a:lnRef idx="2">
+            <a:schemeClr val="accent1">
+              <a:shade val="50000"/>
+            </a:schemeClr>
+          </a:lnRef>
+          <a:fillRef idx="1">
+            <a:schemeClr val="accent1"/>
+          </a:fillRef>
+          <a:effectRef idx="0">
+            <a:schemeClr val="accent1"/>
+          </a:effectRef>
+          <a:fontRef idx="minor">
+            <a:schemeClr val="lt1"/>
+          </a:fontRef>
+        </p:style>
+        <p:txBody>
+          <a:bodyPr rtlCol="0" anchor="ctr"/>
+          <a:lstStyle/>
+          <a:p>
+            <a:pPr algn="ctr"/>
+            <a:r>
+              <a:rPr lang="pl-PL" sz="4000" dirty="0" err="1">
+                <a:solidFill>
+                  <a:schemeClr val="bg1"/>
+                </a:solidFill>
+              </a:rPr>
+              <a:t>Mutation</a:t>
+            </a:r>
+            <a:r>
+              <a:rPr lang="pl-PL" sz="4000" dirty="0">
+                <a:solidFill>
+                  <a:schemeClr val="bg1"/>
+                </a:solidFill>
+              </a:rPr>
+              <a:t> </a:t>
+            </a:r>
+            <a:r>
+              <a:rPr lang="pl-PL" sz="4000" dirty="0" err="1">
+                <a:solidFill>
+                  <a:schemeClr val="bg1"/>
+                </a:solidFill>
+              </a:rPr>
+              <a:t>testing</a:t>
+            </a:r>
+            <a:endParaRPr lang="pl-PL" sz="4000" dirty="0">
+              <a:solidFill>
+                <a:schemeClr val="bg1"/>
+              </a:solidFill>
+            </a:endParaRPr>
+          </a:p>
+        </p:txBody>
+      </p:sp>
+      <p:cxnSp>
+        <p:nvCxnSpPr>
+          <p:cNvPr id="11" name="Straight Connector 10">
+            <a:extLst>
+              <a:ext uri="{FF2B5EF4-FFF2-40B4-BE49-F238E27FC236}">
+                <a16:creationId xmlns:a16="http://schemas.microsoft.com/office/drawing/2014/main" id="{4730E5C8-CA70-4D52-BE2B-E8C54D387F87}"/>
+              </a:ext>
+            </a:extLst>
+          </p:cNvPr>
+          <p:cNvCxnSpPr>
+            <a:cxnSpLocks/>
+            <a:stCxn id="8" idx="2"/>
+            <a:endCxn id="9" idx="0"/>
+          </p:cNvCxnSpPr>
+          <p:nvPr/>
+        </p:nvCxnSpPr>
+        <p:spPr>
+          <a:xfrm>
+            <a:off x="10083441" y="4399645"/>
+            <a:ext cx="0" cy="769122"/>
+          </a:xfrm>
+          <a:prstGeom prst="line">
+            <a:avLst/>
+          </a:prstGeom>
+          <a:ln>
+            <a:solidFill>
+              <a:schemeClr val="tx1">
+                <a:lumMod val="85000"/>
+              </a:schemeClr>
+            </a:solidFill>
+          </a:ln>
+        </p:spPr>
+        <p:style>
+          <a:lnRef idx="1">
+            <a:schemeClr val="accent1"/>
+          </a:lnRef>
+          <a:fillRef idx="0">
+            <a:schemeClr val="accent1"/>
+          </a:fillRef>
+          <a:effectRef idx="0">
+            <a:schemeClr val="accent1"/>
+          </a:effectRef>
+          <a:fontRef idx="minor">
+            <a:schemeClr val="tx1"/>
+          </a:fontRef>
+        </p:style>
+      </p:cxnSp>
+    </p:spTree>
+    <p:extLst>
+      <p:ext uri="{BB962C8B-B14F-4D97-AF65-F5344CB8AC3E}">
+        <p14:creationId xmlns:p14="http://schemas.microsoft.com/office/powerpoint/2010/main" val="2106815143"/>
+      </p:ext>
+    </p:extLst>
+  </p:cSld>
+  <p:clrMapOvr>
+    <a:masterClrMapping/>
+  </p:clrMapOvr>
+</p:sld>
+</file>
+
+<file path=ppt/slides/slide9.xml><?xml version="1.0" encoding="utf-8"?>
+<p:sld xmlns:a="http://schemas.openxmlformats.org/drawingml/2006/main" xmlns:r="http://schemas.openxmlformats.org/officeDocument/2006/relationships" xmlns:p="http://schemas.openxmlformats.org/presentationml/2006/main">
+  <p:cSld>
+    <p:spTree>
+      <p:nvGrpSpPr>
+        <p:cNvPr id="1" name=""/>
+        <p:cNvGrpSpPr/>
+        <p:nvPr/>
+      </p:nvGrpSpPr>
+      <p:grpSpPr>
+        <a:xfrm>
+          <a:off x="0" y="0"/>
+          <a:ext cx="0" cy="0"/>
+          <a:chOff x="0" y="0"/>
+          <a:chExt cx="0" cy="0"/>
+        </a:xfrm>
+      </p:grpSpPr>
+      <p:sp>
+        <p:nvSpPr>
+          <p:cNvPr id="2" name="Title 1">
+            <a:extLst>
+              <a:ext uri="{FF2B5EF4-FFF2-40B4-BE49-F238E27FC236}">
+                <a16:creationId xmlns:a16="http://schemas.microsoft.com/office/drawing/2014/main" id="{63D0D55E-A94D-49AE-AB94-F3564CBE62F7}"/>
+              </a:ext>
+            </a:extLst>
+          </p:cNvPr>
+          <p:cNvSpPr>
+            <a:spLocks noGrp="1"/>
+          </p:cNvSpPr>
+          <p:nvPr>
+            <p:ph type="title"/>
+          </p:nvPr>
+        </p:nvSpPr>
+        <p:spPr/>
+        <p:txBody>
+          <a:bodyPr>
+            <a:normAutofit/>
+          </a:bodyPr>
+          <a:lstStyle/>
+          <a:p>
+            <a:r>
+              <a:rPr lang="pl-PL" dirty="0" err="1"/>
+              <a:t>Contract</a:t>
+            </a:r>
+            <a:r>
+              <a:rPr lang="pl-PL" dirty="0"/>
+              <a:t> </a:t>
+            </a:r>
+            <a:r>
+              <a:rPr lang="pl-PL" dirty="0" err="1"/>
+              <a:t>testing</a:t>
+            </a:r>
+            <a:r>
+              <a:rPr lang="pl-PL" dirty="0"/>
+              <a:t> for </a:t>
+            </a:r>
+            <a:r>
+              <a:rPr lang="pl-PL" dirty="0" err="1"/>
+              <a:t>WebAPI</a:t>
+            </a:r>
+            <a:endParaRPr lang="pl-PL" dirty="0"/>
+          </a:p>
+        </p:txBody>
+      </p:sp>
+      <p:pic>
+        <p:nvPicPr>
+          <p:cNvPr id="4" name="Picture 3" descr="A close up of a screen&#10;&#10;Description automatically generated">
+            <a:extLst>
+              <a:ext uri="{FF2B5EF4-FFF2-40B4-BE49-F238E27FC236}">
+                <a16:creationId xmlns:a16="http://schemas.microsoft.com/office/drawing/2014/main" id="{627A3695-AC1B-423D-8D6E-66AD03514677}"/>
+              </a:ext>
+            </a:extLst>
+          </p:cNvPr>
+          <p:cNvPicPr>
+            <a:picLocks noChangeAspect="1"/>
+          </p:cNvPicPr>
+          <p:nvPr/>
+        </p:nvPicPr>
+        <p:blipFill>
+          <a:blip r:embed="rId2">
+            <a:extLst>
+              <a:ext uri="{28A0092B-C50C-407E-A947-70E740481C1C}">
+                <a14:useLocalDpi xmlns:a14="http://schemas.microsoft.com/office/drawing/2010/main" val="0"/>
+              </a:ext>
+            </a:extLst>
+          </a:blip>
+          <a:stretch>
+            <a:fillRect/>
+          </a:stretch>
+        </p:blipFill>
+        <p:spPr>
+          <a:xfrm>
+            <a:off x="2701154" y="1551142"/>
+            <a:ext cx="6789692" cy="4941733"/>
+          </a:xfrm>
+          <a:prstGeom prst="rect">
+            <a:avLst/>
+          </a:prstGeom>
+        </p:spPr>
+      </p:pic>
+    </p:spTree>
+    <p:extLst>
+      <p:ext uri="{BB962C8B-B14F-4D97-AF65-F5344CB8AC3E}">
+        <p14:creationId xmlns:p14="http://schemas.microsoft.com/office/powerpoint/2010/main" val="4076223901"/>
       </p:ext>
     </p:extLst>
   </p:cSld>
@@ -10918,6 +15401,21 @@
 </file>
 
 <file path=customXml/item1.xml><?xml version="1.0" encoding="utf-8"?>
+<?mso-contentType ?>
+<FormTemplates xmlns="http://schemas.microsoft.com/sharepoint/v3/contenttype/forms">
+  <Display>DocumentLibraryForm</Display>
+  <Edit>DocumentLibraryForm</Edit>
+  <New>DocumentLibraryForm</New>
+</FormTemplates>
+</file>
+
+<file path=customXml/item2.xml><?xml version="1.0" encoding="utf-8"?>
+<p:properties xmlns:p="http://schemas.microsoft.com/office/2006/metadata/properties" xmlns:xsi="http://www.w3.org/2001/XMLSchema-instance" xmlns:pc="http://schemas.microsoft.com/office/infopath/2007/PartnerControls">
+  <documentManagement/>
+</p:properties>
+</file>
+
+<file path=customXml/item3.xml><?xml version="1.0" encoding="utf-8"?>
 <ct:contentTypeSchema xmlns:ct="http://schemas.microsoft.com/office/2006/metadata/contentType" xmlns:ma="http://schemas.microsoft.com/office/2006/metadata/properties/metaAttributes" ct:_="" ma:_="" ma:contentTypeName="Document" ma:contentTypeID="0x0101005184BFB4BA16AE4A9EE3C8BEF74D50A3" ma:contentTypeVersion="0" ma:contentTypeDescription="Create a new document." ma:contentTypeScope="" ma:versionID="d720147679065e31ecdf65c55fc0bc3a">
   <xsd:schema xmlns:xsd="http://www.w3.org/2001/XMLSchema" xmlns:xs="http://www.w3.org/2001/XMLSchema" xmlns:p="http://schemas.microsoft.com/office/2006/metadata/properties" targetNamespace="http://schemas.microsoft.com/office/2006/metadata/properties" ma:root="true" ma:fieldsID="43a7841bbb0f157a6d10fa10cd875d67">
     <xsd:element name="properties">
@@ -11031,33 +15529,10 @@
 </ct:contentTypeSchema>
 </file>
 
-<file path=customXml/item2.xml><?xml version="1.0" encoding="utf-8"?>
-<p:properties xmlns:p="http://schemas.microsoft.com/office/2006/metadata/properties" xmlns:xsi="http://www.w3.org/2001/XMLSchema-instance" xmlns:pc="http://schemas.microsoft.com/office/infopath/2007/PartnerControls">
-  <documentManagement/>
-</p:properties>
-</file>
-
-<file path=customXml/item3.xml><?xml version="1.0" encoding="utf-8"?>
-<?mso-contentType ?>
-<FormTemplates xmlns="http://schemas.microsoft.com/sharepoint/v3/contenttype/forms">
-  <Display>DocumentLibraryForm</Display>
-  <Edit>DocumentLibraryForm</Edit>
-  <New>DocumentLibraryForm</New>
-</FormTemplates>
-</file>
-
 <file path=customXml/itemProps1.xml><?xml version="1.0" encoding="utf-8"?>
-<ds:datastoreItem xmlns:ds="http://schemas.openxmlformats.org/officeDocument/2006/customXml" ds:itemID="{847A727C-7D80-4E88-AE0A-B9AE0A316E4A}">
+<ds:datastoreItem xmlns:ds="http://schemas.openxmlformats.org/officeDocument/2006/customXml" ds:itemID="{8E1E654A-AF8B-4228-A505-3E86DDE44BB6}">
   <ds:schemaRefs>
-    <ds:schemaRef ds:uri="http://schemas.microsoft.com/office/2006/metadata/contentType"/>
-    <ds:schemaRef ds:uri="http://schemas.microsoft.com/office/2006/metadata/properties/metaAttributes"/>
-    <ds:schemaRef ds:uri="http://www.w3.org/2001/XMLSchema"/>
-    <ds:schemaRef ds:uri="http://schemas.microsoft.com/office/2006/metadata/properties"/>
-    <ds:schemaRef ds:uri="http://schemas.openxmlformats.org/package/2006/metadata/core-properties"/>
-    <ds:schemaRef ds:uri="http://purl.org/dc/elements/1.1/"/>
-    <ds:schemaRef ds:uri="http://purl.org/dc/terms/"/>
-    <ds:schemaRef ds:uri="http://schemas.microsoft.com/internal/obd"/>
-    <ds:schemaRef ds:uri="http://schemas.microsoft.com/office/infopath/2007/PartnerControls"/>
+    <ds:schemaRef ds:uri="http://schemas.microsoft.com/sharepoint/v3/contenttype/forms"/>
   </ds:schemaRefs>
 </ds:datastoreItem>
 </file>
@@ -11078,9 +15553,17 @@
 </file>
 
 <file path=customXml/itemProps3.xml><?xml version="1.0" encoding="utf-8"?>
-<ds:datastoreItem xmlns:ds="http://schemas.openxmlformats.org/officeDocument/2006/customXml" ds:itemID="{8E1E654A-AF8B-4228-A505-3E86DDE44BB6}">
+<ds:datastoreItem xmlns:ds="http://schemas.openxmlformats.org/officeDocument/2006/customXml" ds:itemID="{847A727C-7D80-4E88-AE0A-B9AE0A316E4A}">
   <ds:schemaRefs>
-    <ds:schemaRef ds:uri="http://schemas.microsoft.com/sharepoint/v3/contenttype/forms"/>
+    <ds:schemaRef ds:uri="http://schemas.microsoft.com/office/2006/metadata/contentType"/>
+    <ds:schemaRef ds:uri="http://schemas.microsoft.com/office/2006/metadata/properties/metaAttributes"/>
+    <ds:schemaRef ds:uri="http://www.w3.org/2001/XMLSchema"/>
+    <ds:schemaRef ds:uri="http://schemas.microsoft.com/office/2006/metadata/properties"/>
+    <ds:schemaRef ds:uri="http://schemas.openxmlformats.org/package/2006/metadata/core-properties"/>
+    <ds:schemaRef ds:uri="http://purl.org/dc/elements/1.1/"/>
+    <ds:schemaRef ds:uri="http://purl.org/dc/terms/"/>
+    <ds:schemaRef ds:uri="http://schemas.microsoft.com/internal/obd"/>
+    <ds:schemaRef ds:uri="http://schemas.microsoft.com/office/infopath/2007/PartnerControls"/>
   </ds:schemaRefs>
 </ds:datastoreItem>
 </file>
--- a/ContractDistribution/ContractDistribution.pptx
+++ b/ContractDistribution/ContractDistribution.pptx
@@ -5,25 +5,27 @@
     <p:sldMasterId id="2147484188" r:id="rId4"/>
   </p:sldMasterIdLst>
   <p:notesMasterIdLst>
-    <p:notesMasterId r:id="rId21"/>
+    <p:notesMasterId r:id="rId23"/>
   </p:notesMasterIdLst>
   <p:sldIdLst>
     <p:sldId id="256" r:id="rId5"/>
     <p:sldId id="257" r:id="rId6"/>
     <p:sldId id="284" r:id="rId7"/>
-    <p:sldId id="281" r:id="rId8"/>
-    <p:sldId id="278" r:id="rId9"/>
-    <p:sldId id="280" r:id="rId10"/>
-    <p:sldId id="279" r:id="rId11"/>
-    <p:sldId id="282" r:id="rId12"/>
-    <p:sldId id="290" r:id="rId13"/>
-    <p:sldId id="283" r:id="rId14"/>
-    <p:sldId id="287" r:id="rId15"/>
-    <p:sldId id="286" r:id="rId16"/>
-    <p:sldId id="288" r:id="rId17"/>
-    <p:sldId id="289" r:id="rId18"/>
-    <p:sldId id="285" r:id="rId19"/>
-    <p:sldId id="265" r:id="rId20"/>
+    <p:sldId id="291" r:id="rId8"/>
+    <p:sldId id="281" r:id="rId9"/>
+    <p:sldId id="292" r:id="rId10"/>
+    <p:sldId id="278" r:id="rId11"/>
+    <p:sldId id="280" r:id="rId12"/>
+    <p:sldId id="279" r:id="rId13"/>
+    <p:sldId id="282" r:id="rId14"/>
+    <p:sldId id="290" r:id="rId15"/>
+    <p:sldId id="283" r:id="rId16"/>
+    <p:sldId id="287" r:id="rId17"/>
+    <p:sldId id="286" r:id="rId18"/>
+    <p:sldId id="288" r:id="rId19"/>
+    <p:sldId id="289" r:id="rId20"/>
+    <p:sldId id="285" r:id="rId21"/>
+    <p:sldId id="265" r:id="rId22"/>
   </p:sldIdLst>
   <p:sldSz cx="12192000" cy="6858000"/>
   <p:notesSz cx="6858000" cy="9144000"/>
@@ -4316,7 +4318,7 @@
           <a:p>
             <a:fld id="{C30C270E-9714-422B-B7EA-B510AECAFD34}" type="datetimeFigureOut">
               <a:rPr lang="pl-PL" smtClean="0"/>
-              <a:t>14.08.2020</a:t>
+              <a:t>16.08.2020</a:t>
             </a:fld>
             <a:endParaRPr lang="pl-PL"/>
           </a:p>
@@ -4721,7 +4723,7 @@
           <a:p>
             <a:fld id="{7F58F548-D456-4D1A-A703-1CFCC1D7DDD4}" type="slidenum">
               <a:rPr lang="pl-PL" smtClean="0"/>
-              <a:t>5</a:t>
+              <a:t>7</a:t>
             </a:fld>
             <a:endParaRPr lang="pl-PL"/>
           </a:p>
@@ -4916,7 +4918,7 @@
           <a:p>
             <a:fld id="{7F58F548-D456-4D1A-A703-1CFCC1D7DDD4}" type="slidenum">
               <a:rPr lang="pl-PL" smtClean="0"/>
-              <a:t>6</a:t>
+              <a:t>8</a:t>
             </a:fld>
             <a:endParaRPr lang="pl-PL"/>
           </a:p>
@@ -5000,7 +5002,7 @@
           <a:p>
             <a:fld id="{7F58F548-D456-4D1A-A703-1CFCC1D7DDD4}" type="slidenum">
               <a:rPr lang="pl-PL" smtClean="0"/>
-              <a:t>16</a:t>
+              <a:t>18</a:t>
             </a:fld>
             <a:endParaRPr lang="pl-PL"/>
           </a:p>
@@ -5215,7 +5217,7 @@
           <a:p>
             <a:fld id="{96D30BF6-FA71-4576-A5BC-BB4B1D1254CD}" type="datetimeFigureOut">
               <a:rPr lang="pl-PL" smtClean="0"/>
-              <a:t>14.08.2020</a:t>
+              <a:t>16.08.2020</a:t>
             </a:fld>
             <a:endParaRPr lang="pl-PL"/>
           </a:p>
@@ -5501,7 +5503,7 @@
           <a:p>
             <a:fld id="{96D30BF6-FA71-4576-A5BC-BB4B1D1254CD}" type="datetimeFigureOut">
               <a:rPr lang="pl-PL" smtClean="0"/>
-              <a:t>14.08.2020</a:t>
+              <a:t>16.08.2020</a:t>
             </a:fld>
             <a:endParaRPr lang="pl-PL"/>
           </a:p>
@@ -5693,7 +5695,7 @@
           <a:p>
             <a:fld id="{96D30BF6-FA71-4576-A5BC-BB4B1D1254CD}" type="datetimeFigureOut">
               <a:rPr lang="pl-PL" smtClean="0"/>
-              <a:t>14.08.2020</a:t>
+              <a:t>16.08.2020</a:t>
             </a:fld>
             <a:endParaRPr lang="pl-PL"/>
           </a:p>
@@ -5954,7 +5956,7 @@
           <a:p>
             <a:fld id="{96D30BF6-FA71-4576-A5BC-BB4B1D1254CD}" type="datetimeFigureOut">
               <a:rPr lang="pl-PL" smtClean="0"/>
-              <a:t>14.08.2020</a:t>
+              <a:t>16.08.2020</a:t>
             </a:fld>
             <a:endParaRPr lang="pl-PL"/>
           </a:p>
@@ -6380,7 +6382,7 @@
           <a:p>
             <a:fld id="{96D30BF6-FA71-4576-A5BC-BB4B1D1254CD}" type="datetimeFigureOut">
               <a:rPr lang="pl-PL" smtClean="0"/>
-              <a:t>14.08.2020</a:t>
+              <a:t>16.08.2020</a:t>
             </a:fld>
             <a:endParaRPr lang="pl-PL"/>
           </a:p>
@@ -6926,7 +6928,7 @@
           <a:p>
             <a:fld id="{96D30BF6-FA71-4576-A5BC-BB4B1D1254CD}" type="datetimeFigureOut">
               <a:rPr lang="pl-PL" smtClean="0"/>
-              <a:t>14.08.2020</a:t>
+              <a:t>16.08.2020</a:t>
             </a:fld>
             <a:endParaRPr lang="pl-PL"/>
           </a:p>
@@ -7757,7 +7759,7 @@
           <a:p>
             <a:fld id="{96D30BF6-FA71-4576-A5BC-BB4B1D1254CD}" type="datetimeFigureOut">
               <a:rPr lang="pl-PL" smtClean="0"/>
-              <a:t>14.08.2020</a:t>
+              <a:t>16.08.2020</a:t>
             </a:fld>
             <a:endParaRPr lang="pl-PL"/>
           </a:p>
@@ -7927,7 +7929,7 @@
           <a:p>
             <a:fld id="{96D30BF6-FA71-4576-A5BC-BB4B1D1254CD}" type="datetimeFigureOut">
               <a:rPr lang="pl-PL" smtClean="0"/>
-              <a:t>14.08.2020</a:t>
+              <a:t>16.08.2020</a:t>
             </a:fld>
             <a:endParaRPr lang="pl-PL"/>
           </a:p>
@@ -8107,7 +8109,7 @@
           <a:p>
             <a:fld id="{96D30BF6-FA71-4576-A5BC-BB4B1D1254CD}" type="datetimeFigureOut">
               <a:rPr lang="pl-PL" smtClean="0"/>
-              <a:t>14.08.2020</a:t>
+              <a:t>16.08.2020</a:t>
             </a:fld>
             <a:endParaRPr lang="pl-PL"/>
           </a:p>
@@ -8282,7 +8284,7 @@
           <a:p>
             <a:fld id="{96D30BF6-FA71-4576-A5BC-BB4B1D1254CD}" type="datetimeFigureOut">
               <a:rPr lang="pl-PL" smtClean="0"/>
-              <a:t>14.08.2020</a:t>
+              <a:t>16.08.2020</a:t>
             </a:fld>
             <a:endParaRPr lang="pl-PL"/>
           </a:p>
@@ -8539,7 +8541,7 @@
           <a:p>
             <a:fld id="{96D30BF6-FA71-4576-A5BC-BB4B1D1254CD}" type="datetimeFigureOut">
               <a:rPr lang="pl-PL" smtClean="0"/>
-              <a:t>14.08.2020</a:t>
+              <a:t>16.08.2020</a:t>
             </a:fld>
             <a:endParaRPr lang="pl-PL"/>
           </a:p>
@@ -8776,7 +8778,7 @@
           <a:p>
             <a:fld id="{96D30BF6-FA71-4576-A5BC-BB4B1D1254CD}" type="datetimeFigureOut">
               <a:rPr lang="pl-PL" smtClean="0"/>
-              <a:t>14.08.2020</a:t>
+              <a:t>16.08.2020</a:t>
             </a:fld>
             <a:endParaRPr lang="pl-PL"/>
           </a:p>
@@ -9169,7 +9171,7 @@
           <a:p>
             <a:fld id="{96D30BF6-FA71-4576-A5BC-BB4B1D1254CD}" type="datetimeFigureOut">
               <a:rPr lang="pl-PL" smtClean="0"/>
-              <a:t>14.08.2020</a:t>
+              <a:t>16.08.2020</a:t>
             </a:fld>
             <a:endParaRPr lang="pl-PL"/>
           </a:p>
@@ -9287,7 +9289,7 @@
           <a:p>
             <a:fld id="{96D30BF6-FA71-4576-A5BC-BB4B1D1254CD}" type="datetimeFigureOut">
               <a:rPr lang="pl-PL" smtClean="0"/>
-              <a:t>14.08.2020</a:t>
+              <a:t>16.08.2020</a:t>
             </a:fld>
             <a:endParaRPr lang="pl-PL"/>
           </a:p>
@@ -9382,7 +9384,7 @@
           <a:p>
             <a:fld id="{96D30BF6-FA71-4576-A5BC-BB4B1D1254CD}" type="datetimeFigureOut">
               <a:rPr lang="pl-PL" smtClean="0"/>
-              <a:t>14.08.2020</a:t>
+              <a:t>16.08.2020</a:t>
             </a:fld>
             <a:endParaRPr lang="pl-PL"/>
           </a:p>
@@ -9655,7 +9657,7 @@
           <a:p>
             <a:fld id="{96D30BF6-FA71-4576-A5BC-BB4B1D1254CD}" type="datetimeFigureOut">
               <a:rPr lang="pl-PL" smtClean="0"/>
-              <a:t>14.08.2020</a:t>
+              <a:t>16.08.2020</a:t>
             </a:fld>
             <a:endParaRPr lang="pl-PL"/>
           </a:p>
@@ -9936,7 +9938,7 @@
           <a:p>
             <a:fld id="{96D30BF6-FA71-4576-A5BC-BB4B1D1254CD}" type="datetimeFigureOut">
               <a:rPr lang="pl-PL" smtClean="0"/>
-              <a:t>14.08.2020</a:t>
+              <a:t>16.08.2020</a:t>
             </a:fld>
             <a:endParaRPr lang="pl-PL"/>
           </a:p>
@@ -10176,7 +10178,7 @@
           <a:p>
             <a:fld id="{96D30BF6-FA71-4576-A5BC-BB4B1D1254CD}" type="datetimeFigureOut">
               <a:rPr lang="pl-PL" smtClean="0"/>
-              <a:t>14.08.2020</a:t>
+              <a:t>16.08.2020</a:t>
             </a:fld>
             <a:endParaRPr lang="pl-PL"/>
           </a:p>
@@ -10897,49 +10899,724 @@
         </p:nvSpPr>
         <p:spPr/>
         <p:txBody>
+          <a:bodyPr/>
+          <a:lstStyle/>
+          <a:p>
+            <a:r>
+              <a:rPr lang="pl-PL" dirty="0" err="1"/>
+              <a:t>Tests</a:t>
+            </a:r>
+            <a:r>
+              <a:rPr lang="pl-PL" dirty="0"/>
+              <a:t> as </a:t>
+            </a:r>
+            <a:r>
+              <a:rPr lang="pl-PL" dirty="0" err="1"/>
+              <a:t>living</a:t>
+            </a:r>
+            <a:r>
+              <a:rPr lang="pl-PL" dirty="0"/>
+              <a:t> </a:t>
+            </a:r>
+            <a:r>
+              <a:rPr lang="pl-PL" dirty="0" err="1"/>
+              <a:t>specification</a:t>
+            </a:r>
+            <a:r>
+              <a:rPr lang="pl-PL" dirty="0"/>
+              <a:t> II</a:t>
+            </a:r>
+          </a:p>
+        </p:txBody>
+      </p:sp>
+      <p:sp>
+        <p:nvSpPr>
+          <p:cNvPr id="4" name="Rectangle: Rounded Corners 3">
+            <a:extLst>
+              <a:ext uri="{FF2B5EF4-FFF2-40B4-BE49-F238E27FC236}">
+                <a16:creationId xmlns:a16="http://schemas.microsoft.com/office/drawing/2014/main" id="{B0B432B1-0B5D-4696-A390-6F7BD04C25F0}"/>
+              </a:ext>
+            </a:extLst>
+          </p:cNvPr>
+          <p:cNvSpPr/>
+          <p:nvPr/>
+        </p:nvSpPr>
+        <p:spPr>
+          <a:xfrm>
+            <a:off x="272139" y="3106422"/>
+            <a:ext cx="3672840" cy="1293223"/>
+          </a:xfrm>
+          <a:prstGeom prst="roundRect">
+            <a:avLst/>
+          </a:prstGeom>
+          <a:solidFill>
+            <a:schemeClr val="tx1">
+              <a:lumMod val="85000"/>
+            </a:schemeClr>
+          </a:solidFill>
+          <a:ln>
+            <a:solidFill>
+              <a:schemeClr val="tx1">
+                <a:lumMod val="85000"/>
+              </a:schemeClr>
+            </a:solidFill>
+          </a:ln>
+        </p:spPr>
+        <p:style>
+          <a:lnRef idx="2">
+            <a:schemeClr val="accent1">
+              <a:shade val="50000"/>
+            </a:schemeClr>
+          </a:lnRef>
+          <a:fillRef idx="1">
+            <a:schemeClr val="accent1"/>
+          </a:fillRef>
+          <a:effectRef idx="0">
+            <a:schemeClr val="accent1"/>
+          </a:effectRef>
+          <a:fontRef idx="minor">
+            <a:schemeClr val="lt1"/>
+          </a:fontRef>
+        </p:style>
+        <p:txBody>
+          <a:bodyPr rtlCol="0" anchor="ctr"/>
+          <a:lstStyle/>
+          <a:p>
+            <a:pPr algn="ctr"/>
+            <a:r>
+              <a:rPr lang="pl-PL" sz="4000" dirty="0">
+                <a:solidFill>
+                  <a:schemeClr val="bg1"/>
+                </a:solidFill>
+              </a:rPr>
+              <a:t>Line</a:t>
+            </a:r>
+          </a:p>
+        </p:txBody>
+      </p:sp>
+      <p:sp>
+        <p:nvSpPr>
+          <p:cNvPr id="6" name="Content Placeholder 5">
+            <a:extLst>
+              <a:ext uri="{FF2B5EF4-FFF2-40B4-BE49-F238E27FC236}">
+                <a16:creationId xmlns:a16="http://schemas.microsoft.com/office/drawing/2014/main" id="{76EE617A-7379-4993-92EC-2FCDF97FAABB}"/>
+              </a:ext>
+            </a:extLst>
+          </p:cNvPr>
+          <p:cNvSpPr>
+            <a:spLocks noGrp="1"/>
+          </p:cNvSpPr>
+          <p:nvPr>
+            <p:ph idx="1"/>
+          </p:nvPr>
+        </p:nvSpPr>
+        <p:spPr>
+          <a:xfrm>
+            <a:off x="1120000" y="1825625"/>
+            <a:ext cx="10233800" cy="643255"/>
+          </a:xfrm>
+        </p:spPr>
+        <p:txBody>
           <a:bodyPr>
-            <a:normAutofit fontScale="90000"/>
+            <a:normAutofit/>
           </a:bodyPr>
           <a:lstStyle/>
           <a:p>
-            <a:r>
-              <a:rPr lang="pl-PL" dirty="0"/>
-              <a:t>Interface-</a:t>
-            </a:r>
-            <a:r>
-              <a:rPr lang="pl-PL" dirty="0" err="1"/>
-              <a:t>based</a:t>
-            </a:r>
-            <a:r>
-              <a:rPr lang="pl-PL" dirty="0"/>
+            <a:pPr marL="0" indent="0" algn="ctr">
+              <a:buNone/>
+            </a:pPr>
+            <a:r>
+              <a:rPr lang="pl-PL" sz="3200" dirty="0" err="1"/>
+              <a:t>What</a:t>
+            </a:r>
+            <a:r>
+              <a:rPr lang="pl-PL" sz="3200" dirty="0"/>
               <a:t> </a:t>
             </a:r>
             <a:r>
-              <a:rPr lang="pl-PL" dirty="0" err="1"/>
-              <a:t>contract</a:t>
-            </a:r>
-            <a:r>
-              <a:rPr lang="pl-PL" dirty="0"/>
+              <a:rPr lang="pl-PL" sz="3200" dirty="0" err="1"/>
+              <a:t>about</a:t>
+            </a:r>
+            <a:r>
+              <a:rPr lang="pl-PL" sz="3200" dirty="0"/>
               <a:t> </a:t>
             </a:r>
             <a:r>
-              <a:rPr lang="pl-PL" dirty="0" err="1"/>
-              <a:t>distribution</a:t>
-            </a:r>
-            <a:endParaRPr lang="pl-PL" dirty="0"/>
+              <a:rPr lang="pl-PL" sz="3200" dirty="0" err="1"/>
+              <a:t>coverage</a:t>
+            </a:r>
+            <a:r>
+              <a:rPr lang="pl-PL" sz="3200" dirty="0"/>
+              <a:t>?</a:t>
+            </a:r>
           </a:p>
         </p:txBody>
       </p:sp>
+      <p:sp>
+        <p:nvSpPr>
+          <p:cNvPr id="7" name="Rectangle: Rounded Corners 6">
+            <a:extLst>
+              <a:ext uri="{FF2B5EF4-FFF2-40B4-BE49-F238E27FC236}">
+                <a16:creationId xmlns:a16="http://schemas.microsoft.com/office/drawing/2014/main" id="{C1428AFC-056D-4DC7-96FB-AE49B6AC1769}"/>
+              </a:ext>
+            </a:extLst>
+          </p:cNvPr>
+          <p:cNvSpPr/>
+          <p:nvPr/>
+        </p:nvSpPr>
+        <p:spPr>
+          <a:xfrm>
+            <a:off x="4259580" y="3106422"/>
+            <a:ext cx="3672840" cy="1293223"/>
+          </a:xfrm>
+          <a:prstGeom prst="roundRect">
+            <a:avLst/>
+          </a:prstGeom>
+          <a:solidFill>
+            <a:schemeClr val="tx1">
+              <a:lumMod val="85000"/>
+            </a:schemeClr>
+          </a:solidFill>
+          <a:ln>
+            <a:solidFill>
+              <a:schemeClr val="tx1">
+                <a:lumMod val="85000"/>
+              </a:schemeClr>
+            </a:solidFill>
+          </a:ln>
+        </p:spPr>
+        <p:style>
+          <a:lnRef idx="2">
+            <a:schemeClr val="accent1">
+              <a:shade val="50000"/>
+            </a:schemeClr>
+          </a:lnRef>
+          <a:fillRef idx="1">
+            <a:schemeClr val="accent1"/>
+          </a:fillRef>
+          <a:effectRef idx="0">
+            <a:schemeClr val="accent1"/>
+          </a:effectRef>
+          <a:fontRef idx="minor">
+            <a:schemeClr val="lt1"/>
+          </a:fontRef>
+        </p:style>
+        <p:txBody>
+          <a:bodyPr rtlCol="0" anchor="ctr"/>
+          <a:lstStyle/>
+          <a:p>
+            <a:pPr algn="ctr"/>
+            <a:r>
+              <a:rPr lang="pl-PL" sz="4000" dirty="0" err="1">
+                <a:solidFill>
+                  <a:schemeClr val="bg1"/>
+                </a:solidFill>
+              </a:rPr>
+              <a:t>Path</a:t>
+            </a:r>
+            <a:endParaRPr lang="pl-PL" sz="4000" dirty="0">
+              <a:solidFill>
+                <a:schemeClr val="bg1"/>
+              </a:solidFill>
+            </a:endParaRPr>
+          </a:p>
+        </p:txBody>
+      </p:sp>
+      <p:sp>
+        <p:nvSpPr>
+          <p:cNvPr id="8" name="Rectangle: Rounded Corners 7">
+            <a:extLst>
+              <a:ext uri="{FF2B5EF4-FFF2-40B4-BE49-F238E27FC236}">
+                <a16:creationId xmlns:a16="http://schemas.microsoft.com/office/drawing/2014/main" id="{FCEB8AC9-6B37-4A10-B78F-BC0483D11AB1}"/>
+              </a:ext>
+            </a:extLst>
+          </p:cNvPr>
+          <p:cNvSpPr/>
+          <p:nvPr/>
+        </p:nvSpPr>
+        <p:spPr>
+          <a:xfrm>
+            <a:off x="8247021" y="3106422"/>
+            <a:ext cx="3672840" cy="1293223"/>
+          </a:xfrm>
+          <a:prstGeom prst="roundRect">
+            <a:avLst/>
+          </a:prstGeom>
+          <a:solidFill>
+            <a:schemeClr val="tx1">
+              <a:lumMod val="85000"/>
+            </a:schemeClr>
+          </a:solidFill>
+          <a:ln>
+            <a:solidFill>
+              <a:schemeClr val="tx1">
+                <a:lumMod val="85000"/>
+              </a:schemeClr>
+            </a:solidFill>
+          </a:ln>
+        </p:spPr>
+        <p:style>
+          <a:lnRef idx="2">
+            <a:schemeClr val="accent1">
+              <a:shade val="50000"/>
+            </a:schemeClr>
+          </a:lnRef>
+          <a:fillRef idx="1">
+            <a:schemeClr val="accent1"/>
+          </a:fillRef>
+          <a:effectRef idx="0">
+            <a:schemeClr val="accent1"/>
+          </a:effectRef>
+          <a:fontRef idx="minor">
+            <a:schemeClr val="lt1"/>
+          </a:fontRef>
+        </p:style>
+        <p:txBody>
+          <a:bodyPr rtlCol="0" anchor="ctr"/>
+          <a:lstStyle/>
+          <a:p>
+            <a:pPr algn="ctr"/>
+            <a:r>
+              <a:rPr lang="pl-PL" sz="4000" dirty="0" err="1">
+                <a:solidFill>
+                  <a:schemeClr val="bg1"/>
+                </a:solidFill>
+              </a:rPr>
+              <a:t>Behavior</a:t>
+            </a:r>
+            <a:r>
+              <a:rPr lang="pl-PL" sz="4000" dirty="0">
+                <a:solidFill>
+                  <a:schemeClr val="bg1"/>
+                </a:solidFill>
+              </a:rPr>
+              <a:t>?</a:t>
+            </a:r>
+          </a:p>
+        </p:txBody>
+      </p:sp>
+      <p:sp>
+        <p:nvSpPr>
+          <p:cNvPr id="9" name="Rectangle: Rounded Corners 8">
+            <a:extLst>
+              <a:ext uri="{FF2B5EF4-FFF2-40B4-BE49-F238E27FC236}">
+                <a16:creationId xmlns:a16="http://schemas.microsoft.com/office/drawing/2014/main" id="{306F0387-13C7-4B9F-8101-DD03580F4E95}"/>
+              </a:ext>
+            </a:extLst>
+          </p:cNvPr>
+          <p:cNvSpPr/>
+          <p:nvPr/>
+        </p:nvSpPr>
+        <p:spPr>
+          <a:xfrm>
+            <a:off x="8247021" y="5168767"/>
+            <a:ext cx="3672840" cy="1293223"/>
+          </a:xfrm>
+          <a:prstGeom prst="roundRect">
+            <a:avLst/>
+          </a:prstGeom>
+          <a:solidFill>
+            <a:schemeClr val="accent4"/>
+          </a:solidFill>
+          <a:ln>
+            <a:solidFill>
+              <a:schemeClr val="accent4"/>
+            </a:solidFill>
+          </a:ln>
+        </p:spPr>
+        <p:style>
+          <a:lnRef idx="2">
+            <a:schemeClr val="accent1">
+              <a:shade val="50000"/>
+            </a:schemeClr>
+          </a:lnRef>
+          <a:fillRef idx="1">
+            <a:schemeClr val="accent1"/>
+          </a:fillRef>
+          <a:effectRef idx="0">
+            <a:schemeClr val="accent1"/>
+          </a:effectRef>
+          <a:fontRef idx="minor">
+            <a:schemeClr val="lt1"/>
+          </a:fontRef>
+        </p:style>
+        <p:txBody>
+          <a:bodyPr rtlCol="0" anchor="ctr"/>
+          <a:lstStyle/>
+          <a:p>
+            <a:pPr algn="ctr"/>
+            <a:r>
+              <a:rPr lang="pl-PL" sz="4000" dirty="0" err="1">
+                <a:solidFill>
+                  <a:schemeClr val="bg1"/>
+                </a:solidFill>
+              </a:rPr>
+              <a:t>Mutation</a:t>
+            </a:r>
+            <a:r>
+              <a:rPr lang="pl-PL" sz="4000" dirty="0">
+                <a:solidFill>
+                  <a:schemeClr val="bg1"/>
+                </a:solidFill>
+              </a:rPr>
+              <a:t> </a:t>
+            </a:r>
+            <a:r>
+              <a:rPr lang="pl-PL" sz="4000" dirty="0" err="1">
+                <a:solidFill>
+                  <a:schemeClr val="bg1"/>
+                </a:solidFill>
+              </a:rPr>
+              <a:t>testing</a:t>
+            </a:r>
+            <a:endParaRPr lang="pl-PL" sz="4000" dirty="0">
+              <a:solidFill>
+                <a:schemeClr val="bg1"/>
+              </a:solidFill>
+            </a:endParaRPr>
+          </a:p>
+        </p:txBody>
+      </p:sp>
+      <p:cxnSp>
+        <p:nvCxnSpPr>
+          <p:cNvPr id="11" name="Straight Connector 10">
+            <a:extLst>
+              <a:ext uri="{FF2B5EF4-FFF2-40B4-BE49-F238E27FC236}">
+                <a16:creationId xmlns:a16="http://schemas.microsoft.com/office/drawing/2014/main" id="{4730E5C8-CA70-4D52-BE2B-E8C54D387F87}"/>
+              </a:ext>
+            </a:extLst>
+          </p:cNvPr>
+          <p:cNvCxnSpPr>
+            <a:cxnSpLocks/>
+            <a:stCxn id="8" idx="2"/>
+            <a:endCxn id="9" idx="0"/>
+          </p:cNvCxnSpPr>
+          <p:nvPr/>
+        </p:nvCxnSpPr>
+        <p:spPr>
+          <a:xfrm>
+            <a:off x="10083441" y="4399645"/>
+            <a:ext cx="0" cy="769122"/>
+          </a:xfrm>
+          <a:prstGeom prst="line">
+            <a:avLst/>
+          </a:prstGeom>
+          <a:ln>
+            <a:solidFill>
+              <a:schemeClr val="tx1">
+                <a:lumMod val="85000"/>
+              </a:schemeClr>
+            </a:solidFill>
+          </a:ln>
+        </p:spPr>
+        <p:style>
+          <a:lnRef idx="1">
+            <a:schemeClr val="accent1"/>
+          </a:lnRef>
+          <a:fillRef idx="0">
+            <a:schemeClr val="accent1"/>
+          </a:fillRef>
+          <a:effectRef idx="0">
+            <a:schemeClr val="accent1"/>
+          </a:effectRef>
+          <a:fontRef idx="minor">
+            <a:schemeClr val="tx1"/>
+          </a:fontRef>
+        </p:style>
+      </p:cxnSp>
     </p:spTree>
     <p:extLst>
       <p:ext uri="{BB962C8B-B14F-4D97-AF65-F5344CB8AC3E}">
-        <p14:creationId xmlns:p14="http://schemas.microsoft.com/office/powerpoint/2010/main" val="2726302417"/>
+        <p14:creationId xmlns:p14="http://schemas.microsoft.com/office/powerpoint/2010/main" val="2106815143"/>
       </p:ext>
     </p:extLst>
   </p:cSld>
   <p:clrMapOvr>
     <a:masterClrMapping/>
   </p:clrMapOvr>
+  <p:timing>
+    <p:tnLst>
+      <p:par>
+        <p:cTn id="1" dur="indefinite" restart="never" nodeType="tmRoot">
+          <p:childTnLst>
+            <p:seq concurrent="1" nextAc="seek">
+              <p:cTn id="2" dur="indefinite" nodeType="mainSeq">
+                <p:childTnLst>
+                  <p:par>
+                    <p:cTn id="3" fill="hold">
+                      <p:stCondLst>
+                        <p:cond delay="indefinite"/>
+                      </p:stCondLst>
+                      <p:childTnLst>
+                        <p:par>
+                          <p:cTn id="4" fill="hold">
+                            <p:stCondLst>
+                              <p:cond delay="0"/>
+                            </p:stCondLst>
+                            <p:childTnLst>
+                              <p:par>
+                                <p:cTn id="5" presetID="10" presetClass="entr" presetSubtype="0" fill="hold" grpId="0" nodeType="clickEffect">
+                                  <p:stCondLst>
+                                    <p:cond delay="0"/>
+                                  </p:stCondLst>
+                                  <p:childTnLst>
+                                    <p:set>
+                                      <p:cBhvr>
+                                        <p:cTn id="6" dur="1" fill="hold">
+                                          <p:stCondLst>
+                                            <p:cond delay="0"/>
+                                          </p:stCondLst>
+                                        </p:cTn>
+                                        <p:tgtEl>
+                                          <p:spTgt spid="4"/>
+                                        </p:tgtEl>
+                                        <p:attrNameLst>
+                                          <p:attrName>style.visibility</p:attrName>
+                                        </p:attrNameLst>
+                                      </p:cBhvr>
+                                      <p:to>
+                                        <p:strVal val="visible"/>
+                                      </p:to>
+                                    </p:set>
+                                    <p:animEffect transition="in" filter="fade">
+                                      <p:cBhvr>
+                                        <p:cTn id="7" dur="500"/>
+                                        <p:tgtEl>
+                                          <p:spTgt spid="4"/>
+                                        </p:tgtEl>
+                                      </p:cBhvr>
+                                    </p:animEffect>
+                                  </p:childTnLst>
+                                </p:cTn>
+                              </p:par>
+                            </p:childTnLst>
+                          </p:cTn>
+                        </p:par>
+                      </p:childTnLst>
+                    </p:cTn>
+                  </p:par>
+                  <p:par>
+                    <p:cTn id="8" fill="hold">
+                      <p:stCondLst>
+                        <p:cond delay="indefinite"/>
+                      </p:stCondLst>
+                      <p:childTnLst>
+                        <p:par>
+                          <p:cTn id="9" fill="hold">
+                            <p:stCondLst>
+                              <p:cond delay="0"/>
+                            </p:stCondLst>
+                            <p:childTnLst>
+                              <p:par>
+                                <p:cTn id="10" presetID="10" presetClass="entr" presetSubtype="0" fill="hold" grpId="0" nodeType="clickEffect">
+                                  <p:stCondLst>
+                                    <p:cond delay="0"/>
+                                  </p:stCondLst>
+                                  <p:childTnLst>
+                                    <p:set>
+                                      <p:cBhvr>
+                                        <p:cTn id="11" dur="1" fill="hold">
+                                          <p:stCondLst>
+                                            <p:cond delay="0"/>
+                                          </p:stCondLst>
+                                        </p:cTn>
+                                        <p:tgtEl>
+                                          <p:spTgt spid="7"/>
+                                        </p:tgtEl>
+                                        <p:attrNameLst>
+                                          <p:attrName>style.visibility</p:attrName>
+                                        </p:attrNameLst>
+                                      </p:cBhvr>
+                                      <p:to>
+                                        <p:strVal val="visible"/>
+                                      </p:to>
+                                    </p:set>
+                                    <p:animEffect transition="in" filter="fade">
+                                      <p:cBhvr>
+                                        <p:cTn id="12" dur="500"/>
+                                        <p:tgtEl>
+                                          <p:spTgt spid="7"/>
+                                        </p:tgtEl>
+                                      </p:cBhvr>
+                                    </p:animEffect>
+                                  </p:childTnLst>
+                                </p:cTn>
+                              </p:par>
+                            </p:childTnLst>
+                          </p:cTn>
+                        </p:par>
+                      </p:childTnLst>
+                    </p:cTn>
+                  </p:par>
+                  <p:par>
+                    <p:cTn id="13" fill="hold">
+                      <p:stCondLst>
+                        <p:cond delay="indefinite"/>
+                      </p:stCondLst>
+                      <p:childTnLst>
+                        <p:par>
+                          <p:cTn id="14" fill="hold">
+                            <p:stCondLst>
+                              <p:cond delay="0"/>
+                            </p:stCondLst>
+                            <p:childTnLst>
+                              <p:par>
+                                <p:cTn id="15" presetID="10" presetClass="entr" presetSubtype="0" fill="hold" grpId="0" nodeType="clickEffect">
+                                  <p:stCondLst>
+                                    <p:cond delay="0"/>
+                                  </p:stCondLst>
+                                  <p:childTnLst>
+                                    <p:set>
+                                      <p:cBhvr>
+                                        <p:cTn id="16" dur="1" fill="hold">
+                                          <p:stCondLst>
+                                            <p:cond delay="0"/>
+                                          </p:stCondLst>
+                                        </p:cTn>
+                                        <p:tgtEl>
+                                          <p:spTgt spid="8"/>
+                                        </p:tgtEl>
+                                        <p:attrNameLst>
+                                          <p:attrName>style.visibility</p:attrName>
+                                        </p:attrNameLst>
+                                      </p:cBhvr>
+                                      <p:to>
+                                        <p:strVal val="visible"/>
+                                      </p:to>
+                                    </p:set>
+                                    <p:animEffect transition="in" filter="fade">
+                                      <p:cBhvr>
+                                        <p:cTn id="17" dur="500"/>
+                                        <p:tgtEl>
+                                          <p:spTgt spid="8"/>
+                                        </p:tgtEl>
+                                      </p:cBhvr>
+                                    </p:animEffect>
+                                  </p:childTnLst>
+                                </p:cTn>
+                              </p:par>
+                            </p:childTnLst>
+                          </p:cTn>
+                        </p:par>
+                      </p:childTnLst>
+                    </p:cTn>
+                  </p:par>
+                  <p:par>
+                    <p:cTn id="18" fill="hold">
+                      <p:stCondLst>
+                        <p:cond delay="indefinite"/>
+                      </p:stCondLst>
+                      <p:childTnLst>
+                        <p:par>
+                          <p:cTn id="19" fill="hold">
+                            <p:stCondLst>
+                              <p:cond delay="0"/>
+                            </p:stCondLst>
+                            <p:childTnLst>
+                              <p:par>
+                                <p:cTn id="20" presetID="10" presetClass="entr" presetSubtype="0" fill="hold" nodeType="clickEffect">
+                                  <p:stCondLst>
+                                    <p:cond delay="0"/>
+                                  </p:stCondLst>
+                                  <p:childTnLst>
+                                    <p:set>
+                                      <p:cBhvr>
+                                        <p:cTn id="21" dur="1" fill="hold">
+                                          <p:stCondLst>
+                                            <p:cond delay="0"/>
+                                          </p:stCondLst>
+                                        </p:cTn>
+                                        <p:tgtEl>
+                                          <p:spTgt spid="11"/>
+                                        </p:tgtEl>
+                                        <p:attrNameLst>
+                                          <p:attrName>style.visibility</p:attrName>
+                                        </p:attrNameLst>
+                                      </p:cBhvr>
+                                      <p:to>
+                                        <p:strVal val="visible"/>
+                                      </p:to>
+                                    </p:set>
+                                    <p:animEffect transition="in" filter="fade">
+                                      <p:cBhvr>
+                                        <p:cTn id="22" dur="500"/>
+                                        <p:tgtEl>
+                                          <p:spTgt spid="11"/>
+                                        </p:tgtEl>
+                                      </p:cBhvr>
+                                    </p:animEffect>
+                                  </p:childTnLst>
+                                </p:cTn>
+                              </p:par>
+                              <p:par>
+                                <p:cTn id="23" presetID="10" presetClass="entr" presetSubtype="0" fill="hold" grpId="0" nodeType="withEffect">
+                                  <p:stCondLst>
+                                    <p:cond delay="0"/>
+                                  </p:stCondLst>
+                                  <p:childTnLst>
+                                    <p:set>
+                                      <p:cBhvr>
+                                        <p:cTn id="24" dur="1" fill="hold">
+                                          <p:stCondLst>
+                                            <p:cond delay="0"/>
+                                          </p:stCondLst>
+                                        </p:cTn>
+                                        <p:tgtEl>
+                                          <p:spTgt spid="9"/>
+                                        </p:tgtEl>
+                                        <p:attrNameLst>
+                                          <p:attrName>style.visibility</p:attrName>
+                                        </p:attrNameLst>
+                                      </p:cBhvr>
+                                      <p:to>
+                                        <p:strVal val="visible"/>
+                                      </p:to>
+                                    </p:set>
+                                    <p:animEffect transition="in" filter="fade">
+                                      <p:cBhvr>
+                                        <p:cTn id="25" dur="500"/>
+                                        <p:tgtEl>
+                                          <p:spTgt spid="9"/>
+                                        </p:tgtEl>
+                                      </p:cBhvr>
+                                    </p:animEffect>
+                                  </p:childTnLst>
+                                </p:cTn>
+                              </p:par>
+                            </p:childTnLst>
+                          </p:cTn>
+                        </p:par>
+                      </p:childTnLst>
+                    </p:cTn>
+                  </p:par>
+                </p:childTnLst>
+              </p:cTn>
+              <p:prevCondLst>
+                <p:cond evt="onPrev" delay="0">
+                  <p:tgtEl>
+                    <p:sldTgt/>
+                  </p:tgtEl>
+                </p:cond>
+              </p:prevCondLst>
+              <p:nextCondLst>
+                <p:cond evt="onNext" delay="0">
+                  <p:tgtEl>
+                    <p:sldTgt/>
+                  </p:tgtEl>
+                </p:cond>
+              </p:nextCondLst>
+            </p:seq>
+          </p:childTnLst>
+        </p:cTn>
+      </p:par>
+    </p:tnLst>
+    <p:bldLst>
+      <p:bldP spid="4" grpId="0" animBg="1"/>
+      <p:bldP spid="7" grpId="0" animBg="1"/>
+      <p:bldP spid="8" grpId="0" animBg="1"/>
+      <p:bldP spid="9" grpId="0" animBg="1"/>
+    </p:bldLst>
+  </p:timing>
 </p:sld>
 </file>
 
@@ -10984,12 +11661,8 @@
           <a:lstStyle/>
           <a:p>
             <a:r>
-              <a:rPr lang="pl-PL" dirty="0"/>
-              <a:t>DTO-</a:t>
-            </a:r>
-            <a:r>
               <a:rPr lang="pl-PL" dirty="0" err="1"/>
-              <a:t>based</a:t>
+              <a:t>Contract</a:t>
             </a:r>
             <a:r>
               <a:rPr lang="pl-PL" dirty="0"/>
@@ -10997,24 +11670,60 @@
             </a:r>
             <a:r>
               <a:rPr lang="pl-PL" dirty="0" err="1"/>
-              <a:t>contract</a:t>
+              <a:t>testing</a:t>
             </a:r>
             <a:r>
               <a:rPr lang="pl-PL" dirty="0"/>
-              <a:t> </a:t>
+              <a:t> for </a:t>
             </a:r>
             <a:r>
               <a:rPr lang="pl-PL" dirty="0" err="1"/>
-              <a:t>distribution</a:t>
+              <a:t>WebAPI</a:t>
             </a:r>
             <a:endParaRPr lang="pl-PL" dirty="0"/>
           </a:p>
         </p:txBody>
       </p:sp>
+      <p:pic>
+        <p:nvPicPr>
+          <p:cNvPr id="4" name="Picture 3" descr="A close up of a screen&#10;&#10;Description automatically generated">
+            <a:extLst>
+              <a:ext uri="{FF2B5EF4-FFF2-40B4-BE49-F238E27FC236}">
+                <a16:creationId xmlns:a16="http://schemas.microsoft.com/office/drawing/2014/main" id="{627A3695-AC1B-423D-8D6E-66AD03514677}"/>
+              </a:ext>
+            </a:extLst>
+          </p:cNvPr>
+          <p:cNvPicPr>
+            <a:picLocks noChangeAspect="1"/>
+          </p:cNvPicPr>
+          <p:nvPr/>
+        </p:nvPicPr>
+        <p:blipFill>
+          <a:blip r:embed="rId2">
+            <a:extLst>
+              <a:ext uri="{28A0092B-C50C-407E-A947-70E740481C1C}">
+                <a14:useLocalDpi xmlns:a14="http://schemas.microsoft.com/office/drawing/2010/main" val="0"/>
+              </a:ext>
+            </a:extLst>
+          </a:blip>
+          <a:stretch>
+            <a:fillRect/>
+          </a:stretch>
+        </p:blipFill>
+        <p:spPr>
+          <a:xfrm>
+            <a:off x="2701154" y="1551142"/>
+            <a:ext cx="6789692" cy="4941733"/>
+          </a:xfrm>
+          <a:prstGeom prst="rect">
+            <a:avLst/>
+          </a:prstGeom>
+        </p:spPr>
+      </p:pic>
     </p:spTree>
     <p:extLst>
       <p:ext uri="{BB962C8B-B14F-4D97-AF65-F5344CB8AC3E}">
-        <p14:creationId xmlns:p14="http://schemas.microsoft.com/office/powerpoint/2010/main" val="1923252010"/>
+        <p14:creationId xmlns:p14="http://schemas.microsoft.com/office/powerpoint/2010/main" val="4076223901"/>
       </p:ext>
     </p:extLst>
   </p:cSld>
@@ -11065,8 +11774,12 @@
           <a:lstStyle/>
           <a:p>
             <a:r>
+              <a:rPr lang="pl-PL" dirty="0"/>
+              <a:t>Interface-</a:t>
+            </a:r>
+            <a:r>
               <a:rPr lang="pl-PL" dirty="0" err="1"/>
-              <a:t>Contract</a:t>
+              <a:t>based</a:t>
             </a:r>
             <a:r>
               <a:rPr lang="pl-PL" dirty="0"/>
@@ -11074,27 +11787,313 @@
             </a:r>
             <a:r>
               <a:rPr lang="pl-PL" dirty="0" err="1"/>
+              <a:t>contract</a:t>
+            </a:r>
+            <a:r>
+              <a:rPr lang="pl-PL" dirty="0"/>
+              <a:t> </a:t>
+            </a:r>
+            <a:r>
+              <a:rPr lang="pl-PL" dirty="0" err="1"/>
               <a:t>distribution</a:t>
             </a:r>
-            <a:r>
-              <a:rPr lang="pl-PL" dirty="0"/>
+            <a:endParaRPr lang="pl-PL" dirty="0"/>
+          </a:p>
+        </p:txBody>
+      </p:sp>
+      <p:sp>
+        <p:nvSpPr>
+          <p:cNvPr id="3" name="TextBox 2">
+            <a:extLst>
+              <a:ext uri="{FF2B5EF4-FFF2-40B4-BE49-F238E27FC236}">
+                <a16:creationId xmlns:a16="http://schemas.microsoft.com/office/drawing/2014/main" id="{08F79A55-6869-4184-803A-6319CE380DD8}"/>
+              </a:ext>
+            </a:extLst>
+          </p:cNvPr>
+          <p:cNvSpPr txBox="1"/>
+          <p:nvPr/>
+        </p:nvSpPr>
+        <p:spPr>
+          <a:xfrm>
+            <a:off x="838200" y="1436913"/>
+            <a:ext cx="10515600" cy="4549835"/>
+          </a:xfrm>
+          <a:prstGeom prst="rect">
+            <a:avLst/>
+          </a:prstGeom>
+          <a:noFill/>
+        </p:spPr>
+        <p:txBody>
+          <a:bodyPr wrap="square" rtlCol="0">
+            <a:spAutoFit/>
+          </a:bodyPr>
+          <a:lstStyle/>
+          <a:p>
+            <a:pPr marL="285750" indent="-285750">
+              <a:lnSpc>
+                <a:spcPct val="150000"/>
+              </a:lnSpc>
+              <a:buFontTx/>
+              <a:buChar char="-"/>
+            </a:pPr>
+            <a:r>
+              <a:rPr lang="pl-PL" sz="2800" dirty="0">
+                <a:hlinkClick r:id="rId2"/>
+              </a:rPr>
+              <a:t>https://github.com/reactiveui/refit</a:t>
+            </a:r>
+            <a:endParaRPr lang="pl-PL" sz="2800" dirty="0"/>
+          </a:p>
+          <a:p>
+            <a:pPr marL="285750" indent="-285750">
+              <a:lnSpc>
+                <a:spcPct val="150000"/>
+              </a:lnSpc>
+              <a:buFontTx/>
+              <a:buChar char="-"/>
+            </a:pPr>
+            <a:r>
+              <a:rPr lang="pl-PL" sz="2800" dirty="0"/>
+              <a:t>No </a:t>
+            </a:r>
+            <a:r>
+              <a:rPr lang="pl-PL" sz="2800" dirty="0" err="1"/>
+              <a:t>easy</a:t>
+            </a:r>
+            <a:r>
+              <a:rPr lang="pl-PL" sz="2800" dirty="0"/>
+              <a:t> </a:t>
+            </a:r>
+            <a:r>
+              <a:rPr lang="pl-PL" sz="2800" dirty="0" err="1"/>
+              <a:t>way</a:t>
+            </a:r>
+            <a:r>
+              <a:rPr lang="pl-PL" sz="2800" dirty="0"/>
+              <a:t> to </a:t>
+            </a:r>
+            <a:r>
+              <a:rPr lang="pl-PL" sz="2800" dirty="0" err="1"/>
+              <a:t>couple</a:t>
+            </a:r>
+            <a:r>
+              <a:rPr lang="pl-PL" sz="2800" dirty="0"/>
+              <a:t> </a:t>
+            </a:r>
+            <a:r>
+              <a:rPr lang="pl-PL" sz="2800" dirty="0" err="1"/>
+              <a:t>contract</a:t>
+            </a:r>
+            <a:r>
+              <a:rPr lang="pl-PL" sz="2800" dirty="0"/>
               <a:t> with </a:t>
             </a:r>
             <a:r>
-              <a:rPr lang="pl-PL" dirty="0" err="1"/>
-              <a:t>OpenAPI</a:t>
-            </a:r>
-            <a:r>
-              <a:rPr lang="pl-PL" dirty="0"/>
-              <a:t> spec</a:t>
-            </a:r>
+              <a:rPr lang="pl-PL" sz="2800" dirty="0" err="1"/>
+              <a:t>WebAPI</a:t>
+            </a:r>
+            <a:r>
+              <a:rPr lang="pl-PL" sz="2800" dirty="0"/>
+              <a:t> </a:t>
+            </a:r>
+            <a:r>
+              <a:rPr lang="pl-PL" sz="2800" dirty="0" err="1"/>
+              <a:t>implementer</a:t>
+            </a:r>
+            <a:endParaRPr lang="pl-PL" sz="2800" dirty="0"/>
+          </a:p>
+          <a:p>
+            <a:pPr marL="285750" indent="-285750">
+              <a:lnSpc>
+                <a:spcPct val="150000"/>
+              </a:lnSpc>
+              <a:buFontTx/>
+              <a:buChar char="-"/>
+            </a:pPr>
+            <a:r>
+              <a:rPr lang="pl-PL" sz="2800" dirty="0" err="1"/>
+              <a:t>Does</a:t>
+            </a:r>
+            <a:r>
+              <a:rPr lang="pl-PL" sz="2800" dirty="0"/>
+              <a:t> not </a:t>
+            </a:r>
+            <a:r>
+              <a:rPr lang="pl-PL" sz="2800" dirty="0" err="1"/>
+              <a:t>require</a:t>
+            </a:r>
+            <a:r>
+              <a:rPr lang="pl-PL" sz="2800" dirty="0"/>
+              <a:t> </a:t>
+            </a:r>
+            <a:r>
+              <a:rPr lang="pl-PL" sz="2800" dirty="0" err="1"/>
+              <a:t>any</a:t>
+            </a:r>
+            <a:r>
+              <a:rPr lang="pl-PL" sz="2800" dirty="0"/>
+              <a:t> </a:t>
+            </a:r>
+            <a:r>
+              <a:rPr lang="pl-PL" sz="2800" dirty="0" err="1"/>
+              <a:t>changes</a:t>
+            </a:r>
+            <a:r>
+              <a:rPr lang="pl-PL" sz="2800" dirty="0"/>
+              <a:t> in </a:t>
+            </a:r>
+            <a:r>
+              <a:rPr lang="pl-PL" sz="2800" dirty="0" err="1"/>
+              <a:t>WebAPI</a:t>
+            </a:r>
+            <a:r>
+              <a:rPr lang="pl-PL" sz="2800" dirty="0"/>
+              <a:t> </a:t>
+            </a:r>
+            <a:r>
+              <a:rPr lang="pl-PL" sz="2800" dirty="0" err="1"/>
+              <a:t>implementer</a:t>
+            </a:r>
+            <a:endParaRPr lang="pl-PL" sz="2800" dirty="0"/>
+          </a:p>
+          <a:p>
+            <a:pPr marL="285750" indent="-285750">
+              <a:lnSpc>
+                <a:spcPct val="150000"/>
+              </a:lnSpc>
+              <a:buFontTx/>
+              <a:buChar char="-"/>
+            </a:pPr>
+            <a:r>
+              <a:rPr lang="pl-PL" sz="2800" dirty="0" err="1"/>
+              <a:t>Easy</a:t>
+            </a:r>
+            <a:r>
+              <a:rPr lang="pl-PL" sz="2800" dirty="0"/>
+              <a:t> to test </a:t>
+            </a:r>
+            <a:r>
+              <a:rPr lang="pl-PL" sz="2800" dirty="0" err="1"/>
+              <a:t>distributed</a:t>
+            </a:r>
+            <a:r>
+              <a:rPr lang="pl-PL" sz="2800" dirty="0"/>
+              <a:t> </a:t>
+            </a:r>
+            <a:r>
+              <a:rPr lang="pl-PL" sz="2800" dirty="0" err="1"/>
+              <a:t>contract</a:t>
+            </a:r>
+            <a:endParaRPr lang="pl-PL" sz="2800" dirty="0"/>
+          </a:p>
+          <a:p>
+            <a:pPr marL="285750" indent="-285750">
+              <a:lnSpc>
+                <a:spcPct val="150000"/>
+              </a:lnSpc>
+              <a:buFontTx/>
+              <a:buChar char="-"/>
+            </a:pPr>
+            <a:r>
+              <a:rPr lang="pl-PL" sz="2800" dirty="0"/>
+              <a:t>Distributed as </a:t>
+            </a:r>
+            <a:r>
+              <a:rPr lang="pl-PL" sz="2800" dirty="0" err="1"/>
+              <a:t>nuget</a:t>
+            </a:r>
+            <a:r>
+              <a:rPr lang="pl-PL" sz="2800" dirty="0"/>
+              <a:t> with </a:t>
+            </a:r>
+            <a:r>
+              <a:rPr lang="pl-PL" sz="2800" dirty="0" err="1"/>
+              <a:t>Refit</a:t>
+            </a:r>
+            <a:r>
+              <a:rPr lang="pl-PL" sz="2800" dirty="0"/>
+              <a:t> </a:t>
+            </a:r>
+            <a:r>
+              <a:rPr lang="pl-PL" sz="2800" dirty="0" err="1"/>
+              <a:t>interface</a:t>
+            </a:r>
+            <a:endParaRPr lang="pl-PL" sz="2800" dirty="0"/>
+          </a:p>
+          <a:p>
+            <a:pPr marL="285750" indent="-285750">
+              <a:lnSpc>
+                <a:spcPct val="150000"/>
+              </a:lnSpc>
+              <a:buFontTx/>
+              <a:buChar char="-"/>
+            </a:pPr>
+            <a:r>
+              <a:rPr lang="pl-PL" sz="2800" dirty="0" err="1"/>
+              <a:t>Very</a:t>
+            </a:r>
+            <a:r>
+              <a:rPr lang="pl-PL" sz="2800" dirty="0"/>
+              <a:t> </a:t>
+            </a:r>
+            <a:r>
+              <a:rPr lang="pl-PL" sz="2800" dirty="0" err="1"/>
+              <a:t>natural</a:t>
+            </a:r>
+            <a:r>
+              <a:rPr lang="pl-PL" sz="2800" dirty="0"/>
+              <a:t> and </a:t>
+            </a:r>
+            <a:r>
+              <a:rPr lang="pl-PL" sz="2800" dirty="0" err="1"/>
+              <a:t>easy</a:t>
+            </a:r>
+            <a:r>
+              <a:rPr lang="pl-PL" sz="2800" dirty="0"/>
+              <a:t> from </a:t>
+            </a:r>
+            <a:r>
+              <a:rPr lang="pl-PL" sz="2800" dirty="0" err="1"/>
+              <a:t>client</a:t>
+            </a:r>
+            <a:r>
+              <a:rPr lang="pl-PL" sz="2800" dirty="0"/>
+              <a:t> </a:t>
+            </a:r>
+            <a:r>
+              <a:rPr lang="pl-PL" sz="2800" dirty="0" err="1"/>
+              <a:t>perspective</a:t>
+            </a:r>
+            <a:endParaRPr lang="pl-PL" sz="2800" dirty="0"/>
+          </a:p>
+          <a:p>
+            <a:pPr marL="285750" indent="-285750">
+              <a:lnSpc>
+                <a:spcPct val="150000"/>
+              </a:lnSpc>
+              <a:buFontTx/>
+              <a:buChar char="-"/>
+            </a:pPr>
+            <a:r>
+              <a:rPr lang="pl-PL" sz="2800" dirty="0" err="1"/>
+              <a:t>Tied</a:t>
+            </a:r>
+            <a:r>
+              <a:rPr lang="pl-PL" sz="2800" dirty="0"/>
+              <a:t> to </a:t>
+            </a:r>
+            <a:r>
+              <a:rPr lang="pl-PL" sz="2800" dirty="0" err="1"/>
+              <a:t>technology</a:t>
+            </a:r>
+            <a:endParaRPr lang="pl-PL" sz="2800" dirty="0"/>
           </a:p>
         </p:txBody>
       </p:sp>
     </p:spTree>
     <p:extLst>
       <p:ext uri="{BB962C8B-B14F-4D97-AF65-F5344CB8AC3E}">
-        <p14:creationId xmlns:p14="http://schemas.microsoft.com/office/powerpoint/2010/main" val="246928267"/>
+        <p14:creationId xmlns:p14="http://schemas.microsoft.com/office/powerpoint/2010/main" val="2726302417"/>
       </p:ext>
     </p:extLst>
   </p:cSld>
@@ -11140,13 +12139,17 @@
         <p:spPr/>
         <p:txBody>
           <a:bodyPr>
-            <a:normAutofit fontScale="90000"/>
+            <a:normAutofit/>
           </a:bodyPr>
           <a:lstStyle/>
           <a:p>
             <a:r>
+              <a:rPr lang="pl-PL" dirty="0"/>
+              <a:t>DTO-</a:t>
+            </a:r>
+            <a:r>
               <a:rPr lang="pl-PL" dirty="0" err="1"/>
-              <a:t>Different</a:t>
+              <a:t>based</a:t>
             </a:r>
             <a:r>
               <a:rPr lang="pl-PL" dirty="0"/>
@@ -11154,7 +12157,7 @@
             </a:r>
             <a:r>
               <a:rPr lang="pl-PL" dirty="0" err="1"/>
-              <a:t>dependencies</a:t>
+              <a:t>contract</a:t>
             </a:r>
             <a:r>
               <a:rPr lang="pl-PL" dirty="0"/>
@@ -11162,16 +12165,391 @@
             </a:r>
             <a:r>
               <a:rPr lang="pl-PL" dirty="0" err="1"/>
-              <a:t>considerations</a:t>
+              <a:t>distribution</a:t>
             </a:r>
             <a:endParaRPr lang="pl-PL" dirty="0"/>
+          </a:p>
+        </p:txBody>
+      </p:sp>
+      <p:sp>
+        <p:nvSpPr>
+          <p:cNvPr id="3" name="TextBox 2">
+            <a:extLst>
+              <a:ext uri="{FF2B5EF4-FFF2-40B4-BE49-F238E27FC236}">
+                <a16:creationId xmlns:a16="http://schemas.microsoft.com/office/drawing/2014/main" id="{B409C6D7-9C2B-458E-A8E7-56F967996281}"/>
+              </a:ext>
+            </a:extLst>
+          </p:cNvPr>
+          <p:cNvSpPr txBox="1"/>
+          <p:nvPr/>
+        </p:nvSpPr>
+        <p:spPr>
+          <a:xfrm>
+            <a:off x="838200" y="1502229"/>
+            <a:ext cx="10515600" cy="5842497"/>
+          </a:xfrm>
+          <a:prstGeom prst="rect">
+            <a:avLst/>
+          </a:prstGeom>
+          <a:noFill/>
+        </p:spPr>
+        <p:txBody>
+          <a:bodyPr wrap="square" rtlCol="0">
+            <a:spAutoFit/>
+          </a:bodyPr>
+          <a:lstStyle/>
+          <a:p>
+            <a:pPr marL="285750" indent="-285750">
+              <a:lnSpc>
+                <a:spcPct val="150000"/>
+              </a:lnSpc>
+              <a:buFont typeface="Arial" panose="020B0604020202020204" pitchFamily="34" charset="0"/>
+              <a:buChar char="•"/>
+            </a:pPr>
+            <a:r>
+              <a:rPr lang="pl-PL" sz="2800" dirty="0">
+                <a:hlinkClick r:id="rId2"/>
+              </a:rPr>
+              <a:t>https://docs.servicestack.net/netcore</a:t>
+            </a:r>
+            <a:endParaRPr lang="pl-PL" sz="2800" dirty="0"/>
+          </a:p>
+          <a:p>
+            <a:pPr marL="285750" indent="-285750">
+              <a:lnSpc>
+                <a:spcPct val="150000"/>
+              </a:lnSpc>
+              <a:buFont typeface="Arial" panose="020B0604020202020204" pitchFamily="34" charset="0"/>
+              <a:buChar char="•"/>
+            </a:pPr>
+            <a:r>
+              <a:rPr lang="pl-PL" sz="2800" dirty="0" err="1"/>
+              <a:t>Contract</a:t>
+            </a:r>
+            <a:r>
+              <a:rPr lang="pl-PL" sz="2800" dirty="0"/>
+              <a:t> </a:t>
+            </a:r>
+            <a:r>
+              <a:rPr lang="pl-PL" sz="2800" dirty="0" err="1"/>
+              <a:t>distributed</a:t>
+            </a:r>
+            <a:r>
+              <a:rPr lang="pl-PL" sz="2800" dirty="0"/>
+              <a:t> </a:t>
+            </a:r>
+            <a:r>
+              <a:rPr lang="pl-PL" sz="2800" dirty="0" err="1"/>
+              <a:t>is</a:t>
+            </a:r>
+            <a:r>
+              <a:rPr lang="pl-PL" sz="2800" dirty="0"/>
+              <a:t> </a:t>
+            </a:r>
+            <a:r>
+              <a:rPr lang="pl-PL" sz="2800" dirty="0" err="1"/>
+              <a:t>tightly</a:t>
+            </a:r>
+            <a:r>
+              <a:rPr lang="pl-PL" sz="2800" dirty="0"/>
+              <a:t> </a:t>
+            </a:r>
+            <a:r>
+              <a:rPr lang="pl-PL" sz="2800" dirty="0" err="1"/>
+              <a:t>coupled</a:t>
+            </a:r>
+            <a:r>
+              <a:rPr lang="pl-PL" sz="2800" dirty="0"/>
+              <a:t> with </a:t>
+            </a:r>
+            <a:r>
+              <a:rPr lang="pl-PL" sz="2800" dirty="0" err="1"/>
+              <a:t>contract</a:t>
+            </a:r>
+            <a:r>
+              <a:rPr lang="pl-PL" sz="2800" dirty="0"/>
+              <a:t> </a:t>
+            </a:r>
+            <a:r>
+              <a:rPr lang="pl-PL" sz="2800" dirty="0" err="1"/>
+              <a:t>implementer</a:t>
+            </a:r>
+            <a:endParaRPr lang="pl-PL" sz="2800" dirty="0"/>
+          </a:p>
+          <a:p>
+            <a:pPr marL="285750" indent="-285750">
+              <a:lnSpc>
+                <a:spcPct val="150000"/>
+              </a:lnSpc>
+              <a:buFont typeface="Arial" panose="020B0604020202020204" pitchFamily="34" charset="0"/>
+              <a:buChar char="•"/>
+            </a:pPr>
+            <a:r>
+              <a:rPr lang="pl-PL" sz="2800" dirty="0" err="1"/>
+              <a:t>Changes</a:t>
+            </a:r>
+            <a:r>
+              <a:rPr lang="pl-PL" sz="2800" dirty="0"/>
+              <a:t> in </a:t>
+            </a:r>
+            <a:r>
+              <a:rPr lang="pl-PL" sz="2800" dirty="0" err="1"/>
+              <a:t>contract</a:t>
+            </a:r>
+            <a:r>
+              <a:rPr lang="pl-PL" sz="2800" dirty="0"/>
+              <a:t> </a:t>
+            </a:r>
+            <a:r>
+              <a:rPr lang="pl-PL" sz="2800" dirty="0" err="1"/>
+              <a:t>implementer</a:t>
+            </a:r>
+            <a:r>
+              <a:rPr lang="pl-PL" sz="2800" dirty="0"/>
+              <a:t> </a:t>
+            </a:r>
+            <a:r>
+              <a:rPr lang="pl-PL" sz="2800" dirty="0" err="1"/>
+              <a:t>are</a:t>
+            </a:r>
+            <a:r>
+              <a:rPr lang="pl-PL" sz="2800" dirty="0"/>
+              <a:t> </a:t>
+            </a:r>
+            <a:r>
+              <a:rPr lang="pl-PL" sz="2800" dirty="0" err="1"/>
+              <a:t>required</a:t>
+            </a:r>
+            <a:r>
+              <a:rPr lang="pl-PL" sz="2800" dirty="0"/>
+              <a:t> </a:t>
+            </a:r>
+          </a:p>
+          <a:p>
+            <a:pPr marL="285750" indent="-285750">
+              <a:lnSpc>
+                <a:spcPct val="150000"/>
+              </a:lnSpc>
+              <a:buFont typeface="Arial" panose="020B0604020202020204" pitchFamily="34" charset="0"/>
+              <a:buChar char="•"/>
+            </a:pPr>
+            <a:r>
+              <a:rPr lang="pl-PL" sz="2800" dirty="0" err="1"/>
+              <a:t>ServiceStack</a:t>
+            </a:r>
+            <a:r>
+              <a:rPr lang="pl-PL" sz="2800" dirty="0"/>
+              <a:t> </a:t>
+            </a:r>
+            <a:r>
+              <a:rPr lang="pl-PL" sz="2800" dirty="0" err="1"/>
+              <a:t>is</a:t>
+            </a:r>
+            <a:r>
+              <a:rPr lang="pl-PL" sz="2800" dirty="0"/>
+              <a:t> </a:t>
+            </a:r>
+            <a:r>
+              <a:rPr lang="pl-PL" sz="2800" dirty="0" err="1"/>
+              <a:t>powerfull</a:t>
+            </a:r>
+            <a:r>
+              <a:rPr lang="pl-PL" sz="2800" dirty="0"/>
+              <a:t> </a:t>
+            </a:r>
+            <a:r>
+              <a:rPr lang="pl-PL" sz="2800" dirty="0" err="1"/>
+              <a:t>tool</a:t>
+            </a:r>
+            <a:r>
+              <a:rPr lang="pl-PL" sz="2800" dirty="0"/>
+              <a:t> (and </a:t>
+            </a:r>
+            <a:r>
+              <a:rPr lang="pl-PL" sz="2800" dirty="0" err="1"/>
+              <a:t>complex</a:t>
+            </a:r>
+            <a:r>
+              <a:rPr lang="pl-PL" sz="2800" dirty="0"/>
+              <a:t> </a:t>
+            </a:r>
+            <a:r>
+              <a:rPr lang="pl-PL" sz="2800" dirty="0" err="1"/>
+              <a:t>too</a:t>
+            </a:r>
+            <a:r>
+              <a:rPr lang="pl-PL" sz="2800" dirty="0"/>
+              <a:t>)</a:t>
+            </a:r>
+          </a:p>
+          <a:p>
+            <a:pPr marL="285750" indent="-285750">
+              <a:lnSpc>
+                <a:spcPct val="150000"/>
+              </a:lnSpc>
+              <a:buFont typeface="Arial" panose="020B0604020202020204" pitchFamily="34" charset="0"/>
+              <a:buChar char="•"/>
+            </a:pPr>
+            <a:r>
+              <a:rPr lang="pl-PL" sz="2800" dirty="0" err="1"/>
+              <a:t>Easy</a:t>
+            </a:r>
+            <a:r>
+              <a:rPr lang="pl-PL" sz="2800" dirty="0"/>
+              <a:t> to test </a:t>
+            </a:r>
+            <a:r>
+              <a:rPr lang="pl-PL" sz="2800" dirty="0" err="1"/>
+              <a:t>distributed</a:t>
+            </a:r>
+            <a:r>
+              <a:rPr lang="pl-PL" sz="2800" dirty="0"/>
+              <a:t> </a:t>
+            </a:r>
+            <a:r>
+              <a:rPr lang="pl-PL" sz="2800" dirty="0" err="1"/>
+              <a:t>contract</a:t>
+            </a:r>
+            <a:endParaRPr lang="pl-PL" sz="2800" dirty="0"/>
+          </a:p>
+          <a:p>
+            <a:pPr marL="285750" indent="-285750">
+              <a:lnSpc>
+                <a:spcPct val="150000"/>
+              </a:lnSpc>
+              <a:buFont typeface="Arial" panose="020B0604020202020204" pitchFamily="34" charset="0"/>
+              <a:buChar char="•"/>
+            </a:pPr>
+            <a:r>
+              <a:rPr lang="pl-PL" sz="2800" dirty="0"/>
+              <a:t>Distributed as </a:t>
+            </a:r>
+            <a:r>
+              <a:rPr lang="pl-PL" sz="2800" dirty="0" err="1"/>
+              <a:t>nuget</a:t>
+            </a:r>
+            <a:r>
+              <a:rPr lang="pl-PL" sz="2800" dirty="0"/>
+              <a:t> with </a:t>
+            </a:r>
+            <a:r>
+              <a:rPr lang="pl-PL" sz="2800" dirty="0" err="1"/>
+              <a:t>ServiceStack</a:t>
+            </a:r>
+            <a:r>
+              <a:rPr lang="pl-PL" sz="2800" dirty="0"/>
+              <a:t> </a:t>
+            </a:r>
+            <a:r>
+              <a:rPr lang="pl-PL" sz="2800" dirty="0" err="1"/>
+              <a:t>DTOs</a:t>
+            </a:r>
+            <a:endParaRPr lang="pl-PL" sz="2800" dirty="0"/>
+          </a:p>
+          <a:p>
+            <a:pPr marL="285750" indent="-285750">
+              <a:lnSpc>
+                <a:spcPct val="150000"/>
+              </a:lnSpc>
+              <a:buFont typeface="Arial" panose="020B0604020202020204" pitchFamily="34" charset="0"/>
+              <a:buChar char="•"/>
+            </a:pPr>
+            <a:r>
+              <a:rPr lang="pl-PL" sz="2800" dirty="0"/>
+              <a:t>Not </a:t>
+            </a:r>
+            <a:r>
+              <a:rPr lang="pl-PL" sz="2800" dirty="0" err="1"/>
+              <a:t>very</a:t>
+            </a:r>
+            <a:r>
+              <a:rPr lang="pl-PL" sz="2800" dirty="0"/>
+              <a:t> </a:t>
+            </a:r>
+            <a:r>
+              <a:rPr lang="pl-PL" sz="2800" dirty="0" err="1"/>
+              <a:t>natural</a:t>
+            </a:r>
+            <a:r>
+              <a:rPr lang="pl-PL" sz="2800" dirty="0"/>
+              <a:t> from </a:t>
+            </a:r>
+            <a:r>
+              <a:rPr lang="pl-PL" sz="2800" dirty="0" err="1"/>
+              <a:t>client</a:t>
+            </a:r>
+            <a:r>
+              <a:rPr lang="pl-PL" sz="2800" dirty="0"/>
+              <a:t> </a:t>
+            </a:r>
+            <a:r>
+              <a:rPr lang="pl-PL" sz="2800" dirty="0" err="1"/>
+              <a:t>perspective</a:t>
+            </a:r>
+            <a:r>
+              <a:rPr lang="pl-PL" sz="2800" dirty="0"/>
+              <a:t> but </a:t>
+            </a:r>
+            <a:r>
+              <a:rPr lang="pl-PL" sz="2800" dirty="0" err="1"/>
+              <a:t>still</a:t>
+            </a:r>
+            <a:r>
+              <a:rPr lang="pl-PL" sz="2800" dirty="0"/>
+              <a:t> </a:t>
+            </a:r>
+            <a:r>
+              <a:rPr lang="pl-PL" sz="2800" dirty="0" err="1"/>
+              <a:t>fairly</a:t>
+            </a:r>
+            <a:r>
+              <a:rPr lang="pl-PL" sz="2800" dirty="0"/>
+              <a:t> </a:t>
+            </a:r>
+            <a:r>
+              <a:rPr lang="pl-PL" sz="2800" dirty="0" err="1"/>
+              <a:t>easy</a:t>
+            </a:r>
+            <a:endParaRPr lang="pl-PL" sz="2800" dirty="0"/>
+          </a:p>
+          <a:p>
+            <a:pPr marL="285750" indent="-285750">
+              <a:lnSpc>
+                <a:spcPct val="150000"/>
+              </a:lnSpc>
+              <a:buFont typeface="Arial" panose="020B0604020202020204" pitchFamily="34" charset="0"/>
+              <a:buChar char="•"/>
+            </a:pPr>
+            <a:r>
+              <a:rPr lang="pl-PL" sz="2800" dirty="0" err="1"/>
+              <a:t>Tied</a:t>
+            </a:r>
+            <a:r>
+              <a:rPr lang="pl-PL" sz="2800" dirty="0"/>
+              <a:t> to </a:t>
+            </a:r>
+            <a:r>
+              <a:rPr lang="pl-PL" sz="2800" dirty="0" err="1"/>
+              <a:t>technology</a:t>
+            </a:r>
+            <a:endParaRPr lang="pl-PL" sz="2800" dirty="0"/>
+          </a:p>
+          <a:p>
+            <a:pPr marL="285750" indent="-285750">
+              <a:lnSpc>
+                <a:spcPct val="150000"/>
+              </a:lnSpc>
+              <a:buFont typeface="Arial" panose="020B0604020202020204" pitchFamily="34" charset="0"/>
+              <a:buChar char="•"/>
+            </a:pPr>
+            <a:endParaRPr lang="pl-PL" sz="2800" dirty="0"/>
           </a:p>
         </p:txBody>
       </p:sp>
     </p:spTree>
     <p:extLst>
       <p:ext uri="{BB962C8B-B14F-4D97-AF65-F5344CB8AC3E}">
-        <p14:creationId xmlns:p14="http://schemas.microsoft.com/office/powerpoint/2010/main" val="3436481973"/>
+        <p14:creationId xmlns:p14="http://schemas.microsoft.com/office/powerpoint/2010/main" val="1923252010"/>
       </p:ext>
     </p:extLst>
   </p:cSld>
@@ -11217,17 +12595,13 @@
         <p:spPr/>
         <p:txBody>
           <a:bodyPr>
-            <a:normAutofit/>
+            <a:normAutofit fontScale="90000"/>
           </a:bodyPr>
           <a:lstStyle/>
           <a:p>
             <a:r>
-              <a:rPr lang="pl-PL" dirty="0"/>
-              <a:t>Non-REST </a:t>
-            </a:r>
-            <a:r>
               <a:rPr lang="pl-PL" dirty="0" err="1"/>
-              <a:t>contract</a:t>
+              <a:t>Contract</a:t>
             </a:r>
             <a:r>
               <a:rPr lang="pl-PL" dirty="0"/>
@@ -11237,14 +12611,387 @@
               <a:rPr lang="pl-PL" dirty="0" err="1"/>
               <a:t>distribution</a:t>
             </a:r>
-            <a:endParaRPr lang="pl-PL" dirty="0"/>
+            <a:r>
+              <a:rPr lang="pl-PL" dirty="0"/>
+              <a:t> with </a:t>
+            </a:r>
+            <a:r>
+              <a:rPr lang="pl-PL" dirty="0" err="1"/>
+              <a:t>OpenAPI</a:t>
+            </a:r>
+            <a:r>
+              <a:rPr lang="pl-PL" dirty="0"/>
+              <a:t> spec</a:t>
+            </a:r>
+          </a:p>
+        </p:txBody>
+      </p:sp>
+      <p:sp>
+        <p:nvSpPr>
+          <p:cNvPr id="4" name="TextBox 3">
+            <a:extLst>
+              <a:ext uri="{FF2B5EF4-FFF2-40B4-BE49-F238E27FC236}">
+                <a16:creationId xmlns:a16="http://schemas.microsoft.com/office/drawing/2014/main" id="{89359CF3-2E8A-4842-8E0A-A0249579C918}"/>
+              </a:ext>
+            </a:extLst>
+          </p:cNvPr>
+          <p:cNvSpPr txBox="1"/>
+          <p:nvPr/>
+        </p:nvSpPr>
+        <p:spPr>
+          <a:xfrm>
+            <a:off x="838200" y="1690688"/>
+            <a:ext cx="10515600" cy="5575052"/>
+          </a:xfrm>
+          <a:prstGeom prst="rect">
+            <a:avLst/>
+          </a:prstGeom>
+          <a:noFill/>
+        </p:spPr>
+        <p:txBody>
+          <a:bodyPr wrap="square" rtlCol="0">
+            <a:spAutoFit/>
+          </a:bodyPr>
+          <a:lstStyle/>
+          <a:p>
+            <a:pPr marL="285750" indent="-285750">
+              <a:lnSpc>
+                <a:spcPct val="150000"/>
+              </a:lnSpc>
+              <a:buFont typeface="Arial" panose="020B0604020202020204" pitchFamily="34" charset="0"/>
+              <a:buChar char="•"/>
+            </a:pPr>
+            <a:r>
+              <a:rPr lang="pl-PL" sz="2400" dirty="0">
+                <a:hlinkClick r:id="rId2"/>
+              </a:rPr>
+              <a:t>https://docs.microsoft.com/en-us/aspnet/core/tutorials/web-api-help-pages-using-swagger?view=aspnetcore-3.1</a:t>
+            </a:r>
+            <a:endParaRPr lang="pl-PL" sz="2400" dirty="0"/>
+          </a:p>
+          <a:p>
+            <a:pPr marL="285750" indent="-285750">
+              <a:lnSpc>
+                <a:spcPct val="150000"/>
+              </a:lnSpc>
+              <a:buFont typeface="Arial" panose="020B0604020202020204" pitchFamily="34" charset="0"/>
+              <a:buChar char="•"/>
+            </a:pPr>
+            <a:r>
+              <a:rPr lang="pl-PL" sz="2400" dirty="0" err="1"/>
+              <a:t>Contract</a:t>
+            </a:r>
+            <a:r>
+              <a:rPr lang="pl-PL" sz="2400" dirty="0"/>
+              <a:t> </a:t>
+            </a:r>
+            <a:r>
+              <a:rPr lang="pl-PL" sz="2400" dirty="0" err="1"/>
+              <a:t>is</a:t>
+            </a:r>
+            <a:r>
+              <a:rPr lang="pl-PL" sz="2400" dirty="0"/>
+              <a:t> </a:t>
+            </a:r>
+            <a:r>
+              <a:rPr lang="pl-PL" sz="2400" dirty="0" err="1"/>
+              <a:t>generated</a:t>
+            </a:r>
+            <a:r>
+              <a:rPr lang="pl-PL" sz="2400" dirty="0"/>
+              <a:t> out of </a:t>
+            </a:r>
+            <a:r>
+              <a:rPr lang="pl-PL" sz="2400" dirty="0" err="1"/>
+              <a:t>code</a:t>
+            </a:r>
+            <a:endParaRPr lang="pl-PL" sz="2400" dirty="0"/>
+          </a:p>
+          <a:p>
+            <a:pPr marL="285750" indent="-285750">
+              <a:lnSpc>
+                <a:spcPct val="150000"/>
+              </a:lnSpc>
+              <a:buFont typeface="Arial" panose="020B0604020202020204" pitchFamily="34" charset="0"/>
+              <a:buChar char="•"/>
+            </a:pPr>
+            <a:r>
+              <a:rPr lang="pl-PL" sz="2400" dirty="0" err="1"/>
+              <a:t>Requires</a:t>
+            </a:r>
+            <a:r>
+              <a:rPr lang="pl-PL" sz="2400" dirty="0"/>
+              <a:t> </a:t>
+            </a:r>
+            <a:r>
+              <a:rPr lang="pl-PL" sz="2400" dirty="0" err="1"/>
+              <a:t>some</a:t>
+            </a:r>
+            <a:r>
+              <a:rPr lang="pl-PL" sz="2400" dirty="0"/>
+              <a:t> </a:t>
+            </a:r>
+            <a:r>
+              <a:rPr lang="pl-PL" sz="2400" dirty="0" err="1"/>
+              <a:t>changes</a:t>
+            </a:r>
+            <a:r>
+              <a:rPr lang="pl-PL" sz="2400" dirty="0"/>
+              <a:t> in </a:t>
+            </a:r>
+            <a:r>
+              <a:rPr lang="pl-PL" sz="2400" dirty="0" err="1"/>
+              <a:t>contract</a:t>
+            </a:r>
+            <a:r>
+              <a:rPr lang="pl-PL" sz="2400" dirty="0"/>
+              <a:t> </a:t>
+            </a:r>
+            <a:r>
+              <a:rPr lang="pl-PL" sz="2400" dirty="0" err="1"/>
+              <a:t>implementer</a:t>
+            </a:r>
+            <a:r>
+              <a:rPr lang="pl-PL" sz="2400" dirty="0"/>
+              <a:t> but </a:t>
+            </a:r>
+            <a:r>
+              <a:rPr lang="pl-PL" sz="2400" dirty="0" err="1"/>
+              <a:t>they</a:t>
+            </a:r>
+            <a:r>
+              <a:rPr lang="pl-PL" sz="2400" dirty="0"/>
+              <a:t> </a:t>
+            </a:r>
+            <a:r>
+              <a:rPr lang="pl-PL" sz="2400" dirty="0" err="1"/>
+              <a:t>are</a:t>
+            </a:r>
+            <a:r>
+              <a:rPr lang="pl-PL" sz="2400" dirty="0"/>
+              <a:t> </a:t>
+            </a:r>
+            <a:r>
+              <a:rPr lang="pl-PL" sz="2400" dirty="0" err="1"/>
+              <a:t>harmless</a:t>
+            </a:r>
+            <a:endParaRPr lang="pl-PL" sz="2400" dirty="0"/>
+          </a:p>
+          <a:p>
+            <a:pPr marL="285750" indent="-285750">
+              <a:lnSpc>
+                <a:spcPct val="150000"/>
+              </a:lnSpc>
+              <a:buFont typeface="Arial" panose="020B0604020202020204" pitchFamily="34" charset="0"/>
+              <a:buChar char="•"/>
+            </a:pPr>
+            <a:r>
+              <a:rPr lang="pl-PL" sz="2400" dirty="0" err="1"/>
+              <a:t>Apart</a:t>
+            </a:r>
+            <a:r>
+              <a:rPr lang="pl-PL" sz="2400" dirty="0"/>
+              <a:t> from </a:t>
+            </a:r>
+            <a:r>
+              <a:rPr lang="pl-PL" sz="2400" dirty="0" err="1"/>
+              <a:t>distributing</a:t>
+            </a:r>
+            <a:r>
+              <a:rPr lang="pl-PL" sz="2400" dirty="0"/>
+              <a:t> </a:t>
+            </a:r>
+            <a:r>
+              <a:rPr lang="pl-PL" sz="2400" dirty="0" err="1"/>
+              <a:t>contract</a:t>
+            </a:r>
+            <a:r>
+              <a:rPr lang="pl-PL" sz="2400" dirty="0"/>
+              <a:t> we </a:t>
+            </a:r>
+            <a:r>
+              <a:rPr lang="pl-PL" sz="2400" dirty="0" err="1"/>
+              <a:t>can</a:t>
+            </a:r>
+            <a:r>
+              <a:rPr lang="pl-PL" sz="2400" dirty="0"/>
+              <a:t> </a:t>
+            </a:r>
+            <a:r>
+              <a:rPr lang="pl-PL" sz="2400" dirty="0" err="1"/>
+              <a:t>have</a:t>
+            </a:r>
+            <a:r>
+              <a:rPr lang="pl-PL" sz="2400" dirty="0"/>
+              <a:t> </a:t>
+            </a:r>
+            <a:r>
+              <a:rPr lang="pl-PL" sz="2400" dirty="0" err="1"/>
+              <a:t>preety</a:t>
+            </a:r>
+            <a:r>
+              <a:rPr lang="pl-PL" sz="2400" dirty="0"/>
+              <a:t> UI for </a:t>
+            </a:r>
+            <a:r>
+              <a:rPr lang="pl-PL" sz="2400" dirty="0" err="1"/>
+              <a:t>our</a:t>
+            </a:r>
+            <a:r>
+              <a:rPr lang="pl-PL" sz="2400" dirty="0"/>
+              <a:t> </a:t>
+            </a:r>
+            <a:r>
+              <a:rPr lang="pl-PL" sz="2400" dirty="0" err="1"/>
+              <a:t>WebAPI</a:t>
+            </a:r>
+            <a:endParaRPr lang="pl-PL" sz="2400" dirty="0"/>
+          </a:p>
+          <a:p>
+            <a:pPr marL="285750" indent="-285750">
+              <a:lnSpc>
+                <a:spcPct val="150000"/>
+              </a:lnSpc>
+              <a:buFont typeface="Arial" panose="020B0604020202020204" pitchFamily="34" charset="0"/>
+              <a:buChar char="•"/>
+            </a:pPr>
+            <a:r>
+              <a:rPr lang="pl-PL" sz="2400" dirty="0"/>
+              <a:t>Client </a:t>
+            </a:r>
+            <a:r>
+              <a:rPr lang="pl-PL" sz="2400" dirty="0" err="1"/>
+              <a:t>can</a:t>
+            </a:r>
+            <a:r>
+              <a:rPr lang="pl-PL" sz="2400" dirty="0"/>
+              <a:t> be </a:t>
+            </a:r>
+            <a:r>
+              <a:rPr lang="pl-PL" sz="2400" dirty="0" err="1"/>
+              <a:t>generated</a:t>
+            </a:r>
+            <a:r>
+              <a:rPr lang="pl-PL" sz="2400" dirty="0"/>
+              <a:t> out of </a:t>
+            </a:r>
+            <a:r>
+              <a:rPr lang="pl-PL" sz="2400" dirty="0" err="1"/>
+              <a:t>OpenAPI</a:t>
+            </a:r>
+            <a:r>
+              <a:rPr lang="pl-PL" sz="2400" dirty="0"/>
+              <a:t> spec – </a:t>
+            </a:r>
+            <a:r>
+              <a:rPr lang="pl-PL" sz="2400" dirty="0" err="1"/>
+              <a:t>more</a:t>
+            </a:r>
+            <a:r>
+              <a:rPr lang="pl-PL" sz="2400" dirty="0"/>
+              <a:t> </a:t>
+            </a:r>
+            <a:r>
+              <a:rPr lang="pl-PL" sz="2400" dirty="0" err="1"/>
+              <a:t>complicated</a:t>
+            </a:r>
+            <a:r>
+              <a:rPr lang="pl-PL" sz="2400" dirty="0"/>
+              <a:t> </a:t>
+            </a:r>
+            <a:r>
+              <a:rPr lang="pl-PL" sz="2400" dirty="0" err="1"/>
+              <a:t>than</a:t>
+            </a:r>
+            <a:r>
+              <a:rPr lang="pl-PL" sz="2400" dirty="0"/>
+              <a:t> </a:t>
+            </a:r>
+            <a:r>
+              <a:rPr lang="pl-PL" sz="2400" dirty="0" err="1"/>
+              <a:t>previous</a:t>
+            </a:r>
+            <a:r>
+              <a:rPr lang="pl-PL" sz="2400" dirty="0"/>
+              <a:t> </a:t>
+            </a:r>
+            <a:r>
+              <a:rPr lang="pl-PL" sz="2400" dirty="0" err="1"/>
+              <a:t>approaches</a:t>
+            </a:r>
+            <a:r>
+              <a:rPr lang="pl-PL" sz="2400" dirty="0"/>
+              <a:t> </a:t>
+            </a:r>
+          </a:p>
+          <a:p>
+            <a:pPr marL="285750" indent="-285750">
+              <a:lnSpc>
+                <a:spcPct val="150000"/>
+              </a:lnSpc>
+              <a:buFont typeface="Arial" panose="020B0604020202020204" pitchFamily="34" charset="0"/>
+              <a:buChar char="•"/>
+            </a:pPr>
+            <a:r>
+              <a:rPr lang="pl-PL" sz="2400" dirty="0"/>
+              <a:t>Distributed as </a:t>
+            </a:r>
+            <a:r>
+              <a:rPr lang="pl-PL" sz="2400" dirty="0" err="1"/>
+              <a:t>json</a:t>
+            </a:r>
+            <a:endParaRPr lang="pl-PL" sz="2400" dirty="0"/>
+          </a:p>
+          <a:p>
+            <a:pPr marL="285750" indent="-285750">
+              <a:lnSpc>
+                <a:spcPct val="150000"/>
+              </a:lnSpc>
+              <a:buFont typeface="Arial" panose="020B0604020202020204" pitchFamily="34" charset="0"/>
+              <a:buChar char="•"/>
+            </a:pPr>
+            <a:r>
+              <a:rPr lang="pl-PL" sz="2400" dirty="0"/>
+              <a:t>Technology </a:t>
+            </a:r>
+            <a:r>
+              <a:rPr lang="pl-PL" sz="2400" dirty="0" err="1"/>
+              <a:t>agnostic</a:t>
+            </a:r>
+            <a:r>
+              <a:rPr lang="pl-PL" sz="2400" dirty="0"/>
+              <a:t> – the most </a:t>
+            </a:r>
+            <a:r>
+              <a:rPr lang="pl-PL" sz="2400" dirty="0" err="1"/>
+              <a:t>flexible</a:t>
+            </a:r>
+            <a:r>
+              <a:rPr lang="pl-PL" sz="2400" dirty="0"/>
+              <a:t> </a:t>
+            </a:r>
+            <a:r>
+              <a:rPr lang="pl-PL" sz="2400" dirty="0" err="1"/>
+              <a:t>solution</a:t>
+            </a:r>
+            <a:endParaRPr lang="pl-PL" sz="2400" dirty="0"/>
+          </a:p>
+          <a:p>
+            <a:pPr marL="285750" indent="-285750">
+              <a:lnSpc>
+                <a:spcPct val="150000"/>
+              </a:lnSpc>
+              <a:buFont typeface="Arial" panose="020B0604020202020204" pitchFamily="34" charset="0"/>
+              <a:buChar char="•"/>
+            </a:pPr>
+            <a:endParaRPr lang="pl-PL" sz="2400" dirty="0"/>
           </a:p>
         </p:txBody>
       </p:sp>
     </p:spTree>
     <p:extLst>
       <p:ext uri="{BB962C8B-B14F-4D97-AF65-F5344CB8AC3E}">
-        <p14:creationId xmlns:p14="http://schemas.microsoft.com/office/powerpoint/2010/main" val="1502366069"/>
+        <p14:creationId xmlns:p14="http://schemas.microsoft.com/office/powerpoint/2010/main" val="246928267"/>
       </p:ext>
     </p:extLst>
   </p:cSld>
@@ -11289,6 +13036,192 @@
         </p:nvSpPr>
         <p:spPr/>
         <p:txBody>
+          <a:bodyPr>
+            <a:normAutofit fontScale="90000"/>
+          </a:bodyPr>
+          <a:lstStyle/>
+          <a:p>
+            <a:r>
+              <a:rPr lang="pl-PL" dirty="0" err="1"/>
+              <a:t>Different</a:t>
+            </a:r>
+            <a:r>
+              <a:rPr lang="pl-PL" dirty="0"/>
+              <a:t> </a:t>
+            </a:r>
+            <a:r>
+              <a:rPr lang="pl-PL" dirty="0" err="1"/>
+              <a:t>dependencies</a:t>
+            </a:r>
+            <a:r>
+              <a:rPr lang="pl-PL" dirty="0"/>
+              <a:t> </a:t>
+            </a:r>
+            <a:r>
+              <a:rPr lang="pl-PL" dirty="0" err="1"/>
+              <a:t>considerations</a:t>
+            </a:r>
+            <a:endParaRPr lang="pl-PL" dirty="0"/>
+          </a:p>
+        </p:txBody>
+      </p:sp>
+      <p:pic>
+        <p:nvPicPr>
+          <p:cNvPr id="4" name="Picture 3" descr="A cat sitting on top of a computer&#10;&#10;Description automatically generated">
+            <a:extLst>
+              <a:ext uri="{FF2B5EF4-FFF2-40B4-BE49-F238E27FC236}">
+                <a16:creationId xmlns:a16="http://schemas.microsoft.com/office/drawing/2014/main" id="{C36EA177-CF23-411D-A042-3A39AB11771C}"/>
+              </a:ext>
+            </a:extLst>
+          </p:cNvPr>
+          <p:cNvPicPr>
+            <a:picLocks noChangeAspect="1"/>
+          </p:cNvPicPr>
+          <p:nvPr/>
+        </p:nvPicPr>
+        <p:blipFill>
+          <a:blip r:embed="rId2">
+            <a:extLst>
+              <a:ext uri="{28A0092B-C50C-407E-A947-70E740481C1C}">
+                <a14:useLocalDpi xmlns:a14="http://schemas.microsoft.com/office/drawing/2010/main" val="0"/>
+              </a:ext>
+            </a:extLst>
+          </a:blip>
+          <a:stretch>
+            <a:fillRect/>
+          </a:stretch>
+        </p:blipFill>
+        <p:spPr>
+          <a:xfrm>
+            <a:off x="3929470" y="1843494"/>
+            <a:ext cx="4333059" cy="4333059"/>
+          </a:xfrm>
+          <a:prstGeom prst="rect">
+            <a:avLst/>
+          </a:prstGeom>
+        </p:spPr>
+      </p:pic>
+    </p:spTree>
+    <p:extLst>
+      <p:ext uri="{BB962C8B-B14F-4D97-AF65-F5344CB8AC3E}">
+        <p14:creationId xmlns:p14="http://schemas.microsoft.com/office/powerpoint/2010/main" val="3436481973"/>
+      </p:ext>
+    </p:extLst>
+  </p:cSld>
+  <p:clrMapOvr>
+    <a:masterClrMapping/>
+  </p:clrMapOvr>
+</p:sld>
+</file>
+
+<file path=ppt/slides/slide16.xml><?xml version="1.0" encoding="utf-8"?>
+<p:sld xmlns:a="http://schemas.openxmlformats.org/drawingml/2006/main" xmlns:r="http://schemas.openxmlformats.org/officeDocument/2006/relationships" xmlns:p="http://schemas.openxmlformats.org/presentationml/2006/main">
+  <p:cSld>
+    <p:spTree>
+      <p:nvGrpSpPr>
+        <p:cNvPr id="1" name=""/>
+        <p:cNvGrpSpPr/>
+        <p:nvPr/>
+      </p:nvGrpSpPr>
+      <p:grpSpPr>
+        <a:xfrm>
+          <a:off x="0" y="0"/>
+          <a:ext cx="0" cy="0"/>
+          <a:chOff x="0" y="0"/>
+          <a:chExt cx="0" cy="0"/>
+        </a:xfrm>
+      </p:grpSpPr>
+      <p:sp>
+        <p:nvSpPr>
+          <p:cNvPr id="2" name="Title 1">
+            <a:extLst>
+              <a:ext uri="{FF2B5EF4-FFF2-40B4-BE49-F238E27FC236}">
+                <a16:creationId xmlns:a16="http://schemas.microsoft.com/office/drawing/2014/main" id="{63D0D55E-A94D-49AE-AB94-F3564CBE62F7}"/>
+              </a:ext>
+            </a:extLst>
+          </p:cNvPr>
+          <p:cNvSpPr>
+            <a:spLocks noGrp="1"/>
+          </p:cNvSpPr>
+          <p:nvPr>
+            <p:ph type="title"/>
+          </p:nvPr>
+        </p:nvSpPr>
+        <p:spPr/>
+        <p:txBody>
+          <a:bodyPr>
+            <a:normAutofit/>
+          </a:bodyPr>
+          <a:lstStyle/>
+          <a:p>
+            <a:r>
+              <a:rPr lang="pl-PL" dirty="0"/>
+              <a:t>Non-REST </a:t>
+            </a:r>
+            <a:r>
+              <a:rPr lang="pl-PL" dirty="0" err="1"/>
+              <a:t>contract</a:t>
+            </a:r>
+            <a:r>
+              <a:rPr lang="pl-PL" dirty="0"/>
+              <a:t> </a:t>
+            </a:r>
+            <a:r>
+              <a:rPr lang="pl-PL" dirty="0" err="1"/>
+              <a:t>distribution</a:t>
+            </a:r>
+            <a:endParaRPr lang="pl-PL" dirty="0"/>
+          </a:p>
+        </p:txBody>
+      </p:sp>
+    </p:spTree>
+    <p:extLst>
+      <p:ext uri="{BB962C8B-B14F-4D97-AF65-F5344CB8AC3E}">
+        <p14:creationId xmlns:p14="http://schemas.microsoft.com/office/powerpoint/2010/main" val="1502366069"/>
+      </p:ext>
+    </p:extLst>
+  </p:cSld>
+  <p:clrMapOvr>
+    <a:masterClrMapping/>
+  </p:clrMapOvr>
+</p:sld>
+</file>
+
+<file path=ppt/slides/slide17.xml><?xml version="1.0" encoding="utf-8"?>
+<p:sld xmlns:a="http://schemas.openxmlformats.org/drawingml/2006/main" xmlns:r="http://schemas.openxmlformats.org/officeDocument/2006/relationships" xmlns:p="http://schemas.openxmlformats.org/presentationml/2006/main">
+  <p:cSld>
+    <p:spTree>
+      <p:nvGrpSpPr>
+        <p:cNvPr id="1" name=""/>
+        <p:cNvGrpSpPr/>
+        <p:nvPr/>
+      </p:nvGrpSpPr>
+      <p:grpSpPr>
+        <a:xfrm>
+          <a:off x="0" y="0"/>
+          <a:ext cx="0" cy="0"/>
+          <a:chOff x="0" y="0"/>
+          <a:chExt cx="0" cy="0"/>
+        </a:xfrm>
+      </p:grpSpPr>
+      <p:sp>
+        <p:nvSpPr>
+          <p:cNvPr id="2" name="Title 1">
+            <a:extLst>
+              <a:ext uri="{FF2B5EF4-FFF2-40B4-BE49-F238E27FC236}">
+                <a16:creationId xmlns:a16="http://schemas.microsoft.com/office/drawing/2014/main" id="{63D0D55E-A94D-49AE-AB94-F3564CBE62F7}"/>
+              </a:ext>
+            </a:extLst>
+          </p:cNvPr>
+          <p:cNvSpPr>
+            <a:spLocks noGrp="1"/>
+          </p:cNvSpPr>
+          <p:nvPr>
+            <p:ph type="title"/>
+          </p:nvPr>
+        </p:nvSpPr>
+        <p:spPr/>
+        <p:txBody>
           <a:bodyPr/>
           <a:lstStyle/>
           <a:p>
@@ -11361,7 +13294,7 @@
 </p:sld>
 </file>
 
-<file path=ppt/slides/slide16.xml><?xml version="1.0" encoding="utf-8"?>
+<file path=ppt/slides/slide18.xml><?xml version="1.0" encoding="utf-8"?>
 <p:sld xmlns:a="http://schemas.openxmlformats.org/drawingml/2006/main" xmlns:r="http://schemas.openxmlformats.org/officeDocument/2006/relationships" xmlns:p="http://schemas.openxmlformats.org/presentationml/2006/main">
   <p:cSld>
     <p:spTree>
@@ -11442,6 +13375,60 @@
               <a:buFontTx/>
               <a:buChar char="-"/>
             </a:pPr>
+            <a:r>
+              <a:rPr lang="pl-PL" sz="2000" dirty="0">
+                <a:hlinkClick r:id="rId3"/>
+              </a:rPr>
+              <a:t>https://wallpapercave.com/wp/wp2408553.jpg</a:t>
+            </a:r>
+            <a:endParaRPr lang="pl-PL" sz="2000" dirty="0"/>
+          </a:p>
+          <a:p>
+            <a:pPr>
+              <a:lnSpc>
+                <a:spcPct val="110000"/>
+              </a:lnSpc>
+              <a:buFontTx/>
+              <a:buChar char="-"/>
+            </a:pPr>
+            <a:r>
+              <a:rPr lang="pl-PL" sz="2000" dirty="0">
+                <a:hlinkClick r:id="rId4"/>
+              </a:rPr>
+              <a:t>https://cdn.windowsreport.com/wp-content/uploads/2019/01/unable-save-word-document-930x620.png</a:t>
+            </a:r>
+            <a:endParaRPr lang="pl-PL" sz="2000" dirty="0"/>
+          </a:p>
+          <a:p>
+            <a:pPr>
+              <a:lnSpc>
+                <a:spcPct val="110000"/>
+              </a:lnSpc>
+              <a:buFontTx/>
+              <a:buChar char="-"/>
+            </a:pPr>
+            <a:r>
+              <a:rPr lang="pl-PL" sz="2000" dirty="0">
+                <a:hlinkClick r:id="rId5"/>
+              </a:rPr>
+              <a:t>https://upload.wikimedia.org/wikipedia/commons/thumb/d/d3/Mail.svg/1024px-Mail.svg.png</a:t>
+            </a:r>
+            <a:endParaRPr lang="pl-PL" sz="2000" dirty="0"/>
+          </a:p>
+          <a:p>
+            <a:pPr>
+              <a:lnSpc>
+                <a:spcPct val="110000"/>
+              </a:lnSpc>
+              <a:buFontTx/>
+              <a:buChar char="-"/>
+            </a:pPr>
+            <a:r>
+              <a:rPr lang="pl-PL" sz="2000" dirty="0">
+                <a:hlinkClick r:id="rId6"/>
+              </a:rPr>
+              <a:t>https://i.dailymail.co.uk/1s/2019/09/16/14/18535700-0-image-m-55_1568639490556.jpg</a:t>
+            </a:r>
             <a:endParaRPr lang="pl-PL" sz="2000" dirty="0"/>
           </a:p>
           <a:p>
@@ -11453,6 +13440,58 @@
               <a:buChar char="-"/>
             </a:pPr>
             <a:endParaRPr lang="pl-PL" sz="2000" dirty="0"/>
+          </a:p>
+          <a:p>
+            <a:pPr>
+              <a:lnSpc>
+                <a:spcPct val="110000"/>
+              </a:lnSpc>
+              <a:buFontTx/>
+              <a:buChar char="-"/>
+            </a:pPr>
+            <a:endParaRPr lang="pl-PL" sz="2000" dirty="0"/>
+          </a:p>
+          <a:p>
+            <a:pPr>
+              <a:lnSpc>
+                <a:spcPct val="110000"/>
+              </a:lnSpc>
+              <a:buFontTx/>
+              <a:buChar char="-"/>
+            </a:pPr>
+            <a:endParaRPr lang="pl-PL" sz="2000" dirty="0"/>
+          </a:p>
+        </p:txBody>
+      </p:sp>
+      <p:sp>
+        <p:nvSpPr>
+          <p:cNvPr id="4" name="TextBox 3">
+            <a:extLst>
+              <a:ext uri="{FF2B5EF4-FFF2-40B4-BE49-F238E27FC236}">
+                <a16:creationId xmlns:a16="http://schemas.microsoft.com/office/drawing/2014/main" id="{AFB6F297-BF9F-4CAF-9502-ABF79C2D9655}"/>
+              </a:ext>
+            </a:extLst>
+          </p:cNvPr>
+          <p:cNvSpPr txBox="1"/>
+          <p:nvPr/>
+        </p:nvSpPr>
+        <p:spPr>
+          <a:xfrm>
+            <a:off x="1397726" y="1690688"/>
+            <a:ext cx="184731" cy="369332"/>
+          </a:xfrm>
+          <a:prstGeom prst="rect">
+            <a:avLst/>
+          </a:prstGeom>
+          <a:noFill/>
+        </p:spPr>
+        <p:txBody>
+          <a:bodyPr wrap="none" rtlCol="0">
+            <a:spAutoFit/>
+          </a:bodyPr>
+          <a:lstStyle/>
+          <a:p>
+            <a:endParaRPr lang="pl-PL" dirty="0"/>
           </a:p>
         </p:txBody>
       </p:sp>
@@ -11761,229 +13800,53 @@
           <a:lstStyle/>
           <a:p>
             <a:r>
+              <a:rPr lang="pl-PL" dirty="0"/>
+              <a:t>My </a:t>
+            </a:r>
+            <a:r>
               <a:rPr lang="pl-PL" dirty="0" err="1"/>
               <a:t>WebAPI</a:t>
             </a:r>
-            <a:r>
-              <a:rPr lang="pl-PL" dirty="0"/>
-              <a:t> </a:t>
-            </a:r>
-            <a:r>
-              <a:rPr lang="pl-PL" dirty="0" err="1"/>
-              <a:t>contract</a:t>
-            </a:r>
-            <a:r>
-              <a:rPr lang="pl-PL" dirty="0"/>
-              <a:t> </a:t>
-            </a:r>
-            <a:r>
-              <a:rPr lang="pl-PL" dirty="0" err="1"/>
-              <a:t>distribution</a:t>
-            </a:r>
-            <a:r>
-              <a:rPr lang="pl-PL" dirty="0"/>
-              <a:t> – </a:t>
-            </a:r>
-            <a:r>
-              <a:rPr lang="pl-PL" dirty="0" err="1"/>
-              <a:t>why</a:t>
-            </a:r>
-            <a:r>
-              <a:rPr lang="pl-PL" dirty="0"/>
-              <a:t>?</a:t>
-            </a:r>
+            <a:endParaRPr lang="pl-PL" dirty="0"/>
           </a:p>
         </p:txBody>
       </p:sp>
-      <p:sp>
-        <p:nvSpPr>
-          <p:cNvPr id="5" name="Content Placeholder 4">
+      <p:pic>
+        <p:nvPicPr>
+          <p:cNvPr id="7" name="Picture 6" descr="A picture containing book&#10;&#10;Description automatically generated">
             <a:extLst>
               <a:ext uri="{FF2B5EF4-FFF2-40B4-BE49-F238E27FC236}">
-                <a16:creationId xmlns:a16="http://schemas.microsoft.com/office/drawing/2014/main" id="{4B5E364D-F789-4C5B-AE7F-460039134725}"/>
+                <a16:creationId xmlns:a16="http://schemas.microsoft.com/office/drawing/2014/main" id="{30599C51-9A3A-464D-8F00-3E510B3AB836}"/>
               </a:ext>
             </a:extLst>
           </p:cNvPr>
-          <p:cNvSpPr>
-            <a:spLocks noGrp="1"/>
-          </p:cNvSpPr>
-          <p:nvPr>
-            <p:ph idx="1"/>
-          </p:nvPr>
-        </p:nvSpPr>
+          <p:cNvPicPr>
+            <a:picLocks noChangeAspect="1"/>
+          </p:cNvPicPr>
+          <p:nvPr/>
+        </p:nvPicPr>
+        <p:blipFill>
+          <a:blip r:embed="rId2">
+            <a:extLst>
+              <a:ext uri="{28A0092B-C50C-407E-A947-70E740481C1C}">
+                <a14:useLocalDpi xmlns:a14="http://schemas.microsoft.com/office/drawing/2010/main" val="0"/>
+              </a:ext>
+            </a:extLst>
+          </a:blip>
+          <a:stretch>
+            <a:fillRect/>
+          </a:stretch>
+        </p:blipFill>
         <p:spPr>
           <a:xfrm>
-            <a:off x="979100" y="2107224"/>
-            <a:ext cx="10233800" cy="3450001"/>
+            <a:off x="1827389" y="1690688"/>
+            <a:ext cx="8537221" cy="4802187"/>
           </a:xfrm>
+          <a:prstGeom prst="rect">
+            <a:avLst/>
+          </a:prstGeom>
         </p:spPr>
-        <p:txBody>
-          <a:bodyPr>
-            <a:normAutofit/>
-          </a:bodyPr>
-          <a:lstStyle/>
-          <a:p>
-            <a:pPr lvl="1">
-              <a:lnSpc>
-                <a:spcPct val="150000"/>
-              </a:lnSpc>
-            </a:pPr>
-            <a:r>
-              <a:rPr lang="pl-PL" sz="3200" dirty="0"/>
-              <a:t>To </a:t>
-            </a:r>
-            <a:r>
-              <a:rPr lang="pl-PL" sz="3200" dirty="0" err="1"/>
-              <a:t>have</a:t>
-            </a:r>
-            <a:r>
-              <a:rPr lang="pl-PL" sz="3200" dirty="0"/>
-              <a:t> </a:t>
-            </a:r>
-            <a:r>
-              <a:rPr lang="pl-PL" sz="3200" dirty="0" err="1"/>
-              <a:t>physical</a:t>
-            </a:r>
-            <a:r>
-              <a:rPr lang="pl-PL" sz="3200" dirty="0"/>
-              <a:t> </a:t>
-            </a:r>
-            <a:r>
-              <a:rPr lang="pl-PL" sz="3200" dirty="0" err="1"/>
-              <a:t>coupling</a:t>
-            </a:r>
-            <a:r>
-              <a:rPr lang="pl-PL" sz="3200" dirty="0"/>
-              <a:t> </a:t>
-            </a:r>
-            <a:r>
-              <a:rPr lang="pl-PL" sz="3200" dirty="0" err="1"/>
-              <a:t>between</a:t>
-            </a:r>
-            <a:r>
-              <a:rPr lang="pl-PL" sz="3200" dirty="0"/>
-              <a:t> </a:t>
-            </a:r>
-            <a:r>
-              <a:rPr lang="pl-PL" sz="3200" dirty="0" err="1"/>
-              <a:t>components</a:t>
-            </a:r>
-            <a:r>
-              <a:rPr lang="pl-PL" sz="3200" dirty="0"/>
-              <a:t> </a:t>
-            </a:r>
-            <a:r>
-              <a:rPr lang="pl-PL" sz="3200" dirty="0" err="1"/>
-              <a:t>which</a:t>
-            </a:r>
-            <a:r>
-              <a:rPr lang="pl-PL" sz="3200" dirty="0"/>
-              <a:t> </a:t>
-            </a:r>
-            <a:r>
-              <a:rPr lang="pl-PL" sz="3200" dirty="0" err="1"/>
-              <a:t>are</a:t>
-            </a:r>
-            <a:r>
-              <a:rPr lang="pl-PL" sz="3200" dirty="0"/>
-              <a:t> </a:t>
-            </a:r>
-            <a:r>
-              <a:rPr lang="pl-PL" sz="3200" dirty="0" err="1"/>
-              <a:t>logically</a:t>
-            </a:r>
-            <a:r>
-              <a:rPr lang="pl-PL" sz="3200" dirty="0"/>
-              <a:t> </a:t>
-            </a:r>
-            <a:r>
-              <a:rPr lang="pl-PL" sz="3200" dirty="0" err="1"/>
-              <a:t>coupled</a:t>
-            </a:r>
-            <a:endParaRPr lang="pl-PL" sz="3200" dirty="0"/>
-          </a:p>
-          <a:p>
-            <a:pPr lvl="1">
-              <a:lnSpc>
-                <a:spcPct val="150000"/>
-              </a:lnSpc>
-            </a:pPr>
-            <a:r>
-              <a:rPr lang="pl-PL" sz="3200" dirty="0"/>
-              <a:t>To </a:t>
-            </a:r>
-            <a:r>
-              <a:rPr lang="pl-PL" sz="3200" dirty="0" err="1"/>
-              <a:t>tell</a:t>
-            </a:r>
-            <a:r>
-              <a:rPr lang="pl-PL" sz="3200" dirty="0"/>
-              <a:t> the </a:t>
-            </a:r>
-            <a:r>
-              <a:rPr lang="pl-PL" sz="3200" dirty="0" err="1"/>
-              <a:t>world</a:t>
-            </a:r>
-            <a:r>
-              <a:rPr lang="pl-PL" sz="3200" dirty="0"/>
-              <a:t> </a:t>
-            </a:r>
-            <a:r>
-              <a:rPr lang="pl-PL" sz="3200" dirty="0" err="1"/>
-              <a:t>what</a:t>
-            </a:r>
-            <a:r>
-              <a:rPr lang="pl-PL" sz="3200" dirty="0"/>
-              <a:t> </a:t>
-            </a:r>
-            <a:r>
-              <a:rPr lang="pl-PL" sz="3200" dirty="0" err="1"/>
-              <a:t>our</a:t>
-            </a:r>
-            <a:r>
-              <a:rPr lang="pl-PL" sz="3200" dirty="0"/>
-              <a:t> component </a:t>
-            </a:r>
-            <a:r>
-              <a:rPr lang="pl-PL" sz="3200" dirty="0" err="1"/>
-              <a:t>is</a:t>
-            </a:r>
-            <a:r>
-              <a:rPr lang="pl-PL" sz="3200" dirty="0"/>
-              <a:t> </a:t>
-            </a:r>
-            <a:r>
-              <a:rPr lang="pl-PL" sz="3200" dirty="0" err="1"/>
-              <a:t>doing</a:t>
-            </a:r>
-            <a:r>
-              <a:rPr lang="pl-PL" sz="3200" dirty="0"/>
-              <a:t> and be </a:t>
-            </a:r>
-            <a:r>
-              <a:rPr lang="pl-PL" sz="3200" dirty="0" err="1"/>
-              <a:t>serious</a:t>
-            </a:r>
-            <a:r>
-              <a:rPr lang="pl-PL" sz="3200" dirty="0"/>
-              <a:t> </a:t>
-            </a:r>
-            <a:r>
-              <a:rPr lang="pl-PL" sz="3200" dirty="0" err="1"/>
-              <a:t>about</a:t>
-            </a:r>
-            <a:r>
-              <a:rPr lang="pl-PL" sz="3200" dirty="0"/>
-              <a:t> </a:t>
-            </a:r>
-            <a:r>
-              <a:rPr lang="pl-PL" sz="3200" dirty="0" err="1"/>
-              <a:t>it</a:t>
-            </a:r>
-            <a:endParaRPr lang="pl-PL" sz="3200" dirty="0"/>
-          </a:p>
-        </p:txBody>
-      </p:sp>
+      </p:pic>
     </p:spTree>
     <p:extLst>
       <p:ext uri="{BB962C8B-B14F-4D97-AF65-F5344CB8AC3E}">
@@ -11994,6 +13857,89 @@
   <p:clrMapOvr>
     <a:masterClrMapping/>
   </p:clrMapOvr>
+  <p:timing>
+    <p:tnLst>
+      <p:par>
+        <p:cTn id="1" dur="indefinite" restart="never" nodeType="tmRoot">
+          <p:childTnLst>
+            <p:seq concurrent="1" nextAc="seek">
+              <p:cTn id="2" dur="indefinite" nodeType="mainSeq">
+                <p:childTnLst>
+                  <p:par>
+                    <p:cTn id="3" fill="hold">
+                      <p:stCondLst>
+                        <p:cond delay="indefinite"/>
+                      </p:stCondLst>
+                      <p:childTnLst>
+                        <p:par>
+                          <p:cTn id="4" fill="hold">
+                            <p:stCondLst>
+                              <p:cond delay="0"/>
+                            </p:stCondLst>
+                            <p:childTnLst>
+                              <p:par>
+                                <p:cTn id="5" presetID="10" presetClass="entr" presetSubtype="0" fill="hold" nodeType="clickEffect">
+                                  <p:stCondLst>
+                                    <p:cond delay="0"/>
+                                  </p:stCondLst>
+                                  <p:childTnLst>
+                                    <p:set>
+                                      <p:cBhvr>
+                                        <p:cTn id="6" dur="1" fill="hold">
+                                          <p:stCondLst>
+                                            <p:cond delay="0"/>
+                                          </p:stCondLst>
+                                        </p:cTn>
+                                        <p:tgtEl>
+                                          <p:spTgt spid="7"/>
+                                        </p:tgtEl>
+                                        <p:attrNameLst>
+                                          <p:attrName>style.visibility</p:attrName>
+                                        </p:attrNameLst>
+                                      </p:cBhvr>
+                                      <p:to>
+                                        <p:strVal val="visible"/>
+                                      </p:to>
+                                    </p:set>
+                                    <p:animEffect transition="in" filter="fade">
+                                      <p:cBhvr>
+                                        <p:cTn id="7" dur="500"/>
+                                        <p:tgtEl>
+                                          <p:spTgt spid="7"/>
+                                        </p:tgtEl>
+                                      </p:cBhvr>
+                                    </p:animEffect>
+                                  </p:childTnLst>
+                                </p:cTn>
+                              </p:par>
+                            </p:childTnLst>
+                          </p:cTn>
+                        </p:par>
+                      </p:childTnLst>
+                    </p:cTn>
+                  </p:par>
+                </p:childTnLst>
+              </p:cTn>
+              <p:prevCondLst>
+                <p:cond evt="onPrev" delay="0">
+                  <p:tgtEl>
+                    <p:sldTgt/>
+                  </p:tgtEl>
+                </p:cond>
+              </p:prevCondLst>
+              <p:nextCondLst>
+                <p:cond evt="onNext" delay="0">
+                  <p:tgtEl>
+                    <p:sldTgt/>
+                  </p:tgtEl>
+                </p:cond>
+              </p:nextCondLst>
+            </p:seq>
+          </p:childTnLst>
+        </p:cTn>
+      </p:par>
+    </p:tnLst>
+  </p:timing>
 </p:sld>
 </file>
 
@@ -12032,1070 +13978,361 @@
         </p:nvSpPr>
         <p:spPr/>
         <p:txBody>
-          <a:bodyPr/>
+          <a:bodyPr>
+            <a:noAutofit/>
+          </a:bodyPr>
           <a:lstStyle/>
           <a:p>
             <a:r>
-              <a:rPr lang="pl-PL" dirty="0" err="1"/>
+              <a:rPr lang="pl-PL" sz="4400" dirty="0" err="1"/>
               <a:t>WebAPI</a:t>
             </a:r>
             <a:r>
-              <a:rPr lang="pl-PL" dirty="0"/>
+              <a:rPr lang="pl-PL" sz="4400" dirty="0"/>
               <a:t> </a:t>
             </a:r>
             <a:r>
-              <a:rPr lang="pl-PL" dirty="0" err="1"/>
+              <a:rPr lang="pl-PL" sz="4400" dirty="0" err="1"/>
               <a:t>contract</a:t>
             </a:r>
             <a:r>
-              <a:rPr lang="pl-PL" dirty="0"/>
+              <a:rPr lang="pl-PL" sz="4400" dirty="0"/>
               <a:t> </a:t>
             </a:r>
             <a:r>
-              <a:rPr lang="pl-PL" dirty="0" err="1"/>
+              <a:rPr lang="pl-PL" sz="4400" dirty="0" err="1"/>
               <a:t>distribution</a:t>
             </a:r>
             <a:r>
-              <a:rPr lang="pl-PL" dirty="0"/>
+              <a:rPr lang="pl-PL" sz="4400" dirty="0"/>
               <a:t> – </a:t>
             </a:r>
             <a:r>
-              <a:rPr lang="pl-PL" dirty="0" err="1"/>
+              <a:rPr lang="pl-PL" sz="4400" dirty="0" err="1"/>
+              <a:t>why</a:t>
+            </a:r>
+            <a:r>
+              <a:rPr lang="pl-PL" sz="4400" dirty="0"/>
+              <a:t> &amp; </a:t>
+            </a:r>
+            <a:r>
+              <a:rPr lang="pl-PL" sz="4400" dirty="0" err="1"/>
               <a:t>how</a:t>
             </a:r>
             <a:r>
-              <a:rPr lang="pl-PL" dirty="0"/>
+              <a:rPr lang="pl-PL" sz="4400" dirty="0"/>
               <a:t>?</a:t>
             </a:r>
           </a:p>
         </p:txBody>
       </p:sp>
-      <p:sp>
-        <p:nvSpPr>
-          <p:cNvPr id="5" name="Content Placeholder 4">
+      <p:pic>
+        <p:nvPicPr>
+          <p:cNvPr id="4" name="Picture 3" descr="A close up of a sign&#10;&#10;Description automatically generated">
             <a:extLst>
               <a:ext uri="{FF2B5EF4-FFF2-40B4-BE49-F238E27FC236}">
-                <a16:creationId xmlns:a16="http://schemas.microsoft.com/office/drawing/2014/main" id="{4B5E364D-F789-4C5B-AE7F-460039134725}"/>
+                <a16:creationId xmlns:a16="http://schemas.microsoft.com/office/drawing/2014/main" id="{265C41B4-A40B-43CE-A8A1-B66B69D02366}"/>
               </a:ext>
             </a:extLst>
           </p:cNvPr>
-          <p:cNvSpPr>
-            <a:spLocks noGrp="1"/>
-          </p:cNvSpPr>
-          <p:nvPr>
-            <p:ph idx="1"/>
-          </p:nvPr>
-        </p:nvSpPr>
+          <p:cNvPicPr>
+            <a:picLocks noChangeAspect="1"/>
+          </p:cNvPicPr>
+          <p:nvPr/>
+        </p:nvPicPr>
+        <p:blipFill>
+          <a:blip r:embed="rId2">
+            <a:extLst>
+              <a:ext uri="{28A0092B-C50C-407E-A947-70E740481C1C}">
+                <a14:useLocalDpi xmlns:a14="http://schemas.microsoft.com/office/drawing/2010/main" val="0"/>
+              </a:ext>
+            </a:extLst>
+          </a:blip>
+          <a:stretch>
+            <a:fillRect/>
+          </a:stretch>
+        </p:blipFill>
         <p:spPr>
           <a:xfrm>
-            <a:off x="1120000" y="1489166"/>
-            <a:ext cx="10233800" cy="5225143"/>
+            <a:off x="590930" y="1519146"/>
+            <a:ext cx="2839811" cy="1893207"/>
           </a:xfrm>
+          <a:prstGeom prst="rect">
+            <a:avLst/>
+          </a:prstGeom>
         </p:spPr>
-        <p:txBody>
-          <a:bodyPr numCol="2">
-            <a:normAutofit/>
-          </a:bodyPr>
-          <a:lstStyle/>
-          <a:p>
-            <a:pPr>
-              <a:lnSpc>
-                <a:spcPct val="100000"/>
-              </a:lnSpc>
-            </a:pPr>
-            <a:r>
-              <a:rPr lang="pl-PL" sz="2400" dirty="0"/>
-              <a:t>Spec-</a:t>
-            </a:r>
-            <a:r>
-              <a:rPr lang="pl-PL" sz="2400" dirty="0" err="1"/>
-              <a:t>first</a:t>
-            </a:r>
-            <a:r>
-              <a:rPr lang="pl-PL" sz="2400" dirty="0"/>
-              <a:t> </a:t>
-            </a:r>
-            <a:r>
-              <a:rPr lang="pl-PL" sz="2400" dirty="0" err="1"/>
-              <a:t>approach</a:t>
-            </a:r>
-            <a:endParaRPr lang="pl-PL" sz="2400" dirty="0"/>
-          </a:p>
-          <a:p>
-            <a:pPr marL="457200" lvl="1" indent="0">
-              <a:lnSpc>
-                <a:spcPct val="100000"/>
-              </a:lnSpc>
-              <a:buNone/>
-            </a:pPr>
-            <a:r>
-              <a:rPr lang="pl-PL" dirty="0">
-                <a:solidFill>
-                  <a:schemeClr val="accent4"/>
-                </a:solidFill>
-              </a:rPr>
-              <a:t>+ </a:t>
-            </a:r>
-            <a:r>
-              <a:rPr lang="pl-PL" dirty="0" err="1">
-                <a:solidFill>
-                  <a:schemeClr val="accent4"/>
-                </a:solidFill>
-              </a:rPr>
-              <a:t>code</a:t>
-            </a:r>
-            <a:r>
-              <a:rPr lang="pl-PL" dirty="0">
-                <a:solidFill>
-                  <a:schemeClr val="accent4"/>
-                </a:solidFill>
-              </a:rPr>
-              <a:t> for </a:t>
-            </a:r>
-            <a:r>
-              <a:rPr lang="pl-PL" dirty="0" err="1">
-                <a:solidFill>
-                  <a:schemeClr val="accent4"/>
-                </a:solidFill>
-              </a:rPr>
-              <a:t>both</a:t>
-            </a:r>
-            <a:r>
-              <a:rPr lang="pl-PL" dirty="0">
-                <a:solidFill>
-                  <a:schemeClr val="accent4"/>
-                </a:solidFill>
-              </a:rPr>
-              <a:t> </a:t>
-            </a:r>
-            <a:r>
-              <a:rPr lang="pl-PL" dirty="0" err="1">
-                <a:solidFill>
-                  <a:schemeClr val="accent4"/>
-                </a:solidFill>
-              </a:rPr>
-              <a:t>client</a:t>
-            </a:r>
-            <a:r>
-              <a:rPr lang="pl-PL" dirty="0">
-                <a:solidFill>
-                  <a:schemeClr val="accent4"/>
-                </a:solidFill>
-              </a:rPr>
-              <a:t> and </a:t>
-            </a:r>
-            <a:r>
-              <a:rPr lang="pl-PL" dirty="0" err="1">
-                <a:solidFill>
-                  <a:schemeClr val="accent4"/>
-                </a:solidFill>
-              </a:rPr>
-              <a:t>server</a:t>
-            </a:r>
-            <a:r>
-              <a:rPr lang="pl-PL" dirty="0">
-                <a:solidFill>
-                  <a:schemeClr val="accent4"/>
-                </a:solidFill>
-              </a:rPr>
-              <a:t> </a:t>
-            </a:r>
-            <a:r>
-              <a:rPr lang="pl-PL" dirty="0" err="1">
-                <a:solidFill>
-                  <a:schemeClr val="accent4"/>
-                </a:solidFill>
-              </a:rPr>
-              <a:t>can</a:t>
-            </a:r>
-            <a:r>
-              <a:rPr lang="pl-PL" dirty="0">
-                <a:solidFill>
-                  <a:schemeClr val="accent4"/>
-                </a:solidFill>
-              </a:rPr>
-              <a:t> be </a:t>
-            </a:r>
-            <a:r>
-              <a:rPr lang="pl-PL" dirty="0" err="1">
-                <a:solidFill>
-                  <a:schemeClr val="accent4"/>
-                </a:solidFill>
-              </a:rPr>
-              <a:t>generated</a:t>
-            </a:r>
-            <a:endParaRPr lang="pl-PL" dirty="0">
-              <a:solidFill>
-                <a:schemeClr val="accent4"/>
-              </a:solidFill>
-            </a:endParaRPr>
-          </a:p>
-          <a:p>
-            <a:pPr marL="457200" lvl="1" indent="0">
-              <a:lnSpc>
-                <a:spcPct val="100000"/>
-              </a:lnSpc>
-              <a:buNone/>
-            </a:pPr>
-            <a:r>
-              <a:rPr lang="pl-PL" dirty="0">
-                <a:solidFill>
-                  <a:schemeClr val="accent4"/>
-                </a:solidFill>
-              </a:rPr>
-              <a:t>+ </a:t>
-            </a:r>
-            <a:r>
-              <a:rPr lang="pl-PL" dirty="0" err="1">
-                <a:solidFill>
-                  <a:schemeClr val="accent4"/>
-                </a:solidFill>
-              </a:rPr>
-              <a:t>can</a:t>
-            </a:r>
-            <a:r>
-              <a:rPr lang="pl-PL" dirty="0">
-                <a:solidFill>
-                  <a:schemeClr val="accent4"/>
-                </a:solidFill>
-              </a:rPr>
-              <a:t> be </a:t>
-            </a:r>
-            <a:r>
-              <a:rPr lang="pl-PL" dirty="0" err="1">
-                <a:solidFill>
-                  <a:schemeClr val="accent4"/>
-                </a:solidFill>
-              </a:rPr>
-              <a:t>done</a:t>
-            </a:r>
-            <a:r>
-              <a:rPr lang="pl-PL" dirty="0">
-                <a:solidFill>
-                  <a:schemeClr val="accent4"/>
-                </a:solidFill>
-              </a:rPr>
-              <a:t> </a:t>
-            </a:r>
-            <a:r>
-              <a:rPr lang="pl-PL" dirty="0" err="1">
-                <a:solidFill>
-                  <a:schemeClr val="accent4"/>
-                </a:solidFill>
-              </a:rPr>
-              <a:t>without</a:t>
-            </a:r>
-            <a:r>
-              <a:rPr lang="pl-PL" dirty="0">
-                <a:solidFill>
-                  <a:schemeClr val="accent4"/>
-                </a:solidFill>
-              </a:rPr>
-              <a:t> </a:t>
-            </a:r>
-            <a:r>
-              <a:rPr lang="pl-PL" dirty="0" err="1">
-                <a:solidFill>
-                  <a:schemeClr val="accent4"/>
-                </a:solidFill>
-              </a:rPr>
-              <a:t>writing</a:t>
-            </a:r>
-            <a:r>
-              <a:rPr lang="pl-PL" dirty="0">
-                <a:solidFill>
-                  <a:schemeClr val="accent4"/>
-                </a:solidFill>
-              </a:rPr>
-              <a:t> single </a:t>
-            </a:r>
-            <a:r>
-              <a:rPr lang="pl-PL" dirty="0" err="1">
-                <a:solidFill>
-                  <a:schemeClr val="accent4"/>
-                </a:solidFill>
-              </a:rPr>
-              <a:t>line</a:t>
-            </a:r>
-            <a:r>
-              <a:rPr lang="pl-PL" dirty="0">
-                <a:solidFill>
-                  <a:schemeClr val="accent4"/>
-                </a:solidFill>
-              </a:rPr>
-              <a:t> of </a:t>
-            </a:r>
-            <a:r>
-              <a:rPr lang="pl-PL" dirty="0" err="1">
-                <a:solidFill>
-                  <a:schemeClr val="accent4"/>
-                </a:solidFill>
-              </a:rPr>
-              <a:t>code</a:t>
-            </a:r>
-            <a:endParaRPr lang="pl-PL" dirty="0">
-              <a:solidFill>
-                <a:schemeClr val="accent4"/>
-              </a:solidFill>
-            </a:endParaRPr>
-          </a:p>
-          <a:p>
-            <a:pPr marL="457200" lvl="1" indent="0">
-              <a:lnSpc>
-                <a:spcPct val="100000"/>
-              </a:lnSpc>
-              <a:buNone/>
-            </a:pPr>
-            <a:r>
-              <a:rPr lang="pl-PL" dirty="0">
-                <a:solidFill>
-                  <a:schemeClr val="accent4"/>
-                </a:solidFill>
-              </a:rPr>
-              <a:t>+ </a:t>
-            </a:r>
-            <a:r>
-              <a:rPr lang="pl-PL" dirty="0" err="1">
-                <a:solidFill>
-                  <a:schemeClr val="accent4"/>
-                </a:solidFill>
-              </a:rPr>
-              <a:t>is</a:t>
-            </a:r>
-            <a:r>
-              <a:rPr lang="pl-PL" dirty="0">
-                <a:solidFill>
-                  <a:schemeClr val="accent4"/>
-                </a:solidFill>
-              </a:rPr>
-              <a:t> </a:t>
-            </a:r>
-            <a:r>
-              <a:rPr lang="pl-PL" dirty="0" err="1">
-                <a:solidFill>
-                  <a:schemeClr val="accent4"/>
-                </a:solidFill>
-              </a:rPr>
-              <a:t>language</a:t>
-            </a:r>
-            <a:r>
-              <a:rPr lang="pl-PL" dirty="0">
-                <a:solidFill>
-                  <a:schemeClr val="accent4"/>
-                </a:solidFill>
-              </a:rPr>
-              <a:t> </a:t>
-            </a:r>
-            <a:r>
-              <a:rPr lang="pl-PL" dirty="0" err="1">
-                <a:solidFill>
-                  <a:schemeClr val="accent4"/>
-                </a:solidFill>
-              </a:rPr>
-              <a:t>agnostic</a:t>
-            </a:r>
-            <a:endParaRPr lang="pl-PL" dirty="0">
-              <a:solidFill>
-                <a:srgbClr val="FFFF00"/>
-              </a:solidFill>
-            </a:endParaRPr>
-          </a:p>
-          <a:p>
-            <a:pPr>
-              <a:lnSpc>
-                <a:spcPct val="100000"/>
-              </a:lnSpc>
-            </a:pPr>
-            <a:endParaRPr lang="pl-PL" sz="2400" dirty="0">
-              <a:solidFill>
-                <a:schemeClr val="tx1"/>
-              </a:solidFill>
-            </a:endParaRPr>
-          </a:p>
-          <a:p>
-            <a:pPr>
-              <a:lnSpc>
-                <a:spcPct val="100000"/>
-              </a:lnSpc>
-            </a:pPr>
-            <a:r>
-              <a:rPr lang="pl-PL" sz="2400" dirty="0" err="1">
-                <a:solidFill>
-                  <a:schemeClr val="tx1"/>
-                </a:solidFill>
-              </a:rPr>
-              <a:t>Code-first</a:t>
-            </a:r>
-            <a:r>
-              <a:rPr lang="pl-PL" sz="2400" dirty="0">
-                <a:solidFill>
-                  <a:schemeClr val="tx1"/>
-                </a:solidFill>
-              </a:rPr>
-              <a:t> </a:t>
-            </a:r>
-            <a:r>
-              <a:rPr lang="pl-PL" sz="2400" dirty="0" err="1">
-                <a:solidFill>
-                  <a:schemeClr val="tx1"/>
-                </a:solidFill>
-              </a:rPr>
-              <a:t>approach</a:t>
-            </a:r>
-            <a:endParaRPr lang="pl-PL" sz="2400" dirty="0">
-              <a:solidFill>
-                <a:schemeClr val="tx1"/>
-              </a:solidFill>
-            </a:endParaRPr>
-          </a:p>
-          <a:p>
-            <a:pPr marL="457200" lvl="1" indent="0">
-              <a:lnSpc>
-                <a:spcPct val="100000"/>
-              </a:lnSpc>
-              <a:buNone/>
-            </a:pPr>
-            <a:r>
-              <a:rPr lang="pl-PL" dirty="0">
-                <a:solidFill>
-                  <a:schemeClr val="accent4"/>
-                </a:solidFill>
-              </a:rPr>
-              <a:t>+ </a:t>
-            </a:r>
-            <a:r>
-              <a:rPr lang="pl-PL" dirty="0" err="1">
-                <a:solidFill>
-                  <a:schemeClr val="accent4"/>
-                </a:solidFill>
-              </a:rPr>
-              <a:t>cheaper</a:t>
-            </a:r>
-            <a:r>
-              <a:rPr lang="pl-PL" dirty="0">
-                <a:solidFill>
-                  <a:schemeClr val="accent4"/>
-                </a:solidFill>
-              </a:rPr>
-              <a:t> to start</a:t>
-            </a:r>
-          </a:p>
-          <a:p>
-            <a:pPr marL="457200" lvl="1" indent="0">
-              <a:lnSpc>
-                <a:spcPct val="100000"/>
-              </a:lnSpc>
-              <a:buNone/>
-            </a:pPr>
-            <a:r>
-              <a:rPr lang="pl-PL" dirty="0">
-                <a:solidFill>
-                  <a:schemeClr val="accent4"/>
-                </a:solidFill>
-              </a:rPr>
-              <a:t>+ </a:t>
-            </a:r>
-            <a:r>
-              <a:rPr lang="pl-PL" dirty="0" err="1">
-                <a:solidFill>
-                  <a:schemeClr val="accent4"/>
-                </a:solidFill>
-              </a:rPr>
-              <a:t>easier</a:t>
-            </a:r>
-            <a:r>
-              <a:rPr lang="pl-PL" dirty="0">
-                <a:solidFill>
-                  <a:schemeClr val="accent4"/>
-                </a:solidFill>
-              </a:rPr>
-              <a:t> to </a:t>
-            </a:r>
-            <a:r>
-              <a:rPr lang="pl-PL" dirty="0" err="1">
-                <a:solidFill>
-                  <a:schemeClr val="accent4"/>
-                </a:solidFill>
-              </a:rPr>
-              <a:t>maintain</a:t>
-            </a:r>
-            <a:endParaRPr lang="pl-PL" dirty="0">
-              <a:solidFill>
-                <a:schemeClr val="accent4"/>
-              </a:solidFill>
-            </a:endParaRPr>
-          </a:p>
-          <a:p>
-            <a:pPr marL="457200" lvl="1" indent="0">
-              <a:lnSpc>
-                <a:spcPct val="100000"/>
-              </a:lnSpc>
-              <a:buNone/>
-            </a:pPr>
-            <a:r>
-              <a:rPr lang="pl-PL" dirty="0">
-                <a:solidFill>
-                  <a:schemeClr val="accent4"/>
-                </a:solidFill>
-              </a:rPr>
-              <a:t>+ </a:t>
-            </a:r>
-            <a:r>
-              <a:rPr lang="pl-PL" dirty="0" err="1">
-                <a:solidFill>
-                  <a:schemeClr val="accent4"/>
-                </a:solidFill>
-              </a:rPr>
-              <a:t>more</a:t>
-            </a:r>
-            <a:r>
-              <a:rPr lang="pl-PL" dirty="0">
-                <a:solidFill>
-                  <a:schemeClr val="accent4"/>
-                </a:solidFill>
-              </a:rPr>
-              <a:t> </a:t>
-            </a:r>
-            <a:r>
-              <a:rPr lang="pl-PL" dirty="0" err="1">
-                <a:solidFill>
-                  <a:schemeClr val="accent4"/>
-                </a:solidFill>
-              </a:rPr>
-              <a:t>natural</a:t>
-            </a:r>
-            <a:r>
-              <a:rPr lang="pl-PL" dirty="0">
-                <a:solidFill>
-                  <a:schemeClr val="accent4"/>
-                </a:solidFill>
-              </a:rPr>
-              <a:t> for </a:t>
-            </a:r>
-            <a:r>
-              <a:rPr lang="pl-PL" dirty="0" err="1">
-                <a:solidFill>
-                  <a:schemeClr val="accent4"/>
-                </a:solidFill>
-              </a:rPr>
-              <a:t>developers</a:t>
-            </a:r>
-            <a:endParaRPr lang="pl-PL" dirty="0">
-              <a:solidFill>
-                <a:schemeClr val="accent4"/>
-              </a:solidFill>
-            </a:endParaRPr>
-          </a:p>
-          <a:p>
-            <a:pPr marL="457200" lvl="1" indent="0">
-              <a:lnSpc>
-                <a:spcPct val="100000"/>
-              </a:lnSpc>
-              <a:buNone/>
-            </a:pPr>
-            <a:r>
-              <a:rPr lang="pl-PL" dirty="0">
-                <a:solidFill>
-                  <a:schemeClr val="accent4"/>
-                </a:solidFill>
-              </a:rPr>
-              <a:t>+ no </a:t>
-            </a:r>
-            <a:r>
-              <a:rPr lang="pl-PL" dirty="0" err="1">
-                <a:solidFill>
-                  <a:schemeClr val="accent4"/>
-                </a:solidFill>
-              </a:rPr>
-              <a:t>code</a:t>
-            </a:r>
-            <a:r>
-              <a:rPr lang="pl-PL" dirty="0">
-                <a:solidFill>
-                  <a:schemeClr val="accent4"/>
-                </a:solidFill>
-              </a:rPr>
-              <a:t> </a:t>
-            </a:r>
-            <a:r>
-              <a:rPr lang="pl-PL" dirty="0" err="1">
-                <a:solidFill>
-                  <a:schemeClr val="accent4"/>
-                </a:solidFill>
-              </a:rPr>
-              <a:t>is</a:t>
-            </a:r>
-            <a:r>
-              <a:rPr lang="pl-PL" dirty="0">
-                <a:solidFill>
-                  <a:schemeClr val="accent4"/>
-                </a:solidFill>
-              </a:rPr>
-              <a:t> </a:t>
-            </a:r>
-            <a:r>
-              <a:rPr lang="pl-PL" dirty="0" err="1">
-                <a:solidFill>
-                  <a:schemeClr val="accent4"/>
-                </a:solidFill>
-              </a:rPr>
-              <a:t>generated</a:t>
-            </a:r>
-            <a:endParaRPr lang="pl-PL" dirty="0">
-              <a:solidFill>
-                <a:schemeClr val="accent4"/>
-              </a:solidFill>
-            </a:endParaRPr>
-          </a:p>
-          <a:p>
-            <a:pPr marL="457200" lvl="1" indent="0">
-              <a:lnSpc>
-                <a:spcPct val="100000"/>
-              </a:lnSpc>
-              <a:buNone/>
-            </a:pPr>
-            <a:endParaRPr lang="pl-PL" dirty="0">
-              <a:solidFill>
-                <a:srgbClr val="FFFF00"/>
-              </a:solidFill>
-            </a:endParaRPr>
-          </a:p>
-          <a:p>
-            <a:pPr marL="457200" lvl="1" indent="0">
-              <a:lnSpc>
-                <a:spcPct val="100000"/>
-              </a:lnSpc>
-              <a:buNone/>
-            </a:pPr>
-            <a:r>
-              <a:rPr lang="pl-PL" dirty="0">
-                <a:solidFill>
-                  <a:srgbClr val="FFFF00"/>
-                </a:solidFill>
-              </a:rPr>
-              <a:t>- </a:t>
-            </a:r>
-            <a:r>
-              <a:rPr lang="pl-PL" dirty="0" err="1">
-                <a:solidFill>
-                  <a:srgbClr val="FFFF00"/>
-                </a:solidFill>
-              </a:rPr>
-              <a:t>usually</a:t>
-            </a:r>
-            <a:r>
-              <a:rPr lang="pl-PL" dirty="0">
-                <a:solidFill>
-                  <a:srgbClr val="FFFF00"/>
-                </a:solidFill>
-              </a:rPr>
-              <a:t> </a:t>
-            </a:r>
-            <a:r>
-              <a:rPr lang="pl-PL" dirty="0" err="1">
-                <a:solidFill>
-                  <a:srgbClr val="FFFF00"/>
-                </a:solidFill>
-              </a:rPr>
-              <a:t>requires</a:t>
-            </a:r>
-            <a:r>
-              <a:rPr lang="pl-PL" dirty="0">
-                <a:solidFill>
-                  <a:srgbClr val="FFFF00"/>
-                </a:solidFill>
-              </a:rPr>
-              <a:t> </a:t>
-            </a:r>
-            <a:r>
-              <a:rPr lang="pl-PL" dirty="0" err="1">
-                <a:solidFill>
-                  <a:srgbClr val="FFFF00"/>
-                </a:solidFill>
-              </a:rPr>
-              <a:t>bigger</a:t>
-            </a:r>
-            <a:r>
-              <a:rPr lang="pl-PL" dirty="0">
-                <a:solidFill>
-                  <a:srgbClr val="FFFF00"/>
-                </a:solidFill>
-              </a:rPr>
-              <a:t> </a:t>
-            </a:r>
-            <a:r>
-              <a:rPr lang="pl-PL" dirty="0" err="1">
-                <a:solidFill>
-                  <a:srgbClr val="FFFF00"/>
-                </a:solidFill>
-              </a:rPr>
-              <a:t>effort</a:t>
-            </a:r>
-            <a:r>
-              <a:rPr lang="pl-PL" dirty="0">
-                <a:solidFill>
-                  <a:srgbClr val="FFFF00"/>
-                </a:solidFill>
-              </a:rPr>
-              <a:t> </a:t>
-            </a:r>
-            <a:r>
-              <a:rPr lang="pl-PL" dirty="0" err="1">
-                <a:solidFill>
-                  <a:srgbClr val="FFFF00"/>
-                </a:solidFill>
-              </a:rPr>
-              <a:t>upfront</a:t>
-            </a:r>
-            <a:endParaRPr lang="pl-PL" dirty="0">
-              <a:solidFill>
-                <a:srgbClr val="FFFF00"/>
-              </a:solidFill>
-            </a:endParaRPr>
-          </a:p>
-          <a:p>
-            <a:pPr marL="457200" lvl="1" indent="0">
-              <a:lnSpc>
-                <a:spcPct val="100000"/>
-              </a:lnSpc>
-              <a:buNone/>
-            </a:pPr>
-            <a:r>
-              <a:rPr lang="pl-PL" dirty="0">
-                <a:solidFill>
-                  <a:srgbClr val="FFFF00"/>
-                </a:solidFill>
-              </a:rPr>
-              <a:t>- </a:t>
-            </a:r>
-            <a:r>
-              <a:rPr lang="pl-PL" dirty="0" err="1">
-                <a:solidFill>
-                  <a:srgbClr val="FFFF00"/>
-                </a:solidFill>
-              </a:rPr>
-              <a:t>can</a:t>
-            </a:r>
-            <a:r>
-              <a:rPr lang="pl-PL" dirty="0">
-                <a:solidFill>
-                  <a:srgbClr val="FFFF00"/>
-                </a:solidFill>
-              </a:rPr>
-              <a:t> be </a:t>
-            </a:r>
-            <a:r>
-              <a:rPr lang="pl-PL" dirty="0" err="1">
-                <a:solidFill>
-                  <a:srgbClr val="FFFF00"/>
-                </a:solidFill>
-              </a:rPr>
-              <a:t>done</a:t>
-            </a:r>
-            <a:r>
-              <a:rPr lang="pl-PL" dirty="0">
-                <a:solidFill>
-                  <a:srgbClr val="FFFF00"/>
-                </a:solidFill>
-              </a:rPr>
-              <a:t> </a:t>
-            </a:r>
-            <a:r>
-              <a:rPr lang="pl-PL" dirty="0" err="1">
-                <a:solidFill>
-                  <a:srgbClr val="FFFF00"/>
-                </a:solidFill>
-              </a:rPr>
-              <a:t>without</a:t>
-            </a:r>
-            <a:r>
-              <a:rPr lang="pl-PL" dirty="0">
-                <a:solidFill>
-                  <a:srgbClr val="FFFF00"/>
-                </a:solidFill>
-              </a:rPr>
-              <a:t> </a:t>
-            </a:r>
-            <a:r>
-              <a:rPr lang="pl-PL" dirty="0" err="1">
-                <a:solidFill>
-                  <a:srgbClr val="FFFF00"/>
-                </a:solidFill>
-              </a:rPr>
-              <a:t>writing</a:t>
-            </a:r>
-            <a:r>
-              <a:rPr lang="pl-PL" dirty="0">
-                <a:solidFill>
-                  <a:srgbClr val="FFFF00"/>
-                </a:solidFill>
-              </a:rPr>
-              <a:t> single </a:t>
-            </a:r>
-            <a:r>
-              <a:rPr lang="pl-PL" dirty="0" err="1">
-                <a:solidFill>
-                  <a:srgbClr val="FFFF00"/>
-                </a:solidFill>
-              </a:rPr>
-              <a:t>line</a:t>
-            </a:r>
-            <a:r>
-              <a:rPr lang="pl-PL" dirty="0">
-                <a:solidFill>
-                  <a:srgbClr val="FFFF00"/>
-                </a:solidFill>
-              </a:rPr>
-              <a:t> of </a:t>
-            </a:r>
-            <a:r>
-              <a:rPr lang="pl-PL" dirty="0" err="1">
-                <a:solidFill>
-                  <a:srgbClr val="FFFF00"/>
-                </a:solidFill>
-              </a:rPr>
-              <a:t>code</a:t>
-            </a:r>
-            <a:endParaRPr lang="pl-PL" dirty="0">
-              <a:solidFill>
-                <a:srgbClr val="FFFF00"/>
-              </a:solidFill>
-            </a:endParaRPr>
-          </a:p>
-          <a:p>
-            <a:pPr marL="457200" lvl="1" indent="0">
-              <a:lnSpc>
-                <a:spcPct val="100000"/>
-              </a:lnSpc>
-              <a:buNone/>
-            </a:pPr>
-            <a:r>
-              <a:rPr lang="pl-PL" dirty="0">
-                <a:solidFill>
-                  <a:srgbClr val="FFFF00"/>
-                </a:solidFill>
-              </a:rPr>
-              <a:t>- we </a:t>
-            </a:r>
-            <a:r>
-              <a:rPr lang="pl-PL" dirty="0" err="1">
-                <a:solidFill>
-                  <a:srgbClr val="FFFF00"/>
-                </a:solidFill>
-              </a:rPr>
-              <a:t>deal</a:t>
-            </a:r>
-            <a:r>
-              <a:rPr lang="pl-PL" dirty="0">
-                <a:solidFill>
-                  <a:srgbClr val="FFFF00"/>
-                </a:solidFill>
-              </a:rPr>
-              <a:t> with </a:t>
-            </a:r>
-            <a:r>
-              <a:rPr lang="pl-PL" dirty="0" err="1">
-                <a:solidFill>
-                  <a:srgbClr val="FFFF00"/>
-                </a:solidFill>
-              </a:rPr>
-              <a:t>both</a:t>
-            </a:r>
-            <a:r>
-              <a:rPr lang="pl-PL" dirty="0">
-                <a:solidFill>
-                  <a:srgbClr val="FFFF00"/>
-                </a:solidFill>
-              </a:rPr>
-              <a:t> </a:t>
-            </a:r>
-            <a:r>
-              <a:rPr lang="pl-PL" dirty="0" err="1">
-                <a:solidFill>
-                  <a:srgbClr val="FFFF00"/>
-                </a:solidFill>
-              </a:rPr>
-              <a:t>written</a:t>
-            </a:r>
-            <a:r>
-              <a:rPr lang="pl-PL" dirty="0">
-                <a:solidFill>
-                  <a:srgbClr val="FFFF00"/>
-                </a:solidFill>
-              </a:rPr>
-              <a:t> and </a:t>
-            </a:r>
-            <a:r>
-              <a:rPr lang="pl-PL" dirty="0" err="1">
-                <a:solidFill>
-                  <a:srgbClr val="FFFF00"/>
-                </a:solidFill>
-              </a:rPr>
-              <a:t>generated</a:t>
-            </a:r>
-            <a:r>
-              <a:rPr lang="pl-PL" dirty="0">
-                <a:solidFill>
-                  <a:srgbClr val="FFFF00"/>
-                </a:solidFill>
-              </a:rPr>
-              <a:t> </a:t>
-            </a:r>
-            <a:r>
-              <a:rPr lang="pl-PL" dirty="0" err="1">
-                <a:solidFill>
-                  <a:srgbClr val="FFFF00"/>
-                </a:solidFill>
-              </a:rPr>
-              <a:t>code</a:t>
-            </a:r>
-            <a:endParaRPr lang="pl-PL" dirty="0">
-              <a:solidFill>
-                <a:srgbClr val="FFFF00"/>
-              </a:solidFill>
-            </a:endParaRPr>
-          </a:p>
-          <a:p>
-            <a:pPr marL="457200" lvl="1" indent="0">
-              <a:lnSpc>
-                <a:spcPct val="100000"/>
-              </a:lnSpc>
-              <a:buNone/>
-            </a:pPr>
-            <a:endParaRPr lang="pl-PL" sz="3600" dirty="0">
-              <a:solidFill>
-                <a:srgbClr val="FFFF00"/>
-              </a:solidFill>
-            </a:endParaRPr>
-          </a:p>
-          <a:p>
-            <a:pPr lvl="1">
-              <a:lnSpc>
-                <a:spcPct val="100000"/>
-              </a:lnSpc>
-              <a:buFontTx/>
-              <a:buChar char="-"/>
-            </a:pPr>
-            <a:r>
-              <a:rPr lang="pl-PL" dirty="0">
-                <a:solidFill>
-                  <a:srgbClr val="FFFF00"/>
-                </a:solidFill>
-              </a:rPr>
-              <a:t>no </a:t>
-            </a:r>
-            <a:r>
-              <a:rPr lang="pl-PL" dirty="0" err="1">
-                <a:solidFill>
-                  <a:srgbClr val="FFFF00"/>
-                </a:solidFill>
-              </a:rPr>
-              <a:t>code</a:t>
-            </a:r>
-            <a:r>
-              <a:rPr lang="pl-PL" dirty="0">
-                <a:solidFill>
-                  <a:srgbClr val="FFFF00"/>
-                </a:solidFill>
-              </a:rPr>
-              <a:t> </a:t>
-            </a:r>
-            <a:r>
-              <a:rPr lang="pl-PL" dirty="0" err="1">
-                <a:solidFill>
-                  <a:srgbClr val="FFFF00"/>
-                </a:solidFill>
-              </a:rPr>
-              <a:t>is</a:t>
-            </a:r>
-            <a:r>
-              <a:rPr lang="pl-PL" dirty="0">
-                <a:solidFill>
-                  <a:srgbClr val="FFFF00"/>
-                </a:solidFill>
-              </a:rPr>
-              <a:t> </a:t>
-            </a:r>
-            <a:r>
-              <a:rPr lang="pl-PL" dirty="0" err="1">
-                <a:solidFill>
-                  <a:srgbClr val="FFFF00"/>
-                </a:solidFill>
-              </a:rPr>
-              <a:t>generated</a:t>
-            </a:r>
-            <a:endParaRPr lang="pl-PL" dirty="0">
-              <a:solidFill>
-                <a:srgbClr val="FFFF00"/>
-              </a:solidFill>
-            </a:endParaRPr>
-          </a:p>
-          <a:p>
-            <a:pPr lvl="1">
-              <a:lnSpc>
-                <a:spcPct val="100000"/>
-              </a:lnSpc>
-              <a:buFontTx/>
-              <a:buChar char="-"/>
-            </a:pPr>
-            <a:r>
-              <a:rPr lang="pl-PL" dirty="0" err="1">
-                <a:solidFill>
-                  <a:srgbClr val="FFFF00"/>
-                </a:solidFill>
-              </a:rPr>
-              <a:t>is</a:t>
-            </a:r>
-            <a:r>
-              <a:rPr lang="pl-PL" dirty="0">
-                <a:solidFill>
-                  <a:srgbClr val="FFFF00"/>
-                </a:solidFill>
-              </a:rPr>
-              <a:t> </a:t>
-            </a:r>
-            <a:r>
-              <a:rPr lang="pl-PL" dirty="0" err="1">
-                <a:solidFill>
-                  <a:srgbClr val="FFFF00"/>
-                </a:solidFill>
-              </a:rPr>
-              <a:t>tied</a:t>
-            </a:r>
-            <a:r>
-              <a:rPr lang="pl-PL" dirty="0">
-                <a:solidFill>
-                  <a:srgbClr val="FFFF00"/>
-                </a:solidFill>
-              </a:rPr>
-              <a:t> to </a:t>
-            </a:r>
-            <a:r>
-              <a:rPr lang="pl-PL" dirty="0" err="1">
-                <a:solidFill>
-                  <a:srgbClr val="FFFF00"/>
-                </a:solidFill>
-              </a:rPr>
-              <a:t>language</a:t>
-            </a:r>
-            <a:endParaRPr lang="pl-PL" dirty="0">
-              <a:solidFill>
-                <a:srgbClr val="FFFF00"/>
-              </a:solidFill>
-            </a:endParaRPr>
-          </a:p>
-        </p:txBody>
-      </p:sp>
+      </p:pic>
+      <p:pic>
+        <p:nvPicPr>
+          <p:cNvPr id="7" name="Picture 6" descr="A picture containing drawing&#10;&#10;Description automatically generated">
+            <a:extLst>
+              <a:ext uri="{FF2B5EF4-FFF2-40B4-BE49-F238E27FC236}">
+                <a16:creationId xmlns:a16="http://schemas.microsoft.com/office/drawing/2014/main" id="{637F1012-4616-45E2-91FD-D34E3B1A200E}"/>
+              </a:ext>
+            </a:extLst>
+          </p:cNvPr>
+          <p:cNvPicPr>
+            <a:picLocks noChangeAspect="1"/>
+          </p:cNvPicPr>
+          <p:nvPr/>
+        </p:nvPicPr>
+        <p:blipFill>
+          <a:blip r:embed="rId3">
+            <a:extLst>
+              <a:ext uri="{28A0092B-C50C-407E-A947-70E740481C1C}">
+                <a14:useLocalDpi xmlns:a14="http://schemas.microsoft.com/office/drawing/2010/main" val="0"/>
+              </a:ext>
+            </a:extLst>
+          </a:blip>
+          <a:stretch>
+            <a:fillRect/>
+          </a:stretch>
+        </p:blipFill>
+        <p:spPr>
+          <a:xfrm>
+            <a:off x="4676094" y="2635113"/>
+            <a:ext cx="2839811" cy="2839811"/>
+          </a:xfrm>
+          <a:prstGeom prst="rect">
+            <a:avLst/>
+          </a:prstGeom>
+        </p:spPr>
+      </p:pic>
+      <p:pic>
+        <p:nvPicPr>
+          <p:cNvPr id="9" name="Picture 8" descr="A picture containing table, sitting, cup, vase&#10;&#10;Description automatically generated">
+            <a:extLst>
+              <a:ext uri="{FF2B5EF4-FFF2-40B4-BE49-F238E27FC236}">
+                <a16:creationId xmlns:a16="http://schemas.microsoft.com/office/drawing/2014/main" id="{B7444FBB-80EB-4D32-BD7F-6DF3379A1612}"/>
+              </a:ext>
+            </a:extLst>
+          </p:cNvPr>
+          <p:cNvPicPr>
+            <a:picLocks noChangeAspect="1"/>
+          </p:cNvPicPr>
+          <p:nvPr/>
+        </p:nvPicPr>
+        <p:blipFill>
+          <a:blip r:embed="rId4">
+            <a:extLst>
+              <a:ext uri="{28A0092B-C50C-407E-A947-70E740481C1C}">
+                <a14:useLocalDpi xmlns:a14="http://schemas.microsoft.com/office/drawing/2010/main" val="0"/>
+              </a:ext>
+            </a:extLst>
+          </a:blip>
+          <a:stretch>
+            <a:fillRect/>
+          </a:stretch>
+        </p:blipFill>
+        <p:spPr>
+          <a:xfrm>
+            <a:off x="8761258" y="3653065"/>
+            <a:ext cx="2707428" cy="2839810"/>
+          </a:xfrm>
+          <a:prstGeom prst="rect">
+            <a:avLst/>
+          </a:prstGeom>
+        </p:spPr>
+      </p:pic>
     </p:spTree>
     <p:extLst>
       <p:ext uri="{BB962C8B-B14F-4D97-AF65-F5344CB8AC3E}">
-        <p14:creationId xmlns:p14="http://schemas.microsoft.com/office/powerpoint/2010/main" val="3602640268"/>
+        <p14:creationId xmlns:p14="http://schemas.microsoft.com/office/powerpoint/2010/main" val="1436874303"/>
       </p:ext>
     </p:extLst>
   </p:cSld>
   <p:clrMapOvr>
     <a:masterClrMapping/>
   </p:clrMapOvr>
+  <p:timing>
+    <p:tnLst>
+      <p:par>
+        <p:cTn id="1" dur="indefinite" restart="never" nodeType="tmRoot">
+          <p:childTnLst>
+            <p:seq concurrent="1" nextAc="seek">
+              <p:cTn id="2" dur="indefinite" nodeType="mainSeq">
+                <p:childTnLst>
+                  <p:par>
+                    <p:cTn id="3" fill="hold">
+                      <p:stCondLst>
+                        <p:cond delay="indefinite"/>
+                      </p:stCondLst>
+                      <p:childTnLst>
+                        <p:par>
+                          <p:cTn id="4" fill="hold">
+                            <p:stCondLst>
+                              <p:cond delay="0"/>
+                            </p:stCondLst>
+                            <p:childTnLst>
+                              <p:par>
+                                <p:cTn id="5" presetID="10" presetClass="entr" presetSubtype="0" fill="hold" nodeType="clickEffect">
+                                  <p:stCondLst>
+                                    <p:cond delay="0"/>
+                                  </p:stCondLst>
+                                  <p:childTnLst>
+                                    <p:set>
+                                      <p:cBhvr>
+                                        <p:cTn id="6" dur="1" fill="hold">
+                                          <p:stCondLst>
+                                            <p:cond delay="0"/>
+                                          </p:stCondLst>
+                                        </p:cTn>
+                                        <p:tgtEl>
+                                          <p:spTgt spid="4"/>
+                                        </p:tgtEl>
+                                        <p:attrNameLst>
+                                          <p:attrName>style.visibility</p:attrName>
+                                        </p:attrNameLst>
+                                      </p:cBhvr>
+                                      <p:to>
+                                        <p:strVal val="visible"/>
+                                      </p:to>
+                                    </p:set>
+                                    <p:animEffect transition="in" filter="fade">
+                                      <p:cBhvr>
+                                        <p:cTn id="7" dur="500"/>
+                                        <p:tgtEl>
+                                          <p:spTgt spid="4"/>
+                                        </p:tgtEl>
+                                      </p:cBhvr>
+                                    </p:animEffect>
+                                  </p:childTnLst>
+                                </p:cTn>
+                              </p:par>
+                            </p:childTnLst>
+                          </p:cTn>
+                        </p:par>
+                      </p:childTnLst>
+                    </p:cTn>
+                  </p:par>
+                  <p:par>
+                    <p:cTn id="8" fill="hold">
+                      <p:stCondLst>
+                        <p:cond delay="indefinite"/>
+                      </p:stCondLst>
+                      <p:childTnLst>
+                        <p:par>
+                          <p:cTn id="9" fill="hold">
+                            <p:stCondLst>
+                              <p:cond delay="0"/>
+                            </p:stCondLst>
+                            <p:childTnLst>
+                              <p:par>
+                                <p:cTn id="10" presetID="10" presetClass="entr" presetSubtype="0" fill="hold" nodeType="clickEffect">
+                                  <p:stCondLst>
+                                    <p:cond delay="0"/>
+                                  </p:stCondLst>
+                                  <p:childTnLst>
+                                    <p:set>
+                                      <p:cBhvr>
+                                        <p:cTn id="11" dur="1" fill="hold">
+                                          <p:stCondLst>
+                                            <p:cond delay="0"/>
+                                          </p:stCondLst>
+                                        </p:cTn>
+                                        <p:tgtEl>
+                                          <p:spTgt spid="7"/>
+                                        </p:tgtEl>
+                                        <p:attrNameLst>
+                                          <p:attrName>style.visibility</p:attrName>
+                                        </p:attrNameLst>
+                                      </p:cBhvr>
+                                      <p:to>
+                                        <p:strVal val="visible"/>
+                                      </p:to>
+                                    </p:set>
+                                    <p:animEffect transition="in" filter="fade">
+                                      <p:cBhvr>
+                                        <p:cTn id="12" dur="500"/>
+                                        <p:tgtEl>
+                                          <p:spTgt spid="7"/>
+                                        </p:tgtEl>
+                                      </p:cBhvr>
+                                    </p:animEffect>
+                                  </p:childTnLst>
+                                </p:cTn>
+                              </p:par>
+                            </p:childTnLst>
+                          </p:cTn>
+                        </p:par>
+                      </p:childTnLst>
+                    </p:cTn>
+                  </p:par>
+                  <p:par>
+                    <p:cTn id="13" fill="hold">
+                      <p:stCondLst>
+                        <p:cond delay="indefinite"/>
+                      </p:stCondLst>
+                      <p:childTnLst>
+                        <p:par>
+                          <p:cTn id="14" fill="hold">
+                            <p:stCondLst>
+                              <p:cond delay="0"/>
+                            </p:stCondLst>
+                            <p:childTnLst>
+                              <p:par>
+                                <p:cTn id="15" presetID="10" presetClass="entr" presetSubtype="0" fill="hold" nodeType="clickEffect">
+                                  <p:stCondLst>
+                                    <p:cond delay="0"/>
+                                  </p:stCondLst>
+                                  <p:childTnLst>
+                                    <p:set>
+                                      <p:cBhvr>
+                                        <p:cTn id="16" dur="1" fill="hold">
+                                          <p:stCondLst>
+                                            <p:cond delay="0"/>
+                                          </p:stCondLst>
+                                        </p:cTn>
+                                        <p:tgtEl>
+                                          <p:spTgt spid="9"/>
+                                        </p:tgtEl>
+                                        <p:attrNameLst>
+                                          <p:attrName>style.visibility</p:attrName>
+                                        </p:attrNameLst>
+                                      </p:cBhvr>
+                                      <p:to>
+                                        <p:strVal val="visible"/>
+                                      </p:to>
+                                    </p:set>
+                                    <p:animEffect transition="in" filter="fade">
+                                      <p:cBhvr>
+                                        <p:cTn id="17" dur="500"/>
+                                        <p:tgtEl>
+                                          <p:spTgt spid="9"/>
+                                        </p:tgtEl>
+                                      </p:cBhvr>
+                                    </p:animEffect>
+                                  </p:childTnLst>
+                                </p:cTn>
+                              </p:par>
+                            </p:childTnLst>
+                          </p:cTn>
+                        </p:par>
+                      </p:childTnLst>
+                    </p:cTn>
+                  </p:par>
+                </p:childTnLst>
+              </p:cTn>
+              <p:prevCondLst>
+                <p:cond evt="onPrev" delay="0">
+                  <p:tgtEl>
+                    <p:sldTgt/>
+                  </p:tgtEl>
+                </p:cond>
+              </p:prevCondLst>
+              <p:nextCondLst>
+                <p:cond evt="onNext" delay="0">
+                  <p:tgtEl>
+                    <p:sldTgt/>
+                  </p:tgtEl>
+                </p:cond>
+              </p:nextCondLst>
+            </p:seq>
+          </p:childTnLst>
+        </p:cTn>
+      </p:par>
+    </p:tnLst>
+  </p:timing>
 </p:sld>
 </file>
 
@@ -13134,6 +14371,971 @@
         </p:nvSpPr>
         <p:spPr/>
         <p:txBody>
+          <a:bodyPr>
+            <a:normAutofit fontScale="90000"/>
+          </a:bodyPr>
+          <a:lstStyle/>
+          <a:p>
+            <a:r>
+              <a:rPr lang="pl-PL" dirty="0" err="1"/>
+              <a:t>WebAPI</a:t>
+            </a:r>
+            <a:r>
+              <a:rPr lang="pl-PL" dirty="0"/>
+              <a:t> </a:t>
+            </a:r>
+            <a:r>
+              <a:rPr lang="pl-PL" dirty="0" err="1"/>
+              <a:t>contract</a:t>
+            </a:r>
+            <a:r>
+              <a:rPr lang="pl-PL" dirty="0"/>
+              <a:t> </a:t>
+            </a:r>
+            <a:r>
+              <a:rPr lang="pl-PL" dirty="0" err="1"/>
+              <a:t>distribution</a:t>
+            </a:r>
+            <a:r>
+              <a:rPr lang="pl-PL" dirty="0"/>
+              <a:t> – </a:t>
+            </a:r>
+            <a:r>
+              <a:rPr lang="pl-PL" dirty="0" err="1"/>
+              <a:t>how</a:t>
+            </a:r>
+            <a:r>
+              <a:rPr lang="pl-PL" dirty="0"/>
+              <a:t> I?</a:t>
+            </a:r>
+          </a:p>
+        </p:txBody>
+      </p:sp>
+      <p:sp>
+        <p:nvSpPr>
+          <p:cNvPr id="5" name="Content Placeholder 4">
+            <a:extLst>
+              <a:ext uri="{FF2B5EF4-FFF2-40B4-BE49-F238E27FC236}">
+                <a16:creationId xmlns:a16="http://schemas.microsoft.com/office/drawing/2014/main" id="{4B5E364D-F789-4C5B-AE7F-460039134725}"/>
+              </a:ext>
+            </a:extLst>
+          </p:cNvPr>
+          <p:cNvSpPr>
+            <a:spLocks noGrp="1"/>
+          </p:cNvSpPr>
+          <p:nvPr>
+            <p:ph idx="1"/>
+          </p:nvPr>
+        </p:nvSpPr>
+        <p:spPr>
+          <a:xfrm>
+            <a:off x="1120000" y="1489166"/>
+            <a:ext cx="10233800" cy="5225143"/>
+          </a:xfrm>
+        </p:spPr>
+        <p:txBody>
+          <a:bodyPr numCol="1">
+            <a:normAutofit/>
+          </a:bodyPr>
+          <a:lstStyle/>
+          <a:p>
+            <a:pPr>
+              <a:lnSpc>
+                <a:spcPct val="150000"/>
+              </a:lnSpc>
+            </a:pPr>
+            <a:r>
+              <a:rPr lang="pl-PL" dirty="0">
+                <a:solidFill>
+                  <a:schemeClr val="tx1"/>
+                </a:solidFill>
+              </a:rPr>
+              <a:t>Spec-</a:t>
+            </a:r>
+            <a:r>
+              <a:rPr lang="pl-PL" dirty="0" err="1">
+                <a:solidFill>
+                  <a:schemeClr val="tx1"/>
+                </a:solidFill>
+              </a:rPr>
+              <a:t>first</a:t>
+            </a:r>
+            <a:r>
+              <a:rPr lang="pl-PL" dirty="0">
+                <a:solidFill>
+                  <a:schemeClr val="tx1"/>
+                </a:solidFill>
+              </a:rPr>
+              <a:t> </a:t>
+            </a:r>
+            <a:r>
+              <a:rPr lang="pl-PL" dirty="0" err="1">
+                <a:solidFill>
+                  <a:schemeClr val="tx1"/>
+                </a:solidFill>
+              </a:rPr>
+              <a:t>approach</a:t>
+            </a:r>
+            <a:endParaRPr lang="pl-PL" dirty="0">
+              <a:solidFill>
+                <a:schemeClr val="tx1"/>
+              </a:solidFill>
+            </a:endParaRPr>
+          </a:p>
+          <a:p>
+            <a:pPr lvl="1">
+              <a:lnSpc>
+                <a:spcPct val="150000"/>
+              </a:lnSpc>
+            </a:pPr>
+            <a:r>
+              <a:rPr lang="pl-PL" sz="2800" dirty="0" err="1">
+                <a:solidFill>
+                  <a:schemeClr val="tx1"/>
+                </a:solidFill>
+              </a:rPr>
+              <a:t>code</a:t>
+            </a:r>
+            <a:r>
+              <a:rPr lang="pl-PL" sz="2800" dirty="0">
+                <a:solidFill>
+                  <a:schemeClr val="tx1"/>
+                </a:solidFill>
+              </a:rPr>
+              <a:t> for </a:t>
+            </a:r>
+            <a:r>
+              <a:rPr lang="pl-PL" sz="2800" dirty="0" err="1">
+                <a:solidFill>
+                  <a:schemeClr val="tx1"/>
+                </a:solidFill>
+              </a:rPr>
+              <a:t>both</a:t>
+            </a:r>
+            <a:r>
+              <a:rPr lang="pl-PL" sz="2800" dirty="0">
+                <a:solidFill>
+                  <a:schemeClr val="tx1"/>
+                </a:solidFill>
+              </a:rPr>
+              <a:t> </a:t>
+            </a:r>
+            <a:r>
+              <a:rPr lang="pl-PL" sz="2800" dirty="0" err="1">
+                <a:solidFill>
+                  <a:schemeClr val="tx1"/>
+                </a:solidFill>
+              </a:rPr>
+              <a:t>client</a:t>
+            </a:r>
+            <a:r>
+              <a:rPr lang="pl-PL" sz="2800" dirty="0">
+                <a:solidFill>
+                  <a:schemeClr val="tx1"/>
+                </a:solidFill>
+              </a:rPr>
+              <a:t> and </a:t>
+            </a:r>
+            <a:r>
+              <a:rPr lang="pl-PL" sz="2800" dirty="0" err="1">
+                <a:solidFill>
+                  <a:schemeClr val="tx1"/>
+                </a:solidFill>
+              </a:rPr>
+              <a:t>server</a:t>
+            </a:r>
+            <a:r>
+              <a:rPr lang="pl-PL" sz="2800" dirty="0">
+                <a:solidFill>
+                  <a:schemeClr val="tx1"/>
+                </a:solidFill>
+              </a:rPr>
+              <a:t> </a:t>
+            </a:r>
+            <a:r>
+              <a:rPr lang="pl-PL" sz="2800" dirty="0" err="1">
+                <a:solidFill>
+                  <a:schemeClr val="tx1"/>
+                </a:solidFill>
+              </a:rPr>
+              <a:t>can</a:t>
+            </a:r>
+            <a:r>
+              <a:rPr lang="pl-PL" sz="2800" dirty="0">
+                <a:solidFill>
+                  <a:schemeClr val="tx1"/>
+                </a:solidFill>
+              </a:rPr>
+              <a:t> be </a:t>
+            </a:r>
+            <a:r>
+              <a:rPr lang="pl-PL" sz="2800" dirty="0" err="1">
+                <a:solidFill>
+                  <a:schemeClr val="tx1"/>
+                </a:solidFill>
+              </a:rPr>
+              <a:t>generated</a:t>
+            </a:r>
+            <a:endParaRPr lang="pl-PL" sz="2800" dirty="0">
+              <a:solidFill>
+                <a:schemeClr val="tx1"/>
+              </a:solidFill>
+            </a:endParaRPr>
+          </a:p>
+          <a:p>
+            <a:pPr lvl="1">
+              <a:lnSpc>
+                <a:spcPct val="150000"/>
+              </a:lnSpc>
+            </a:pPr>
+            <a:r>
+              <a:rPr lang="pl-PL" sz="2800" dirty="0" err="1">
+                <a:solidFill>
+                  <a:schemeClr val="tx1"/>
+                </a:solidFill>
+              </a:rPr>
+              <a:t>can</a:t>
+            </a:r>
+            <a:r>
+              <a:rPr lang="pl-PL" sz="2800" dirty="0">
+                <a:solidFill>
+                  <a:schemeClr val="tx1"/>
+                </a:solidFill>
+              </a:rPr>
+              <a:t> be </a:t>
+            </a:r>
+            <a:r>
+              <a:rPr lang="pl-PL" sz="2800" dirty="0" err="1">
+                <a:solidFill>
+                  <a:schemeClr val="tx1"/>
+                </a:solidFill>
+              </a:rPr>
+              <a:t>done</a:t>
+            </a:r>
+            <a:r>
+              <a:rPr lang="pl-PL" sz="2800" dirty="0">
+                <a:solidFill>
+                  <a:schemeClr val="tx1"/>
+                </a:solidFill>
+              </a:rPr>
+              <a:t> </a:t>
+            </a:r>
+            <a:r>
+              <a:rPr lang="pl-PL" sz="2800" dirty="0" err="1">
+                <a:solidFill>
+                  <a:schemeClr val="tx1"/>
+                </a:solidFill>
+              </a:rPr>
+              <a:t>without</a:t>
+            </a:r>
+            <a:r>
+              <a:rPr lang="pl-PL" sz="2800" dirty="0">
+                <a:solidFill>
+                  <a:schemeClr val="tx1"/>
+                </a:solidFill>
+              </a:rPr>
+              <a:t> </a:t>
+            </a:r>
+            <a:r>
+              <a:rPr lang="pl-PL" sz="2800" dirty="0" err="1">
+                <a:solidFill>
+                  <a:schemeClr val="tx1"/>
+                </a:solidFill>
+              </a:rPr>
+              <a:t>writing</a:t>
+            </a:r>
+            <a:r>
+              <a:rPr lang="pl-PL" sz="2800" dirty="0">
+                <a:solidFill>
+                  <a:schemeClr val="tx1"/>
+                </a:solidFill>
+              </a:rPr>
+              <a:t> single </a:t>
+            </a:r>
+            <a:r>
+              <a:rPr lang="pl-PL" sz="2800" dirty="0" err="1">
+                <a:solidFill>
+                  <a:schemeClr val="tx1"/>
+                </a:solidFill>
+              </a:rPr>
+              <a:t>line</a:t>
+            </a:r>
+            <a:r>
+              <a:rPr lang="pl-PL" sz="2800" dirty="0">
+                <a:solidFill>
+                  <a:schemeClr val="tx1"/>
+                </a:solidFill>
+              </a:rPr>
+              <a:t> of </a:t>
+            </a:r>
+            <a:r>
+              <a:rPr lang="pl-PL" sz="2800" dirty="0" err="1">
+                <a:solidFill>
+                  <a:schemeClr val="tx1"/>
+                </a:solidFill>
+              </a:rPr>
+              <a:t>code</a:t>
+            </a:r>
+            <a:endParaRPr lang="pl-PL" sz="2800" dirty="0">
+              <a:solidFill>
+                <a:schemeClr val="tx1"/>
+              </a:solidFill>
+            </a:endParaRPr>
+          </a:p>
+          <a:p>
+            <a:pPr lvl="1">
+              <a:lnSpc>
+                <a:spcPct val="150000"/>
+              </a:lnSpc>
+            </a:pPr>
+            <a:r>
+              <a:rPr lang="pl-PL" sz="2800" dirty="0" err="1">
+                <a:solidFill>
+                  <a:schemeClr val="tx1"/>
+                </a:solidFill>
+              </a:rPr>
+              <a:t>is</a:t>
+            </a:r>
+            <a:r>
+              <a:rPr lang="pl-PL" sz="2800" dirty="0">
+                <a:solidFill>
+                  <a:schemeClr val="tx1"/>
+                </a:solidFill>
+              </a:rPr>
+              <a:t> </a:t>
+            </a:r>
+            <a:r>
+              <a:rPr lang="pl-PL" sz="2800" dirty="0" err="1">
+                <a:solidFill>
+                  <a:schemeClr val="tx1"/>
+                </a:solidFill>
+              </a:rPr>
+              <a:t>language</a:t>
+            </a:r>
+            <a:r>
+              <a:rPr lang="pl-PL" sz="2800" dirty="0">
+                <a:solidFill>
+                  <a:schemeClr val="tx1"/>
+                </a:solidFill>
+              </a:rPr>
+              <a:t> </a:t>
+            </a:r>
+            <a:r>
+              <a:rPr lang="pl-PL" sz="2800" dirty="0" err="1">
+                <a:solidFill>
+                  <a:schemeClr val="tx1"/>
+                </a:solidFill>
+              </a:rPr>
+              <a:t>agnostic</a:t>
+            </a:r>
+            <a:endParaRPr lang="pl-PL" sz="2800" dirty="0">
+              <a:solidFill>
+                <a:schemeClr val="tx1"/>
+              </a:solidFill>
+            </a:endParaRPr>
+          </a:p>
+          <a:p>
+            <a:pPr lvl="1">
+              <a:lnSpc>
+                <a:spcPct val="150000"/>
+              </a:lnSpc>
+            </a:pPr>
+            <a:r>
+              <a:rPr lang="pl-PL" sz="2800" dirty="0" err="1">
+                <a:solidFill>
+                  <a:schemeClr val="tx1"/>
+                </a:solidFill>
+              </a:rPr>
+              <a:t>usually</a:t>
+            </a:r>
+            <a:r>
+              <a:rPr lang="pl-PL" sz="2800" dirty="0">
+                <a:solidFill>
+                  <a:schemeClr val="tx1"/>
+                </a:solidFill>
+              </a:rPr>
+              <a:t> </a:t>
+            </a:r>
+            <a:r>
+              <a:rPr lang="pl-PL" sz="2800" dirty="0" err="1">
+                <a:solidFill>
+                  <a:schemeClr val="tx1"/>
+                </a:solidFill>
+              </a:rPr>
+              <a:t>requires</a:t>
+            </a:r>
+            <a:r>
+              <a:rPr lang="pl-PL" sz="2800" dirty="0">
+                <a:solidFill>
+                  <a:schemeClr val="tx1"/>
+                </a:solidFill>
+              </a:rPr>
+              <a:t> </a:t>
+            </a:r>
+            <a:r>
+              <a:rPr lang="pl-PL" sz="2800" dirty="0" err="1">
+                <a:solidFill>
+                  <a:schemeClr val="tx1"/>
+                </a:solidFill>
+              </a:rPr>
+              <a:t>bigger</a:t>
+            </a:r>
+            <a:r>
+              <a:rPr lang="pl-PL" sz="2800" dirty="0">
+                <a:solidFill>
+                  <a:schemeClr val="tx1"/>
+                </a:solidFill>
+              </a:rPr>
+              <a:t> </a:t>
+            </a:r>
+            <a:r>
+              <a:rPr lang="pl-PL" sz="2800" dirty="0" err="1">
+                <a:solidFill>
+                  <a:schemeClr val="tx1"/>
+                </a:solidFill>
+              </a:rPr>
+              <a:t>effort</a:t>
+            </a:r>
+            <a:r>
+              <a:rPr lang="pl-PL" sz="2800" dirty="0">
+                <a:solidFill>
+                  <a:schemeClr val="tx1"/>
+                </a:solidFill>
+              </a:rPr>
+              <a:t> </a:t>
+            </a:r>
+            <a:r>
+              <a:rPr lang="pl-PL" sz="2800" dirty="0" err="1">
+                <a:solidFill>
+                  <a:schemeClr val="tx1"/>
+                </a:solidFill>
+              </a:rPr>
+              <a:t>upfront</a:t>
+            </a:r>
+            <a:endParaRPr lang="pl-PL" sz="2800" dirty="0">
+              <a:solidFill>
+                <a:schemeClr val="tx1"/>
+              </a:solidFill>
+            </a:endParaRPr>
+          </a:p>
+          <a:p>
+            <a:pPr lvl="1">
+              <a:lnSpc>
+                <a:spcPct val="150000"/>
+              </a:lnSpc>
+            </a:pPr>
+            <a:r>
+              <a:rPr lang="pl-PL" sz="2800" dirty="0">
+                <a:solidFill>
+                  <a:schemeClr val="tx1"/>
+                </a:solidFill>
+              </a:rPr>
+              <a:t>we </a:t>
+            </a:r>
+            <a:r>
+              <a:rPr lang="pl-PL" sz="2800" dirty="0" err="1">
+                <a:solidFill>
+                  <a:schemeClr val="tx1"/>
+                </a:solidFill>
+              </a:rPr>
+              <a:t>deal</a:t>
+            </a:r>
+            <a:r>
+              <a:rPr lang="pl-PL" sz="2800" dirty="0">
+                <a:solidFill>
+                  <a:schemeClr val="tx1"/>
+                </a:solidFill>
+              </a:rPr>
+              <a:t> with </a:t>
+            </a:r>
+            <a:r>
+              <a:rPr lang="pl-PL" sz="2800" dirty="0" err="1">
+                <a:solidFill>
+                  <a:schemeClr val="tx1"/>
+                </a:solidFill>
+              </a:rPr>
+              <a:t>both</a:t>
+            </a:r>
+            <a:r>
+              <a:rPr lang="pl-PL" sz="2800" dirty="0">
+                <a:solidFill>
+                  <a:schemeClr val="tx1"/>
+                </a:solidFill>
+              </a:rPr>
+              <a:t> </a:t>
+            </a:r>
+            <a:r>
+              <a:rPr lang="pl-PL" sz="2800" dirty="0" err="1">
+                <a:solidFill>
+                  <a:schemeClr val="tx1"/>
+                </a:solidFill>
+              </a:rPr>
+              <a:t>written</a:t>
+            </a:r>
+            <a:r>
+              <a:rPr lang="pl-PL" sz="2800" dirty="0">
+                <a:solidFill>
+                  <a:schemeClr val="tx1"/>
+                </a:solidFill>
+              </a:rPr>
+              <a:t> and </a:t>
+            </a:r>
+            <a:r>
+              <a:rPr lang="pl-PL" sz="2800" dirty="0" err="1">
+                <a:solidFill>
+                  <a:schemeClr val="tx1"/>
+                </a:solidFill>
+              </a:rPr>
+              <a:t>generated</a:t>
+            </a:r>
+            <a:r>
+              <a:rPr lang="pl-PL" sz="2800" dirty="0">
+                <a:solidFill>
+                  <a:schemeClr val="tx1"/>
+                </a:solidFill>
+              </a:rPr>
+              <a:t> </a:t>
+            </a:r>
+            <a:r>
+              <a:rPr lang="pl-PL" sz="2800" dirty="0" err="1">
+                <a:solidFill>
+                  <a:schemeClr val="tx1"/>
+                </a:solidFill>
+              </a:rPr>
+              <a:t>code</a:t>
+            </a:r>
+            <a:endParaRPr lang="pl-PL" sz="2800" dirty="0">
+              <a:solidFill>
+                <a:schemeClr val="tx1"/>
+              </a:solidFill>
+            </a:endParaRPr>
+          </a:p>
+        </p:txBody>
+      </p:sp>
+    </p:spTree>
+    <p:extLst>
+      <p:ext uri="{BB962C8B-B14F-4D97-AF65-F5344CB8AC3E}">
+        <p14:creationId xmlns:p14="http://schemas.microsoft.com/office/powerpoint/2010/main" val="3602640268"/>
+      </p:ext>
+    </p:extLst>
+  </p:cSld>
+  <p:clrMapOvr>
+    <a:masterClrMapping/>
+  </p:clrMapOvr>
+</p:sld>
+</file>
+
+<file path=ppt/slides/slide6.xml><?xml version="1.0" encoding="utf-8"?>
+<p:sld xmlns:a="http://schemas.openxmlformats.org/drawingml/2006/main" xmlns:r="http://schemas.openxmlformats.org/officeDocument/2006/relationships" xmlns:p="http://schemas.openxmlformats.org/presentationml/2006/main">
+  <p:cSld>
+    <p:spTree>
+      <p:nvGrpSpPr>
+        <p:cNvPr id="1" name=""/>
+        <p:cNvGrpSpPr/>
+        <p:nvPr/>
+      </p:nvGrpSpPr>
+      <p:grpSpPr>
+        <a:xfrm>
+          <a:off x="0" y="0"/>
+          <a:ext cx="0" cy="0"/>
+          <a:chOff x="0" y="0"/>
+          <a:chExt cx="0" cy="0"/>
+        </a:xfrm>
+      </p:grpSpPr>
+      <p:sp>
+        <p:nvSpPr>
+          <p:cNvPr id="2" name="Title 1">
+            <a:extLst>
+              <a:ext uri="{FF2B5EF4-FFF2-40B4-BE49-F238E27FC236}">
+                <a16:creationId xmlns:a16="http://schemas.microsoft.com/office/drawing/2014/main" id="{63D0D55E-A94D-49AE-AB94-F3564CBE62F7}"/>
+              </a:ext>
+            </a:extLst>
+          </p:cNvPr>
+          <p:cNvSpPr>
+            <a:spLocks noGrp="1"/>
+          </p:cNvSpPr>
+          <p:nvPr>
+            <p:ph type="title"/>
+          </p:nvPr>
+        </p:nvSpPr>
+        <p:spPr/>
+        <p:txBody>
+          <a:bodyPr>
+            <a:normAutofit fontScale="90000"/>
+          </a:bodyPr>
+          <a:lstStyle/>
+          <a:p>
+            <a:r>
+              <a:rPr lang="pl-PL" dirty="0" err="1"/>
+              <a:t>WebAPI</a:t>
+            </a:r>
+            <a:r>
+              <a:rPr lang="pl-PL" dirty="0"/>
+              <a:t> </a:t>
+            </a:r>
+            <a:r>
+              <a:rPr lang="pl-PL" dirty="0" err="1"/>
+              <a:t>contract</a:t>
+            </a:r>
+            <a:r>
+              <a:rPr lang="pl-PL" dirty="0"/>
+              <a:t> </a:t>
+            </a:r>
+            <a:r>
+              <a:rPr lang="pl-PL" dirty="0" err="1"/>
+              <a:t>distribution</a:t>
+            </a:r>
+            <a:r>
+              <a:rPr lang="pl-PL" dirty="0"/>
+              <a:t> – </a:t>
+            </a:r>
+            <a:r>
+              <a:rPr lang="pl-PL" dirty="0" err="1"/>
+              <a:t>how</a:t>
+            </a:r>
+            <a:r>
+              <a:rPr lang="pl-PL" dirty="0"/>
+              <a:t> II?</a:t>
+            </a:r>
+          </a:p>
+        </p:txBody>
+      </p:sp>
+      <p:sp>
+        <p:nvSpPr>
+          <p:cNvPr id="5" name="Content Placeholder 4">
+            <a:extLst>
+              <a:ext uri="{FF2B5EF4-FFF2-40B4-BE49-F238E27FC236}">
+                <a16:creationId xmlns:a16="http://schemas.microsoft.com/office/drawing/2014/main" id="{4B5E364D-F789-4C5B-AE7F-460039134725}"/>
+              </a:ext>
+            </a:extLst>
+          </p:cNvPr>
+          <p:cNvSpPr>
+            <a:spLocks noGrp="1"/>
+          </p:cNvSpPr>
+          <p:nvPr>
+            <p:ph idx="1"/>
+          </p:nvPr>
+        </p:nvSpPr>
+        <p:spPr>
+          <a:xfrm>
+            <a:off x="1120000" y="1489166"/>
+            <a:ext cx="10233800" cy="5225143"/>
+          </a:xfrm>
+        </p:spPr>
+        <p:txBody>
+          <a:bodyPr numCol="1">
+            <a:normAutofit/>
+          </a:bodyPr>
+          <a:lstStyle/>
+          <a:p>
+            <a:pPr>
+              <a:lnSpc>
+                <a:spcPct val="150000"/>
+              </a:lnSpc>
+            </a:pPr>
+            <a:r>
+              <a:rPr lang="pl-PL" dirty="0" err="1">
+                <a:solidFill>
+                  <a:schemeClr val="tx1"/>
+                </a:solidFill>
+              </a:rPr>
+              <a:t>Code-first</a:t>
+            </a:r>
+            <a:r>
+              <a:rPr lang="pl-PL" dirty="0">
+                <a:solidFill>
+                  <a:schemeClr val="tx1"/>
+                </a:solidFill>
+              </a:rPr>
+              <a:t> </a:t>
+            </a:r>
+            <a:r>
+              <a:rPr lang="pl-PL" dirty="0" err="1">
+                <a:solidFill>
+                  <a:schemeClr val="tx1"/>
+                </a:solidFill>
+              </a:rPr>
+              <a:t>approach</a:t>
+            </a:r>
+            <a:endParaRPr lang="pl-PL" dirty="0">
+              <a:solidFill>
+                <a:schemeClr val="tx1"/>
+              </a:solidFill>
+            </a:endParaRPr>
+          </a:p>
+          <a:p>
+            <a:pPr lvl="1">
+              <a:lnSpc>
+                <a:spcPct val="150000"/>
+              </a:lnSpc>
+            </a:pPr>
+            <a:r>
+              <a:rPr lang="pl-PL" sz="2800" dirty="0" err="1">
+                <a:solidFill>
+                  <a:schemeClr val="tx1"/>
+                </a:solidFill>
+              </a:rPr>
+              <a:t>cheap</a:t>
+            </a:r>
+            <a:r>
+              <a:rPr lang="pl-PL" sz="2800" dirty="0">
+                <a:solidFill>
+                  <a:schemeClr val="tx1"/>
+                </a:solidFill>
+              </a:rPr>
+              <a:t> to start</a:t>
+            </a:r>
+          </a:p>
+          <a:p>
+            <a:pPr lvl="1">
+              <a:lnSpc>
+                <a:spcPct val="150000"/>
+              </a:lnSpc>
+            </a:pPr>
+            <a:r>
+              <a:rPr lang="pl-PL" sz="2800" dirty="0" err="1">
+                <a:solidFill>
+                  <a:schemeClr val="tx1"/>
+                </a:solidFill>
+              </a:rPr>
+              <a:t>easy</a:t>
+            </a:r>
+            <a:r>
+              <a:rPr lang="pl-PL" sz="2800" dirty="0">
+                <a:solidFill>
+                  <a:schemeClr val="tx1"/>
+                </a:solidFill>
+              </a:rPr>
+              <a:t> to </a:t>
+            </a:r>
+            <a:r>
+              <a:rPr lang="pl-PL" sz="2800" dirty="0" err="1">
+                <a:solidFill>
+                  <a:schemeClr val="tx1"/>
+                </a:solidFill>
+              </a:rPr>
+              <a:t>maintain</a:t>
+            </a:r>
+            <a:endParaRPr lang="pl-PL" sz="2800" dirty="0">
+              <a:solidFill>
+                <a:schemeClr val="tx1"/>
+              </a:solidFill>
+            </a:endParaRPr>
+          </a:p>
+          <a:p>
+            <a:pPr lvl="1">
+              <a:lnSpc>
+                <a:spcPct val="150000"/>
+              </a:lnSpc>
+            </a:pPr>
+            <a:r>
+              <a:rPr lang="pl-PL" sz="2800" dirty="0" err="1">
+                <a:solidFill>
+                  <a:schemeClr val="tx1"/>
+                </a:solidFill>
+              </a:rPr>
+              <a:t>more</a:t>
+            </a:r>
+            <a:r>
+              <a:rPr lang="pl-PL" sz="2800" dirty="0">
+                <a:solidFill>
+                  <a:schemeClr val="tx1"/>
+                </a:solidFill>
+              </a:rPr>
+              <a:t> </a:t>
+            </a:r>
+            <a:r>
+              <a:rPr lang="pl-PL" sz="2800" dirty="0" err="1">
+                <a:solidFill>
+                  <a:schemeClr val="tx1"/>
+                </a:solidFill>
+              </a:rPr>
+              <a:t>natural</a:t>
+            </a:r>
+            <a:r>
+              <a:rPr lang="pl-PL" sz="2800" dirty="0">
+                <a:solidFill>
+                  <a:schemeClr val="tx1"/>
+                </a:solidFill>
+              </a:rPr>
+              <a:t> for </a:t>
+            </a:r>
+            <a:r>
+              <a:rPr lang="pl-PL" sz="2800" dirty="0" err="1">
+                <a:solidFill>
+                  <a:schemeClr val="tx1"/>
+                </a:solidFill>
+              </a:rPr>
+              <a:t>developers</a:t>
+            </a:r>
+            <a:endParaRPr lang="pl-PL" sz="2800" dirty="0">
+              <a:solidFill>
+                <a:schemeClr val="tx1"/>
+              </a:solidFill>
+            </a:endParaRPr>
+          </a:p>
+          <a:p>
+            <a:pPr lvl="1">
+              <a:lnSpc>
+                <a:spcPct val="150000"/>
+              </a:lnSpc>
+            </a:pPr>
+            <a:r>
+              <a:rPr lang="pl-PL" sz="2800" dirty="0">
+                <a:solidFill>
+                  <a:schemeClr val="tx1"/>
+                </a:solidFill>
+              </a:rPr>
+              <a:t>no </a:t>
+            </a:r>
+            <a:r>
+              <a:rPr lang="pl-PL" sz="2800" dirty="0" err="1">
+                <a:solidFill>
+                  <a:schemeClr val="tx1"/>
+                </a:solidFill>
+              </a:rPr>
+              <a:t>code</a:t>
+            </a:r>
+            <a:r>
+              <a:rPr lang="pl-PL" sz="2800" dirty="0">
+                <a:solidFill>
+                  <a:schemeClr val="tx1"/>
+                </a:solidFill>
+              </a:rPr>
+              <a:t> </a:t>
+            </a:r>
+            <a:r>
+              <a:rPr lang="pl-PL" sz="2800" dirty="0" err="1">
+                <a:solidFill>
+                  <a:schemeClr val="tx1"/>
+                </a:solidFill>
+              </a:rPr>
+              <a:t>is</a:t>
+            </a:r>
+            <a:r>
+              <a:rPr lang="pl-PL" sz="2800" dirty="0">
+                <a:solidFill>
+                  <a:schemeClr val="tx1"/>
+                </a:solidFill>
+              </a:rPr>
+              <a:t> </a:t>
+            </a:r>
+            <a:r>
+              <a:rPr lang="pl-PL" sz="2800" dirty="0" err="1">
+                <a:solidFill>
+                  <a:schemeClr val="tx1"/>
+                </a:solidFill>
+              </a:rPr>
+              <a:t>generated</a:t>
+            </a:r>
+            <a:endParaRPr lang="pl-PL" sz="2800" dirty="0">
+              <a:solidFill>
+                <a:schemeClr val="tx1"/>
+              </a:solidFill>
+            </a:endParaRPr>
+          </a:p>
+          <a:p>
+            <a:pPr lvl="1">
+              <a:lnSpc>
+                <a:spcPct val="150000"/>
+              </a:lnSpc>
+            </a:pPr>
+            <a:r>
+              <a:rPr lang="pl-PL" sz="2800" dirty="0" err="1">
+                <a:solidFill>
+                  <a:schemeClr val="tx1"/>
+                </a:solidFill>
+              </a:rPr>
+              <a:t>is</a:t>
+            </a:r>
+            <a:r>
+              <a:rPr lang="pl-PL" sz="2800" dirty="0">
+                <a:solidFill>
+                  <a:schemeClr val="tx1"/>
+                </a:solidFill>
+              </a:rPr>
+              <a:t> </a:t>
+            </a:r>
+            <a:r>
+              <a:rPr lang="pl-PL" sz="2800" dirty="0" err="1">
+                <a:solidFill>
+                  <a:schemeClr val="tx1"/>
+                </a:solidFill>
+              </a:rPr>
+              <a:t>tied</a:t>
+            </a:r>
+            <a:r>
+              <a:rPr lang="pl-PL" sz="2800" dirty="0">
+                <a:solidFill>
+                  <a:schemeClr val="tx1"/>
+                </a:solidFill>
+              </a:rPr>
+              <a:t> to </a:t>
+            </a:r>
+            <a:r>
+              <a:rPr lang="pl-PL" sz="2800" dirty="0" err="1">
+                <a:solidFill>
+                  <a:schemeClr val="tx1"/>
+                </a:solidFill>
+              </a:rPr>
+              <a:t>language</a:t>
+            </a:r>
+            <a:endParaRPr lang="pl-PL" sz="2800" dirty="0">
+              <a:solidFill>
+                <a:schemeClr val="tx1"/>
+              </a:solidFill>
+            </a:endParaRPr>
+          </a:p>
+        </p:txBody>
+      </p:sp>
+    </p:spTree>
+    <p:extLst>
+      <p:ext uri="{BB962C8B-B14F-4D97-AF65-F5344CB8AC3E}">
+        <p14:creationId xmlns:p14="http://schemas.microsoft.com/office/powerpoint/2010/main" val="1103159383"/>
+      </p:ext>
+    </p:extLst>
+  </p:cSld>
+  <p:clrMapOvr>
+    <a:masterClrMapping/>
+  </p:clrMapOvr>
+</p:sld>
+</file>
+
+<file path=ppt/slides/slide7.xml><?xml version="1.0" encoding="utf-8"?>
+<p:sld xmlns:a="http://schemas.openxmlformats.org/drawingml/2006/main" xmlns:r="http://schemas.openxmlformats.org/officeDocument/2006/relationships" xmlns:p="http://schemas.openxmlformats.org/presentationml/2006/main">
+  <p:cSld>
+    <p:spTree>
+      <p:nvGrpSpPr>
+        <p:cNvPr id="1" name=""/>
+        <p:cNvGrpSpPr/>
+        <p:nvPr/>
+      </p:nvGrpSpPr>
+      <p:grpSpPr>
+        <a:xfrm>
+          <a:off x="0" y="0"/>
+          <a:ext cx="0" cy="0"/>
+          <a:chOff x="0" y="0"/>
+          <a:chExt cx="0" cy="0"/>
+        </a:xfrm>
+      </p:grpSpPr>
+      <p:sp>
+        <p:nvSpPr>
+          <p:cNvPr id="2" name="Title 1">
+            <a:extLst>
+              <a:ext uri="{FF2B5EF4-FFF2-40B4-BE49-F238E27FC236}">
+                <a16:creationId xmlns:a16="http://schemas.microsoft.com/office/drawing/2014/main" id="{63D0D55E-A94D-49AE-AB94-F3564CBE62F7}"/>
+              </a:ext>
+            </a:extLst>
+          </p:cNvPr>
+          <p:cNvSpPr>
+            <a:spLocks noGrp="1"/>
+          </p:cNvSpPr>
+          <p:nvPr>
+            <p:ph type="title"/>
+          </p:nvPr>
+        </p:nvSpPr>
+        <p:spPr/>
+        <p:txBody>
           <a:bodyPr/>
           <a:lstStyle/>
           <a:p>
@@ -13440,7 +15642,7 @@
 </p:sld>
 </file>
 
-<file path=ppt/slides/slide6.xml><?xml version="1.0" encoding="utf-8"?>
+<file path=ppt/slides/slide8.xml><?xml version="1.0" encoding="utf-8"?>
 <p:sld xmlns:a="http://schemas.openxmlformats.org/drawingml/2006/main" xmlns:r="http://schemas.openxmlformats.org/officeDocument/2006/relationships" xmlns:p="http://schemas.openxmlformats.org/presentationml/2006/main">
   <p:cSld>
     <p:spTree>
@@ -14147,587 +16349,537 @@
   <p:clrMapOvr>
     <a:masterClrMapping/>
   </p:clrMapOvr>
-</p:sld>
-</file>
-
-<file path=ppt/slides/slide7.xml><?xml version="1.0" encoding="utf-8"?>
-<p:sld xmlns:a="http://schemas.openxmlformats.org/drawingml/2006/main" xmlns:r="http://schemas.openxmlformats.org/officeDocument/2006/relationships" xmlns:p="http://schemas.openxmlformats.org/presentationml/2006/main">
-  <p:cSld>
-    <p:spTree>
-      <p:nvGrpSpPr>
-        <p:cNvPr id="1" name=""/>
-        <p:cNvGrpSpPr/>
-        <p:nvPr/>
-      </p:nvGrpSpPr>
-      <p:grpSpPr>
-        <a:xfrm>
-          <a:off x="0" y="0"/>
-          <a:ext cx="0" cy="0"/>
-          <a:chOff x="0" y="0"/>
-          <a:chExt cx="0" cy="0"/>
-        </a:xfrm>
-      </p:grpSpPr>
-      <p:sp>
-        <p:nvSpPr>
-          <p:cNvPr id="2" name="Title 1">
-            <a:extLst>
-              <a:ext uri="{FF2B5EF4-FFF2-40B4-BE49-F238E27FC236}">
-                <a16:creationId xmlns:a16="http://schemas.microsoft.com/office/drawing/2014/main" id="{63D0D55E-A94D-49AE-AB94-F3564CBE62F7}"/>
-              </a:ext>
-            </a:extLst>
-          </p:cNvPr>
-          <p:cNvSpPr>
-            <a:spLocks noGrp="1"/>
-          </p:cNvSpPr>
-          <p:nvPr>
-            <p:ph type="title"/>
-          </p:nvPr>
-        </p:nvSpPr>
-        <p:spPr/>
-        <p:txBody>
-          <a:bodyPr/>
-          <a:lstStyle/>
-          <a:p>
-            <a:r>
-              <a:rPr lang="pl-PL" dirty="0" err="1"/>
-              <a:t>Tests</a:t>
-            </a:r>
-            <a:r>
-              <a:rPr lang="pl-PL" dirty="0"/>
-              <a:t> as </a:t>
-            </a:r>
-            <a:r>
-              <a:rPr lang="pl-PL" dirty="0" err="1"/>
-              <a:t>living</a:t>
-            </a:r>
-            <a:r>
-              <a:rPr lang="pl-PL" dirty="0"/>
-              <a:t> </a:t>
-            </a:r>
-            <a:r>
-              <a:rPr lang="pl-PL" dirty="0" err="1"/>
-              <a:t>specification</a:t>
-            </a:r>
-            <a:r>
-              <a:rPr lang="pl-PL" dirty="0"/>
-              <a:t> I</a:t>
-            </a:r>
-          </a:p>
-        </p:txBody>
-      </p:sp>
-      <p:pic>
-        <p:nvPicPr>
-          <p:cNvPr id="4" name="Picture 3">
-            <a:extLst>
-              <a:ext uri="{FF2B5EF4-FFF2-40B4-BE49-F238E27FC236}">
-                <a16:creationId xmlns:a16="http://schemas.microsoft.com/office/drawing/2014/main" id="{82354C99-DBDE-4BEF-8B48-77FF0680B15A}"/>
-              </a:ext>
-            </a:extLst>
-          </p:cNvPr>
-          <p:cNvPicPr>
-            <a:picLocks noChangeAspect="1"/>
-          </p:cNvPicPr>
-          <p:nvPr/>
-        </p:nvPicPr>
-        <p:blipFill>
-          <a:blip r:embed="rId2"/>
-          <a:stretch>
-            <a:fillRect/>
-          </a:stretch>
-        </p:blipFill>
-        <p:spPr>
-          <a:xfrm>
-            <a:off x="445784" y="2559797"/>
-            <a:ext cx="11300431" cy="3018042"/>
-          </a:xfrm>
-          <a:prstGeom prst="rect">
-            <a:avLst/>
-          </a:prstGeom>
-        </p:spPr>
-      </p:pic>
-    </p:spTree>
-    <p:extLst>
-      <p:ext uri="{BB962C8B-B14F-4D97-AF65-F5344CB8AC3E}">
-        <p14:creationId xmlns:p14="http://schemas.microsoft.com/office/powerpoint/2010/main" val="3457798201"/>
-      </p:ext>
-    </p:extLst>
-  </p:cSld>
-  <p:clrMapOvr>
-    <a:masterClrMapping/>
-  </p:clrMapOvr>
-</p:sld>
-</file>
-
-<file path=ppt/slides/slide8.xml><?xml version="1.0" encoding="utf-8"?>
-<p:sld xmlns:a="http://schemas.openxmlformats.org/drawingml/2006/main" xmlns:r="http://schemas.openxmlformats.org/officeDocument/2006/relationships" xmlns:p="http://schemas.openxmlformats.org/presentationml/2006/main">
-  <p:cSld>
-    <p:spTree>
-      <p:nvGrpSpPr>
-        <p:cNvPr id="1" name=""/>
-        <p:cNvGrpSpPr/>
-        <p:nvPr/>
-      </p:nvGrpSpPr>
-      <p:grpSpPr>
-        <a:xfrm>
-          <a:off x="0" y="0"/>
-          <a:ext cx="0" cy="0"/>
-          <a:chOff x="0" y="0"/>
-          <a:chExt cx="0" cy="0"/>
-        </a:xfrm>
-      </p:grpSpPr>
-      <p:sp>
-        <p:nvSpPr>
-          <p:cNvPr id="2" name="Title 1">
-            <a:extLst>
-              <a:ext uri="{FF2B5EF4-FFF2-40B4-BE49-F238E27FC236}">
-                <a16:creationId xmlns:a16="http://schemas.microsoft.com/office/drawing/2014/main" id="{63D0D55E-A94D-49AE-AB94-F3564CBE62F7}"/>
-              </a:ext>
-            </a:extLst>
-          </p:cNvPr>
-          <p:cNvSpPr>
-            <a:spLocks noGrp="1"/>
-          </p:cNvSpPr>
-          <p:nvPr>
-            <p:ph type="title"/>
-          </p:nvPr>
-        </p:nvSpPr>
-        <p:spPr/>
-        <p:txBody>
-          <a:bodyPr/>
-          <a:lstStyle/>
-          <a:p>
-            <a:r>
-              <a:rPr lang="pl-PL" dirty="0" err="1"/>
-              <a:t>Tests</a:t>
-            </a:r>
-            <a:r>
-              <a:rPr lang="pl-PL" dirty="0"/>
-              <a:t> as </a:t>
-            </a:r>
-            <a:r>
-              <a:rPr lang="pl-PL" dirty="0" err="1"/>
-              <a:t>living</a:t>
-            </a:r>
-            <a:r>
-              <a:rPr lang="pl-PL" dirty="0"/>
-              <a:t> </a:t>
-            </a:r>
-            <a:r>
-              <a:rPr lang="pl-PL" dirty="0" err="1"/>
-              <a:t>specification</a:t>
-            </a:r>
-            <a:r>
-              <a:rPr lang="pl-PL" dirty="0"/>
-              <a:t> II</a:t>
-            </a:r>
-          </a:p>
-        </p:txBody>
-      </p:sp>
-      <p:sp>
-        <p:nvSpPr>
-          <p:cNvPr id="4" name="Rectangle: Rounded Corners 3">
-            <a:extLst>
-              <a:ext uri="{FF2B5EF4-FFF2-40B4-BE49-F238E27FC236}">
-                <a16:creationId xmlns:a16="http://schemas.microsoft.com/office/drawing/2014/main" id="{B0B432B1-0B5D-4696-A390-6F7BD04C25F0}"/>
-              </a:ext>
-            </a:extLst>
-          </p:cNvPr>
-          <p:cNvSpPr/>
-          <p:nvPr/>
-        </p:nvSpPr>
-        <p:spPr>
-          <a:xfrm>
-            <a:off x="272139" y="3106422"/>
-            <a:ext cx="3672840" cy="1293223"/>
-          </a:xfrm>
-          <a:prstGeom prst="roundRect">
-            <a:avLst/>
-          </a:prstGeom>
-          <a:solidFill>
-            <a:schemeClr val="tx1">
-              <a:lumMod val="85000"/>
-            </a:schemeClr>
-          </a:solidFill>
-          <a:ln>
-            <a:solidFill>
-              <a:schemeClr val="tx1">
-                <a:lumMod val="85000"/>
-              </a:schemeClr>
-            </a:solidFill>
-          </a:ln>
-        </p:spPr>
-        <p:style>
-          <a:lnRef idx="2">
-            <a:schemeClr val="accent1">
-              <a:shade val="50000"/>
-            </a:schemeClr>
-          </a:lnRef>
-          <a:fillRef idx="1">
-            <a:schemeClr val="accent1"/>
-          </a:fillRef>
-          <a:effectRef idx="0">
-            <a:schemeClr val="accent1"/>
-          </a:effectRef>
-          <a:fontRef idx="minor">
-            <a:schemeClr val="lt1"/>
-          </a:fontRef>
-        </p:style>
-        <p:txBody>
-          <a:bodyPr rtlCol="0" anchor="ctr"/>
-          <a:lstStyle/>
-          <a:p>
-            <a:pPr algn="ctr"/>
-            <a:r>
-              <a:rPr lang="pl-PL" sz="4000" dirty="0">
-                <a:solidFill>
-                  <a:schemeClr val="bg1"/>
-                </a:solidFill>
-              </a:rPr>
-              <a:t>Line</a:t>
-            </a:r>
-          </a:p>
-        </p:txBody>
-      </p:sp>
-      <p:sp>
-        <p:nvSpPr>
-          <p:cNvPr id="6" name="Content Placeholder 5">
-            <a:extLst>
-              <a:ext uri="{FF2B5EF4-FFF2-40B4-BE49-F238E27FC236}">
-                <a16:creationId xmlns:a16="http://schemas.microsoft.com/office/drawing/2014/main" id="{76EE617A-7379-4993-92EC-2FCDF97FAABB}"/>
-              </a:ext>
-            </a:extLst>
-          </p:cNvPr>
-          <p:cNvSpPr>
-            <a:spLocks noGrp="1"/>
-          </p:cNvSpPr>
-          <p:nvPr>
-            <p:ph idx="1"/>
-          </p:nvPr>
-        </p:nvSpPr>
-        <p:spPr>
-          <a:xfrm>
-            <a:off x="1120000" y="1825625"/>
-            <a:ext cx="10233800" cy="643255"/>
-          </a:xfrm>
-        </p:spPr>
-        <p:txBody>
-          <a:bodyPr>
-            <a:normAutofit/>
-          </a:bodyPr>
-          <a:lstStyle/>
-          <a:p>
-            <a:pPr marL="0" indent="0" algn="ctr">
-              <a:buNone/>
-            </a:pPr>
-            <a:r>
-              <a:rPr lang="pl-PL" sz="3200" dirty="0" err="1"/>
-              <a:t>What</a:t>
-            </a:r>
-            <a:r>
-              <a:rPr lang="pl-PL" sz="3200" dirty="0"/>
-              <a:t> </a:t>
-            </a:r>
-            <a:r>
-              <a:rPr lang="pl-PL" sz="3200" dirty="0" err="1"/>
-              <a:t>about</a:t>
-            </a:r>
-            <a:r>
-              <a:rPr lang="pl-PL" sz="3200" dirty="0"/>
-              <a:t> </a:t>
-            </a:r>
-            <a:r>
-              <a:rPr lang="pl-PL" sz="3200" dirty="0" err="1"/>
-              <a:t>coverage</a:t>
-            </a:r>
-            <a:r>
-              <a:rPr lang="pl-PL" sz="3200" dirty="0"/>
-              <a:t>?</a:t>
-            </a:r>
-          </a:p>
-        </p:txBody>
-      </p:sp>
-      <p:sp>
-        <p:nvSpPr>
-          <p:cNvPr id="7" name="Rectangle: Rounded Corners 6">
-            <a:extLst>
-              <a:ext uri="{FF2B5EF4-FFF2-40B4-BE49-F238E27FC236}">
-                <a16:creationId xmlns:a16="http://schemas.microsoft.com/office/drawing/2014/main" id="{C1428AFC-056D-4DC7-96FB-AE49B6AC1769}"/>
-              </a:ext>
-            </a:extLst>
-          </p:cNvPr>
-          <p:cNvSpPr/>
-          <p:nvPr/>
-        </p:nvSpPr>
-        <p:spPr>
-          <a:xfrm>
-            <a:off x="4259580" y="3106422"/>
-            <a:ext cx="3672840" cy="1293223"/>
-          </a:xfrm>
-          <a:prstGeom prst="roundRect">
-            <a:avLst/>
-          </a:prstGeom>
-          <a:solidFill>
-            <a:schemeClr val="tx1">
-              <a:lumMod val="85000"/>
-            </a:schemeClr>
-          </a:solidFill>
-          <a:ln>
-            <a:solidFill>
-              <a:schemeClr val="tx1">
-                <a:lumMod val="85000"/>
-              </a:schemeClr>
-            </a:solidFill>
-          </a:ln>
-        </p:spPr>
-        <p:style>
-          <a:lnRef idx="2">
-            <a:schemeClr val="accent1">
-              <a:shade val="50000"/>
-            </a:schemeClr>
-          </a:lnRef>
-          <a:fillRef idx="1">
-            <a:schemeClr val="accent1"/>
-          </a:fillRef>
-          <a:effectRef idx="0">
-            <a:schemeClr val="accent1"/>
-          </a:effectRef>
-          <a:fontRef idx="minor">
-            <a:schemeClr val="lt1"/>
-          </a:fontRef>
-        </p:style>
-        <p:txBody>
-          <a:bodyPr rtlCol="0" anchor="ctr"/>
-          <a:lstStyle/>
-          <a:p>
-            <a:pPr algn="ctr"/>
-            <a:r>
-              <a:rPr lang="pl-PL" sz="4000" dirty="0" err="1">
-                <a:solidFill>
-                  <a:schemeClr val="bg1"/>
-                </a:solidFill>
-              </a:rPr>
-              <a:t>Path</a:t>
-            </a:r>
-            <a:endParaRPr lang="pl-PL" sz="4000" dirty="0">
-              <a:solidFill>
-                <a:schemeClr val="bg1"/>
-              </a:solidFill>
-            </a:endParaRPr>
-          </a:p>
-        </p:txBody>
-      </p:sp>
-      <p:sp>
-        <p:nvSpPr>
-          <p:cNvPr id="8" name="Rectangle: Rounded Corners 7">
-            <a:extLst>
-              <a:ext uri="{FF2B5EF4-FFF2-40B4-BE49-F238E27FC236}">
-                <a16:creationId xmlns:a16="http://schemas.microsoft.com/office/drawing/2014/main" id="{FCEB8AC9-6B37-4A10-B78F-BC0483D11AB1}"/>
-              </a:ext>
-            </a:extLst>
-          </p:cNvPr>
-          <p:cNvSpPr/>
-          <p:nvPr/>
-        </p:nvSpPr>
-        <p:spPr>
-          <a:xfrm>
-            <a:off x="8247021" y="3106422"/>
-            <a:ext cx="3672840" cy="1293223"/>
-          </a:xfrm>
-          <a:prstGeom prst="roundRect">
-            <a:avLst/>
-          </a:prstGeom>
-          <a:solidFill>
-            <a:schemeClr val="tx1">
-              <a:lumMod val="85000"/>
-            </a:schemeClr>
-          </a:solidFill>
-          <a:ln>
-            <a:solidFill>
-              <a:schemeClr val="tx1">
-                <a:lumMod val="85000"/>
-              </a:schemeClr>
-            </a:solidFill>
-          </a:ln>
-        </p:spPr>
-        <p:style>
-          <a:lnRef idx="2">
-            <a:schemeClr val="accent1">
-              <a:shade val="50000"/>
-            </a:schemeClr>
-          </a:lnRef>
-          <a:fillRef idx="1">
-            <a:schemeClr val="accent1"/>
-          </a:fillRef>
-          <a:effectRef idx="0">
-            <a:schemeClr val="accent1"/>
-          </a:effectRef>
-          <a:fontRef idx="minor">
-            <a:schemeClr val="lt1"/>
-          </a:fontRef>
-        </p:style>
-        <p:txBody>
-          <a:bodyPr rtlCol="0" anchor="ctr"/>
-          <a:lstStyle/>
-          <a:p>
-            <a:pPr algn="ctr"/>
-            <a:r>
-              <a:rPr lang="pl-PL" sz="4000" dirty="0" err="1">
-                <a:solidFill>
-                  <a:schemeClr val="bg1"/>
-                </a:solidFill>
-              </a:rPr>
-              <a:t>Behavior</a:t>
-            </a:r>
-            <a:r>
-              <a:rPr lang="pl-PL" sz="4000" dirty="0">
-                <a:solidFill>
-                  <a:schemeClr val="bg1"/>
-                </a:solidFill>
-              </a:rPr>
-              <a:t>?</a:t>
-            </a:r>
-          </a:p>
-        </p:txBody>
-      </p:sp>
-      <p:sp>
-        <p:nvSpPr>
-          <p:cNvPr id="9" name="Rectangle: Rounded Corners 8">
-            <a:extLst>
-              <a:ext uri="{FF2B5EF4-FFF2-40B4-BE49-F238E27FC236}">
-                <a16:creationId xmlns:a16="http://schemas.microsoft.com/office/drawing/2014/main" id="{306F0387-13C7-4B9F-8101-DD03580F4E95}"/>
-              </a:ext>
-            </a:extLst>
-          </p:cNvPr>
-          <p:cNvSpPr/>
-          <p:nvPr/>
-        </p:nvSpPr>
-        <p:spPr>
-          <a:xfrm>
-            <a:off x="8247021" y="5168767"/>
-            <a:ext cx="3672840" cy="1293223"/>
-          </a:xfrm>
-          <a:prstGeom prst="roundRect">
-            <a:avLst/>
-          </a:prstGeom>
-          <a:solidFill>
-            <a:schemeClr val="accent4"/>
-          </a:solidFill>
-          <a:ln>
-            <a:solidFill>
-              <a:schemeClr val="accent4"/>
-            </a:solidFill>
-          </a:ln>
-        </p:spPr>
-        <p:style>
-          <a:lnRef idx="2">
-            <a:schemeClr val="accent1">
-              <a:shade val="50000"/>
-            </a:schemeClr>
-          </a:lnRef>
-          <a:fillRef idx="1">
-            <a:schemeClr val="accent1"/>
-          </a:fillRef>
-          <a:effectRef idx="0">
-            <a:schemeClr val="accent1"/>
-          </a:effectRef>
-          <a:fontRef idx="minor">
-            <a:schemeClr val="lt1"/>
-          </a:fontRef>
-        </p:style>
-        <p:txBody>
-          <a:bodyPr rtlCol="0" anchor="ctr"/>
-          <a:lstStyle/>
-          <a:p>
-            <a:pPr algn="ctr"/>
-            <a:r>
-              <a:rPr lang="pl-PL" sz="4000" dirty="0" err="1">
-                <a:solidFill>
-                  <a:schemeClr val="bg1"/>
-                </a:solidFill>
-              </a:rPr>
-              <a:t>Mutation</a:t>
-            </a:r>
-            <a:r>
-              <a:rPr lang="pl-PL" sz="4000" dirty="0">
-                <a:solidFill>
-                  <a:schemeClr val="bg1"/>
-                </a:solidFill>
-              </a:rPr>
-              <a:t> </a:t>
-            </a:r>
-            <a:r>
-              <a:rPr lang="pl-PL" sz="4000" dirty="0" err="1">
-                <a:solidFill>
-                  <a:schemeClr val="bg1"/>
-                </a:solidFill>
-              </a:rPr>
-              <a:t>testing</a:t>
-            </a:r>
-            <a:endParaRPr lang="pl-PL" sz="4000" dirty="0">
-              <a:solidFill>
-                <a:schemeClr val="bg1"/>
-              </a:solidFill>
-            </a:endParaRPr>
-          </a:p>
-        </p:txBody>
-      </p:sp>
-      <p:cxnSp>
-        <p:nvCxnSpPr>
-          <p:cNvPr id="11" name="Straight Connector 10">
-            <a:extLst>
-              <a:ext uri="{FF2B5EF4-FFF2-40B4-BE49-F238E27FC236}">
-                <a16:creationId xmlns:a16="http://schemas.microsoft.com/office/drawing/2014/main" id="{4730E5C8-CA70-4D52-BE2B-E8C54D387F87}"/>
-              </a:ext>
-            </a:extLst>
-          </p:cNvPr>
-          <p:cNvCxnSpPr>
-            <a:cxnSpLocks/>
-            <a:stCxn id="8" idx="2"/>
-            <a:endCxn id="9" idx="0"/>
-          </p:cNvCxnSpPr>
-          <p:nvPr/>
-        </p:nvCxnSpPr>
-        <p:spPr>
-          <a:xfrm>
-            <a:off x="10083441" y="4399645"/>
-            <a:ext cx="0" cy="769122"/>
-          </a:xfrm>
-          <a:prstGeom prst="line">
-            <a:avLst/>
-          </a:prstGeom>
-          <a:ln>
-            <a:solidFill>
-              <a:schemeClr val="tx1">
-                <a:lumMod val="85000"/>
-              </a:schemeClr>
-            </a:solidFill>
-          </a:ln>
-        </p:spPr>
-        <p:style>
-          <a:lnRef idx="1">
-            <a:schemeClr val="accent1"/>
-          </a:lnRef>
-          <a:fillRef idx="0">
-            <a:schemeClr val="accent1"/>
-          </a:fillRef>
-          <a:effectRef idx="0">
-            <a:schemeClr val="accent1"/>
-          </a:effectRef>
-          <a:fontRef idx="minor">
-            <a:schemeClr val="tx1"/>
-          </a:fontRef>
-        </p:style>
-      </p:cxnSp>
-    </p:spTree>
-    <p:extLst>
-      <p:ext uri="{BB962C8B-B14F-4D97-AF65-F5344CB8AC3E}">
-        <p14:creationId xmlns:p14="http://schemas.microsoft.com/office/powerpoint/2010/main" val="2106815143"/>
-      </p:ext>
-    </p:extLst>
-  </p:cSld>
-  <p:clrMapOvr>
-    <a:masterClrMapping/>
-  </p:clrMapOvr>
+  <p:timing>
+    <p:tnLst>
+      <p:par>
+        <p:cTn id="1" dur="indefinite" restart="never" nodeType="tmRoot">
+          <p:childTnLst>
+            <p:seq concurrent="1" nextAc="seek">
+              <p:cTn id="2" dur="indefinite" nodeType="mainSeq">
+                <p:childTnLst>
+                  <p:par>
+                    <p:cTn id="3" fill="hold">
+                      <p:stCondLst>
+                        <p:cond delay="indefinite"/>
+                      </p:stCondLst>
+                      <p:childTnLst>
+                        <p:par>
+                          <p:cTn id="4" fill="hold">
+                            <p:stCondLst>
+                              <p:cond delay="0"/>
+                            </p:stCondLst>
+                            <p:childTnLst>
+                              <p:par>
+                                <p:cTn id="5" presetID="10" presetClass="entr" presetSubtype="0" fill="hold" grpId="0" nodeType="clickEffect">
+                                  <p:stCondLst>
+                                    <p:cond delay="0"/>
+                                  </p:stCondLst>
+                                  <p:childTnLst>
+                                    <p:set>
+                                      <p:cBhvr>
+                                        <p:cTn id="6" dur="1" fill="hold">
+                                          <p:stCondLst>
+                                            <p:cond delay="0"/>
+                                          </p:stCondLst>
+                                        </p:cTn>
+                                        <p:tgtEl>
+                                          <p:spTgt spid="5"/>
+                                        </p:tgtEl>
+                                        <p:attrNameLst>
+                                          <p:attrName>style.visibility</p:attrName>
+                                        </p:attrNameLst>
+                                      </p:cBhvr>
+                                      <p:to>
+                                        <p:strVal val="visible"/>
+                                      </p:to>
+                                    </p:set>
+                                    <p:animEffect transition="in" filter="fade">
+                                      <p:cBhvr>
+                                        <p:cTn id="7" dur="500"/>
+                                        <p:tgtEl>
+                                          <p:spTgt spid="5"/>
+                                        </p:tgtEl>
+                                      </p:cBhvr>
+                                    </p:animEffect>
+                                  </p:childTnLst>
+                                </p:cTn>
+                              </p:par>
+                            </p:childTnLst>
+                          </p:cTn>
+                        </p:par>
+                      </p:childTnLst>
+                    </p:cTn>
+                  </p:par>
+                  <p:par>
+                    <p:cTn id="8" fill="hold">
+                      <p:stCondLst>
+                        <p:cond delay="indefinite"/>
+                      </p:stCondLst>
+                      <p:childTnLst>
+                        <p:par>
+                          <p:cTn id="9" fill="hold">
+                            <p:stCondLst>
+                              <p:cond delay="0"/>
+                            </p:stCondLst>
+                            <p:childTnLst>
+                              <p:par>
+                                <p:cTn id="10" presetID="10" presetClass="entr" presetSubtype="0" fill="hold" nodeType="clickEffect">
+                                  <p:stCondLst>
+                                    <p:cond delay="0"/>
+                                  </p:stCondLst>
+                                  <p:childTnLst>
+                                    <p:set>
+                                      <p:cBhvr>
+                                        <p:cTn id="11" dur="1" fill="hold">
+                                          <p:stCondLst>
+                                            <p:cond delay="0"/>
+                                          </p:stCondLst>
+                                        </p:cTn>
+                                        <p:tgtEl>
+                                          <p:spTgt spid="14"/>
+                                        </p:tgtEl>
+                                        <p:attrNameLst>
+                                          <p:attrName>style.visibility</p:attrName>
+                                        </p:attrNameLst>
+                                      </p:cBhvr>
+                                      <p:to>
+                                        <p:strVal val="visible"/>
+                                      </p:to>
+                                    </p:set>
+                                    <p:animEffect transition="in" filter="fade">
+                                      <p:cBhvr>
+                                        <p:cTn id="12" dur="500"/>
+                                        <p:tgtEl>
+                                          <p:spTgt spid="14"/>
+                                        </p:tgtEl>
+                                      </p:cBhvr>
+                                    </p:animEffect>
+                                  </p:childTnLst>
+                                </p:cTn>
+                              </p:par>
+                              <p:par>
+                                <p:cTn id="13" presetID="10" presetClass="entr" presetSubtype="0" fill="hold" grpId="0" nodeType="withEffect">
+                                  <p:stCondLst>
+                                    <p:cond delay="0"/>
+                                  </p:stCondLst>
+                                  <p:childTnLst>
+                                    <p:set>
+                                      <p:cBhvr>
+                                        <p:cTn id="14" dur="1" fill="hold">
+                                          <p:stCondLst>
+                                            <p:cond delay="0"/>
+                                          </p:stCondLst>
+                                        </p:cTn>
+                                        <p:tgtEl>
+                                          <p:spTgt spid="6"/>
+                                        </p:tgtEl>
+                                        <p:attrNameLst>
+                                          <p:attrName>style.visibility</p:attrName>
+                                        </p:attrNameLst>
+                                      </p:cBhvr>
+                                      <p:to>
+                                        <p:strVal val="visible"/>
+                                      </p:to>
+                                    </p:set>
+                                    <p:animEffect transition="in" filter="fade">
+                                      <p:cBhvr>
+                                        <p:cTn id="15" dur="500"/>
+                                        <p:tgtEl>
+                                          <p:spTgt spid="6"/>
+                                        </p:tgtEl>
+                                      </p:cBhvr>
+                                    </p:animEffect>
+                                  </p:childTnLst>
+                                </p:cTn>
+                              </p:par>
+                            </p:childTnLst>
+                          </p:cTn>
+                        </p:par>
+                      </p:childTnLst>
+                    </p:cTn>
+                  </p:par>
+                  <p:par>
+                    <p:cTn id="16" fill="hold">
+                      <p:stCondLst>
+                        <p:cond delay="indefinite"/>
+                      </p:stCondLst>
+                      <p:childTnLst>
+                        <p:par>
+                          <p:cTn id="17" fill="hold">
+                            <p:stCondLst>
+                              <p:cond delay="0"/>
+                            </p:stCondLst>
+                            <p:childTnLst>
+                              <p:par>
+                                <p:cTn id="18" presetID="10" presetClass="entr" presetSubtype="0" fill="hold" nodeType="clickEffect">
+                                  <p:stCondLst>
+                                    <p:cond delay="0"/>
+                                  </p:stCondLst>
+                                  <p:childTnLst>
+                                    <p:set>
+                                      <p:cBhvr>
+                                        <p:cTn id="19" dur="1" fill="hold">
+                                          <p:stCondLst>
+                                            <p:cond delay="0"/>
+                                          </p:stCondLst>
+                                        </p:cTn>
+                                        <p:tgtEl>
+                                          <p:spTgt spid="16"/>
+                                        </p:tgtEl>
+                                        <p:attrNameLst>
+                                          <p:attrName>style.visibility</p:attrName>
+                                        </p:attrNameLst>
+                                      </p:cBhvr>
+                                      <p:to>
+                                        <p:strVal val="visible"/>
+                                      </p:to>
+                                    </p:set>
+                                    <p:animEffect transition="in" filter="fade">
+                                      <p:cBhvr>
+                                        <p:cTn id="20" dur="500"/>
+                                        <p:tgtEl>
+                                          <p:spTgt spid="16"/>
+                                        </p:tgtEl>
+                                      </p:cBhvr>
+                                    </p:animEffect>
+                                  </p:childTnLst>
+                                </p:cTn>
+                              </p:par>
+                              <p:par>
+                                <p:cTn id="21" presetID="10" presetClass="entr" presetSubtype="0" fill="hold" grpId="0" nodeType="withEffect">
+                                  <p:stCondLst>
+                                    <p:cond delay="0"/>
+                                  </p:stCondLst>
+                                  <p:childTnLst>
+                                    <p:set>
+                                      <p:cBhvr>
+                                        <p:cTn id="22" dur="1" fill="hold">
+                                          <p:stCondLst>
+                                            <p:cond delay="0"/>
+                                          </p:stCondLst>
+                                        </p:cTn>
+                                        <p:tgtEl>
+                                          <p:spTgt spid="7"/>
+                                        </p:tgtEl>
+                                        <p:attrNameLst>
+                                          <p:attrName>style.visibility</p:attrName>
+                                        </p:attrNameLst>
+                                      </p:cBhvr>
+                                      <p:to>
+                                        <p:strVal val="visible"/>
+                                      </p:to>
+                                    </p:set>
+                                    <p:animEffect transition="in" filter="fade">
+                                      <p:cBhvr>
+                                        <p:cTn id="23" dur="500"/>
+                                        <p:tgtEl>
+                                          <p:spTgt spid="7"/>
+                                        </p:tgtEl>
+                                      </p:cBhvr>
+                                    </p:animEffect>
+                                  </p:childTnLst>
+                                </p:cTn>
+                              </p:par>
+                            </p:childTnLst>
+                          </p:cTn>
+                        </p:par>
+                      </p:childTnLst>
+                    </p:cTn>
+                  </p:par>
+                  <p:par>
+                    <p:cTn id="24" fill="hold">
+                      <p:stCondLst>
+                        <p:cond delay="indefinite"/>
+                      </p:stCondLst>
+                      <p:childTnLst>
+                        <p:par>
+                          <p:cTn id="25" fill="hold">
+                            <p:stCondLst>
+                              <p:cond delay="0"/>
+                            </p:stCondLst>
+                            <p:childTnLst>
+                              <p:par>
+                                <p:cTn id="26" presetID="10" presetClass="entr" presetSubtype="0" fill="hold" nodeType="clickEffect">
+                                  <p:stCondLst>
+                                    <p:cond delay="0"/>
+                                  </p:stCondLst>
+                                  <p:childTnLst>
+                                    <p:set>
+                                      <p:cBhvr>
+                                        <p:cTn id="27" dur="1" fill="hold">
+                                          <p:stCondLst>
+                                            <p:cond delay="0"/>
+                                          </p:stCondLst>
+                                        </p:cTn>
+                                        <p:tgtEl>
+                                          <p:spTgt spid="20"/>
+                                        </p:tgtEl>
+                                        <p:attrNameLst>
+                                          <p:attrName>style.visibility</p:attrName>
+                                        </p:attrNameLst>
+                                      </p:cBhvr>
+                                      <p:to>
+                                        <p:strVal val="visible"/>
+                                      </p:to>
+                                    </p:set>
+                                    <p:animEffect transition="in" filter="fade">
+                                      <p:cBhvr>
+                                        <p:cTn id="28" dur="500"/>
+                                        <p:tgtEl>
+                                          <p:spTgt spid="20"/>
+                                        </p:tgtEl>
+                                      </p:cBhvr>
+                                    </p:animEffect>
+                                  </p:childTnLst>
+                                </p:cTn>
+                              </p:par>
+                              <p:par>
+                                <p:cTn id="29" presetID="10" presetClass="entr" presetSubtype="0" fill="hold" grpId="0" nodeType="withEffect">
+                                  <p:stCondLst>
+                                    <p:cond delay="0"/>
+                                  </p:stCondLst>
+                                  <p:childTnLst>
+                                    <p:set>
+                                      <p:cBhvr>
+                                        <p:cTn id="30" dur="1" fill="hold">
+                                          <p:stCondLst>
+                                            <p:cond delay="0"/>
+                                          </p:stCondLst>
+                                        </p:cTn>
+                                        <p:tgtEl>
+                                          <p:spTgt spid="9"/>
+                                        </p:tgtEl>
+                                        <p:attrNameLst>
+                                          <p:attrName>style.visibility</p:attrName>
+                                        </p:attrNameLst>
+                                      </p:cBhvr>
+                                      <p:to>
+                                        <p:strVal val="visible"/>
+                                      </p:to>
+                                    </p:set>
+                                    <p:animEffect transition="in" filter="fade">
+                                      <p:cBhvr>
+                                        <p:cTn id="31" dur="500"/>
+                                        <p:tgtEl>
+                                          <p:spTgt spid="9"/>
+                                        </p:tgtEl>
+                                      </p:cBhvr>
+                                    </p:animEffect>
+                                  </p:childTnLst>
+                                </p:cTn>
+                              </p:par>
+                            </p:childTnLst>
+                          </p:cTn>
+                        </p:par>
+                      </p:childTnLst>
+                    </p:cTn>
+                  </p:par>
+                  <p:par>
+                    <p:cTn id="32" fill="hold">
+                      <p:stCondLst>
+                        <p:cond delay="indefinite"/>
+                      </p:stCondLst>
+                      <p:childTnLst>
+                        <p:par>
+                          <p:cTn id="33" fill="hold">
+                            <p:stCondLst>
+                              <p:cond delay="0"/>
+                            </p:stCondLst>
+                            <p:childTnLst>
+                              <p:par>
+                                <p:cTn id="34" presetID="10" presetClass="entr" presetSubtype="0" fill="hold" nodeType="clickEffect">
+                                  <p:stCondLst>
+                                    <p:cond delay="0"/>
+                                  </p:stCondLst>
+                                  <p:childTnLst>
+                                    <p:set>
+                                      <p:cBhvr>
+                                        <p:cTn id="35" dur="1" fill="hold">
+                                          <p:stCondLst>
+                                            <p:cond delay="0"/>
+                                          </p:stCondLst>
+                                        </p:cTn>
+                                        <p:tgtEl>
+                                          <p:spTgt spid="22"/>
+                                        </p:tgtEl>
+                                        <p:attrNameLst>
+                                          <p:attrName>style.visibility</p:attrName>
+                                        </p:attrNameLst>
+                                      </p:cBhvr>
+                                      <p:to>
+                                        <p:strVal val="visible"/>
+                                      </p:to>
+                                    </p:set>
+                                    <p:animEffect transition="in" filter="fade">
+                                      <p:cBhvr>
+                                        <p:cTn id="36" dur="500"/>
+                                        <p:tgtEl>
+                                          <p:spTgt spid="22"/>
+                                        </p:tgtEl>
+                                      </p:cBhvr>
+                                    </p:animEffect>
+                                  </p:childTnLst>
+                                </p:cTn>
+                              </p:par>
+                              <p:par>
+                                <p:cTn id="37" presetID="10" presetClass="entr" presetSubtype="0" fill="hold" grpId="0" nodeType="withEffect">
+                                  <p:stCondLst>
+                                    <p:cond delay="0"/>
+                                  </p:stCondLst>
+                                  <p:childTnLst>
+                                    <p:set>
+                                      <p:cBhvr>
+                                        <p:cTn id="38" dur="1" fill="hold">
+                                          <p:stCondLst>
+                                            <p:cond delay="0"/>
+                                          </p:stCondLst>
+                                        </p:cTn>
+                                        <p:tgtEl>
+                                          <p:spTgt spid="10"/>
+                                        </p:tgtEl>
+                                        <p:attrNameLst>
+                                          <p:attrName>style.visibility</p:attrName>
+                                        </p:attrNameLst>
+                                      </p:cBhvr>
+                                      <p:to>
+                                        <p:strVal val="visible"/>
+                                      </p:to>
+                                    </p:set>
+                                    <p:animEffect transition="in" filter="fade">
+                                      <p:cBhvr>
+                                        <p:cTn id="39" dur="500"/>
+                                        <p:tgtEl>
+                                          <p:spTgt spid="10"/>
+                                        </p:tgtEl>
+                                      </p:cBhvr>
+                                    </p:animEffect>
+                                  </p:childTnLst>
+                                </p:cTn>
+                              </p:par>
+                            </p:childTnLst>
+                          </p:cTn>
+                        </p:par>
+                      </p:childTnLst>
+                    </p:cTn>
+                  </p:par>
+                  <p:par>
+                    <p:cTn id="40" fill="hold">
+                      <p:stCondLst>
+                        <p:cond delay="indefinite"/>
+                      </p:stCondLst>
+                      <p:childTnLst>
+                        <p:par>
+                          <p:cTn id="41" fill="hold">
+                            <p:stCondLst>
+                              <p:cond delay="0"/>
+                            </p:stCondLst>
+                            <p:childTnLst>
+                              <p:par>
+                                <p:cTn id="42" presetID="10" presetClass="entr" presetSubtype="0" fill="hold" nodeType="clickEffect">
+                                  <p:stCondLst>
+                                    <p:cond delay="0"/>
+                                  </p:stCondLst>
+                                  <p:childTnLst>
+                                    <p:set>
+                                      <p:cBhvr>
+                                        <p:cTn id="43" dur="1" fill="hold">
+                                          <p:stCondLst>
+                                            <p:cond delay="0"/>
+                                          </p:stCondLst>
+                                        </p:cTn>
+                                        <p:tgtEl>
+                                          <p:spTgt spid="18"/>
+                                        </p:tgtEl>
+                                        <p:attrNameLst>
+                                          <p:attrName>style.visibility</p:attrName>
+                                        </p:attrNameLst>
+                                      </p:cBhvr>
+                                      <p:to>
+                                        <p:strVal val="visible"/>
+                                      </p:to>
+                                    </p:set>
+                                    <p:animEffect transition="in" filter="fade">
+                                      <p:cBhvr>
+                                        <p:cTn id="44" dur="500"/>
+                                        <p:tgtEl>
+                                          <p:spTgt spid="18"/>
+                                        </p:tgtEl>
+                                      </p:cBhvr>
+                                    </p:animEffect>
+                                  </p:childTnLst>
+                                </p:cTn>
+                              </p:par>
+                              <p:par>
+                                <p:cTn id="45" presetID="10" presetClass="entr" presetSubtype="0" fill="hold" grpId="0" nodeType="withEffect">
+                                  <p:stCondLst>
+                                    <p:cond delay="0"/>
+                                  </p:stCondLst>
+                                  <p:childTnLst>
+                                    <p:set>
+                                      <p:cBhvr>
+                                        <p:cTn id="46" dur="1" fill="hold">
+                                          <p:stCondLst>
+                                            <p:cond delay="0"/>
+                                          </p:stCondLst>
+                                        </p:cTn>
+                                        <p:tgtEl>
+                                          <p:spTgt spid="8"/>
+                                        </p:tgtEl>
+                                        <p:attrNameLst>
+                                          <p:attrName>style.visibility</p:attrName>
+                                        </p:attrNameLst>
+                                      </p:cBhvr>
+                                      <p:to>
+                                        <p:strVal val="visible"/>
+                                      </p:to>
+                                    </p:set>
+                                    <p:animEffect transition="in" filter="fade">
+                                      <p:cBhvr>
+                                        <p:cTn id="47" dur="500"/>
+                                        <p:tgtEl>
+                                          <p:spTgt spid="8"/>
+                                        </p:tgtEl>
+                                      </p:cBhvr>
+                                    </p:animEffect>
+                                  </p:childTnLst>
+                                </p:cTn>
+                              </p:par>
+                            </p:childTnLst>
+                          </p:cTn>
+                        </p:par>
+                      </p:childTnLst>
+                    </p:cTn>
+                  </p:par>
+                </p:childTnLst>
+              </p:cTn>
+              <p:prevCondLst>
+                <p:cond evt="onPrev" delay="0">
+                  <p:tgtEl>
+                    <p:sldTgt/>
+                  </p:tgtEl>
+                </p:cond>
+              </p:prevCondLst>
+              <p:nextCondLst>
+                <p:cond evt="onNext" delay="0">
+                  <p:tgtEl>
+                    <p:sldTgt/>
+                  </p:tgtEl>
+                </p:cond>
+              </p:nextCondLst>
+            </p:seq>
+          </p:childTnLst>
+        </p:cTn>
+      </p:par>
+    </p:tnLst>
+    <p:bldLst>
+      <p:bldP spid="5" grpId="0" animBg="1"/>
+      <p:bldP spid="6" grpId="0" animBg="1"/>
+      <p:bldP spid="7" grpId="0" animBg="1"/>
+      <p:bldP spid="8" grpId="0" animBg="1"/>
+      <p:bldP spid="9" grpId="0" animBg="1"/>
+      <p:bldP spid="10" grpId="0" animBg="1"/>
+    </p:bldLst>
+  </p:timing>
 </p:sld>
 </file>
 
@@ -14766,14 +16918,20 @@
         </p:nvSpPr>
         <p:spPr/>
         <p:txBody>
-          <a:bodyPr>
-            <a:normAutofit/>
-          </a:bodyPr>
+          <a:bodyPr/>
           <a:lstStyle/>
           <a:p>
             <a:r>
               <a:rPr lang="pl-PL" dirty="0" err="1"/>
-              <a:t>Contract</a:t>
+              <a:t>Tests</a:t>
+            </a:r>
+            <a:r>
+              <a:rPr lang="pl-PL" dirty="0"/>
+              <a:t> as </a:t>
+            </a:r>
+            <a:r>
+              <a:rPr lang="pl-PL" dirty="0" err="1"/>
+              <a:t>living</a:t>
             </a:r>
             <a:r>
               <a:rPr lang="pl-PL" dirty="0"/>
@@ -14781,26 +16939,21 @@
             </a:r>
             <a:r>
               <a:rPr lang="pl-PL" dirty="0" err="1"/>
-              <a:t>testing</a:t>
+              <a:t>specification</a:t>
             </a:r>
             <a:r>
               <a:rPr lang="pl-PL" dirty="0"/>
-              <a:t> for </a:t>
-            </a:r>
-            <a:r>
-              <a:rPr lang="pl-PL" dirty="0" err="1"/>
-              <a:t>WebAPI</a:t>
-            </a:r>
-            <a:endParaRPr lang="pl-PL" dirty="0"/>
+              <a:t> I</a:t>
+            </a:r>
           </a:p>
         </p:txBody>
       </p:sp>
       <p:pic>
         <p:nvPicPr>
-          <p:cNvPr id="4" name="Picture 3" descr="A close up of a screen&#10;&#10;Description automatically generated">
+          <p:cNvPr id="4" name="Picture 3">
             <a:extLst>
               <a:ext uri="{FF2B5EF4-FFF2-40B4-BE49-F238E27FC236}">
-                <a16:creationId xmlns:a16="http://schemas.microsoft.com/office/drawing/2014/main" id="{627A3695-AC1B-423D-8D6E-66AD03514677}"/>
+                <a16:creationId xmlns:a16="http://schemas.microsoft.com/office/drawing/2014/main" id="{82354C99-DBDE-4BEF-8B48-77FF0680B15A}"/>
               </a:ext>
             </a:extLst>
           </p:cNvPr>
@@ -14810,21 +16963,15 @@
           <p:nvPr/>
         </p:nvPicPr>
         <p:blipFill>
-          <a:blip r:embed="rId2">
-            <a:extLst>
-              <a:ext uri="{28A0092B-C50C-407E-A947-70E740481C1C}">
-                <a14:useLocalDpi xmlns:a14="http://schemas.microsoft.com/office/drawing/2010/main" val="0"/>
-              </a:ext>
-            </a:extLst>
-          </a:blip>
+          <a:blip r:embed="rId2"/>
           <a:stretch>
             <a:fillRect/>
           </a:stretch>
         </p:blipFill>
         <p:spPr>
           <a:xfrm>
-            <a:off x="2701154" y="1551142"/>
-            <a:ext cx="6789692" cy="4941733"/>
+            <a:off x="445784" y="2559797"/>
+            <a:ext cx="11300431" cy="3018042"/>
           </a:xfrm>
           <a:prstGeom prst="rect">
             <a:avLst/>
@@ -14834,7 +16981,7 @@
     </p:spTree>
     <p:extLst>
       <p:ext uri="{BB962C8B-B14F-4D97-AF65-F5344CB8AC3E}">
-        <p14:creationId xmlns:p14="http://schemas.microsoft.com/office/powerpoint/2010/main" val="4076223901"/>
+        <p14:creationId xmlns:p14="http://schemas.microsoft.com/office/powerpoint/2010/main" val="3457798201"/>
       </p:ext>
     </p:extLst>
   </p:cSld>
@@ -15401,18 +17548,18 @@
 </file>
 
 <file path=customXml/item1.xml><?xml version="1.0" encoding="utf-8"?>
+<p:properties xmlns:p="http://schemas.microsoft.com/office/2006/metadata/properties" xmlns:xsi="http://www.w3.org/2001/XMLSchema-instance" xmlns:pc="http://schemas.microsoft.com/office/infopath/2007/PartnerControls">
+  <documentManagement/>
+</p:properties>
+</file>
+
+<file path=customXml/item2.xml><?xml version="1.0" encoding="utf-8"?>
 <?mso-contentType ?>
 <FormTemplates xmlns="http://schemas.microsoft.com/sharepoint/v3/contenttype/forms">
   <Display>DocumentLibraryForm</Display>
   <Edit>DocumentLibraryForm</Edit>
   <New>DocumentLibraryForm</New>
 </FormTemplates>
-</file>
-
-<file path=customXml/item2.xml><?xml version="1.0" encoding="utf-8"?>
-<p:properties xmlns:p="http://schemas.microsoft.com/office/2006/metadata/properties" xmlns:xsi="http://www.w3.org/2001/XMLSchema-instance" xmlns:pc="http://schemas.microsoft.com/office/infopath/2007/PartnerControls">
-  <documentManagement/>
-</p:properties>
 </file>
 
 <file path=customXml/item3.xml><?xml version="1.0" encoding="utf-8"?>
@@ -15530,14 +17677,6 @@
 </file>
 
 <file path=customXml/itemProps1.xml><?xml version="1.0" encoding="utf-8"?>
-<ds:datastoreItem xmlns:ds="http://schemas.openxmlformats.org/officeDocument/2006/customXml" ds:itemID="{8E1E654A-AF8B-4228-A505-3E86DDE44BB6}">
-  <ds:schemaRefs>
-    <ds:schemaRef ds:uri="http://schemas.microsoft.com/sharepoint/v3/contenttype/forms"/>
-  </ds:schemaRefs>
-</ds:datastoreItem>
-</file>
-
-<file path=customXml/itemProps2.xml><?xml version="1.0" encoding="utf-8"?>
 <ds:datastoreItem xmlns:ds="http://schemas.openxmlformats.org/officeDocument/2006/customXml" ds:itemID="{C31CB5AC-A9CE-4DFD-A397-B798A6EA1D99}">
   <ds:schemaRefs>
     <ds:schemaRef ds:uri="http://schemas.microsoft.com/office/2006/documentManagement/types"/>
@@ -15548,6 +17687,14 @@
     <ds:schemaRef ds:uri="http://purl.org/dc/elements/1.1/"/>
     <ds:schemaRef ds:uri="http://schemas.microsoft.com/office/infopath/2007/PartnerControls"/>
     <ds:schemaRef ds:uri="http://www.w3.org/XML/1998/namespace"/>
+  </ds:schemaRefs>
+</ds:datastoreItem>
+</file>
+
+<file path=customXml/itemProps2.xml><?xml version="1.0" encoding="utf-8"?>
+<ds:datastoreItem xmlns:ds="http://schemas.openxmlformats.org/officeDocument/2006/customXml" ds:itemID="{8E1E654A-AF8B-4228-A505-3E86DDE44BB6}">
+  <ds:schemaRefs>
+    <ds:schemaRef ds:uri="http://schemas.microsoft.com/sharepoint/v3/contenttype/forms"/>
   </ds:schemaRefs>
 </ds:datastoreItem>
 </file>

--- a/ContractDistribution/ContractDistribution.pptx
+++ b/ContractDistribution/ContractDistribution.pptx
@@ -145,15 +145,15 @@
 </file>
 
 <file path=ppt/diagrams/colors1.xml><?xml version="1.0" encoding="utf-8"?>
-<dgm:colorsDef xmlns:dgm="http://schemas.openxmlformats.org/drawingml/2006/diagram" xmlns:a="http://schemas.openxmlformats.org/drawingml/2006/main" uniqueId="urn:microsoft.com/office/officeart/2005/8/colors/colorful2">
+<dgm:colorsDef xmlns:dgm="http://schemas.openxmlformats.org/drawingml/2006/diagram" xmlns:a="http://schemas.openxmlformats.org/drawingml/2006/main" uniqueId="urn:microsoft.com/office/officeart/2005/8/colors/accent6_2">
   <dgm:title val=""/>
   <dgm:desc val=""/>
   <dgm:catLst>
-    <dgm:cat type="colorful" pri="10200"/>
+    <dgm:cat type="accent6" pri="11200"/>
   </dgm:catLst>
   <dgm:styleLbl name="node0">
     <dgm:fillClrLst meth="repeat">
-      <a:schemeClr val="accent1"/>
+      <a:schemeClr val="accent6"/>
     </dgm:fillClrLst>
     <dgm:linClrLst meth="repeat">
       <a:schemeClr val="lt1"/>
@@ -164,9 +164,8 @@
     <dgm:txEffectClrLst/>
   </dgm:styleLbl>
   <dgm:styleLbl name="node1">
-    <dgm:fillClrLst>
-      <a:schemeClr val="accent2"/>
-      <a:schemeClr val="accent3"/>
+    <dgm:fillClrLst meth="repeat">
+      <a:schemeClr val="accent6"/>
     </dgm:fillClrLst>
     <dgm:linClrLst meth="repeat">
       <a:schemeClr val="lt1"/>
@@ -177,13 +176,11 @@
     <dgm:txEffectClrLst/>
   </dgm:styleLbl>
   <dgm:styleLbl name="alignNode1">
-    <dgm:fillClrLst>
-      <a:schemeClr val="accent2"/>
-      <a:schemeClr val="accent3"/>
+    <dgm:fillClrLst meth="repeat">
+      <a:schemeClr val="accent6"/>
     </dgm:fillClrLst>
-    <dgm:linClrLst>
-      <a:schemeClr val="accent2"/>
-      <a:schemeClr val="accent3"/>
+    <dgm:linClrLst meth="repeat">
+      <a:schemeClr val="accent6"/>
     </dgm:linClrLst>
     <dgm:effectClrLst/>
     <dgm:txLinClrLst/>
@@ -191,9 +188,8 @@
     <dgm:txEffectClrLst/>
   </dgm:styleLbl>
   <dgm:styleLbl name="lnNode1">
-    <dgm:fillClrLst>
-      <a:schemeClr val="accent2"/>
-      <a:schemeClr val="accent3"/>
+    <dgm:fillClrLst meth="repeat">
+      <a:schemeClr val="accent6"/>
     </dgm:fillClrLst>
     <dgm:linClrLst meth="repeat">
       <a:schemeClr val="lt1"/>
@@ -204,11 +200,8 @@
     <dgm:txEffectClrLst/>
   </dgm:styleLbl>
   <dgm:styleLbl name="vennNode1">
-    <dgm:fillClrLst>
-      <a:schemeClr val="accent2">
-        <a:alpha val="50000"/>
-      </a:schemeClr>
-      <a:schemeClr val="accent3">
+    <dgm:fillClrLst meth="repeat">
+      <a:schemeClr val="accent6">
         <a:alpha val="50000"/>
       </a:schemeClr>
     </dgm:fillClrLst>
@@ -221,8 +214,8 @@
     <dgm:txEffectClrLst/>
   </dgm:styleLbl>
   <dgm:styleLbl name="node2">
-    <dgm:fillClrLst>
-      <a:schemeClr val="accent3"/>
+    <dgm:fillClrLst meth="repeat">
+      <a:schemeClr val="accent6"/>
     </dgm:fillClrLst>
     <dgm:linClrLst meth="repeat">
       <a:schemeClr val="lt1"/>
@@ -233,8 +226,8 @@
     <dgm:txEffectClrLst/>
   </dgm:styleLbl>
   <dgm:styleLbl name="node3">
-    <dgm:fillClrLst>
-      <a:schemeClr val="accent4"/>
+    <dgm:fillClrLst meth="repeat">
+      <a:schemeClr val="accent6"/>
     </dgm:fillClrLst>
     <dgm:linClrLst meth="repeat">
       <a:schemeClr val="lt1"/>
@@ -245,8 +238,8 @@
     <dgm:txEffectClrLst/>
   </dgm:styleLbl>
   <dgm:styleLbl name="node4">
-    <dgm:fillClrLst>
-      <a:schemeClr val="accent5"/>
+    <dgm:fillClrLst meth="repeat">
+      <a:schemeClr val="accent6"/>
     </dgm:fillClrLst>
     <dgm:linClrLst meth="repeat">
       <a:schemeClr val="lt1"/>
@@ -257,11 +250,8 @@
     <dgm:txEffectClrLst/>
   </dgm:styleLbl>
   <dgm:styleLbl name="fgImgPlace1">
-    <dgm:fillClrLst>
-      <a:schemeClr val="accent2">
-        <a:tint val="50000"/>
-      </a:schemeClr>
-      <a:schemeClr val="accent3">
+    <dgm:fillClrLst meth="repeat">
+      <a:schemeClr val="accent6">
         <a:tint val="50000"/>
       </a:schemeClr>
     </dgm:fillClrLst>
@@ -276,12 +266,9 @@
     <dgm:txEffectClrLst/>
   </dgm:styleLbl>
   <dgm:styleLbl name="alignImgPlace1">
-    <dgm:fillClrLst>
-      <a:schemeClr val="accent2">
+    <dgm:fillClrLst meth="repeat">
+      <a:schemeClr val="accent6">
         <a:tint val="50000"/>
-      </a:schemeClr>
-      <a:schemeClr val="accent3">
-        <a:tint val="20000"/>
       </a:schemeClr>
     </dgm:fillClrLst>
     <dgm:linClrLst meth="repeat">
@@ -295,12 +282,9 @@
     <dgm:txEffectClrLst/>
   </dgm:styleLbl>
   <dgm:styleLbl name="bgImgPlace1">
-    <dgm:fillClrLst>
-      <a:schemeClr val="accent2">
+    <dgm:fillClrLst meth="repeat">
+      <a:schemeClr val="accent6">
         <a:tint val="50000"/>
-      </a:schemeClr>
-      <a:schemeClr val="accent3">
-        <a:tint val="20000"/>
       </a:schemeClr>
     </dgm:fillClrLst>
     <dgm:linClrLst meth="repeat">
@@ -314,12 +298,15 @@
     <dgm:txEffectClrLst/>
   </dgm:styleLbl>
   <dgm:styleLbl name="sibTrans2D1">
-    <dgm:fillClrLst>
-      <a:schemeClr val="accent2"/>
-      <a:schemeClr val="accent3"/>
+    <dgm:fillClrLst meth="repeat">
+      <a:schemeClr val="accent6">
+        <a:tint val="60000"/>
+      </a:schemeClr>
     </dgm:fillClrLst>
     <dgm:linClrLst meth="repeat">
-      <a:schemeClr val="lt1"/>
+      <a:schemeClr val="accent6">
+        <a:tint val="60000"/>
+      </a:schemeClr>
     </dgm:linClrLst>
     <dgm:effectClrLst/>
     <dgm:txLinClrLst/>
@@ -327,40 +314,43 @@
     <dgm:txEffectClrLst/>
   </dgm:styleLbl>
   <dgm:styleLbl name="fgSibTrans2D1">
-    <dgm:fillClrLst>
-      <a:schemeClr val="accent2"/>
-      <a:schemeClr val="accent3"/>
+    <dgm:fillClrLst meth="repeat">
+      <a:schemeClr val="accent6">
+        <a:tint val="60000"/>
+      </a:schemeClr>
     </dgm:fillClrLst>
     <dgm:linClrLst meth="repeat">
-      <a:schemeClr val="lt1"/>
+      <a:schemeClr val="accent6">
+        <a:tint val="60000"/>
+      </a:schemeClr>
     </dgm:linClrLst>
     <dgm:effectClrLst/>
     <dgm:txLinClrLst/>
-    <dgm:txFillClrLst meth="repeat">
-      <a:schemeClr val="lt1"/>
-    </dgm:txFillClrLst>
+    <dgm:txFillClrLst/>
     <dgm:txEffectClrLst/>
   </dgm:styleLbl>
   <dgm:styleLbl name="bgSibTrans2D1">
-    <dgm:fillClrLst>
-      <a:schemeClr val="accent2"/>
-      <a:schemeClr val="accent3"/>
+    <dgm:fillClrLst meth="repeat">
+      <a:schemeClr val="accent6">
+        <a:tint val="60000"/>
+      </a:schemeClr>
     </dgm:fillClrLst>
     <dgm:linClrLst meth="repeat">
-      <a:schemeClr val="lt1"/>
+      <a:schemeClr val="accent6">
+        <a:tint val="60000"/>
+      </a:schemeClr>
     </dgm:linClrLst>
     <dgm:effectClrLst/>
     <dgm:txLinClrLst/>
-    <dgm:txFillClrLst meth="repeat">
-      <a:schemeClr val="lt1"/>
-    </dgm:txFillClrLst>
+    <dgm:txFillClrLst/>
     <dgm:txEffectClrLst/>
   </dgm:styleLbl>
   <dgm:styleLbl name="sibTrans1D1">
-    <dgm:fillClrLst/>
-    <dgm:linClrLst>
-      <a:schemeClr val="accent2"/>
-      <a:schemeClr val="accent3"/>
+    <dgm:fillClrLst meth="repeat">
+      <a:schemeClr val="accent6"/>
+    </dgm:fillClrLst>
+    <dgm:linClrLst meth="repeat">
+      <a:schemeClr val="accent6"/>
     </dgm:linClrLst>
     <dgm:effectClrLst/>
     <dgm:txLinClrLst/>
@@ -371,10 +361,10 @@
   </dgm:styleLbl>
   <dgm:styleLbl name="callout">
     <dgm:fillClrLst meth="repeat">
-      <a:schemeClr val="accent2"/>
+      <a:schemeClr val="accent6"/>
     </dgm:fillClrLst>
     <dgm:linClrLst meth="repeat">
-      <a:schemeClr val="accent2">
+      <a:schemeClr val="accent6">
         <a:tint val="50000"/>
       </a:schemeClr>
     </dgm:linClrLst>
@@ -387,12 +377,10 @@
   </dgm:styleLbl>
   <dgm:styleLbl name="asst0">
     <dgm:fillClrLst meth="repeat">
-      <a:schemeClr val="accent2"/>
+      <a:schemeClr val="accent6"/>
     </dgm:fillClrLst>
     <dgm:linClrLst meth="repeat">
-      <a:schemeClr val="lt1">
-        <a:shade val="80000"/>
-      </a:schemeClr>
+      <a:schemeClr val="lt1"/>
     </dgm:linClrLst>
     <dgm:effectClrLst/>
     <dgm:txLinClrLst/>
@@ -401,12 +389,10 @@
   </dgm:styleLbl>
   <dgm:styleLbl name="asst1">
     <dgm:fillClrLst meth="repeat">
-      <a:schemeClr val="accent3"/>
+      <a:schemeClr val="accent6"/>
     </dgm:fillClrLst>
     <dgm:linClrLst meth="repeat">
-      <a:schemeClr val="lt1">
-        <a:shade val="80000"/>
-      </a:schemeClr>
+      <a:schemeClr val="lt1"/>
     </dgm:linClrLst>
     <dgm:effectClrLst/>
     <dgm:txLinClrLst/>
@@ -414,8 +400,8 @@
     <dgm:txEffectClrLst/>
   </dgm:styleLbl>
   <dgm:styleLbl name="asst2">
-    <dgm:fillClrLst>
-      <a:schemeClr val="accent4"/>
+    <dgm:fillClrLst meth="repeat">
+      <a:schemeClr val="accent6"/>
     </dgm:fillClrLst>
     <dgm:linClrLst meth="repeat">
       <a:schemeClr val="lt1"/>
@@ -426,8 +412,8 @@
     <dgm:txEffectClrLst/>
   </dgm:styleLbl>
   <dgm:styleLbl name="asst3">
-    <dgm:fillClrLst>
-      <a:schemeClr val="accent5"/>
+    <dgm:fillClrLst meth="repeat">
+      <a:schemeClr val="accent6"/>
     </dgm:fillClrLst>
     <dgm:linClrLst meth="repeat">
       <a:schemeClr val="lt1"/>
@@ -438,7 +424,7 @@
     <dgm:txEffectClrLst/>
   </dgm:styleLbl>
   <dgm:styleLbl name="asst4">
-    <dgm:fillClrLst>
+    <dgm:fillClrLst meth="repeat">
       <a:schemeClr val="accent6"/>
     </dgm:fillClrLst>
     <dgm:linClrLst meth="repeat">
@@ -451,10 +437,14 @@
   </dgm:styleLbl>
   <dgm:styleLbl name="parChTrans2D1">
     <dgm:fillClrLst meth="repeat">
-      <a:schemeClr val="accent2"/>
+      <a:schemeClr val="accent6">
+        <a:tint val="60000"/>
+      </a:schemeClr>
     </dgm:fillClrLst>
     <dgm:linClrLst meth="repeat">
-      <a:schemeClr val="lt1"/>
+      <a:schemeClr val="accent6">
+        <a:tint val="60000"/>
+      </a:schemeClr>
     </dgm:linClrLst>
     <dgm:effectClrLst/>
     <dgm:txLinClrLst/>
@@ -465,34 +455,38 @@
   </dgm:styleLbl>
   <dgm:styleLbl name="parChTrans2D2">
     <dgm:fillClrLst meth="repeat">
-      <a:schemeClr val="accent3"/>
+      <a:schemeClr val="accent6"/>
     </dgm:fillClrLst>
     <dgm:linClrLst meth="repeat">
-      <a:schemeClr val="lt1"/>
+      <a:schemeClr val="accent6"/>
     </dgm:linClrLst>
     <dgm:effectClrLst/>
     <dgm:txLinClrLst/>
-    <dgm:txFillClrLst/>
+    <dgm:txFillClrLst meth="repeat">
+      <a:schemeClr val="lt1"/>
+    </dgm:txFillClrLst>
     <dgm:txEffectClrLst/>
   </dgm:styleLbl>
   <dgm:styleLbl name="parChTrans2D3">
     <dgm:fillClrLst meth="repeat">
-      <a:schemeClr val="accent4"/>
+      <a:schemeClr val="accent6"/>
     </dgm:fillClrLst>
     <dgm:linClrLst meth="repeat">
-      <a:schemeClr val="lt1"/>
+      <a:schemeClr val="accent6"/>
     </dgm:linClrLst>
     <dgm:effectClrLst/>
     <dgm:txLinClrLst/>
-    <dgm:txFillClrLst/>
+    <dgm:txFillClrLst meth="repeat">
+      <a:schemeClr val="lt1"/>
+    </dgm:txFillClrLst>
     <dgm:txEffectClrLst/>
   </dgm:styleLbl>
   <dgm:styleLbl name="parChTrans2D4">
     <dgm:fillClrLst meth="repeat">
-      <a:schemeClr val="accent5"/>
+      <a:schemeClr val="accent6"/>
     </dgm:fillClrLst>
     <dgm:linClrLst meth="repeat">
-      <a:schemeClr val="lt1"/>
+      <a:schemeClr val="accent6"/>
     </dgm:linClrLst>
     <dgm:effectClrLst/>
     <dgm:txLinClrLst/>
@@ -503,10 +497,12 @@
   </dgm:styleLbl>
   <dgm:styleLbl name="parChTrans1D1">
     <dgm:fillClrLst meth="repeat">
-      <a:schemeClr val="accent2"/>
+      <a:schemeClr val="accent6"/>
     </dgm:fillClrLst>
     <dgm:linClrLst meth="repeat">
-      <a:schemeClr val="accent2"/>
+      <a:schemeClr val="accent6">
+        <a:shade val="60000"/>
+      </a:schemeClr>
     </dgm:linClrLst>
     <dgm:effectClrLst/>
     <dgm:txLinClrLst/>
@@ -517,12 +513,12 @@
   </dgm:styleLbl>
   <dgm:styleLbl name="parChTrans1D2">
     <dgm:fillClrLst meth="repeat">
-      <a:schemeClr val="accent2">
-        <a:tint val="90000"/>
-      </a:schemeClr>
+      <a:schemeClr val="accent6"/>
     </dgm:fillClrLst>
     <dgm:linClrLst meth="repeat">
-      <a:schemeClr val="accent3"/>
+      <a:schemeClr val="accent6">
+        <a:shade val="60000"/>
+      </a:schemeClr>
     </dgm:linClrLst>
     <dgm:effectClrLst/>
     <dgm:txLinClrLst/>
@@ -533,12 +529,12 @@
   </dgm:styleLbl>
   <dgm:styleLbl name="parChTrans1D3">
     <dgm:fillClrLst meth="repeat">
-      <a:schemeClr val="accent2">
-        <a:tint val="70000"/>
-      </a:schemeClr>
+      <a:schemeClr val="accent6"/>
     </dgm:fillClrLst>
     <dgm:linClrLst meth="repeat">
-      <a:schemeClr val="accent4"/>
+      <a:schemeClr val="accent6">
+        <a:shade val="80000"/>
+      </a:schemeClr>
     </dgm:linClrLst>
     <dgm:effectClrLst/>
     <dgm:txLinClrLst/>
@@ -549,12 +545,12 @@
   </dgm:styleLbl>
   <dgm:styleLbl name="parChTrans1D4">
     <dgm:fillClrLst meth="repeat">
-      <a:schemeClr val="accent2">
-        <a:tint val="50000"/>
-      </a:schemeClr>
+      <a:schemeClr val="accent6"/>
     </dgm:fillClrLst>
     <dgm:linClrLst meth="repeat">
-      <a:schemeClr val="accent5"/>
+      <a:schemeClr val="accent6">
+        <a:shade val="80000"/>
+      </a:schemeClr>
     </dgm:linClrLst>
     <dgm:effectClrLst/>
     <dgm:txLinClrLst/>
@@ -569,9 +565,8 @@
         <a:alpha val="90000"/>
       </a:schemeClr>
     </dgm:fillClrLst>
-    <dgm:linClrLst>
-      <a:schemeClr val="accent2"/>
-      <a:schemeClr val="accent3"/>
+    <dgm:linClrLst meth="repeat">
+      <a:schemeClr val="accent6"/>
     </dgm:linClrLst>
     <dgm:effectClrLst/>
     <dgm:txLinClrLst/>
@@ -586,9 +581,8 @@
         <a:alpha val="90000"/>
       </a:schemeClr>
     </dgm:fillClrLst>
-    <dgm:linClrLst>
-      <a:schemeClr val="accent2"/>
-      <a:schemeClr val="accent3"/>
+    <dgm:linClrLst meth="repeat">
+      <a:schemeClr val="accent6"/>
     </dgm:linClrLst>
     <dgm:effectClrLst/>
     <dgm:txLinClrLst/>
@@ -603,9 +597,8 @@
         <a:alpha val="90000"/>
       </a:schemeClr>
     </dgm:fillClrLst>
-    <dgm:linClrLst>
-      <a:schemeClr val="accent2"/>
-      <a:schemeClr val="accent3"/>
+    <dgm:linClrLst meth="repeat">
+      <a:schemeClr val="accent6"/>
     </dgm:linClrLst>
     <dgm:effectClrLst/>
     <dgm:txLinClrLst/>
@@ -621,7 +614,7 @@
       </a:schemeClr>
     </dgm:fillClrLst>
     <dgm:linClrLst meth="repeat">
-      <a:schemeClr val="accent2"/>
+      <a:schemeClr val="accent6"/>
     </dgm:linClrLst>
     <dgm:effectClrLst/>
     <dgm:txLinClrLst/>
@@ -636,9 +629,8 @@
         <a:alpha val="90000"/>
       </a:schemeClr>
     </dgm:fillClrLst>
-    <dgm:linClrLst>
-      <a:schemeClr val="accent2"/>
-      <a:schemeClr val="accent3"/>
+    <dgm:linClrLst meth="repeat">
+      <a:schemeClr val="accent6"/>
     </dgm:linClrLst>
     <dgm:effectClrLst/>
     <dgm:txLinClrLst/>
@@ -651,9 +643,8 @@
     <dgm:fillClrLst meth="repeat">
       <a:schemeClr val="lt1"/>
     </dgm:fillClrLst>
-    <dgm:linClrLst>
-      <a:schemeClr val="accent2"/>
-      <a:schemeClr val="accent3"/>
+    <dgm:linClrLst meth="repeat">
+      <a:schemeClr val="accent6"/>
     </dgm:linClrLst>
     <dgm:effectClrLst/>
     <dgm:txLinClrLst/>
@@ -666,9 +657,8 @@
     <dgm:fillClrLst meth="repeat">
       <a:schemeClr val="lt1"/>
     </dgm:fillClrLst>
-    <dgm:linClrLst>
-      <a:schemeClr val="accent2"/>
-      <a:schemeClr val="accent3"/>
+    <dgm:linClrLst meth="repeat">
+      <a:schemeClr val="accent6"/>
     </dgm:linClrLst>
     <dgm:effectClrLst/>
     <dgm:txLinClrLst/>
@@ -681,9 +671,8 @@
     <dgm:fillClrLst meth="repeat">
       <a:schemeClr val="lt1"/>
     </dgm:fillClrLst>
-    <dgm:linClrLst>
-      <a:schemeClr val="accent2"/>
-      <a:schemeClr val="accent3"/>
+    <dgm:linClrLst meth="repeat">
+      <a:schemeClr val="accent6"/>
     </dgm:linClrLst>
     <dgm:effectClrLst/>
     <dgm:txLinClrLst/>
@@ -693,24 +682,16 @@
     <dgm:txEffectClrLst/>
   </dgm:styleLbl>
   <dgm:styleLbl name="fgAccFollowNode1">
-    <dgm:fillClrLst>
-      <a:schemeClr val="accent2">
+    <dgm:fillClrLst meth="repeat">
+      <a:schemeClr val="accent6">
+        <a:alpha val="90000"/>
         <a:tint val="40000"/>
-        <a:alpha val="90000"/>
-      </a:schemeClr>
-      <a:schemeClr val="accent3">
-        <a:tint val="40000"/>
-        <a:alpha val="90000"/>
       </a:schemeClr>
     </dgm:fillClrLst>
-    <dgm:linClrLst>
-      <a:schemeClr val="accent2">
+    <dgm:linClrLst meth="repeat">
+      <a:schemeClr val="accent6">
+        <a:alpha val="90000"/>
         <a:tint val="40000"/>
-        <a:alpha val="90000"/>
-      </a:schemeClr>
-      <a:schemeClr val="accent3">
-        <a:tint val="40000"/>
-        <a:alpha val="90000"/>
       </a:schemeClr>
     </dgm:linClrLst>
     <dgm:effectClrLst/>
@@ -721,24 +702,16 @@
     <dgm:txEffectClrLst/>
   </dgm:styleLbl>
   <dgm:styleLbl name="alignAccFollowNode1">
-    <dgm:fillClrLst>
-      <a:schemeClr val="accent2">
+    <dgm:fillClrLst meth="repeat">
+      <a:schemeClr val="accent6">
+        <a:alpha val="90000"/>
         <a:tint val="40000"/>
-        <a:alpha val="90000"/>
-      </a:schemeClr>
-      <a:schemeClr val="accent3">
-        <a:tint val="40000"/>
-        <a:alpha val="90000"/>
       </a:schemeClr>
     </dgm:fillClrLst>
-    <dgm:linClrLst>
-      <a:schemeClr val="accent2">
+    <dgm:linClrLst meth="repeat">
+      <a:schemeClr val="accent6">
+        <a:alpha val="90000"/>
         <a:tint val="40000"/>
-        <a:alpha val="90000"/>
-      </a:schemeClr>
-      <a:schemeClr val="accent3">
-        <a:tint val="40000"/>
-        <a:alpha val="90000"/>
       </a:schemeClr>
     </dgm:linClrLst>
     <dgm:effectClrLst/>
@@ -749,24 +722,16 @@
     <dgm:txEffectClrLst/>
   </dgm:styleLbl>
   <dgm:styleLbl name="bgAccFollowNode1">
-    <dgm:fillClrLst>
-      <a:schemeClr val="accent2">
+    <dgm:fillClrLst meth="repeat">
+      <a:schemeClr val="accent6">
+        <a:alpha val="90000"/>
         <a:tint val="40000"/>
-        <a:alpha val="90000"/>
-      </a:schemeClr>
-      <a:schemeClr val="accent3">
-        <a:tint val="40000"/>
-        <a:alpha val="90000"/>
       </a:schemeClr>
     </dgm:fillClrLst>
-    <dgm:linClrLst>
-      <a:schemeClr val="accent2">
+    <dgm:linClrLst meth="repeat">
+      <a:schemeClr val="accent6">
+        <a:alpha val="90000"/>
         <a:tint val="40000"/>
-        <a:alpha val="90000"/>
-      </a:schemeClr>
-      <a:schemeClr val="accent3">
-        <a:tint val="40000"/>
-        <a:alpha val="90000"/>
       </a:schemeClr>
     </dgm:linClrLst>
     <dgm:effectClrLst/>
@@ -782,8 +747,8 @@
         <a:alpha val="90000"/>
       </a:schemeClr>
     </dgm:fillClrLst>
-    <dgm:linClrLst>
-      <a:schemeClr val="accent1"/>
+    <dgm:linClrLst meth="repeat">
+      <a:schemeClr val="accent6"/>
     </dgm:linClrLst>
     <dgm:effectClrLst/>
     <dgm:txLinClrLst/>
@@ -798,8 +763,8 @@
         <a:alpha val="90000"/>
       </a:schemeClr>
     </dgm:fillClrLst>
-    <dgm:linClrLst>
-      <a:schemeClr val="accent3"/>
+    <dgm:linClrLst meth="repeat">
+      <a:schemeClr val="accent6"/>
     </dgm:linClrLst>
     <dgm:effectClrLst/>
     <dgm:txLinClrLst/>
@@ -814,8 +779,8 @@
         <a:alpha val="90000"/>
       </a:schemeClr>
     </dgm:fillClrLst>
-    <dgm:linClrLst>
-      <a:schemeClr val="accent4"/>
+    <dgm:linClrLst meth="repeat">
+      <a:schemeClr val="accent6"/>
     </dgm:linClrLst>
     <dgm:effectClrLst/>
     <dgm:txLinClrLst/>
@@ -830,8 +795,8 @@
         <a:alpha val="90000"/>
       </a:schemeClr>
     </dgm:fillClrLst>
-    <dgm:linClrLst>
-      <a:schemeClr val="accent5"/>
+    <dgm:linClrLst meth="repeat">
+      <a:schemeClr val="accent6"/>
     </dgm:linClrLst>
     <dgm:effectClrLst/>
     <dgm:txLinClrLst/>
@@ -842,12 +807,12 @@
   </dgm:styleLbl>
   <dgm:styleLbl name="bgShp">
     <dgm:fillClrLst meth="repeat">
-      <a:schemeClr val="accent2">
+      <a:schemeClr val="accent6">
         <a:tint val="40000"/>
       </a:schemeClr>
     </dgm:fillClrLst>
     <dgm:linClrLst meth="repeat">
-      <a:schemeClr val="dk1"/>
+      <a:schemeClr val="accent6"/>
     </dgm:linClrLst>
     <dgm:effectClrLst/>
     <dgm:txLinClrLst/>
@@ -858,12 +823,12 @@
   </dgm:styleLbl>
   <dgm:styleLbl name="dkBgShp">
     <dgm:fillClrLst meth="repeat">
-      <a:schemeClr val="accent2">
-        <a:shade val="90000"/>
+      <a:schemeClr val="accent6">
+        <a:shade val="80000"/>
       </a:schemeClr>
     </dgm:fillClrLst>
     <dgm:linClrLst meth="repeat">
-      <a:schemeClr val="dk1"/>
+      <a:schemeClr val="accent6"/>
     </dgm:linClrLst>
     <dgm:effectClrLst/>
     <dgm:txLinClrLst/>
@@ -874,13 +839,13 @@
   </dgm:styleLbl>
   <dgm:styleLbl name="trBgShp">
     <dgm:fillClrLst meth="repeat">
-      <a:schemeClr val="accent2">
+      <a:schemeClr val="accent6">
         <a:tint val="50000"/>
         <a:alpha val="40000"/>
       </a:schemeClr>
     </dgm:fillClrLst>
     <dgm:linClrLst meth="repeat">
-      <a:schemeClr val="accent2"/>
+      <a:schemeClr val="accent6"/>
     </dgm:linClrLst>
     <dgm:effectClrLst/>
     <dgm:txLinClrLst/>
@@ -891,8 +856,8 @@
   </dgm:styleLbl>
   <dgm:styleLbl name="fgShp">
     <dgm:fillClrLst meth="repeat">
-      <a:schemeClr val="accent2">
-        <a:tint val="40000"/>
+      <a:schemeClr val="accent6">
+        <a:tint val="60000"/>
       </a:schemeClr>
     </dgm:fillClrLst>
     <dgm:linClrLst meth="repeat">
@@ -930,7 +895,7 @@
 <dgm:dataModel xmlns:dgm="http://schemas.openxmlformats.org/drawingml/2006/diagram" xmlns:a="http://schemas.openxmlformats.org/drawingml/2006/main">
   <dgm:ptLst>
     <dgm:pt modelId="{A293AA11-2BDA-41BC-A5A5-C7A250F96A07}" type="doc">
-      <dgm:prSet loTypeId="urn:microsoft.com/office/officeart/2008/layout/LinedList" loCatId="list" qsTypeId="urn:microsoft.com/office/officeart/2005/8/quickstyle/simple4" qsCatId="simple" csTypeId="urn:microsoft.com/office/officeart/2005/8/colors/colorful2" csCatId="colorful" phldr="1"/>
+      <dgm:prSet loTypeId="urn:microsoft.com/office/officeart/2008/layout/LinedList" loCatId="list" qsTypeId="urn:microsoft.com/office/officeart/2005/8/quickstyle/simple5" qsCatId="simple" csTypeId="urn:microsoft.com/office/officeart/2005/8/colors/accent6_2" csCatId="accent6" phldr="1"/>
       <dgm:spPr/>
       <dgm:t>
         <a:bodyPr/>
@@ -1139,10 +1104,38 @@
         <a:lstStyle/>
         <a:p>
           <a:r>
-            <a:rPr lang="pl-PL"/>
-            <a:t>DTO-based contract distribution and testing</a:t>
+            <a:rPr lang="pl-PL" dirty="0"/>
+            <a:t>DTO-</a:t>
           </a:r>
-          <a:endParaRPr lang="en-US"/>
+          <a:r>
+            <a:rPr lang="pl-PL" dirty="0" err="1"/>
+            <a:t>based</a:t>
+          </a:r>
+          <a:r>
+            <a:rPr lang="pl-PL" dirty="0"/>
+            <a:t> </a:t>
+          </a:r>
+          <a:r>
+            <a:rPr lang="pl-PL" dirty="0" err="1"/>
+            <a:t>contract</a:t>
+          </a:r>
+          <a:r>
+            <a:rPr lang="pl-PL" dirty="0"/>
+            <a:t> </a:t>
+          </a:r>
+          <a:r>
+            <a:rPr lang="pl-PL" dirty="0" err="1"/>
+            <a:t>distribution</a:t>
+          </a:r>
+          <a:r>
+            <a:rPr lang="pl-PL" dirty="0"/>
+            <a:t> and </a:t>
+          </a:r>
+          <a:r>
+            <a:rPr lang="pl-PL" dirty="0" err="1"/>
+            <a:t>testing</a:t>
+          </a:r>
+          <a:endParaRPr lang="en-US" dirty="0"/>
         </a:p>
       </dgm:t>
     </dgm:pt>
@@ -1176,10 +1169,34 @@
         <a:lstStyle/>
         <a:p>
           <a:r>
-            <a:rPr lang="pl-PL"/>
-            <a:t>OpenAPI contract distribution and testing</a:t>
+            <a:rPr lang="pl-PL" dirty="0" err="1"/>
+            <a:t>OpenAPI</a:t>
           </a:r>
-          <a:endParaRPr lang="en-US"/>
+          <a:r>
+            <a:rPr lang="pl-PL" dirty="0"/>
+            <a:t> </a:t>
+          </a:r>
+          <a:r>
+            <a:rPr lang="pl-PL" dirty="0" err="1"/>
+            <a:t>contract</a:t>
+          </a:r>
+          <a:r>
+            <a:rPr lang="pl-PL" dirty="0"/>
+            <a:t> </a:t>
+          </a:r>
+          <a:r>
+            <a:rPr lang="pl-PL" dirty="0" err="1"/>
+            <a:t>distribution</a:t>
+          </a:r>
+          <a:r>
+            <a:rPr lang="pl-PL" dirty="0"/>
+            <a:t> and </a:t>
+          </a:r>
+          <a:r>
+            <a:rPr lang="pl-PL" dirty="0" err="1"/>
+            <a:t>testing</a:t>
+          </a:r>
+          <a:endParaRPr lang="en-US" dirty="0"/>
         </a:p>
       </dgm:t>
     </dgm:pt>
@@ -1213,10 +1230,22 @@
         <a:lstStyle/>
         <a:p>
           <a:r>
-            <a:rPr lang="pl-PL"/>
-            <a:t>Special service dependency considerations</a:t>
+            <a:rPr lang="pl-PL" dirty="0"/>
+            <a:t>Special service </a:t>
           </a:r>
-          <a:endParaRPr lang="en-US"/>
+          <a:r>
+            <a:rPr lang="pl-PL" dirty="0" err="1"/>
+            <a:t>dependency</a:t>
+          </a:r>
+          <a:r>
+            <a:rPr lang="pl-PL" dirty="0"/>
+            <a:t> </a:t>
+          </a:r>
+          <a:r>
+            <a:rPr lang="pl-PL" dirty="0" err="1"/>
+            <a:t>considerations</a:t>
+          </a:r>
+          <a:endParaRPr lang="en-US" dirty="0"/>
         </a:p>
       </dgm:t>
     </dgm:pt>
@@ -1250,10 +1279,22 @@
         <a:lstStyle/>
         <a:p>
           <a:r>
-            <a:rPr lang="pl-PL"/>
-            <a:t>Non-REST contract distribution</a:t>
+            <a:rPr lang="pl-PL" dirty="0"/>
+            <a:t>Non-REST </a:t>
           </a:r>
-          <a:endParaRPr lang="en-US"/>
+          <a:r>
+            <a:rPr lang="pl-PL" dirty="0" err="1"/>
+            <a:t>contract</a:t>
+          </a:r>
+          <a:r>
+            <a:rPr lang="pl-PL" dirty="0"/>
+            <a:t> </a:t>
+          </a:r>
+          <a:r>
+            <a:rPr lang="pl-PL" dirty="0" err="1"/>
+            <a:t>distribution</a:t>
+          </a:r>
+          <a:endParaRPr lang="en-US" dirty="0"/>
         </a:p>
       </dgm:t>
     </dgm:pt>
@@ -1287,10 +1328,10 @@
         <a:lstStyle/>
         <a:p>
           <a:r>
-            <a:rPr lang="pl-PL"/>
+            <a:rPr lang="pl-PL" dirty="0" err="1"/>
             <a:t>Questions</a:t>
           </a:r>
-          <a:endParaRPr lang="en-US"/>
+          <a:endParaRPr lang="en-US" dirty="0"/>
         </a:p>
       </dgm:t>
     </dgm:pt>
@@ -1316,7 +1357,7 @@
         </a:p>
       </dgm:t>
     </dgm:pt>
-    <dgm:pt modelId="{B6497B14-D0F0-4D79-B9BF-930BAD80E0C7}" type="pres">
+    <dgm:pt modelId="{BC8A8586-C522-4DFD-B76D-AD66DBD9381B}" type="pres">
       <dgm:prSet presAssocID="{A293AA11-2BDA-41BC-A5A5-C7A250F96A07}" presName="vert0" presStyleCnt="0">
         <dgm:presLayoutVars>
           <dgm:dir/>
@@ -1326,185 +1367,185 @@
       </dgm:prSet>
       <dgm:spPr/>
     </dgm:pt>
-    <dgm:pt modelId="{3A1C2ADD-E07B-4E4F-A4B6-6CA3049CDF58}" type="pres">
+    <dgm:pt modelId="{7CA89772-E760-44B9-9320-B4E1B5CC0A8D}" type="pres">
       <dgm:prSet presAssocID="{CA043E4C-5128-4A94-B842-576BC9F45DE5}" presName="thickLine" presStyleLbl="alignNode1" presStyleIdx="0" presStyleCnt="8"/>
       <dgm:spPr/>
     </dgm:pt>
-    <dgm:pt modelId="{D2131C78-C293-4870-8E99-1E6E564690A7}" type="pres">
+    <dgm:pt modelId="{1E132022-35CC-4454-B9ED-81CC25E1F183}" type="pres">
       <dgm:prSet presAssocID="{CA043E4C-5128-4A94-B842-576BC9F45DE5}" presName="horz1" presStyleCnt="0"/>
       <dgm:spPr/>
     </dgm:pt>
-    <dgm:pt modelId="{791433EB-D82E-409F-B4A6-37D22ED4898A}" type="pres">
+    <dgm:pt modelId="{803DFEEC-B050-4A83-9EDE-8DDBD5AF2944}" type="pres">
       <dgm:prSet presAssocID="{CA043E4C-5128-4A94-B842-576BC9F45DE5}" presName="tx1" presStyleLbl="revTx" presStyleIdx="0" presStyleCnt="8"/>
       <dgm:spPr/>
     </dgm:pt>
-    <dgm:pt modelId="{1D073527-CC45-4777-8CAF-103626C14F33}" type="pres">
+    <dgm:pt modelId="{5EDAA324-34D7-4794-A6A7-FD9C59FF7E31}" type="pres">
       <dgm:prSet presAssocID="{CA043E4C-5128-4A94-B842-576BC9F45DE5}" presName="vert1" presStyleCnt="0"/>
       <dgm:spPr/>
     </dgm:pt>
-    <dgm:pt modelId="{C11A21AF-FF47-4A73-B4A6-9B39F1994EFD}" type="pres">
+    <dgm:pt modelId="{A6ACE0CA-D592-436D-A2EB-2C834813328D}" type="pres">
       <dgm:prSet presAssocID="{8A63E69D-C3C6-40F0-A131-C585E4B61481}" presName="thickLine" presStyleLbl="alignNode1" presStyleIdx="1" presStyleCnt="8"/>
       <dgm:spPr/>
     </dgm:pt>
-    <dgm:pt modelId="{5A2314ED-C2A9-4381-8CCA-37FD16486F15}" type="pres">
+    <dgm:pt modelId="{D6F988B2-76D4-4271-B674-6EF1F4682AD8}" type="pres">
       <dgm:prSet presAssocID="{8A63E69D-C3C6-40F0-A131-C585E4B61481}" presName="horz1" presStyleCnt="0"/>
       <dgm:spPr/>
     </dgm:pt>
-    <dgm:pt modelId="{F882112B-266C-4114-99A9-43B9FBF778BA}" type="pres">
+    <dgm:pt modelId="{82BA063E-7CEF-419F-AFF1-F9A8FDA85C82}" type="pres">
       <dgm:prSet presAssocID="{8A63E69D-C3C6-40F0-A131-C585E4B61481}" presName="tx1" presStyleLbl="revTx" presStyleIdx="1" presStyleCnt="8"/>
       <dgm:spPr/>
     </dgm:pt>
-    <dgm:pt modelId="{5230D7D6-A6FD-4F4B-B54A-806CC6AA9783}" type="pres">
+    <dgm:pt modelId="{FA58D983-720A-483C-96FD-A2058A5068EC}" type="pres">
       <dgm:prSet presAssocID="{8A63E69D-C3C6-40F0-A131-C585E4B61481}" presName="vert1" presStyleCnt="0"/>
       <dgm:spPr/>
     </dgm:pt>
-    <dgm:pt modelId="{A392502F-668E-495C-87BC-77382F376A80}" type="pres">
+    <dgm:pt modelId="{2C8382F4-2D66-47A3-994B-D3FAF9814337}" type="pres">
       <dgm:prSet presAssocID="{443AD337-21D2-45FA-A5EE-94441A7D53D9}" presName="thickLine" presStyleLbl="alignNode1" presStyleIdx="2" presStyleCnt="8"/>
       <dgm:spPr/>
     </dgm:pt>
-    <dgm:pt modelId="{AF418682-6955-45D3-8767-999FDCABF73B}" type="pres">
+    <dgm:pt modelId="{9816B161-C9BC-4CA4-8D07-D64E5A0A0DD8}" type="pres">
       <dgm:prSet presAssocID="{443AD337-21D2-45FA-A5EE-94441A7D53D9}" presName="horz1" presStyleCnt="0"/>
       <dgm:spPr/>
     </dgm:pt>
-    <dgm:pt modelId="{3341AE32-ED46-4909-B611-B97B55C1C46F}" type="pres">
+    <dgm:pt modelId="{7DA7CBEB-FE7A-42BF-98EE-7C2901C0392F}" type="pres">
       <dgm:prSet presAssocID="{443AD337-21D2-45FA-A5EE-94441A7D53D9}" presName="tx1" presStyleLbl="revTx" presStyleIdx="2" presStyleCnt="8"/>
       <dgm:spPr/>
     </dgm:pt>
-    <dgm:pt modelId="{D4C265E5-E798-450A-9DD1-8553FCC65E98}" type="pres">
+    <dgm:pt modelId="{9A0AFC91-3497-4794-8D73-C8F033FB985F}" type="pres">
       <dgm:prSet presAssocID="{443AD337-21D2-45FA-A5EE-94441A7D53D9}" presName="vert1" presStyleCnt="0"/>
       <dgm:spPr/>
     </dgm:pt>
-    <dgm:pt modelId="{A5483D8F-5696-45AE-B76B-AE85C036FB4F}" type="pres">
+    <dgm:pt modelId="{8F9BFD17-F2CA-409E-AB27-BEB826AE6E92}" type="pres">
       <dgm:prSet presAssocID="{55D2F2E5-1EF8-4DC0-8F01-23C7AB31DF28}" presName="thickLine" presStyleLbl="alignNode1" presStyleIdx="3" presStyleCnt="8"/>
       <dgm:spPr/>
     </dgm:pt>
-    <dgm:pt modelId="{D717065B-0F83-4F4E-9ABD-430B33926980}" type="pres">
+    <dgm:pt modelId="{E26261E6-8C25-40A3-8643-67772E29A6B6}" type="pres">
       <dgm:prSet presAssocID="{55D2F2E5-1EF8-4DC0-8F01-23C7AB31DF28}" presName="horz1" presStyleCnt="0"/>
       <dgm:spPr/>
     </dgm:pt>
-    <dgm:pt modelId="{BE25C85F-1928-4E32-8A76-2318E833AFD1}" type="pres">
+    <dgm:pt modelId="{6CDFEA12-501B-47D1-A238-E16641500848}" type="pres">
       <dgm:prSet presAssocID="{55D2F2E5-1EF8-4DC0-8F01-23C7AB31DF28}" presName="tx1" presStyleLbl="revTx" presStyleIdx="3" presStyleCnt="8"/>
       <dgm:spPr/>
     </dgm:pt>
-    <dgm:pt modelId="{004251F7-A96A-489E-AA37-E72908EC261C}" type="pres">
+    <dgm:pt modelId="{FA37E2C4-6CEA-490F-8D77-13E7E3472BAC}" type="pres">
       <dgm:prSet presAssocID="{55D2F2E5-1EF8-4DC0-8F01-23C7AB31DF28}" presName="vert1" presStyleCnt="0"/>
       <dgm:spPr/>
     </dgm:pt>
-    <dgm:pt modelId="{2A91D265-EB60-4839-97E1-9AA488EA30C9}" type="pres">
+    <dgm:pt modelId="{9F587D63-3FA5-4DBA-9358-6E8280B0A899}" type="pres">
       <dgm:prSet presAssocID="{1BEA2836-562F-4D2C-AD8D-9803C71A0FC3}" presName="thickLine" presStyleLbl="alignNode1" presStyleIdx="4" presStyleCnt="8"/>
       <dgm:spPr/>
     </dgm:pt>
-    <dgm:pt modelId="{D0CBCEDF-8082-431C-A1BC-6B71A27EA7E6}" type="pres">
+    <dgm:pt modelId="{5DA6EB40-44FE-46BB-9866-B25D39547200}" type="pres">
       <dgm:prSet presAssocID="{1BEA2836-562F-4D2C-AD8D-9803C71A0FC3}" presName="horz1" presStyleCnt="0"/>
       <dgm:spPr/>
     </dgm:pt>
-    <dgm:pt modelId="{58D49E44-B802-4068-A5A6-B8D92FCBD73D}" type="pres">
+    <dgm:pt modelId="{7D4D26FA-0AA0-40FB-8AD5-BE3961E89C2F}" type="pres">
       <dgm:prSet presAssocID="{1BEA2836-562F-4D2C-AD8D-9803C71A0FC3}" presName="tx1" presStyleLbl="revTx" presStyleIdx="4" presStyleCnt="8"/>
       <dgm:spPr/>
     </dgm:pt>
-    <dgm:pt modelId="{9D950C70-0448-41CD-8542-05914837E522}" type="pres">
+    <dgm:pt modelId="{C924D7D7-C080-4382-81EE-6C472126E715}" type="pres">
       <dgm:prSet presAssocID="{1BEA2836-562F-4D2C-AD8D-9803C71A0FC3}" presName="vert1" presStyleCnt="0"/>
       <dgm:spPr/>
     </dgm:pt>
-    <dgm:pt modelId="{26C37521-C4B8-45A3-9CF4-60AA2F47B390}" type="pres">
+    <dgm:pt modelId="{9DABA41B-051B-44E8-B5B7-6BB556C2463F}" type="pres">
       <dgm:prSet presAssocID="{BAF86DD5-4441-4649-A527-F5A271ED7207}" presName="thickLine" presStyleLbl="alignNode1" presStyleIdx="5" presStyleCnt="8"/>
       <dgm:spPr/>
     </dgm:pt>
-    <dgm:pt modelId="{724D07F2-C356-4F76-BF11-D10BA38F7B85}" type="pres">
+    <dgm:pt modelId="{8C95D378-F3A2-4BB4-98D9-0002FBCD22A4}" type="pres">
       <dgm:prSet presAssocID="{BAF86DD5-4441-4649-A527-F5A271ED7207}" presName="horz1" presStyleCnt="0"/>
       <dgm:spPr/>
     </dgm:pt>
-    <dgm:pt modelId="{702A8ECA-5490-43A4-B5D7-71B908B075F6}" type="pres">
+    <dgm:pt modelId="{3EDE19F7-785B-46C9-867B-20365497F041}" type="pres">
       <dgm:prSet presAssocID="{BAF86DD5-4441-4649-A527-F5A271ED7207}" presName="tx1" presStyleLbl="revTx" presStyleIdx="5" presStyleCnt="8"/>
       <dgm:spPr/>
     </dgm:pt>
-    <dgm:pt modelId="{89C37912-17D9-4A01-816F-B5DC03B0F126}" type="pres">
+    <dgm:pt modelId="{640D77B9-8250-4095-BCCF-CBE174348BF9}" type="pres">
       <dgm:prSet presAssocID="{BAF86DD5-4441-4649-A527-F5A271ED7207}" presName="vert1" presStyleCnt="0"/>
       <dgm:spPr/>
     </dgm:pt>
-    <dgm:pt modelId="{CD1E4688-FEDC-4C75-B49B-50FAB344E5B5}" type="pres">
+    <dgm:pt modelId="{B75637E6-9869-47DC-8A6F-4C125967AF15}" type="pres">
       <dgm:prSet presAssocID="{1373AD0D-4D44-4008-9478-F9673084F9D9}" presName="thickLine" presStyleLbl="alignNode1" presStyleIdx="6" presStyleCnt="8"/>
       <dgm:spPr/>
     </dgm:pt>
-    <dgm:pt modelId="{FB5E02B1-6CC1-462B-85D1-89E6813BADDD}" type="pres">
+    <dgm:pt modelId="{0F3D1175-2464-4AC5-87FB-A002E4F0E012}" type="pres">
       <dgm:prSet presAssocID="{1373AD0D-4D44-4008-9478-F9673084F9D9}" presName="horz1" presStyleCnt="0"/>
       <dgm:spPr/>
     </dgm:pt>
-    <dgm:pt modelId="{8F900130-C9A3-4D7C-AA17-34733A33081B}" type="pres">
+    <dgm:pt modelId="{9BCB3BE5-8B53-4F87-9641-BEA6D100A0C0}" type="pres">
       <dgm:prSet presAssocID="{1373AD0D-4D44-4008-9478-F9673084F9D9}" presName="tx1" presStyleLbl="revTx" presStyleIdx="6" presStyleCnt="8"/>
       <dgm:spPr/>
     </dgm:pt>
-    <dgm:pt modelId="{65394C4B-FE56-4088-9DE7-88F685270F1B}" type="pres">
+    <dgm:pt modelId="{7D6F5F32-4AAF-4B8E-B4DA-9C22D789A0DF}" type="pres">
       <dgm:prSet presAssocID="{1373AD0D-4D44-4008-9478-F9673084F9D9}" presName="vert1" presStyleCnt="0"/>
       <dgm:spPr/>
     </dgm:pt>
-    <dgm:pt modelId="{DFC0BD0F-665D-466C-A8B1-57D9A424B7B3}" type="pres">
+    <dgm:pt modelId="{92C3B48E-1071-4772-B1F6-8414AE145A1C}" type="pres">
       <dgm:prSet presAssocID="{89828050-C15A-44D1-8038-6AD2B614E94A}" presName="thickLine" presStyleLbl="alignNode1" presStyleIdx="7" presStyleCnt="8"/>
       <dgm:spPr/>
     </dgm:pt>
-    <dgm:pt modelId="{405DC3D7-DC13-48C9-B2A7-A9D1F287F85C}" type="pres">
+    <dgm:pt modelId="{A6B2601D-D24B-40B5-B040-36D37AFE56DA}" type="pres">
       <dgm:prSet presAssocID="{89828050-C15A-44D1-8038-6AD2B614E94A}" presName="horz1" presStyleCnt="0"/>
       <dgm:spPr/>
     </dgm:pt>
-    <dgm:pt modelId="{1C20CB16-9D30-4D8A-AFB9-87A5A7E59224}" type="pres">
+    <dgm:pt modelId="{03AB9369-BB9C-4D58-96F0-F7EF9250FF4B}" type="pres">
       <dgm:prSet presAssocID="{89828050-C15A-44D1-8038-6AD2B614E94A}" presName="tx1" presStyleLbl="revTx" presStyleIdx="7" presStyleCnt="8"/>
       <dgm:spPr/>
     </dgm:pt>
-    <dgm:pt modelId="{5B9D7F78-E596-48F1-8D49-4404ACBB9BED}" type="pres">
+    <dgm:pt modelId="{81324EA6-D5E0-4AB2-9AEF-2311340583D7}" type="pres">
       <dgm:prSet presAssocID="{89828050-C15A-44D1-8038-6AD2B614E94A}" presName="vert1" presStyleCnt="0"/>
       <dgm:spPr/>
     </dgm:pt>
   </dgm:ptLst>
   <dgm:cxnLst>
     <dgm:cxn modelId="{0824E506-1803-46C8-AD24-FCBCC09A47C4}" srcId="{A293AA11-2BDA-41BC-A5A5-C7A250F96A07}" destId="{1BEA2836-562F-4D2C-AD8D-9803C71A0FC3}" srcOrd="4" destOrd="0" parTransId="{C44CE668-319B-4016-88FB-81CA489F0373}" sibTransId="{A9B10EBA-1643-4E98-9D31-F0351A802409}"/>
-    <dgm:cxn modelId="{EE803914-2159-482A-8046-C96F5D1D0F04}" type="presOf" srcId="{1BEA2836-562F-4D2C-AD8D-9803C71A0FC3}" destId="{58D49E44-B802-4068-A5A6-B8D92FCBD73D}" srcOrd="0" destOrd="0" presId="urn:microsoft.com/office/officeart/2008/layout/LinedList"/>
+    <dgm:cxn modelId="{C3801A12-7330-4D30-B607-F104EE216B9E}" type="presOf" srcId="{A293AA11-2BDA-41BC-A5A5-C7A250F96A07}" destId="{BC8A8586-C522-4DFD-B76D-AD66DBD9381B}" srcOrd="0" destOrd="0" presId="urn:microsoft.com/office/officeart/2008/layout/LinedList"/>
     <dgm:cxn modelId="{4199E818-930F-4BF3-90CD-227FE4E65DF5}" srcId="{A293AA11-2BDA-41BC-A5A5-C7A250F96A07}" destId="{443AD337-21D2-45FA-A5EE-94441A7D53D9}" srcOrd="2" destOrd="0" parTransId="{74804A30-4F24-4793-A4AA-61A00ECE091C}" sibTransId="{7D2E0245-16AB-49A9-99A1-C6904E97D539}"/>
     <dgm:cxn modelId="{662A6F21-E1AC-4B48-B13A-2E0E1B9AA290}" srcId="{A293AA11-2BDA-41BC-A5A5-C7A250F96A07}" destId="{89828050-C15A-44D1-8038-6AD2B614E94A}" srcOrd="7" destOrd="0" parTransId="{D7A6BF53-8E6A-439E-99F4-284E9A9E10C4}" sibTransId="{DD72FBE6-A2B8-478C-B168-FE963A90CEB5}"/>
-    <dgm:cxn modelId="{C2E86E32-0FB5-42C2-9F30-98819237933F}" type="presOf" srcId="{55D2F2E5-1EF8-4DC0-8F01-23C7AB31DF28}" destId="{BE25C85F-1928-4E32-8A76-2318E833AFD1}" srcOrd="0" destOrd="0" presId="urn:microsoft.com/office/officeart/2008/layout/LinedList"/>
+    <dgm:cxn modelId="{9DCB6F21-607F-43EA-B002-9BE1336FADDE}" type="presOf" srcId="{55D2F2E5-1EF8-4DC0-8F01-23C7AB31DF28}" destId="{6CDFEA12-501B-47D1-A238-E16641500848}" srcOrd="0" destOrd="0" presId="urn:microsoft.com/office/officeart/2008/layout/LinedList"/>
+    <dgm:cxn modelId="{6F2C133C-393F-40E6-94FF-FB7BB9EF3143}" type="presOf" srcId="{1BEA2836-562F-4D2C-AD8D-9803C71A0FC3}" destId="{7D4D26FA-0AA0-40FB-8AD5-BE3961E89C2F}" srcOrd="0" destOrd="0" presId="urn:microsoft.com/office/officeart/2008/layout/LinedList"/>
     <dgm:cxn modelId="{C7845B62-CBEB-4D34-982A-0D6E39C19F04}" srcId="{A293AA11-2BDA-41BC-A5A5-C7A250F96A07}" destId="{8A63E69D-C3C6-40F0-A131-C585E4B61481}" srcOrd="1" destOrd="0" parTransId="{1AC8CED0-D2C5-4E12-8041-DDD419B68FC6}" sibTransId="{810FF601-7C4E-47F2-8923-8CF080255558}"/>
     <dgm:cxn modelId="{B4DF1C44-D0A0-44E4-B2F3-1FCDAC027CF8}" srcId="{A293AA11-2BDA-41BC-A5A5-C7A250F96A07}" destId="{55D2F2E5-1EF8-4DC0-8F01-23C7AB31DF28}" srcOrd="3" destOrd="0" parTransId="{6CE37031-C455-4AA9-9EEA-93F85C996F5A}" sibTransId="{C84523F8-4796-43BC-BA9C-92F7BF4AD67F}"/>
-    <dgm:cxn modelId="{12A50C73-B22C-4588-8C25-796D077F9F6C}" type="presOf" srcId="{1373AD0D-4D44-4008-9478-F9673084F9D9}" destId="{8F900130-C9A3-4D7C-AA17-34733A33081B}" srcOrd="0" destOrd="0" presId="urn:microsoft.com/office/officeart/2008/layout/LinedList"/>
     <dgm:cxn modelId="{A2323C74-6507-413E-86FD-30F75813255A}" srcId="{A293AA11-2BDA-41BC-A5A5-C7A250F96A07}" destId="{1373AD0D-4D44-4008-9478-F9673084F9D9}" srcOrd="6" destOrd="0" parTransId="{1FC28E7A-B6E5-44F1-B3E5-B019B05CA41B}" sibTransId="{BF5D41E6-6A90-4D2A-97E5-27AC261D4B73}"/>
-    <dgm:cxn modelId="{2B3C0D88-B0BF-45B3-A227-6EC75FD166E1}" type="presOf" srcId="{8A63E69D-C3C6-40F0-A131-C585E4B61481}" destId="{F882112B-266C-4114-99A9-43B9FBF778BA}" srcOrd="0" destOrd="0" presId="urn:microsoft.com/office/officeart/2008/layout/LinedList"/>
+    <dgm:cxn modelId="{7E214E88-3CDE-4330-8355-EF4DAB9F8320}" type="presOf" srcId="{89828050-C15A-44D1-8038-6AD2B614E94A}" destId="{03AB9369-BB9C-4D58-96F0-F7EF9250FF4B}" srcOrd="0" destOrd="0" presId="urn:microsoft.com/office/officeart/2008/layout/LinedList"/>
     <dgm:cxn modelId="{3F851690-49B8-4B6B-8EE0-83D96EA9EA14}" srcId="{A293AA11-2BDA-41BC-A5A5-C7A250F96A07}" destId="{CA043E4C-5128-4A94-B842-576BC9F45DE5}" srcOrd="0" destOrd="0" parTransId="{B2BBE951-568B-4962-B760-AF13A29EAA89}" sibTransId="{1E578BA6-7A1D-454E-B89C-4D6431BC6A04}"/>
-    <dgm:cxn modelId="{5F7D7E94-AEDE-4FCF-8AE8-65F17AF11A15}" type="presOf" srcId="{CA043E4C-5128-4A94-B842-576BC9F45DE5}" destId="{791433EB-D82E-409F-B4A6-37D22ED4898A}" srcOrd="0" destOrd="0" presId="urn:microsoft.com/office/officeart/2008/layout/LinedList"/>
     <dgm:cxn modelId="{7C316D9D-6619-400C-99A9-60799172C6B8}" srcId="{A293AA11-2BDA-41BC-A5A5-C7A250F96A07}" destId="{BAF86DD5-4441-4649-A527-F5A271ED7207}" srcOrd="5" destOrd="0" parTransId="{24247150-21BE-435F-9952-4D2E1B3AD563}" sibTransId="{71CD1296-72E0-4E92-A7C3-C92E920AC60E}"/>
-    <dgm:cxn modelId="{F772FEC9-028B-495E-ADDC-D6A80CC7D50E}" type="presOf" srcId="{BAF86DD5-4441-4649-A527-F5A271ED7207}" destId="{702A8ECA-5490-43A4-B5D7-71B908B075F6}" srcOrd="0" destOrd="0" presId="urn:microsoft.com/office/officeart/2008/layout/LinedList"/>
-    <dgm:cxn modelId="{2E342EE6-7785-4E7E-8889-816F4B495AF6}" type="presOf" srcId="{A293AA11-2BDA-41BC-A5A5-C7A250F96A07}" destId="{B6497B14-D0F0-4D79-B9BF-930BAD80E0C7}" srcOrd="0" destOrd="0" presId="urn:microsoft.com/office/officeart/2008/layout/LinedList"/>
-    <dgm:cxn modelId="{C0390FFC-5C0F-4440-A1F1-2FE573238C4C}" type="presOf" srcId="{443AD337-21D2-45FA-A5EE-94441A7D53D9}" destId="{3341AE32-ED46-4909-B611-B97B55C1C46F}" srcOrd="0" destOrd="0" presId="urn:microsoft.com/office/officeart/2008/layout/LinedList"/>
-    <dgm:cxn modelId="{4957B0FD-C43C-4EC0-9E6F-60ADF703CA07}" type="presOf" srcId="{89828050-C15A-44D1-8038-6AD2B614E94A}" destId="{1C20CB16-9D30-4D8A-AFB9-87A5A7E59224}" srcOrd="0" destOrd="0" presId="urn:microsoft.com/office/officeart/2008/layout/LinedList"/>
-    <dgm:cxn modelId="{A267FCED-31F9-420E-AC46-302157AB02E9}" type="presParOf" srcId="{B6497B14-D0F0-4D79-B9BF-930BAD80E0C7}" destId="{3A1C2ADD-E07B-4E4F-A4B6-6CA3049CDF58}" srcOrd="0" destOrd="0" presId="urn:microsoft.com/office/officeart/2008/layout/LinedList"/>
-    <dgm:cxn modelId="{B1795323-EA12-46C6-898F-52034443F988}" type="presParOf" srcId="{B6497B14-D0F0-4D79-B9BF-930BAD80E0C7}" destId="{D2131C78-C293-4870-8E99-1E6E564690A7}" srcOrd="1" destOrd="0" presId="urn:microsoft.com/office/officeart/2008/layout/LinedList"/>
-    <dgm:cxn modelId="{7BB1E85D-1476-4072-87E3-87B07036CFEE}" type="presParOf" srcId="{D2131C78-C293-4870-8E99-1E6E564690A7}" destId="{791433EB-D82E-409F-B4A6-37D22ED4898A}" srcOrd="0" destOrd="0" presId="urn:microsoft.com/office/officeart/2008/layout/LinedList"/>
-    <dgm:cxn modelId="{377F38D3-40CA-41BC-9154-567E3F452860}" type="presParOf" srcId="{D2131C78-C293-4870-8E99-1E6E564690A7}" destId="{1D073527-CC45-4777-8CAF-103626C14F33}" srcOrd="1" destOrd="0" presId="urn:microsoft.com/office/officeart/2008/layout/LinedList"/>
-    <dgm:cxn modelId="{0B0E697C-381B-4FB8-AAFD-3091389C5BF8}" type="presParOf" srcId="{B6497B14-D0F0-4D79-B9BF-930BAD80E0C7}" destId="{C11A21AF-FF47-4A73-B4A6-9B39F1994EFD}" srcOrd="2" destOrd="0" presId="urn:microsoft.com/office/officeart/2008/layout/LinedList"/>
-    <dgm:cxn modelId="{21092081-CE56-4C67-A7B2-7360FC6FF115}" type="presParOf" srcId="{B6497B14-D0F0-4D79-B9BF-930BAD80E0C7}" destId="{5A2314ED-C2A9-4381-8CCA-37FD16486F15}" srcOrd="3" destOrd="0" presId="urn:microsoft.com/office/officeart/2008/layout/LinedList"/>
-    <dgm:cxn modelId="{4B1983AF-F253-441C-88A1-EBF134FE01BE}" type="presParOf" srcId="{5A2314ED-C2A9-4381-8CCA-37FD16486F15}" destId="{F882112B-266C-4114-99A9-43B9FBF778BA}" srcOrd="0" destOrd="0" presId="urn:microsoft.com/office/officeart/2008/layout/LinedList"/>
-    <dgm:cxn modelId="{28565979-5CED-4BC4-A070-ADA28B4EBADB}" type="presParOf" srcId="{5A2314ED-C2A9-4381-8CCA-37FD16486F15}" destId="{5230D7D6-A6FD-4F4B-B54A-806CC6AA9783}" srcOrd="1" destOrd="0" presId="urn:microsoft.com/office/officeart/2008/layout/LinedList"/>
-    <dgm:cxn modelId="{7C6C173B-9E3E-4623-AA63-45AFF8AF674C}" type="presParOf" srcId="{B6497B14-D0F0-4D79-B9BF-930BAD80E0C7}" destId="{A392502F-668E-495C-87BC-77382F376A80}" srcOrd="4" destOrd="0" presId="urn:microsoft.com/office/officeart/2008/layout/LinedList"/>
-    <dgm:cxn modelId="{610933EB-7871-4FF8-821D-512BB32FCDFB}" type="presParOf" srcId="{B6497B14-D0F0-4D79-B9BF-930BAD80E0C7}" destId="{AF418682-6955-45D3-8767-999FDCABF73B}" srcOrd="5" destOrd="0" presId="urn:microsoft.com/office/officeart/2008/layout/LinedList"/>
-    <dgm:cxn modelId="{5F2CCF03-AF1B-4395-A0F9-7ABD842B27DC}" type="presParOf" srcId="{AF418682-6955-45D3-8767-999FDCABF73B}" destId="{3341AE32-ED46-4909-B611-B97B55C1C46F}" srcOrd="0" destOrd="0" presId="urn:microsoft.com/office/officeart/2008/layout/LinedList"/>
-    <dgm:cxn modelId="{C443F982-00C0-4F88-8DC0-BCC0E1690489}" type="presParOf" srcId="{AF418682-6955-45D3-8767-999FDCABF73B}" destId="{D4C265E5-E798-450A-9DD1-8553FCC65E98}" srcOrd="1" destOrd="0" presId="urn:microsoft.com/office/officeart/2008/layout/LinedList"/>
-    <dgm:cxn modelId="{781E0A30-B6F4-4020-97D4-733683000341}" type="presParOf" srcId="{B6497B14-D0F0-4D79-B9BF-930BAD80E0C7}" destId="{A5483D8F-5696-45AE-B76B-AE85C036FB4F}" srcOrd="6" destOrd="0" presId="urn:microsoft.com/office/officeart/2008/layout/LinedList"/>
-    <dgm:cxn modelId="{0CD059E8-F80E-476B-A2BF-6528A5DC30F2}" type="presParOf" srcId="{B6497B14-D0F0-4D79-B9BF-930BAD80E0C7}" destId="{D717065B-0F83-4F4E-9ABD-430B33926980}" srcOrd="7" destOrd="0" presId="urn:microsoft.com/office/officeart/2008/layout/LinedList"/>
-    <dgm:cxn modelId="{265663DC-6558-490A-A663-751CC8CEED9D}" type="presParOf" srcId="{D717065B-0F83-4F4E-9ABD-430B33926980}" destId="{BE25C85F-1928-4E32-8A76-2318E833AFD1}" srcOrd="0" destOrd="0" presId="urn:microsoft.com/office/officeart/2008/layout/LinedList"/>
-    <dgm:cxn modelId="{D85EAC73-E5D4-480B-B24F-7F1494451804}" type="presParOf" srcId="{D717065B-0F83-4F4E-9ABD-430B33926980}" destId="{004251F7-A96A-489E-AA37-E72908EC261C}" srcOrd="1" destOrd="0" presId="urn:microsoft.com/office/officeart/2008/layout/LinedList"/>
-    <dgm:cxn modelId="{356EEB06-6A96-43E6-8C00-7A5E01B40079}" type="presParOf" srcId="{B6497B14-D0F0-4D79-B9BF-930BAD80E0C7}" destId="{2A91D265-EB60-4839-97E1-9AA488EA30C9}" srcOrd="8" destOrd="0" presId="urn:microsoft.com/office/officeart/2008/layout/LinedList"/>
-    <dgm:cxn modelId="{5A5FFCDD-C5E4-436F-A207-5CC82DCD57AA}" type="presParOf" srcId="{B6497B14-D0F0-4D79-B9BF-930BAD80E0C7}" destId="{D0CBCEDF-8082-431C-A1BC-6B71A27EA7E6}" srcOrd="9" destOrd="0" presId="urn:microsoft.com/office/officeart/2008/layout/LinedList"/>
-    <dgm:cxn modelId="{BC51E0EC-D792-428D-829D-3229B83FB402}" type="presParOf" srcId="{D0CBCEDF-8082-431C-A1BC-6B71A27EA7E6}" destId="{58D49E44-B802-4068-A5A6-B8D92FCBD73D}" srcOrd="0" destOrd="0" presId="urn:microsoft.com/office/officeart/2008/layout/LinedList"/>
-    <dgm:cxn modelId="{A23A2E20-F64D-436F-B7DD-90034777B889}" type="presParOf" srcId="{D0CBCEDF-8082-431C-A1BC-6B71A27EA7E6}" destId="{9D950C70-0448-41CD-8542-05914837E522}" srcOrd="1" destOrd="0" presId="urn:microsoft.com/office/officeart/2008/layout/LinedList"/>
-    <dgm:cxn modelId="{5D399A66-6333-4CA4-BC7C-32025371E029}" type="presParOf" srcId="{B6497B14-D0F0-4D79-B9BF-930BAD80E0C7}" destId="{26C37521-C4B8-45A3-9CF4-60AA2F47B390}" srcOrd="10" destOrd="0" presId="urn:microsoft.com/office/officeart/2008/layout/LinedList"/>
-    <dgm:cxn modelId="{8EB51B03-730D-4384-94C5-25FC5830F1A6}" type="presParOf" srcId="{B6497B14-D0F0-4D79-B9BF-930BAD80E0C7}" destId="{724D07F2-C356-4F76-BF11-D10BA38F7B85}" srcOrd="11" destOrd="0" presId="urn:microsoft.com/office/officeart/2008/layout/LinedList"/>
-    <dgm:cxn modelId="{D0801ED9-286D-49B1-AC9E-CCB8AACA0E97}" type="presParOf" srcId="{724D07F2-C356-4F76-BF11-D10BA38F7B85}" destId="{702A8ECA-5490-43A4-B5D7-71B908B075F6}" srcOrd="0" destOrd="0" presId="urn:microsoft.com/office/officeart/2008/layout/LinedList"/>
-    <dgm:cxn modelId="{F0A7AF7A-F903-4CB7-8AF7-E6C70A7258E4}" type="presParOf" srcId="{724D07F2-C356-4F76-BF11-D10BA38F7B85}" destId="{89C37912-17D9-4A01-816F-B5DC03B0F126}" srcOrd="1" destOrd="0" presId="urn:microsoft.com/office/officeart/2008/layout/LinedList"/>
-    <dgm:cxn modelId="{CEE5DAD1-573A-427A-B92B-3FC8C7C95311}" type="presParOf" srcId="{B6497B14-D0F0-4D79-B9BF-930BAD80E0C7}" destId="{CD1E4688-FEDC-4C75-B49B-50FAB344E5B5}" srcOrd="12" destOrd="0" presId="urn:microsoft.com/office/officeart/2008/layout/LinedList"/>
-    <dgm:cxn modelId="{EF2329C7-849F-41D8-AA60-D8D5667677BF}" type="presParOf" srcId="{B6497B14-D0F0-4D79-B9BF-930BAD80E0C7}" destId="{FB5E02B1-6CC1-462B-85D1-89E6813BADDD}" srcOrd="13" destOrd="0" presId="urn:microsoft.com/office/officeart/2008/layout/LinedList"/>
-    <dgm:cxn modelId="{8ED3F789-8691-4DB3-9FF6-5CEADF1FE8D9}" type="presParOf" srcId="{FB5E02B1-6CC1-462B-85D1-89E6813BADDD}" destId="{8F900130-C9A3-4D7C-AA17-34733A33081B}" srcOrd="0" destOrd="0" presId="urn:microsoft.com/office/officeart/2008/layout/LinedList"/>
-    <dgm:cxn modelId="{392E00F9-5798-44E1-9CCA-A04074A11012}" type="presParOf" srcId="{FB5E02B1-6CC1-462B-85D1-89E6813BADDD}" destId="{65394C4B-FE56-4088-9DE7-88F685270F1B}" srcOrd="1" destOrd="0" presId="urn:microsoft.com/office/officeart/2008/layout/LinedList"/>
-    <dgm:cxn modelId="{2AF261BA-1DEA-4DB9-A805-82EDAF9C165C}" type="presParOf" srcId="{B6497B14-D0F0-4D79-B9BF-930BAD80E0C7}" destId="{DFC0BD0F-665D-466C-A8B1-57D9A424B7B3}" srcOrd="14" destOrd="0" presId="urn:microsoft.com/office/officeart/2008/layout/LinedList"/>
-    <dgm:cxn modelId="{0AA499F9-C84C-4EF0-8BC8-A70183A5D66F}" type="presParOf" srcId="{B6497B14-D0F0-4D79-B9BF-930BAD80E0C7}" destId="{405DC3D7-DC13-48C9-B2A7-A9D1F287F85C}" srcOrd="15" destOrd="0" presId="urn:microsoft.com/office/officeart/2008/layout/LinedList"/>
-    <dgm:cxn modelId="{A4B984CD-9334-4589-B656-E3B56DC71E98}" type="presParOf" srcId="{405DC3D7-DC13-48C9-B2A7-A9D1F287F85C}" destId="{1C20CB16-9D30-4D8A-AFB9-87A5A7E59224}" srcOrd="0" destOrd="0" presId="urn:microsoft.com/office/officeart/2008/layout/LinedList"/>
-    <dgm:cxn modelId="{848FA365-B1E2-426A-B691-C963F26A0E01}" type="presParOf" srcId="{405DC3D7-DC13-48C9-B2A7-A9D1F287F85C}" destId="{5B9D7F78-E596-48F1-8D49-4404ACBB9BED}" srcOrd="1" destOrd="0" presId="urn:microsoft.com/office/officeart/2008/layout/LinedList"/>
+    <dgm:cxn modelId="{6974D8A7-CA22-4CB5-8DF0-D822B7D106B1}" type="presOf" srcId="{BAF86DD5-4441-4649-A527-F5A271ED7207}" destId="{3EDE19F7-785B-46C9-867B-20365497F041}" srcOrd="0" destOrd="0" presId="urn:microsoft.com/office/officeart/2008/layout/LinedList"/>
+    <dgm:cxn modelId="{9A45DFBE-0136-4803-A697-AB3F7DD094D6}" type="presOf" srcId="{443AD337-21D2-45FA-A5EE-94441A7D53D9}" destId="{7DA7CBEB-FE7A-42BF-98EE-7C2901C0392F}" srcOrd="0" destOrd="0" presId="urn:microsoft.com/office/officeart/2008/layout/LinedList"/>
+    <dgm:cxn modelId="{AD8568C1-3B78-45F5-97F0-443B6CE0364B}" type="presOf" srcId="{8A63E69D-C3C6-40F0-A131-C585E4B61481}" destId="{82BA063E-7CEF-419F-AFF1-F9A8FDA85C82}" srcOrd="0" destOrd="0" presId="urn:microsoft.com/office/officeart/2008/layout/LinedList"/>
+    <dgm:cxn modelId="{B1A4FDE4-1601-41D0-A88D-04D1C548945C}" type="presOf" srcId="{1373AD0D-4D44-4008-9478-F9673084F9D9}" destId="{9BCB3BE5-8B53-4F87-9641-BEA6D100A0C0}" srcOrd="0" destOrd="0" presId="urn:microsoft.com/office/officeart/2008/layout/LinedList"/>
+    <dgm:cxn modelId="{F4CFE5FD-8AE0-4779-9AAA-01B6F28DF203}" type="presOf" srcId="{CA043E4C-5128-4A94-B842-576BC9F45DE5}" destId="{803DFEEC-B050-4A83-9EDE-8DDBD5AF2944}" srcOrd="0" destOrd="0" presId="urn:microsoft.com/office/officeart/2008/layout/LinedList"/>
+    <dgm:cxn modelId="{401D2E23-C7A1-405F-AA06-DDA530970192}" type="presParOf" srcId="{BC8A8586-C522-4DFD-B76D-AD66DBD9381B}" destId="{7CA89772-E760-44B9-9320-B4E1B5CC0A8D}" srcOrd="0" destOrd="0" presId="urn:microsoft.com/office/officeart/2008/layout/LinedList"/>
+    <dgm:cxn modelId="{65FF9E0E-2BDF-4E7A-816A-E5442456DAE3}" type="presParOf" srcId="{BC8A8586-C522-4DFD-B76D-AD66DBD9381B}" destId="{1E132022-35CC-4454-B9ED-81CC25E1F183}" srcOrd="1" destOrd="0" presId="urn:microsoft.com/office/officeart/2008/layout/LinedList"/>
+    <dgm:cxn modelId="{B1E142F0-B793-4783-82A9-462471AB0968}" type="presParOf" srcId="{1E132022-35CC-4454-B9ED-81CC25E1F183}" destId="{803DFEEC-B050-4A83-9EDE-8DDBD5AF2944}" srcOrd="0" destOrd="0" presId="urn:microsoft.com/office/officeart/2008/layout/LinedList"/>
+    <dgm:cxn modelId="{A19F7586-895F-49FD-8236-3A2554C87811}" type="presParOf" srcId="{1E132022-35CC-4454-B9ED-81CC25E1F183}" destId="{5EDAA324-34D7-4794-A6A7-FD9C59FF7E31}" srcOrd="1" destOrd="0" presId="urn:microsoft.com/office/officeart/2008/layout/LinedList"/>
+    <dgm:cxn modelId="{D4A9DCC5-3F7B-4D51-BF08-EBCFF0FADC0A}" type="presParOf" srcId="{BC8A8586-C522-4DFD-B76D-AD66DBD9381B}" destId="{A6ACE0CA-D592-436D-A2EB-2C834813328D}" srcOrd="2" destOrd="0" presId="urn:microsoft.com/office/officeart/2008/layout/LinedList"/>
+    <dgm:cxn modelId="{2FBBAEFC-1DEA-4EC9-88D5-DFB2B347E90C}" type="presParOf" srcId="{BC8A8586-C522-4DFD-B76D-AD66DBD9381B}" destId="{D6F988B2-76D4-4271-B674-6EF1F4682AD8}" srcOrd="3" destOrd="0" presId="urn:microsoft.com/office/officeart/2008/layout/LinedList"/>
+    <dgm:cxn modelId="{FBA9069F-138C-4655-B159-40D2EF9E8CBF}" type="presParOf" srcId="{D6F988B2-76D4-4271-B674-6EF1F4682AD8}" destId="{82BA063E-7CEF-419F-AFF1-F9A8FDA85C82}" srcOrd="0" destOrd="0" presId="urn:microsoft.com/office/officeart/2008/layout/LinedList"/>
+    <dgm:cxn modelId="{31C28076-6EE9-4F5F-89AC-4D817FC66F25}" type="presParOf" srcId="{D6F988B2-76D4-4271-B674-6EF1F4682AD8}" destId="{FA58D983-720A-483C-96FD-A2058A5068EC}" srcOrd="1" destOrd="0" presId="urn:microsoft.com/office/officeart/2008/layout/LinedList"/>
+    <dgm:cxn modelId="{CE7297B8-8A4D-49D7-B65E-31468B673A98}" type="presParOf" srcId="{BC8A8586-C522-4DFD-B76D-AD66DBD9381B}" destId="{2C8382F4-2D66-47A3-994B-D3FAF9814337}" srcOrd="4" destOrd="0" presId="urn:microsoft.com/office/officeart/2008/layout/LinedList"/>
+    <dgm:cxn modelId="{3655C396-58BA-49DD-9311-7304DA06691F}" type="presParOf" srcId="{BC8A8586-C522-4DFD-B76D-AD66DBD9381B}" destId="{9816B161-C9BC-4CA4-8D07-D64E5A0A0DD8}" srcOrd="5" destOrd="0" presId="urn:microsoft.com/office/officeart/2008/layout/LinedList"/>
+    <dgm:cxn modelId="{0CAB4C22-2DD7-4645-A730-A265A49CDBF8}" type="presParOf" srcId="{9816B161-C9BC-4CA4-8D07-D64E5A0A0DD8}" destId="{7DA7CBEB-FE7A-42BF-98EE-7C2901C0392F}" srcOrd="0" destOrd="0" presId="urn:microsoft.com/office/officeart/2008/layout/LinedList"/>
+    <dgm:cxn modelId="{CAEFD251-90A8-4124-8E79-2E6B97985BD2}" type="presParOf" srcId="{9816B161-C9BC-4CA4-8D07-D64E5A0A0DD8}" destId="{9A0AFC91-3497-4794-8D73-C8F033FB985F}" srcOrd="1" destOrd="0" presId="urn:microsoft.com/office/officeart/2008/layout/LinedList"/>
+    <dgm:cxn modelId="{7174CAD4-515D-4632-A97B-0577BC118257}" type="presParOf" srcId="{BC8A8586-C522-4DFD-B76D-AD66DBD9381B}" destId="{8F9BFD17-F2CA-409E-AB27-BEB826AE6E92}" srcOrd="6" destOrd="0" presId="urn:microsoft.com/office/officeart/2008/layout/LinedList"/>
+    <dgm:cxn modelId="{3427CF6B-17E0-4428-A8AA-1C30AAB7485B}" type="presParOf" srcId="{BC8A8586-C522-4DFD-B76D-AD66DBD9381B}" destId="{E26261E6-8C25-40A3-8643-67772E29A6B6}" srcOrd="7" destOrd="0" presId="urn:microsoft.com/office/officeart/2008/layout/LinedList"/>
+    <dgm:cxn modelId="{16F318BC-1C88-4032-8EAD-DF98EA78388B}" type="presParOf" srcId="{E26261E6-8C25-40A3-8643-67772E29A6B6}" destId="{6CDFEA12-501B-47D1-A238-E16641500848}" srcOrd="0" destOrd="0" presId="urn:microsoft.com/office/officeart/2008/layout/LinedList"/>
+    <dgm:cxn modelId="{CBEA64BB-CD08-410C-827E-30D0F638111B}" type="presParOf" srcId="{E26261E6-8C25-40A3-8643-67772E29A6B6}" destId="{FA37E2C4-6CEA-490F-8D77-13E7E3472BAC}" srcOrd="1" destOrd="0" presId="urn:microsoft.com/office/officeart/2008/layout/LinedList"/>
+    <dgm:cxn modelId="{756F46B6-C46E-4904-BFD2-577E5436D8AF}" type="presParOf" srcId="{BC8A8586-C522-4DFD-B76D-AD66DBD9381B}" destId="{9F587D63-3FA5-4DBA-9358-6E8280B0A899}" srcOrd="8" destOrd="0" presId="urn:microsoft.com/office/officeart/2008/layout/LinedList"/>
+    <dgm:cxn modelId="{97C253F1-8A34-46D1-881A-39B59F726562}" type="presParOf" srcId="{BC8A8586-C522-4DFD-B76D-AD66DBD9381B}" destId="{5DA6EB40-44FE-46BB-9866-B25D39547200}" srcOrd="9" destOrd="0" presId="urn:microsoft.com/office/officeart/2008/layout/LinedList"/>
+    <dgm:cxn modelId="{F6801FCD-12F9-4FFC-B6B9-FE5F20A91835}" type="presParOf" srcId="{5DA6EB40-44FE-46BB-9866-B25D39547200}" destId="{7D4D26FA-0AA0-40FB-8AD5-BE3961E89C2F}" srcOrd="0" destOrd="0" presId="urn:microsoft.com/office/officeart/2008/layout/LinedList"/>
+    <dgm:cxn modelId="{C5F3C024-45AA-4E32-93CA-1333F07C8796}" type="presParOf" srcId="{5DA6EB40-44FE-46BB-9866-B25D39547200}" destId="{C924D7D7-C080-4382-81EE-6C472126E715}" srcOrd="1" destOrd="0" presId="urn:microsoft.com/office/officeart/2008/layout/LinedList"/>
+    <dgm:cxn modelId="{9BD58422-6E25-4F0E-A439-61DE16D6AD9A}" type="presParOf" srcId="{BC8A8586-C522-4DFD-B76D-AD66DBD9381B}" destId="{9DABA41B-051B-44E8-B5B7-6BB556C2463F}" srcOrd="10" destOrd="0" presId="urn:microsoft.com/office/officeart/2008/layout/LinedList"/>
+    <dgm:cxn modelId="{DFB94C47-337A-4859-90DE-2725B3F66D17}" type="presParOf" srcId="{BC8A8586-C522-4DFD-B76D-AD66DBD9381B}" destId="{8C95D378-F3A2-4BB4-98D9-0002FBCD22A4}" srcOrd="11" destOrd="0" presId="urn:microsoft.com/office/officeart/2008/layout/LinedList"/>
+    <dgm:cxn modelId="{8FBDC0C8-4EAD-47B7-8FA4-88AA0BC4ACA1}" type="presParOf" srcId="{8C95D378-F3A2-4BB4-98D9-0002FBCD22A4}" destId="{3EDE19F7-785B-46C9-867B-20365497F041}" srcOrd="0" destOrd="0" presId="urn:microsoft.com/office/officeart/2008/layout/LinedList"/>
+    <dgm:cxn modelId="{C21C534A-4E83-45B0-AB7D-A7CA35EBB5B7}" type="presParOf" srcId="{8C95D378-F3A2-4BB4-98D9-0002FBCD22A4}" destId="{640D77B9-8250-4095-BCCF-CBE174348BF9}" srcOrd="1" destOrd="0" presId="urn:microsoft.com/office/officeart/2008/layout/LinedList"/>
+    <dgm:cxn modelId="{0823514E-68A9-4B2A-A8FF-3397571C6515}" type="presParOf" srcId="{BC8A8586-C522-4DFD-B76D-AD66DBD9381B}" destId="{B75637E6-9869-47DC-8A6F-4C125967AF15}" srcOrd="12" destOrd="0" presId="urn:microsoft.com/office/officeart/2008/layout/LinedList"/>
+    <dgm:cxn modelId="{A7636BFE-D24B-4F62-BC98-8C69C26D1C46}" type="presParOf" srcId="{BC8A8586-C522-4DFD-B76D-AD66DBD9381B}" destId="{0F3D1175-2464-4AC5-87FB-A002E4F0E012}" srcOrd="13" destOrd="0" presId="urn:microsoft.com/office/officeart/2008/layout/LinedList"/>
+    <dgm:cxn modelId="{7EC756E6-1A74-4FAC-BB86-F4AE66E1D4AD}" type="presParOf" srcId="{0F3D1175-2464-4AC5-87FB-A002E4F0E012}" destId="{9BCB3BE5-8B53-4F87-9641-BEA6D100A0C0}" srcOrd="0" destOrd="0" presId="urn:microsoft.com/office/officeart/2008/layout/LinedList"/>
+    <dgm:cxn modelId="{386B6D7B-87E2-4E7A-89DF-916511E633B7}" type="presParOf" srcId="{0F3D1175-2464-4AC5-87FB-A002E4F0E012}" destId="{7D6F5F32-4AAF-4B8E-B4DA-9C22D789A0DF}" srcOrd="1" destOrd="0" presId="urn:microsoft.com/office/officeart/2008/layout/LinedList"/>
+    <dgm:cxn modelId="{0B7AC3A1-CBCD-45C4-B739-E972ED438EB1}" type="presParOf" srcId="{BC8A8586-C522-4DFD-B76D-AD66DBD9381B}" destId="{92C3B48E-1071-4772-B1F6-8414AE145A1C}" srcOrd="14" destOrd="0" presId="urn:microsoft.com/office/officeart/2008/layout/LinedList"/>
+    <dgm:cxn modelId="{BF24E2F3-E80B-4208-830B-D21E10B31F96}" type="presParOf" srcId="{BC8A8586-C522-4DFD-B76D-AD66DBD9381B}" destId="{A6B2601D-D24B-40B5-B040-36D37AFE56DA}" srcOrd="15" destOrd="0" presId="urn:microsoft.com/office/officeart/2008/layout/LinedList"/>
+    <dgm:cxn modelId="{1982947D-39D7-471D-AB2B-8F9658089620}" type="presParOf" srcId="{A6B2601D-D24B-40B5-B040-36D37AFE56DA}" destId="{03AB9369-BB9C-4D58-96F0-F7EF9250FF4B}" srcOrd="0" destOrd="0" presId="urn:microsoft.com/office/officeart/2008/layout/LinedList"/>
+    <dgm:cxn modelId="{DD0B028B-F809-49C0-B371-4266C54A4D51}" type="presParOf" srcId="{A6B2601D-D24B-40B5-B040-36D37AFE56DA}" destId="{81324EA6-D5E0-4AB2-9AEF-2311340583D7}" srcOrd="1" destOrd="0" presId="urn:microsoft.com/office/officeart/2008/layout/LinedList"/>
   </dgm:cxnLst>
   <dgm:bg/>
   <dgm:whole/>
@@ -1524,7 +1565,7 @@
       <dsp:cNvGrpSpPr/>
     </dsp:nvGrpSpPr>
     <dsp:grpSpPr/>
-    <dsp:sp modelId="{3A1C2ADD-E07B-4E4F-A4B6-6CA3049CDF58}">
+    <dsp:sp modelId="{7CA89772-E760-44B9-9320-B4E1B5CC0A8D}">
       <dsp:nvSpPr>
         <dsp:cNvPr id="0" name=""/>
         <dsp:cNvSpPr/>
@@ -1532,7 +1573,7 @@
       <dsp:spPr>
         <a:xfrm>
           <a:off x="0" y="0"/>
-          <a:ext cx="6912245" cy="0"/>
+          <a:ext cx="10233025" cy="0"/>
         </a:xfrm>
         <a:prstGeom prst="line">
           <a:avLst/>
@@ -1540,7 +1581,7 @@
         <a:gradFill rotWithShape="0">
           <a:gsLst>
             <a:gs pos="0">
-              <a:schemeClr val="accent2">
+              <a:schemeClr val="accent6">
                 <a:hueOff val="0"/>
                 <a:satOff val="0"/>
                 <a:lumOff val="0"/>
@@ -1551,7 +1592,7 @@
               </a:schemeClr>
             </a:gs>
             <a:gs pos="50000">
-              <a:schemeClr val="accent2">
+              <a:schemeClr val="accent6">
                 <a:hueOff val="0"/>
                 <a:satOff val="0"/>
                 <a:lumOff val="0"/>
@@ -1562,7 +1603,7 @@
               </a:schemeClr>
             </a:gs>
             <a:gs pos="100000">
-              <a:schemeClr val="accent2">
+              <a:schemeClr val="accent6">
                 <a:hueOff val="0"/>
                 <a:satOff val="0"/>
                 <a:lumOff val="0"/>
@@ -1577,7 +1618,7 @@
         </a:gradFill>
         <a:ln w="6350" cap="flat" cmpd="sng" algn="ctr">
           <a:solidFill>
-            <a:schemeClr val="accent2">
+            <a:schemeClr val="accent6">
               <a:hueOff val="0"/>
               <a:satOff val="0"/>
               <a:lumOff val="0"/>
@@ -1587,7 +1628,13 @@
           <a:prstDash val="solid"/>
           <a:miter lim="800000"/>
         </a:ln>
-        <a:effectLst/>
+        <a:effectLst>
+          <a:outerShdw blurRad="57150" dist="19050" dir="5400000" algn="ctr" rotWithShape="0">
+            <a:srgbClr val="000000">
+              <a:alpha val="63000"/>
+            </a:srgbClr>
+          </a:outerShdw>
+        </a:effectLst>
       </dsp:spPr>
       <dsp:style>
         <a:lnRef idx="1">
@@ -1596,7 +1643,7 @@
         <a:fillRef idx="3">
           <a:scrgbClr r="0" g="0" b="0"/>
         </a:fillRef>
-        <a:effectRef idx="2">
+        <a:effectRef idx="3">
           <a:scrgbClr r="0" g="0" b="0"/>
         </a:effectRef>
         <a:fontRef idx="minor">
@@ -1604,7 +1651,7 @@
         </a:fontRef>
       </dsp:style>
     </dsp:sp>
-    <dsp:sp modelId="{791433EB-D82E-409F-B4A6-37D22ED4898A}">
+    <dsp:sp modelId="{803DFEEC-B050-4A83-9EDE-8DDBD5AF2944}">
       <dsp:nvSpPr>
         <dsp:cNvPr id="0" name=""/>
         <dsp:cNvSpPr/>
@@ -1612,7 +1659,7 @@
       <dsp:spPr>
         <a:xfrm>
           <a:off x="0" y="0"/>
-          <a:ext cx="6912245" cy="692110"/>
+          <a:ext cx="10233025" cy="543917"/>
         </a:xfrm>
         <a:prstGeom prst="rect">
           <a:avLst/>
@@ -1636,12 +1683,12 @@
         <a:fontRef idx="minor"/>
       </dsp:style>
       <dsp:txBody>
-        <a:bodyPr spcFirstLastPara="0" vert="horz" wrap="square" lIns="99060" tIns="99060" rIns="99060" bIns="99060" numCol="1" spcCol="1270" anchor="t" anchorCtr="0">
+        <a:bodyPr spcFirstLastPara="0" vert="horz" wrap="square" lIns="95250" tIns="95250" rIns="95250" bIns="95250" numCol="1" spcCol="1270" anchor="t" anchorCtr="0">
           <a:noAutofit/>
         </a:bodyPr>
         <a:lstStyle/>
         <a:p>
-          <a:pPr marL="0" lvl="0" indent="0" algn="l" defTabSz="1155700">
+          <a:pPr marL="0" lvl="0" indent="0" algn="l" defTabSz="1111250">
             <a:lnSpc>
               <a:spcPct val="90000"/>
             </a:lnSpc>
@@ -1654,58 +1701,58 @@
             <a:buNone/>
           </a:pPr>
           <a:r>
-            <a:rPr lang="pl-PL" sz="2600" kern="1200" dirty="0" err="1"/>
+            <a:rPr lang="pl-PL" sz="2500" kern="1200" dirty="0" err="1"/>
             <a:t>Why</a:t>
           </a:r>
           <a:r>
-            <a:rPr lang="pl-PL" sz="2600" kern="1200" dirty="0"/>
+            <a:rPr lang="pl-PL" sz="2500" kern="1200" dirty="0"/>
             <a:t> </a:t>
           </a:r>
           <a:r>
-            <a:rPr lang="pl-PL" sz="2600" kern="1200" dirty="0" err="1"/>
+            <a:rPr lang="pl-PL" sz="2500" kern="1200" dirty="0" err="1"/>
             <a:t>contract</a:t>
           </a:r>
           <a:r>
-            <a:rPr lang="pl-PL" sz="2600" kern="1200" dirty="0"/>
+            <a:rPr lang="pl-PL" sz="2500" kern="1200" dirty="0"/>
             <a:t> </a:t>
           </a:r>
           <a:r>
-            <a:rPr lang="pl-PL" sz="2600" kern="1200" dirty="0" err="1"/>
+            <a:rPr lang="pl-PL" sz="2500" kern="1200" dirty="0" err="1"/>
             <a:t>distribution</a:t>
           </a:r>
           <a:r>
-            <a:rPr lang="pl-PL" sz="2600" kern="1200" dirty="0"/>
+            <a:rPr lang="pl-PL" sz="2500" kern="1200" dirty="0"/>
             <a:t> </a:t>
           </a:r>
           <a:r>
-            <a:rPr lang="pl-PL" sz="2600" kern="1200" dirty="0" err="1"/>
+            <a:rPr lang="pl-PL" sz="2500" kern="1200" dirty="0" err="1"/>
             <a:t>is</a:t>
           </a:r>
           <a:r>
-            <a:rPr lang="pl-PL" sz="2600" kern="1200" dirty="0"/>
+            <a:rPr lang="pl-PL" sz="2500" kern="1200" dirty="0"/>
             <a:t> </a:t>
           </a:r>
           <a:r>
-            <a:rPr lang="pl-PL" sz="2600" kern="1200" dirty="0" err="1"/>
+            <a:rPr lang="pl-PL" sz="2500" kern="1200" dirty="0" err="1"/>
             <a:t>important</a:t>
           </a:r>
-          <a:endParaRPr lang="en-US" sz="2600" kern="1200" dirty="0"/>
+          <a:endParaRPr lang="en-US" sz="2500" kern="1200" dirty="0"/>
         </a:p>
       </dsp:txBody>
       <dsp:txXfrm>
         <a:off x="0" y="0"/>
-        <a:ext cx="6912245" cy="692110"/>
+        <a:ext cx="10233025" cy="543917"/>
       </dsp:txXfrm>
     </dsp:sp>
-    <dsp:sp modelId="{C11A21AF-FF47-4A73-B4A6-9B39F1994EFD}">
+    <dsp:sp modelId="{A6ACE0CA-D592-436D-A2EB-2C834813328D}">
       <dsp:nvSpPr>
         <dsp:cNvPr id="0" name=""/>
         <dsp:cNvSpPr/>
       </dsp:nvSpPr>
       <dsp:spPr>
         <a:xfrm>
-          <a:off x="0" y="692110"/>
-          <a:ext cx="6912245" cy="0"/>
+          <a:off x="0" y="543917"/>
+          <a:ext cx="10233025" cy="0"/>
         </a:xfrm>
         <a:prstGeom prst="line">
           <a:avLst/>
@@ -1713,10 +1760,10 @@
         <a:gradFill rotWithShape="0">
           <a:gsLst>
             <a:gs pos="0">
-              <a:schemeClr val="accent2">
-                <a:hueOff val="-730428"/>
-                <a:satOff val="-974"/>
-                <a:lumOff val="-2913"/>
+              <a:schemeClr val="accent6">
+                <a:hueOff val="0"/>
+                <a:satOff val="0"/>
+                <a:lumOff val="0"/>
                 <a:alphaOff val="0"/>
                 <a:satMod val="103000"/>
                 <a:lumMod val="102000"/>
@@ -1724,10 +1771,10 @@
               </a:schemeClr>
             </a:gs>
             <a:gs pos="50000">
-              <a:schemeClr val="accent2">
-                <a:hueOff val="-730428"/>
-                <a:satOff val="-974"/>
-                <a:lumOff val="-2913"/>
+              <a:schemeClr val="accent6">
+                <a:hueOff val="0"/>
+                <a:satOff val="0"/>
+                <a:lumOff val="0"/>
                 <a:alphaOff val="0"/>
                 <a:satMod val="110000"/>
                 <a:lumMod val="100000"/>
@@ -1735,10 +1782,10 @@
               </a:schemeClr>
             </a:gs>
             <a:gs pos="100000">
-              <a:schemeClr val="accent2">
-                <a:hueOff val="-730428"/>
-                <a:satOff val="-974"/>
-                <a:lumOff val="-2913"/>
+              <a:schemeClr val="accent6">
+                <a:hueOff val="0"/>
+                <a:satOff val="0"/>
+                <a:lumOff val="0"/>
                 <a:alphaOff val="0"/>
                 <a:lumMod val="99000"/>
                 <a:satMod val="120000"/>
@@ -1750,17 +1797,23 @@
         </a:gradFill>
         <a:ln w="6350" cap="flat" cmpd="sng" algn="ctr">
           <a:solidFill>
-            <a:schemeClr val="accent2">
-              <a:hueOff val="-730428"/>
-              <a:satOff val="-974"/>
-              <a:lumOff val="-2913"/>
+            <a:schemeClr val="accent6">
+              <a:hueOff val="0"/>
+              <a:satOff val="0"/>
+              <a:lumOff val="0"/>
               <a:alphaOff val="0"/>
             </a:schemeClr>
           </a:solidFill>
           <a:prstDash val="solid"/>
           <a:miter lim="800000"/>
         </a:ln>
-        <a:effectLst/>
+        <a:effectLst>
+          <a:outerShdw blurRad="57150" dist="19050" dir="5400000" algn="ctr" rotWithShape="0">
+            <a:srgbClr val="000000">
+              <a:alpha val="63000"/>
+            </a:srgbClr>
+          </a:outerShdw>
+        </a:effectLst>
       </dsp:spPr>
       <dsp:style>
         <a:lnRef idx="1">
@@ -1769,7 +1822,7 @@
         <a:fillRef idx="3">
           <a:scrgbClr r="0" g="0" b="0"/>
         </a:fillRef>
-        <a:effectRef idx="2">
+        <a:effectRef idx="3">
           <a:scrgbClr r="0" g="0" b="0"/>
         </a:effectRef>
         <a:fontRef idx="minor">
@@ -1777,15 +1830,15 @@
         </a:fontRef>
       </dsp:style>
     </dsp:sp>
-    <dsp:sp modelId="{F882112B-266C-4114-99A9-43B9FBF778BA}">
+    <dsp:sp modelId="{82BA063E-7CEF-419F-AFF1-F9A8FDA85C82}">
       <dsp:nvSpPr>
         <dsp:cNvPr id="0" name=""/>
         <dsp:cNvSpPr/>
       </dsp:nvSpPr>
       <dsp:spPr>
         <a:xfrm>
-          <a:off x="0" y="692110"/>
-          <a:ext cx="6912245" cy="692110"/>
+          <a:off x="0" y="543917"/>
+          <a:ext cx="10233025" cy="543917"/>
         </a:xfrm>
         <a:prstGeom prst="rect">
           <a:avLst/>
@@ -1809,12 +1862,12 @@
         <a:fontRef idx="minor"/>
       </dsp:style>
       <dsp:txBody>
-        <a:bodyPr spcFirstLastPara="0" vert="horz" wrap="square" lIns="99060" tIns="99060" rIns="99060" bIns="99060" numCol="1" spcCol="1270" anchor="t" anchorCtr="0">
+        <a:bodyPr spcFirstLastPara="0" vert="horz" wrap="square" lIns="95250" tIns="95250" rIns="95250" bIns="95250" numCol="1" spcCol="1270" anchor="t" anchorCtr="0">
           <a:noAutofit/>
         </a:bodyPr>
         <a:lstStyle/>
         <a:p>
-          <a:pPr marL="0" lvl="0" indent="0" algn="l" defTabSz="1155700">
+          <a:pPr marL="0" lvl="0" indent="0" algn="l" defTabSz="1111250">
             <a:lnSpc>
               <a:spcPct val="90000"/>
             </a:lnSpc>
@@ -1827,42 +1880,42 @@
             <a:buNone/>
           </a:pPr>
           <a:r>
-            <a:rPr lang="pl-PL" sz="2600" kern="1200" dirty="0" err="1"/>
+            <a:rPr lang="pl-PL" sz="2500" kern="1200" dirty="0" err="1"/>
             <a:t>Differrent</a:t>
           </a:r>
           <a:r>
-            <a:rPr lang="pl-PL" sz="2600" kern="1200" dirty="0"/>
+            <a:rPr lang="pl-PL" sz="2500" kern="1200" dirty="0"/>
             <a:t> </a:t>
           </a:r>
           <a:r>
-            <a:rPr lang="pl-PL" sz="2600" kern="1200" dirty="0" err="1"/>
+            <a:rPr lang="pl-PL" sz="2500" kern="1200" dirty="0" err="1"/>
             <a:t>views</a:t>
           </a:r>
           <a:r>
-            <a:rPr lang="pl-PL" sz="2600" kern="1200" dirty="0"/>
+            <a:rPr lang="pl-PL" sz="2500" kern="1200" dirty="0"/>
             <a:t> on </a:t>
           </a:r>
           <a:r>
-            <a:rPr lang="pl-PL" sz="2600" kern="1200" dirty="0" err="1"/>
+            <a:rPr lang="pl-PL" sz="2500" kern="1200" dirty="0" err="1"/>
             <a:t>tests</a:t>
           </a:r>
-          <a:endParaRPr lang="en-US" sz="2600" kern="1200" dirty="0"/>
+          <a:endParaRPr lang="en-US" sz="2500" kern="1200" dirty="0"/>
         </a:p>
       </dsp:txBody>
       <dsp:txXfrm>
-        <a:off x="0" y="692110"/>
-        <a:ext cx="6912245" cy="692110"/>
+        <a:off x="0" y="543917"/>
+        <a:ext cx="10233025" cy="543917"/>
       </dsp:txXfrm>
     </dsp:sp>
-    <dsp:sp modelId="{A392502F-668E-495C-87BC-77382F376A80}">
+    <dsp:sp modelId="{2C8382F4-2D66-47A3-994B-D3FAF9814337}">
       <dsp:nvSpPr>
         <dsp:cNvPr id="0" name=""/>
         <dsp:cNvSpPr/>
       </dsp:nvSpPr>
       <dsp:spPr>
         <a:xfrm>
-          <a:off x="0" y="1384220"/>
-          <a:ext cx="6912245" cy="0"/>
+          <a:off x="0" y="1087834"/>
+          <a:ext cx="10233025" cy="0"/>
         </a:xfrm>
         <a:prstGeom prst="line">
           <a:avLst/>
@@ -1870,10 +1923,10 @@
         <a:gradFill rotWithShape="0">
           <a:gsLst>
             <a:gs pos="0">
-              <a:schemeClr val="accent2">
-                <a:hueOff val="-1460856"/>
-                <a:satOff val="-1949"/>
-                <a:lumOff val="-5826"/>
+              <a:schemeClr val="accent6">
+                <a:hueOff val="0"/>
+                <a:satOff val="0"/>
+                <a:lumOff val="0"/>
                 <a:alphaOff val="0"/>
                 <a:satMod val="103000"/>
                 <a:lumMod val="102000"/>
@@ -1881,10 +1934,10 @@
               </a:schemeClr>
             </a:gs>
             <a:gs pos="50000">
-              <a:schemeClr val="accent2">
-                <a:hueOff val="-1460856"/>
-                <a:satOff val="-1949"/>
-                <a:lumOff val="-5826"/>
+              <a:schemeClr val="accent6">
+                <a:hueOff val="0"/>
+                <a:satOff val="0"/>
+                <a:lumOff val="0"/>
                 <a:alphaOff val="0"/>
                 <a:satMod val="110000"/>
                 <a:lumMod val="100000"/>
@@ -1892,10 +1945,10 @@
               </a:schemeClr>
             </a:gs>
             <a:gs pos="100000">
-              <a:schemeClr val="accent2">
-                <a:hueOff val="-1460856"/>
-                <a:satOff val="-1949"/>
-                <a:lumOff val="-5826"/>
+              <a:schemeClr val="accent6">
+                <a:hueOff val="0"/>
+                <a:satOff val="0"/>
+                <a:lumOff val="0"/>
                 <a:alphaOff val="0"/>
                 <a:lumMod val="99000"/>
                 <a:satMod val="120000"/>
@@ -1907,17 +1960,23 @@
         </a:gradFill>
         <a:ln w="6350" cap="flat" cmpd="sng" algn="ctr">
           <a:solidFill>
-            <a:schemeClr val="accent2">
-              <a:hueOff val="-1460856"/>
-              <a:satOff val="-1949"/>
-              <a:lumOff val="-5826"/>
+            <a:schemeClr val="accent6">
+              <a:hueOff val="0"/>
+              <a:satOff val="0"/>
+              <a:lumOff val="0"/>
               <a:alphaOff val="0"/>
             </a:schemeClr>
           </a:solidFill>
           <a:prstDash val="solid"/>
           <a:miter lim="800000"/>
         </a:ln>
-        <a:effectLst/>
+        <a:effectLst>
+          <a:outerShdw blurRad="57150" dist="19050" dir="5400000" algn="ctr" rotWithShape="0">
+            <a:srgbClr val="000000">
+              <a:alpha val="63000"/>
+            </a:srgbClr>
+          </a:outerShdw>
+        </a:effectLst>
       </dsp:spPr>
       <dsp:style>
         <a:lnRef idx="1">
@@ -1926,7 +1985,7 @@
         <a:fillRef idx="3">
           <a:scrgbClr r="0" g="0" b="0"/>
         </a:fillRef>
-        <a:effectRef idx="2">
+        <a:effectRef idx="3">
           <a:scrgbClr r="0" g="0" b="0"/>
         </a:effectRef>
         <a:fontRef idx="minor">
@@ -1934,15 +1993,15 @@
         </a:fontRef>
       </dsp:style>
     </dsp:sp>
-    <dsp:sp modelId="{3341AE32-ED46-4909-B611-B97B55C1C46F}">
+    <dsp:sp modelId="{7DA7CBEB-FE7A-42BF-98EE-7C2901C0392F}">
       <dsp:nvSpPr>
         <dsp:cNvPr id="0" name=""/>
         <dsp:cNvSpPr/>
       </dsp:nvSpPr>
       <dsp:spPr>
         <a:xfrm>
-          <a:off x="0" y="1384220"/>
-          <a:ext cx="6912245" cy="692110"/>
+          <a:off x="0" y="1087834"/>
+          <a:ext cx="10233025" cy="543917"/>
         </a:xfrm>
         <a:prstGeom prst="rect">
           <a:avLst/>
@@ -1966,12 +2025,12 @@
         <a:fontRef idx="minor"/>
       </dsp:style>
       <dsp:txBody>
-        <a:bodyPr spcFirstLastPara="0" vert="horz" wrap="square" lIns="99060" tIns="99060" rIns="99060" bIns="99060" numCol="1" spcCol="1270" anchor="t" anchorCtr="0">
+        <a:bodyPr spcFirstLastPara="0" vert="horz" wrap="square" lIns="95250" tIns="95250" rIns="95250" bIns="95250" numCol="1" spcCol="1270" anchor="t" anchorCtr="0">
           <a:noAutofit/>
         </a:bodyPr>
         <a:lstStyle/>
         <a:p>
-          <a:pPr marL="0" lvl="0" indent="0" algn="l" defTabSz="1155700">
+          <a:pPr marL="0" lvl="0" indent="0" algn="l" defTabSz="1111250">
             <a:lnSpc>
               <a:spcPct val="90000"/>
             </a:lnSpc>
@@ -1984,58 +2043,58 @@
             <a:buNone/>
           </a:pPr>
           <a:r>
-            <a:rPr lang="pl-PL" sz="2600" kern="1200" dirty="0"/>
+            <a:rPr lang="pl-PL" sz="2500" kern="1200" dirty="0"/>
             <a:t>Interface-</a:t>
           </a:r>
           <a:r>
-            <a:rPr lang="pl-PL" sz="2600" kern="1200" dirty="0" err="1"/>
+            <a:rPr lang="pl-PL" sz="2500" kern="1200" dirty="0" err="1"/>
             <a:t>based</a:t>
           </a:r>
           <a:r>
-            <a:rPr lang="pl-PL" sz="2600" kern="1200" dirty="0"/>
+            <a:rPr lang="pl-PL" sz="2500" kern="1200" dirty="0"/>
             <a:t> </a:t>
           </a:r>
           <a:r>
-            <a:rPr lang="pl-PL" sz="2600" kern="1200" dirty="0" err="1"/>
+            <a:rPr lang="pl-PL" sz="2500" kern="1200" dirty="0" err="1"/>
             <a:t>contract</a:t>
           </a:r>
           <a:r>
-            <a:rPr lang="pl-PL" sz="2600" kern="1200" dirty="0"/>
+            <a:rPr lang="pl-PL" sz="2500" kern="1200" dirty="0"/>
             <a:t> </a:t>
           </a:r>
           <a:r>
-            <a:rPr lang="pl-PL" sz="2600" kern="1200" dirty="0" err="1"/>
+            <a:rPr lang="pl-PL" sz="2500" kern="1200" dirty="0" err="1"/>
             <a:t>distribution</a:t>
           </a:r>
           <a:r>
-            <a:rPr lang="pl-PL" sz="2600" kern="1200" dirty="0"/>
+            <a:rPr lang="pl-PL" sz="2500" kern="1200" dirty="0"/>
             <a:t> and </a:t>
           </a:r>
           <a:r>
-            <a:rPr lang="pl-PL" sz="2600" kern="1200" dirty="0" err="1"/>
+            <a:rPr lang="pl-PL" sz="2500" kern="1200" dirty="0" err="1"/>
             <a:t>testing</a:t>
           </a:r>
           <a:r>
-            <a:rPr lang="pl-PL" sz="2600" kern="1200" dirty="0"/>
+            <a:rPr lang="pl-PL" sz="2500" kern="1200" dirty="0"/>
             <a:t> </a:t>
           </a:r>
-          <a:endParaRPr lang="en-US" sz="2600" kern="1200" dirty="0"/>
+          <a:endParaRPr lang="en-US" sz="2500" kern="1200" dirty="0"/>
         </a:p>
       </dsp:txBody>
       <dsp:txXfrm>
-        <a:off x="0" y="1384220"/>
-        <a:ext cx="6912245" cy="692110"/>
+        <a:off x="0" y="1087834"/>
+        <a:ext cx="10233025" cy="543917"/>
       </dsp:txXfrm>
     </dsp:sp>
-    <dsp:sp modelId="{A5483D8F-5696-45AE-B76B-AE85C036FB4F}">
+    <dsp:sp modelId="{8F9BFD17-F2CA-409E-AB27-BEB826AE6E92}">
       <dsp:nvSpPr>
         <dsp:cNvPr id="0" name=""/>
         <dsp:cNvSpPr/>
       </dsp:nvSpPr>
       <dsp:spPr>
         <a:xfrm>
-          <a:off x="0" y="2076331"/>
-          <a:ext cx="6912245" cy="0"/>
+          <a:off x="0" y="1631751"/>
+          <a:ext cx="10233025" cy="0"/>
         </a:xfrm>
         <a:prstGeom prst="line">
           <a:avLst/>
@@ -2043,10 +2102,10 @@
         <a:gradFill rotWithShape="0">
           <a:gsLst>
             <a:gs pos="0">
-              <a:schemeClr val="accent2">
-                <a:hueOff val="-2191284"/>
-                <a:satOff val="-2923"/>
-                <a:lumOff val="-8739"/>
+              <a:schemeClr val="accent6">
+                <a:hueOff val="0"/>
+                <a:satOff val="0"/>
+                <a:lumOff val="0"/>
                 <a:alphaOff val="0"/>
                 <a:satMod val="103000"/>
                 <a:lumMod val="102000"/>
@@ -2054,10 +2113,10 @@
               </a:schemeClr>
             </a:gs>
             <a:gs pos="50000">
-              <a:schemeClr val="accent2">
-                <a:hueOff val="-2191284"/>
-                <a:satOff val="-2923"/>
-                <a:lumOff val="-8739"/>
+              <a:schemeClr val="accent6">
+                <a:hueOff val="0"/>
+                <a:satOff val="0"/>
+                <a:lumOff val="0"/>
                 <a:alphaOff val="0"/>
                 <a:satMod val="110000"/>
                 <a:lumMod val="100000"/>
@@ -2065,10 +2124,10 @@
               </a:schemeClr>
             </a:gs>
             <a:gs pos="100000">
-              <a:schemeClr val="accent2">
-                <a:hueOff val="-2191284"/>
-                <a:satOff val="-2923"/>
-                <a:lumOff val="-8739"/>
+              <a:schemeClr val="accent6">
+                <a:hueOff val="0"/>
+                <a:satOff val="0"/>
+                <a:lumOff val="0"/>
                 <a:alphaOff val="0"/>
                 <a:lumMod val="99000"/>
                 <a:satMod val="120000"/>
@@ -2080,17 +2139,23 @@
         </a:gradFill>
         <a:ln w="6350" cap="flat" cmpd="sng" algn="ctr">
           <a:solidFill>
-            <a:schemeClr val="accent2">
-              <a:hueOff val="-2191284"/>
-              <a:satOff val="-2923"/>
-              <a:lumOff val="-8739"/>
+            <a:schemeClr val="accent6">
+              <a:hueOff val="0"/>
+              <a:satOff val="0"/>
+              <a:lumOff val="0"/>
               <a:alphaOff val="0"/>
             </a:schemeClr>
           </a:solidFill>
           <a:prstDash val="solid"/>
           <a:miter lim="800000"/>
         </a:ln>
-        <a:effectLst/>
+        <a:effectLst>
+          <a:outerShdw blurRad="57150" dist="19050" dir="5400000" algn="ctr" rotWithShape="0">
+            <a:srgbClr val="000000">
+              <a:alpha val="63000"/>
+            </a:srgbClr>
+          </a:outerShdw>
+        </a:effectLst>
       </dsp:spPr>
       <dsp:style>
         <a:lnRef idx="1">
@@ -2099,7 +2164,7 @@
         <a:fillRef idx="3">
           <a:scrgbClr r="0" g="0" b="0"/>
         </a:fillRef>
-        <a:effectRef idx="2">
+        <a:effectRef idx="3">
           <a:scrgbClr r="0" g="0" b="0"/>
         </a:effectRef>
         <a:fontRef idx="minor">
@@ -2107,15 +2172,15 @@
         </a:fontRef>
       </dsp:style>
     </dsp:sp>
-    <dsp:sp modelId="{BE25C85F-1928-4E32-8A76-2318E833AFD1}">
+    <dsp:sp modelId="{6CDFEA12-501B-47D1-A238-E16641500848}">
       <dsp:nvSpPr>
         <dsp:cNvPr id="0" name=""/>
         <dsp:cNvSpPr/>
       </dsp:nvSpPr>
       <dsp:spPr>
         <a:xfrm>
-          <a:off x="0" y="2076331"/>
-          <a:ext cx="6912245" cy="692110"/>
+          <a:off x="0" y="1631751"/>
+          <a:ext cx="10233025" cy="543917"/>
         </a:xfrm>
         <a:prstGeom prst="rect">
           <a:avLst/>
@@ -2139,12 +2204,12 @@
         <a:fontRef idx="minor"/>
       </dsp:style>
       <dsp:txBody>
-        <a:bodyPr spcFirstLastPara="0" vert="horz" wrap="square" lIns="99060" tIns="99060" rIns="99060" bIns="99060" numCol="1" spcCol="1270" anchor="t" anchorCtr="0">
+        <a:bodyPr spcFirstLastPara="0" vert="horz" wrap="square" lIns="95250" tIns="95250" rIns="95250" bIns="95250" numCol="1" spcCol="1270" anchor="t" anchorCtr="0">
           <a:noAutofit/>
         </a:bodyPr>
         <a:lstStyle/>
         <a:p>
-          <a:pPr marL="0" lvl="0" indent="0" algn="l" defTabSz="1155700">
+          <a:pPr marL="0" lvl="0" indent="0" algn="l" defTabSz="1111250">
             <a:lnSpc>
               <a:spcPct val="90000"/>
             </a:lnSpc>
@@ -2157,26 +2222,54 @@
             <a:buNone/>
           </a:pPr>
           <a:r>
-            <a:rPr lang="pl-PL" sz="2600" kern="1200"/>
-            <a:t>DTO-based contract distribution and testing</a:t>
+            <a:rPr lang="pl-PL" sz="2500" kern="1200" dirty="0"/>
+            <a:t>DTO-</a:t>
           </a:r>
-          <a:endParaRPr lang="en-US" sz="2600" kern="1200"/>
+          <a:r>
+            <a:rPr lang="pl-PL" sz="2500" kern="1200" dirty="0" err="1"/>
+            <a:t>based</a:t>
+          </a:r>
+          <a:r>
+            <a:rPr lang="pl-PL" sz="2500" kern="1200" dirty="0"/>
+            <a:t> </a:t>
+          </a:r>
+          <a:r>
+            <a:rPr lang="pl-PL" sz="2500" kern="1200" dirty="0" err="1"/>
+            <a:t>contract</a:t>
+          </a:r>
+          <a:r>
+            <a:rPr lang="pl-PL" sz="2500" kern="1200" dirty="0"/>
+            <a:t> </a:t>
+          </a:r>
+          <a:r>
+            <a:rPr lang="pl-PL" sz="2500" kern="1200" dirty="0" err="1"/>
+            <a:t>distribution</a:t>
+          </a:r>
+          <a:r>
+            <a:rPr lang="pl-PL" sz="2500" kern="1200" dirty="0"/>
+            <a:t> and </a:t>
+          </a:r>
+          <a:r>
+            <a:rPr lang="pl-PL" sz="2500" kern="1200" dirty="0" err="1"/>
+            <a:t>testing</a:t>
+          </a:r>
+          <a:endParaRPr lang="en-US" sz="2500" kern="1200" dirty="0"/>
         </a:p>
       </dsp:txBody>
       <dsp:txXfrm>
-        <a:off x="0" y="2076331"/>
-        <a:ext cx="6912245" cy="692110"/>
+        <a:off x="0" y="1631751"/>
+        <a:ext cx="10233025" cy="543917"/>
       </dsp:txXfrm>
     </dsp:sp>
-    <dsp:sp modelId="{2A91D265-EB60-4839-97E1-9AA488EA30C9}">
+    <dsp:sp modelId="{9F587D63-3FA5-4DBA-9358-6E8280B0A899}">
       <dsp:nvSpPr>
         <dsp:cNvPr id="0" name=""/>
         <dsp:cNvSpPr/>
       </dsp:nvSpPr>
       <dsp:spPr>
         <a:xfrm>
-          <a:off x="0" y="2768441"/>
-          <a:ext cx="6912245" cy="0"/>
+          <a:off x="0" y="2175669"/>
+          <a:ext cx="10233025" cy="0"/>
         </a:xfrm>
         <a:prstGeom prst="line">
           <a:avLst/>
@@ -2184,10 +2277,10 @@
         <a:gradFill rotWithShape="0">
           <a:gsLst>
             <a:gs pos="0">
-              <a:schemeClr val="accent2">
-                <a:hueOff val="-2921713"/>
-                <a:satOff val="-3897"/>
-                <a:lumOff val="-11653"/>
+              <a:schemeClr val="accent6">
+                <a:hueOff val="0"/>
+                <a:satOff val="0"/>
+                <a:lumOff val="0"/>
                 <a:alphaOff val="0"/>
                 <a:satMod val="103000"/>
                 <a:lumMod val="102000"/>
@@ -2195,10 +2288,10 @@
               </a:schemeClr>
             </a:gs>
             <a:gs pos="50000">
-              <a:schemeClr val="accent2">
-                <a:hueOff val="-2921713"/>
-                <a:satOff val="-3897"/>
-                <a:lumOff val="-11653"/>
+              <a:schemeClr val="accent6">
+                <a:hueOff val="0"/>
+                <a:satOff val="0"/>
+                <a:lumOff val="0"/>
                 <a:alphaOff val="0"/>
                 <a:satMod val="110000"/>
                 <a:lumMod val="100000"/>
@@ -2206,10 +2299,10 @@
               </a:schemeClr>
             </a:gs>
             <a:gs pos="100000">
-              <a:schemeClr val="accent2">
-                <a:hueOff val="-2921713"/>
-                <a:satOff val="-3897"/>
-                <a:lumOff val="-11653"/>
+              <a:schemeClr val="accent6">
+                <a:hueOff val="0"/>
+                <a:satOff val="0"/>
+                <a:lumOff val="0"/>
                 <a:alphaOff val="0"/>
                 <a:lumMod val="99000"/>
                 <a:satMod val="120000"/>
@@ -2221,17 +2314,23 @@
         </a:gradFill>
         <a:ln w="6350" cap="flat" cmpd="sng" algn="ctr">
           <a:solidFill>
-            <a:schemeClr val="accent2">
-              <a:hueOff val="-2921713"/>
-              <a:satOff val="-3897"/>
-              <a:lumOff val="-11653"/>
+            <a:schemeClr val="accent6">
+              <a:hueOff val="0"/>
+              <a:satOff val="0"/>
+              <a:lumOff val="0"/>
               <a:alphaOff val="0"/>
             </a:schemeClr>
           </a:solidFill>
           <a:prstDash val="solid"/>
           <a:miter lim="800000"/>
         </a:ln>
-        <a:effectLst/>
+        <a:effectLst>
+          <a:outerShdw blurRad="57150" dist="19050" dir="5400000" algn="ctr" rotWithShape="0">
+            <a:srgbClr val="000000">
+              <a:alpha val="63000"/>
+            </a:srgbClr>
+          </a:outerShdw>
+        </a:effectLst>
       </dsp:spPr>
       <dsp:style>
         <a:lnRef idx="1">
@@ -2240,7 +2339,7 @@
         <a:fillRef idx="3">
           <a:scrgbClr r="0" g="0" b="0"/>
         </a:fillRef>
-        <a:effectRef idx="2">
+        <a:effectRef idx="3">
           <a:scrgbClr r="0" g="0" b="0"/>
         </a:effectRef>
         <a:fontRef idx="minor">
@@ -2248,15 +2347,15 @@
         </a:fontRef>
       </dsp:style>
     </dsp:sp>
-    <dsp:sp modelId="{58D49E44-B802-4068-A5A6-B8D92FCBD73D}">
+    <dsp:sp modelId="{7D4D26FA-0AA0-40FB-8AD5-BE3961E89C2F}">
       <dsp:nvSpPr>
         <dsp:cNvPr id="0" name=""/>
         <dsp:cNvSpPr/>
       </dsp:nvSpPr>
       <dsp:spPr>
         <a:xfrm>
-          <a:off x="0" y="2768441"/>
-          <a:ext cx="6912245" cy="692110"/>
+          <a:off x="0" y="2175669"/>
+          <a:ext cx="10233025" cy="543917"/>
         </a:xfrm>
         <a:prstGeom prst="rect">
           <a:avLst/>
@@ -2280,12 +2379,12 @@
         <a:fontRef idx="minor"/>
       </dsp:style>
       <dsp:txBody>
-        <a:bodyPr spcFirstLastPara="0" vert="horz" wrap="square" lIns="99060" tIns="99060" rIns="99060" bIns="99060" numCol="1" spcCol="1270" anchor="t" anchorCtr="0">
+        <a:bodyPr spcFirstLastPara="0" vert="horz" wrap="square" lIns="95250" tIns="95250" rIns="95250" bIns="95250" numCol="1" spcCol="1270" anchor="t" anchorCtr="0">
           <a:noAutofit/>
         </a:bodyPr>
         <a:lstStyle/>
         <a:p>
-          <a:pPr marL="0" lvl="0" indent="0" algn="l" defTabSz="1155700">
+          <a:pPr marL="0" lvl="0" indent="0" algn="l" defTabSz="1111250">
             <a:lnSpc>
               <a:spcPct val="90000"/>
             </a:lnSpc>
@@ -2298,26 +2397,50 @@
             <a:buNone/>
           </a:pPr>
           <a:r>
-            <a:rPr lang="pl-PL" sz="2600" kern="1200"/>
-            <a:t>OpenAPI contract distribution and testing</a:t>
+            <a:rPr lang="pl-PL" sz="2500" kern="1200" dirty="0" err="1"/>
+            <a:t>OpenAPI</a:t>
           </a:r>
-          <a:endParaRPr lang="en-US" sz="2600" kern="1200"/>
+          <a:r>
+            <a:rPr lang="pl-PL" sz="2500" kern="1200" dirty="0"/>
+            <a:t> </a:t>
+          </a:r>
+          <a:r>
+            <a:rPr lang="pl-PL" sz="2500" kern="1200" dirty="0" err="1"/>
+            <a:t>contract</a:t>
+          </a:r>
+          <a:r>
+            <a:rPr lang="pl-PL" sz="2500" kern="1200" dirty="0"/>
+            <a:t> </a:t>
+          </a:r>
+          <a:r>
+            <a:rPr lang="pl-PL" sz="2500" kern="1200" dirty="0" err="1"/>
+            <a:t>distribution</a:t>
+          </a:r>
+          <a:r>
+            <a:rPr lang="pl-PL" sz="2500" kern="1200" dirty="0"/>
+            <a:t> and </a:t>
+          </a:r>
+          <a:r>
+            <a:rPr lang="pl-PL" sz="2500" kern="1200" dirty="0" err="1"/>
+            <a:t>testing</a:t>
+          </a:r>
+          <a:endParaRPr lang="en-US" sz="2500" kern="1200" dirty="0"/>
         </a:p>
       </dsp:txBody>
       <dsp:txXfrm>
-        <a:off x="0" y="2768441"/>
-        <a:ext cx="6912245" cy="692110"/>
+        <a:off x="0" y="2175669"/>
+        <a:ext cx="10233025" cy="543917"/>
       </dsp:txXfrm>
     </dsp:sp>
-    <dsp:sp modelId="{26C37521-C4B8-45A3-9CF4-60AA2F47B390}">
+    <dsp:sp modelId="{9DABA41B-051B-44E8-B5B7-6BB556C2463F}">
       <dsp:nvSpPr>
         <dsp:cNvPr id="0" name=""/>
         <dsp:cNvSpPr/>
       </dsp:nvSpPr>
       <dsp:spPr>
         <a:xfrm>
-          <a:off x="0" y="3460551"/>
-          <a:ext cx="6912245" cy="0"/>
+          <a:off x="0" y="2719586"/>
+          <a:ext cx="10233025" cy="0"/>
         </a:xfrm>
         <a:prstGeom prst="line">
           <a:avLst/>
@@ -2325,10 +2448,10 @@
         <a:gradFill rotWithShape="0">
           <a:gsLst>
             <a:gs pos="0">
-              <a:schemeClr val="accent2">
-                <a:hueOff val="-3652141"/>
-                <a:satOff val="-4871"/>
-                <a:lumOff val="-14566"/>
+              <a:schemeClr val="accent6">
+                <a:hueOff val="0"/>
+                <a:satOff val="0"/>
+                <a:lumOff val="0"/>
                 <a:alphaOff val="0"/>
                 <a:satMod val="103000"/>
                 <a:lumMod val="102000"/>
@@ -2336,10 +2459,10 @@
               </a:schemeClr>
             </a:gs>
             <a:gs pos="50000">
-              <a:schemeClr val="accent2">
-                <a:hueOff val="-3652141"/>
-                <a:satOff val="-4871"/>
-                <a:lumOff val="-14566"/>
+              <a:schemeClr val="accent6">
+                <a:hueOff val="0"/>
+                <a:satOff val="0"/>
+                <a:lumOff val="0"/>
                 <a:alphaOff val="0"/>
                 <a:satMod val="110000"/>
                 <a:lumMod val="100000"/>
@@ -2347,10 +2470,10 @@
               </a:schemeClr>
             </a:gs>
             <a:gs pos="100000">
-              <a:schemeClr val="accent2">
-                <a:hueOff val="-3652141"/>
-                <a:satOff val="-4871"/>
-                <a:lumOff val="-14566"/>
+              <a:schemeClr val="accent6">
+                <a:hueOff val="0"/>
+                <a:satOff val="0"/>
+                <a:lumOff val="0"/>
                 <a:alphaOff val="0"/>
                 <a:lumMod val="99000"/>
                 <a:satMod val="120000"/>
@@ -2362,17 +2485,23 @@
         </a:gradFill>
         <a:ln w="6350" cap="flat" cmpd="sng" algn="ctr">
           <a:solidFill>
-            <a:schemeClr val="accent2">
-              <a:hueOff val="-3652141"/>
-              <a:satOff val="-4871"/>
-              <a:lumOff val="-14566"/>
+            <a:schemeClr val="accent6">
+              <a:hueOff val="0"/>
+              <a:satOff val="0"/>
+              <a:lumOff val="0"/>
               <a:alphaOff val="0"/>
             </a:schemeClr>
           </a:solidFill>
           <a:prstDash val="solid"/>
           <a:miter lim="800000"/>
         </a:ln>
-        <a:effectLst/>
+        <a:effectLst>
+          <a:outerShdw blurRad="57150" dist="19050" dir="5400000" algn="ctr" rotWithShape="0">
+            <a:srgbClr val="000000">
+              <a:alpha val="63000"/>
+            </a:srgbClr>
+          </a:outerShdw>
+        </a:effectLst>
       </dsp:spPr>
       <dsp:style>
         <a:lnRef idx="1">
@@ -2381,7 +2510,7 @@
         <a:fillRef idx="3">
           <a:scrgbClr r="0" g="0" b="0"/>
         </a:fillRef>
-        <a:effectRef idx="2">
+        <a:effectRef idx="3">
           <a:scrgbClr r="0" g="0" b="0"/>
         </a:effectRef>
         <a:fontRef idx="minor">
@@ -2389,15 +2518,15 @@
         </a:fontRef>
       </dsp:style>
     </dsp:sp>
-    <dsp:sp modelId="{702A8ECA-5490-43A4-B5D7-71B908B075F6}">
+    <dsp:sp modelId="{3EDE19F7-785B-46C9-867B-20365497F041}">
       <dsp:nvSpPr>
         <dsp:cNvPr id="0" name=""/>
         <dsp:cNvSpPr/>
       </dsp:nvSpPr>
       <dsp:spPr>
         <a:xfrm>
-          <a:off x="0" y="3460551"/>
-          <a:ext cx="6912245" cy="692110"/>
+          <a:off x="0" y="2719586"/>
+          <a:ext cx="10233025" cy="543917"/>
         </a:xfrm>
         <a:prstGeom prst="rect">
           <a:avLst/>
@@ -2421,12 +2550,12 @@
         <a:fontRef idx="minor"/>
       </dsp:style>
       <dsp:txBody>
-        <a:bodyPr spcFirstLastPara="0" vert="horz" wrap="square" lIns="99060" tIns="99060" rIns="99060" bIns="99060" numCol="1" spcCol="1270" anchor="t" anchorCtr="0">
+        <a:bodyPr spcFirstLastPara="0" vert="horz" wrap="square" lIns="95250" tIns="95250" rIns="95250" bIns="95250" numCol="1" spcCol="1270" anchor="t" anchorCtr="0">
           <a:noAutofit/>
         </a:bodyPr>
         <a:lstStyle/>
         <a:p>
-          <a:pPr marL="0" lvl="0" indent="0" algn="l" defTabSz="1155700">
+          <a:pPr marL="0" lvl="0" indent="0" algn="l" defTabSz="1111250">
             <a:lnSpc>
               <a:spcPct val="90000"/>
             </a:lnSpc>
@@ -2439,26 +2568,38 @@
             <a:buNone/>
           </a:pPr>
           <a:r>
-            <a:rPr lang="pl-PL" sz="2600" kern="1200"/>
-            <a:t>Special service dependency considerations</a:t>
+            <a:rPr lang="pl-PL" sz="2500" kern="1200" dirty="0"/>
+            <a:t>Special service </a:t>
           </a:r>
-          <a:endParaRPr lang="en-US" sz="2600" kern="1200"/>
+          <a:r>
+            <a:rPr lang="pl-PL" sz="2500" kern="1200" dirty="0" err="1"/>
+            <a:t>dependency</a:t>
+          </a:r>
+          <a:r>
+            <a:rPr lang="pl-PL" sz="2500" kern="1200" dirty="0"/>
+            <a:t> </a:t>
+          </a:r>
+          <a:r>
+            <a:rPr lang="pl-PL" sz="2500" kern="1200" dirty="0" err="1"/>
+            <a:t>considerations</a:t>
+          </a:r>
+          <a:endParaRPr lang="en-US" sz="2500" kern="1200" dirty="0"/>
         </a:p>
       </dsp:txBody>
       <dsp:txXfrm>
-        <a:off x="0" y="3460551"/>
-        <a:ext cx="6912245" cy="692110"/>
+        <a:off x="0" y="2719586"/>
+        <a:ext cx="10233025" cy="543917"/>
       </dsp:txXfrm>
     </dsp:sp>
-    <dsp:sp modelId="{CD1E4688-FEDC-4C75-B49B-50FAB344E5B5}">
+    <dsp:sp modelId="{B75637E6-9869-47DC-8A6F-4C125967AF15}">
       <dsp:nvSpPr>
         <dsp:cNvPr id="0" name=""/>
         <dsp:cNvSpPr/>
       </dsp:nvSpPr>
       <dsp:spPr>
         <a:xfrm>
-          <a:off x="0" y="4152662"/>
-          <a:ext cx="6912245" cy="0"/>
+          <a:off x="0" y="3263503"/>
+          <a:ext cx="10233025" cy="0"/>
         </a:xfrm>
         <a:prstGeom prst="line">
           <a:avLst/>
@@ -2466,10 +2607,10 @@
         <a:gradFill rotWithShape="0">
           <a:gsLst>
             <a:gs pos="0">
-              <a:schemeClr val="accent2">
-                <a:hueOff val="-4382569"/>
-                <a:satOff val="-5846"/>
-                <a:lumOff val="-17479"/>
+              <a:schemeClr val="accent6">
+                <a:hueOff val="0"/>
+                <a:satOff val="0"/>
+                <a:lumOff val="0"/>
                 <a:alphaOff val="0"/>
                 <a:satMod val="103000"/>
                 <a:lumMod val="102000"/>
@@ -2477,10 +2618,10 @@
               </a:schemeClr>
             </a:gs>
             <a:gs pos="50000">
-              <a:schemeClr val="accent2">
-                <a:hueOff val="-4382569"/>
-                <a:satOff val="-5846"/>
-                <a:lumOff val="-17479"/>
+              <a:schemeClr val="accent6">
+                <a:hueOff val="0"/>
+                <a:satOff val="0"/>
+                <a:lumOff val="0"/>
                 <a:alphaOff val="0"/>
                 <a:satMod val="110000"/>
                 <a:lumMod val="100000"/>
@@ -2488,10 +2629,10 @@
               </a:schemeClr>
             </a:gs>
             <a:gs pos="100000">
-              <a:schemeClr val="accent2">
-                <a:hueOff val="-4382569"/>
-                <a:satOff val="-5846"/>
-                <a:lumOff val="-17479"/>
+              <a:schemeClr val="accent6">
+                <a:hueOff val="0"/>
+                <a:satOff val="0"/>
+                <a:lumOff val="0"/>
                 <a:alphaOff val="0"/>
                 <a:lumMod val="99000"/>
                 <a:satMod val="120000"/>
@@ -2503,17 +2644,23 @@
         </a:gradFill>
         <a:ln w="6350" cap="flat" cmpd="sng" algn="ctr">
           <a:solidFill>
-            <a:schemeClr val="accent2">
-              <a:hueOff val="-4382569"/>
-              <a:satOff val="-5846"/>
-              <a:lumOff val="-17479"/>
+            <a:schemeClr val="accent6">
+              <a:hueOff val="0"/>
+              <a:satOff val="0"/>
+              <a:lumOff val="0"/>
               <a:alphaOff val="0"/>
             </a:schemeClr>
           </a:solidFill>
           <a:prstDash val="solid"/>
           <a:miter lim="800000"/>
         </a:ln>
-        <a:effectLst/>
+        <a:effectLst>
+          <a:outerShdw blurRad="57150" dist="19050" dir="5400000" algn="ctr" rotWithShape="0">
+            <a:srgbClr val="000000">
+              <a:alpha val="63000"/>
+            </a:srgbClr>
+          </a:outerShdw>
+        </a:effectLst>
       </dsp:spPr>
       <dsp:style>
         <a:lnRef idx="1">
@@ -2522,7 +2669,7 @@
         <a:fillRef idx="3">
           <a:scrgbClr r="0" g="0" b="0"/>
         </a:fillRef>
-        <a:effectRef idx="2">
+        <a:effectRef idx="3">
           <a:scrgbClr r="0" g="0" b="0"/>
         </a:effectRef>
         <a:fontRef idx="minor">
@@ -2530,15 +2677,15 @@
         </a:fontRef>
       </dsp:style>
     </dsp:sp>
-    <dsp:sp modelId="{8F900130-C9A3-4D7C-AA17-34733A33081B}">
+    <dsp:sp modelId="{9BCB3BE5-8B53-4F87-9641-BEA6D100A0C0}">
       <dsp:nvSpPr>
         <dsp:cNvPr id="0" name=""/>
         <dsp:cNvSpPr/>
       </dsp:nvSpPr>
       <dsp:spPr>
         <a:xfrm>
-          <a:off x="0" y="4152662"/>
-          <a:ext cx="6912245" cy="692110"/>
+          <a:off x="0" y="3263503"/>
+          <a:ext cx="10233025" cy="543917"/>
         </a:xfrm>
         <a:prstGeom prst="rect">
           <a:avLst/>
@@ -2562,12 +2709,12 @@
         <a:fontRef idx="minor"/>
       </dsp:style>
       <dsp:txBody>
-        <a:bodyPr spcFirstLastPara="0" vert="horz" wrap="square" lIns="99060" tIns="99060" rIns="99060" bIns="99060" numCol="1" spcCol="1270" anchor="t" anchorCtr="0">
+        <a:bodyPr spcFirstLastPara="0" vert="horz" wrap="square" lIns="95250" tIns="95250" rIns="95250" bIns="95250" numCol="1" spcCol="1270" anchor="t" anchorCtr="0">
           <a:noAutofit/>
         </a:bodyPr>
         <a:lstStyle/>
         <a:p>
-          <a:pPr marL="0" lvl="0" indent="0" algn="l" defTabSz="1155700">
+          <a:pPr marL="0" lvl="0" indent="0" algn="l" defTabSz="1111250">
             <a:lnSpc>
               <a:spcPct val="90000"/>
             </a:lnSpc>
@@ -2580,26 +2727,38 @@
             <a:buNone/>
           </a:pPr>
           <a:r>
-            <a:rPr lang="pl-PL" sz="2600" kern="1200"/>
-            <a:t>Non-REST contract distribution</a:t>
+            <a:rPr lang="pl-PL" sz="2500" kern="1200" dirty="0"/>
+            <a:t>Non-REST </a:t>
           </a:r>
-          <a:endParaRPr lang="en-US" sz="2600" kern="1200"/>
+          <a:r>
+            <a:rPr lang="pl-PL" sz="2500" kern="1200" dirty="0" err="1"/>
+            <a:t>contract</a:t>
+          </a:r>
+          <a:r>
+            <a:rPr lang="pl-PL" sz="2500" kern="1200" dirty="0"/>
+            <a:t> </a:t>
+          </a:r>
+          <a:r>
+            <a:rPr lang="pl-PL" sz="2500" kern="1200" dirty="0" err="1"/>
+            <a:t>distribution</a:t>
+          </a:r>
+          <a:endParaRPr lang="en-US" sz="2500" kern="1200" dirty="0"/>
         </a:p>
       </dsp:txBody>
       <dsp:txXfrm>
-        <a:off x="0" y="4152662"/>
-        <a:ext cx="6912245" cy="692110"/>
+        <a:off x="0" y="3263503"/>
+        <a:ext cx="10233025" cy="543917"/>
       </dsp:txXfrm>
     </dsp:sp>
-    <dsp:sp modelId="{DFC0BD0F-665D-466C-A8B1-57D9A424B7B3}">
+    <dsp:sp modelId="{92C3B48E-1071-4772-B1F6-8414AE145A1C}">
       <dsp:nvSpPr>
         <dsp:cNvPr id="0" name=""/>
         <dsp:cNvSpPr/>
       </dsp:nvSpPr>
       <dsp:spPr>
         <a:xfrm>
-          <a:off x="0" y="4844772"/>
-          <a:ext cx="6912245" cy="0"/>
+          <a:off x="0" y="3807420"/>
+          <a:ext cx="10233025" cy="0"/>
         </a:xfrm>
         <a:prstGeom prst="line">
           <a:avLst/>
@@ -2607,10 +2766,10 @@
         <a:gradFill rotWithShape="0">
           <a:gsLst>
             <a:gs pos="0">
-              <a:schemeClr val="accent2">
-                <a:hueOff val="-5112997"/>
-                <a:satOff val="-6820"/>
-                <a:lumOff val="-20392"/>
+              <a:schemeClr val="accent6">
+                <a:hueOff val="0"/>
+                <a:satOff val="0"/>
+                <a:lumOff val="0"/>
                 <a:alphaOff val="0"/>
                 <a:satMod val="103000"/>
                 <a:lumMod val="102000"/>
@@ -2618,10 +2777,10 @@
               </a:schemeClr>
             </a:gs>
             <a:gs pos="50000">
-              <a:schemeClr val="accent2">
-                <a:hueOff val="-5112997"/>
-                <a:satOff val="-6820"/>
-                <a:lumOff val="-20392"/>
+              <a:schemeClr val="accent6">
+                <a:hueOff val="0"/>
+                <a:satOff val="0"/>
+                <a:lumOff val="0"/>
                 <a:alphaOff val="0"/>
                 <a:satMod val="110000"/>
                 <a:lumMod val="100000"/>
@@ -2629,10 +2788,10 @@
               </a:schemeClr>
             </a:gs>
             <a:gs pos="100000">
-              <a:schemeClr val="accent2">
-                <a:hueOff val="-5112997"/>
-                <a:satOff val="-6820"/>
-                <a:lumOff val="-20392"/>
+              <a:schemeClr val="accent6">
+                <a:hueOff val="0"/>
+                <a:satOff val="0"/>
+                <a:lumOff val="0"/>
                 <a:alphaOff val="0"/>
                 <a:lumMod val="99000"/>
                 <a:satMod val="120000"/>
@@ -2644,17 +2803,23 @@
         </a:gradFill>
         <a:ln w="6350" cap="flat" cmpd="sng" algn="ctr">
           <a:solidFill>
-            <a:schemeClr val="accent2">
-              <a:hueOff val="-5112997"/>
-              <a:satOff val="-6820"/>
-              <a:lumOff val="-20392"/>
+            <a:schemeClr val="accent6">
+              <a:hueOff val="0"/>
+              <a:satOff val="0"/>
+              <a:lumOff val="0"/>
               <a:alphaOff val="0"/>
             </a:schemeClr>
           </a:solidFill>
           <a:prstDash val="solid"/>
           <a:miter lim="800000"/>
         </a:ln>
-        <a:effectLst/>
+        <a:effectLst>
+          <a:outerShdw blurRad="57150" dist="19050" dir="5400000" algn="ctr" rotWithShape="0">
+            <a:srgbClr val="000000">
+              <a:alpha val="63000"/>
+            </a:srgbClr>
+          </a:outerShdw>
+        </a:effectLst>
       </dsp:spPr>
       <dsp:style>
         <a:lnRef idx="1">
@@ -2663,7 +2828,7 @@
         <a:fillRef idx="3">
           <a:scrgbClr r="0" g="0" b="0"/>
         </a:fillRef>
-        <a:effectRef idx="2">
+        <a:effectRef idx="3">
           <a:scrgbClr r="0" g="0" b="0"/>
         </a:effectRef>
         <a:fontRef idx="minor">
@@ -2671,15 +2836,15 @@
         </a:fontRef>
       </dsp:style>
     </dsp:sp>
-    <dsp:sp modelId="{1C20CB16-9D30-4D8A-AFB9-87A5A7E59224}">
+    <dsp:sp modelId="{03AB9369-BB9C-4D58-96F0-F7EF9250FF4B}">
       <dsp:nvSpPr>
         <dsp:cNvPr id="0" name=""/>
         <dsp:cNvSpPr/>
       </dsp:nvSpPr>
       <dsp:spPr>
         <a:xfrm>
-          <a:off x="0" y="4844772"/>
-          <a:ext cx="6912245" cy="692110"/>
+          <a:off x="0" y="3807420"/>
+          <a:ext cx="10233025" cy="543917"/>
         </a:xfrm>
         <a:prstGeom prst="rect">
           <a:avLst/>
@@ -2703,12 +2868,12 @@
         <a:fontRef idx="minor"/>
       </dsp:style>
       <dsp:txBody>
-        <a:bodyPr spcFirstLastPara="0" vert="horz" wrap="square" lIns="99060" tIns="99060" rIns="99060" bIns="99060" numCol="1" spcCol="1270" anchor="t" anchorCtr="0">
+        <a:bodyPr spcFirstLastPara="0" vert="horz" wrap="square" lIns="95250" tIns="95250" rIns="95250" bIns="95250" numCol="1" spcCol="1270" anchor="t" anchorCtr="0">
           <a:noAutofit/>
         </a:bodyPr>
         <a:lstStyle/>
         <a:p>
-          <a:pPr marL="0" lvl="0" indent="0" algn="l" defTabSz="1155700">
+          <a:pPr marL="0" lvl="0" indent="0" algn="l" defTabSz="1111250">
             <a:lnSpc>
               <a:spcPct val="90000"/>
             </a:lnSpc>
@@ -2721,15 +2886,15 @@
             <a:buNone/>
           </a:pPr>
           <a:r>
-            <a:rPr lang="pl-PL" sz="2600" kern="1200"/>
+            <a:rPr lang="pl-PL" sz="2500" kern="1200" dirty="0" err="1"/>
             <a:t>Questions</a:t>
           </a:r>
-          <a:endParaRPr lang="en-US" sz="2600" kern="1200"/>
+          <a:endParaRPr lang="en-US" sz="2500" kern="1200" dirty="0"/>
         </a:p>
       </dsp:txBody>
       <dsp:txXfrm>
-        <a:off x="0" y="4844772"/>
-        <a:ext cx="6912245" cy="692110"/>
+        <a:off x="0" y="3807420"/>
+        <a:ext cx="10233025" cy="543917"/>
       </dsp:txXfrm>
     </dsp:sp>
   </dsp:spTree>
@@ -3203,11 +3368,11 @@
 </file>
 
 <file path=ppt/diagrams/quickStyle1.xml><?xml version="1.0" encoding="utf-8"?>
-<dgm:styleDef xmlns:dgm="http://schemas.openxmlformats.org/drawingml/2006/diagram" xmlns:a="http://schemas.openxmlformats.org/drawingml/2006/main" uniqueId="urn:microsoft.com/office/officeart/2005/8/quickstyle/simple4">
+<dgm:styleDef xmlns:dgm="http://schemas.openxmlformats.org/drawingml/2006/diagram" xmlns:a="http://schemas.openxmlformats.org/drawingml/2006/main" uniqueId="urn:microsoft.com/office/officeart/2005/8/quickstyle/simple5">
   <dgm:title val=""/>
   <dgm:desc val=""/>
   <dgm:catLst>
-    <dgm:cat type="simple" pri="10400"/>
+    <dgm:cat type="simple" pri="10500"/>
   </dgm:catLst>
   <dgm:scene3d>
     <a:camera prst="orthographicFront"/>
@@ -3227,7 +3392,7 @@
       <a:fillRef idx="3">
         <a:scrgbClr r="0" g="0" b="0"/>
       </a:fillRef>
-      <a:effectRef idx="2">
+      <a:effectRef idx="3">
         <a:scrgbClr r="0" g="0" b="0"/>
       </a:effectRef>
       <a:fontRef idx="minor">
@@ -3243,13 +3408,13 @@
     <dgm:sp3d/>
     <dgm:txPr/>
     <dgm:style>
-      <a:lnRef idx="1">
+      <a:lnRef idx="0">
         <a:scrgbClr r="0" g="0" b="0"/>
       </a:lnRef>
       <a:fillRef idx="3">
         <a:scrgbClr r="0" g="0" b="0"/>
       </a:fillRef>
-      <a:effectRef idx="2">
+      <a:effectRef idx="3">
         <a:scrgbClr r="0" g="0" b="0"/>
       </a:effectRef>
       <a:fontRef idx="minor">
@@ -3271,7 +3436,7 @@
       <a:fillRef idx="3">
         <a:scrgbClr r="0" g="0" b="0"/>
       </a:fillRef>
-      <a:effectRef idx="0">
+      <a:effectRef idx="3">
         <a:scrgbClr r="0" g="0" b="0"/>
       </a:effectRef>
       <a:fontRef idx="minor">
@@ -3293,7 +3458,7 @@
       <a:fillRef idx="3">
         <a:scrgbClr r="0" g="0" b="0"/>
       </a:fillRef>
-      <a:effectRef idx="2">
+      <a:effectRef idx="3">
         <a:scrgbClr r="0" g="0" b="0"/>
       </a:effectRef>
       <a:fontRef idx="minor">
@@ -3315,7 +3480,7 @@
       <a:fillRef idx="3">
         <a:scrgbClr r="0" g="0" b="0"/>
       </a:fillRef>
-      <a:effectRef idx="2">
+      <a:effectRef idx="3">
         <a:scrgbClr r="0" g="0" b="0"/>
       </a:effectRef>
       <a:fontRef idx="minor">
@@ -3337,7 +3502,7 @@
       <a:fillRef idx="3">
         <a:scrgbClr r="0" g="0" b="0"/>
       </a:fillRef>
-      <a:effectRef idx="2">
+      <a:effectRef idx="3">
         <a:scrgbClr r="0" g="0" b="0"/>
       </a:effectRef>
       <a:fontRef idx="minor">
@@ -3359,7 +3524,7 @@
       <a:fillRef idx="3">
         <a:scrgbClr r="0" g="0" b="0"/>
       </a:fillRef>
-      <a:effectRef idx="2">
+      <a:effectRef idx="3">
         <a:scrgbClr r="0" g="0" b="0"/>
       </a:effectRef>
       <a:fontRef idx="minor">
@@ -3381,7 +3546,7 @@
       <a:fillRef idx="3">
         <a:scrgbClr r="0" g="0" b="0"/>
       </a:fillRef>
-      <a:effectRef idx="2">
+      <a:effectRef idx="3">
         <a:scrgbClr r="0" g="0" b="0"/>
       </a:effectRef>
       <a:fontRef idx="minor">
@@ -3403,7 +3568,7 @@
       <a:fillRef idx="1">
         <a:scrgbClr r="0" g="0" b="0"/>
       </a:fillRef>
-      <a:effectRef idx="2">
+      <a:effectRef idx="3">
         <a:scrgbClr r="0" g="0" b="0"/>
       </a:effectRef>
       <a:fontRef idx="minor"/>
@@ -3423,7 +3588,7 @@
       <a:fillRef idx="1">
         <a:scrgbClr r="0" g="0" b="0"/>
       </a:fillRef>
-      <a:effectRef idx="2">
+      <a:effectRef idx="3">
         <a:scrgbClr r="0" g="0" b="0"/>
       </a:effectRef>
       <a:fontRef idx="minor"/>
@@ -3443,7 +3608,7 @@
       <a:fillRef idx="1">
         <a:scrgbClr r="0" g="0" b="0"/>
       </a:fillRef>
-      <a:effectRef idx="2">
+      <a:effectRef idx="3">
         <a:scrgbClr r="0" g="0" b="0"/>
       </a:effectRef>
       <a:fontRef idx="minor"/>
@@ -3463,7 +3628,7 @@
       <a:fillRef idx="3">
         <a:scrgbClr r="0" g="0" b="0"/>
       </a:fillRef>
-      <a:effectRef idx="2">
+      <a:effectRef idx="3">
         <a:scrgbClr r="0" g="0" b="0"/>
       </a:effectRef>
       <a:fontRef idx="minor">
@@ -3485,7 +3650,7 @@
       <a:fillRef idx="3">
         <a:scrgbClr r="0" g="0" b="0"/>
       </a:fillRef>
-      <a:effectRef idx="2">
+      <a:effectRef idx="3">
         <a:scrgbClr r="0" g="0" b="0"/>
       </a:effectRef>
       <a:fontRef idx="minor">
@@ -3507,7 +3672,7 @@
       <a:fillRef idx="3">
         <a:scrgbClr r="0" g="0" b="0"/>
       </a:fillRef>
-      <a:effectRef idx="2">
+      <a:effectRef idx="3">
         <a:scrgbClr r="0" g="0" b="0"/>
       </a:effectRef>
       <a:fontRef idx="minor">
@@ -3543,10 +3708,10 @@
     <dgm:sp3d/>
     <dgm:txPr/>
     <dgm:style>
-      <a:lnRef idx="2">
+      <a:lnRef idx="1">
         <a:scrgbClr r="0" g="0" b="0"/>
       </a:lnRef>
-      <a:fillRef idx="1">
+      <a:fillRef idx="0">
         <a:scrgbClr r="0" g="0" b="0"/>
       </a:fillRef>
       <a:effectRef idx="1">
@@ -3569,7 +3734,7 @@
       <a:fillRef idx="3">
         <a:scrgbClr r="0" g="0" b="0"/>
       </a:fillRef>
-      <a:effectRef idx="2">
+      <a:effectRef idx="3">
         <a:scrgbClr r="0" g="0" b="0"/>
       </a:effectRef>
       <a:fontRef idx="minor">
@@ -3591,7 +3756,7 @@
       <a:fillRef idx="3">
         <a:scrgbClr r="0" g="0" b="0"/>
       </a:fillRef>
-      <a:effectRef idx="2">
+      <a:effectRef idx="3">
         <a:scrgbClr r="0" g="0" b="0"/>
       </a:effectRef>
       <a:fontRef idx="minor">
@@ -3613,7 +3778,7 @@
       <a:fillRef idx="3">
         <a:scrgbClr r="0" g="0" b="0"/>
       </a:fillRef>
-      <a:effectRef idx="2">
+      <a:effectRef idx="3">
         <a:scrgbClr r="0" g="0" b="0"/>
       </a:effectRef>
       <a:fontRef idx="minor">
@@ -3635,7 +3800,7 @@
       <a:fillRef idx="3">
         <a:scrgbClr r="0" g="0" b="0"/>
       </a:fillRef>
-      <a:effectRef idx="2">
+      <a:effectRef idx="3">
         <a:scrgbClr r="0" g="0" b="0"/>
       </a:effectRef>
       <a:fontRef idx="minor">
@@ -3657,7 +3822,7 @@
       <a:fillRef idx="3">
         <a:scrgbClr r="0" g="0" b="0"/>
       </a:fillRef>
-      <a:effectRef idx="2">
+      <a:effectRef idx="3">
         <a:scrgbClr r="0" g="0" b="0"/>
       </a:effectRef>
       <a:fontRef idx="minor">
@@ -3679,7 +3844,7 @@
       <a:fillRef idx="3">
         <a:scrgbClr r="0" g="0" b="0"/>
       </a:fillRef>
-      <a:effectRef idx="2">
+      <a:effectRef idx="3">
         <a:scrgbClr r="0" g="0" b="0"/>
       </a:effectRef>
       <a:fontRef idx="minor">
@@ -3701,7 +3866,7 @@
       <a:fillRef idx="3">
         <a:scrgbClr r="0" g="0" b="0"/>
       </a:fillRef>
-      <a:effectRef idx="2">
+      <a:effectRef idx="3">
         <a:scrgbClr r="0" g="0" b="0"/>
       </a:effectRef>
       <a:fontRef idx="minor">
@@ -3717,13 +3882,13 @@
     <dgm:sp3d/>
     <dgm:txPr/>
     <dgm:style>
-      <a:lnRef idx="1">
+      <a:lnRef idx="0">
         <a:scrgbClr r="0" g="0" b="0"/>
       </a:lnRef>
       <a:fillRef idx="3">
         <a:scrgbClr r="0" g="0" b="0"/>
       </a:fillRef>
-      <a:effectRef idx="2">
+      <a:effectRef idx="3">
         <a:scrgbClr r="0" g="0" b="0"/>
       </a:effectRef>
       <a:fontRef idx="minor">
@@ -3739,13 +3904,13 @@
     <dgm:sp3d/>
     <dgm:txPr/>
     <dgm:style>
-      <a:lnRef idx="1">
+      <a:lnRef idx="0">
         <a:scrgbClr r="0" g="0" b="0"/>
       </a:lnRef>
       <a:fillRef idx="3">
         <a:scrgbClr r="0" g="0" b="0"/>
       </a:fillRef>
-      <a:effectRef idx="2">
+      <a:effectRef idx="3">
         <a:scrgbClr r="0" g="0" b="0"/>
       </a:effectRef>
       <a:fontRef idx="minor">
@@ -3761,7 +3926,7 @@
     <dgm:sp3d/>
     <dgm:txPr/>
     <dgm:style>
-      <a:lnRef idx="1">
+      <a:lnRef idx="2">
         <a:scrgbClr r="0" g="0" b="0"/>
       </a:lnRef>
       <a:fillRef idx="0">
@@ -3781,7 +3946,7 @@
     <dgm:sp3d/>
     <dgm:txPr/>
     <dgm:style>
-      <a:lnRef idx="1">
+      <a:lnRef idx="2">
         <a:scrgbClr r="0" g="0" b="0"/>
       </a:lnRef>
       <a:fillRef idx="0">
@@ -3801,7 +3966,7 @@
     <dgm:sp3d/>
     <dgm:txPr/>
     <dgm:style>
-      <a:lnRef idx="1">
+      <a:lnRef idx="2">
         <a:scrgbClr r="0" g="0" b="0"/>
       </a:lnRef>
       <a:fillRef idx="0">
@@ -3821,7 +3986,7 @@
     <dgm:sp3d/>
     <dgm:txPr/>
     <dgm:style>
-      <a:lnRef idx="1">
+      <a:lnRef idx="2">
         <a:scrgbClr r="0" g="0" b="0"/>
       </a:lnRef>
       <a:fillRef idx="0">
@@ -3847,7 +4012,7 @@
       <a:fillRef idx="1">
         <a:scrgbClr r="0" g="0" b="0"/>
       </a:fillRef>
-      <a:effectRef idx="0">
+      <a:effectRef idx="2">
         <a:scrgbClr r="0" g="0" b="0"/>
       </a:effectRef>
       <a:fontRef idx="minor"/>
@@ -3867,7 +4032,7 @@
       <a:fillRef idx="1">
         <a:scrgbClr r="0" g="0" b="0"/>
       </a:fillRef>
-      <a:effectRef idx="0">
+      <a:effectRef idx="2">
         <a:scrgbClr r="0" g="0" b="0"/>
       </a:effectRef>
       <a:fontRef idx="minor"/>
@@ -3887,7 +4052,7 @@
       <a:fillRef idx="1">
         <a:scrgbClr r="0" g="0" b="0"/>
       </a:fillRef>
-      <a:effectRef idx="0">
+      <a:effectRef idx="2">
         <a:scrgbClr r="0" g="0" b="0"/>
       </a:effectRef>
       <a:fontRef idx="minor"/>
@@ -3927,7 +4092,7 @@
       <a:fillRef idx="1">
         <a:scrgbClr r="0" g="0" b="0"/>
       </a:fillRef>
-      <a:effectRef idx="0">
+      <a:effectRef idx="2">
         <a:scrgbClr r="0" g="0" b="0"/>
       </a:effectRef>
       <a:fontRef idx="minor"/>
@@ -3947,7 +4112,7 @@
       <a:fillRef idx="1">
         <a:scrgbClr r="0" g="0" b="0"/>
       </a:fillRef>
-      <a:effectRef idx="0">
+      <a:effectRef idx="2">
         <a:scrgbClr r="0" g="0" b="0"/>
       </a:effectRef>
       <a:fontRef idx="minor"/>
@@ -3967,7 +4132,7 @@
       <a:fillRef idx="1">
         <a:scrgbClr r="0" g="0" b="0"/>
       </a:fillRef>
-      <a:effectRef idx="0">
+      <a:effectRef idx="3">
         <a:scrgbClr r="0" g="0" b="0"/>
       </a:effectRef>
       <a:fontRef idx="minor"/>
@@ -3987,7 +4152,7 @@
       <a:fillRef idx="1">
         <a:scrgbClr r="0" g="0" b="0"/>
       </a:fillRef>
-      <a:effectRef idx="0">
+      <a:effectRef idx="3">
         <a:scrgbClr r="0" g="0" b="0"/>
       </a:effectRef>
       <a:fontRef idx="minor"/>
@@ -4007,7 +4172,7 @@
       <a:fillRef idx="1">
         <a:scrgbClr r="0" g="0" b="0"/>
       </a:fillRef>
-      <a:effectRef idx="0">
+      <a:effectRef idx="2">
         <a:scrgbClr r="0" g="0" b="0"/>
       </a:effectRef>
       <a:fontRef idx="minor"/>
@@ -4027,7 +4192,7 @@
       <a:fillRef idx="1">
         <a:scrgbClr r="0" g="0" b="0"/>
       </a:fillRef>
-      <a:effectRef idx="0">
+      <a:effectRef idx="2">
         <a:scrgbClr r="0" g="0" b="0"/>
       </a:effectRef>
       <a:fontRef idx="minor"/>
@@ -4047,7 +4212,7 @@
       <a:fillRef idx="1">
         <a:scrgbClr r="0" g="0" b="0"/>
       </a:fillRef>
-      <a:effectRef idx="0">
+      <a:effectRef idx="2">
         <a:scrgbClr r="0" g="0" b="0"/>
       </a:effectRef>
       <a:fontRef idx="minor"/>
@@ -4067,7 +4232,7 @@
       <a:fillRef idx="1">
         <a:scrgbClr r="0" g="0" b="0"/>
       </a:fillRef>
-      <a:effectRef idx="0">
+      <a:effectRef idx="2">
         <a:scrgbClr r="0" g="0" b="0"/>
       </a:effectRef>
       <a:fontRef idx="minor"/>
@@ -4087,7 +4252,7 @@
       <a:fillRef idx="1">
         <a:scrgbClr r="0" g="0" b="0"/>
       </a:fillRef>
-      <a:effectRef idx="0">
+      <a:effectRef idx="2">
         <a:scrgbClr r="0" g="0" b="0"/>
       </a:effectRef>
       <a:fontRef idx="minor"/>
@@ -4107,7 +4272,7 @@
       <a:fillRef idx="1">
         <a:scrgbClr r="0" g="0" b="0"/>
       </a:fillRef>
-      <a:effectRef idx="0">
+      <a:effectRef idx="2">
         <a:scrgbClr r="0" g="0" b="0"/>
       </a:effectRef>
       <a:fontRef idx="minor"/>
@@ -4127,7 +4292,7 @@
       <a:fillRef idx="1">
         <a:scrgbClr r="0" g="0" b="0"/>
       </a:fillRef>
-      <a:effectRef idx="0">
+      <a:effectRef idx="2">
         <a:scrgbClr r="0" g="0" b="0"/>
       </a:effectRef>
       <a:fontRef idx="minor"/>
@@ -4167,7 +4332,7 @@
       <a:fillRef idx="1">
         <a:scrgbClr r="0" g="0" b="0"/>
       </a:fillRef>
-      <a:effectRef idx="2">
+      <a:effectRef idx="3">
         <a:scrgbClr r="0" g="0" b="0"/>
       </a:effectRef>
       <a:fontRef idx="minor"/>
@@ -4207,7 +4372,7 @@
       <a:fillRef idx="3">
         <a:scrgbClr r="0" g="0" b="0"/>
       </a:fillRef>
-      <a:effectRef idx="2">
+      <a:effectRef idx="3">
         <a:scrgbClr r="0" g="0" b="0"/>
       </a:effectRef>
       <a:fontRef idx="minor"/>
@@ -4318,7 +4483,7 @@
           <a:p>
             <a:fld id="{C30C270E-9714-422B-B7EA-B510AECAFD34}" type="datetimeFigureOut">
               <a:rPr lang="pl-PL" smtClean="0"/>
-              <a:t>16.08.2020</a:t>
+              <a:t>19.08.2020</a:t>
             </a:fld>
             <a:endParaRPr lang="pl-PL"/>
           </a:p>
@@ -5217,7 +5382,7 @@
           <a:p>
             <a:fld id="{96D30BF6-FA71-4576-A5BC-BB4B1D1254CD}" type="datetimeFigureOut">
               <a:rPr lang="pl-PL" smtClean="0"/>
-              <a:t>16.08.2020</a:t>
+              <a:t>19.08.2020</a:t>
             </a:fld>
             <a:endParaRPr lang="pl-PL"/>
           </a:p>
@@ -5503,7 +5668,7 @@
           <a:p>
             <a:fld id="{96D30BF6-FA71-4576-A5BC-BB4B1D1254CD}" type="datetimeFigureOut">
               <a:rPr lang="pl-PL" smtClean="0"/>
-              <a:t>16.08.2020</a:t>
+              <a:t>19.08.2020</a:t>
             </a:fld>
             <a:endParaRPr lang="pl-PL"/>
           </a:p>
@@ -5695,7 +5860,7 @@
           <a:p>
             <a:fld id="{96D30BF6-FA71-4576-A5BC-BB4B1D1254CD}" type="datetimeFigureOut">
               <a:rPr lang="pl-PL" smtClean="0"/>
-              <a:t>16.08.2020</a:t>
+              <a:t>19.08.2020</a:t>
             </a:fld>
             <a:endParaRPr lang="pl-PL"/>
           </a:p>
@@ -5956,7 +6121,7 @@
           <a:p>
             <a:fld id="{96D30BF6-FA71-4576-A5BC-BB4B1D1254CD}" type="datetimeFigureOut">
               <a:rPr lang="pl-PL" smtClean="0"/>
-              <a:t>16.08.2020</a:t>
+              <a:t>19.08.2020</a:t>
             </a:fld>
             <a:endParaRPr lang="pl-PL"/>
           </a:p>
@@ -6382,7 +6547,7 @@
           <a:p>
             <a:fld id="{96D30BF6-FA71-4576-A5BC-BB4B1D1254CD}" type="datetimeFigureOut">
               <a:rPr lang="pl-PL" smtClean="0"/>
-              <a:t>16.08.2020</a:t>
+              <a:t>19.08.2020</a:t>
             </a:fld>
             <a:endParaRPr lang="pl-PL"/>
           </a:p>
@@ -6928,7 +7093,7 @@
           <a:p>
             <a:fld id="{96D30BF6-FA71-4576-A5BC-BB4B1D1254CD}" type="datetimeFigureOut">
               <a:rPr lang="pl-PL" smtClean="0"/>
-              <a:t>16.08.2020</a:t>
+              <a:t>19.08.2020</a:t>
             </a:fld>
             <a:endParaRPr lang="pl-PL"/>
           </a:p>
@@ -7759,7 +7924,7 @@
           <a:p>
             <a:fld id="{96D30BF6-FA71-4576-A5BC-BB4B1D1254CD}" type="datetimeFigureOut">
               <a:rPr lang="pl-PL" smtClean="0"/>
-              <a:t>16.08.2020</a:t>
+              <a:t>19.08.2020</a:t>
             </a:fld>
             <a:endParaRPr lang="pl-PL"/>
           </a:p>
@@ -7929,7 +8094,7 @@
           <a:p>
             <a:fld id="{96D30BF6-FA71-4576-A5BC-BB4B1D1254CD}" type="datetimeFigureOut">
               <a:rPr lang="pl-PL" smtClean="0"/>
-              <a:t>16.08.2020</a:t>
+              <a:t>19.08.2020</a:t>
             </a:fld>
             <a:endParaRPr lang="pl-PL"/>
           </a:p>
@@ -8109,7 +8274,7 @@
           <a:p>
             <a:fld id="{96D30BF6-FA71-4576-A5BC-BB4B1D1254CD}" type="datetimeFigureOut">
               <a:rPr lang="pl-PL" smtClean="0"/>
-              <a:t>16.08.2020</a:t>
+              <a:t>19.08.2020</a:t>
             </a:fld>
             <a:endParaRPr lang="pl-PL"/>
           </a:p>
@@ -8284,7 +8449,7 @@
           <a:p>
             <a:fld id="{96D30BF6-FA71-4576-A5BC-BB4B1D1254CD}" type="datetimeFigureOut">
               <a:rPr lang="pl-PL" smtClean="0"/>
-              <a:t>16.08.2020</a:t>
+              <a:t>19.08.2020</a:t>
             </a:fld>
             <a:endParaRPr lang="pl-PL"/>
           </a:p>
@@ -8541,7 +8706,7 @@
           <a:p>
             <a:fld id="{96D30BF6-FA71-4576-A5BC-BB4B1D1254CD}" type="datetimeFigureOut">
               <a:rPr lang="pl-PL" smtClean="0"/>
-              <a:t>16.08.2020</a:t>
+              <a:t>19.08.2020</a:t>
             </a:fld>
             <a:endParaRPr lang="pl-PL"/>
           </a:p>
@@ -8778,7 +8943,7 @@
           <a:p>
             <a:fld id="{96D30BF6-FA71-4576-A5BC-BB4B1D1254CD}" type="datetimeFigureOut">
               <a:rPr lang="pl-PL" smtClean="0"/>
-              <a:t>16.08.2020</a:t>
+              <a:t>19.08.2020</a:t>
             </a:fld>
             <a:endParaRPr lang="pl-PL"/>
           </a:p>
@@ -9171,7 +9336,7 @@
           <a:p>
             <a:fld id="{96D30BF6-FA71-4576-A5BC-BB4B1D1254CD}" type="datetimeFigureOut">
               <a:rPr lang="pl-PL" smtClean="0"/>
-              <a:t>16.08.2020</a:t>
+              <a:t>19.08.2020</a:t>
             </a:fld>
             <a:endParaRPr lang="pl-PL"/>
           </a:p>
@@ -9289,7 +9454,7 @@
           <a:p>
             <a:fld id="{96D30BF6-FA71-4576-A5BC-BB4B1D1254CD}" type="datetimeFigureOut">
               <a:rPr lang="pl-PL" smtClean="0"/>
-              <a:t>16.08.2020</a:t>
+              <a:t>19.08.2020</a:t>
             </a:fld>
             <a:endParaRPr lang="pl-PL"/>
           </a:p>
@@ -9384,7 +9549,7 @@
           <a:p>
             <a:fld id="{96D30BF6-FA71-4576-A5BC-BB4B1D1254CD}" type="datetimeFigureOut">
               <a:rPr lang="pl-PL" smtClean="0"/>
-              <a:t>16.08.2020</a:t>
+              <a:t>19.08.2020</a:t>
             </a:fld>
             <a:endParaRPr lang="pl-PL"/>
           </a:p>
@@ -9657,7 +9822,7 @@
           <a:p>
             <a:fld id="{96D30BF6-FA71-4576-A5BC-BB4B1D1254CD}" type="datetimeFigureOut">
               <a:rPr lang="pl-PL" smtClean="0"/>
-              <a:t>16.08.2020</a:t>
+              <a:t>19.08.2020</a:t>
             </a:fld>
             <a:endParaRPr lang="pl-PL"/>
           </a:p>
@@ -9938,7 +10103,7 @@
           <a:p>
             <a:fld id="{96D30BF6-FA71-4576-A5BC-BB4B1D1254CD}" type="datetimeFigureOut">
               <a:rPr lang="pl-PL" smtClean="0"/>
-              <a:t>16.08.2020</a:t>
+              <a:t>19.08.2020</a:t>
             </a:fld>
             <a:endParaRPr lang="pl-PL"/>
           </a:p>
@@ -10178,7 +10343,7 @@
           <a:p>
             <a:fld id="{96D30BF6-FA71-4576-A5BC-BB4B1D1254CD}" type="datetimeFigureOut">
               <a:rPr lang="pl-PL" smtClean="0"/>
-              <a:t>16.08.2020</a:t>
+              <a:t>19.08.2020</a:t>
             </a:fld>
             <a:endParaRPr lang="pl-PL"/>
           </a:p>
@@ -13541,145 +13706,6 @@
       </p:grpSpPr>
       <p:sp>
         <p:nvSpPr>
-          <p:cNvPr id="18" name="Rectangle 17">
-            <a:extLst>
-              <a:ext uri="{FF2B5EF4-FFF2-40B4-BE49-F238E27FC236}">
-                <a16:creationId xmlns:a16="http://schemas.microsoft.com/office/drawing/2014/main" id="{619B3503-D505-49AA-97C1-B299D58DB436}"/>
-              </a:ext>
-              <a:ext uri="{C183D7F6-B498-43B3-948B-1728B52AA6E4}">
-                <adec:decorative xmlns:adec="http://schemas.microsoft.com/office/drawing/2017/decorative" val="1"/>
-              </a:ext>
-            </a:extLst>
-          </p:cNvPr>
-          <p:cNvSpPr>
-            <a:spLocks noGrp="1" noRot="1" noChangeAspect="1" noMove="1" noResize="1" noEditPoints="1" noAdjustHandles="1" noChangeArrowheads="1" noChangeShapeType="1" noTextEdit="1"/>
-          </p:cNvSpPr>
-          <p:nvPr>
-            <p:extLst>
-              <p:ext uri="{386F3935-93C4-4BCD-93E2-E3B085C9AB24}">
-                <p16:designElem xmlns:p16="http://schemas.microsoft.com/office/powerpoint/2015/main" val="1"/>
-              </p:ext>
-            </p:extLst>
-          </p:nvPr>
-        </p:nvSpPr>
-        <p:spPr>
-          <a:xfrm>
-            <a:off x="4067746" y="0"/>
-            <a:ext cx="8124253" cy="6858000"/>
-          </a:xfrm>
-          <a:prstGeom prst="rect">
-            <a:avLst/>
-          </a:prstGeom>
-          <a:solidFill>
-            <a:schemeClr val="bg1">
-              <a:alpha val="20000"/>
-            </a:schemeClr>
-          </a:solidFill>
-          <a:ln>
-            <a:noFill/>
-          </a:ln>
-          <a:effectLst>
-            <a:innerShdw blurRad="139700" dist="50800" dir="5400000">
-              <a:prstClr val="black">
-                <a:alpha val="20000"/>
-              </a:prstClr>
-            </a:innerShdw>
-          </a:effectLst>
-        </p:spPr>
-        <p:style>
-          <a:lnRef idx="2">
-            <a:schemeClr val="accent1">
-              <a:shade val="50000"/>
-            </a:schemeClr>
-          </a:lnRef>
-          <a:fillRef idx="1">
-            <a:schemeClr val="accent1"/>
-          </a:fillRef>
-          <a:effectRef idx="0">
-            <a:schemeClr val="accent1"/>
-          </a:effectRef>
-          <a:fontRef idx="minor">
-            <a:schemeClr val="lt1"/>
-          </a:fontRef>
-        </p:style>
-        <p:txBody>
-          <a:bodyPr rtlCol="0" anchor="ctr"/>
-          <a:lstStyle/>
-          <a:p>
-            <a:pPr algn="ctr"/>
-            <a:endParaRPr lang="en-US"/>
-          </a:p>
-        </p:txBody>
-      </p:sp>
-      <p:sp useBgFill="1">
-        <p:nvSpPr>
-          <p:cNvPr id="20" name="Rectangle 19">
-            <a:extLst>
-              <a:ext uri="{FF2B5EF4-FFF2-40B4-BE49-F238E27FC236}">
-                <a16:creationId xmlns:a16="http://schemas.microsoft.com/office/drawing/2014/main" id="{E39A2319-946A-4C65-9B7C-1F86E9B1B57C}"/>
-              </a:ext>
-              <a:ext uri="{C183D7F6-B498-43B3-948B-1728B52AA6E4}">
-                <adec:decorative xmlns:adec="http://schemas.microsoft.com/office/drawing/2017/decorative" val="1"/>
-              </a:ext>
-            </a:extLst>
-          </p:cNvPr>
-          <p:cNvSpPr>
-            <a:spLocks noGrp="1" noRot="1" noChangeAspect="1" noMove="1" noResize="1" noEditPoints="1" noAdjustHandles="1" noChangeArrowheads="1" noChangeShapeType="1" noTextEdit="1"/>
-          </p:cNvSpPr>
-          <p:nvPr>
-            <p:extLst>
-              <p:ext uri="{386F3935-93C4-4BCD-93E2-E3B085C9AB24}">
-                <p16:designElem xmlns:p16="http://schemas.microsoft.com/office/powerpoint/2015/main" val="1"/>
-              </p:ext>
-            </p:extLst>
-          </p:nvPr>
-        </p:nvSpPr>
-        <p:spPr>
-          <a:xfrm>
-            <a:off x="0" y="1"/>
-            <a:ext cx="4067747" cy="6857996"/>
-          </a:xfrm>
-          <a:prstGeom prst="rect">
-            <a:avLst/>
-          </a:prstGeom>
-          <a:ln>
-            <a:noFill/>
-          </a:ln>
-          <a:effectLst>
-            <a:outerShdw blurRad="50800" dist="38100" algn="l" rotWithShape="0">
-              <a:prstClr val="black">
-                <a:alpha val="40000"/>
-              </a:prstClr>
-            </a:outerShdw>
-          </a:effectLst>
-        </p:spPr>
-        <p:style>
-          <a:lnRef idx="2">
-            <a:schemeClr val="accent1">
-              <a:shade val="50000"/>
-            </a:schemeClr>
-          </a:lnRef>
-          <a:fillRef idx="1">
-            <a:schemeClr val="accent1"/>
-          </a:fillRef>
-          <a:effectRef idx="0">
-            <a:schemeClr val="accent1"/>
-          </a:effectRef>
-          <a:fontRef idx="minor">
-            <a:schemeClr val="lt1"/>
-          </a:fontRef>
-        </p:style>
-        <p:txBody>
-          <a:bodyPr rtlCol="0" anchor="ctr"/>
-          <a:lstStyle/>
-          <a:p>
-            <a:pPr algn="ctr"/>
-            <a:endParaRPr lang="en-US"/>
-          </a:p>
-        </p:txBody>
-      </p:sp>
-      <p:sp>
-        <p:nvSpPr>
           <p:cNvPr id="2" name="Title 1">
             <a:extLst>
               <a:ext uri="{FF2B5EF4-FFF2-40B4-BE49-F238E27FC236}">
@@ -13696,18 +13722,18 @@
         </p:nvSpPr>
         <p:spPr>
           <a:xfrm>
-            <a:off x="647889" y="1349680"/>
-            <a:ext cx="2931320" cy="4449541"/>
+            <a:off x="838200" y="365125"/>
+            <a:ext cx="10515600" cy="1325563"/>
           </a:xfrm>
         </p:spPr>
         <p:txBody>
-          <a:bodyPr anchor="t">
+          <a:bodyPr>
             <a:normAutofit/>
           </a:bodyPr>
           <a:lstStyle/>
           <a:p>
             <a:r>
-              <a:rPr lang="pl-PL" sz="4800">
+              <a:rPr lang="pl-PL">
                 <a:solidFill>
                   <a:schemeClr val="tx1"/>
                 </a:solidFill>
@@ -13733,14 +13759,14 @@
             <p:ph idx="1"/>
             <p:extLst>
               <p:ext uri="{D42A27DB-BD31-4B8C-83A1-F6EECF244321}">
-                <p14:modId xmlns:p14="http://schemas.microsoft.com/office/powerpoint/2010/main" val="141265057"/>
+                <p14:modId xmlns:p14="http://schemas.microsoft.com/office/powerpoint/2010/main" val="1513587968"/>
               </p:ext>
             </p:extLst>
           </p:nvPr>
         </p:nvGraphicFramePr>
         <p:xfrm>
-          <a:off x="4662106" y="640075"/>
-          <a:ext cx="6912245" cy="5536883"/>
+          <a:off x="979488" y="1825625"/>
+          <a:ext cx="10233025" cy="4351338"/>
         </p:xfrm>
         <a:graphic>
           <a:graphicData uri="http://schemas.openxmlformats.org/drawingml/2006/diagram">
@@ -15340,10 +15366,13 @@
           <a:lstStyle/>
           <a:p>
             <a:r>
-              <a:rPr lang="pl-PL"/>
-              <a:t>Why do we test?</a:t>
-            </a:r>
-            <a:endParaRPr lang="pl-PL" dirty="0"/>
+              <a:rPr lang="pl-PL" dirty="0" err="1"/>
+              <a:t>Why</a:t>
+            </a:r>
+            <a:r>
+              <a:rPr lang="pl-PL" dirty="0"/>
+              <a:t> do we test I?</a:t>
+            </a:r>
           </a:p>
         </p:txBody>
       </p:sp>
@@ -15686,8 +15715,13 @@
             </a:r>
             <a:r>
               <a:rPr lang="pl-PL" dirty="0"/>
-              <a:t> do we test?</a:t>
-            </a:r>
+              <a:t> do </a:t>
+            </a:r>
+            <a:r>
+              <a:rPr lang="pl-PL"/>
+              <a:t>we test II?</a:t>
+            </a:r>
+            <a:endParaRPr lang="pl-PL" dirty="0"/>
           </a:p>
         </p:txBody>
       </p:sp>
@@ -17548,21 +17582,6 @@
 </file>
 
 <file path=customXml/item1.xml><?xml version="1.0" encoding="utf-8"?>
-<p:properties xmlns:p="http://schemas.microsoft.com/office/2006/metadata/properties" xmlns:xsi="http://www.w3.org/2001/XMLSchema-instance" xmlns:pc="http://schemas.microsoft.com/office/infopath/2007/PartnerControls">
-  <documentManagement/>
-</p:properties>
-</file>
-
-<file path=customXml/item2.xml><?xml version="1.0" encoding="utf-8"?>
-<?mso-contentType ?>
-<FormTemplates xmlns="http://schemas.microsoft.com/sharepoint/v3/contenttype/forms">
-  <Display>DocumentLibraryForm</Display>
-  <Edit>DocumentLibraryForm</Edit>
-  <New>DocumentLibraryForm</New>
-</FormTemplates>
-</file>
-
-<file path=customXml/item3.xml><?xml version="1.0" encoding="utf-8"?>
 <ct:contentTypeSchema xmlns:ct="http://schemas.microsoft.com/office/2006/metadata/contentType" xmlns:ma="http://schemas.microsoft.com/office/2006/metadata/properties/metaAttributes" ct:_="" ma:_="" ma:contentTypeName="Document" ma:contentTypeID="0x0101005184BFB4BA16AE4A9EE3C8BEF74D50A3" ma:contentTypeVersion="0" ma:contentTypeDescription="Create a new document." ma:contentTypeScope="" ma:versionID="d720147679065e31ecdf65c55fc0bc3a">
   <xsd:schema xmlns:xsd="http://www.w3.org/2001/XMLSchema" xmlns:xs="http://www.w3.org/2001/XMLSchema" xmlns:p="http://schemas.microsoft.com/office/2006/metadata/properties" targetNamespace="http://schemas.microsoft.com/office/2006/metadata/properties" ma:root="true" ma:fieldsID="43a7841bbb0f157a6d10fa10cd875d67">
     <xsd:element name="properties">
@@ -17676,17 +17695,33 @@
 </ct:contentTypeSchema>
 </file>
 
+<file path=customXml/item2.xml><?xml version="1.0" encoding="utf-8"?>
+<?mso-contentType ?>
+<FormTemplates xmlns="http://schemas.microsoft.com/sharepoint/v3/contenttype/forms">
+  <Display>DocumentLibraryForm</Display>
+  <Edit>DocumentLibraryForm</Edit>
+  <New>DocumentLibraryForm</New>
+</FormTemplates>
+</file>
+
+<file path=customXml/item3.xml><?xml version="1.0" encoding="utf-8"?>
+<p:properties xmlns:p="http://schemas.microsoft.com/office/2006/metadata/properties" xmlns:xsi="http://www.w3.org/2001/XMLSchema-instance" xmlns:pc="http://schemas.microsoft.com/office/infopath/2007/PartnerControls">
+  <documentManagement/>
+</p:properties>
+</file>
+
 <file path=customXml/itemProps1.xml><?xml version="1.0" encoding="utf-8"?>
-<ds:datastoreItem xmlns:ds="http://schemas.openxmlformats.org/officeDocument/2006/customXml" ds:itemID="{C31CB5AC-A9CE-4DFD-A397-B798A6EA1D99}">
+<ds:datastoreItem xmlns:ds="http://schemas.openxmlformats.org/officeDocument/2006/customXml" ds:itemID="{847A727C-7D80-4E88-AE0A-B9AE0A316E4A}">
   <ds:schemaRefs>
-    <ds:schemaRef ds:uri="http://schemas.microsoft.com/office/2006/documentManagement/types"/>
+    <ds:schemaRef ds:uri="http://schemas.microsoft.com/office/2006/metadata/contentType"/>
+    <ds:schemaRef ds:uri="http://schemas.microsoft.com/office/2006/metadata/properties/metaAttributes"/>
+    <ds:schemaRef ds:uri="http://www.w3.org/2001/XMLSchema"/>
     <ds:schemaRef ds:uri="http://schemas.microsoft.com/office/2006/metadata/properties"/>
     <ds:schemaRef ds:uri="http://schemas.openxmlformats.org/package/2006/metadata/core-properties"/>
-    <ds:schemaRef ds:uri="http://purl.org/dc/dcmitype/"/>
+    <ds:schemaRef ds:uri="http://purl.org/dc/elements/1.1/"/>
     <ds:schemaRef ds:uri="http://purl.org/dc/terms/"/>
-    <ds:schemaRef ds:uri="http://purl.org/dc/elements/1.1/"/>
+    <ds:schemaRef ds:uri="http://schemas.microsoft.com/internal/obd"/>
     <ds:schemaRef ds:uri="http://schemas.microsoft.com/office/infopath/2007/PartnerControls"/>
-    <ds:schemaRef ds:uri="http://www.w3.org/XML/1998/namespace"/>
   </ds:schemaRefs>
 </ds:datastoreItem>
 </file>
@@ -17700,17 +17735,16 @@
 </file>
 
 <file path=customXml/itemProps3.xml><?xml version="1.0" encoding="utf-8"?>
-<ds:datastoreItem xmlns:ds="http://schemas.openxmlformats.org/officeDocument/2006/customXml" ds:itemID="{847A727C-7D80-4E88-AE0A-B9AE0A316E4A}">
+<ds:datastoreItem xmlns:ds="http://schemas.openxmlformats.org/officeDocument/2006/customXml" ds:itemID="{C31CB5AC-A9CE-4DFD-A397-B798A6EA1D99}">
   <ds:schemaRefs>
-    <ds:schemaRef ds:uri="http://schemas.microsoft.com/office/2006/metadata/contentType"/>
-    <ds:schemaRef ds:uri="http://schemas.microsoft.com/office/2006/metadata/properties/metaAttributes"/>
-    <ds:schemaRef ds:uri="http://www.w3.org/2001/XMLSchema"/>
+    <ds:schemaRef ds:uri="http://schemas.microsoft.com/office/2006/documentManagement/types"/>
     <ds:schemaRef ds:uri="http://schemas.microsoft.com/office/2006/metadata/properties"/>
     <ds:schemaRef ds:uri="http://schemas.openxmlformats.org/package/2006/metadata/core-properties"/>
+    <ds:schemaRef ds:uri="http://purl.org/dc/dcmitype/"/>
+    <ds:schemaRef ds:uri="http://purl.org/dc/terms/"/>
     <ds:schemaRef ds:uri="http://purl.org/dc/elements/1.1/"/>
-    <ds:schemaRef ds:uri="http://purl.org/dc/terms/"/>
-    <ds:schemaRef ds:uri="http://schemas.microsoft.com/internal/obd"/>
     <ds:schemaRef ds:uri="http://schemas.microsoft.com/office/infopath/2007/PartnerControls"/>
+    <ds:schemaRef ds:uri="http://www.w3.org/XML/1998/namespace"/>
   </ds:schemaRefs>
 </ds:datastoreItem>
 </file>